--- a/Presentazioni/Presentazioni PB/Presentazione PB.pptx
+++ b/Presentazioni/Presentazioni PB/Presentazione PB.pptx
@@ -6,9 +6,19 @@
   </p:sldMasterIdLst>
   <p:sldIdLst>
     <p:sldId id="256" r:id="rId2"/>
-    <p:sldId id="257" r:id="rId3"/>
-    <p:sldId id="259" r:id="rId4"/>
-    <p:sldId id="258" r:id="rId5"/>
+    <p:sldId id="271" r:id="rId3"/>
+    <p:sldId id="257" r:id="rId4"/>
+    <p:sldId id="260" r:id="rId5"/>
+    <p:sldId id="261" r:id="rId6"/>
+    <p:sldId id="262" r:id="rId7"/>
+    <p:sldId id="263" r:id="rId8"/>
+    <p:sldId id="264" r:id="rId9"/>
+    <p:sldId id="265" r:id="rId10"/>
+    <p:sldId id="266" r:id="rId11"/>
+    <p:sldId id="267" r:id="rId12"/>
+    <p:sldId id="268" r:id="rId13"/>
+    <p:sldId id="269" r:id="rId14"/>
+    <p:sldId id="270" r:id="rId15"/>
   </p:sldIdLst>
   <p:sldSz cx="12192000" cy="6858000"/>
   <p:notesSz cx="6858000" cy="9144000"/>
@@ -107,11 +117,12 @@
       </a:defRPr>
     </a:lvl9pPr>
   </p:defaultTextStyle>
+  <p:extLst>
+    <p:ext uri="{EFAFB233-063F-42B5-8137-9DF3F51BA10A}">
+      <p15:sldGuideLst xmlns:p15="http://schemas.microsoft.com/office/powerpoint/2012/main"/>
+    </p:ext>
+  </p:extLst>
 </p:presentation>
-</file>
-
-<file path=ppt/revisionInfo.xml><?xml version="1.0" encoding="utf-8"?>
-<p1510:revInfo xmlns:a="http://schemas.openxmlformats.org/drawingml/2006/main" xmlns:r="http://schemas.openxmlformats.org/officeDocument/2006/relationships" xmlns:p1510="http://schemas.microsoft.com/office/powerpoint/2015/10/main"/>
 </file>
 
 <file path=ppt/slideLayouts/slideLayout1.xml><?xml version="1.0" encoding="utf-8"?>
@@ -261,7 +272,7 @@
           <a:p>
             <a:fld id="{5CF95FE8-80A6-42EB-B376-7F3BFD602E63}" type="datetimeFigureOut">
               <a:rPr lang="it-IT" smtClean="0"/>
-              <a:t>31/03/2018</a:t>
+              <a:t>05/04/2018</a:t>
             </a:fld>
             <a:endParaRPr lang="it-IT"/>
           </a:p>
@@ -459,7 +470,7 @@
           <a:p>
             <a:fld id="{5CF95FE8-80A6-42EB-B376-7F3BFD602E63}" type="datetimeFigureOut">
               <a:rPr lang="it-IT" smtClean="0"/>
-              <a:t>31/03/2018</a:t>
+              <a:t>05/04/2018</a:t>
             </a:fld>
             <a:endParaRPr lang="it-IT"/>
           </a:p>
@@ -667,7 +678,7 @@
           <a:p>
             <a:fld id="{5CF95FE8-80A6-42EB-B376-7F3BFD602E63}" type="datetimeFigureOut">
               <a:rPr lang="it-IT" smtClean="0"/>
-              <a:t>31/03/2018</a:t>
+              <a:t>05/04/2018</a:t>
             </a:fld>
             <a:endParaRPr lang="it-IT"/>
           </a:p>
@@ -865,7 +876,7 @@
           <a:p>
             <a:fld id="{5CF95FE8-80A6-42EB-B376-7F3BFD602E63}" type="datetimeFigureOut">
               <a:rPr lang="it-IT" smtClean="0"/>
-              <a:t>31/03/2018</a:t>
+              <a:t>05/04/2018</a:t>
             </a:fld>
             <a:endParaRPr lang="it-IT"/>
           </a:p>
@@ -1140,7 +1151,7 @@
           <a:p>
             <a:fld id="{5CF95FE8-80A6-42EB-B376-7F3BFD602E63}" type="datetimeFigureOut">
               <a:rPr lang="it-IT" smtClean="0"/>
-              <a:t>31/03/2018</a:t>
+              <a:t>05/04/2018</a:t>
             </a:fld>
             <a:endParaRPr lang="it-IT"/>
           </a:p>
@@ -1405,7 +1416,7 @@
           <a:p>
             <a:fld id="{5CF95FE8-80A6-42EB-B376-7F3BFD602E63}" type="datetimeFigureOut">
               <a:rPr lang="it-IT" smtClean="0"/>
-              <a:t>31/03/2018</a:t>
+              <a:t>05/04/2018</a:t>
             </a:fld>
             <a:endParaRPr lang="it-IT"/>
           </a:p>
@@ -1817,7 +1828,7 @@
           <a:p>
             <a:fld id="{5CF95FE8-80A6-42EB-B376-7F3BFD602E63}" type="datetimeFigureOut">
               <a:rPr lang="it-IT" smtClean="0"/>
-              <a:t>31/03/2018</a:t>
+              <a:t>05/04/2018</a:t>
             </a:fld>
             <a:endParaRPr lang="it-IT"/>
           </a:p>
@@ -1958,7 +1969,7 @@
           <a:p>
             <a:fld id="{5CF95FE8-80A6-42EB-B376-7F3BFD602E63}" type="datetimeFigureOut">
               <a:rPr lang="it-IT" smtClean="0"/>
-              <a:t>31/03/2018</a:t>
+              <a:t>05/04/2018</a:t>
             </a:fld>
             <a:endParaRPr lang="it-IT"/>
           </a:p>
@@ -2071,7 +2082,7 @@
           <a:p>
             <a:fld id="{5CF95FE8-80A6-42EB-B376-7F3BFD602E63}" type="datetimeFigureOut">
               <a:rPr lang="it-IT" smtClean="0"/>
-              <a:t>31/03/2018</a:t>
+              <a:t>05/04/2018</a:t>
             </a:fld>
             <a:endParaRPr lang="it-IT"/>
           </a:p>
@@ -2382,7 +2393,7 @@
           <a:p>
             <a:fld id="{5CF95FE8-80A6-42EB-B376-7F3BFD602E63}" type="datetimeFigureOut">
               <a:rPr lang="it-IT" smtClean="0"/>
-              <a:t>31/03/2018</a:t>
+              <a:t>05/04/2018</a:t>
             </a:fld>
             <a:endParaRPr lang="it-IT"/>
           </a:p>
@@ -2670,7 +2681,7 @@
           <a:p>
             <a:fld id="{5CF95FE8-80A6-42EB-B376-7F3BFD602E63}" type="datetimeFigureOut">
               <a:rPr lang="it-IT" smtClean="0"/>
-              <a:t>31/03/2018</a:t>
+              <a:t>05/04/2018</a:t>
             </a:fld>
             <a:endParaRPr lang="it-IT"/>
           </a:p>
@@ -2911,7 +2922,7 @@
           <a:p>
             <a:fld id="{5CF95FE8-80A6-42EB-B376-7F3BFD602E63}" type="datetimeFigureOut">
               <a:rPr lang="it-IT" smtClean="0"/>
-              <a:t>31/03/2018</a:t>
+              <a:t>05/04/2018</a:t>
             </a:fld>
             <a:endParaRPr lang="it-IT"/>
           </a:p>
@@ -3394,6 +3405,492 @@
 </p:sld>
 </file>
 
+<file path=ppt/slides/slide10.xml><?xml version="1.0" encoding="utf-8"?>
+<p:sld xmlns:a="http://schemas.openxmlformats.org/drawingml/2006/main" xmlns:r="http://schemas.openxmlformats.org/officeDocument/2006/relationships" xmlns:p="http://schemas.openxmlformats.org/presentationml/2006/main">
+  <p:cSld>
+    <p:spTree>
+      <p:nvGrpSpPr>
+        <p:cNvPr id="1" name=""/>
+        <p:cNvGrpSpPr/>
+        <p:nvPr/>
+      </p:nvGrpSpPr>
+      <p:grpSpPr>
+        <a:xfrm>
+          <a:off x="0" y="0"/>
+          <a:ext cx="0" cy="0"/>
+          <a:chOff x="0" y="0"/>
+          <a:chExt cx="0" cy="0"/>
+        </a:xfrm>
+      </p:grpSpPr>
+      <p:sp>
+        <p:nvSpPr>
+          <p:cNvPr id="2" name="Titolo 1">
+            <a:extLst>
+              <a:ext uri="{FF2B5EF4-FFF2-40B4-BE49-F238E27FC236}">
+                <a16:creationId xmlns:a16="http://schemas.microsoft.com/office/drawing/2014/main" id="{F4840646-7851-47EA-931D-3B79D239C3E3}"/>
+              </a:ext>
+            </a:extLst>
+          </p:cNvPr>
+          <p:cNvSpPr>
+            <a:spLocks noGrp="1"/>
+          </p:cNvSpPr>
+          <p:nvPr>
+            <p:ph type="title"/>
+          </p:nvPr>
+        </p:nvSpPr>
+        <p:spPr/>
+        <p:txBody>
+          <a:bodyPr/>
+          <a:lstStyle/>
+          <a:p>
+            <a:r>
+              <a:rPr lang="it-IT" dirty="0" err="1"/>
+              <a:t>ViewModel</a:t>
+            </a:r>
+            <a:endParaRPr lang="it-IT" dirty="0"/>
+          </a:p>
+        </p:txBody>
+      </p:sp>
+      <p:sp>
+        <p:nvSpPr>
+          <p:cNvPr id="3" name="Segnaposto contenuto 2">
+            <a:extLst>
+              <a:ext uri="{FF2B5EF4-FFF2-40B4-BE49-F238E27FC236}">
+                <a16:creationId xmlns:a16="http://schemas.microsoft.com/office/drawing/2014/main" id="{1130E280-C8E8-49EA-B053-209D43410BA8}"/>
+              </a:ext>
+            </a:extLst>
+          </p:cNvPr>
+          <p:cNvSpPr>
+            <a:spLocks noGrp="1"/>
+          </p:cNvSpPr>
+          <p:nvPr>
+            <p:ph idx="1"/>
+          </p:nvPr>
+        </p:nvSpPr>
+        <p:spPr/>
+        <p:txBody>
+          <a:bodyPr/>
+          <a:lstStyle/>
+          <a:p>
+            <a:r>
+              <a:rPr lang="it-IT" dirty="0"/>
+              <a:t>Diagramma delle classi</a:t>
+            </a:r>
+          </a:p>
+        </p:txBody>
+      </p:sp>
+    </p:spTree>
+    <p:extLst>
+      <p:ext uri="{BB962C8B-B14F-4D97-AF65-F5344CB8AC3E}">
+        <p14:creationId xmlns:p14="http://schemas.microsoft.com/office/powerpoint/2010/main" val="1880291925"/>
+      </p:ext>
+    </p:extLst>
+  </p:cSld>
+  <p:clrMapOvr>
+    <a:masterClrMapping/>
+  </p:clrMapOvr>
+</p:sld>
+</file>
+
+<file path=ppt/slides/slide11.xml><?xml version="1.0" encoding="utf-8"?>
+<p:sld xmlns:a="http://schemas.openxmlformats.org/drawingml/2006/main" xmlns:r="http://schemas.openxmlformats.org/officeDocument/2006/relationships" xmlns:p="http://schemas.openxmlformats.org/presentationml/2006/main">
+  <p:cSld>
+    <p:spTree>
+      <p:nvGrpSpPr>
+        <p:cNvPr id="1" name=""/>
+        <p:cNvGrpSpPr/>
+        <p:nvPr/>
+      </p:nvGrpSpPr>
+      <p:grpSpPr>
+        <a:xfrm>
+          <a:off x="0" y="0"/>
+          <a:ext cx="0" cy="0"/>
+          <a:chOff x="0" y="0"/>
+          <a:chExt cx="0" cy="0"/>
+        </a:xfrm>
+      </p:grpSpPr>
+      <p:sp>
+        <p:nvSpPr>
+          <p:cNvPr id="2" name="Titolo 1">
+            <a:extLst>
+              <a:ext uri="{FF2B5EF4-FFF2-40B4-BE49-F238E27FC236}">
+                <a16:creationId xmlns:a16="http://schemas.microsoft.com/office/drawing/2014/main" id="{5C243035-CDF1-473F-88FA-C3C27C23ADAF}"/>
+              </a:ext>
+            </a:extLst>
+          </p:cNvPr>
+          <p:cNvSpPr>
+            <a:spLocks noGrp="1"/>
+          </p:cNvSpPr>
+          <p:nvPr>
+            <p:ph type="title"/>
+          </p:nvPr>
+        </p:nvSpPr>
+        <p:spPr/>
+        <p:txBody>
+          <a:bodyPr/>
+          <a:lstStyle/>
+          <a:p>
+            <a:r>
+              <a:rPr lang="it-IT" dirty="0" err="1"/>
+              <a:t>ViewModel</a:t>
+            </a:r>
+            <a:endParaRPr lang="it-IT" dirty="0"/>
+          </a:p>
+        </p:txBody>
+      </p:sp>
+      <p:sp>
+        <p:nvSpPr>
+          <p:cNvPr id="3" name="Segnaposto contenuto 2">
+            <a:extLst>
+              <a:ext uri="{FF2B5EF4-FFF2-40B4-BE49-F238E27FC236}">
+                <a16:creationId xmlns:a16="http://schemas.microsoft.com/office/drawing/2014/main" id="{6B0BAC4D-92F3-4B15-98C9-9E5BA8816B6F}"/>
+              </a:ext>
+            </a:extLst>
+          </p:cNvPr>
+          <p:cNvSpPr>
+            <a:spLocks noGrp="1"/>
+          </p:cNvSpPr>
+          <p:nvPr>
+            <p:ph idx="1"/>
+          </p:nvPr>
+        </p:nvSpPr>
+        <p:spPr/>
+        <p:txBody>
+          <a:bodyPr/>
+          <a:lstStyle/>
+          <a:p>
+            <a:r>
+              <a:rPr lang="it-IT" dirty="0"/>
+              <a:t>Design pattern</a:t>
+            </a:r>
+          </a:p>
+          <a:p>
+            <a:pPr lvl="1"/>
+            <a:r>
+              <a:rPr lang="it-IT" dirty="0" err="1"/>
+              <a:t>Command</a:t>
+            </a:r>
+            <a:r>
+              <a:rPr lang="it-IT" dirty="0"/>
+              <a:t> pattern</a:t>
+            </a:r>
+          </a:p>
+          <a:p>
+            <a:pPr lvl="1"/>
+            <a:r>
+              <a:rPr lang="it-IT" dirty="0"/>
+              <a:t>Builder</a:t>
+            </a:r>
+          </a:p>
+          <a:p>
+            <a:pPr lvl="1"/>
+            <a:r>
+              <a:rPr lang="it-IT" dirty="0"/>
+              <a:t>…</a:t>
+            </a:r>
+          </a:p>
+          <a:p>
+            <a:pPr lvl="2"/>
+            <a:endParaRPr lang="it-IT" dirty="0"/>
+          </a:p>
+        </p:txBody>
+      </p:sp>
+    </p:spTree>
+    <p:extLst>
+      <p:ext uri="{BB962C8B-B14F-4D97-AF65-F5344CB8AC3E}">
+        <p14:creationId xmlns:p14="http://schemas.microsoft.com/office/powerpoint/2010/main" val="927728188"/>
+      </p:ext>
+    </p:extLst>
+  </p:cSld>
+  <p:clrMapOvr>
+    <a:masterClrMapping/>
+  </p:clrMapOvr>
+</p:sld>
+</file>
+
+<file path=ppt/slides/slide12.xml><?xml version="1.0" encoding="utf-8"?>
+<p:sld xmlns:a="http://schemas.openxmlformats.org/drawingml/2006/main" xmlns:r="http://schemas.openxmlformats.org/officeDocument/2006/relationships" xmlns:p="http://schemas.openxmlformats.org/presentationml/2006/main">
+  <p:cSld>
+    <p:spTree>
+      <p:nvGrpSpPr>
+        <p:cNvPr id="1" name=""/>
+        <p:cNvGrpSpPr/>
+        <p:nvPr/>
+      </p:nvGrpSpPr>
+      <p:grpSpPr>
+        <a:xfrm>
+          <a:off x="0" y="0"/>
+          <a:ext cx="0" cy="0"/>
+          <a:chOff x="0" y="0"/>
+          <a:chExt cx="0" cy="0"/>
+        </a:xfrm>
+      </p:grpSpPr>
+      <p:sp>
+        <p:nvSpPr>
+          <p:cNvPr id="2" name="Titolo 1">
+            <a:extLst>
+              <a:ext uri="{FF2B5EF4-FFF2-40B4-BE49-F238E27FC236}">
+                <a16:creationId xmlns:a16="http://schemas.microsoft.com/office/drawing/2014/main" id="{134D89A6-836F-48F4-884B-5E561938C2D0}"/>
+              </a:ext>
+            </a:extLst>
+          </p:cNvPr>
+          <p:cNvSpPr>
+            <a:spLocks noGrp="1"/>
+          </p:cNvSpPr>
+          <p:nvPr>
+            <p:ph type="title"/>
+          </p:nvPr>
+        </p:nvSpPr>
+        <p:spPr/>
+        <p:txBody>
+          <a:bodyPr/>
+          <a:lstStyle/>
+          <a:p>
+            <a:r>
+              <a:rPr lang="it-IT" dirty="0" err="1"/>
+              <a:t>ViewModel</a:t>
+            </a:r>
+            <a:endParaRPr lang="it-IT" dirty="0"/>
+          </a:p>
+        </p:txBody>
+      </p:sp>
+      <p:sp>
+        <p:nvSpPr>
+          <p:cNvPr id="3" name="Segnaposto contenuto 2">
+            <a:extLst>
+              <a:ext uri="{FF2B5EF4-FFF2-40B4-BE49-F238E27FC236}">
+                <a16:creationId xmlns:a16="http://schemas.microsoft.com/office/drawing/2014/main" id="{424A2A11-D613-48C0-957F-4DE0393B26FC}"/>
+              </a:ext>
+            </a:extLst>
+          </p:cNvPr>
+          <p:cNvSpPr>
+            <a:spLocks noGrp="1"/>
+          </p:cNvSpPr>
+          <p:nvPr>
+            <p:ph idx="1"/>
+          </p:nvPr>
+        </p:nvSpPr>
+        <p:spPr/>
+        <p:txBody>
+          <a:bodyPr/>
+          <a:lstStyle/>
+          <a:p>
+            <a:r>
+              <a:rPr lang="it-IT" dirty="0"/>
+              <a:t>Diagrammi di sequenza</a:t>
+            </a:r>
+          </a:p>
+        </p:txBody>
+      </p:sp>
+    </p:spTree>
+    <p:extLst>
+      <p:ext uri="{BB962C8B-B14F-4D97-AF65-F5344CB8AC3E}">
+        <p14:creationId xmlns:p14="http://schemas.microsoft.com/office/powerpoint/2010/main" val="298006015"/>
+      </p:ext>
+    </p:extLst>
+  </p:cSld>
+  <p:clrMapOvr>
+    <a:masterClrMapping/>
+  </p:clrMapOvr>
+</p:sld>
+</file>
+
+<file path=ppt/slides/slide13.xml><?xml version="1.0" encoding="utf-8"?>
+<p:sld xmlns:a="http://schemas.openxmlformats.org/drawingml/2006/main" xmlns:r="http://schemas.openxmlformats.org/officeDocument/2006/relationships" xmlns:p="http://schemas.openxmlformats.org/presentationml/2006/main">
+  <p:cSld>
+    <p:spTree>
+      <p:nvGrpSpPr>
+        <p:cNvPr id="1" name=""/>
+        <p:cNvGrpSpPr/>
+        <p:nvPr/>
+      </p:nvGrpSpPr>
+      <p:grpSpPr>
+        <a:xfrm>
+          <a:off x="0" y="0"/>
+          <a:ext cx="0" cy="0"/>
+          <a:chOff x="0" y="0"/>
+          <a:chExt cx="0" cy="0"/>
+        </a:xfrm>
+      </p:grpSpPr>
+      <p:sp>
+        <p:nvSpPr>
+          <p:cNvPr id="2" name="Titolo 1">
+            <a:extLst>
+              <a:ext uri="{FF2B5EF4-FFF2-40B4-BE49-F238E27FC236}">
+                <a16:creationId xmlns:a16="http://schemas.microsoft.com/office/drawing/2014/main" id="{FBC2CE1A-0135-4ECF-94BE-0B88CAAA0C88}"/>
+              </a:ext>
+            </a:extLst>
+          </p:cNvPr>
+          <p:cNvSpPr>
+            <a:spLocks noGrp="1"/>
+          </p:cNvSpPr>
+          <p:nvPr>
+            <p:ph type="title"/>
+          </p:nvPr>
+        </p:nvSpPr>
+        <p:spPr/>
+        <p:txBody>
+          <a:bodyPr/>
+          <a:lstStyle/>
+          <a:p>
+            <a:r>
+              <a:rPr lang="it-IT" dirty="0"/>
+              <a:t>Casi d’uso coperti</a:t>
+            </a:r>
+          </a:p>
+        </p:txBody>
+      </p:sp>
+      <p:sp>
+        <p:nvSpPr>
+          <p:cNvPr id="3" name="Segnaposto contenuto 2">
+            <a:extLst>
+              <a:ext uri="{FF2B5EF4-FFF2-40B4-BE49-F238E27FC236}">
+                <a16:creationId xmlns:a16="http://schemas.microsoft.com/office/drawing/2014/main" id="{194430CA-4642-47C0-954E-F7FD32317DBD}"/>
+              </a:ext>
+            </a:extLst>
+          </p:cNvPr>
+          <p:cNvSpPr>
+            <a:spLocks noGrp="1"/>
+          </p:cNvSpPr>
+          <p:nvPr>
+            <p:ph idx="1"/>
+          </p:nvPr>
+        </p:nvSpPr>
+        <p:spPr/>
+        <p:txBody>
+          <a:bodyPr/>
+          <a:lstStyle/>
+          <a:p>
+            <a:r>
+              <a:rPr lang="it-IT" dirty="0"/>
+              <a:t>UC 1</a:t>
+            </a:r>
+          </a:p>
+          <a:p>
+            <a:r>
+              <a:rPr lang="it-IT" dirty="0"/>
+              <a:t>UC 2</a:t>
+            </a:r>
+          </a:p>
+          <a:p>
+            <a:r>
+              <a:rPr lang="it-IT" dirty="0"/>
+              <a:t>…</a:t>
+            </a:r>
+          </a:p>
+        </p:txBody>
+      </p:sp>
+    </p:spTree>
+    <p:extLst>
+      <p:ext uri="{BB962C8B-B14F-4D97-AF65-F5344CB8AC3E}">
+        <p14:creationId xmlns:p14="http://schemas.microsoft.com/office/powerpoint/2010/main" val="4207117042"/>
+      </p:ext>
+    </p:extLst>
+  </p:cSld>
+  <p:clrMapOvr>
+    <a:masterClrMapping/>
+  </p:clrMapOvr>
+</p:sld>
+</file>
+
+<file path=ppt/slides/slide14.xml><?xml version="1.0" encoding="utf-8"?>
+<p:sld xmlns:a="http://schemas.openxmlformats.org/drawingml/2006/main" xmlns:r="http://schemas.openxmlformats.org/officeDocument/2006/relationships" xmlns:p="http://schemas.openxmlformats.org/presentationml/2006/main">
+  <p:cSld>
+    <p:spTree>
+      <p:nvGrpSpPr>
+        <p:cNvPr id="1" name=""/>
+        <p:cNvGrpSpPr/>
+        <p:nvPr/>
+      </p:nvGrpSpPr>
+      <p:grpSpPr>
+        <a:xfrm>
+          <a:off x="0" y="0"/>
+          <a:ext cx="0" cy="0"/>
+          <a:chOff x="0" y="0"/>
+          <a:chExt cx="0" cy="0"/>
+        </a:xfrm>
+      </p:grpSpPr>
+      <p:sp>
+        <p:nvSpPr>
+          <p:cNvPr id="2" name="Titolo 1">
+            <a:extLst>
+              <a:ext uri="{FF2B5EF4-FFF2-40B4-BE49-F238E27FC236}">
+                <a16:creationId xmlns:a16="http://schemas.microsoft.com/office/drawing/2014/main" id="{8F7FA2C4-43DE-4C42-9247-A07C657F3110}"/>
+              </a:ext>
+            </a:extLst>
+          </p:cNvPr>
+          <p:cNvSpPr>
+            <a:spLocks noGrp="1"/>
+          </p:cNvSpPr>
+          <p:nvPr>
+            <p:ph type="title"/>
+          </p:nvPr>
+        </p:nvSpPr>
+        <p:spPr/>
+        <p:txBody>
+          <a:bodyPr/>
+          <a:lstStyle/>
+          <a:p>
+            <a:r>
+              <a:rPr lang="it-IT" dirty="0"/>
+              <a:t>Requisiti soddisfatti</a:t>
+            </a:r>
+          </a:p>
+        </p:txBody>
+      </p:sp>
+      <p:sp>
+        <p:nvSpPr>
+          <p:cNvPr id="3" name="Segnaposto contenuto 2">
+            <a:extLst>
+              <a:ext uri="{FF2B5EF4-FFF2-40B4-BE49-F238E27FC236}">
+                <a16:creationId xmlns:a16="http://schemas.microsoft.com/office/drawing/2014/main" id="{10A43669-6A04-456C-9120-416A2F8F5FAC}"/>
+              </a:ext>
+            </a:extLst>
+          </p:cNvPr>
+          <p:cNvSpPr>
+            <a:spLocks noGrp="1"/>
+          </p:cNvSpPr>
+          <p:nvPr>
+            <p:ph idx="1"/>
+          </p:nvPr>
+        </p:nvSpPr>
+        <p:spPr/>
+        <p:txBody>
+          <a:bodyPr/>
+          <a:lstStyle/>
+          <a:p>
+            <a:r>
+              <a:rPr lang="it-IT" dirty="0"/>
+              <a:t>RF1</a:t>
+            </a:r>
+          </a:p>
+          <a:p>
+            <a:r>
+              <a:rPr lang="it-IT" dirty="0"/>
+              <a:t>RF2</a:t>
+            </a:r>
+          </a:p>
+          <a:p>
+            <a:r>
+              <a:rPr lang="it-IT" dirty="0"/>
+              <a:t>…</a:t>
+            </a:r>
+          </a:p>
+        </p:txBody>
+      </p:sp>
+    </p:spTree>
+    <p:extLst>
+      <p:ext uri="{BB962C8B-B14F-4D97-AF65-F5344CB8AC3E}">
+        <p14:creationId xmlns:p14="http://schemas.microsoft.com/office/powerpoint/2010/main" val="132003610"/>
+      </p:ext>
+    </p:extLst>
+  </p:cSld>
+  <p:clrMapOvr>
+    <a:masterClrMapping/>
+  </p:clrMapOvr>
+</p:sld>
+</file>
+
 <file path=ppt/slides/slide2.xml><?xml version="1.0" encoding="utf-8"?>
 <p:sld xmlns:a="http://schemas.openxmlformats.org/drawingml/2006/main" xmlns:r="http://schemas.openxmlformats.org/officeDocument/2006/relationships" xmlns:p="http://schemas.openxmlformats.org/presentationml/2006/main">
   <p:cSld>
@@ -3416,7 +3913,7 @@
           <p:cNvPr id="2" name="Titolo 1">
             <a:extLst>
               <a:ext uri="{FF2B5EF4-FFF2-40B4-BE49-F238E27FC236}">
-                <a16:creationId xmlns:a16="http://schemas.microsoft.com/office/drawing/2014/main" id="{07037D75-57CD-4C1E-A98C-3A872F43BFCC}"/>
+                <a16:creationId xmlns:a16="http://schemas.microsoft.com/office/drawing/2014/main" id="{A725D953-7B6B-45BF-A5A5-0060ADD496DE}"/>
               </a:ext>
             </a:extLst>
           </p:cNvPr>
@@ -3425,6 +3922,34 @@
           </p:cNvSpPr>
           <p:nvPr>
             <p:ph type="title"/>
+          </p:nvPr>
+        </p:nvSpPr>
+        <p:spPr/>
+        <p:txBody>
+          <a:bodyPr/>
+          <a:lstStyle/>
+          <a:p>
+            <a:r>
+              <a:rPr lang="it-IT" dirty="0"/>
+              <a:t>Sommario</a:t>
+            </a:r>
+          </a:p>
+        </p:txBody>
+      </p:sp>
+      <p:sp>
+        <p:nvSpPr>
+          <p:cNvPr id="3" name="Segnaposto contenuto 2">
+            <a:extLst>
+              <a:ext uri="{FF2B5EF4-FFF2-40B4-BE49-F238E27FC236}">
+                <a16:creationId xmlns:a16="http://schemas.microsoft.com/office/drawing/2014/main" id="{03223497-F5B8-423D-A940-A524D28633D9}"/>
+              </a:ext>
+            </a:extLst>
+          </p:cNvPr>
+          <p:cNvSpPr>
+            <a:spLocks noGrp="1"/>
+          </p:cNvSpPr>
+          <p:nvPr>
+            <p:ph idx="1"/>
           </p:nvPr>
         </p:nvSpPr>
         <p:spPr/>
@@ -3440,67 +3965,74 @@
               <a:rPr lang="it-IT" dirty="0" err="1"/>
               <a:t>PoC</a:t>
             </a:r>
+            <a:r>
+              <a:rPr lang="it-IT" dirty="0"/>
+              <a:t> alla PB</a:t>
+            </a:r>
+          </a:p>
+          <a:p>
+            <a:r>
+              <a:rPr lang="it-IT" dirty="0"/>
+              <a:t>Architettura</a:t>
+            </a:r>
+          </a:p>
+          <a:p>
+            <a:r>
+              <a:rPr lang="it-IT" dirty="0"/>
+              <a:t>Model-</a:t>
+            </a:r>
+            <a:r>
+              <a:rPr lang="it-IT" dirty="0" err="1"/>
+              <a:t>view</a:t>
+            </a:r>
+            <a:r>
+              <a:rPr lang="it-IT" dirty="0"/>
+              <a:t>-</a:t>
+            </a:r>
+            <a:r>
+              <a:rPr lang="it-IT" dirty="0" err="1"/>
+              <a:t>viewmodel</a:t>
+            </a:r>
             <a:endParaRPr lang="it-IT" dirty="0"/>
           </a:p>
-        </p:txBody>
-      </p:sp>
-      <p:sp>
-        <p:nvSpPr>
-          <p:cNvPr id="3" name="Segnaposto contenuto 2">
-            <a:extLst>
-              <a:ext uri="{FF2B5EF4-FFF2-40B4-BE49-F238E27FC236}">
-                <a16:creationId xmlns:a16="http://schemas.microsoft.com/office/drawing/2014/main" id="{2B3072B8-C034-4843-B83A-24555604C483}"/>
-              </a:ext>
-            </a:extLst>
-          </p:cNvPr>
-          <p:cNvSpPr>
-            <a:spLocks noGrp="1"/>
-          </p:cNvSpPr>
-          <p:nvPr>
-            <p:ph idx="1"/>
-          </p:nvPr>
-        </p:nvSpPr>
-        <p:spPr/>
-        <p:txBody>
-          <a:bodyPr/>
-          <a:lstStyle/>
-          <a:p>
-            <a:r>
-              <a:rPr lang="it-IT" dirty="0"/>
-              <a:t>Interfaccia incompleta</a:t>
-            </a:r>
-          </a:p>
-          <a:p>
-            <a:r>
-              <a:rPr lang="it-IT" dirty="0"/>
-              <a:t>Architettura non adeguatamente definita</a:t>
-            </a:r>
-          </a:p>
           <a:p>
             <a:r>
               <a:rPr lang="it-IT" dirty="0" err="1"/>
-              <a:t>voice.json</a:t>
-            </a:r>
-            <a:r>
-              <a:rPr lang="it-IT" dirty="0"/>
-              <a:t> caricato da linea di comando all’avvio</a:t>
-            </a:r>
-          </a:p>
-          <a:p>
-            <a:r>
-              <a:rPr lang="it-IT" dirty="0"/>
-              <a:t>Stampa di una sola relazione</a:t>
-            </a:r>
-          </a:p>
-          <a:p>
+              <a:t>View</a:t>
+            </a:r>
             <a:endParaRPr lang="it-IT" dirty="0"/>
+          </a:p>
+          <a:p>
+            <a:r>
+              <a:rPr lang="it-IT" dirty="0"/>
+              <a:t>Model</a:t>
+            </a:r>
+          </a:p>
+          <a:p>
+            <a:r>
+              <a:rPr lang="it-IT" dirty="0" err="1"/>
+              <a:t>ViewModel</a:t>
+            </a:r>
+            <a:endParaRPr lang="it-IT" dirty="0"/>
+          </a:p>
+          <a:p>
+            <a:r>
+              <a:rPr lang="it-IT" dirty="0"/>
+              <a:t>Casi d’uso coperti</a:t>
+            </a:r>
+          </a:p>
+          <a:p>
+            <a:r>
+              <a:rPr lang="it-IT" dirty="0"/>
+              <a:t>Requisiti soddisfatti</a:t>
+            </a:r>
           </a:p>
         </p:txBody>
       </p:sp>
     </p:spTree>
     <p:extLst>
       <p:ext uri="{BB962C8B-B14F-4D97-AF65-F5344CB8AC3E}">
-        <p14:creationId xmlns:p14="http://schemas.microsoft.com/office/powerpoint/2010/main" val="2529160387"/>
+        <p14:creationId xmlns:p14="http://schemas.microsoft.com/office/powerpoint/2010/main" val="1493052396"/>
       </p:ext>
     </p:extLst>
   </p:cSld>
@@ -3532,7 +4064,7 @@
           <p:cNvPr id="2" name="Titolo 1">
             <a:extLst>
               <a:ext uri="{FF2B5EF4-FFF2-40B4-BE49-F238E27FC236}">
-                <a16:creationId xmlns:a16="http://schemas.microsoft.com/office/drawing/2014/main" id="{9AA062E4-3BB8-43F0-A629-6BF91D147258}"/>
+                <a16:creationId xmlns:a16="http://schemas.microsoft.com/office/drawing/2014/main" id="{07037D75-57CD-4C1E-A98C-3A872F43BFCC}"/>
               </a:ext>
             </a:extLst>
           </p:cNvPr>
@@ -3543,10 +4075,132 @@
             <p:ph type="title"/>
           </p:nvPr>
         </p:nvSpPr>
-        <p:spPr/>
-        <p:txBody>
-          <a:bodyPr/>
-          <a:lstStyle/>
+        <p:spPr>
+          <a:xfrm>
+            <a:off x="659423" y="409086"/>
+            <a:ext cx="5134708" cy="1325563"/>
+          </a:xfrm>
+        </p:spPr>
+        <p:txBody>
+          <a:bodyPr/>
+          <a:lstStyle/>
+          <a:p>
+            <a:r>
+              <a:rPr lang="it-IT" dirty="0"/>
+              <a:t>Dal </a:t>
+            </a:r>
+            <a:r>
+              <a:rPr lang="it-IT" dirty="0" err="1"/>
+              <a:t>PoC</a:t>
+            </a:r>
+            <a:endParaRPr lang="it-IT" dirty="0"/>
+          </a:p>
+        </p:txBody>
+      </p:sp>
+      <p:sp>
+        <p:nvSpPr>
+          <p:cNvPr id="3" name="Segnaposto contenuto 2">
+            <a:extLst>
+              <a:ext uri="{FF2B5EF4-FFF2-40B4-BE49-F238E27FC236}">
+                <a16:creationId xmlns:a16="http://schemas.microsoft.com/office/drawing/2014/main" id="{2B3072B8-C034-4843-B83A-24555604C483}"/>
+              </a:ext>
+            </a:extLst>
+          </p:cNvPr>
+          <p:cNvSpPr>
+            <a:spLocks noGrp="1"/>
+          </p:cNvSpPr>
+          <p:nvPr>
+            <p:ph idx="1"/>
+          </p:nvPr>
+        </p:nvSpPr>
+        <p:spPr>
+          <a:xfrm>
+            <a:off x="659423" y="1869586"/>
+            <a:ext cx="5134708" cy="4351338"/>
+          </a:xfrm>
+        </p:spPr>
+        <p:txBody>
+          <a:bodyPr/>
+          <a:lstStyle/>
+          <a:p>
+            <a:r>
+              <a:rPr lang="it-IT" dirty="0"/>
+              <a:t>Interfaccia incompleta</a:t>
+            </a:r>
+          </a:p>
+          <a:p>
+            <a:r>
+              <a:rPr lang="it-IT" dirty="0"/>
+              <a:t>Architettura non adeguatamente definita</a:t>
+            </a:r>
+          </a:p>
+          <a:p>
+            <a:r>
+              <a:rPr lang="it-IT" dirty="0" err="1"/>
+              <a:t>voice.json</a:t>
+            </a:r>
+            <a:r>
+              <a:rPr lang="it-IT" dirty="0"/>
+              <a:t> caricato da linea di comando all’avvio</a:t>
+            </a:r>
+          </a:p>
+          <a:p>
+            <a:r>
+              <a:rPr lang="it-IT" dirty="0"/>
+              <a:t>Stampa di una sola relazione</a:t>
+            </a:r>
+          </a:p>
+          <a:p>
+            <a:endParaRPr lang="it-IT" dirty="0"/>
+          </a:p>
+        </p:txBody>
+      </p:sp>
+      <p:sp>
+        <p:nvSpPr>
+          <p:cNvPr id="4" name="Titolo 1">
+            <a:extLst>
+              <a:ext uri="{FF2B5EF4-FFF2-40B4-BE49-F238E27FC236}">
+                <a16:creationId xmlns:a16="http://schemas.microsoft.com/office/drawing/2014/main" id="{D7B43823-12DC-49AD-B44F-C92D95D6BE1B}"/>
+              </a:ext>
+            </a:extLst>
+          </p:cNvPr>
+          <p:cNvSpPr txBox="1">
+            <a:spLocks/>
+          </p:cNvSpPr>
+          <p:nvPr/>
+        </p:nvSpPr>
+        <p:spPr>
+          <a:xfrm>
+            <a:off x="5794131" y="696423"/>
+            <a:ext cx="5802923" cy="1173163"/>
+          </a:xfrm>
+          <a:prstGeom prst="rect">
+            <a:avLst/>
+          </a:prstGeom>
+        </p:spPr>
+        <p:txBody>
+          <a:bodyPr vert="horz" lIns="91440" tIns="45720" rIns="91440" bIns="45720" rtlCol="0" anchor="ctr">
+            <a:normAutofit/>
+          </a:bodyPr>
+          <a:lstStyle>
+            <a:lvl1pPr algn="l" defTabSz="914400" rtl="0" eaLnBrk="1" latinLnBrk="0" hangingPunct="1">
+              <a:lnSpc>
+                <a:spcPct val="90000"/>
+              </a:lnSpc>
+              <a:spcBef>
+                <a:spcPct val="0"/>
+              </a:spcBef>
+              <a:buNone/>
+              <a:defRPr sz="4400" kern="1200">
+                <a:solidFill>
+                  <a:schemeClr val="tx1"/>
+                </a:solidFill>
+                <a:latin typeface="+mj-lt"/>
+                <a:ea typeface="+mj-ea"/>
+                <a:cs typeface="+mj-cs"/>
+              </a:defRPr>
+            </a:lvl1pPr>
+          </a:lstStyle>
           <a:p>
             <a:r>
               <a:rPr lang="it-IT" dirty="0"/>
@@ -3557,24 +4211,195 @@
       </p:sp>
       <p:sp>
         <p:nvSpPr>
-          <p:cNvPr id="3" name="Segnaposto contenuto 2">
-            <a:extLst>
-              <a:ext uri="{FF2B5EF4-FFF2-40B4-BE49-F238E27FC236}">
-                <a16:creationId xmlns:a16="http://schemas.microsoft.com/office/drawing/2014/main" id="{DC5F680F-9B09-4341-9524-585476D70514}"/>
-              </a:ext>
-            </a:extLst>
-          </p:cNvPr>
-          <p:cNvSpPr>
-            <a:spLocks noGrp="1"/>
-          </p:cNvSpPr>
-          <p:nvPr>
-            <p:ph idx="1"/>
-          </p:nvPr>
-        </p:nvSpPr>
-        <p:spPr/>
-        <p:txBody>
-          <a:bodyPr/>
-          <a:lstStyle/>
+          <p:cNvPr id="5" name="Segnaposto contenuto 2">
+            <a:extLst>
+              <a:ext uri="{FF2B5EF4-FFF2-40B4-BE49-F238E27FC236}">
+                <a16:creationId xmlns:a16="http://schemas.microsoft.com/office/drawing/2014/main" id="{E58DA27E-E8B4-46C4-8767-500B39A6DE31}"/>
+              </a:ext>
+            </a:extLst>
+          </p:cNvPr>
+          <p:cNvSpPr txBox="1">
+            <a:spLocks/>
+          </p:cNvSpPr>
+          <p:nvPr/>
+        </p:nvSpPr>
+        <p:spPr>
+          <a:xfrm>
+            <a:off x="5794131" y="2119722"/>
+            <a:ext cx="5802923" cy="3851065"/>
+          </a:xfrm>
+          <a:prstGeom prst="rect">
+            <a:avLst/>
+          </a:prstGeom>
+        </p:spPr>
+        <p:txBody>
+          <a:bodyPr vert="horz" lIns="91440" tIns="45720" rIns="91440" bIns="45720" rtlCol="0">
+            <a:normAutofit fontScale="85000" lnSpcReduction="20000"/>
+          </a:bodyPr>
+          <a:lstStyle>
+            <a:lvl1pPr marL="228600" indent="-228600" algn="l" defTabSz="914400" rtl="0" eaLnBrk="1" latinLnBrk="0" hangingPunct="1">
+              <a:lnSpc>
+                <a:spcPct val="90000"/>
+              </a:lnSpc>
+              <a:spcBef>
+                <a:spcPts val="1000"/>
+              </a:spcBef>
+              <a:buFont typeface="Arial" panose="020B0604020202020204" pitchFamily="34" charset="0"/>
+              <a:buChar char="•"/>
+              <a:defRPr sz="2800" kern="1200">
+                <a:solidFill>
+                  <a:schemeClr val="tx1"/>
+                </a:solidFill>
+                <a:latin typeface="+mn-lt"/>
+                <a:ea typeface="+mn-ea"/>
+                <a:cs typeface="+mn-cs"/>
+              </a:defRPr>
+            </a:lvl1pPr>
+            <a:lvl2pPr marL="685800" indent="-228600" algn="l" defTabSz="914400" rtl="0" eaLnBrk="1" latinLnBrk="0" hangingPunct="1">
+              <a:lnSpc>
+                <a:spcPct val="90000"/>
+              </a:lnSpc>
+              <a:spcBef>
+                <a:spcPts val="500"/>
+              </a:spcBef>
+              <a:buFont typeface="Arial" panose="020B0604020202020204" pitchFamily="34" charset="0"/>
+              <a:buChar char="•"/>
+              <a:defRPr sz="2400" kern="1200">
+                <a:solidFill>
+                  <a:schemeClr val="tx1"/>
+                </a:solidFill>
+                <a:latin typeface="+mn-lt"/>
+                <a:ea typeface="+mn-ea"/>
+                <a:cs typeface="+mn-cs"/>
+              </a:defRPr>
+            </a:lvl2pPr>
+            <a:lvl3pPr marL="1143000" indent="-228600" algn="l" defTabSz="914400" rtl="0" eaLnBrk="1" latinLnBrk="0" hangingPunct="1">
+              <a:lnSpc>
+                <a:spcPct val="90000"/>
+              </a:lnSpc>
+              <a:spcBef>
+                <a:spcPts val="500"/>
+              </a:spcBef>
+              <a:buFont typeface="Arial" panose="020B0604020202020204" pitchFamily="34" charset="0"/>
+              <a:buChar char="•"/>
+              <a:defRPr sz="2000" kern="1200">
+                <a:solidFill>
+                  <a:schemeClr val="tx1"/>
+                </a:solidFill>
+                <a:latin typeface="+mn-lt"/>
+                <a:ea typeface="+mn-ea"/>
+                <a:cs typeface="+mn-cs"/>
+              </a:defRPr>
+            </a:lvl3pPr>
+            <a:lvl4pPr marL="1600200" indent="-228600" algn="l" defTabSz="914400" rtl="0" eaLnBrk="1" latinLnBrk="0" hangingPunct="1">
+              <a:lnSpc>
+                <a:spcPct val="90000"/>
+              </a:lnSpc>
+              <a:spcBef>
+                <a:spcPts val="500"/>
+              </a:spcBef>
+              <a:buFont typeface="Arial" panose="020B0604020202020204" pitchFamily="34" charset="0"/>
+              <a:buChar char="•"/>
+              <a:defRPr sz="1800" kern="1200">
+                <a:solidFill>
+                  <a:schemeClr val="tx1"/>
+                </a:solidFill>
+                <a:latin typeface="+mn-lt"/>
+                <a:ea typeface="+mn-ea"/>
+                <a:cs typeface="+mn-cs"/>
+              </a:defRPr>
+            </a:lvl4pPr>
+            <a:lvl5pPr marL="2057400" indent="-228600" algn="l" defTabSz="914400" rtl="0" eaLnBrk="1" latinLnBrk="0" hangingPunct="1">
+              <a:lnSpc>
+                <a:spcPct val="90000"/>
+              </a:lnSpc>
+              <a:spcBef>
+                <a:spcPts val="500"/>
+              </a:spcBef>
+              <a:buFont typeface="Arial" panose="020B0604020202020204" pitchFamily="34" charset="0"/>
+              <a:buChar char="•"/>
+              <a:defRPr sz="1800" kern="1200">
+                <a:solidFill>
+                  <a:schemeClr val="tx1"/>
+                </a:solidFill>
+                <a:latin typeface="+mn-lt"/>
+                <a:ea typeface="+mn-ea"/>
+                <a:cs typeface="+mn-cs"/>
+              </a:defRPr>
+            </a:lvl5pPr>
+            <a:lvl6pPr marL="2514600" indent="-228600" algn="l" defTabSz="914400" rtl="0" eaLnBrk="1" latinLnBrk="0" hangingPunct="1">
+              <a:lnSpc>
+                <a:spcPct val="90000"/>
+              </a:lnSpc>
+              <a:spcBef>
+                <a:spcPts val="500"/>
+              </a:spcBef>
+              <a:buFont typeface="Arial" panose="020B0604020202020204" pitchFamily="34" charset="0"/>
+              <a:buChar char="•"/>
+              <a:defRPr sz="1800" kern="1200">
+                <a:solidFill>
+                  <a:schemeClr val="tx1"/>
+                </a:solidFill>
+                <a:latin typeface="+mn-lt"/>
+                <a:ea typeface="+mn-ea"/>
+                <a:cs typeface="+mn-cs"/>
+              </a:defRPr>
+            </a:lvl6pPr>
+            <a:lvl7pPr marL="2971800" indent="-228600" algn="l" defTabSz="914400" rtl="0" eaLnBrk="1" latinLnBrk="0" hangingPunct="1">
+              <a:lnSpc>
+                <a:spcPct val="90000"/>
+              </a:lnSpc>
+              <a:spcBef>
+                <a:spcPts val="500"/>
+              </a:spcBef>
+              <a:buFont typeface="Arial" panose="020B0604020202020204" pitchFamily="34" charset="0"/>
+              <a:buChar char="•"/>
+              <a:defRPr sz="1800" kern="1200">
+                <a:solidFill>
+                  <a:schemeClr val="tx1"/>
+                </a:solidFill>
+                <a:latin typeface="+mn-lt"/>
+                <a:ea typeface="+mn-ea"/>
+                <a:cs typeface="+mn-cs"/>
+              </a:defRPr>
+            </a:lvl7pPr>
+            <a:lvl8pPr marL="3429000" indent="-228600" algn="l" defTabSz="914400" rtl="0" eaLnBrk="1" latinLnBrk="0" hangingPunct="1">
+              <a:lnSpc>
+                <a:spcPct val="90000"/>
+              </a:lnSpc>
+              <a:spcBef>
+                <a:spcPts val="500"/>
+              </a:spcBef>
+              <a:buFont typeface="Arial" panose="020B0604020202020204" pitchFamily="34" charset="0"/>
+              <a:buChar char="•"/>
+              <a:defRPr sz="1800" kern="1200">
+                <a:solidFill>
+                  <a:schemeClr val="tx1"/>
+                </a:solidFill>
+                <a:latin typeface="+mn-lt"/>
+                <a:ea typeface="+mn-ea"/>
+                <a:cs typeface="+mn-cs"/>
+              </a:defRPr>
+            </a:lvl8pPr>
+            <a:lvl9pPr marL="3886200" indent="-228600" algn="l" defTabSz="914400" rtl="0" eaLnBrk="1" latinLnBrk="0" hangingPunct="1">
+              <a:lnSpc>
+                <a:spcPct val="90000"/>
+              </a:lnSpc>
+              <a:spcBef>
+                <a:spcPts val="500"/>
+              </a:spcBef>
+              <a:buFont typeface="Arial" panose="020B0604020202020204" pitchFamily="34" charset="0"/>
+              <a:buChar char="•"/>
+              <a:defRPr sz="1800" kern="1200">
+                <a:solidFill>
+                  <a:schemeClr val="tx1"/>
+                </a:solidFill>
+                <a:latin typeface="+mn-lt"/>
+                <a:ea typeface="+mn-ea"/>
+                <a:cs typeface="+mn-cs"/>
+              </a:defRPr>
+            </a:lvl9pPr>
+          </a:lstStyle>
           <a:p>
             <a:r>
               <a:rPr lang="it-IT" dirty="0"/>
@@ -3592,13 +4417,70 @@
               <a:rPr lang="it-IT" dirty="0"/>
               <a:t>Applicazione di Design Pattern (con spiegazione)</a:t>
             </a:r>
+          </a:p>
+          <a:p>
+            <a:r>
+              <a:rPr lang="it-IT" dirty="0"/>
+              <a:t>Metodo di stampa revisionato</a:t>
+            </a:r>
+          </a:p>
+          <a:p>
+            <a:pPr lvl="1"/>
+            <a:r>
+              <a:rPr lang="it-IT" dirty="0"/>
+              <a:t>Archi e nodi non erano sufficienti</a:t>
+            </a:r>
+          </a:p>
+          <a:p>
+            <a:pPr lvl="1"/>
+            <a:r>
+              <a:rPr lang="it-IT" dirty="0"/>
+              <a:t>Aggiunte linee</a:t>
+            </a:r>
+          </a:p>
+          <a:p>
+            <a:pPr lvl="1"/>
+            <a:r>
+              <a:rPr lang="it-IT" dirty="0"/>
+              <a:t>Aggiunte più relazioni visibili contemporaneamente</a:t>
+            </a:r>
+          </a:p>
+          <a:p>
+            <a:r>
+              <a:rPr lang="it-IT" dirty="0"/>
+              <a:t>Progettato metodo di configurazione</a:t>
+            </a:r>
+          </a:p>
+          <a:p>
+            <a:pPr lvl="1"/>
+            <a:r>
+              <a:rPr lang="it-IT" dirty="0"/>
+              <a:t>Caricamento file di configurazione per GUI (colori, </a:t>
+            </a:r>
+            <a:r>
+              <a:rPr lang="it-IT" dirty="0" err="1"/>
+              <a:t>path</a:t>
+            </a:r>
+            <a:r>
+              <a:rPr lang="it-IT" dirty="0"/>
+              <a:t>)</a:t>
+            </a:r>
+          </a:p>
+          <a:p>
+            <a:endParaRPr lang="it-IT" dirty="0"/>
+          </a:p>
+          <a:p>
+            <a:pPr marL="0" indent="0">
+              <a:buNone/>
+            </a:pPr>
+            <a:endParaRPr lang="it-IT" dirty="0"/>
           </a:p>
         </p:txBody>
       </p:sp>
     </p:spTree>
     <p:extLst>
       <p:ext uri="{BB962C8B-B14F-4D97-AF65-F5344CB8AC3E}">
-        <p14:creationId xmlns:p14="http://schemas.microsoft.com/office/powerpoint/2010/main" val="1123599297"/>
+        <p14:creationId xmlns:p14="http://schemas.microsoft.com/office/powerpoint/2010/main" val="2529160387"/>
       </p:ext>
     </p:extLst>
   </p:cSld>
@@ -3630,7 +4512,7 @@
           <p:cNvPr id="2" name="Titolo 1">
             <a:extLst>
               <a:ext uri="{FF2B5EF4-FFF2-40B4-BE49-F238E27FC236}">
-                <a16:creationId xmlns:a16="http://schemas.microsoft.com/office/drawing/2014/main" id="{FB9596FA-3771-4840-9C89-EFB596544AA7}"/>
+                <a16:creationId xmlns:a16="http://schemas.microsoft.com/office/drawing/2014/main" id="{489C9E1B-2B7A-482F-894B-2E770582E0E2}"/>
               </a:ext>
             </a:extLst>
           </p:cNvPr>
@@ -3648,7 +4530,7 @@
           <a:p>
             <a:r>
               <a:rPr lang="it-IT" dirty="0"/>
-              <a:t>Differenze</a:t>
+              <a:t>Architettura</a:t>
             </a:r>
           </a:p>
         </p:txBody>
@@ -3658,7 +4540,7 @@
           <p:cNvPr id="3" name="Segnaposto contenuto 2">
             <a:extLst>
               <a:ext uri="{FF2B5EF4-FFF2-40B4-BE49-F238E27FC236}">
-                <a16:creationId xmlns:a16="http://schemas.microsoft.com/office/drawing/2014/main" id="{EE2B4727-F305-46DC-91C2-503A54ECB8CC}"/>
+                <a16:creationId xmlns:a16="http://schemas.microsoft.com/office/drawing/2014/main" id="{FF126212-C7C4-4256-A882-690E3B5A4E1A}"/>
               </a:ext>
             </a:extLst>
           </p:cNvPr>
@@ -3676,60 +4558,562 @@
           <a:p>
             <a:r>
               <a:rPr lang="it-IT" dirty="0"/>
-              <a:t>Metodo di stampa revisionato</a:t>
+              <a:t>Model-</a:t>
+            </a:r>
+            <a:r>
+              <a:rPr lang="it-IT" dirty="0" err="1"/>
+              <a:t>view</a:t>
+            </a:r>
+            <a:r>
+              <a:rPr lang="it-IT" dirty="0"/>
+              <a:t>-</a:t>
+            </a:r>
+            <a:r>
+              <a:rPr lang="it-IT" dirty="0" err="1"/>
+              <a:t>viewmodel</a:t>
+            </a:r>
+            <a:endParaRPr lang="it-IT" dirty="0"/>
+          </a:p>
+          <a:p>
+            <a:r>
+              <a:rPr lang="it-IT" dirty="0" err="1"/>
+              <a:t>View</a:t>
+            </a:r>
+            <a:endParaRPr lang="it-IT" dirty="0"/>
+          </a:p>
+          <a:p>
+            <a:r>
+              <a:rPr lang="it-IT" dirty="0"/>
+              <a:t>Model</a:t>
             </a:r>
           </a:p>
           <a:p>
             <a:pPr lvl="1"/>
             <a:r>
               <a:rPr lang="it-IT" dirty="0"/>
-              <a:t>Archi e nodi non erano sufficienti</a:t>
+              <a:t>Diagramma delle classi e spiegazione DP</a:t>
             </a:r>
           </a:p>
           <a:p>
             <a:pPr lvl="1"/>
             <a:r>
               <a:rPr lang="it-IT" dirty="0"/>
-              <a:t>Aggiunte linee</a:t>
-            </a:r>
+              <a:t>Diagramma di sequenza</a:t>
+            </a:r>
+          </a:p>
+          <a:p>
+            <a:r>
+              <a:rPr lang="it-IT" dirty="0" err="1"/>
+              <a:t>Viewmodel</a:t>
+            </a:r>
+            <a:endParaRPr lang="it-IT" dirty="0"/>
           </a:p>
           <a:p>
             <a:pPr lvl="1"/>
             <a:r>
               <a:rPr lang="it-IT" dirty="0"/>
-              <a:t>Aggiunte più relazioni visibili contemporaneamente</a:t>
-            </a:r>
-          </a:p>
-          <a:p>
-            <a:r>
-              <a:rPr lang="it-IT" dirty="0"/>
-              <a:t>Progettato metodo di configurazione</a:t>
+              <a:t>Diagramma delle classi e spiegazione DP</a:t>
             </a:r>
           </a:p>
           <a:p>
             <a:pPr lvl="1"/>
             <a:r>
               <a:rPr lang="it-IT" dirty="0"/>
-              <a:t>Caricamento file di configurazione per GUI (colori, </a:t>
-            </a:r>
-            <a:r>
-              <a:rPr lang="it-IT" dirty="0" err="1"/>
-              <a:t>path</a:t>
-            </a:r>
-            <a:r>
-              <a:rPr lang="it-IT" dirty="0"/>
-              <a:t>)</a:t>
-            </a:r>
-          </a:p>
-          <a:p>
-            <a:endParaRPr lang="it-IT" dirty="0"/>
+              <a:t>Diagramma di sequenza</a:t>
+            </a:r>
           </a:p>
         </p:txBody>
       </p:sp>
     </p:spTree>
     <p:extLst>
       <p:ext uri="{BB962C8B-B14F-4D97-AF65-F5344CB8AC3E}">
-        <p14:creationId xmlns:p14="http://schemas.microsoft.com/office/powerpoint/2010/main" val="766082722"/>
+        <p14:creationId xmlns:p14="http://schemas.microsoft.com/office/powerpoint/2010/main" val="2327775728"/>
+      </p:ext>
+    </p:extLst>
+  </p:cSld>
+  <p:clrMapOvr>
+    <a:masterClrMapping/>
+  </p:clrMapOvr>
+</p:sld>
+</file>
+
+<file path=ppt/slides/slide5.xml><?xml version="1.0" encoding="utf-8"?>
+<p:sld xmlns:a="http://schemas.openxmlformats.org/drawingml/2006/main" xmlns:r="http://schemas.openxmlformats.org/officeDocument/2006/relationships" xmlns:p="http://schemas.openxmlformats.org/presentationml/2006/main">
+  <p:cSld>
+    <p:spTree>
+      <p:nvGrpSpPr>
+        <p:cNvPr id="1" name=""/>
+        <p:cNvGrpSpPr/>
+        <p:nvPr/>
+      </p:nvGrpSpPr>
+      <p:grpSpPr>
+        <a:xfrm>
+          <a:off x="0" y="0"/>
+          <a:ext cx="0" cy="0"/>
+          <a:chOff x="0" y="0"/>
+          <a:chExt cx="0" cy="0"/>
+        </a:xfrm>
+      </p:grpSpPr>
+      <p:sp>
+        <p:nvSpPr>
+          <p:cNvPr id="2" name="Titolo 1">
+            <a:extLst>
+              <a:ext uri="{FF2B5EF4-FFF2-40B4-BE49-F238E27FC236}">
+                <a16:creationId xmlns:a16="http://schemas.microsoft.com/office/drawing/2014/main" id="{44A7E9AC-F08D-473F-BE0F-181371F5527B}"/>
+              </a:ext>
+            </a:extLst>
+          </p:cNvPr>
+          <p:cNvSpPr>
+            <a:spLocks noGrp="1"/>
+          </p:cNvSpPr>
+          <p:nvPr>
+            <p:ph type="title"/>
+          </p:nvPr>
+        </p:nvSpPr>
+        <p:spPr/>
+        <p:txBody>
+          <a:bodyPr/>
+          <a:lstStyle/>
+          <a:p>
+            <a:r>
+              <a:rPr lang="it-IT" dirty="0"/>
+              <a:t>Model-</a:t>
+            </a:r>
+            <a:r>
+              <a:rPr lang="it-IT" dirty="0" err="1"/>
+              <a:t>view</a:t>
+            </a:r>
+            <a:r>
+              <a:rPr lang="it-IT" dirty="0"/>
+              <a:t>-</a:t>
+            </a:r>
+            <a:r>
+              <a:rPr lang="it-IT" dirty="0" err="1"/>
+              <a:t>viewmodel</a:t>
+            </a:r>
+            <a:endParaRPr lang="it-IT" dirty="0"/>
+          </a:p>
+        </p:txBody>
+      </p:sp>
+      <p:sp>
+        <p:nvSpPr>
+          <p:cNvPr id="3" name="Segnaposto contenuto 2">
+            <a:extLst>
+              <a:ext uri="{FF2B5EF4-FFF2-40B4-BE49-F238E27FC236}">
+                <a16:creationId xmlns:a16="http://schemas.microsoft.com/office/drawing/2014/main" id="{FBAF0626-3701-4D26-BB21-3ED16BDABA83}"/>
+              </a:ext>
+            </a:extLst>
+          </p:cNvPr>
+          <p:cNvSpPr>
+            <a:spLocks noGrp="1"/>
+          </p:cNvSpPr>
+          <p:nvPr>
+            <p:ph idx="1"/>
+          </p:nvPr>
+        </p:nvSpPr>
+        <p:spPr/>
+        <p:txBody>
+          <a:bodyPr/>
+          <a:lstStyle/>
+          <a:p>
+            <a:r>
+              <a:rPr lang="it-IT" dirty="0"/>
+              <a:t>Diagramma Model-</a:t>
+            </a:r>
+            <a:r>
+              <a:rPr lang="it-IT" dirty="0" err="1"/>
+              <a:t>view</a:t>
+            </a:r>
+            <a:r>
+              <a:rPr lang="it-IT" dirty="0"/>
+              <a:t>-</a:t>
+            </a:r>
+            <a:r>
+              <a:rPr lang="it-IT" dirty="0" err="1"/>
+              <a:t>viewmodel</a:t>
+            </a:r>
+            <a:endParaRPr lang="it-IT" dirty="0"/>
+          </a:p>
+        </p:txBody>
+      </p:sp>
+    </p:spTree>
+    <p:extLst>
+      <p:ext uri="{BB962C8B-B14F-4D97-AF65-F5344CB8AC3E}">
+        <p14:creationId xmlns:p14="http://schemas.microsoft.com/office/powerpoint/2010/main" val="261983527"/>
+      </p:ext>
+    </p:extLst>
+  </p:cSld>
+  <p:clrMapOvr>
+    <a:masterClrMapping/>
+  </p:clrMapOvr>
+</p:sld>
+</file>
+
+<file path=ppt/slides/slide6.xml><?xml version="1.0" encoding="utf-8"?>
+<p:sld xmlns:a="http://schemas.openxmlformats.org/drawingml/2006/main" xmlns:r="http://schemas.openxmlformats.org/officeDocument/2006/relationships" xmlns:p="http://schemas.openxmlformats.org/presentationml/2006/main">
+  <p:cSld>
+    <p:spTree>
+      <p:nvGrpSpPr>
+        <p:cNvPr id="1" name=""/>
+        <p:cNvGrpSpPr/>
+        <p:nvPr/>
+      </p:nvGrpSpPr>
+      <p:grpSpPr>
+        <a:xfrm>
+          <a:off x="0" y="0"/>
+          <a:ext cx="0" cy="0"/>
+          <a:chOff x="0" y="0"/>
+          <a:chExt cx="0" cy="0"/>
+        </a:xfrm>
+      </p:grpSpPr>
+      <p:sp>
+        <p:nvSpPr>
+          <p:cNvPr id="2" name="Titolo 1">
+            <a:extLst>
+              <a:ext uri="{FF2B5EF4-FFF2-40B4-BE49-F238E27FC236}">
+                <a16:creationId xmlns:a16="http://schemas.microsoft.com/office/drawing/2014/main" id="{FB6AF5B1-9225-42CF-956E-9349A0042F96}"/>
+              </a:ext>
+            </a:extLst>
+          </p:cNvPr>
+          <p:cNvSpPr>
+            <a:spLocks noGrp="1"/>
+          </p:cNvSpPr>
+          <p:nvPr>
+            <p:ph type="title"/>
+          </p:nvPr>
+        </p:nvSpPr>
+        <p:spPr/>
+        <p:txBody>
+          <a:bodyPr/>
+          <a:lstStyle/>
+          <a:p>
+            <a:r>
+              <a:rPr lang="it-IT" dirty="0" err="1"/>
+              <a:t>View</a:t>
+            </a:r>
+            <a:endParaRPr lang="it-IT" dirty="0"/>
+          </a:p>
+        </p:txBody>
+      </p:sp>
+      <p:sp>
+        <p:nvSpPr>
+          <p:cNvPr id="3" name="Segnaposto contenuto 2">
+            <a:extLst>
+              <a:ext uri="{FF2B5EF4-FFF2-40B4-BE49-F238E27FC236}">
+                <a16:creationId xmlns:a16="http://schemas.microsoft.com/office/drawing/2014/main" id="{75687EE4-6FE0-461A-BE59-B2419CCA5B72}"/>
+              </a:ext>
+            </a:extLst>
+          </p:cNvPr>
+          <p:cNvSpPr>
+            <a:spLocks noGrp="1"/>
+          </p:cNvSpPr>
+          <p:nvPr>
+            <p:ph idx="1"/>
+          </p:nvPr>
+        </p:nvSpPr>
+        <p:spPr/>
+        <p:txBody>
+          <a:bodyPr/>
+          <a:lstStyle/>
+          <a:p>
+            <a:pPr marL="0" indent="0">
+              <a:buNone/>
+            </a:pPr>
+            <a:endParaRPr lang="it-IT" dirty="0"/>
+          </a:p>
+        </p:txBody>
+      </p:sp>
+    </p:spTree>
+    <p:extLst>
+      <p:ext uri="{BB962C8B-B14F-4D97-AF65-F5344CB8AC3E}">
+        <p14:creationId xmlns:p14="http://schemas.microsoft.com/office/powerpoint/2010/main" val="1481836567"/>
+      </p:ext>
+    </p:extLst>
+  </p:cSld>
+  <p:clrMapOvr>
+    <a:masterClrMapping/>
+  </p:clrMapOvr>
+</p:sld>
+</file>
+
+<file path=ppt/slides/slide7.xml><?xml version="1.0" encoding="utf-8"?>
+<p:sld xmlns:a="http://schemas.openxmlformats.org/drawingml/2006/main" xmlns:r="http://schemas.openxmlformats.org/officeDocument/2006/relationships" xmlns:p="http://schemas.openxmlformats.org/presentationml/2006/main">
+  <p:cSld>
+    <p:spTree>
+      <p:nvGrpSpPr>
+        <p:cNvPr id="1" name=""/>
+        <p:cNvGrpSpPr/>
+        <p:nvPr/>
+      </p:nvGrpSpPr>
+      <p:grpSpPr>
+        <a:xfrm>
+          <a:off x="0" y="0"/>
+          <a:ext cx="0" cy="0"/>
+          <a:chOff x="0" y="0"/>
+          <a:chExt cx="0" cy="0"/>
+        </a:xfrm>
+      </p:grpSpPr>
+      <p:sp>
+        <p:nvSpPr>
+          <p:cNvPr id="2" name="Titolo 1">
+            <a:extLst>
+              <a:ext uri="{FF2B5EF4-FFF2-40B4-BE49-F238E27FC236}">
+                <a16:creationId xmlns:a16="http://schemas.microsoft.com/office/drawing/2014/main" id="{F4840646-7851-47EA-931D-3B79D239C3E3}"/>
+              </a:ext>
+            </a:extLst>
+          </p:cNvPr>
+          <p:cNvSpPr>
+            <a:spLocks noGrp="1"/>
+          </p:cNvSpPr>
+          <p:nvPr>
+            <p:ph type="title"/>
+          </p:nvPr>
+        </p:nvSpPr>
+        <p:spPr/>
+        <p:txBody>
+          <a:bodyPr/>
+          <a:lstStyle/>
+          <a:p>
+            <a:r>
+              <a:rPr lang="it-IT" dirty="0"/>
+              <a:t>Model</a:t>
+            </a:r>
+          </a:p>
+        </p:txBody>
+      </p:sp>
+      <p:sp>
+        <p:nvSpPr>
+          <p:cNvPr id="3" name="Segnaposto contenuto 2">
+            <a:extLst>
+              <a:ext uri="{FF2B5EF4-FFF2-40B4-BE49-F238E27FC236}">
+                <a16:creationId xmlns:a16="http://schemas.microsoft.com/office/drawing/2014/main" id="{1130E280-C8E8-49EA-B053-209D43410BA8}"/>
+              </a:ext>
+            </a:extLst>
+          </p:cNvPr>
+          <p:cNvSpPr>
+            <a:spLocks noGrp="1"/>
+          </p:cNvSpPr>
+          <p:nvPr>
+            <p:ph idx="1"/>
+          </p:nvPr>
+        </p:nvSpPr>
+        <p:spPr/>
+        <p:txBody>
+          <a:bodyPr/>
+          <a:lstStyle/>
+          <a:p>
+            <a:r>
+              <a:rPr lang="it-IT" dirty="0"/>
+              <a:t>Diagramma delle classi</a:t>
+            </a:r>
+          </a:p>
+        </p:txBody>
+      </p:sp>
+    </p:spTree>
+    <p:extLst>
+      <p:ext uri="{BB962C8B-B14F-4D97-AF65-F5344CB8AC3E}">
+        <p14:creationId xmlns:p14="http://schemas.microsoft.com/office/powerpoint/2010/main" val="2666985043"/>
+      </p:ext>
+    </p:extLst>
+  </p:cSld>
+  <p:clrMapOvr>
+    <a:masterClrMapping/>
+  </p:clrMapOvr>
+</p:sld>
+</file>
+
+<file path=ppt/slides/slide8.xml><?xml version="1.0" encoding="utf-8"?>
+<p:sld xmlns:a="http://schemas.openxmlformats.org/drawingml/2006/main" xmlns:r="http://schemas.openxmlformats.org/officeDocument/2006/relationships" xmlns:p="http://schemas.openxmlformats.org/presentationml/2006/main">
+  <p:cSld>
+    <p:spTree>
+      <p:nvGrpSpPr>
+        <p:cNvPr id="1" name=""/>
+        <p:cNvGrpSpPr/>
+        <p:nvPr/>
+      </p:nvGrpSpPr>
+      <p:grpSpPr>
+        <a:xfrm>
+          <a:off x="0" y="0"/>
+          <a:ext cx="0" cy="0"/>
+          <a:chOff x="0" y="0"/>
+          <a:chExt cx="0" cy="0"/>
+        </a:xfrm>
+      </p:grpSpPr>
+      <p:sp>
+        <p:nvSpPr>
+          <p:cNvPr id="2" name="Titolo 1">
+            <a:extLst>
+              <a:ext uri="{FF2B5EF4-FFF2-40B4-BE49-F238E27FC236}">
+                <a16:creationId xmlns:a16="http://schemas.microsoft.com/office/drawing/2014/main" id="{5C243035-CDF1-473F-88FA-C3C27C23ADAF}"/>
+              </a:ext>
+            </a:extLst>
+          </p:cNvPr>
+          <p:cNvSpPr>
+            <a:spLocks noGrp="1"/>
+          </p:cNvSpPr>
+          <p:nvPr>
+            <p:ph type="title"/>
+          </p:nvPr>
+        </p:nvSpPr>
+        <p:spPr/>
+        <p:txBody>
+          <a:bodyPr/>
+          <a:lstStyle/>
+          <a:p>
+            <a:r>
+              <a:rPr lang="it-IT" dirty="0"/>
+              <a:t>Model</a:t>
+            </a:r>
+          </a:p>
+        </p:txBody>
+      </p:sp>
+      <p:sp>
+        <p:nvSpPr>
+          <p:cNvPr id="3" name="Segnaposto contenuto 2">
+            <a:extLst>
+              <a:ext uri="{FF2B5EF4-FFF2-40B4-BE49-F238E27FC236}">
+                <a16:creationId xmlns:a16="http://schemas.microsoft.com/office/drawing/2014/main" id="{6B0BAC4D-92F3-4B15-98C9-9E5BA8816B6F}"/>
+              </a:ext>
+            </a:extLst>
+          </p:cNvPr>
+          <p:cNvSpPr>
+            <a:spLocks noGrp="1"/>
+          </p:cNvSpPr>
+          <p:nvPr>
+            <p:ph idx="1"/>
+          </p:nvPr>
+        </p:nvSpPr>
+        <p:spPr/>
+        <p:txBody>
+          <a:bodyPr/>
+          <a:lstStyle/>
+          <a:p>
+            <a:r>
+              <a:rPr lang="it-IT" dirty="0"/>
+              <a:t>Design pattern</a:t>
+            </a:r>
+          </a:p>
+          <a:p>
+            <a:pPr lvl="1"/>
+            <a:r>
+              <a:rPr lang="it-IT" dirty="0" err="1"/>
+              <a:t>Command</a:t>
+            </a:r>
+            <a:r>
+              <a:rPr lang="it-IT" dirty="0"/>
+              <a:t> pattern</a:t>
+            </a:r>
+          </a:p>
+          <a:p>
+            <a:pPr lvl="1"/>
+            <a:r>
+              <a:rPr lang="it-IT" dirty="0"/>
+              <a:t>Builder</a:t>
+            </a:r>
+          </a:p>
+          <a:p>
+            <a:pPr lvl="1"/>
+            <a:r>
+              <a:rPr lang="it-IT" dirty="0"/>
+              <a:t>…</a:t>
+            </a:r>
+          </a:p>
+          <a:p>
+            <a:pPr lvl="2"/>
+            <a:endParaRPr lang="it-IT" dirty="0"/>
+          </a:p>
+        </p:txBody>
+      </p:sp>
+    </p:spTree>
+    <p:extLst>
+      <p:ext uri="{BB962C8B-B14F-4D97-AF65-F5344CB8AC3E}">
+        <p14:creationId xmlns:p14="http://schemas.microsoft.com/office/powerpoint/2010/main" val="831205434"/>
+      </p:ext>
+    </p:extLst>
+  </p:cSld>
+  <p:clrMapOvr>
+    <a:masterClrMapping/>
+  </p:clrMapOvr>
+</p:sld>
+</file>
+
+<file path=ppt/slides/slide9.xml><?xml version="1.0" encoding="utf-8"?>
+<p:sld xmlns:a="http://schemas.openxmlformats.org/drawingml/2006/main" xmlns:r="http://schemas.openxmlformats.org/officeDocument/2006/relationships" xmlns:p="http://schemas.openxmlformats.org/presentationml/2006/main">
+  <p:cSld>
+    <p:spTree>
+      <p:nvGrpSpPr>
+        <p:cNvPr id="1" name=""/>
+        <p:cNvGrpSpPr/>
+        <p:nvPr/>
+      </p:nvGrpSpPr>
+      <p:grpSpPr>
+        <a:xfrm>
+          <a:off x="0" y="0"/>
+          <a:ext cx="0" cy="0"/>
+          <a:chOff x="0" y="0"/>
+          <a:chExt cx="0" cy="0"/>
+        </a:xfrm>
+      </p:grpSpPr>
+      <p:sp>
+        <p:nvSpPr>
+          <p:cNvPr id="2" name="Titolo 1">
+            <a:extLst>
+              <a:ext uri="{FF2B5EF4-FFF2-40B4-BE49-F238E27FC236}">
+                <a16:creationId xmlns:a16="http://schemas.microsoft.com/office/drawing/2014/main" id="{134D89A6-836F-48F4-884B-5E561938C2D0}"/>
+              </a:ext>
+            </a:extLst>
+          </p:cNvPr>
+          <p:cNvSpPr>
+            <a:spLocks noGrp="1"/>
+          </p:cNvSpPr>
+          <p:nvPr>
+            <p:ph type="title"/>
+          </p:nvPr>
+        </p:nvSpPr>
+        <p:spPr/>
+        <p:txBody>
+          <a:bodyPr/>
+          <a:lstStyle/>
+          <a:p>
+            <a:r>
+              <a:rPr lang="it-IT" dirty="0"/>
+              <a:t>Model</a:t>
+            </a:r>
+          </a:p>
+        </p:txBody>
+      </p:sp>
+      <p:sp>
+        <p:nvSpPr>
+          <p:cNvPr id="3" name="Segnaposto contenuto 2">
+            <a:extLst>
+              <a:ext uri="{FF2B5EF4-FFF2-40B4-BE49-F238E27FC236}">
+                <a16:creationId xmlns:a16="http://schemas.microsoft.com/office/drawing/2014/main" id="{424A2A11-D613-48C0-957F-4DE0393B26FC}"/>
+              </a:ext>
+            </a:extLst>
+          </p:cNvPr>
+          <p:cNvSpPr>
+            <a:spLocks noGrp="1"/>
+          </p:cNvSpPr>
+          <p:nvPr>
+            <p:ph idx="1"/>
+          </p:nvPr>
+        </p:nvSpPr>
+        <p:spPr/>
+        <p:txBody>
+          <a:bodyPr/>
+          <a:lstStyle/>
+          <a:p>
+            <a:r>
+              <a:rPr lang="it-IT" dirty="0"/>
+              <a:t>Diagrammi di sequenza</a:t>
+            </a:r>
+          </a:p>
+        </p:txBody>
+      </p:sp>
+    </p:spTree>
+    <p:extLst>
+      <p:ext uri="{BB962C8B-B14F-4D97-AF65-F5344CB8AC3E}">
+        <p14:creationId xmlns:p14="http://schemas.microsoft.com/office/powerpoint/2010/main" val="1018468741"/>
       </p:ext>
     </p:extLst>
   </p:cSld>

--- a/Presentazioni/Presentazioni PB/Presentazione PB.pptx
+++ b/Presentazioni/Presentazioni PB/Presentazione PB.pptx
@@ -8,15 +8,15 @@
     <p:sldId id="256" r:id="rId2"/>
     <p:sldId id="271" r:id="rId3"/>
     <p:sldId id="257" r:id="rId4"/>
-    <p:sldId id="260" r:id="rId5"/>
-    <p:sldId id="261" r:id="rId6"/>
-    <p:sldId id="262" r:id="rId7"/>
-    <p:sldId id="263" r:id="rId8"/>
-    <p:sldId id="264" r:id="rId9"/>
-    <p:sldId id="265" r:id="rId10"/>
-    <p:sldId id="266" r:id="rId11"/>
-    <p:sldId id="267" r:id="rId12"/>
-    <p:sldId id="268" r:id="rId13"/>
+    <p:sldId id="261" r:id="rId5"/>
+    <p:sldId id="262" r:id="rId6"/>
+    <p:sldId id="263" r:id="rId7"/>
+    <p:sldId id="264" r:id="rId8"/>
+    <p:sldId id="266" r:id="rId9"/>
+    <p:sldId id="267" r:id="rId10"/>
+    <p:sldId id="272" r:id="rId11"/>
+    <p:sldId id="273" r:id="rId12"/>
+    <p:sldId id="274" r:id="rId13"/>
     <p:sldId id="269" r:id="rId14"/>
     <p:sldId id="270" r:id="rId15"/>
   </p:sldIdLst>
@@ -272,7 +272,7 @@
           <a:p>
             <a:fld id="{5CF95FE8-80A6-42EB-B376-7F3BFD602E63}" type="datetimeFigureOut">
               <a:rPr lang="it-IT" smtClean="0"/>
-              <a:t>05/04/2018</a:t>
+              <a:t>06/04/2018</a:t>
             </a:fld>
             <a:endParaRPr lang="it-IT"/>
           </a:p>
@@ -470,7 +470,7 @@
           <a:p>
             <a:fld id="{5CF95FE8-80A6-42EB-B376-7F3BFD602E63}" type="datetimeFigureOut">
               <a:rPr lang="it-IT" smtClean="0"/>
-              <a:t>05/04/2018</a:t>
+              <a:t>06/04/2018</a:t>
             </a:fld>
             <a:endParaRPr lang="it-IT"/>
           </a:p>
@@ -678,7 +678,7 @@
           <a:p>
             <a:fld id="{5CF95FE8-80A6-42EB-B376-7F3BFD602E63}" type="datetimeFigureOut">
               <a:rPr lang="it-IT" smtClean="0"/>
-              <a:t>05/04/2018</a:t>
+              <a:t>06/04/2018</a:t>
             </a:fld>
             <a:endParaRPr lang="it-IT"/>
           </a:p>
@@ -876,7 +876,7 @@
           <a:p>
             <a:fld id="{5CF95FE8-80A6-42EB-B376-7F3BFD602E63}" type="datetimeFigureOut">
               <a:rPr lang="it-IT" smtClean="0"/>
-              <a:t>05/04/2018</a:t>
+              <a:t>06/04/2018</a:t>
             </a:fld>
             <a:endParaRPr lang="it-IT"/>
           </a:p>
@@ -1151,7 +1151,7 @@
           <a:p>
             <a:fld id="{5CF95FE8-80A6-42EB-B376-7F3BFD602E63}" type="datetimeFigureOut">
               <a:rPr lang="it-IT" smtClean="0"/>
-              <a:t>05/04/2018</a:t>
+              <a:t>06/04/2018</a:t>
             </a:fld>
             <a:endParaRPr lang="it-IT"/>
           </a:p>
@@ -1416,7 +1416,7 @@
           <a:p>
             <a:fld id="{5CF95FE8-80A6-42EB-B376-7F3BFD602E63}" type="datetimeFigureOut">
               <a:rPr lang="it-IT" smtClean="0"/>
-              <a:t>05/04/2018</a:t>
+              <a:t>06/04/2018</a:t>
             </a:fld>
             <a:endParaRPr lang="it-IT"/>
           </a:p>
@@ -1828,7 +1828,7 @@
           <a:p>
             <a:fld id="{5CF95FE8-80A6-42EB-B376-7F3BFD602E63}" type="datetimeFigureOut">
               <a:rPr lang="it-IT" smtClean="0"/>
-              <a:t>05/04/2018</a:t>
+              <a:t>06/04/2018</a:t>
             </a:fld>
             <a:endParaRPr lang="it-IT"/>
           </a:p>
@@ -1969,7 +1969,7 @@
           <a:p>
             <a:fld id="{5CF95FE8-80A6-42EB-B376-7F3BFD602E63}" type="datetimeFigureOut">
               <a:rPr lang="it-IT" smtClean="0"/>
-              <a:t>05/04/2018</a:t>
+              <a:t>06/04/2018</a:t>
             </a:fld>
             <a:endParaRPr lang="it-IT"/>
           </a:p>
@@ -2082,7 +2082,7 @@
           <a:p>
             <a:fld id="{5CF95FE8-80A6-42EB-B376-7F3BFD602E63}" type="datetimeFigureOut">
               <a:rPr lang="it-IT" smtClean="0"/>
-              <a:t>05/04/2018</a:t>
+              <a:t>06/04/2018</a:t>
             </a:fld>
             <a:endParaRPr lang="it-IT"/>
           </a:p>
@@ -2393,7 +2393,7 @@
           <a:p>
             <a:fld id="{5CF95FE8-80A6-42EB-B376-7F3BFD602E63}" type="datetimeFigureOut">
               <a:rPr lang="it-IT" smtClean="0"/>
-              <a:t>05/04/2018</a:t>
+              <a:t>06/04/2018</a:t>
             </a:fld>
             <a:endParaRPr lang="it-IT"/>
           </a:p>
@@ -2681,7 +2681,7 @@
           <a:p>
             <a:fld id="{5CF95FE8-80A6-42EB-B376-7F3BFD602E63}" type="datetimeFigureOut">
               <a:rPr lang="it-IT" smtClean="0"/>
-              <a:t>05/04/2018</a:t>
+              <a:t>06/04/2018</a:t>
             </a:fld>
             <a:endParaRPr lang="it-IT"/>
           </a:p>
@@ -2922,7 +2922,7 @@
           <a:p>
             <a:fld id="{5CF95FE8-80A6-42EB-B376-7F3BFD602E63}" type="datetimeFigureOut">
               <a:rPr lang="it-IT" smtClean="0"/>
-              <a:t>05/04/2018</a:t>
+              <a:t>06/04/2018</a:t>
             </a:fld>
             <a:endParaRPr lang="it-IT"/>
           </a:p>
@@ -3427,7 +3427,7 @@
           <p:cNvPr id="2" name="Titolo 1">
             <a:extLst>
               <a:ext uri="{FF2B5EF4-FFF2-40B4-BE49-F238E27FC236}">
-                <a16:creationId xmlns:a16="http://schemas.microsoft.com/office/drawing/2014/main" id="{F4840646-7851-47EA-931D-3B79D239C3E3}"/>
+                <a16:creationId xmlns:a16="http://schemas.microsoft.com/office/drawing/2014/main" id="{B4CD82B6-0392-491B-8105-950520BD3491}"/>
               </a:ext>
             </a:extLst>
           </p:cNvPr>
@@ -3444,45 +3444,41 @@
           <a:lstStyle/>
           <a:p>
             <a:r>
-              <a:rPr lang="it-IT" dirty="0" err="1"/>
-              <a:t>ViewModel</a:t>
-            </a:r>
+              <a:rPr lang="it-IT" dirty="0"/>
+              <a:t>Diagramma di sequenza - 1</a:t>
+            </a:r>
+          </a:p>
+        </p:txBody>
+      </p:sp>
+      <p:sp>
+        <p:nvSpPr>
+          <p:cNvPr id="3" name="Segnaposto contenuto 2">
+            <a:extLst>
+              <a:ext uri="{FF2B5EF4-FFF2-40B4-BE49-F238E27FC236}">
+                <a16:creationId xmlns:a16="http://schemas.microsoft.com/office/drawing/2014/main" id="{83FB9507-9421-4A15-8B07-4E825906DD40}"/>
+              </a:ext>
+            </a:extLst>
+          </p:cNvPr>
+          <p:cNvSpPr>
+            <a:spLocks noGrp="1"/>
+          </p:cNvSpPr>
+          <p:nvPr>
+            <p:ph idx="1"/>
+          </p:nvPr>
+        </p:nvSpPr>
+        <p:spPr/>
+        <p:txBody>
+          <a:bodyPr/>
+          <a:lstStyle/>
+          <a:p>
             <a:endParaRPr lang="it-IT" dirty="0"/>
-          </a:p>
-        </p:txBody>
-      </p:sp>
-      <p:sp>
-        <p:nvSpPr>
-          <p:cNvPr id="3" name="Segnaposto contenuto 2">
-            <a:extLst>
-              <a:ext uri="{FF2B5EF4-FFF2-40B4-BE49-F238E27FC236}">
-                <a16:creationId xmlns:a16="http://schemas.microsoft.com/office/drawing/2014/main" id="{1130E280-C8E8-49EA-B053-209D43410BA8}"/>
-              </a:ext>
-            </a:extLst>
-          </p:cNvPr>
-          <p:cNvSpPr>
-            <a:spLocks noGrp="1"/>
-          </p:cNvSpPr>
-          <p:nvPr>
-            <p:ph idx="1"/>
-          </p:nvPr>
-        </p:nvSpPr>
-        <p:spPr/>
-        <p:txBody>
-          <a:bodyPr/>
-          <a:lstStyle/>
-          <a:p>
-            <a:r>
-              <a:rPr lang="it-IT" dirty="0"/>
-              <a:t>Diagramma delle classi</a:t>
-            </a:r>
           </a:p>
         </p:txBody>
       </p:sp>
     </p:spTree>
     <p:extLst>
       <p:ext uri="{BB962C8B-B14F-4D97-AF65-F5344CB8AC3E}">
-        <p14:creationId xmlns:p14="http://schemas.microsoft.com/office/powerpoint/2010/main" val="1880291925"/>
+        <p14:creationId xmlns:p14="http://schemas.microsoft.com/office/powerpoint/2010/main" val="889551493"/>
       </p:ext>
     </p:extLst>
   </p:cSld>
@@ -3514,7 +3510,7 @@
           <p:cNvPr id="2" name="Titolo 1">
             <a:extLst>
               <a:ext uri="{FF2B5EF4-FFF2-40B4-BE49-F238E27FC236}">
-                <a16:creationId xmlns:a16="http://schemas.microsoft.com/office/drawing/2014/main" id="{5C243035-CDF1-473F-88FA-C3C27C23ADAF}"/>
+                <a16:creationId xmlns:a16="http://schemas.microsoft.com/office/drawing/2014/main" id="{9FC42B86-D846-434A-9207-B1EE92D71CCF}"/>
               </a:ext>
             </a:extLst>
           </p:cNvPr>
@@ -3531,10 +3527,9 @@
           <a:lstStyle/>
           <a:p>
             <a:r>
-              <a:rPr lang="it-IT" dirty="0" err="1"/>
-              <a:t>ViewModel</a:t>
-            </a:r>
-            <a:endParaRPr lang="it-IT" dirty="0"/>
+              <a:rPr lang="it-IT" dirty="0"/>
+              <a:t>Diagramma di sequenza - 2</a:t>
+            </a:r>
           </a:p>
         </p:txBody>
       </p:sp>
@@ -3543,7 +3538,7 @@
           <p:cNvPr id="3" name="Segnaposto contenuto 2">
             <a:extLst>
               <a:ext uri="{FF2B5EF4-FFF2-40B4-BE49-F238E27FC236}">
-                <a16:creationId xmlns:a16="http://schemas.microsoft.com/office/drawing/2014/main" id="{6B0BAC4D-92F3-4B15-98C9-9E5BA8816B6F}"/>
+                <a16:creationId xmlns:a16="http://schemas.microsoft.com/office/drawing/2014/main" id="{212DA7B9-9D82-4BC2-A184-B6DEEDEE13D0}"/>
               </a:ext>
             </a:extLst>
           </p:cNvPr>
@@ -3559,38 +3554,6 @@
           <a:bodyPr/>
           <a:lstStyle/>
           <a:p>
-            <a:r>
-              <a:rPr lang="it-IT" dirty="0"/>
-              <a:t>Design pattern</a:t>
-            </a:r>
-          </a:p>
-          <a:p>
-            <a:pPr lvl="1"/>
-            <a:r>
-              <a:rPr lang="it-IT" dirty="0" err="1"/>
-              <a:t>Command</a:t>
-            </a:r>
-            <a:r>
-              <a:rPr lang="it-IT" dirty="0"/>
-              <a:t> pattern</a:t>
-            </a:r>
-          </a:p>
-          <a:p>
-            <a:pPr lvl="1"/>
-            <a:r>
-              <a:rPr lang="it-IT" dirty="0"/>
-              <a:t>Builder</a:t>
-            </a:r>
-          </a:p>
-          <a:p>
-            <a:pPr lvl="1"/>
-            <a:r>
-              <a:rPr lang="it-IT" dirty="0"/>
-              <a:t>…</a:t>
-            </a:r>
-          </a:p>
-          <a:p>
-            <a:pPr lvl="2"/>
             <a:endParaRPr lang="it-IT" dirty="0"/>
           </a:p>
         </p:txBody>
@@ -3598,7 +3561,7 @@
     </p:spTree>
     <p:extLst>
       <p:ext uri="{BB962C8B-B14F-4D97-AF65-F5344CB8AC3E}">
-        <p14:creationId xmlns:p14="http://schemas.microsoft.com/office/powerpoint/2010/main" val="927728188"/>
+        <p14:creationId xmlns:p14="http://schemas.microsoft.com/office/powerpoint/2010/main" val="2513644712"/>
       </p:ext>
     </p:extLst>
   </p:cSld>
@@ -3630,7 +3593,7 @@
           <p:cNvPr id="2" name="Titolo 1">
             <a:extLst>
               <a:ext uri="{FF2B5EF4-FFF2-40B4-BE49-F238E27FC236}">
-                <a16:creationId xmlns:a16="http://schemas.microsoft.com/office/drawing/2014/main" id="{134D89A6-836F-48F4-884B-5E561938C2D0}"/>
+                <a16:creationId xmlns:a16="http://schemas.microsoft.com/office/drawing/2014/main" id="{DE874DFA-03FE-4134-A1AD-A403F5F12054}"/>
               </a:ext>
             </a:extLst>
           </p:cNvPr>
@@ -3647,10 +3610,9 @@
           <a:lstStyle/>
           <a:p>
             <a:r>
-              <a:rPr lang="it-IT" dirty="0" err="1"/>
-              <a:t>ViewModel</a:t>
-            </a:r>
-            <a:endParaRPr lang="it-IT" dirty="0"/>
+              <a:rPr lang="it-IT" dirty="0"/>
+              <a:t>Diagramma di sequenza - 3</a:t>
+            </a:r>
           </a:p>
         </p:txBody>
       </p:sp>
@@ -3659,7 +3621,7 @@
           <p:cNvPr id="3" name="Segnaposto contenuto 2">
             <a:extLst>
               <a:ext uri="{FF2B5EF4-FFF2-40B4-BE49-F238E27FC236}">
-                <a16:creationId xmlns:a16="http://schemas.microsoft.com/office/drawing/2014/main" id="{424A2A11-D613-48C0-957F-4DE0393B26FC}"/>
+                <a16:creationId xmlns:a16="http://schemas.microsoft.com/office/drawing/2014/main" id="{7F7D7ABD-E71B-49E5-9B15-9135D1A23A7B}"/>
               </a:ext>
             </a:extLst>
           </p:cNvPr>
@@ -3675,17 +3637,14 @@
           <a:bodyPr/>
           <a:lstStyle/>
           <a:p>
-            <a:r>
-              <a:rPr lang="it-IT" dirty="0"/>
-              <a:t>Diagrammi di sequenza</a:t>
-            </a:r>
+            <a:endParaRPr lang="it-IT"/>
           </a:p>
         </p:txBody>
       </p:sp>
     </p:spTree>
     <p:extLst>
       <p:ext uri="{BB962C8B-B14F-4D97-AF65-F5344CB8AC3E}">
-        <p14:creationId xmlns:p14="http://schemas.microsoft.com/office/powerpoint/2010/main" val="298006015"/>
+        <p14:creationId xmlns:p14="http://schemas.microsoft.com/office/powerpoint/2010/main" val="364225848"/>
       </p:ext>
     </p:extLst>
   </p:cSld>
@@ -3968,12 +3927,6 @@
             <a:r>
               <a:rPr lang="it-IT" dirty="0"/>
               <a:t> alla PB</a:t>
-            </a:r>
-          </a:p>
-          <a:p>
-            <a:r>
-              <a:rPr lang="it-IT" dirty="0"/>
-              <a:t>Architettura</a:t>
             </a:r>
           </a:p>
           <a:p>
@@ -4512,7 +4465,7 @@
           <p:cNvPr id="2" name="Titolo 1">
             <a:extLst>
               <a:ext uri="{FF2B5EF4-FFF2-40B4-BE49-F238E27FC236}">
-                <a16:creationId xmlns:a16="http://schemas.microsoft.com/office/drawing/2014/main" id="{489C9E1B-2B7A-482F-894B-2E770582E0E2}"/>
+                <a16:creationId xmlns:a16="http://schemas.microsoft.com/office/drawing/2014/main" id="{44A7E9AC-F08D-473F-BE0F-181371F5527B}"/>
               </a:ext>
             </a:extLst>
           </p:cNvPr>
@@ -4521,34 +4474,6 @@
           </p:cNvSpPr>
           <p:nvPr>
             <p:ph type="title"/>
-          </p:nvPr>
-        </p:nvSpPr>
-        <p:spPr/>
-        <p:txBody>
-          <a:bodyPr/>
-          <a:lstStyle/>
-          <a:p>
-            <a:r>
-              <a:rPr lang="it-IT" dirty="0"/>
-              <a:t>Architettura</a:t>
-            </a:r>
-          </a:p>
-        </p:txBody>
-      </p:sp>
-      <p:sp>
-        <p:nvSpPr>
-          <p:cNvPr id="3" name="Segnaposto contenuto 2">
-            <a:extLst>
-              <a:ext uri="{FF2B5EF4-FFF2-40B4-BE49-F238E27FC236}">
-                <a16:creationId xmlns:a16="http://schemas.microsoft.com/office/drawing/2014/main" id="{FF126212-C7C4-4256-A882-690E3B5A4E1A}"/>
-              </a:ext>
-            </a:extLst>
-          </p:cNvPr>
-          <p:cNvSpPr>
-            <a:spLocks noGrp="1"/>
-          </p:cNvSpPr>
-          <p:nvPr>
-            <p:ph idx="1"/>
           </p:nvPr>
         </p:nvSpPr>
         <p:spPr/>
@@ -4574,60 +4499,53 @@
             </a:r>
             <a:endParaRPr lang="it-IT" dirty="0"/>
           </a:p>
-          <a:p>
+        </p:txBody>
+      </p:sp>
+      <p:sp>
+        <p:nvSpPr>
+          <p:cNvPr id="3" name="Segnaposto contenuto 2">
+            <a:extLst>
+              <a:ext uri="{FF2B5EF4-FFF2-40B4-BE49-F238E27FC236}">
+                <a16:creationId xmlns:a16="http://schemas.microsoft.com/office/drawing/2014/main" id="{FBAF0626-3701-4D26-BB21-3ED16BDABA83}"/>
+              </a:ext>
+            </a:extLst>
+          </p:cNvPr>
+          <p:cNvSpPr>
+            <a:spLocks noGrp="1"/>
+          </p:cNvSpPr>
+          <p:nvPr>
+            <p:ph idx="1"/>
+          </p:nvPr>
+        </p:nvSpPr>
+        <p:spPr/>
+        <p:txBody>
+          <a:bodyPr/>
+          <a:lstStyle/>
+          <a:p>
+            <a:r>
+              <a:rPr lang="it-IT" dirty="0"/>
+              <a:t>Diagramma Model-</a:t>
+            </a:r>
             <a:r>
               <a:rPr lang="it-IT" dirty="0" err="1"/>
-              <a:t>View</a:t>
+              <a:t>view</a:t>
+            </a:r>
+            <a:r>
+              <a:rPr lang="it-IT" dirty="0"/>
+              <a:t>-</a:t>
+            </a:r>
+            <a:r>
+              <a:rPr lang="it-IT" dirty="0" err="1"/>
+              <a:t>viewmodel</a:t>
             </a:r>
             <a:endParaRPr lang="it-IT" dirty="0"/>
-          </a:p>
-          <a:p>
-            <a:r>
-              <a:rPr lang="it-IT" dirty="0"/>
-              <a:t>Model</a:t>
-            </a:r>
-          </a:p>
-          <a:p>
-            <a:pPr lvl="1"/>
-            <a:r>
-              <a:rPr lang="it-IT" dirty="0"/>
-              <a:t>Diagramma delle classi e spiegazione DP</a:t>
-            </a:r>
-          </a:p>
-          <a:p>
-            <a:pPr lvl="1"/>
-            <a:r>
-              <a:rPr lang="it-IT" dirty="0"/>
-              <a:t>Diagramma di sequenza</a:t>
-            </a:r>
-          </a:p>
-          <a:p>
-            <a:r>
-              <a:rPr lang="it-IT" dirty="0" err="1"/>
-              <a:t>Viewmodel</a:t>
-            </a:r>
-            <a:endParaRPr lang="it-IT" dirty="0"/>
-          </a:p>
-          <a:p>
-            <a:pPr lvl="1"/>
-            <a:r>
-              <a:rPr lang="it-IT" dirty="0"/>
-              <a:t>Diagramma delle classi e spiegazione DP</a:t>
-            </a:r>
-          </a:p>
-          <a:p>
-            <a:pPr lvl="1"/>
-            <a:r>
-              <a:rPr lang="it-IT" dirty="0"/>
-              <a:t>Diagramma di sequenza</a:t>
-            </a:r>
           </a:p>
         </p:txBody>
       </p:sp>
     </p:spTree>
     <p:extLst>
       <p:ext uri="{BB962C8B-B14F-4D97-AF65-F5344CB8AC3E}">
-        <p14:creationId xmlns:p14="http://schemas.microsoft.com/office/powerpoint/2010/main" val="2327775728"/>
+        <p14:creationId xmlns:p14="http://schemas.microsoft.com/office/powerpoint/2010/main" val="261983527"/>
       </p:ext>
     </p:extLst>
   </p:cSld>
@@ -4659,7 +4577,7 @@
           <p:cNvPr id="2" name="Titolo 1">
             <a:extLst>
               <a:ext uri="{FF2B5EF4-FFF2-40B4-BE49-F238E27FC236}">
-                <a16:creationId xmlns:a16="http://schemas.microsoft.com/office/drawing/2014/main" id="{44A7E9AC-F08D-473F-BE0F-181371F5527B}"/>
+                <a16:creationId xmlns:a16="http://schemas.microsoft.com/office/drawing/2014/main" id="{FB6AF5B1-9225-42CF-956E-9349A0042F96}"/>
               </a:ext>
             </a:extLst>
           </p:cNvPr>
@@ -4676,20 +4594,8 @@
           <a:lstStyle/>
           <a:p>
             <a:r>
-              <a:rPr lang="it-IT" dirty="0"/>
-              <a:t>Model-</a:t>
-            </a:r>
-            <a:r>
               <a:rPr lang="it-IT" dirty="0" err="1"/>
-              <a:t>view</a:t>
-            </a:r>
-            <a:r>
-              <a:rPr lang="it-IT" dirty="0"/>
-              <a:t>-</a:t>
-            </a:r>
-            <a:r>
-              <a:rPr lang="it-IT" dirty="0" err="1"/>
-              <a:t>viewmodel</a:t>
+              <a:t>View</a:t>
             </a:r>
             <a:endParaRPr lang="it-IT" dirty="0"/>
           </a:p>
@@ -4700,7 +4606,7 @@
           <p:cNvPr id="3" name="Segnaposto contenuto 2">
             <a:extLst>
               <a:ext uri="{FF2B5EF4-FFF2-40B4-BE49-F238E27FC236}">
-                <a16:creationId xmlns:a16="http://schemas.microsoft.com/office/drawing/2014/main" id="{FBAF0626-3701-4D26-BB21-3ED16BDABA83}"/>
+                <a16:creationId xmlns:a16="http://schemas.microsoft.com/office/drawing/2014/main" id="{75687EE4-6FE0-461A-BE59-B2419CCA5B72}"/>
               </a:ext>
             </a:extLst>
           </p:cNvPr>
@@ -4716,22 +4622,9 @@
           <a:bodyPr/>
           <a:lstStyle/>
           <a:p>
-            <a:r>
-              <a:rPr lang="it-IT" dirty="0"/>
-              <a:t>Diagramma Model-</a:t>
-            </a:r>
-            <a:r>
-              <a:rPr lang="it-IT" dirty="0" err="1"/>
-              <a:t>view</a:t>
-            </a:r>
-            <a:r>
-              <a:rPr lang="it-IT" dirty="0"/>
-              <a:t>-</a:t>
-            </a:r>
-            <a:r>
-              <a:rPr lang="it-IT" dirty="0" err="1"/>
-              <a:t>viewmodel</a:t>
-            </a:r>
+            <a:pPr marL="0" indent="0">
+              <a:buNone/>
+            </a:pPr>
             <a:endParaRPr lang="it-IT" dirty="0"/>
           </a:p>
         </p:txBody>
@@ -4739,7 +4632,7 @@
     </p:spTree>
     <p:extLst>
       <p:ext uri="{BB962C8B-B14F-4D97-AF65-F5344CB8AC3E}">
-        <p14:creationId xmlns:p14="http://schemas.microsoft.com/office/powerpoint/2010/main" val="261983527"/>
+        <p14:creationId xmlns:p14="http://schemas.microsoft.com/office/powerpoint/2010/main" val="1481836567"/>
       </p:ext>
     </p:extLst>
   </p:cSld>
@@ -4771,7 +4664,7 @@
           <p:cNvPr id="2" name="Titolo 1">
             <a:extLst>
               <a:ext uri="{FF2B5EF4-FFF2-40B4-BE49-F238E27FC236}">
-                <a16:creationId xmlns:a16="http://schemas.microsoft.com/office/drawing/2014/main" id="{FB6AF5B1-9225-42CF-956E-9349A0042F96}"/>
+                <a16:creationId xmlns:a16="http://schemas.microsoft.com/office/drawing/2014/main" id="{F4840646-7851-47EA-931D-3B79D239C3E3}"/>
               </a:ext>
             </a:extLst>
           </p:cNvPr>
@@ -4788,10 +4681,9 @@
           <a:lstStyle/>
           <a:p>
             <a:r>
-              <a:rPr lang="it-IT" dirty="0" err="1"/>
-              <a:t>View</a:t>
-            </a:r>
-            <a:endParaRPr lang="it-IT" dirty="0"/>
+              <a:rPr lang="it-IT" dirty="0"/>
+              <a:t>Model</a:t>
+            </a:r>
           </a:p>
         </p:txBody>
       </p:sp>
@@ -4800,7 +4692,7 @@
           <p:cNvPr id="3" name="Segnaposto contenuto 2">
             <a:extLst>
               <a:ext uri="{FF2B5EF4-FFF2-40B4-BE49-F238E27FC236}">
-                <a16:creationId xmlns:a16="http://schemas.microsoft.com/office/drawing/2014/main" id="{75687EE4-6FE0-461A-BE59-B2419CCA5B72}"/>
+                <a16:creationId xmlns:a16="http://schemas.microsoft.com/office/drawing/2014/main" id="{1130E280-C8E8-49EA-B053-209D43410BA8}"/>
               </a:ext>
             </a:extLst>
           </p:cNvPr>
@@ -4816,17 +4708,17 @@
           <a:bodyPr/>
           <a:lstStyle/>
           <a:p>
-            <a:pPr marL="0" indent="0">
-              <a:buNone/>
-            </a:pPr>
-            <a:endParaRPr lang="it-IT" dirty="0"/>
+            <a:r>
+              <a:rPr lang="it-IT" dirty="0"/>
+              <a:t>Diagramma delle classi</a:t>
+            </a:r>
           </a:p>
         </p:txBody>
       </p:sp>
     </p:spTree>
     <p:extLst>
       <p:ext uri="{BB962C8B-B14F-4D97-AF65-F5344CB8AC3E}">
-        <p14:creationId xmlns:p14="http://schemas.microsoft.com/office/powerpoint/2010/main" val="1481836567"/>
+        <p14:creationId xmlns:p14="http://schemas.microsoft.com/office/powerpoint/2010/main" val="2666985043"/>
       </p:ext>
     </p:extLst>
   </p:cSld>
@@ -4858,7 +4750,7 @@
           <p:cNvPr id="2" name="Titolo 1">
             <a:extLst>
               <a:ext uri="{FF2B5EF4-FFF2-40B4-BE49-F238E27FC236}">
-                <a16:creationId xmlns:a16="http://schemas.microsoft.com/office/drawing/2014/main" id="{F4840646-7851-47EA-931D-3B79D239C3E3}"/>
+                <a16:creationId xmlns:a16="http://schemas.microsoft.com/office/drawing/2014/main" id="{5C243035-CDF1-473F-88FA-C3C27C23ADAF}"/>
               </a:ext>
             </a:extLst>
           </p:cNvPr>
@@ -4886,7 +4778,7 @@
           <p:cNvPr id="3" name="Segnaposto contenuto 2">
             <a:extLst>
               <a:ext uri="{FF2B5EF4-FFF2-40B4-BE49-F238E27FC236}">
-                <a16:creationId xmlns:a16="http://schemas.microsoft.com/office/drawing/2014/main" id="{1130E280-C8E8-49EA-B053-209D43410BA8}"/>
+                <a16:creationId xmlns:a16="http://schemas.microsoft.com/office/drawing/2014/main" id="{6B0BAC4D-92F3-4B15-98C9-9E5BA8816B6F}"/>
               </a:ext>
             </a:extLst>
           </p:cNvPr>
@@ -4904,15 +4796,44 @@
           <a:p>
             <a:r>
               <a:rPr lang="it-IT" dirty="0"/>
-              <a:t>Diagramma delle classi</a:t>
-            </a:r>
+              <a:t>Design pattern</a:t>
+            </a:r>
+          </a:p>
+          <a:p>
+            <a:pPr lvl="1"/>
+            <a:r>
+              <a:rPr lang="it-IT" dirty="0" err="1"/>
+              <a:t>Command</a:t>
+            </a:r>
+            <a:r>
+              <a:rPr lang="it-IT" dirty="0"/>
+              <a:t> pattern</a:t>
+            </a:r>
+          </a:p>
+          <a:p>
+            <a:pPr lvl="1"/>
+            <a:r>
+              <a:rPr lang="it-IT" dirty="0"/>
+              <a:t>Builder</a:t>
+            </a:r>
+          </a:p>
+          <a:p>
+            <a:pPr lvl="1"/>
+            <a:r>
+              <a:rPr lang="it-IT" dirty="0"/>
+              <a:t>…</a:t>
+            </a:r>
+          </a:p>
+          <a:p>
+            <a:pPr lvl="2"/>
+            <a:endParaRPr lang="it-IT" dirty="0"/>
           </a:p>
         </p:txBody>
       </p:sp>
     </p:spTree>
     <p:extLst>
       <p:ext uri="{BB962C8B-B14F-4D97-AF65-F5344CB8AC3E}">
-        <p14:creationId xmlns:p14="http://schemas.microsoft.com/office/powerpoint/2010/main" val="2666985043"/>
+        <p14:creationId xmlns:p14="http://schemas.microsoft.com/office/powerpoint/2010/main" val="831205434"/>
       </p:ext>
     </p:extLst>
   </p:cSld>
@@ -4944,7 +4865,7 @@
           <p:cNvPr id="2" name="Titolo 1">
             <a:extLst>
               <a:ext uri="{FF2B5EF4-FFF2-40B4-BE49-F238E27FC236}">
-                <a16:creationId xmlns:a16="http://schemas.microsoft.com/office/drawing/2014/main" id="{5C243035-CDF1-473F-88FA-C3C27C23ADAF}"/>
+                <a16:creationId xmlns:a16="http://schemas.microsoft.com/office/drawing/2014/main" id="{F4840646-7851-47EA-931D-3B79D239C3E3}"/>
               </a:ext>
             </a:extLst>
           </p:cNvPr>
@@ -4961,73 +4882,45 @@
           <a:lstStyle/>
           <a:p>
             <a:r>
+              <a:rPr lang="it-IT" dirty="0" err="1"/>
+              <a:t>ViewModel</a:t>
+            </a:r>
+            <a:endParaRPr lang="it-IT" dirty="0"/>
+          </a:p>
+        </p:txBody>
+      </p:sp>
+      <p:sp>
+        <p:nvSpPr>
+          <p:cNvPr id="3" name="Segnaposto contenuto 2">
+            <a:extLst>
+              <a:ext uri="{FF2B5EF4-FFF2-40B4-BE49-F238E27FC236}">
+                <a16:creationId xmlns:a16="http://schemas.microsoft.com/office/drawing/2014/main" id="{1130E280-C8E8-49EA-B053-209D43410BA8}"/>
+              </a:ext>
+            </a:extLst>
+          </p:cNvPr>
+          <p:cNvSpPr>
+            <a:spLocks noGrp="1"/>
+          </p:cNvSpPr>
+          <p:nvPr>
+            <p:ph idx="1"/>
+          </p:nvPr>
+        </p:nvSpPr>
+        <p:spPr/>
+        <p:txBody>
+          <a:bodyPr/>
+          <a:lstStyle/>
+          <a:p>
+            <a:r>
               <a:rPr lang="it-IT" dirty="0"/>
-              <a:t>Model</a:t>
-            </a:r>
-          </a:p>
-        </p:txBody>
-      </p:sp>
-      <p:sp>
-        <p:nvSpPr>
-          <p:cNvPr id="3" name="Segnaposto contenuto 2">
-            <a:extLst>
-              <a:ext uri="{FF2B5EF4-FFF2-40B4-BE49-F238E27FC236}">
-                <a16:creationId xmlns:a16="http://schemas.microsoft.com/office/drawing/2014/main" id="{6B0BAC4D-92F3-4B15-98C9-9E5BA8816B6F}"/>
-              </a:ext>
-            </a:extLst>
-          </p:cNvPr>
-          <p:cNvSpPr>
-            <a:spLocks noGrp="1"/>
-          </p:cNvSpPr>
-          <p:nvPr>
-            <p:ph idx="1"/>
-          </p:nvPr>
-        </p:nvSpPr>
-        <p:spPr/>
-        <p:txBody>
-          <a:bodyPr/>
-          <a:lstStyle/>
-          <a:p>
-            <a:r>
-              <a:rPr lang="it-IT" dirty="0"/>
-              <a:t>Design pattern</a:t>
-            </a:r>
-          </a:p>
-          <a:p>
-            <a:pPr lvl="1"/>
-            <a:r>
-              <a:rPr lang="it-IT" dirty="0" err="1"/>
-              <a:t>Command</a:t>
-            </a:r>
-            <a:r>
-              <a:rPr lang="it-IT" dirty="0"/>
-              <a:t> pattern</a:t>
-            </a:r>
-          </a:p>
-          <a:p>
-            <a:pPr lvl="1"/>
-            <a:r>
-              <a:rPr lang="it-IT" dirty="0"/>
-              <a:t>Builder</a:t>
-            </a:r>
-          </a:p>
-          <a:p>
-            <a:pPr lvl="1"/>
-            <a:r>
-              <a:rPr lang="it-IT" dirty="0"/>
-              <a:t>…</a:t>
-            </a:r>
-          </a:p>
-          <a:p>
-            <a:pPr lvl="2"/>
-            <a:endParaRPr lang="it-IT" dirty="0"/>
+              <a:t>Diagramma delle classi</a:t>
+            </a:r>
           </a:p>
         </p:txBody>
       </p:sp>
     </p:spTree>
     <p:extLst>
       <p:ext uri="{BB962C8B-B14F-4D97-AF65-F5344CB8AC3E}">
-        <p14:creationId xmlns:p14="http://schemas.microsoft.com/office/powerpoint/2010/main" val="831205434"/>
+        <p14:creationId xmlns:p14="http://schemas.microsoft.com/office/powerpoint/2010/main" val="1880291925"/>
       </p:ext>
     </p:extLst>
   </p:cSld>
@@ -5059,7 +4952,7 @@
           <p:cNvPr id="2" name="Titolo 1">
             <a:extLst>
               <a:ext uri="{FF2B5EF4-FFF2-40B4-BE49-F238E27FC236}">
-                <a16:creationId xmlns:a16="http://schemas.microsoft.com/office/drawing/2014/main" id="{134D89A6-836F-48F4-884B-5E561938C2D0}"/>
+                <a16:creationId xmlns:a16="http://schemas.microsoft.com/office/drawing/2014/main" id="{5C243035-CDF1-473F-88FA-C3C27C23ADAF}"/>
               </a:ext>
             </a:extLst>
           </p:cNvPr>
@@ -5076,44 +4969,74 @@
           <a:lstStyle/>
           <a:p>
             <a:r>
+              <a:rPr lang="it-IT" dirty="0" err="1"/>
+              <a:t>ViewModel</a:t>
+            </a:r>
+            <a:endParaRPr lang="it-IT" dirty="0"/>
+          </a:p>
+        </p:txBody>
+      </p:sp>
+      <p:sp>
+        <p:nvSpPr>
+          <p:cNvPr id="3" name="Segnaposto contenuto 2">
+            <a:extLst>
+              <a:ext uri="{FF2B5EF4-FFF2-40B4-BE49-F238E27FC236}">
+                <a16:creationId xmlns:a16="http://schemas.microsoft.com/office/drawing/2014/main" id="{6B0BAC4D-92F3-4B15-98C9-9E5BA8816B6F}"/>
+              </a:ext>
+            </a:extLst>
+          </p:cNvPr>
+          <p:cNvSpPr>
+            <a:spLocks noGrp="1"/>
+          </p:cNvSpPr>
+          <p:nvPr>
+            <p:ph idx="1"/>
+          </p:nvPr>
+        </p:nvSpPr>
+        <p:spPr/>
+        <p:txBody>
+          <a:bodyPr/>
+          <a:lstStyle/>
+          <a:p>
+            <a:r>
               <a:rPr lang="it-IT" dirty="0"/>
-              <a:t>Model</a:t>
-            </a:r>
-          </a:p>
-        </p:txBody>
-      </p:sp>
-      <p:sp>
-        <p:nvSpPr>
-          <p:cNvPr id="3" name="Segnaposto contenuto 2">
-            <a:extLst>
-              <a:ext uri="{FF2B5EF4-FFF2-40B4-BE49-F238E27FC236}">
-                <a16:creationId xmlns:a16="http://schemas.microsoft.com/office/drawing/2014/main" id="{424A2A11-D613-48C0-957F-4DE0393B26FC}"/>
-              </a:ext>
-            </a:extLst>
-          </p:cNvPr>
-          <p:cNvSpPr>
-            <a:spLocks noGrp="1"/>
-          </p:cNvSpPr>
-          <p:nvPr>
-            <p:ph idx="1"/>
-          </p:nvPr>
-        </p:nvSpPr>
-        <p:spPr/>
-        <p:txBody>
-          <a:bodyPr/>
-          <a:lstStyle/>
-          <a:p>
+              <a:t>Design pattern</a:t>
+            </a:r>
+          </a:p>
+          <a:p>
+            <a:pPr lvl="1"/>
+            <a:r>
+              <a:rPr lang="it-IT" dirty="0" err="1"/>
+              <a:t>Command</a:t>
+            </a:r>
             <a:r>
               <a:rPr lang="it-IT" dirty="0"/>
-              <a:t>Diagrammi di sequenza</a:t>
-            </a:r>
+              <a:t> pattern</a:t>
+            </a:r>
+          </a:p>
+          <a:p>
+            <a:pPr lvl="1"/>
+            <a:r>
+              <a:rPr lang="it-IT" dirty="0"/>
+              <a:t>Builder</a:t>
+            </a:r>
+          </a:p>
+          <a:p>
+            <a:pPr lvl="1"/>
+            <a:r>
+              <a:rPr lang="it-IT" dirty="0"/>
+              <a:t>…</a:t>
+            </a:r>
+          </a:p>
+          <a:p>
+            <a:pPr lvl="2"/>
+            <a:endParaRPr lang="it-IT" dirty="0"/>
           </a:p>
         </p:txBody>
       </p:sp>
     </p:spTree>
     <p:extLst>
       <p:ext uri="{BB962C8B-B14F-4D97-AF65-F5344CB8AC3E}">
-        <p14:creationId xmlns:p14="http://schemas.microsoft.com/office/powerpoint/2010/main" val="1018468741"/>
+        <p14:creationId xmlns:p14="http://schemas.microsoft.com/office/powerpoint/2010/main" val="927728188"/>
       </p:ext>
     </p:extLst>
   </p:cSld>

--- a/Presentazioni/Presentazioni PB/Presentazione PB.pptx
+++ b/Presentazioni/Presentazioni PB/Presentazione PB.pptx
@@ -14,9 +14,9 @@
     <p:sldId id="264" r:id="rId8"/>
     <p:sldId id="266" r:id="rId9"/>
     <p:sldId id="267" r:id="rId10"/>
-    <p:sldId id="272" r:id="rId11"/>
-    <p:sldId id="273" r:id="rId12"/>
-    <p:sldId id="274" r:id="rId13"/>
+    <p:sldId id="274" r:id="rId11"/>
+    <p:sldId id="272" r:id="rId12"/>
+    <p:sldId id="273" r:id="rId13"/>
     <p:sldId id="269" r:id="rId14"/>
     <p:sldId id="270" r:id="rId15"/>
   </p:sldIdLst>
@@ -123,6 +123,3798 @@
     </p:ext>
   </p:extLst>
 </p:presentation>
+</file>
+
+<file path=ppt/charts/chart1.xml><?xml version="1.0" encoding="utf-8"?>
+<c:chartSpace xmlns:c="http://schemas.openxmlformats.org/drawingml/2006/chart" xmlns:a="http://schemas.openxmlformats.org/drawingml/2006/main" xmlns:r="http://schemas.openxmlformats.org/officeDocument/2006/relationships" xmlns:c16r2="http://schemas.microsoft.com/office/drawing/2015/06/chart">
+  <c:date1904 val="0"/>
+  <c:lang val="it-IT"/>
+  <c:roundedCorners val="0"/>
+  <mc:AlternateContent xmlns:mc="http://schemas.openxmlformats.org/markup-compatibility/2006">
+    <mc:Choice xmlns:c14="http://schemas.microsoft.com/office/drawing/2007/8/2/chart" Requires="c14">
+      <c14:style val="102"/>
+    </mc:Choice>
+    <mc:Fallback>
+      <c:style val="2"/>
+    </mc:Fallback>
+  </mc:AlternateContent>
+  <c:chart>
+    <c:title>
+      <c:overlay val="0"/>
+      <c:spPr>
+        <a:noFill/>
+        <a:ln>
+          <a:noFill/>
+        </a:ln>
+        <a:effectLst/>
+      </c:spPr>
+      <c:txPr>
+        <a:bodyPr rot="0" spcFirstLastPara="1" vertOverflow="ellipsis" vert="horz" wrap="square" anchor="ctr" anchorCtr="1"/>
+        <a:lstStyle/>
+        <a:p>
+          <a:pPr>
+            <a:defRPr sz="2128" b="1" i="0" u="none" strike="noStrike" kern="1200" spc="100" baseline="0">
+              <a:solidFill>
+                <a:schemeClr val="lt1">
+                  <a:lumMod val="95000"/>
+                </a:schemeClr>
+              </a:solidFill>
+              <a:effectLst>
+                <a:outerShdw blurRad="50800" dist="38100" dir="5400000" algn="t" rotWithShape="0">
+                  <a:prstClr val="black">
+                    <a:alpha val="40000"/>
+                  </a:prstClr>
+                </a:outerShdw>
+              </a:effectLst>
+              <a:latin typeface="+mn-lt"/>
+              <a:ea typeface="+mn-ea"/>
+              <a:cs typeface="+mn-cs"/>
+            </a:defRPr>
+          </a:pPr>
+          <a:endParaRPr lang="it-IT"/>
+        </a:p>
+      </c:txPr>
+    </c:title>
+    <c:autoTitleDeleted val="0"/>
+    <c:plotArea>
+      <c:layout/>
+      <c:pieChart>
+        <c:varyColors val="1"/>
+        <c:ser>
+          <c:idx val="0"/>
+          <c:order val="0"/>
+          <c:tx>
+            <c:strRef>
+              <c:f>Foglio1!$B$1</c:f>
+              <c:strCache>
+                <c:ptCount val="1"/>
+                <c:pt idx="0">
+                  <c:v>Archittettura</c:v>
+                </c:pt>
+              </c:strCache>
+            </c:strRef>
+          </c:tx>
+          <c:dPt>
+            <c:idx val="0"/>
+            <c:bubble3D val="0"/>
+            <c:spPr>
+              <a:gradFill rotWithShape="1">
+                <a:gsLst>
+                  <a:gs pos="0">
+                    <a:schemeClr val="accent1">
+                      <a:satMod val="103000"/>
+                      <a:lumMod val="102000"/>
+                      <a:tint val="94000"/>
+                    </a:schemeClr>
+                  </a:gs>
+                  <a:gs pos="50000">
+                    <a:schemeClr val="accent1">
+                      <a:satMod val="110000"/>
+                      <a:lumMod val="100000"/>
+                      <a:shade val="100000"/>
+                    </a:schemeClr>
+                  </a:gs>
+                  <a:gs pos="100000">
+                    <a:schemeClr val="accent1">
+                      <a:lumMod val="99000"/>
+                      <a:satMod val="120000"/>
+                      <a:shade val="78000"/>
+                    </a:schemeClr>
+                  </a:gs>
+                </a:gsLst>
+                <a:lin ang="5400000" scaled="0"/>
+              </a:gradFill>
+              <a:ln>
+                <a:noFill/>
+              </a:ln>
+              <a:effectLst>
+                <a:outerShdw blurRad="57150" dist="19050" dir="5400000" algn="ctr" rotWithShape="0">
+                  <a:srgbClr val="000000">
+                    <a:alpha val="63000"/>
+                  </a:srgbClr>
+                </a:outerShdw>
+              </a:effectLst>
+            </c:spPr>
+            <c:extLst>
+              <c:ext xmlns:c16="http://schemas.microsoft.com/office/drawing/2014/chart" uri="{C3380CC4-5D6E-409C-BE32-E72D297353CC}">
+                <c16:uniqueId val="{00000001-2AE8-4C3C-AA88-F378909180CE}"/>
+              </c:ext>
+            </c:extLst>
+          </c:dPt>
+          <c:dPt>
+            <c:idx val="1"/>
+            <c:bubble3D val="0"/>
+            <c:spPr>
+              <a:gradFill rotWithShape="1">
+                <a:gsLst>
+                  <a:gs pos="0">
+                    <a:schemeClr val="accent2">
+                      <a:satMod val="103000"/>
+                      <a:lumMod val="102000"/>
+                      <a:tint val="94000"/>
+                    </a:schemeClr>
+                  </a:gs>
+                  <a:gs pos="50000">
+                    <a:schemeClr val="accent2">
+                      <a:satMod val="110000"/>
+                      <a:lumMod val="100000"/>
+                      <a:shade val="100000"/>
+                    </a:schemeClr>
+                  </a:gs>
+                  <a:gs pos="100000">
+                    <a:schemeClr val="accent2">
+                      <a:lumMod val="99000"/>
+                      <a:satMod val="120000"/>
+                      <a:shade val="78000"/>
+                    </a:schemeClr>
+                  </a:gs>
+                </a:gsLst>
+                <a:lin ang="5400000" scaled="0"/>
+              </a:gradFill>
+              <a:ln>
+                <a:noFill/>
+              </a:ln>
+              <a:effectLst>
+                <a:outerShdw blurRad="57150" dist="19050" dir="5400000" algn="ctr" rotWithShape="0">
+                  <a:srgbClr val="000000">
+                    <a:alpha val="63000"/>
+                  </a:srgbClr>
+                </a:outerShdw>
+              </a:effectLst>
+            </c:spPr>
+            <c:extLst>
+              <c:ext xmlns:c16="http://schemas.microsoft.com/office/drawing/2014/chart" uri="{C3380CC4-5D6E-409C-BE32-E72D297353CC}">
+                <c16:uniqueId val="{00000003-2AE8-4C3C-AA88-F378909180CE}"/>
+              </c:ext>
+            </c:extLst>
+          </c:dPt>
+          <c:dPt>
+            <c:idx val="2"/>
+            <c:bubble3D val="0"/>
+            <c:spPr>
+              <a:gradFill rotWithShape="1">
+                <a:gsLst>
+                  <a:gs pos="0">
+                    <a:schemeClr val="accent3">
+                      <a:satMod val="103000"/>
+                      <a:lumMod val="102000"/>
+                      <a:tint val="94000"/>
+                    </a:schemeClr>
+                  </a:gs>
+                  <a:gs pos="50000">
+                    <a:schemeClr val="accent3">
+                      <a:satMod val="110000"/>
+                      <a:lumMod val="100000"/>
+                      <a:shade val="100000"/>
+                    </a:schemeClr>
+                  </a:gs>
+                  <a:gs pos="100000">
+                    <a:schemeClr val="accent3">
+                      <a:lumMod val="99000"/>
+                      <a:satMod val="120000"/>
+                      <a:shade val="78000"/>
+                    </a:schemeClr>
+                  </a:gs>
+                </a:gsLst>
+                <a:lin ang="5400000" scaled="0"/>
+              </a:gradFill>
+              <a:ln>
+                <a:noFill/>
+              </a:ln>
+              <a:effectLst>
+                <a:outerShdw blurRad="57150" dist="19050" dir="5400000" algn="ctr" rotWithShape="0">
+                  <a:srgbClr val="000000">
+                    <a:alpha val="63000"/>
+                  </a:srgbClr>
+                </a:outerShdw>
+              </a:effectLst>
+            </c:spPr>
+          </c:dPt>
+          <c:dPt>
+            <c:idx val="3"/>
+            <c:bubble3D val="0"/>
+            <c:spPr>
+              <a:gradFill rotWithShape="1">
+                <a:gsLst>
+                  <a:gs pos="0">
+                    <a:schemeClr val="accent4">
+                      <a:satMod val="103000"/>
+                      <a:lumMod val="102000"/>
+                      <a:tint val="94000"/>
+                    </a:schemeClr>
+                  </a:gs>
+                  <a:gs pos="50000">
+                    <a:schemeClr val="accent4">
+                      <a:satMod val="110000"/>
+                      <a:lumMod val="100000"/>
+                      <a:shade val="100000"/>
+                    </a:schemeClr>
+                  </a:gs>
+                  <a:gs pos="100000">
+                    <a:schemeClr val="accent4">
+                      <a:lumMod val="99000"/>
+                      <a:satMod val="120000"/>
+                      <a:shade val="78000"/>
+                    </a:schemeClr>
+                  </a:gs>
+                </a:gsLst>
+                <a:lin ang="5400000" scaled="0"/>
+              </a:gradFill>
+              <a:ln>
+                <a:noFill/>
+              </a:ln>
+              <a:effectLst>
+                <a:outerShdw blurRad="57150" dist="19050" dir="5400000" algn="ctr" rotWithShape="0">
+                  <a:srgbClr val="000000">
+                    <a:alpha val="63000"/>
+                  </a:srgbClr>
+                </a:outerShdw>
+              </a:effectLst>
+            </c:spPr>
+          </c:dPt>
+          <c:dLbls>
+            <c:spPr>
+              <a:noFill/>
+              <a:ln>
+                <a:noFill/>
+              </a:ln>
+              <a:effectLst/>
+            </c:spPr>
+            <c:txPr>
+              <a:bodyPr rot="0" spcFirstLastPara="1" vertOverflow="ellipsis" vert="horz" wrap="square" lIns="38100" tIns="19050" rIns="38100" bIns="19050" anchor="ctr" anchorCtr="1">
+                <a:spAutoFit/>
+              </a:bodyPr>
+              <a:lstStyle/>
+              <a:p>
+                <a:pPr>
+                  <a:defRPr sz="1197" b="0" i="0" u="none" strike="noStrike" kern="1200" baseline="0">
+                    <a:solidFill>
+                      <a:schemeClr val="lt1">
+                        <a:lumMod val="85000"/>
+                      </a:schemeClr>
+                    </a:solidFill>
+                    <a:latin typeface="+mn-lt"/>
+                    <a:ea typeface="+mn-ea"/>
+                    <a:cs typeface="+mn-cs"/>
+                  </a:defRPr>
+                </a:pPr>
+                <a:endParaRPr lang="it-IT"/>
+              </a:p>
+            </c:txPr>
+            <c:dLblPos val="inEnd"/>
+            <c:showLegendKey val="0"/>
+            <c:showVal val="0"/>
+            <c:showCatName val="0"/>
+            <c:showSerName val="0"/>
+            <c:showPercent val="1"/>
+            <c:showBubbleSize val="0"/>
+            <c:showLeaderLines val="1"/>
+            <c:leaderLines>
+              <c:spPr>
+                <a:ln w="9525">
+                  <a:solidFill>
+                    <a:schemeClr val="lt1">
+                      <a:lumMod val="95000"/>
+                      <a:alpha val="54000"/>
+                    </a:schemeClr>
+                  </a:solidFill>
+                </a:ln>
+                <a:effectLst/>
+              </c:spPr>
+            </c:leaderLines>
+            <c:extLst>
+              <c:ext xmlns:c15="http://schemas.microsoft.com/office/drawing/2012/chart" uri="{CE6537A1-D6FC-4f65-9D91-7224C49458BB}"/>
+            </c:extLst>
+          </c:dLbls>
+          <c:cat>
+            <c:strRef>
+              <c:f>Foglio1!$A$2:$A$5</c:f>
+              <c:strCache>
+                <c:ptCount val="2"/>
+                <c:pt idx="0">
+                  <c:v>Soddisfatti</c:v>
+                </c:pt>
+                <c:pt idx="1">
+                  <c:v>Insoddisfatti.</c:v>
+                </c:pt>
+              </c:strCache>
+            </c:strRef>
+          </c:cat>
+          <c:val>
+            <c:numRef>
+              <c:f>Foglio1!$B$2:$B$5</c:f>
+              <c:numCache>
+                <c:formatCode>General</c:formatCode>
+                <c:ptCount val="4"/>
+                <c:pt idx="0">
+                  <c:v>0.46</c:v>
+                </c:pt>
+                <c:pt idx="1">
+                  <c:v>0.54</c:v>
+                </c:pt>
+              </c:numCache>
+            </c:numRef>
+          </c:val>
+          <c:extLst>
+            <c:ext xmlns:c16="http://schemas.microsoft.com/office/drawing/2014/chart" uri="{C3380CC4-5D6E-409C-BE32-E72D297353CC}">
+              <c16:uniqueId val="{00000004-2AE8-4C3C-AA88-F378909180CE}"/>
+            </c:ext>
+          </c:extLst>
+        </c:ser>
+        <c:dLbls>
+          <c:dLblPos val="inEnd"/>
+          <c:showLegendKey val="0"/>
+          <c:showVal val="0"/>
+          <c:showCatName val="0"/>
+          <c:showSerName val="0"/>
+          <c:showPercent val="1"/>
+          <c:showBubbleSize val="0"/>
+          <c:showLeaderLines val="1"/>
+        </c:dLbls>
+        <c:firstSliceAng val="0"/>
+      </c:pieChart>
+      <c:spPr>
+        <a:noFill/>
+        <a:ln>
+          <a:noFill/>
+        </a:ln>
+        <a:effectLst/>
+      </c:spPr>
+    </c:plotArea>
+    <c:legend>
+      <c:legendPos val="b"/>
+      <c:overlay val="0"/>
+      <c:spPr>
+        <a:noFill/>
+        <a:ln>
+          <a:noFill/>
+        </a:ln>
+        <a:effectLst/>
+      </c:spPr>
+      <c:txPr>
+        <a:bodyPr rot="0" spcFirstLastPara="1" vertOverflow="ellipsis" vert="horz" wrap="square" anchor="ctr" anchorCtr="1"/>
+        <a:lstStyle/>
+        <a:p>
+          <a:pPr>
+            <a:defRPr sz="1197" b="0" i="0" u="none" strike="noStrike" kern="1200" baseline="0">
+              <a:solidFill>
+                <a:schemeClr val="lt1">
+                  <a:lumMod val="85000"/>
+                </a:schemeClr>
+              </a:solidFill>
+              <a:latin typeface="+mn-lt"/>
+              <a:ea typeface="+mn-ea"/>
+              <a:cs typeface="+mn-cs"/>
+            </a:defRPr>
+          </a:pPr>
+          <a:endParaRPr lang="it-IT"/>
+        </a:p>
+      </c:txPr>
+    </c:legend>
+    <c:plotVisOnly val="1"/>
+    <c:dispBlanksAs val="gap"/>
+    <c:extLst>
+      <c:ext xmlns:c16r3="http://schemas.microsoft.com/office/drawing/2017/03/chart" uri="{56B9EC1D-385E-4148-901F-78D8002777C0}">
+        <c16r3:dataDisplayOptions16>
+          <c16r3:dispNaAsBlank val="1"/>
+        </c16r3:dataDisplayOptions16>
+      </c:ext>
+    </c:extLst>
+    <c:showDLblsOverMax val="0"/>
+  </c:chart>
+  <c:spPr>
+    <a:gradFill flip="none" rotWithShape="1">
+      <a:gsLst>
+        <a:gs pos="0">
+          <a:schemeClr val="dk1">
+            <a:lumMod val="65000"/>
+            <a:lumOff val="35000"/>
+          </a:schemeClr>
+        </a:gs>
+        <a:gs pos="100000">
+          <a:schemeClr val="dk1">
+            <a:lumMod val="85000"/>
+            <a:lumOff val="15000"/>
+          </a:schemeClr>
+        </a:gs>
+      </a:gsLst>
+      <a:path path="circle">
+        <a:fillToRect l="50000" t="50000" r="50000" b="50000"/>
+      </a:path>
+      <a:tileRect/>
+    </a:gradFill>
+    <a:ln>
+      <a:noFill/>
+    </a:ln>
+    <a:effectLst/>
+  </c:spPr>
+  <c:txPr>
+    <a:bodyPr/>
+    <a:lstStyle/>
+    <a:p>
+      <a:pPr>
+        <a:defRPr/>
+      </a:pPr>
+      <a:endParaRPr lang="it-IT"/>
+    </a:p>
+  </c:txPr>
+  <c:externalData r:id="rId3">
+    <c:autoUpdate val="0"/>
+  </c:externalData>
+</c:chartSpace>
+</file>
+
+<file path=ppt/charts/chart2.xml><?xml version="1.0" encoding="utf-8"?>
+<c:chartSpace xmlns:c="http://schemas.openxmlformats.org/drawingml/2006/chart" xmlns:a="http://schemas.openxmlformats.org/drawingml/2006/main" xmlns:r="http://schemas.openxmlformats.org/officeDocument/2006/relationships" xmlns:c16r2="http://schemas.microsoft.com/office/drawing/2015/06/chart">
+  <c:date1904 val="0"/>
+  <c:lang val="it-IT"/>
+  <c:roundedCorners val="0"/>
+  <mc:AlternateContent xmlns:mc="http://schemas.openxmlformats.org/markup-compatibility/2006">
+    <mc:Choice xmlns:c14="http://schemas.microsoft.com/office/drawing/2007/8/2/chart" Requires="c14">
+      <c14:style val="102"/>
+    </mc:Choice>
+    <mc:Fallback>
+      <c:style val="2"/>
+    </mc:Fallback>
+  </mc:AlternateContent>
+  <c:chart>
+    <c:title>
+      <c:tx>
+        <c:rich>
+          <a:bodyPr rot="0" spcFirstLastPara="1" vertOverflow="ellipsis" vert="horz" wrap="square" anchor="ctr" anchorCtr="1"/>
+          <a:lstStyle/>
+          <a:p>
+            <a:pPr>
+              <a:defRPr sz="2128" b="1" i="0" u="none" strike="noStrike" kern="1200" spc="100" baseline="0">
+                <a:solidFill>
+                  <a:schemeClr val="lt1">
+                    <a:lumMod val="95000"/>
+                  </a:schemeClr>
+                </a:solidFill>
+                <a:effectLst>
+                  <a:outerShdw blurRad="50800" dist="38100" dir="5400000" algn="t" rotWithShape="0">
+                    <a:prstClr val="black">
+                      <a:alpha val="40000"/>
+                    </a:prstClr>
+                  </a:outerShdw>
+                </a:effectLst>
+                <a:latin typeface="+mn-lt"/>
+                <a:ea typeface="+mn-ea"/>
+                <a:cs typeface="+mn-cs"/>
+              </a:defRPr>
+            </a:pPr>
+            <a:r>
+              <a:rPr lang="en-US" dirty="0" err="1"/>
+              <a:t>Codice</a:t>
+            </a:r>
+            <a:endParaRPr lang="en-US" dirty="0"/>
+          </a:p>
+        </c:rich>
+      </c:tx>
+      <c:overlay val="0"/>
+      <c:spPr>
+        <a:noFill/>
+        <a:ln>
+          <a:noFill/>
+        </a:ln>
+        <a:effectLst/>
+      </c:spPr>
+      <c:txPr>
+        <a:bodyPr rot="0" spcFirstLastPara="1" vertOverflow="ellipsis" vert="horz" wrap="square" anchor="ctr" anchorCtr="1"/>
+        <a:lstStyle/>
+        <a:p>
+          <a:pPr>
+            <a:defRPr sz="2128" b="1" i="0" u="none" strike="noStrike" kern="1200" spc="100" baseline="0">
+              <a:solidFill>
+                <a:schemeClr val="lt1">
+                  <a:lumMod val="95000"/>
+                </a:schemeClr>
+              </a:solidFill>
+              <a:effectLst>
+                <a:outerShdw blurRad="50800" dist="38100" dir="5400000" algn="t" rotWithShape="0">
+                  <a:prstClr val="black">
+                    <a:alpha val="40000"/>
+                  </a:prstClr>
+                </a:outerShdw>
+              </a:effectLst>
+              <a:latin typeface="+mn-lt"/>
+              <a:ea typeface="+mn-ea"/>
+              <a:cs typeface="+mn-cs"/>
+            </a:defRPr>
+          </a:pPr>
+          <a:endParaRPr lang="it-IT"/>
+        </a:p>
+      </c:txPr>
+    </c:title>
+    <c:autoTitleDeleted val="0"/>
+    <c:plotArea>
+      <c:layout/>
+      <c:pieChart>
+        <c:varyColors val="1"/>
+        <c:ser>
+          <c:idx val="0"/>
+          <c:order val="0"/>
+          <c:tx>
+            <c:strRef>
+              <c:f>Foglio1!$B$1</c:f>
+              <c:strCache>
+                <c:ptCount val="1"/>
+                <c:pt idx="0">
+                  <c:v>Archittettura</c:v>
+                </c:pt>
+              </c:strCache>
+            </c:strRef>
+          </c:tx>
+          <c:dPt>
+            <c:idx val="0"/>
+            <c:bubble3D val="0"/>
+            <c:spPr>
+              <a:gradFill rotWithShape="1">
+                <a:gsLst>
+                  <a:gs pos="0">
+                    <a:schemeClr val="accent1">
+                      <a:satMod val="103000"/>
+                      <a:lumMod val="102000"/>
+                      <a:tint val="94000"/>
+                    </a:schemeClr>
+                  </a:gs>
+                  <a:gs pos="50000">
+                    <a:schemeClr val="accent1">
+                      <a:satMod val="110000"/>
+                      <a:lumMod val="100000"/>
+                      <a:shade val="100000"/>
+                    </a:schemeClr>
+                  </a:gs>
+                  <a:gs pos="100000">
+                    <a:schemeClr val="accent1">
+                      <a:lumMod val="99000"/>
+                      <a:satMod val="120000"/>
+                      <a:shade val="78000"/>
+                    </a:schemeClr>
+                  </a:gs>
+                </a:gsLst>
+                <a:lin ang="5400000" scaled="0"/>
+              </a:gradFill>
+              <a:ln>
+                <a:noFill/>
+              </a:ln>
+              <a:effectLst>
+                <a:outerShdw blurRad="57150" dist="19050" dir="5400000" algn="ctr" rotWithShape="0">
+                  <a:srgbClr val="000000">
+                    <a:alpha val="63000"/>
+                  </a:srgbClr>
+                </a:outerShdw>
+              </a:effectLst>
+            </c:spPr>
+            <c:extLst>
+              <c:ext xmlns:c16="http://schemas.microsoft.com/office/drawing/2014/chart" uri="{C3380CC4-5D6E-409C-BE32-E72D297353CC}">
+                <c16:uniqueId val="{00000001-EE14-4E92-8155-DFBBE7444300}"/>
+              </c:ext>
+            </c:extLst>
+          </c:dPt>
+          <c:dPt>
+            <c:idx val="1"/>
+            <c:bubble3D val="0"/>
+            <c:spPr>
+              <a:gradFill rotWithShape="1">
+                <a:gsLst>
+                  <a:gs pos="0">
+                    <a:schemeClr val="accent2">
+                      <a:satMod val="103000"/>
+                      <a:lumMod val="102000"/>
+                      <a:tint val="94000"/>
+                    </a:schemeClr>
+                  </a:gs>
+                  <a:gs pos="50000">
+                    <a:schemeClr val="accent2">
+                      <a:satMod val="110000"/>
+                      <a:lumMod val="100000"/>
+                      <a:shade val="100000"/>
+                    </a:schemeClr>
+                  </a:gs>
+                  <a:gs pos="100000">
+                    <a:schemeClr val="accent2">
+                      <a:lumMod val="99000"/>
+                      <a:satMod val="120000"/>
+                      <a:shade val="78000"/>
+                    </a:schemeClr>
+                  </a:gs>
+                </a:gsLst>
+                <a:lin ang="5400000" scaled="0"/>
+              </a:gradFill>
+              <a:ln>
+                <a:noFill/>
+              </a:ln>
+              <a:effectLst>
+                <a:outerShdw blurRad="57150" dist="19050" dir="5400000" algn="ctr" rotWithShape="0">
+                  <a:srgbClr val="000000">
+                    <a:alpha val="63000"/>
+                  </a:srgbClr>
+                </a:outerShdw>
+              </a:effectLst>
+            </c:spPr>
+            <c:extLst>
+              <c:ext xmlns:c16="http://schemas.microsoft.com/office/drawing/2014/chart" uri="{C3380CC4-5D6E-409C-BE32-E72D297353CC}">
+                <c16:uniqueId val="{00000003-EE14-4E92-8155-DFBBE7444300}"/>
+              </c:ext>
+            </c:extLst>
+          </c:dPt>
+          <c:dPt>
+            <c:idx val="2"/>
+            <c:bubble3D val="0"/>
+            <c:spPr>
+              <a:gradFill rotWithShape="1">
+                <a:gsLst>
+                  <a:gs pos="0">
+                    <a:schemeClr val="accent3">
+                      <a:satMod val="103000"/>
+                      <a:lumMod val="102000"/>
+                      <a:tint val="94000"/>
+                    </a:schemeClr>
+                  </a:gs>
+                  <a:gs pos="50000">
+                    <a:schemeClr val="accent3">
+                      <a:satMod val="110000"/>
+                      <a:lumMod val="100000"/>
+                      <a:shade val="100000"/>
+                    </a:schemeClr>
+                  </a:gs>
+                  <a:gs pos="100000">
+                    <a:schemeClr val="accent3">
+                      <a:lumMod val="99000"/>
+                      <a:satMod val="120000"/>
+                      <a:shade val="78000"/>
+                    </a:schemeClr>
+                  </a:gs>
+                </a:gsLst>
+                <a:lin ang="5400000" scaled="0"/>
+              </a:gradFill>
+              <a:ln>
+                <a:noFill/>
+              </a:ln>
+              <a:effectLst>
+                <a:outerShdw blurRad="57150" dist="19050" dir="5400000" algn="ctr" rotWithShape="0">
+                  <a:srgbClr val="000000">
+                    <a:alpha val="63000"/>
+                  </a:srgbClr>
+                </a:outerShdw>
+              </a:effectLst>
+            </c:spPr>
+          </c:dPt>
+          <c:dPt>
+            <c:idx val="3"/>
+            <c:bubble3D val="0"/>
+            <c:spPr>
+              <a:gradFill rotWithShape="1">
+                <a:gsLst>
+                  <a:gs pos="0">
+                    <a:schemeClr val="accent4">
+                      <a:satMod val="103000"/>
+                      <a:lumMod val="102000"/>
+                      <a:tint val="94000"/>
+                    </a:schemeClr>
+                  </a:gs>
+                  <a:gs pos="50000">
+                    <a:schemeClr val="accent4">
+                      <a:satMod val="110000"/>
+                      <a:lumMod val="100000"/>
+                      <a:shade val="100000"/>
+                    </a:schemeClr>
+                  </a:gs>
+                  <a:gs pos="100000">
+                    <a:schemeClr val="accent4">
+                      <a:lumMod val="99000"/>
+                      <a:satMod val="120000"/>
+                      <a:shade val="78000"/>
+                    </a:schemeClr>
+                  </a:gs>
+                </a:gsLst>
+                <a:lin ang="5400000" scaled="0"/>
+              </a:gradFill>
+              <a:ln>
+                <a:noFill/>
+              </a:ln>
+              <a:effectLst>
+                <a:outerShdw blurRad="57150" dist="19050" dir="5400000" algn="ctr" rotWithShape="0">
+                  <a:srgbClr val="000000">
+                    <a:alpha val="63000"/>
+                  </a:srgbClr>
+                </a:outerShdw>
+              </a:effectLst>
+            </c:spPr>
+          </c:dPt>
+          <c:dLbls>
+            <c:spPr>
+              <a:noFill/>
+              <a:ln>
+                <a:noFill/>
+              </a:ln>
+              <a:effectLst/>
+            </c:spPr>
+            <c:txPr>
+              <a:bodyPr rot="0" spcFirstLastPara="1" vertOverflow="ellipsis" vert="horz" wrap="square" lIns="38100" tIns="19050" rIns="38100" bIns="19050" anchor="ctr" anchorCtr="1">
+                <a:spAutoFit/>
+              </a:bodyPr>
+              <a:lstStyle/>
+              <a:p>
+                <a:pPr>
+                  <a:defRPr sz="1197" b="0" i="0" u="none" strike="noStrike" kern="1200" baseline="0">
+                    <a:solidFill>
+                      <a:schemeClr val="lt1">
+                        <a:lumMod val="85000"/>
+                      </a:schemeClr>
+                    </a:solidFill>
+                    <a:latin typeface="+mn-lt"/>
+                    <a:ea typeface="+mn-ea"/>
+                    <a:cs typeface="+mn-cs"/>
+                  </a:defRPr>
+                </a:pPr>
+                <a:endParaRPr lang="it-IT"/>
+              </a:p>
+            </c:txPr>
+            <c:dLblPos val="inEnd"/>
+            <c:showLegendKey val="0"/>
+            <c:showVal val="0"/>
+            <c:showCatName val="0"/>
+            <c:showSerName val="0"/>
+            <c:showPercent val="1"/>
+            <c:showBubbleSize val="0"/>
+            <c:showLeaderLines val="1"/>
+            <c:leaderLines>
+              <c:spPr>
+                <a:ln w="9525">
+                  <a:solidFill>
+                    <a:schemeClr val="lt1">
+                      <a:lumMod val="95000"/>
+                      <a:alpha val="54000"/>
+                    </a:schemeClr>
+                  </a:solidFill>
+                </a:ln>
+                <a:effectLst/>
+              </c:spPr>
+            </c:leaderLines>
+            <c:extLst>
+              <c:ext xmlns:c15="http://schemas.microsoft.com/office/drawing/2012/chart" uri="{CE6537A1-D6FC-4f65-9D91-7224C49458BB}"/>
+            </c:extLst>
+          </c:dLbls>
+          <c:cat>
+            <c:strRef>
+              <c:f>Foglio1!$A$2:$A$5</c:f>
+              <c:strCache>
+                <c:ptCount val="2"/>
+                <c:pt idx="0">
+                  <c:v>Soddisfatti</c:v>
+                </c:pt>
+                <c:pt idx="1">
+                  <c:v>Insoddisfatti.</c:v>
+                </c:pt>
+              </c:strCache>
+            </c:strRef>
+          </c:cat>
+          <c:val>
+            <c:numRef>
+              <c:f>Foglio1!$B$2:$B$5</c:f>
+              <c:numCache>
+                <c:formatCode>General</c:formatCode>
+                <c:ptCount val="4"/>
+                <c:pt idx="0">
+                  <c:v>0.3</c:v>
+                </c:pt>
+                <c:pt idx="1">
+                  <c:v>0.7</c:v>
+                </c:pt>
+              </c:numCache>
+            </c:numRef>
+          </c:val>
+          <c:extLst>
+            <c:ext xmlns:c16="http://schemas.microsoft.com/office/drawing/2014/chart" uri="{C3380CC4-5D6E-409C-BE32-E72D297353CC}">
+              <c16:uniqueId val="{00000004-EE14-4E92-8155-DFBBE7444300}"/>
+            </c:ext>
+          </c:extLst>
+        </c:ser>
+        <c:dLbls>
+          <c:dLblPos val="inEnd"/>
+          <c:showLegendKey val="0"/>
+          <c:showVal val="0"/>
+          <c:showCatName val="0"/>
+          <c:showSerName val="0"/>
+          <c:showPercent val="1"/>
+          <c:showBubbleSize val="0"/>
+          <c:showLeaderLines val="1"/>
+        </c:dLbls>
+        <c:firstSliceAng val="0"/>
+      </c:pieChart>
+      <c:spPr>
+        <a:noFill/>
+        <a:ln>
+          <a:noFill/>
+        </a:ln>
+        <a:effectLst/>
+      </c:spPr>
+    </c:plotArea>
+    <c:legend>
+      <c:legendPos val="b"/>
+      <c:overlay val="0"/>
+      <c:spPr>
+        <a:noFill/>
+        <a:ln>
+          <a:noFill/>
+        </a:ln>
+        <a:effectLst/>
+      </c:spPr>
+      <c:txPr>
+        <a:bodyPr rot="0" spcFirstLastPara="1" vertOverflow="ellipsis" vert="horz" wrap="square" anchor="ctr" anchorCtr="1"/>
+        <a:lstStyle/>
+        <a:p>
+          <a:pPr>
+            <a:defRPr sz="1197" b="0" i="0" u="none" strike="noStrike" kern="1200" baseline="0">
+              <a:solidFill>
+                <a:schemeClr val="lt1">
+                  <a:lumMod val="85000"/>
+                </a:schemeClr>
+              </a:solidFill>
+              <a:latin typeface="+mn-lt"/>
+              <a:ea typeface="+mn-ea"/>
+              <a:cs typeface="+mn-cs"/>
+            </a:defRPr>
+          </a:pPr>
+          <a:endParaRPr lang="it-IT"/>
+        </a:p>
+      </c:txPr>
+    </c:legend>
+    <c:plotVisOnly val="1"/>
+    <c:dispBlanksAs val="gap"/>
+    <c:extLst>
+      <c:ext xmlns:c16r3="http://schemas.microsoft.com/office/drawing/2017/03/chart" uri="{56B9EC1D-385E-4148-901F-78D8002777C0}">
+        <c16r3:dataDisplayOptions16>
+          <c16r3:dispNaAsBlank val="1"/>
+        </c16r3:dataDisplayOptions16>
+      </c:ext>
+    </c:extLst>
+    <c:showDLblsOverMax val="0"/>
+  </c:chart>
+  <c:spPr>
+    <a:gradFill flip="none" rotWithShape="1">
+      <a:gsLst>
+        <a:gs pos="0">
+          <a:schemeClr val="dk1">
+            <a:lumMod val="65000"/>
+            <a:lumOff val="35000"/>
+          </a:schemeClr>
+        </a:gs>
+        <a:gs pos="100000">
+          <a:schemeClr val="dk1">
+            <a:lumMod val="85000"/>
+            <a:lumOff val="15000"/>
+          </a:schemeClr>
+        </a:gs>
+      </a:gsLst>
+      <a:path path="circle">
+        <a:fillToRect l="50000" t="50000" r="50000" b="50000"/>
+      </a:path>
+      <a:tileRect/>
+    </a:gradFill>
+    <a:ln>
+      <a:noFill/>
+    </a:ln>
+    <a:effectLst/>
+  </c:spPr>
+  <c:txPr>
+    <a:bodyPr/>
+    <a:lstStyle/>
+    <a:p>
+      <a:pPr>
+        <a:defRPr/>
+      </a:pPr>
+      <a:endParaRPr lang="it-IT"/>
+    </a:p>
+  </c:txPr>
+  <c:externalData r:id="rId3">
+    <c:autoUpdate val="0"/>
+  </c:externalData>
+</c:chartSpace>
+</file>
+
+<file path=ppt/charts/chart3.xml><?xml version="1.0" encoding="utf-8"?>
+<c:chartSpace xmlns:c="http://schemas.openxmlformats.org/drawingml/2006/chart" xmlns:a="http://schemas.openxmlformats.org/drawingml/2006/main" xmlns:r="http://schemas.openxmlformats.org/officeDocument/2006/relationships" xmlns:c16r2="http://schemas.microsoft.com/office/drawing/2015/06/chart">
+  <c:date1904 val="0"/>
+  <c:lang val="it-IT"/>
+  <c:roundedCorners val="0"/>
+  <mc:AlternateContent xmlns:mc="http://schemas.openxmlformats.org/markup-compatibility/2006">
+    <mc:Choice xmlns:c14="http://schemas.microsoft.com/office/drawing/2007/8/2/chart" Requires="c14">
+      <c14:style val="102"/>
+    </mc:Choice>
+    <mc:Fallback>
+      <c:style val="2"/>
+    </mc:Fallback>
+  </mc:AlternateContent>
+  <c:chart>
+    <c:title>
+      <c:overlay val="0"/>
+      <c:spPr>
+        <a:noFill/>
+        <a:ln>
+          <a:noFill/>
+        </a:ln>
+        <a:effectLst/>
+      </c:spPr>
+      <c:txPr>
+        <a:bodyPr rot="0" spcFirstLastPara="1" vertOverflow="ellipsis" vert="horz" wrap="square" anchor="ctr" anchorCtr="1"/>
+        <a:lstStyle/>
+        <a:p>
+          <a:pPr>
+            <a:defRPr sz="2128" b="1" i="0" u="none" strike="noStrike" kern="1200" spc="100" baseline="0">
+              <a:solidFill>
+                <a:schemeClr val="lt1">
+                  <a:lumMod val="95000"/>
+                </a:schemeClr>
+              </a:solidFill>
+              <a:effectLst>
+                <a:outerShdw blurRad="50800" dist="38100" dir="5400000" algn="t" rotWithShape="0">
+                  <a:prstClr val="black">
+                    <a:alpha val="40000"/>
+                  </a:prstClr>
+                </a:outerShdw>
+              </a:effectLst>
+              <a:latin typeface="+mn-lt"/>
+              <a:ea typeface="+mn-ea"/>
+              <a:cs typeface="+mn-cs"/>
+            </a:defRPr>
+          </a:pPr>
+          <a:endParaRPr lang="it-IT"/>
+        </a:p>
+      </c:txPr>
+    </c:title>
+    <c:autoTitleDeleted val="0"/>
+    <c:plotArea>
+      <c:layout/>
+      <c:pieChart>
+        <c:varyColors val="1"/>
+        <c:ser>
+          <c:idx val="0"/>
+          <c:order val="0"/>
+          <c:tx>
+            <c:strRef>
+              <c:f>Foglio1!$B$1</c:f>
+              <c:strCache>
+                <c:ptCount val="1"/>
+                <c:pt idx="0">
+                  <c:v>Archittettura</c:v>
+                </c:pt>
+              </c:strCache>
+            </c:strRef>
+          </c:tx>
+          <c:dPt>
+            <c:idx val="0"/>
+            <c:bubble3D val="0"/>
+            <c:spPr>
+              <a:gradFill rotWithShape="1">
+                <a:gsLst>
+                  <a:gs pos="0">
+                    <a:schemeClr val="accent1">
+                      <a:satMod val="103000"/>
+                      <a:lumMod val="102000"/>
+                      <a:tint val="94000"/>
+                    </a:schemeClr>
+                  </a:gs>
+                  <a:gs pos="50000">
+                    <a:schemeClr val="accent1">
+                      <a:satMod val="110000"/>
+                      <a:lumMod val="100000"/>
+                      <a:shade val="100000"/>
+                    </a:schemeClr>
+                  </a:gs>
+                  <a:gs pos="100000">
+                    <a:schemeClr val="accent1">
+                      <a:lumMod val="99000"/>
+                      <a:satMod val="120000"/>
+                      <a:shade val="78000"/>
+                    </a:schemeClr>
+                  </a:gs>
+                </a:gsLst>
+                <a:lin ang="5400000" scaled="0"/>
+              </a:gradFill>
+              <a:ln>
+                <a:noFill/>
+              </a:ln>
+              <a:effectLst>
+                <a:outerShdw blurRad="57150" dist="19050" dir="5400000" algn="ctr" rotWithShape="0">
+                  <a:srgbClr val="000000">
+                    <a:alpha val="63000"/>
+                  </a:srgbClr>
+                </a:outerShdw>
+              </a:effectLst>
+            </c:spPr>
+          </c:dPt>
+          <c:dPt>
+            <c:idx val="1"/>
+            <c:bubble3D val="0"/>
+            <c:spPr>
+              <a:gradFill rotWithShape="1">
+                <a:gsLst>
+                  <a:gs pos="0">
+                    <a:schemeClr val="accent2">
+                      <a:satMod val="103000"/>
+                      <a:lumMod val="102000"/>
+                      <a:tint val="94000"/>
+                    </a:schemeClr>
+                  </a:gs>
+                  <a:gs pos="50000">
+                    <a:schemeClr val="accent2">
+                      <a:satMod val="110000"/>
+                      <a:lumMod val="100000"/>
+                      <a:shade val="100000"/>
+                    </a:schemeClr>
+                  </a:gs>
+                  <a:gs pos="100000">
+                    <a:schemeClr val="accent2">
+                      <a:lumMod val="99000"/>
+                      <a:satMod val="120000"/>
+                      <a:shade val="78000"/>
+                    </a:schemeClr>
+                  </a:gs>
+                </a:gsLst>
+                <a:lin ang="5400000" scaled="0"/>
+              </a:gradFill>
+              <a:ln>
+                <a:noFill/>
+              </a:ln>
+              <a:effectLst>
+                <a:outerShdw blurRad="57150" dist="19050" dir="5400000" algn="ctr" rotWithShape="0">
+                  <a:srgbClr val="000000">
+                    <a:alpha val="63000"/>
+                  </a:srgbClr>
+                </a:outerShdw>
+              </a:effectLst>
+            </c:spPr>
+          </c:dPt>
+          <c:dLbls>
+            <c:spPr>
+              <a:noFill/>
+              <a:ln>
+                <a:noFill/>
+              </a:ln>
+              <a:effectLst/>
+            </c:spPr>
+            <c:txPr>
+              <a:bodyPr rot="0" spcFirstLastPara="1" vertOverflow="ellipsis" vert="horz" wrap="square" lIns="38100" tIns="19050" rIns="38100" bIns="19050" anchor="ctr" anchorCtr="1">
+                <a:spAutoFit/>
+              </a:bodyPr>
+              <a:lstStyle/>
+              <a:p>
+                <a:pPr>
+                  <a:defRPr sz="1197" b="0" i="0" u="none" strike="noStrike" kern="1200" baseline="0">
+                    <a:solidFill>
+                      <a:schemeClr val="lt1">
+                        <a:lumMod val="85000"/>
+                      </a:schemeClr>
+                    </a:solidFill>
+                    <a:latin typeface="+mn-lt"/>
+                    <a:ea typeface="+mn-ea"/>
+                    <a:cs typeface="+mn-cs"/>
+                  </a:defRPr>
+                </a:pPr>
+                <a:endParaRPr lang="it-IT"/>
+              </a:p>
+            </c:txPr>
+            <c:dLblPos val="inEnd"/>
+            <c:showLegendKey val="0"/>
+            <c:showVal val="0"/>
+            <c:showCatName val="0"/>
+            <c:showSerName val="0"/>
+            <c:showPercent val="1"/>
+            <c:showBubbleSize val="0"/>
+            <c:showLeaderLines val="1"/>
+            <c:leaderLines>
+              <c:spPr>
+                <a:ln w="9525">
+                  <a:solidFill>
+                    <a:schemeClr val="lt1">
+                      <a:lumMod val="95000"/>
+                      <a:alpha val="54000"/>
+                    </a:schemeClr>
+                  </a:solidFill>
+                </a:ln>
+                <a:effectLst/>
+              </c:spPr>
+            </c:leaderLines>
+            <c:extLst>
+              <c:ext xmlns:c15="http://schemas.microsoft.com/office/drawing/2012/chart" uri="{CE6537A1-D6FC-4f65-9D91-7224C49458BB}"/>
+            </c:extLst>
+          </c:dLbls>
+          <c:cat>
+            <c:strRef>
+              <c:f>Foglio1!$A$2:$A$5</c:f>
+              <c:strCache>
+                <c:ptCount val="2"/>
+                <c:pt idx="0">
+                  <c:v>Soddisfatti</c:v>
+                </c:pt>
+                <c:pt idx="1">
+                  <c:v>Insoddisfatti.</c:v>
+                </c:pt>
+              </c:strCache>
+            </c:strRef>
+          </c:cat>
+          <c:val>
+            <c:numRef>
+              <c:f>Foglio1!$B$2:$B$5</c:f>
+              <c:numCache>
+                <c:formatCode>General</c:formatCode>
+                <c:ptCount val="2"/>
+                <c:pt idx="0">
+                  <c:v>10</c:v>
+                </c:pt>
+                <c:pt idx="1">
+                  <c:v>0</c:v>
+                </c:pt>
+              </c:numCache>
+            </c:numRef>
+          </c:val>
+          <c:extLst>
+            <c:ext xmlns:c15="http://schemas.microsoft.com/office/drawing/2012/chart" uri="{02D57815-91ED-43cb-92C2-25804820EDAC}">
+              <c15:categoryFilterExceptions/>
+            </c:ext>
+            <c:ext xmlns:c16="http://schemas.microsoft.com/office/drawing/2014/chart" uri="{C3380CC4-5D6E-409C-BE32-E72D297353CC}">
+              <c16:uniqueId val="{00000000-4BE8-4047-95EE-1FB42FD17393}"/>
+            </c:ext>
+          </c:extLst>
+        </c:ser>
+        <c:dLbls>
+          <c:dLblPos val="inEnd"/>
+          <c:showLegendKey val="0"/>
+          <c:showVal val="0"/>
+          <c:showCatName val="0"/>
+          <c:showSerName val="0"/>
+          <c:showPercent val="1"/>
+          <c:showBubbleSize val="0"/>
+          <c:showLeaderLines val="1"/>
+        </c:dLbls>
+        <c:firstSliceAng val="0"/>
+      </c:pieChart>
+      <c:spPr>
+        <a:noFill/>
+        <a:ln>
+          <a:noFill/>
+        </a:ln>
+        <a:effectLst/>
+      </c:spPr>
+    </c:plotArea>
+    <c:legend>
+      <c:legendPos val="b"/>
+      <c:overlay val="0"/>
+      <c:spPr>
+        <a:noFill/>
+        <a:ln>
+          <a:noFill/>
+        </a:ln>
+        <a:effectLst/>
+      </c:spPr>
+      <c:txPr>
+        <a:bodyPr rot="0" spcFirstLastPara="1" vertOverflow="ellipsis" vert="horz" wrap="square" anchor="ctr" anchorCtr="1"/>
+        <a:lstStyle/>
+        <a:p>
+          <a:pPr>
+            <a:defRPr sz="1197" b="0" i="0" u="none" strike="noStrike" kern="1200" baseline="0">
+              <a:solidFill>
+                <a:schemeClr val="lt1">
+                  <a:lumMod val="85000"/>
+                </a:schemeClr>
+              </a:solidFill>
+              <a:latin typeface="+mn-lt"/>
+              <a:ea typeface="+mn-ea"/>
+              <a:cs typeface="+mn-cs"/>
+            </a:defRPr>
+          </a:pPr>
+          <a:endParaRPr lang="it-IT"/>
+        </a:p>
+      </c:txPr>
+    </c:legend>
+    <c:plotVisOnly val="1"/>
+    <c:dispBlanksAs val="gap"/>
+    <c:extLst>
+      <c:ext xmlns:c16r3="http://schemas.microsoft.com/office/drawing/2017/03/chart" uri="{56B9EC1D-385E-4148-901F-78D8002777C0}">
+        <c16r3:dataDisplayOptions16>
+          <c16r3:dispNaAsBlank val="1"/>
+        </c16r3:dataDisplayOptions16>
+      </c:ext>
+    </c:extLst>
+    <c:showDLblsOverMax val="0"/>
+  </c:chart>
+  <c:spPr>
+    <a:gradFill flip="none" rotWithShape="1">
+      <a:gsLst>
+        <a:gs pos="0">
+          <a:schemeClr val="dk1">
+            <a:lumMod val="65000"/>
+            <a:lumOff val="35000"/>
+          </a:schemeClr>
+        </a:gs>
+        <a:gs pos="100000">
+          <a:schemeClr val="dk1">
+            <a:lumMod val="85000"/>
+            <a:lumOff val="15000"/>
+          </a:schemeClr>
+        </a:gs>
+      </a:gsLst>
+      <a:path path="circle">
+        <a:fillToRect l="50000" t="50000" r="50000" b="50000"/>
+      </a:path>
+      <a:tileRect/>
+    </a:gradFill>
+    <a:ln>
+      <a:noFill/>
+    </a:ln>
+    <a:effectLst/>
+  </c:spPr>
+  <c:txPr>
+    <a:bodyPr/>
+    <a:lstStyle/>
+    <a:p>
+      <a:pPr>
+        <a:defRPr/>
+      </a:pPr>
+      <a:endParaRPr lang="it-IT"/>
+    </a:p>
+  </c:txPr>
+  <c:externalData r:id="rId3">
+    <c:autoUpdate val="0"/>
+  </c:externalData>
+</c:chartSpace>
+</file>
+
+<file path=ppt/charts/chart4.xml><?xml version="1.0" encoding="utf-8"?>
+<c:chartSpace xmlns:c="http://schemas.openxmlformats.org/drawingml/2006/chart" xmlns:a="http://schemas.openxmlformats.org/drawingml/2006/main" xmlns:r="http://schemas.openxmlformats.org/officeDocument/2006/relationships" xmlns:c16r2="http://schemas.microsoft.com/office/drawing/2015/06/chart">
+  <c:date1904 val="0"/>
+  <c:lang val="it-IT"/>
+  <c:roundedCorners val="0"/>
+  <mc:AlternateContent xmlns:mc="http://schemas.openxmlformats.org/markup-compatibility/2006">
+    <mc:Choice xmlns:c14="http://schemas.microsoft.com/office/drawing/2007/8/2/chart" Requires="c14">
+      <c14:style val="102"/>
+    </mc:Choice>
+    <mc:Fallback>
+      <c:style val="2"/>
+    </mc:Fallback>
+  </mc:AlternateContent>
+  <c:chart>
+    <c:title>
+      <c:tx>
+        <c:rich>
+          <a:bodyPr rot="0" spcFirstLastPara="1" vertOverflow="ellipsis" vert="horz" wrap="square" anchor="ctr" anchorCtr="1"/>
+          <a:lstStyle/>
+          <a:p>
+            <a:pPr>
+              <a:defRPr sz="2128" b="1" i="0" u="none" strike="noStrike" kern="1200" spc="100" baseline="0">
+                <a:solidFill>
+                  <a:schemeClr val="lt1">
+                    <a:lumMod val="95000"/>
+                  </a:schemeClr>
+                </a:solidFill>
+                <a:effectLst>
+                  <a:outerShdw blurRad="50800" dist="38100" dir="5400000" algn="t" rotWithShape="0">
+                    <a:prstClr val="black">
+                      <a:alpha val="40000"/>
+                    </a:prstClr>
+                  </a:outerShdw>
+                </a:effectLst>
+                <a:latin typeface="+mn-lt"/>
+                <a:ea typeface="+mn-ea"/>
+                <a:cs typeface="+mn-cs"/>
+              </a:defRPr>
+            </a:pPr>
+            <a:r>
+              <a:rPr lang="en-US" dirty="0" err="1"/>
+              <a:t>Codice</a:t>
+            </a:r>
+            <a:endParaRPr lang="en-US" dirty="0"/>
+          </a:p>
+        </c:rich>
+      </c:tx>
+      <c:overlay val="0"/>
+      <c:spPr>
+        <a:noFill/>
+        <a:ln>
+          <a:noFill/>
+        </a:ln>
+        <a:effectLst/>
+      </c:spPr>
+      <c:txPr>
+        <a:bodyPr rot="0" spcFirstLastPara="1" vertOverflow="ellipsis" vert="horz" wrap="square" anchor="ctr" anchorCtr="1"/>
+        <a:lstStyle/>
+        <a:p>
+          <a:pPr>
+            <a:defRPr sz="2128" b="1" i="0" u="none" strike="noStrike" kern="1200" spc="100" baseline="0">
+              <a:solidFill>
+                <a:schemeClr val="lt1">
+                  <a:lumMod val="95000"/>
+                </a:schemeClr>
+              </a:solidFill>
+              <a:effectLst>
+                <a:outerShdw blurRad="50800" dist="38100" dir="5400000" algn="t" rotWithShape="0">
+                  <a:prstClr val="black">
+                    <a:alpha val="40000"/>
+                  </a:prstClr>
+                </a:outerShdw>
+              </a:effectLst>
+              <a:latin typeface="+mn-lt"/>
+              <a:ea typeface="+mn-ea"/>
+              <a:cs typeface="+mn-cs"/>
+            </a:defRPr>
+          </a:pPr>
+          <a:endParaRPr lang="it-IT"/>
+        </a:p>
+      </c:txPr>
+    </c:title>
+    <c:autoTitleDeleted val="0"/>
+    <c:plotArea>
+      <c:layout/>
+      <c:pieChart>
+        <c:varyColors val="1"/>
+        <c:ser>
+          <c:idx val="0"/>
+          <c:order val="0"/>
+          <c:tx>
+            <c:strRef>
+              <c:f>Foglio1!$B$1</c:f>
+              <c:strCache>
+                <c:ptCount val="1"/>
+                <c:pt idx="0">
+                  <c:v>Archittettura</c:v>
+                </c:pt>
+              </c:strCache>
+            </c:strRef>
+          </c:tx>
+          <c:dPt>
+            <c:idx val="0"/>
+            <c:bubble3D val="0"/>
+            <c:spPr>
+              <a:gradFill rotWithShape="1">
+                <a:gsLst>
+                  <a:gs pos="0">
+                    <a:schemeClr val="accent1">
+                      <a:satMod val="103000"/>
+                      <a:lumMod val="102000"/>
+                      <a:tint val="94000"/>
+                    </a:schemeClr>
+                  </a:gs>
+                  <a:gs pos="50000">
+                    <a:schemeClr val="accent1">
+                      <a:satMod val="110000"/>
+                      <a:lumMod val="100000"/>
+                      <a:shade val="100000"/>
+                    </a:schemeClr>
+                  </a:gs>
+                  <a:gs pos="100000">
+                    <a:schemeClr val="accent1">
+                      <a:lumMod val="99000"/>
+                      <a:satMod val="120000"/>
+                      <a:shade val="78000"/>
+                    </a:schemeClr>
+                  </a:gs>
+                </a:gsLst>
+                <a:lin ang="5400000" scaled="0"/>
+              </a:gradFill>
+              <a:ln>
+                <a:noFill/>
+              </a:ln>
+              <a:effectLst>
+                <a:outerShdw blurRad="57150" dist="19050" dir="5400000" algn="ctr" rotWithShape="0">
+                  <a:srgbClr val="000000">
+                    <a:alpha val="63000"/>
+                  </a:srgbClr>
+                </a:outerShdw>
+              </a:effectLst>
+            </c:spPr>
+            <c:extLst>
+              <c:ext xmlns:c16="http://schemas.microsoft.com/office/drawing/2014/chart" uri="{C3380CC4-5D6E-409C-BE32-E72D297353CC}">
+                <c16:uniqueId val="{00000001-1745-420B-AB3F-E74DF2E8014F}"/>
+              </c:ext>
+            </c:extLst>
+          </c:dPt>
+          <c:dPt>
+            <c:idx val="1"/>
+            <c:bubble3D val="0"/>
+            <c:spPr>
+              <a:gradFill rotWithShape="1">
+                <a:gsLst>
+                  <a:gs pos="0">
+                    <a:schemeClr val="accent2">
+                      <a:satMod val="103000"/>
+                      <a:lumMod val="102000"/>
+                      <a:tint val="94000"/>
+                    </a:schemeClr>
+                  </a:gs>
+                  <a:gs pos="50000">
+                    <a:schemeClr val="accent2">
+                      <a:satMod val="110000"/>
+                      <a:lumMod val="100000"/>
+                      <a:shade val="100000"/>
+                    </a:schemeClr>
+                  </a:gs>
+                  <a:gs pos="100000">
+                    <a:schemeClr val="accent2">
+                      <a:lumMod val="99000"/>
+                      <a:satMod val="120000"/>
+                      <a:shade val="78000"/>
+                    </a:schemeClr>
+                  </a:gs>
+                </a:gsLst>
+                <a:lin ang="5400000" scaled="0"/>
+              </a:gradFill>
+              <a:ln>
+                <a:noFill/>
+              </a:ln>
+              <a:effectLst>
+                <a:outerShdw blurRad="57150" dist="19050" dir="5400000" algn="ctr" rotWithShape="0">
+                  <a:srgbClr val="000000">
+                    <a:alpha val="63000"/>
+                  </a:srgbClr>
+                </a:outerShdw>
+              </a:effectLst>
+            </c:spPr>
+            <c:extLst>
+              <c:ext xmlns:c16="http://schemas.microsoft.com/office/drawing/2014/chart" uri="{C3380CC4-5D6E-409C-BE32-E72D297353CC}">
+                <c16:uniqueId val="{00000003-1745-420B-AB3F-E74DF2E8014F}"/>
+              </c:ext>
+            </c:extLst>
+          </c:dPt>
+          <c:dLbls>
+            <c:spPr>
+              <a:noFill/>
+              <a:ln>
+                <a:noFill/>
+              </a:ln>
+              <a:effectLst/>
+            </c:spPr>
+            <c:txPr>
+              <a:bodyPr rot="0" spcFirstLastPara="1" vertOverflow="ellipsis" vert="horz" wrap="square" lIns="38100" tIns="19050" rIns="38100" bIns="19050" anchor="ctr" anchorCtr="1">
+                <a:spAutoFit/>
+              </a:bodyPr>
+              <a:lstStyle/>
+              <a:p>
+                <a:pPr>
+                  <a:defRPr sz="1197" b="0" i="0" u="none" strike="noStrike" kern="1200" baseline="0">
+                    <a:solidFill>
+                      <a:schemeClr val="lt1">
+                        <a:lumMod val="85000"/>
+                      </a:schemeClr>
+                    </a:solidFill>
+                    <a:latin typeface="+mn-lt"/>
+                    <a:ea typeface="+mn-ea"/>
+                    <a:cs typeface="+mn-cs"/>
+                  </a:defRPr>
+                </a:pPr>
+                <a:endParaRPr lang="it-IT"/>
+              </a:p>
+            </c:txPr>
+            <c:dLblPos val="inEnd"/>
+            <c:showLegendKey val="0"/>
+            <c:showVal val="0"/>
+            <c:showCatName val="0"/>
+            <c:showSerName val="0"/>
+            <c:showPercent val="1"/>
+            <c:showBubbleSize val="0"/>
+            <c:showLeaderLines val="1"/>
+            <c:leaderLines>
+              <c:spPr>
+                <a:ln w="9525">
+                  <a:solidFill>
+                    <a:schemeClr val="lt1">
+                      <a:lumMod val="95000"/>
+                      <a:alpha val="54000"/>
+                    </a:schemeClr>
+                  </a:solidFill>
+                </a:ln>
+                <a:effectLst/>
+              </c:spPr>
+            </c:leaderLines>
+            <c:extLst>
+              <c:ext xmlns:c15="http://schemas.microsoft.com/office/drawing/2012/chart" uri="{CE6537A1-D6FC-4f65-9D91-7224C49458BB}"/>
+            </c:extLst>
+          </c:dLbls>
+          <c:cat>
+            <c:strRef>
+              <c:f>Foglio1!$A$2:$A$5</c:f>
+              <c:strCache>
+                <c:ptCount val="2"/>
+                <c:pt idx="0">
+                  <c:v>Soddisfatti</c:v>
+                </c:pt>
+                <c:pt idx="1">
+                  <c:v>Insoddisfatti.</c:v>
+                </c:pt>
+              </c:strCache>
+            </c:strRef>
+          </c:cat>
+          <c:val>
+            <c:numRef>
+              <c:f>Foglio1!$B$2:$B$5</c:f>
+              <c:numCache>
+                <c:formatCode>General</c:formatCode>
+                <c:ptCount val="2"/>
+                <c:pt idx="0">
+                  <c:v>0.54</c:v>
+                </c:pt>
+                <c:pt idx="1">
+                  <c:v>0.46</c:v>
+                </c:pt>
+              </c:numCache>
+            </c:numRef>
+          </c:val>
+          <c:extLst>
+            <c:ext xmlns:c15="http://schemas.microsoft.com/office/drawing/2012/chart" uri="{02D57815-91ED-43cb-92C2-25804820EDAC}">
+              <c15:categoryFilterExceptions/>
+            </c:ext>
+            <c:ext xmlns:c16="http://schemas.microsoft.com/office/drawing/2014/chart" uri="{C3380CC4-5D6E-409C-BE32-E72D297353CC}">
+              <c16:uniqueId val="{00000004-1745-420B-AB3F-E74DF2E8014F}"/>
+            </c:ext>
+          </c:extLst>
+        </c:ser>
+        <c:dLbls>
+          <c:dLblPos val="inEnd"/>
+          <c:showLegendKey val="0"/>
+          <c:showVal val="0"/>
+          <c:showCatName val="0"/>
+          <c:showSerName val="0"/>
+          <c:showPercent val="1"/>
+          <c:showBubbleSize val="0"/>
+          <c:showLeaderLines val="1"/>
+        </c:dLbls>
+        <c:firstSliceAng val="0"/>
+      </c:pieChart>
+      <c:spPr>
+        <a:noFill/>
+        <a:ln>
+          <a:noFill/>
+        </a:ln>
+        <a:effectLst/>
+      </c:spPr>
+    </c:plotArea>
+    <c:legend>
+      <c:legendPos val="b"/>
+      <c:overlay val="0"/>
+      <c:spPr>
+        <a:noFill/>
+        <a:ln>
+          <a:noFill/>
+        </a:ln>
+        <a:effectLst/>
+      </c:spPr>
+      <c:txPr>
+        <a:bodyPr rot="0" spcFirstLastPara="1" vertOverflow="ellipsis" vert="horz" wrap="square" anchor="ctr" anchorCtr="1"/>
+        <a:lstStyle/>
+        <a:p>
+          <a:pPr>
+            <a:defRPr sz="1197" b="0" i="0" u="none" strike="noStrike" kern="1200" baseline="0">
+              <a:solidFill>
+                <a:schemeClr val="lt1">
+                  <a:lumMod val="85000"/>
+                </a:schemeClr>
+              </a:solidFill>
+              <a:latin typeface="+mn-lt"/>
+              <a:ea typeface="+mn-ea"/>
+              <a:cs typeface="+mn-cs"/>
+            </a:defRPr>
+          </a:pPr>
+          <a:endParaRPr lang="it-IT"/>
+        </a:p>
+      </c:txPr>
+    </c:legend>
+    <c:plotVisOnly val="1"/>
+    <c:dispBlanksAs val="gap"/>
+    <c:extLst>
+      <c:ext xmlns:c16r3="http://schemas.microsoft.com/office/drawing/2017/03/chart" uri="{56B9EC1D-385E-4148-901F-78D8002777C0}">
+        <c16r3:dataDisplayOptions16>
+          <c16r3:dispNaAsBlank val="1"/>
+        </c16r3:dataDisplayOptions16>
+      </c:ext>
+    </c:extLst>
+    <c:showDLblsOverMax val="0"/>
+  </c:chart>
+  <c:spPr>
+    <a:gradFill flip="none" rotWithShape="1">
+      <a:gsLst>
+        <a:gs pos="0">
+          <a:schemeClr val="dk1">
+            <a:lumMod val="65000"/>
+            <a:lumOff val="35000"/>
+          </a:schemeClr>
+        </a:gs>
+        <a:gs pos="100000">
+          <a:schemeClr val="dk1">
+            <a:lumMod val="85000"/>
+            <a:lumOff val="15000"/>
+          </a:schemeClr>
+        </a:gs>
+      </a:gsLst>
+      <a:path path="circle">
+        <a:fillToRect l="50000" t="50000" r="50000" b="50000"/>
+      </a:path>
+      <a:tileRect/>
+    </a:gradFill>
+    <a:ln>
+      <a:noFill/>
+    </a:ln>
+    <a:effectLst/>
+  </c:spPr>
+  <c:txPr>
+    <a:bodyPr/>
+    <a:lstStyle/>
+    <a:p>
+      <a:pPr>
+        <a:defRPr/>
+      </a:pPr>
+      <a:endParaRPr lang="it-IT"/>
+    </a:p>
+  </c:txPr>
+  <c:externalData r:id="rId3">
+    <c:autoUpdate val="0"/>
+  </c:externalData>
+</c:chartSpace>
+</file>
+
+<file path=ppt/charts/colors1.xml><?xml version="1.0" encoding="utf-8"?>
+<cs:colorStyle xmlns:cs="http://schemas.microsoft.com/office/drawing/2012/chartStyle" xmlns:a="http://schemas.openxmlformats.org/drawingml/2006/main" meth="cycle" id="10">
+  <a:schemeClr val="accent1"/>
+  <a:schemeClr val="accent2"/>
+  <a:schemeClr val="accent3"/>
+  <a:schemeClr val="accent4"/>
+  <a:schemeClr val="accent5"/>
+  <a:schemeClr val="accent6"/>
+  <cs:variation/>
+  <cs:variation>
+    <a:lumMod val="60000"/>
+  </cs:variation>
+  <cs:variation>
+    <a:lumMod val="80000"/>
+    <a:lumOff val="20000"/>
+  </cs:variation>
+  <cs:variation>
+    <a:lumMod val="80000"/>
+  </cs:variation>
+  <cs:variation>
+    <a:lumMod val="60000"/>
+    <a:lumOff val="40000"/>
+  </cs:variation>
+  <cs:variation>
+    <a:lumMod val="50000"/>
+  </cs:variation>
+  <cs:variation>
+    <a:lumMod val="70000"/>
+    <a:lumOff val="30000"/>
+  </cs:variation>
+  <cs:variation>
+    <a:lumMod val="70000"/>
+  </cs:variation>
+  <cs:variation>
+    <a:lumMod val="50000"/>
+    <a:lumOff val="50000"/>
+  </cs:variation>
+</cs:colorStyle>
+</file>
+
+<file path=ppt/charts/colors2.xml><?xml version="1.0" encoding="utf-8"?>
+<cs:colorStyle xmlns:cs="http://schemas.microsoft.com/office/drawing/2012/chartStyle" xmlns:a="http://schemas.openxmlformats.org/drawingml/2006/main" meth="cycle" id="10">
+  <a:schemeClr val="accent1"/>
+  <a:schemeClr val="accent2"/>
+  <a:schemeClr val="accent3"/>
+  <a:schemeClr val="accent4"/>
+  <a:schemeClr val="accent5"/>
+  <a:schemeClr val="accent6"/>
+  <cs:variation/>
+  <cs:variation>
+    <a:lumMod val="60000"/>
+  </cs:variation>
+  <cs:variation>
+    <a:lumMod val="80000"/>
+    <a:lumOff val="20000"/>
+  </cs:variation>
+  <cs:variation>
+    <a:lumMod val="80000"/>
+  </cs:variation>
+  <cs:variation>
+    <a:lumMod val="60000"/>
+    <a:lumOff val="40000"/>
+  </cs:variation>
+  <cs:variation>
+    <a:lumMod val="50000"/>
+  </cs:variation>
+  <cs:variation>
+    <a:lumMod val="70000"/>
+    <a:lumOff val="30000"/>
+  </cs:variation>
+  <cs:variation>
+    <a:lumMod val="70000"/>
+  </cs:variation>
+  <cs:variation>
+    <a:lumMod val="50000"/>
+    <a:lumOff val="50000"/>
+  </cs:variation>
+</cs:colorStyle>
+</file>
+
+<file path=ppt/charts/colors3.xml><?xml version="1.0" encoding="utf-8"?>
+<cs:colorStyle xmlns:cs="http://schemas.microsoft.com/office/drawing/2012/chartStyle" xmlns:a="http://schemas.openxmlformats.org/drawingml/2006/main" meth="cycle" id="10">
+  <a:schemeClr val="accent1"/>
+  <a:schemeClr val="accent2"/>
+  <a:schemeClr val="accent3"/>
+  <a:schemeClr val="accent4"/>
+  <a:schemeClr val="accent5"/>
+  <a:schemeClr val="accent6"/>
+  <cs:variation/>
+  <cs:variation>
+    <a:lumMod val="60000"/>
+  </cs:variation>
+  <cs:variation>
+    <a:lumMod val="80000"/>
+    <a:lumOff val="20000"/>
+  </cs:variation>
+  <cs:variation>
+    <a:lumMod val="80000"/>
+  </cs:variation>
+  <cs:variation>
+    <a:lumMod val="60000"/>
+    <a:lumOff val="40000"/>
+  </cs:variation>
+  <cs:variation>
+    <a:lumMod val="50000"/>
+  </cs:variation>
+  <cs:variation>
+    <a:lumMod val="70000"/>
+    <a:lumOff val="30000"/>
+  </cs:variation>
+  <cs:variation>
+    <a:lumMod val="70000"/>
+  </cs:variation>
+  <cs:variation>
+    <a:lumMod val="50000"/>
+    <a:lumOff val="50000"/>
+  </cs:variation>
+</cs:colorStyle>
+</file>
+
+<file path=ppt/charts/colors4.xml><?xml version="1.0" encoding="utf-8"?>
+<cs:colorStyle xmlns:cs="http://schemas.microsoft.com/office/drawing/2012/chartStyle" xmlns:a="http://schemas.openxmlformats.org/drawingml/2006/main" meth="cycle" id="10">
+  <a:schemeClr val="accent1"/>
+  <a:schemeClr val="accent2"/>
+  <a:schemeClr val="accent3"/>
+  <a:schemeClr val="accent4"/>
+  <a:schemeClr val="accent5"/>
+  <a:schemeClr val="accent6"/>
+  <cs:variation/>
+  <cs:variation>
+    <a:lumMod val="60000"/>
+  </cs:variation>
+  <cs:variation>
+    <a:lumMod val="80000"/>
+    <a:lumOff val="20000"/>
+  </cs:variation>
+  <cs:variation>
+    <a:lumMod val="80000"/>
+  </cs:variation>
+  <cs:variation>
+    <a:lumMod val="60000"/>
+    <a:lumOff val="40000"/>
+  </cs:variation>
+  <cs:variation>
+    <a:lumMod val="50000"/>
+  </cs:variation>
+  <cs:variation>
+    <a:lumMod val="70000"/>
+    <a:lumOff val="30000"/>
+  </cs:variation>
+  <cs:variation>
+    <a:lumMod val="70000"/>
+  </cs:variation>
+  <cs:variation>
+    <a:lumMod val="50000"/>
+    <a:lumOff val="50000"/>
+  </cs:variation>
+</cs:colorStyle>
+</file>
+
+<file path=ppt/charts/style1.xml><?xml version="1.0" encoding="utf-8"?>
+<cs:chartStyle xmlns:cs="http://schemas.microsoft.com/office/drawing/2012/chartStyle" xmlns:a="http://schemas.openxmlformats.org/drawingml/2006/main" id="257">
+  <cs:axisTitle>
+    <cs:lnRef idx="0"/>
+    <cs:fillRef idx="0"/>
+    <cs:effectRef idx="0"/>
+    <cs:fontRef idx="minor">
+      <a:schemeClr val="lt1">
+        <a:lumMod val="85000"/>
+      </a:schemeClr>
+    </cs:fontRef>
+    <cs:defRPr sz="1197" b="1" kern="1200" cap="all"/>
+  </cs:axisTitle>
+  <cs:categoryAxis>
+    <cs:lnRef idx="0"/>
+    <cs:fillRef idx="0"/>
+    <cs:effectRef idx="0"/>
+    <cs:fontRef idx="minor">
+      <a:schemeClr val="lt1">
+        <a:lumMod val="85000"/>
+      </a:schemeClr>
+    </cs:fontRef>
+    <cs:spPr>
+      <a:ln w="12700" cap="flat" cmpd="sng" algn="ctr">
+        <a:solidFill>
+          <a:schemeClr val="lt1">
+            <a:lumMod val="95000"/>
+            <a:alpha val="54000"/>
+          </a:schemeClr>
+        </a:solidFill>
+        <a:round/>
+      </a:ln>
+    </cs:spPr>
+    <cs:defRPr sz="1197" kern="1200"/>
+  </cs:categoryAxis>
+  <cs:chartArea>
+    <cs:lnRef idx="0"/>
+    <cs:fillRef idx="0"/>
+    <cs:effectRef idx="0"/>
+    <cs:fontRef idx="minor">
+      <a:schemeClr val="dk1"/>
+    </cs:fontRef>
+    <cs:spPr>
+      <a:gradFill flip="none" rotWithShape="1">
+        <a:gsLst>
+          <a:gs pos="0">
+            <a:schemeClr val="dk1">
+              <a:lumMod val="65000"/>
+              <a:lumOff val="35000"/>
+            </a:schemeClr>
+          </a:gs>
+          <a:gs pos="100000">
+            <a:schemeClr val="dk1">
+              <a:lumMod val="85000"/>
+              <a:lumOff val="15000"/>
+            </a:schemeClr>
+          </a:gs>
+        </a:gsLst>
+        <a:path path="circle">
+          <a:fillToRect l="50000" t="50000" r="50000" b="50000"/>
+        </a:path>
+        <a:tileRect/>
+      </a:gradFill>
+    </cs:spPr>
+    <cs:defRPr sz="1330" kern="1200"/>
+  </cs:chartArea>
+  <cs:dataLabel>
+    <cs:lnRef idx="0"/>
+    <cs:fillRef idx="0"/>
+    <cs:effectRef idx="0"/>
+    <cs:fontRef idx="minor">
+      <a:schemeClr val="lt1">
+        <a:lumMod val="85000"/>
+      </a:schemeClr>
+    </cs:fontRef>
+    <cs:defRPr sz="1197" kern="1200"/>
+  </cs:dataLabel>
+  <cs:dataLabelCallout>
+    <cs:lnRef idx="0"/>
+    <cs:fillRef idx="0"/>
+    <cs:effectRef idx="0"/>
+    <cs:fontRef idx="minor">
+      <a:schemeClr val="dk1">
+        <a:lumMod val="65000"/>
+        <a:lumOff val="35000"/>
+      </a:schemeClr>
+    </cs:fontRef>
+    <cs:spPr>
+      <a:solidFill>
+        <a:schemeClr val="lt1"/>
+      </a:solidFill>
+    </cs:spPr>
+    <cs:defRPr sz="1197" kern="1200"/>
+    <cs:bodyPr rot="0" spcFirstLastPara="1" vertOverflow="clip" horzOverflow="clip" vert="horz" wrap="square" lIns="36576" tIns="18288" rIns="36576" bIns="18288" anchor="ctr" anchorCtr="1">
+      <a:spAutoFit/>
+    </cs:bodyPr>
+  </cs:dataLabelCallout>
+  <cs:dataPoint>
+    <cs:lnRef idx="0"/>
+    <cs:fillRef idx="3">
+      <cs:styleClr val="auto"/>
+    </cs:fillRef>
+    <cs:effectRef idx="3"/>
+    <cs:fontRef idx="minor">
+      <a:schemeClr val="tx1"/>
+    </cs:fontRef>
+  </cs:dataPoint>
+  <cs:dataPoint3D>
+    <cs:lnRef idx="0"/>
+    <cs:fillRef idx="3">
+      <cs:styleClr val="auto"/>
+    </cs:fillRef>
+    <cs:effectRef idx="3"/>
+    <cs:fontRef idx="minor">
+      <a:schemeClr val="tx1"/>
+    </cs:fontRef>
+  </cs:dataPoint3D>
+  <cs:dataPointLine>
+    <cs:lnRef idx="0">
+      <cs:styleClr val="auto"/>
+    </cs:lnRef>
+    <cs:fillRef idx="3"/>
+    <cs:effectRef idx="3"/>
+    <cs:fontRef idx="minor">
+      <a:schemeClr val="tx1"/>
+    </cs:fontRef>
+    <cs:spPr>
+      <a:ln w="34925" cap="rnd">
+        <a:solidFill>
+          <a:schemeClr val="phClr"/>
+        </a:solidFill>
+        <a:round/>
+      </a:ln>
+    </cs:spPr>
+  </cs:dataPointLine>
+  <cs:dataPointMarker>
+    <cs:lnRef idx="0">
+      <cs:styleClr val="auto"/>
+    </cs:lnRef>
+    <cs:fillRef idx="3">
+      <cs:styleClr val="auto"/>
+    </cs:fillRef>
+    <cs:effectRef idx="3"/>
+    <cs:fontRef idx="minor">
+      <a:schemeClr val="tx1"/>
+    </cs:fontRef>
+    <cs:spPr>
+      <a:ln w="9525">
+        <a:solidFill>
+          <a:schemeClr val="phClr"/>
+        </a:solidFill>
+        <a:round/>
+      </a:ln>
+    </cs:spPr>
+  </cs:dataPointMarker>
+  <cs:dataPointMarkerLayout symbol="circle" size="6"/>
+  <cs:dataPointWireframe>
+    <cs:lnRef idx="0">
+      <cs:styleClr val="auto"/>
+    </cs:lnRef>
+    <cs:fillRef idx="3"/>
+    <cs:effectRef idx="3"/>
+    <cs:fontRef idx="minor">
+      <a:schemeClr val="tx1"/>
+    </cs:fontRef>
+    <cs:spPr>
+      <a:ln w="9525" cap="rnd">
+        <a:solidFill>
+          <a:schemeClr val="phClr"/>
+        </a:solidFill>
+        <a:round/>
+      </a:ln>
+    </cs:spPr>
+  </cs:dataPointWireframe>
+  <cs:dataTable>
+    <cs:lnRef idx="0"/>
+    <cs:fillRef idx="0"/>
+    <cs:effectRef idx="0"/>
+    <cs:fontRef idx="minor">
+      <a:schemeClr val="lt1">
+        <a:lumMod val="85000"/>
+      </a:schemeClr>
+    </cs:fontRef>
+    <cs:spPr>
+      <a:ln w="9525">
+        <a:solidFill>
+          <a:schemeClr val="lt1">
+            <a:lumMod val="95000"/>
+            <a:alpha val="54000"/>
+          </a:schemeClr>
+        </a:solidFill>
+      </a:ln>
+    </cs:spPr>
+    <cs:defRPr sz="1197" kern="1200"/>
+  </cs:dataTable>
+  <cs:downBar>
+    <cs:lnRef idx="0"/>
+    <cs:fillRef idx="0"/>
+    <cs:effectRef idx="0"/>
+    <cs:fontRef idx="minor">
+      <a:schemeClr val="tx1"/>
+    </cs:fontRef>
+    <cs:spPr>
+      <a:solidFill>
+        <a:schemeClr val="dk1">
+          <a:lumMod val="75000"/>
+          <a:lumOff val="25000"/>
+        </a:schemeClr>
+      </a:solidFill>
+      <a:ln w="9525">
+        <a:solidFill>
+          <a:schemeClr val="lt1">
+            <a:lumMod val="95000"/>
+            <a:alpha val="54000"/>
+          </a:schemeClr>
+        </a:solidFill>
+      </a:ln>
+    </cs:spPr>
+  </cs:downBar>
+  <cs:dropLine>
+    <cs:lnRef idx="0"/>
+    <cs:fillRef idx="0"/>
+    <cs:effectRef idx="0"/>
+    <cs:fontRef idx="minor">
+      <a:schemeClr val="tx1"/>
+    </cs:fontRef>
+    <cs:spPr>
+      <a:ln w="9525">
+        <a:solidFill>
+          <a:schemeClr val="lt1">
+            <a:lumMod val="95000"/>
+            <a:alpha val="54000"/>
+          </a:schemeClr>
+        </a:solidFill>
+        <a:prstDash val="dash"/>
+      </a:ln>
+    </cs:spPr>
+  </cs:dropLine>
+  <cs:errorBar>
+    <cs:lnRef idx="0"/>
+    <cs:fillRef idx="0"/>
+    <cs:effectRef idx="0"/>
+    <cs:fontRef idx="minor">
+      <a:schemeClr val="tx1"/>
+    </cs:fontRef>
+    <cs:spPr>
+      <a:ln w="9525" cap="flat" cmpd="sng" algn="ctr">
+        <a:solidFill>
+          <a:schemeClr val="lt1">
+            <a:lumMod val="95000"/>
+          </a:schemeClr>
+        </a:solidFill>
+        <a:round/>
+      </a:ln>
+    </cs:spPr>
+  </cs:errorBar>
+  <cs:floor>
+    <cs:lnRef idx="0"/>
+    <cs:fillRef idx="0"/>
+    <cs:effectRef idx="0"/>
+    <cs:fontRef idx="minor">
+      <a:schemeClr val="tx1"/>
+    </cs:fontRef>
+  </cs:floor>
+  <cs:gridlineMajor>
+    <cs:lnRef idx="0"/>
+    <cs:fillRef idx="0"/>
+    <cs:effectRef idx="0"/>
+    <cs:fontRef idx="minor">
+      <a:schemeClr val="tx1"/>
+    </cs:fontRef>
+    <cs:spPr>
+      <a:ln w="9525" cap="flat" cmpd="sng" algn="ctr">
+        <a:solidFill>
+          <a:schemeClr val="lt1">
+            <a:lumMod val="95000"/>
+            <a:alpha val="10000"/>
+          </a:schemeClr>
+        </a:solidFill>
+        <a:round/>
+      </a:ln>
+    </cs:spPr>
+  </cs:gridlineMajor>
+  <cs:gridlineMinor>
+    <cs:lnRef idx="0"/>
+    <cs:fillRef idx="0"/>
+    <cs:effectRef idx="0"/>
+    <cs:fontRef idx="minor">
+      <a:schemeClr val="tx1"/>
+    </cs:fontRef>
+    <cs:spPr>
+      <a:ln>
+        <a:solidFill>
+          <a:schemeClr val="lt1">
+            <a:lumMod val="95000"/>
+            <a:alpha val="5000"/>
+          </a:schemeClr>
+        </a:solidFill>
+      </a:ln>
+    </cs:spPr>
+  </cs:gridlineMinor>
+  <cs:hiLoLine>
+    <cs:lnRef idx="0"/>
+    <cs:fillRef idx="0"/>
+    <cs:effectRef idx="0"/>
+    <cs:fontRef idx="minor">
+      <a:schemeClr val="tx1"/>
+    </cs:fontRef>
+    <cs:spPr>
+      <a:ln w="9525">
+        <a:solidFill>
+          <a:schemeClr val="lt1">
+            <a:lumMod val="95000"/>
+            <a:alpha val="54000"/>
+          </a:schemeClr>
+        </a:solidFill>
+        <a:prstDash val="dash"/>
+      </a:ln>
+    </cs:spPr>
+  </cs:hiLoLine>
+  <cs:leaderLine>
+    <cs:lnRef idx="0"/>
+    <cs:fillRef idx="0"/>
+    <cs:effectRef idx="0"/>
+    <cs:fontRef idx="minor">
+      <a:schemeClr val="tx1"/>
+    </cs:fontRef>
+    <cs:spPr>
+      <a:ln w="9525">
+        <a:solidFill>
+          <a:schemeClr val="lt1">
+            <a:lumMod val="95000"/>
+            <a:alpha val="54000"/>
+          </a:schemeClr>
+        </a:solidFill>
+      </a:ln>
+    </cs:spPr>
+  </cs:leaderLine>
+  <cs:legend>
+    <cs:lnRef idx="0"/>
+    <cs:fillRef idx="0"/>
+    <cs:effectRef idx="0"/>
+    <cs:fontRef idx="minor">
+      <a:schemeClr val="lt1">
+        <a:lumMod val="85000"/>
+      </a:schemeClr>
+    </cs:fontRef>
+    <cs:defRPr sz="1197" kern="1200"/>
+  </cs:legend>
+  <cs:plotArea>
+    <cs:lnRef idx="0"/>
+    <cs:fillRef idx="0"/>
+    <cs:effectRef idx="0"/>
+    <cs:fontRef idx="minor">
+      <a:schemeClr val="tx1"/>
+    </cs:fontRef>
+  </cs:plotArea>
+  <cs:plotArea3D>
+    <cs:lnRef idx="0"/>
+    <cs:fillRef idx="0"/>
+    <cs:effectRef idx="0"/>
+    <cs:fontRef idx="minor">
+      <a:schemeClr val="tx1"/>
+    </cs:fontRef>
+  </cs:plotArea3D>
+  <cs:seriesAxis>
+    <cs:lnRef idx="0"/>
+    <cs:fillRef idx="0"/>
+    <cs:effectRef idx="0"/>
+    <cs:fontRef idx="minor">
+      <a:schemeClr val="lt1">
+        <a:lumMod val="85000"/>
+      </a:schemeClr>
+    </cs:fontRef>
+    <cs:spPr>
+      <a:ln w="12700" cap="flat" cmpd="sng" algn="ctr">
+        <a:solidFill>
+          <a:schemeClr val="lt1">
+            <a:lumMod val="95000"/>
+            <a:alpha val="54000"/>
+          </a:schemeClr>
+        </a:solidFill>
+        <a:round/>
+      </a:ln>
+    </cs:spPr>
+    <cs:defRPr sz="1197" kern="1200"/>
+  </cs:seriesAxis>
+  <cs:seriesLine>
+    <cs:lnRef idx="0"/>
+    <cs:fillRef idx="0"/>
+    <cs:effectRef idx="0"/>
+    <cs:fontRef idx="minor">
+      <a:schemeClr val="lt1"/>
+    </cs:fontRef>
+    <cs:spPr>
+      <a:ln w="9525" cap="flat" cmpd="sng" algn="ctr">
+        <a:solidFill>
+          <a:schemeClr val="lt1">
+            <a:lumMod val="95000"/>
+            <a:alpha val="54000"/>
+          </a:schemeClr>
+        </a:solidFill>
+        <a:round/>
+      </a:ln>
+    </cs:spPr>
+  </cs:seriesLine>
+  <cs:title>
+    <cs:lnRef idx="0"/>
+    <cs:fillRef idx="0"/>
+    <cs:effectRef idx="0"/>
+    <cs:fontRef idx="minor">
+      <a:schemeClr val="lt1">
+        <a:lumMod val="95000"/>
+      </a:schemeClr>
+    </cs:fontRef>
+    <cs:defRPr sz="2128" b="1" kern="1200" spc="100" baseline="0">
+      <a:effectLst>
+        <a:outerShdw blurRad="50800" dist="38100" dir="5400000" algn="t" rotWithShape="0">
+          <a:prstClr val="black">
+            <a:alpha val="40000"/>
+          </a:prstClr>
+        </a:outerShdw>
+      </a:effectLst>
+    </cs:defRPr>
+  </cs:title>
+  <cs:trendline>
+    <cs:lnRef idx="0">
+      <cs:styleClr val="auto"/>
+    </cs:lnRef>
+    <cs:fillRef idx="0"/>
+    <cs:effectRef idx="0"/>
+    <cs:fontRef idx="minor">
+      <a:schemeClr val="tx1"/>
+    </cs:fontRef>
+    <cs:spPr>
+      <a:ln w="19050" cap="rnd">
+        <a:solidFill>
+          <a:schemeClr val="phClr"/>
+        </a:solidFill>
+      </a:ln>
+    </cs:spPr>
+  </cs:trendline>
+  <cs:trendlineLabel>
+    <cs:lnRef idx="0"/>
+    <cs:fillRef idx="0"/>
+    <cs:effectRef idx="0"/>
+    <cs:fontRef idx="minor">
+      <a:schemeClr val="lt1">
+        <a:lumMod val="85000"/>
+      </a:schemeClr>
+    </cs:fontRef>
+    <cs:defRPr sz="1197" kern="1200"/>
+  </cs:trendlineLabel>
+  <cs:upBar>
+    <cs:lnRef idx="0"/>
+    <cs:fillRef idx="0"/>
+    <cs:effectRef idx="0"/>
+    <cs:fontRef idx="minor">
+      <a:schemeClr val="tx1"/>
+    </cs:fontRef>
+    <cs:spPr>
+      <a:solidFill>
+        <a:schemeClr val="lt1"/>
+      </a:solidFill>
+      <a:ln w="9525">
+        <a:solidFill>
+          <a:schemeClr val="lt1">
+            <a:lumMod val="95000"/>
+            <a:alpha val="54000"/>
+          </a:schemeClr>
+        </a:solidFill>
+      </a:ln>
+    </cs:spPr>
+  </cs:upBar>
+  <cs:valueAxis>
+    <cs:lnRef idx="0"/>
+    <cs:fillRef idx="0"/>
+    <cs:effectRef idx="0"/>
+    <cs:fontRef idx="minor">
+      <a:schemeClr val="lt1">
+        <a:lumMod val="85000"/>
+      </a:schemeClr>
+    </cs:fontRef>
+    <cs:defRPr sz="1197" kern="1200"/>
+  </cs:valueAxis>
+  <cs:wall>
+    <cs:lnRef idx="0"/>
+    <cs:fillRef idx="0"/>
+    <cs:effectRef idx="0"/>
+    <cs:fontRef idx="minor">
+      <a:schemeClr val="tx1"/>
+    </cs:fontRef>
+  </cs:wall>
+</cs:chartStyle>
+</file>
+
+<file path=ppt/charts/style2.xml><?xml version="1.0" encoding="utf-8"?>
+<cs:chartStyle xmlns:cs="http://schemas.microsoft.com/office/drawing/2012/chartStyle" xmlns:a="http://schemas.openxmlformats.org/drawingml/2006/main" id="257">
+  <cs:axisTitle>
+    <cs:lnRef idx="0"/>
+    <cs:fillRef idx="0"/>
+    <cs:effectRef idx="0"/>
+    <cs:fontRef idx="minor">
+      <a:schemeClr val="lt1">
+        <a:lumMod val="85000"/>
+      </a:schemeClr>
+    </cs:fontRef>
+    <cs:defRPr sz="1197" b="1" kern="1200" cap="all"/>
+  </cs:axisTitle>
+  <cs:categoryAxis>
+    <cs:lnRef idx="0"/>
+    <cs:fillRef idx="0"/>
+    <cs:effectRef idx="0"/>
+    <cs:fontRef idx="minor">
+      <a:schemeClr val="lt1">
+        <a:lumMod val="85000"/>
+      </a:schemeClr>
+    </cs:fontRef>
+    <cs:spPr>
+      <a:ln w="12700" cap="flat" cmpd="sng" algn="ctr">
+        <a:solidFill>
+          <a:schemeClr val="lt1">
+            <a:lumMod val="95000"/>
+            <a:alpha val="54000"/>
+          </a:schemeClr>
+        </a:solidFill>
+        <a:round/>
+      </a:ln>
+    </cs:spPr>
+    <cs:defRPr sz="1197" kern="1200"/>
+  </cs:categoryAxis>
+  <cs:chartArea>
+    <cs:lnRef idx="0"/>
+    <cs:fillRef idx="0"/>
+    <cs:effectRef idx="0"/>
+    <cs:fontRef idx="minor">
+      <a:schemeClr val="dk1"/>
+    </cs:fontRef>
+    <cs:spPr>
+      <a:gradFill flip="none" rotWithShape="1">
+        <a:gsLst>
+          <a:gs pos="0">
+            <a:schemeClr val="dk1">
+              <a:lumMod val="65000"/>
+              <a:lumOff val="35000"/>
+            </a:schemeClr>
+          </a:gs>
+          <a:gs pos="100000">
+            <a:schemeClr val="dk1">
+              <a:lumMod val="85000"/>
+              <a:lumOff val="15000"/>
+            </a:schemeClr>
+          </a:gs>
+        </a:gsLst>
+        <a:path path="circle">
+          <a:fillToRect l="50000" t="50000" r="50000" b="50000"/>
+        </a:path>
+        <a:tileRect/>
+      </a:gradFill>
+    </cs:spPr>
+    <cs:defRPr sz="1330" kern="1200"/>
+  </cs:chartArea>
+  <cs:dataLabel>
+    <cs:lnRef idx="0"/>
+    <cs:fillRef idx="0"/>
+    <cs:effectRef idx="0"/>
+    <cs:fontRef idx="minor">
+      <a:schemeClr val="lt1">
+        <a:lumMod val="85000"/>
+      </a:schemeClr>
+    </cs:fontRef>
+    <cs:defRPr sz="1197" kern="1200"/>
+  </cs:dataLabel>
+  <cs:dataLabelCallout>
+    <cs:lnRef idx="0"/>
+    <cs:fillRef idx="0"/>
+    <cs:effectRef idx="0"/>
+    <cs:fontRef idx="minor">
+      <a:schemeClr val="dk1">
+        <a:lumMod val="65000"/>
+        <a:lumOff val="35000"/>
+      </a:schemeClr>
+    </cs:fontRef>
+    <cs:spPr>
+      <a:solidFill>
+        <a:schemeClr val="lt1"/>
+      </a:solidFill>
+    </cs:spPr>
+    <cs:defRPr sz="1197" kern="1200"/>
+    <cs:bodyPr rot="0" spcFirstLastPara="1" vertOverflow="clip" horzOverflow="clip" vert="horz" wrap="square" lIns="36576" tIns="18288" rIns="36576" bIns="18288" anchor="ctr" anchorCtr="1">
+      <a:spAutoFit/>
+    </cs:bodyPr>
+  </cs:dataLabelCallout>
+  <cs:dataPoint>
+    <cs:lnRef idx="0"/>
+    <cs:fillRef idx="3">
+      <cs:styleClr val="auto"/>
+    </cs:fillRef>
+    <cs:effectRef idx="3"/>
+    <cs:fontRef idx="minor">
+      <a:schemeClr val="tx1"/>
+    </cs:fontRef>
+  </cs:dataPoint>
+  <cs:dataPoint3D>
+    <cs:lnRef idx="0"/>
+    <cs:fillRef idx="3">
+      <cs:styleClr val="auto"/>
+    </cs:fillRef>
+    <cs:effectRef idx="3"/>
+    <cs:fontRef idx="minor">
+      <a:schemeClr val="tx1"/>
+    </cs:fontRef>
+  </cs:dataPoint3D>
+  <cs:dataPointLine>
+    <cs:lnRef idx="0">
+      <cs:styleClr val="auto"/>
+    </cs:lnRef>
+    <cs:fillRef idx="3"/>
+    <cs:effectRef idx="3"/>
+    <cs:fontRef idx="minor">
+      <a:schemeClr val="tx1"/>
+    </cs:fontRef>
+    <cs:spPr>
+      <a:ln w="34925" cap="rnd">
+        <a:solidFill>
+          <a:schemeClr val="phClr"/>
+        </a:solidFill>
+        <a:round/>
+      </a:ln>
+    </cs:spPr>
+  </cs:dataPointLine>
+  <cs:dataPointMarker>
+    <cs:lnRef idx="0">
+      <cs:styleClr val="auto"/>
+    </cs:lnRef>
+    <cs:fillRef idx="3">
+      <cs:styleClr val="auto"/>
+    </cs:fillRef>
+    <cs:effectRef idx="3"/>
+    <cs:fontRef idx="minor">
+      <a:schemeClr val="tx1"/>
+    </cs:fontRef>
+    <cs:spPr>
+      <a:ln w="9525">
+        <a:solidFill>
+          <a:schemeClr val="phClr"/>
+        </a:solidFill>
+        <a:round/>
+      </a:ln>
+    </cs:spPr>
+  </cs:dataPointMarker>
+  <cs:dataPointMarkerLayout symbol="circle" size="6"/>
+  <cs:dataPointWireframe>
+    <cs:lnRef idx="0">
+      <cs:styleClr val="auto"/>
+    </cs:lnRef>
+    <cs:fillRef idx="3"/>
+    <cs:effectRef idx="3"/>
+    <cs:fontRef idx="minor">
+      <a:schemeClr val="tx1"/>
+    </cs:fontRef>
+    <cs:spPr>
+      <a:ln w="9525" cap="rnd">
+        <a:solidFill>
+          <a:schemeClr val="phClr"/>
+        </a:solidFill>
+        <a:round/>
+      </a:ln>
+    </cs:spPr>
+  </cs:dataPointWireframe>
+  <cs:dataTable>
+    <cs:lnRef idx="0"/>
+    <cs:fillRef idx="0"/>
+    <cs:effectRef idx="0"/>
+    <cs:fontRef idx="minor">
+      <a:schemeClr val="lt1">
+        <a:lumMod val="85000"/>
+      </a:schemeClr>
+    </cs:fontRef>
+    <cs:spPr>
+      <a:ln w="9525">
+        <a:solidFill>
+          <a:schemeClr val="lt1">
+            <a:lumMod val="95000"/>
+            <a:alpha val="54000"/>
+          </a:schemeClr>
+        </a:solidFill>
+      </a:ln>
+    </cs:spPr>
+    <cs:defRPr sz="1197" kern="1200"/>
+  </cs:dataTable>
+  <cs:downBar>
+    <cs:lnRef idx="0"/>
+    <cs:fillRef idx="0"/>
+    <cs:effectRef idx="0"/>
+    <cs:fontRef idx="minor">
+      <a:schemeClr val="tx1"/>
+    </cs:fontRef>
+    <cs:spPr>
+      <a:solidFill>
+        <a:schemeClr val="dk1">
+          <a:lumMod val="75000"/>
+          <a:lumOff val="25000"/>
+        </a:schemeClr>
+      </a:solidFill>
+      <a:ln w="9525">
+        <a:solidFill>
+          <a:schemeClr val="lt1">
+            <a:lumMod val="95000"/>
+            <a:alpha val="54000"/>
+          </a:schemeClr>
+        </a:solidFill>
+      </a:ln>
+    </cs:spPr>
+  </cs:downBar>
+  <cs:dropLine>
+    <cs:lnRef idx="0"/>
+    <cs:fillRef idx="0"/>
+    <cs:effectRef idx="0"/>
+    <cs:fontRef idx="minor">
+      <a:schemeClr val="tx1"/>
+    </cs:fontRef>
+    <cs:spPr>
+      <a:ln w="9525">
+        <a:solidFill>
+          <a:schemeClr val="lt1">
+            <a:lumMod val="95000"/>
+            <a:alpha val="54000"/>
+          </a:schemeClr>
+        </a:solidFill>
+        <a:prstDash val="dash"/>
+      </a:ln>
+    </cs:spPr>
+  </cs:dropLine>
+  <cs:errorBar>
+    <cs:lnRef idx="0"/>
+    <cs:fillRef idx="0"/>
+    <cs:effectRef idx="0"/>
+    <cs:fontRef idx="minor">
+      <a:schemeClr val="tx1"/>
+    </cs:fontRef>
+    <cs:spPr>
+      <a:ln w="9525" cap="flat" cmpd="sng" algn="ctr">
+        <a:solidFill>
+          <a:schemeClr val="lt1">
+            <a:lumMod val="95000"/>
+          </a:schemeClr>
+        </a:solidFill>
+        <a:round/>
+      </a:ln>
+    </cs:spPr>
+  </cs:errorBar>
+  <cs:floor>
+    <cs:lnRef idx="0"/>
+    <cs:fillRef idx="0"/>
+    <cs:effectRef idx="0"/>
+    <cs:fontRef idx="minor">
+      <a:schemeClr val="tx1"/>
+    </cs:fontRef>
+  </cs:floor>
+  <cs:gridlineMajor>
+    <cs:lnRef idx="0"/>
+    <cs:fillRef idx="0"/>
+    <cs:effectRef idx="0"/>
+    <cs:fontRef idx="minor">
+      <a:schemeClr val="tx1"/>
+    </cs:fontRef>
+    <cs:spPr>
+      <a:ln w="9525" cap="flat" cmpd="sng" algn="ctr">
+        <a:solidFill>
+          <a:schemeClr val="lt1">
+            <a:lumMod val="95000"/>
+            <a:alpha val="10000"/>
+          </a:schemeClr>
+        </a:solidFill>
+        <a:round/>
+      </a:ln>
+    </cs:spPr>
+  </cs:gridlineMajor>
+  <cs:gridlineMinor>
+    <cs:lnRef idx="0"/>
+    <cs:fillRef idx="0"/>
+    <cs:effectRef idx="0"/>
+    <cs:fontRef idx="minor">
+      <a:schemeClr val="tx1"/>
+    </cs:fontRef>
+    <cs:spPr>
+      <a:ln>
+        <a:solidFill>
+          <a:schemeClr val="lt1">
+            <a:lumMod val="95000"/>
+            <a:alpha val="5000"/>
+          </a:schemeClr>
+        </a:solidFill>
+      </a:ln>
+    </cs:spPr>
+  </cs:gridlineMinor>
+  <cs:hiLoLine>
+    <cs:lnRef idx="0"/>
+    <cs:fillRef idx="0"/>
+    <cs:effectRef idx="0"/>
+    <cs:fontRef idx="minor">
+      <a:schemeClr val="tx1"/>
+    </cs:fontRef>
+    <cs:spPr>
+      <a:ln w="9525">
+        <a:solidFill>
+          <a:schemeClr val="lt1">
+            <a:lumMod val="95000"/>
+            <a:alpha val="54000"/>
+          </a:schemeClr>
+        </a:solidFill>
+        <a:prstDash val="dash"/>
+      </a:ln>
+    </cs:spPr>
+  </cs:hiLoLine>
+  <cs:leaderLine>
+    <cs:lnRef idx="0"/>
+    <cs:fillRef idx="0"/>
+    <cs:effectRef idx="0"/>
+    <cs:fontRef idx="minor">
+      <a:schemeClr val="tx1"/>
+    </cs:fontRef>
+    <cs:spPr>
+      <a:ln w="9525">
+        <a:solidFill>
+          <a:schemeClr val="lt1">
+            <a:lumMod val="95000"/>
+            <a:alpha val="54000"/>
+          </a:schemeClr>
+        </a:solidFill>
+      </a:ln>
+    </cs:spPr>
+  </cs:leaderLine>
+  <cs:legend>
+    <cs:lnRef idx="0"/>
+    <cs:fillRef idx="0"/>
+    <cs:effectRef idx="0"/>
+    <cs:fontRef idx="minor">
+      <a:schemeClr val="lt1">
+        <a:lumMod val="85000"/>
+      </a:schemeClr>
+    </cs:fontRef>
+    <cs:defRPr sz="1197" kern="1200"/>
+  </cs:legend>
+  <cs:plotArea>
+    <cs:lnRef idx="0"/>
+    <cs:fillRef idx="0"/>
+    <cs:effectRef idx="0"/>
+    <cs:fontRef idx="minor">
+      <a:schemeClr val="tx1"/>
+    </cs:fontRef>
+  </cs:plotArea>
+  <cs:plotArea3D>
+    <cs:lnRef idx="0"/>
+    <cs:fillRef idx="0"/>
+    <cs:effectRef idx="0"/>
+    <cs:fontRef idx="minor">
+      <a:schemeClr val="tx1"/>
+    </cs:fontRef>
+  </cs:plotArea3D>
+  <cs:seriesAxis>
+    <cs:lnRef idx="0"/>
+    <cs:fillRef idx="0"/>
+    <cs:effectRef idx="0"/>
+    <cs:fontRef idx="minor">
+      <a:schemeClr val="lt1">
+        <a:lumMod val="85000"/>
+      </a:schemeClr>
+    </cs:fontRef>
+    <cs:spPr>
+      <a:ln w="12700" cap="flat" cmpd="sng" algn="ctr">
+        <a:solidFill>
+          <a:schemeClr val="lt1">
+            <a:lumMod val="95000"/>
+            <a:alpha val="54000"/>
+          </a:schemeClr>
+        </a:solidFill>
+        <a:round/>
+      </a:ln>
+    </cs:spPr>
+    <cs:defRPr sz="1197" kern="1200"/>
+  </cs:seriesAxis>
+  <cs:seriesLine>
+    <cs:lnRef idx="0"/>
+    <cs:fillRef idx="0"/>
+    <cs:effectRef idx="0"/>
+    <cs:fontRef idx="minor">
+      <a:schemeClr val="lt1"/>
+    </cs:fontRef>
+    <cs:spPr>
+      <a:ln w="9525" cap="flat" cmpd="sng" algn="ctr">
+        <a:solidFill>
+          <a:schemeClr val="lt1">
+            <a:lumMod val="95000"/>
+            <a:alpha val="54000"/>
+          </a:schemeClr>
+        </a:solidFill>
+        <a:round/>
+      </a:ln>
+    </cs:spPr>
+  </cs:seriesLine>
+  <cs:title>
+    <cs:lnRef idx="0"/>
+    <cs:fillRef idx="0"/>
+    <cs:effectRef idx="0"/>
+    <cs:fontRef idx="minor">
+      <a:schemeClr val="lt1">
+        <a:lumMod val="95000"/>
+      </a:schemeClr>
+    </cs:fontRef>
+    <cs:defRPr sz="2128" b="1" kern="1200" spc="100" baseline="0">
+      <a:effectLst>
+        <a:outerShdw blurRad="50800" dist="38100" dir="5400000" algn="t" rotWithShape="0">
+          <a:prstClr val="black">
+            <a:alpha val="40000"/>
+          </a:prstClr>
+        </a:outerShdw>
+      </a:effectLst>
+    </cs:defRPr>
+  </cs:title>
+  <cs:trendline>
+    <cs:lnRef idx="0">
+      <cs:styleClr val="auto"/>
+    </cs:lnRef>
+    <cs:fillRef idx="0"/>
+    <cs:effectRef idx="0"/>
+    <cs:fontRef idx="minor">
+      <a:schemeClr val="tx1"/>
+    </cs:fontRef>
+    <cs:spPr>
+      <a:ln w="19050" cap="rnd">
+        <a:solidFill>
+          <a:schemeClr val="phClr"/>
+        </a:solidFill>
+      </a:ln>
+    </cs:spPr>
+  </cs:trendline>
+  <cs:trendlineLabel>
+    <cs:lnRef idx="0"/>
+    <cs:fillRef idx="0"/>
+    <cs:effectRef idx="0"/>
+    <cs:fontRef idx="minor">
+      <a:schemeClr val="lt1">
+        <a:lumMod val="85000"/>
+      </a:schemeClr>
+    </cs:fontRef>
+    <cs:defRPr sz="1197" kern="1200"/>
+  </cs:trendlineLabel>
+  <cs:upBar>
+    <cs:lnRef idx="0"/>
+    <cs:fillRef idx="0"/>
+    <cs:effectRef idx="0"/>
+    <cs:fontRef idx="minor">
+      <a:schemeClr val="tx1"/>
+    </cs:fontRef>
+    <cs:spPr>
+      <a:solidFill>
+        <a:schemeClr val="lt1"/>
+      </a:solidFill>
+      <a:ln w="9525">
+        <a:solidFill>
+          <a:schemeClr val="lt1">
+            <a:lumMod val="95000"/>
+            <a:alpha val="54000"/>
+          </a:schemeClr>
+        </a:solidFill>
+      </a:ln>
+    </cs:spPr>
+  </cs:upBar>
+  <cs:valueAxis>
+    <cs:lnRef idx="0"/>
+    <cs:fillRef idx="0"/>
+    <cs:effectRef idx="0"/>
+    <cs:fontRef idx="minor">
+      <a:schemeClr val="lt1">
+        <a:lumMod val="85000"/>
+      </a:schemeClr>
+    </cs:fontRef>
+    <cs:defRPr sz="1197" kern="1200"/>
+  </cs:valueAxis>
+  <cs:wall>
+    <cs:lnRef idx="0"/>
+    <cs:fillRef idx="0"/>
+    <cs:effectRef idx="0"/>
+    <cs:fontRef idx="minor">
+      <a:schemeClr val="tx1"/>
+    </cs:fontRef>
+  </cs:wall>
+</cs:chartStyle>
+</file>
+
+<file path=ppt/charts/style3.xml><?xml version="1.0" encoding="utf-8"?>
+<cs:chartStyle xmlns:cs="http://schemas.microsoft.com/office/drawing/2012/chartStyle" xmlns:a="http://schemas.openxmlformats.org/drawingml/2006/main" id="257">
+  <cs:axisTitle>
+    <cs:lnRef idx="0"/>
+    <cs:fillRef idx="0"/>
+    <cs:effectRef idx="0"/>
+    <cs:fontRef idx="minor">
+      <a:schemeClr val="lt1">
+        <a:lumMod val="85000"/>
+      </a:schemeClr>
+    </cs:fontRef>
+    <cs:defRPr sz="1197" b="1" kern="1200" cap="all"/>
+  </cs:axisTitle>
+  <cs:categoryAxis>
+    <cs:lnRef idx="0"/>
+    <cs:fillRef idx="0"/>
+    <cs:effectRef idx="0"/>
+    <cs:fontRef idx="minor">
+      <a:schemeClr val="lt1">
+        <a:lumMod val="85000"/>
+      </a:schemeClr>
+    </cs:fontRef>
+    <cs:spPr>
+      <a:ln w="12700" cap="flat" cmpd="sng" algn="ctr">
+        <a:solidFill>
+          <a:schemeClr val="lt1">
+            <a:lumMod val="95000"/>
+            <a:alpha val="54000"/>
+          </a:schemeClr>
+        </a:solidFill>
+        <a:round/>
+      </a:ln>
+    </cs:spPr>
+    <cs:defRPr sz="1197" kern="1200"/>
+  </cs:categoryAxis>
+  <cs:chartArea>
+    <cs:lnRef idx="0"/>
+    <cs:fillRef idx="0"/>
+    <cs:effectRef idx="0"/>
+    <cs:fontRef idx="minor">
+      <a:schemeClr val="dk1"/>
+    </cs:fontRef>
+    <cs:spPr>
+      <a:gradFill flip="none" rotWithShape="1">
+        <a:gsLst>
+          <a:gs pos="0">
+            <a:schemeClr val="dk1">
+              <a:lumMod val="65000"/>
+              <a:lumOff val="35000"/>
+            </a:schemeClr>
+          </a:gs>
+          <a:gs pos="100000">
+            <a:schemeClr val="dk1">
+              <a:lumMod val="85000"/>
+              <a:lumOff val="15000"/>
+            </a:schemeClr>
+          </a:gs>
+        </a:gsLst>
+        <a:path path="circle">
+          <a:fillToRect l="50000" t="50000" r="50000" b="50000"/>
+        </a:path>
+        <a:tileRect/>
+      </a:gradFill>
+    </cs:spPr>
+    <cs:defRPr sz="1330" kern="1200"/>
+  </cs:chartArea>
+  <cs:dataLabel>
+    <cs:lnRef idx="0"/>
+    <cs:fillRef idx="0"/>
+    <cs:effectRef idx="0"/>
+    <cs:fontRef idx="minor">
+      <a:schemeClr val="lt1">
+        <a:lumMod val="85000"/>
+      </a:schemeClr>
+    </cs:fontRef>
+    <cs:defRPr sz="1197" kern="1200"/>
+  </cs:dataLabel>
+  <cs:dataLabelCallout>
+    <cs:lnRef idx="0"/>
+    <cs:fillRef idx="0"/>
+    <cs:effectRef idx="0"/>
+    <cs:fontRef idx="minor">
+      <a:schemeClr val="dk1">
+        <a:lumMod val="65000"/>
+        <a:lumOff val="35000"/>
+      </a:schemeClr>
+    </cs:fontRef>
+    <cs:spPr>
+      <a:solidFill>
+        <a:schemeClr val="lt1"/>
+      </a:solidFill>
+    </cs:spPr>
+    <cs:defRPr sz="1197" kern="1200"/>
+    <cs:bodyPr rot="0" spcFirstLastPara="1" vertOverflow="clip" horzOverflow="clip" vert="horz" wrap="square" lIns="36576" tIns="18288" rIns="36576" bIns="18288" anchor="ctr" anchorCtr="1">
+      <a:spAutoFit/>
+    </cs:bodyPr>
+  </cs:dataLabelCallout>
+  <cs:dataPoint>
+    <cs:lnRef idx="0"/>
+    <cs:fillRef idx="3">
+      <cs:styleClr val="auto"/>
+    </cs:fillRef>
+    <cs:effectRef idx="3"/>
+    <cs:fontRef idx="minor">
+      <a:schemeClr val="tx1"/>
+    </cs:fontRef>
+  </cs:dataPoint>
+  <cs:dataPoint3D>
+    <cs:lnRef idx="0"/>
+    <cs:fillRef idx="3">
+      <cs:styleClr val="auto"/>
+    </cs:fillRef>
+    <cs:effectRef idx="3"/>
+    <cs:fontRef idx="minor">
+      <a:schemeClr val="tx1"/>
+    </cs:fontRef>
+  </cs:dataPoint3D>
+  <cs:dataPointLine>
+    <cs:lnRef idx="0">
+      <cs:styleClr val="auto"/>
+    </cs:lnRef>
+    <cs:fillRef idx="3"/>
+    <cs:effectRef idx="3"/>
+    <cs:fontRef idx="minor">
+      <a:schemeClr val="tx1"/>
+    </cs:fontRef>
+    <cs:spPr>
+      <a:ln w="34925" cap="rnd">
+        <a:solidFill>
+          <a:schemeClr val="phClr"/>
+        </a:solidFill>
+        <a:round/>
+      </a:ln>
+    </cs:spPr>
+  </cs:dataPointLine>
+  <cs:dataPointMarker>
+    <cs:lnRef idx="0">
+      <cs:styleClr val="auto"/>
+    </cs:lnRef>
+    <cs:fillRef idx="3">
+      <cs:styleClr val="auto"/>
+    </cs:fillRef>
+    <cs:effectRef idx="3"/>
+    <cs:fontRef idx="minor">
+      <a:schemeClr val="tx1"/>
+    </cs:fontRef>
+    <cs:spPr>
+      <a:ln w="9525">
+        <a:solidFill>
+          <a:schemeClr val="phClr"/>
+        </a:solidFill>
+        <a:round/>
+      </a:ln>
+    </cs:spPr>
+  </cs:dataPointMarker>
+  <cs:dataPointMarkerLayout symbol="circle" size="6"/>
+  <cs:dataPointWireframe>
+    <cs:lnRef idx="0">
+      <cs:styleClr val="auto"/>
+    </cs:lnRef>
+    <cs:fillRef idx="3"/>
+    <cs:effectRef idx="3"/>
+    <cs:fontRef idx="minor">
+      <a:schemeClr val="tx1"/>
+    </cs:fontRef>
+    <cs:spPr>
+      <a:ln w="9525" cap="rnd">
+        <a:solidFill>
+          <a:schemeClr val="phClr"/>
+        </a:solidFill>
+        <a:round/>
+      </a:ln>
+    </cs:spPr>
+  </cs:dataPointWireframe>
+  <cs:dataTable>
+    <cs:lnRef idx="0"/>
+    <cs:fillRef idx="0"/>
+    <cs:effectRef idx="0"/>
+    <cs:fontRef idx="minor">
+      <a:schemeClr val="lt1">
+        <a:lumMod val="85000"/>
+      </a:schemeClr>
+    </cs:fontRef>
+    <cs:spPr>
+      <a:ln w="9525">
+        <a:solidFill>
+          <a:schemeClr val="lt1">
+            <a:lumMod val="95000"/>
+            <a:alpha val="54000"/>
+          </a:schemeClr>
+        </a:solidFill>
+      </a:ln>
+    </cs:spPr>
+    <cs:defRPr sz="1197" kern="1200"/>
+  </cs:dataTable>
+  <cs:downBar>
+    <cs:lnRef idx="0"/>
+    <cs:fillRef idx="0"/>
+    <cs:effectRef idx="0"/>
+    <cs:fontRef idx="minor">
+      <a:schemeClr val="tx1"/>
+    </cs:fontRef>
+    <cs:spPr>
+      <a:solidFill>
+        <a:schemeClr val="dk1">
+          <a:lumMod val="75000"/>
+          <a:lumOff val="25000"/>
+        </a:schemeClr>
+      </a:solidFill>
+      <a:ln w="9525">
+        <a:solidFill>
+          <a:schemeClr val="lt1">
+            <a:lumMod val="95000"/>
+            <a:alpha val="54000"/>
+          </a:schemeClr>
+        </a:solidFill>
+      </a:ln>
+    </cs:spPr>
+  </cs:downBar>
+  <cs:dropLine>
+    <cs:lnRef idx="0"/>
+    <cs:fillRef idx="0"/>
+    <cs:effectRef idx="0"/>
+    <cs:fontRef idx="minor">
+      <a:schemeClr val="tx1"/>
+    </cs:fontRef>
+    <cs:spPr>
+      <a:ln w="9525">
+        <a:solidFill>
+          <a:schemeClr val="lt1">
+            <a:lumMod val="95000"/>
+            <a:alpha val="54000"/>
+          </a:schemeClr>
+        </a:solidFill>
+        <a:prstDash val="dash"/>
+      </a:ln>
+    </cs:spPr>
+  </cs:dropLine>
+  <cs:errorBar>
+    <cs:lnRef idx="0"/>
+    <cs:fillRef idx="0"/>
+    <cs:effectRef idx="0"/>
+    <cs:fontRef idx="minor">
+      <a:schemeClr val="tx1"/>
+    </cs:fontRef>
+    <cs:spPr>
+      <a:ln w="9525" cap="flat" cmpd="sng" algn="ctr">
+        <a:solidFill>
+          <a:schemeClr val="lt1">
+            <a:lumMod val="95000"/>
+          </a:schemeClr>
+        </a:solidFill>
+        <a:round/>
+      </a:ln>
+    </cs:spPr>
+  </cs:errorBar>
+  <cs:floor>
+    <cs:lnRef idx="0"/>
+    <cs:fillRef idx="0"/>
+    <cs:effectRef idx="0"/>
+    <cs:fontRef idx="minor">
+      <a:schemeClr val="tx1"/>
+    </cs:fontRef>
+  </cs:floor>
+  <cs:gridlineMajor>
+    <cs:lnRef idx="0"/>
+    <cs:fillRef idx="0"/>
+    <cs:effectRef idx="0"/>
+    <cs:fontRef idx="minor">
+      <a:schemeClr val="tx1"/>
+    </cs:fontRef>
+    <cs:spPr>
+      <a:ln w="9525" cap="flat" cmpd="sng" algn="ctr">
+        <a:solidFill>
+          <a:schemeClr val="lt1">
+            <a:lumMod val="95000"/>
+            <a:alpha val="10000"/>
+          </a:schemeClr>
+        </a:solidFill>
+        <a:round/>
+      </a:ln>
+    </cs:spPr>
+  </cs:gridlineMajor>
+  <cs:gridlineMinor>
+    <cs:lnRef idx="0"/>
+    <cs:fillRef idx="0"/>
+    <cs:effectRef idx="0"/>
+    <cs:fontRef idx="minor">
+      <a:schemeClr val="tx1"/>
+    </cs:fontRef>
+    <cs:spPr>
+      <a:ln>
+        <a:solidFill>
+          <a:schemeClr val="lt1">
+            <a:lumMod val="95000"/>
+            <a:alpha val="5000"/>
+          </a:schemeClr>
+        </a:solidFill>
+      </a:ln>
+    </cs:spPr>
+  </cs:gridlineMinor>
+  <cs:hiLoLine>
+    <cs:lnRef idx="0"/>
+    <cs:fillRef idx="0"/>
+    <cs:effectRef idx="0"/>
+    <cs:fontRef idx="minor">
+      <a:schemeClr val="tx1"/>
+    </cs:fontRef>
+    <cs:spPr>
+      <a:ln w="9525">
+        <a:solidFill>
+          <a:schemeClr val="lt1">
+            <a:lumMod val="95000"/>
+            <a:alpha val="54000"/>
+          </a:schemeClr>
+        </a:solidFill>
+        <a:prstDash val="dash"/>
+      </a:ln>
+    </cs:spPr>
+  </cs:hiLoLine>
+  <cs:leaderLine>
+    <cs:lnRef idx="0"/>
+    <cs:fillRef idx="0"/>
+    <cs:effectRef idx="0"/>
+    <cs:fontRef idx="minor">
+      <a:schemeClr val="tx1"/>
+    </cs:fontRef>
+    <cs:spPr>
+      <a:ln w="9525">
+        <a:solidFill>
+          <a:schemeClr val="lt1">
+            <a:lumMod val="95000"/>
+            <a:alpha val="54000"/>
+          </a:schemeClr>
+        </a:solidFill>
+      </a:ln>
+    </cs:spPr>
+  </cs:leaderLine>
+  <cs:legend>
+    <cs:lnRef idx="0"/>
+    <cs:fillRef idx="0"/>
+    <cs:effectRef idx="0"/>
+    <cs:fontRef idx="minor">
+      <a:schemeClr val="lt1">
+        <a:lumMod val="85000"/>
+      </a:schemeClr>
+    </cs:fontRef>
+    <cs:defRPr sz="1197" kern="1200"/>
+  </cs:legend>
+  <cs:plotArea>
+    <cs:lnRef idx="0"/>
+    <cs:fillRef idx="0"/>
+    <cs:effectRef idx="0"/>
+    <cs:fontRef idx="minor">
+      <a:schemeClr val="tx1"/>
+    </cs:fontRef>
+  </cs:plotArea>
+  <cs:plotArea3D>
+    <cs:lnRef idx="0"/>
+    <cs:fillRef idx="0"/>
+    <cs:effectRef idx="0"/>
+    <cs:fontRef idx="minor">
+      <a:schemeClr val="tx1"/>
+    </cs:fontRef>
+  </cs:plotArea3D>
+  <cs:seriesAxis>
+    <cs:lnRef idx="0"/>
+    <cs:fillRef idx="0"/>
+    <cs:effectRef idx="0"/>
+    <cs:fontRef idx="minor">
+      <a:schemeClr val="lt1">
+        <a:lumMod val="85000"/>
+      </a:schemeClr>
+    </cs:fontRef>
+    <cs:spPr>
+      <a:ln w="12700" cap="flat" cmpd="sng" algn="ctr">
+        <a:solidFill>
+          <a:schemeClr val="lt1">
+            <a:lumMod val="95000"/>
+            <a:alpha val="54000"/>
+          </a:schemeClr>
+        </a:solidFill>
+        <a:round/>
+      </a:ln>
+    </cs:spPr>
+    <cs:defRPr sz="1197" kern="1200"/>
+  </cs:seriesAxis>
+  <cs:seriesLine>
+    <cs:lnRef idx="0"/>
+    <cs:fillRef idx="0"/>
+    <cs:effectRef idx="0"/>
+    <cs:fontRef idx="minor">
+      <a:schemeClr val="lt1"/>
+    </cs:fontRef>
+    <cs:spPr>
+      <a:ln w="9525" cap="flat" cmpd="sng" algn="ctr">
+        <a:solidFill>
+          <a:schemeClr val="lt1">
+            <a:lumMod val="95000"/>
+            <a:alpha val="54000"/>
+          </a:schemeClr>
+        </a:solidFill>
+        <a:round/>
+      </a:ln>
+    </cs:spPr>
+  </cs:seriesLine>
+  <cs:title>
+    <cs:lnRef idx="0"/>
+    <cs:fillRef idx="0"/>
+    <cs:effectRef idx="0"/>
+    <cs:fontRef idx="minor">
+      <a:schemeClr val="lt1">
+        <a:lumMod val="95000"/>
+      </a:schemeClr>
+    </cs:fontRef>
+    <cs:defRPr sz="2128" b="1" kern="1200" spc="100" baseline="0">
+      <a:effectLst>
+        <a:outerShdw blurRad="50800" dist="38100" dir="5400000" algn="t" rotWithShape="0">
+          <a:prstClr val="black">
+            <a:alpha val="40000"/>
+          </a:prstClr>
+        </a:outerShdw>
+      </a:effectLst>
+    </cs:defRPr>
+  </cs:title>
+  <cs:trendline>
+    <cs:lnRef idx="0">
+      <cs:styleClr val="auto"/>
+    </cs:lnRef>
+    <cs:fillRef idx="0"/>
+    <cs:effectRef idx="0"/>
+    <cs:fontRef idx="minor">
+      <a:schemeClr val="tx1"/>
+    </cs:fontRef>
+    <cs:spPr>
+      <a:ln w="19050" cap="rnd">
+        <a:solidFill>
+          <a:schemeClr val="phClr"/>
+        </a:solidFill>
+      </a:ln>
+    </cs:spPr>
+  </cs:trendline>
+  <cs:trendlineLabel>
+    <cs:lnRef idx="0"/>
+    <cs:fillRef idx="0"/>
+    <cs:effectRef idx="0"/>
+    <cs:fontRef idx="minor">
+      <a:schemeClr val="lt1">
+        <a:lumMod val="85000"/>
+      </a:schemeClr>
+    </cs:fontRef>
+    <cs:defRPr sz="1197" kern="1200"/>
+  </cs:trendlineLabel>
+  <cs:upBar>
+    <cs:lnRef idx="0"/>
+    <cs:fillRef idx="0"/>
+    <cs:effectRef idx="0"/>
+    <cs:fontRef idx="minor">
+      <a:schemeClr val="tx1"/>
+    </cs:fontRef>
+    <cs:spPr>
+      <a:solidFill>
+        <a:schemeClr val="lt1"/>
+      </a:solidFill>
+      <a:ln w="9525">
+        <a:solidFill>
+          <a:schemeClr val="lt1">
+            <a:lumMod val="95000"/>
+            <a:alpha val="54000"/>
+          </a:schemeClr>
+        </a:solidFill>
+      </a:ln>
+    </cs:spPr>
+  </cs:upBar>
+  <cs:valueAxis>
+    <cs:lnRef idx="0"/>
+    <cs:fillRef idx="0"/>
+    <cs:effectRef idx="0"/>
+    <cs:fontRef idx="minor">
+      <a:schemeClr val="lt1">
+        <a:lumMod val="85000"/>
+      </a:schemeClr>
+    </cs:fontRef>
+    <cs:defRPr sz="1197" kern="1200"/>
+  </cs:valueAxis>
+  <cs:wall>
+    <cs:lnRef idx="0"/>
+    <cs:fillRef idx="0"/>
+    <cs:effectRef idx="0"/>
+    <cs:fontRef idx="minor">
+      <a:schemeClr val="tx1"/>
+    </cs:fontRef>
+  </cs:wall>
+</cs:chartStyle>
+</file>
+
+<file path=ppt/charts/style4.xml><?xml version="1.0" encoding="utf-8"?>
+<cs:chartStyle xmlns:cs="http://schemas.microsoft.com/office/drawing/2012/chartStyle" xmlns:a="http://schemas.openxmlformats.org/drawingml/2006/main" id="257">
+  <cs:axisTitle>
+    <cs:lnRef idx="0"/>
+    <cs:fillRef idx="0"/>
+    <cs:effectRef idx="0"/>
+    <cs:fontRef idx="minor">
+      <a:schemeClr val="lt1">
+        <a:lumMod val="85000"/>
+      </a:schemeClr>
+    </cs:fontRef>
+    <cs:defRPr sz="1197" b="1" kern="1200" cap="all"/>
+  </cs:axisTitle>
+  <cs:categoryAxis>
+    <cs:lnRef idx="0"/>
+    <cs:fillRef idx="0"/>
+    <cs:effectRef idx="0"/>
+    <cs:fontRef idx="minor">
+      <a:schemeClr val="lt1">
+        <a:lumMod val="85000"/>
+      </a:schemeClr>
+    </cs:fontRef>
+    <cs:spPr>
+      <a:ln w="12700" cap="flat" cmpd="sng" algn="ctr">
+        <a:solidFill>
+          <a:schemeClr val="lt1">
+            <a:lumMod val="95000"/>
+            <a:alpha val="54000"/>
+          </a:schemeClr>
+        </a:solidFill>
+        <a:round/>
+      </a:ln>
+    </cs:spPr>
+    <cs:defRPr sz="1197" kern="1200"/>
+  </cs:categoryAxis>
+  <cs:chartArea>
+    <cs:lnRef idx="0"/>
+    <cs:fillRef idx="0"/>
+    <cs:effectRef idx="0"/>
+    <cs:fontRef idx="minor">
+      <a:schemeClr val="dk1"/>
+    </cs:fontRef>
+    <cs:spPr>
+      <a:gradFill flip="none" rotWithShape="1">
+        <a:gsLst>
+          <a:gs pos="0">
+            <a:schemeClr val="dk1">
+              <a:lumMod val="65000"/>
+              <a:lumOff val="35000"/>
+            </a:schemeClr>
+          </a:gs>
+          <a:gs pos="100000">
+            <a:schemeClr val="dk1">
+              <a:lumMod val="85000"/>
+              <a:lumOff val="15000"/>
+            </a:schemeClr>
+          </a:gs>
+        </a:gsLst>
+        <a:path path="circle">
+          <a:fillToRect l="50000" t="50000" r="50000" b="50000"/>
+        </a:path>
+        <a:tileRect/>
+      </a:gradFill>
+    </cs:spPr>
+    <cs:defRPr sz="1330" kern="1200"/>
+  </cs:chartArea>
+  <cs:dataLabel>
+    <cs:lnRef idx="0"/>
+    <cs:fillRef idx="0"/>
+    <cs:effectRef idx="0"/>
+    <cs:fontRef idx="minor">
+      <a:schemeClr val="lt1">
+        <a:lumMod val="85000"/>
+      </a:schemeClr>
+    </cs:fontRef>
+    <cs:defRPr sz="1197" kern="1200"/>
+  </cs:dataLabel>
+  <cs:dataLabelCallout>
+    <cs:lnRef idx="0"/>
+    <cs:fillRef idx="0"/>
+    <cs:effectRef idx="0"/>
+    <cs:fontRef idx="minor">
+      <a:schemeClr val="dk1">
+        <a:lumMod val="65000"/>
+        <a:lumOff val="35000"/>
+      </a:schemeClr>
+    </cs:fontRef>
+    <cs:spPr>
+      <a:solidFill>
+        <a:schemeClr val="lt1"/>
+      </a:solidFill>
+    </cs:spPr>
+    <cs:defRPr sz="1197" kern="1200"/>
+    <cs:bodyPr rot="0" spcFirstLastPara="1" vertOverflow="clip" horzOverflow="clip" vert="horz" wrap="square" lIns="36576" tIns="18288" rIns="36576" bIns="18288" anchor="ctr" anchorCtr="1">
+      <a:spAutoFit/>
+    </cs:bodyPr>
+  </cs:dataLabelCallout>
+  <cs:dataPoint>
+    <cs:lnRef idx="0"/>
+    <cs:fillRef idx="3">
+      <cs:styleClr val="auto"/>
+    </cs:fillRef>
+    <cs:effectRef idx="3"/>
+    <cs:fontRef idx="minor">
+      <a:schemeClr val="tx1"/>
+    </cs:fontRef>
+  </cs:dataPoint>
+  <cs:dataPoint3D>
+    <cs:lnRef idx="0"/>
+    <cs:fillRef idx="3">
+      <cs:styleClr val="auto"/>
+    </cs:fillRef>
+    <cs:effectRef idx="3"/>
+    <cs:fontRef idx="minor">
+      <a:schemeClr val="tx1"/>
+    </cs:fontRef>
+  </cs:dataPoint3D>
+  <cs:dataPointLine>
+    <cs:lnRef idx="0">
+      <cs:styleClr val="auto"/>
+    </cs:lnRef>
+    <cs:fillRef idx="3"/>
+    <cs:effectRef idx="3"/>
+    <cs:fontRef idx="minor">
+      <a:schemeClr val="tx1"/>
+    </cs:fontRef>
+    <cs:spPr>
+      <a:ln w="34925" cap="rnd">
+        <a:solidFill>
+          <a:schemeClr val="phClr"/>
+        </a:solidFill>
+        <a:round/>
+      </a:ln>
+    </cs:spPr>
+  </cs:dataPointLine>
+  <cs:dataPointMarker>
+    <cs:lnRef idx="0">
+      <cs:styleClr val="auto"/>
+    </cs:lnRef>
+    <cs:fillRef idx="3">
+      <cs:styleClr val="auto"/>
+    </cs:fillRef>
+    <cs:effectRef idx="3"/>
+    <cs:fontRef idx="minor">
+      <a:schemeClr val="tx1"/>
+    </cs:fontRef>
+    <cs:spPr>
+      <a:ln w="9525">
+        <a:solidFill>
+          <a:schemeClr val="phClr"/>
+        </a:solidFill>
+        <a:round/>
+      </a:ln>
+    </cs:spPr>
+  </cs:dataPointMarker>
+  <cs:dataPointMarkerLayout symbol="circle" size="6"/>
+  <cs:dataPointWireframe>
+    <cs:lnRef idx="0">
+      <cs:styleClr val="auto"/>
+    </cs:lnRef>
+    <cs:fillRef idx="3"/>
+    <cs:effectRef idx="3"/>
+    <cs:fontRef idx="minor">
+      <a:schemeClr val="tx1"/>
+    </cs:fontRef>
+    <cs:spPr>
+      <a:ln w="9525" cap="rnd">
+        <a:solidFill>
+          <a:schemeClr val="phClr"/>
+        </a:solidFill>
+        <a:round/>
+      </a:ln>
+    </cs:spPr>
+  </cs:dataPointWireframe>
+  <cs:dataTable>
+    <cs:lnRef idx="0"/>
+    <cs:fillRef idx="0"/>
+    <cs:effectRef idx="0"/>
+    <cs:fontRef idx="minor">
+      <a:schemeClr val="lt1">
+        <a:lumMod val="85000"/>
+      </a:schemeClr>
+    </cs:fontRef>
+    <cs:spPr>
+      <a:ln w="9525">
+        <a:solidFill>
+          <a:schemeClr val="lt1">
+            <a:lumMod val="95000"/>
+            <a:alpha val="54000"/>
+          </a:schemeClr>
+        </a:solidFill>
+      </a:ln>
+    </cs:spPr>
+    <cs:defRPr sz="1197" kern="1200"/>
+  </cs:dataTable>
+  <cs:downBar>
+    <cs:lnRef idx="0"/>
+    <cs:fillRef idx="0"/>
+    <cs:effectRef idx="0"/>
+    <cs:fontRef idx="minor">
+      <a:schemeClr val="tx1"/>
+    </cs:fontRef>
+    <cs:spPr>
+      <a:solidFill>
+        <a:schemeClr val="dk1">
+          <a:lumMod val="75000"/>
+          <a:lumOff val="25000"/>
+        </a:schemeClr>
+      </a:solidFill>
+      <a:ln w="9525">
+        <a:solidFill>
+          <a:schemeClr val="lt1">
+            <a:lumMod val="95000"/>
+            <a:alpha val="54000"/>
+          </a:schemeClr>
+        </a:solidFill>
+      </a:ln>
+    </cs:spPr>
+  </cs:downBar>
+  <cs:dropLine>
+    <cs:lnRef idx="0"/>
+    <cs:fillRef idx="0"/>
+    <cs:effectRef idx="0"/>
+    <cs:fontRef idx="minor">
+      <a:schemeClr val="tx1"/>
+    </cs:fontRef>
+    <cs:spPr>
+      <a:ln w="9525">
+        <a:solidFill>
+          <a:schemeClr val="lt1">
+            <a:lumMod val="95000"/>
+            <a:alpha val="54000"/>
+          </a:schemeClr>
+        </a:solidFill>
+        <a:prstDash val="dash"/>
+      </a:ln>
+    </cs:spPr>
+  </cs:dropLine>
+  <cs:errorBar>
+    <cs:lnRef idx="0"/>
+    <cs:fillRef idx="0"/>
+    <cs:effectRef idx="0"/>
+    <cs:fontRef idx="minor">
+      <a:schemeClr val="tx1"/>
+    </cs:fontRef>
+    <cs:spPr>
+      <a:ln w="9525" cap="flat" cmpd="sng" algn="ctr">
+        <a:solidFill>
+          <a:schemeClr val="lt1">
+            <a:lumMod val="95000"/>
+          </a:schemeClr>
+        </a:solidFill>
+        <a:round/>
+      </a:ln>
+    </cs:spPr>
+  </cs:errorBar>
+  <cs:floor>
+    <cs:lnRef idx="0"/>
+    <cs:fillRef idx="0"/>
+    <cs:effectRef idx="0"/>
+    <cs:fontRef idx="minor">
+      <a:schemeClr val="tx1"/>
+    </cs:fontRef>
+  </cs:floor>
+  <cs:gridlineMajor>
+    <cs:lnRef idx="0"/>
+    <cs:fillRef idx="0"/>
+    <cs:effectRef idx="0"/>
+    <cs:fontRef idx="minor">
+      <a:schemeClr val="tx1"/>
+    </cs:fontRef>
+    <cs:spPr>
+      <a:ln w="9525" cap="flat" cmpd="sng" algn="ctr">
+        <a:solidFill>
+          <a:schemeClr val="lt1">
+            <a:lumMod val="95000"/>
+            <a:alpha val="10000"/>
+          </a:schemeClr>
+        </a:solidFill>
+        <a:round/>
+      </a:ln>
+    </cs:spPr>
+  </cs:gridlineMajor>
+  <cs:gridlineMinor>
+    <cs:lnRef idx="0"/>
+    <cs:fillRef idx="0"/>
+    <cs:effectRef idx="0"/>
+    <cs:fontRef idx="minor">
+      <a:schemeClr val="tx1"/>
+    </cs:fontRef>
+    <cs:spPr>
+      <a:ln>
+        <a:solidFill>
+          <a:schemeClr val="lt1">
+            <a:lumMod val="95000"/>
+            <a:alpha val="5000"/>
+          </a:schemeClr>
+        </a:solidFill>
+      </a:ln>
+    </cs:spPr>
+  </cs:gridlineMinor>
+  <cs:hiLoLine>
+    <cs:lnRef idx="0"/>
+    <cs:fillRef idx="0"/>
+    <cs:effectRef idx="0"/>
+    <cs:fontRef idx="minor">
+      <a:schemeClr val="tx1"/>
+    </cs:fontRef>
+    <cs:spPr>
+      <a:ln w="9525">
+        <a:solidFill>
+          <a:schemeClr val="lt1">
+            <a:lumMod val="95000"/>
+            <a:alpha val="54000"/>
+          </a:schemeClr>
+        </a:solidFill>
+        <a:prstDash val="dash"/>
+      </a:ln>
+    </cs:spPr>
+  </cs:hiLoLine>
+  <cs:leaderLine>
+    <cs:lnRef idx="0"/>
+    <cs:fillRef idx="0"/>
+    <cs:effectRef idx="0"/>
+    <cs:fontRef idx="minor">
+      <a:schemeClr val="tx1"/>
+    </cs:fontRef>
+    <cs:spPr>
+      <a:ln w="9525">
+        <a:solidFill>
+          <a:schemeClr val="lt1">
+            <a:lumMod val="95000"/>
+            <a:alpha val="54000"/>
+          </a:schemeClr>
+        </a:solidFill>
+      </a:ln>
+    </cs:spPr>
+  </cs:leaderLine>
+  <cs:legend>
+    <cs:lnRef idx="0"/>
+    <cs:fillRef idx="0"/>
+    <cs:effectRef idx="0"/>
+    <cs:fontRef idx="minor">
+      <a:schemeClr val="lt1">
+        <a:lumMod val="85000"/>
+      </a:schemeClr>
+    </cs:fontRef>
+    <cs:defRPr sz="1197" kern="1200"/>
+  </cs:legend>
+  <cs:plotArea>
+    <cs:lnRef idx="0"/>
+    <cs:fillRef idx="0"/>
+    <cs:effectRef idx="0"/>
+    <cs:fontRef idx="minor">
+      <a:schemeClr val="tx1"/>
+    </cs:fontRef>
+  </cs:plotArea>
+  <cs:plotArea3D>
+    <cs:lnRef idx="0"/>
+    <cs:fillRef idx="0"/>
+    <cs:effectRef idx="0"/>
+    <cs:fontRef idx="minor">
+      <a:schemeClr val="tx1"/>
+    </cs:fontRef>
+  </cs:plotArea3D>
+  <cs:seriesAxis>
+    <cs:lnRef idx="0"/>
+    <cs:fillRef idx="0"/>
+    <cs:effectRef idx="0"/>
+    <cs:fontRef idx="minor">
+      <a:schemeClr val="lt1">
+        <a:lumMod val="85000"/>
+      </a:schemeClr>
+    </cs:fontRef>
+    <cs:spPr>
+      <a:ln w="12700" cap="flat" cmpd="sng" algn="ctr">
+        <a:solidFill>
+          <a:schemeClr val="lt1">
+            <a:lumMod val="95000"/>
+            <a:alpha val="54000"/>
+          </a:schemeClr>
+        </a:solidFill>
+        <a:round/>
+      </a:ln>
+    </cs:spPr>
+    <cs:defRPr sz="1197" kern="1200"/>
+  </cs:seriesAxis>
+  <cs:seriesLine>
+    <cs:lnRef idx="0"/>
+    <cs:fillRef idx="0"/>
+    <cs:effectRef idx="0"/>
+    <cs:fontRef idx="minor">
+      <a:schemeClr val="lt1"/>
+    </cs:fontRef>
+    <cs:spPr>
+      <a:ln w="9525" cap="flat" cmpd="sng" algn="ctr">
+        <a:solidFill>
+          <a:schemeClr val="lt1">
+            <a:lumMod val="95000"/>
+            <a:alpha val="54000"/>
+          </a:schemeClr>
+        </a:solidFill>
+        <a:round/>
+      </a:ln>
+    </cs:spPr>
+  </cs:seriesLine>
+  <cs:title>
+    <cs:lnRef idx="0"/>
+    <cs:fillRef idx="0"/>
+    <cs:effectRef idx="0"/>
+    <cs:fontRef idx="minor">
+      <a:schemeClr val="lt1">
+        <a:lumMod val="95000"/>
+      </a:schemeClr>
+    </cs:fontRef>
+    <cs:defRPr sz="2128" b="1" kern="1200" spc="100" baseline="0">
+      <a:effectLst>
+        <a:outerShdw blurRad="50800" dist="38100" dir="5400000" algn="t" rotWithShape="0">
+          <a:prstClr val="black">
+            <a:alpha val="40000"/>
+          </a:prstClr>
+        </a:outerShdw>
+      </a:effectLst>
+    </cs:defRPr>
+  </cs:title>
+  <cs:trendline>
+    <cs:lnRef idx="0">
+      <cs:styleClr val="auto"/>
+    </cs:lnRef>
+    <cs:fillRef idx="0"/>
+    <cs:effectRef idx="0"/>
+    <cs:fontRef idx="minor">
+      <a:schemeClr val="tx1"/>
+    </cs:fontRef>
+    <cs:spPr>
+      <a:ln w="19050" cap="rnd">
+        <a:solidFill>
+          <a:schemeClr val="phClr"/>
+        </a:solidFill>
+      </a:ln>
+    </cs:spPr>
+  </cs:trendline>
+  <cs:trendlineLabel>
+    <cs:lnRef idx="0"/>
+    <cs:fillRef idx="0"/>
+    <cs:effectRef idx="0"/>
+    <cs:fontRef idx="minor">
+      <a:schemeClr val="lt1">
+        <a:lumMod val="85000"/>
+      </a:schemeClr>
+    </cs:fontRef>
+    <cs:defRPr sz="1197" kern="1200"/>
+  </cs:trendlineLabel>
+  <cs:upBar>
+    <cs:lnRef idx="0"/>
+    <cs:fillRef idx="0"/>
+    <cs:effectRef idx="0"/>
+    <cs:fontRef idx="minor">
+      <a:schemeClr val="tx1"/>
+    </cs:fontRef>
+    <cs:spPr>
+      <a:solidFill>
+        <a:schemeClr val="lt1"/>
+      </a:solidFill>
+      <a:ln w="9525">
+        <a:solidFill>
+          <a:schemeClr val="lt1">
+            <a:lumMod val="95000"/>
+            <a:alpha val="54000"/>
+          </a:schemeClr>
+        </a:solidFill>
+      </a:ln>
+    </cs:spPr>
+  </cs:upBar>
+  <cs:valueAxis>
+    <cs:lnRef idx="0"/>
+    <cs:fillRef idx="0"/>
+    <cs:effectRef idx="0"/>
+    <cs:fontRef idx="minor">
+      <a:schemeClr val="lt1">
+        <a:lumMod val="85000"/>
+      </a:schemeClr>
+    </cs:fontRef>
+    <cs:defRPr sz="1197" kern="1200"/>
+  </cs:valueAxis>
+  <cs:wall>
+    <cs:lnRef idx="0"/>
+    <cs:fillRef idx="0"/>
+    <cs:effectRef idx="0"/>
+    <cs:fontRef idx="minor">
+      <a:schemeClr val="tx1"/>
+    </cs:fontRef>
+  </cs:wall>
+</cs:chartStyle>
 </file>
 
 <file path=ppt/slideLayouts/slideLayout1.xml><?xml version="1.0" encoding="utf-8"?>
@@ -3427,6 +7219,92 @@
           <p:cNvPr id="2" name="Titolo 1">
             <a:extLst>
               <a:ext uri="{FF2B5EF4-FFF2-40B4-BE49-F238E27FC236}">
+                <a16:creationId xmlns:a16="http://schemas.microsoft.com/office/drawing/2014/main" id="{DE874DFA-03FE-4134-A1AD-A403F5F12054}"/>
+              </a:ext>
+            </a:extLst>
+          </p:cNvPr>
+          <p:cNvSpPr>
+            <a:spLocks noGrp="1"/>
+          </p:cNvSpPr>
+          <p:nvPr>
+            <p:ph type="title"/>
+          </p:nvPr>
+        </p:nvSpPr>
+        <p:spPr/>
+        <p:txBody>
+          <a:bodyPr/>
+          <a:lstStyle/>
+          <a:p>
+            <a:r>
+              <a:rPr lang="it-IT" dirty="0"/>
+              <a:t>Diagramma di sequenza - 1</a:t>
+            </a:r>
+          </a:p>
+        </p:txBody>
+      </p:sp>
+      <p:sp>
+        <p:nvSpPr>
+          <p:cNvPr id="3" name="Segnaposto contenuto 2">
+            <a:extLst>
+              <a:ext uri="{FF2B5EF4-FFF2-40B4-BE49-F238E27FC236}">
+                <a16:creationId xmlns:a16="http://schemas.microsoft.com/office/drawing/2014/main" id="{7F7D7ABD-E71B-49E5-9B15-9135D1A23A7B}"/>
+              </a:ext>
+            </a:extLst>
+          </p:cNvPr>
+          <p:cNvSpPr>
+            <a:spLocks noGrp="1"/>
+          </p:cNvSpPr>
+          <p:nvPr>
+            <p:ph idx="1"/>
+          </p:nvPr>
+        </p:nvSpPr>
+        <p:spPr/>
+        <p:txBody>
+          <a:bodyPr/>
+          <a:lstStyle/>
+          <a:p>
+            <a:r>
+              <a:rPr lang="it-IT" dirty="0"/>
+              <a:t>Caricamento della voice</a:t>
+            </a:r>
+          </a:p>
+        </p:txBody>
+      </p:sp>
+    </p:spTree>
+    <p:extLst>
+      <p:ext uri="{BB962C8B-B14F-4D97-AF65-F5344CB8AC3E}">
+        <p14:creationId xmlns:p14="http://schemas.microsoft.com/office/powerpoint/2010/main" val="364225848"/>
+      </p:ext>
+    </p:extLst>
+  </p:cSld>
+  <p:clrMapOvr>
+    <a:masterClrMapping/>
+  </p:clrMapOvr>
+</p:sld>
+</file>
+
+<file path=ppt/slides/slide11.xml><?xml version="1.0" encoding="utf-8"?>
+<p:sld xmlns:a="http://schemas.openxmlformats.org/drawingml/2006/main" xmlns:r="http://schemas.openxmlformats.org/officeDocument/2006/relationships" xmlns:p="http://schemas.openxmlformats.org/presentationml/2006/main">
+  <p:cSld>
+    <p:spTree>
+      <p:nvGrpSpPr>
+        <p:cNvPr id="1" name=""/>
+        <p:cNvGrpSpPr/>
+        <p:nvPr/>
+      </p:nvGrpSpPr>
+      <p:grpSpPr>
+        <a:xfrm>
+          <a:off x="0" y="0"/>
+          <a:ext cx="0" cy="0"/>
+          <a:chOff x="0" y="0"/>
+          <a:chExt cx="0" cy="0"/>
+        </a:xfrm>
+      </p:grpSpPr>
+      <p:sp>
+        <p:nvSpPr>
+          <p:cNvPr id="2" name="Titolo 1">
+            <a:extLst>
+              <a:ext uri="{FF2B5EF4-FFF2-40B4-BE49-F238E27FC236}">
                 <a16:creationId xmlns:a16="http://schemas.microsoft.com/office/drawing/2014/main" id="{B4CD82B6-0392-491B-8105-950520BD3491}"/>
               </a:ext>
             </a:extLst>
@@ -3445,7 +7323,7 @@
           <a:p>
             <a:r>
               <a:rPr lang="it-IT" dirty="0"/>
-              <a:t>Diagramma di sequenza - 1</a:t>
+              <a:t>Diagramma di sequenza - 2</a:t>
             </a:r>
           </a:p>
         </p:txBody>
@@ -3471,7 +7349,18 @@
           <a:bodyPr/>
           <a:lstStyle/>
           <a:p>
-            <a:endParaRPr lang="it-IT" dirty="0"/>
+            <a:r>
+              <a:rPr lang="it-IT" dirty="0"/>
+              <a:t>Esecuzione </a:t>
+            </a:r>
+            <a:r>
+              <a:rPr lang="it-IT" dirty="0" err="1"/>
+              <a:t>proccessor</a:t>
+            </a:r>
+            <a:r>
+              <a:rPr lang="it-IT" dirty="0"/>
+              <a:t> selezionati</a:t>
+            </a:r>
           </a:p>
         </p:txBody>
       </p:sp>
@@ -3488,7 +7377,7 @@
 </p:sld>
 </file>
 
-<file path=ppt/slides/slide11.xml><?xml version="1.0" encoding="utf-8"?>
+<file path=ppt/slides/slide12.xml><?xml version="1.0" encoding="utf-8"?>
 <p:sld xmlns:a="http://schemas.openxmlformats.org/drawingml/2006/main" xmlns:r="http://schemas.openxmlformats.org/officeDocument/2006/relationships" xmlns:p="http://schemas.openxmlformats.org/presentationml/2006/main">
   <p:cSld>
     <p:spTree>
@@ -3528,7 +7417,7 @@
           <a:p>
             <a:r>
               <a:rPr lang="it-IT" dirty="0"/>
-              <a:t>Diagramma di sequenza - 2</a:t>
+              <a:t>Diagramma di sequenza - 3</a:t>
             </a:r>
           </a:p>
         </p:txBody>
@@ -3549,489 +7438,10 @@
             <p:ph idx="1"/>
           </p:nvPr>
         </p:nvSpPr>
-        <p:spPr/>
-        <p:txBody>
-          <a:bodyPr/>
-          <a:lstStyle/>
-          <a:p>
-            <a:endParaRPr lang="it-IT" dirty="0"/>
-          </a:p>
-        </p:txBody>
-      </p:sp>
-    </p:spTree>
-    <p:extLst>
-      <p:ext uri="{BB962C8B-B14F-4D97-AF65-F5344CB8AC3E}">
-        <p14:creationId xmlns:p14="http://schemas.microsoft.com/office/powerpoint/2010/main" val="2513644712"/>
-      </p:ext>
-    </p:extLst>
-  </p:cSld>
-  <p:clrMapOvr>
-    <a:masterClrMapping/>
-  </p:clrMapOvr>
-</p:sld>
-</file>
-
-<file path=ppt/slides/slide12.xml><?xml version="1.0" encoding="utf-8"?>
-<p:sld xmlns:a="http://schemas.openxmlformats.org/drawingml/2006/main" xmlns:r="http://schemas.openxmlformats.org/officeDocument/2006/relationships" xmlns:p="http://schemas.openxmlformats.org/presentationml/2006/main">
-  <p:cSld>
-    <p:spTree>
-      <p:nvGrpSpPr>
-        <p:cNvPr id="1" name=""/>
-        <p:cNvGrpSpPr/>
-        <p:nvPr/>
-      </p:nvGrpSpPr>
-      <p:grpSpPr>
-        <a:xfrm>
-          <a:off x="0" y="0"/>
-          <a:ext cx="0" cy="0"/>
-          <a:chOff x="0" y="0"/>
-          <a:chExt cx="0" cy="0"/>
-        </a:xfrm>
-      </p:grpSpPr>
-      <p:sp>
-        <p:nvSpPr>
-          <p:cNvPr id="2" name="Titolo 1">
-            <a:extLst>
-              <a:ext uri="{FF2B5EF4-FFF2-40B4-BE49-F238E27FC236}">
-                <a16:creationId xmlns:a16="http://schemas.microsoft.com/office/drawing/2014/main" id="{DE874DFA-03FE-4134-A1AD-A403F5F12054}"/>
-              </a:ext>
-            </a:extLst>
-          </p:cNvPr>
-          <p:cNvSpPr>
-            <a:spLocks noGrp="1"/>
-          </p:cNvSpPr>
-          <p:nvPr>
-            <p:ph type="title"/>
-          </p:nvPr>
-        </p:nvSpPr>
-        <p:spPr/>
-        <p:txBody>
-          <a:bodyPr/>
-          <a:lstStyle/>
-          <a:p>
-            <a:r>
-              <a:rPr lang="it-IT" dirty="0"/>
-              <a:t>Diagramma di sequenza - 3</a:t>
-            </a:r>
-          </a:p>
-        </p:txBody>
-      </p:sp>
-      <p:sp>
-        <p:nvSpPr>
-          <p:cNvPr id="3" name="Segnaposto contenuto 2">
-            <a:extLst>
-              <a:ext uri="{FF2B5EF4-FFF2-40B4-BE49-F238E27FC236}">
-                <a16:creationId xmlns:a16="http://schemas.microsoft.com/office/drawing/2014/main" id="{7F7D7ABD-E71B-49E5-9B15-9135D1A23A7B}"/>
-              </a:ext>
-            </a:extLst>
-          </p:cNvPr>
-          <p:cNvSpPr>
-            <a:spLocks noGrp="1"/>
-          </p:cNvSpPr>
-          <p:nvPr>
-            <p:ph idx="1"/>
-          </p:nvPr>
-        </p:nvSpPr>
-        <p:spPr/>
-        <p:txBody>
-          <a:bodyPr/>
-          <a:lstStyle/>
-          <a:p>
-            <a:endParaRPr lang="it-IT"/>
-          </a:p>
-        </p:txBody>
-      </p:sp>
-    </p:spTree>
-    <p:extLst>
-      <p:ext uri="{BB962C8B-B14F-4D97-AF65-F5344CB8AC3E}">
-        <p14:creationId xmlns:p14="http://schemas.microsoft.com/office/powerpoint/2010/main" val="364225848"/>
-      </p:ext>
-    </p:extLst>
-  </p:cSld>
-  <p:clrMapOvr>
-    <a:masterClrMapping/>
-  </p:clrMapOvr>
-</p:sld>
-</file>
-
-<file path=ppt/slides/slide13.xml><?xml version="1.0" encoding="utf-8"?>
-<p:sld xmlns:a="http://schemas.openxmlformats.org/drawingml/2006/main" xmlns:r="http://schemas.openxmlformats.org/officeDocument/2006/relationships" xmlns:p="http://schemas.openxmlformats.org/presentationml/2006/main">
-  <p:cSld>
-    <p:spTree>
-      <p:nvGrpSpPr>
-        <p:cNvPr id="1" name=""/>
-        <p:cNvGrpSpPr/>
-        <p:nvPr/>
-      </p:nvGrpSpPr>
-      <p:grpSpPr>
-        <a:xfrm>
-          <a:off x="0" y="0"/>
-          <a:ext cx="0" cy="0"/>
-          <a:chOff x="0" y="0"/>
-          <a:chExt cx="0" cy="0"/>
-        </a:xfrm>
-      </p:grpSpPr>
-      <p:sp>
-        <p:nvSpPr>
-          <p:cNvPr id="2" name="Titolo 1">
-            <a:extLst>
-              <a:ext uri="{FF2B5EF4-FFF2-40B4-BE49-F238E27FC236}">
-                <a16:creationId xmlns:a16="http://schemas.microsoft.com/office/drawing/2014/main" id="{FBC2CE1A-0135-4ECF-94BE-0B88CAAA0C88}"/>
-              </a:ext>
-            </a:extLst>
-          </p:cNvPr>
-          <p:cNvSpPr>
-            <a:spLocks noGrp="1"/>
-          </p:cNvSpPr>
-          <p:nvPr>
-            <p:ph type="title"/>
-          </p:nvPr>
-        </p:nvSpPr>
-        <p:spPr/>
-        <p:txBody>
-          <a:bodyPr/>
-          <a:lstStyle/>
-          <a:p>
-            <a:r>
-              <a:rPr lang="it-IT" dirty="0"/>
-              <a:t>Casi d’uso coperti</a:t>
-            </a:r>
-          </a:p>
-        </p:txBody>
-      </p:sp>
-      <p:sp>
-        <p:nvSpPr>
-          <p:cNvPr id="3" name="Segnaposto contenuto 2">
-            <a:extLst>
-              <a:ext uri="{FF2B5EF4-FFF2-40B4-BE49-F238E27FC236}">
-                <a16:creationId xmlns:a16="http://schemas.microsoft.com/office/drawing/2014/main" id="{194430CA-4642-47C0-954E-F7FD32317DBD}"/>
-              </a:ext>
-            </a:extLst>
-          </p:cNvPr>
-          <p:cNvSpPr>
-            <a:spLocks noGrp="1"/>
-          </p:cNvSpPr>
-          <p:nvPr>
-            <p:ph idx="1"/>
-          </p:nvPr>
-        </p:nvSpPr>
-        <p:spPr/>
-        <p:txBody>
-          <a:bodyPr/>
-          <a:lstStyle/>
-          <a:p>
-            <a:r>
-              <a:rPr lang="it-IT" dirty="0"/>
-              <a:t>UC 1</a:t>
-            </a:r>
-          </a:p>
-          <a:p>
-            <a:r>
-              <a:rPr lang="it-IT" dirty="0"/>
-              <a:t>UC 2</a:t>
-            </a:r>
-          </a:p>
-          <a:p>
-            <a:r>
-              <a:rPr lang="it-IT" dirty="0"/>
-              <a:t>…</a:t>
-            </a:r>
-          </a:p>
-        </p:txBody>
-      </p:sp>
-    </p:spTree>
-    <p:extLst>
-      <p:ext uri="{BB962C8B-B14F-4D97-AF65-F5344CB8AC3E}">
-        <p14:creationId xmlns:p14="http://schemas.microsoft.com/office/powerpoint/2010/main" val="4207117042"/>
-      </p:ext>
-    </p:extLst>
-  </p:cSld>
-  <p:clrMapOvr>
-    <a:masterClrMapping/>
-  </p:clrMapOvr>
-</p:sld>
-</file>
-
-<file path=ppt/slides/slide14.xml><?xml version="1.0" encoding="utf-8"?>
-<p:sld xmlns:a="http://schemas.openxmlformats.org/drawingml/2006/main" xmlns:r="http://schemas.openxmlformats.org/officeDocument/2006/relationships" xmlns:p="http://schemas.openxmlformats.org/presentationml/2006/main">
-  <p:cSld>
-    <p:spTree>
-      <p:nvGrpSpPr>
-        <p:cNvPr id="1" name=""/>
-        <p:cNvGrpSpPr/>
-        <p:nvPr/>
-      </p:nvGrpSpPr>
-      <p:grpSpPr>
-        <a:xfrm>
-          <a:off x="0" y="0"/>
-          <a:ext cx="0" cy="0"/>
-          <a:chOff x="0" y="0"/>
-          <a:chExt cx="0" cy="0"/>
-        </a:xfrm>
-      </p:grpSpPr>
-      <p:sp>
-        <p:nvSpPr>
-          <p:cNvPr id="2" name="Titolo 1">
-            <a:extLst>
-              <a:ext uri="{FF2B5EF4-FFF2-40B4-BE49-F238E27FC236}">
-                <a16:creationId xmlns:a16="http://schemas.microsoft.com/office/drawing/2014/main" id="{8F7FA2C4-43DE-4C42-9247-A07C657F3110}"/>
-              </a:ext>
-            </a:extLst>
-          </p:cNvPr>
-          <p:cNvSpPr>
-            <a:spLocks noGrp="1"/>
-          </p:cNvSpPr>
-          <p:nvPr>
-            <p:ph type="title"/>
-          </p:nvPr>
-        </p:nvSpPr>
-        <p:spPr/>
-        <p:txBody>
-          <a:bodyPr/>
-          <a:lstStyle/>
-          <a:p>
-            <a:r>
-              <a:rPr lang="it-IT" dirty="0"/>
-              <a:t>Requisiti soddisfatti</a:t>
-            </a:r>
-          </a:p>
-        </p:txBody>
-      </p:sp>
-      <p:sp>
-        <p:nvSpPr>
-          <p:cNvPr id="3" name="Segnaposto contenuto 2">
-            <a:extLst>
-              <a:ext uri="{FF2B5EF4-FFF2-40B4-BE49-F238E27FC236}">
-                <a16:creationId xmlns:a16="http://schemas.microsoft.com/office/drawing/2014/main" id="{10A43669-6A04-456C-9120-416A2F8F5FAC}"/>
-              </a:ext>
-            </a:extLst>
-          </p:cNvPr>
-          <p:cNvSpPr>
-            <a:spLocks noGrp="1"/>
-          </p:cNvSpPr>
-          <p:nvPr>
-            <p:ph idx="1"/>
-          </p:nvPr>
-        </p:nvSpPr>
-        <p:spPr/>
-        <p:txBody>
-          <a:bodyPr/>
-          <a:lstStyle/>
-          <a:p>
-            <a:r>
-              <a:rPr lang="it-IT" dirty="0"/>
-              <a:t>RF1</a:t>
-            </a:r>
-          </a:p>
-          <a:p>
-            <a:r>
-              <a:rPr lang="it-IT" dirty="0"/>
-              <a:t>RF2</a:t>
-            </a:r>
-          </a:p>
-          <a:p>
-            <a:r>
-              <a:rPr lang="it-IT" dirty="0"/>
-              <a:t>…</a:t>
-            </a:r>
-          </a:p>
-        </p:txBody>
-      </p:sp>
-    </p:spTree>
-    <p:extLst>
-      <p:ext uri="{BB962C8B-B14F-4D97-AF65-F5344CB8AC3E}">
-        <p14:creationId xmlns:p14="http://schemas.microsoft.com/office/powerpoint/2010/main" val="132003610"/>
-      </p:ext>
-    </p:extLst>
-  </p:cSld>
-  <p:clrMapOvr>
-    <a:masterClrMapping/>
-  </p:clrMapOvr>
-</p:sld>
-</file>
-
-<file path=ppt/slides/slide2.xml><?xml version="1.0" encoding="utf-8"?>
-<p:sld xmlns:a="http://schemas.openxmlformats.org/drawingml/2006/main" xmlns:r="http://schemas.openxmlformats.org/officeDocument/2006/relationships" xmlns:p="http://schemas.openxmlformats.org/presentationml/2006/main">
-  <p:cSld>
-    <p:spTree>
-      <p:nvGrpSpPr>
-        <p:cNvPr id="1" name=""/>
-        <p:cNvGrpSpPr/>
-        <p:nvPr/>
-      </p:nvGrpSpPr>
-      <p:grpSpPr>
-        <a:xfrm>
-          <a:off x="0" y="0"/>
-          <a:ext cx="0" cy="0"/>
-          <a:chOff x="0" y="0"/>
-          <a:chExt cx="0" cy="0"/>
-        </a:xfrm>
-      </p:grpSpPr>
-      <p:sp>
-        <p:nvSpPr>
-          <p:cNvPr id="2" name="Titolo 1">
-            <a:extLst>
-              <a:ext uri="{FF2B5EF4-FFF2-40B4-BE49-F238E27FC236}">
-                <a16:creationId xmlns:a16="http://schemas.microsoft.com/office/drawing/2014/main" id="{A725D953-7B6B-45BF-A5A5-0060ADD496DE}"/>
-              </a:ext>
-            </a:extLst>
-          </p:cNvPr>
-          <p:cNvSpPr>
-            <a:spLocks noGrp="1"/>
-          </p:cNvSpPr>
-          <p:nvPr>
-            <p:ph type="title"/>
-          </p:nvPr>
-        </p:nvSpPr>
-        <p:spPr/>
-        <p:txBody>
-          <a:bodyPr/>
-          <a:lstStyle/>
-          <a:p>
-            <a:r>
-              <a:rPr lang="it-IT" dirty="0"/>
-              <a:t>Sommario</a:t>
-            </a:r>
-          </a:p>
-        </p:txBody>
-      </p:sp>
-      <p:sp>
-        <p:nvSpPr>
-          <p:cNvPr id="3" name="Segnaposto contenuto 2">
-            <a:extLst>
-              <a:ext uri="{FF2B5EF4-FFF2-40B4-BE49-F238E27FC236}">
-                <a16:creationId xmlns:a16="http://schemas.microsoft.com/office/drawing/2014/main" id="{03223497-F5B8-423D-A940-A524D28633D9}"/>
-              </a:ext>
-            </a:extLst>
-          </p:cNvPr>
-          <p:cNvSpPr>
-            <a:spLocks noGrp="1"/>
-          </p:cNvSpPr>
-          <p:nvPr>
-            <p:ph idx="1"/>
-          </p:nvPr>
-        </p:nvSpPr>
-        <p:spPr/>
-        <p:txBody>
-          <a:bodyPr/>
-          <a:lstStyle/>
-          <a:p>
-            <a:r>
-              <a:rPr lang="it-IT" dirty="0"/>
-              <a:t>Dal </a:t>
-            </a:r>
-            <a:r>
-              <a:rPr lang="it-IT" dirty="0" err="1"/>
-              <a:t>PoC</a:t>
-            </a:r>
-            <a:r>
-              <a:rPr lang="it-IT" dirty="0"/>
-              <a:t> alla PB</a:t>
-            </a:r>
-          </a:p>
-          <a:p>
-            <a:r>
-              <a:rPr lang="it-IT" dirty="0"/>
-              <a:t>Model-</a:t>
-            </a:r>
-            <a:r>
-              <a:rPr lang="it-IT" dirty="0" err="1"/>
-              <a:t>view</a:t>
-            </a:r>
-            <a:r>
-              <a:rPr lang="it-IT" dirty="0"/>
-              <a:t>-</a:t>
-            </a:r>
-            <a:r>
-              <a:rPr lang="it-IT" dirty="0" err="1"/>
-              <a:t>viewmodel</a:t>
-            </a:r>
-            <a:endParaRPr lang="it-IT" dirty="0"/>
-          </a:p>
-          <a:p>
-            <a:r>
-              <a:rPr lang="it-IT" dirty="0" err="1"/>
-              <a:t>View</a:t>
-            </a:r>
-            <a:endParaRPr lang="it-IT" dirty="0"/>
-          </a:p>
-          <a:p>
-            <a:r>
-              <a:rPr lang="it-IT" dirty="0"/>
-              <a:t>Model</a:t>
-            </a:r>
-          </a:p>
-          <a:p>
-            <a:r>
-              <a:rPr lang="it-IT" dirty="0" err="1"/>
-              <a:t>ViewModel</a:t>
-            </a:r>
-            <a:endParaRPr lang="it-IT" dirty="0"/>
-          </a:p>
-          <a:p>
-            <a:r>
-              <a:rPr lang="it-IT" dirty="0"/>
-              <a:t>Casi d’uso coperti</a:t>
-            </a:r>
-          </a:p>
-          <a:p>
-            <a:r>
-              <a:rPr lang="it-IT" dirty="0"/>
-              <a:t>Requisiti soddisfatti</a:t>
-            </a:r>
-          </a:p>
-        </p:txBody>
-      </p:sp>
-    </p:spTree>
-    <p:extLst>
-      <p:ext uri="{BB962C8B-B14F-4D97-AF65-F5344CB8AC3E}">
-        <p14:creationId xmlns:p14="http://schemas.microsoft.com/office/powerpoint/2010/main" val="1493052396"/>
-      </p:ext>
-    </p:extLst>
-  </p:cSld>
-  <p:clrMapOvr>
-    <a:masterClrMapping/>
-  </p:clrMapOvr>
-</p:sld>
-</file>
-
-<file path=ppt/slides/slide3.xml><?xml version="1.0" encoding="utf-8"?>
-<p:sld xmlns:a="http://schemas.openxmlformats.org/drawingml/2006/main" xmlns:r="http://schemas.openxmlformats.org/officeDocument/2006/relationships" xmlns:p="http://schemas.openxmlformats.org/presentationml/2006/main">
-  <p:cSld>
-    <p:spTree>
-      <p:nvGrpSpPr>
-        <p:cNvPr id="1" name=""/>
-        <p:cNvGrpSpPr/>
-        <p:nvPr/>
-      </p:nvGrpSpPr>
-      <p:grpSpPr>
-        <a:xfrm>
-          <a:off x="0" y="0"/>
-          <a:ext cx="0" cy="0"/>
-          <a:chOff x="0" y="0"/>
-          <a:chExt cx="0" cy="0"/>
-        </a:xfrm>
-      </p:grpSpPr>
-      <p:sp>
-        <p:nvSpPr>
-          <p:cNvPr id="2" name="Titolo 1">
-            <a:extLst>
-              <a:ext uri="{FF2B5EF4-FFF2-40B4-BE49-F238E27FC236}">
-                <a16:creationId xmlns:a16="http://schemas.microsoft.com/office/drawing/2014/main" id="{07037D75-57CD-4C1E-A98C-3A872F43BFCC}"/>
-              </a:ext>
-            </a:extLst>
-          </p:cNvPr>
-          <p:cNvSpPr>
-            <a:spLocks noGrp="1"/>
-          </p:cNvSpPr>
-          <p:nvPr>
-            <p:ph type="title"/>
-          </p:nvPr>
-        </p:nvSpPr>
         <p:spPr>
           <a:xfrm>
-            <a:off x="659423" y="409086"/>
-            <a:ext cx="5134708" cy="1325563"/>
+            <a:off x="838200" y="1825625"/>
+            <a:ext cx="5257800" cy="4351338"/>
           </a:xfrm>
         </p:spPr>
         <p:txBody>
@@ -4040,80 +7450,17 @@
           <a:p>
             <a:r>
               <a:rPr lang="it-IT" dirty="0"/>
-              <a:t>Dal </a:t>
-            </a:r>
-            <a:r>
-              <a:rPr lang="it-IT" dirty="0" err="1"/>
-              <a:t>PoC</a:t>
-            </a:r>
-            <a:endParaRPr lang="it-IT" dirty="0"/>
+              <a:t>Stampa grafo</a:t>
+            </a:r>
           </a:p>
         </p:txBody>
       </p:sp>
       <p:sp>
         <p:nvSpPr>
-          <p:cNvPr id="3" name="Segnaposto contenuto 2">
+          <p:cNvPr id="4" name="Segnaposto contenuto 2">
             <a:extLst>
               <a:ext uri="{FF2B5EF4-FFF2-40B4-BE49-F238E27FC236}">
-                <a16:creationId xmlns:a16="http://schemas.microsoft.com/office/drawing/2014/main" id="{2B3072B8-C034-4843-B83A-24555604C483}"/>
-              </a:ext>
-            </a:extLst>
-          </p:cNvPr>
-          <p:cNvSpPr>
-            <a:spLocks noGrp="1"/>
-          </p:cNvSpPr>
-          <p:nvPr>
-            <p:ph idx="1"/>
-          </p:nvPr>
-        </p:nvSpPr>
-        <p:spPr>
-          <a:xfrm>
-            <a:off x="659423" y="1869586"/>
-            <a:ext cx="5134708" cy="4351338"/>
-          </a:xfrm>
-        </p:spPr>
-        <p:txBody>
-          <a:bodyPr/>
-          <a:lstStyle/>
-          <a:p>
-            <a:r>
-              <a:rPr lang="it-IT" dirty="0"/>
-              <a:t>Interfaccia incompleta</a:t>
-            </a:r>
-          </a:p>
-          <a:p>
-            <a:r>
-              <a:rPr lang="it-IT" dirty="0"/>
-              <a:t>Architettura non adeguatamente definita</a:t>
-            </a:r>
-          </a:p>
-          <a:p>
-            <a:r>
-              <a:rPr lang="it-IT" dirty="0" err="1"/>
-              <a:t>voice.json</a:t>
-            </a:r>
-            <a:r>
-              <a:rPr lang="it-IT" dirty="0"/>
-              <a:t> caricato da linea di comando all’avvio</a:t>
-            </a:r>
-          </a:p>
-          <a:p>
-            <a:r>
-              <a:rPr lang="it-IT" dirty="0"/>
-              <a:t>Stampa di una sola relazione</a:t>
-            </a:r>
-          </a:p>
-          <a:p>
-            <a:endParaRPr lang="it-IT" dirty="0"/>
-          </a:p>
-        </p:txBody>
-      </p:sp>
-      <p:sp>
-        <p:nvSpPr>
-          <p:cNvPr id="4" name="Titolo 1">
-            <a:extLst>
-              <a:ext uri="{FF2B5EF4-FFF2-40B4-BE49-F238E27FC236}">
-                <a16:creationId xmlns:a16="http://schemas.microsoft.com/office/drawing/2014/main" id="{D7B43823-12DC-49AD-B44F-C92D95D6BE1B}"/>
+                <a16:creationId xmlns:a16="http://schemas.microsoft.com/office/drawing/2014/main" id="{07FA4A4E-16BE-45A2-A524-69BD8CFE51A6}"/>
               </a:ext>
             </a:extLst>
           </p:cNvPr>
@@ -4124,62 +7471,8 @@
         </p:nvSpPr>
         <p:spPr>
           <a:xfrm>
-            <a:off x="5794131" y="696423"/>
-            <a:ext cx="5802923" cy="1173163"/>
-          </a:xfrm>
-          <a:prstGeom prst="rect">
-            <a:avLst/>
-          </a:prstGeom>
-        </p:spPr>
-        <p:txBody>
-          <a:bodyPr vert="horz" lIns="91440" tIns="45720" rIns="91440" bIns="45720" rtlCol="0" anchor="ctr">
-            <a:normAutofit/>
-          </a:bodyPr>
-          <a:lstStyle>
-            <a:lvl1pPr algn="l" defTabSz="914400" rtl="0" eaLnBrk="1" latinLnBrk="0" hangingPunct="1">
-              <a:lnSpc>
-                <a:spcPct val="90000"/>
-              </a:lnSpc>
-              <a:spcBef>
-                <a:spcPct val="0"/>
-              </a:spcBef>
-              <a:buNone/>
-              <a:defRPr sz="4400" kern="1200">
-                <a:solidFill>
-                  <a:schemeClr val="tx1"/>
-                </a:solidFill>
-                <a:latin typeface="+mj-lt"/>
-                <a:ea typeface="+mj-ea"/>
-                <a:cs typeface="+mj-cs"/>
-              </a:defRPr>
-            </a:lvl1pPr>
-          </a:lstStyle>
-          <a:p>
-            <a:r>
-              <a:rPr lang="it-IT" dirty="0"/>
-              <a:t>Alla PB</a:t>
-            </a:r>
-          </a:p>
-        </p:txBody>
-      </p:sp>
-      <p:sp>
-        <p:nvSpPr>
-          <p:cNvPr id="5" name="Segnaposto contenuto 2">
-            <a:extLst>
-              <a:ext uri="{FF2B5EF4-FFF2-40B4-BE49-F238E27FC236}">
-                <a16:creationId xmlns:a16="http://schemas.microsoft.com/office/drawing/2014/main" id="{E58DA27E-E8B4-46C4-8767-500B39A6DE31}"/>
-              </a:ext>
-            </a:extLst>
-          </p:cNvPr>
-          <p:cNvSpPr txBox="1">
-            <a:spLocks/>
-          </p:cNvSpPr>
-          <p:nvPr/>
-        </p:nvSpPr>
-        <p:spPr>
-          <a:xfrm>
-            <a:off x="5794131" y="2119722"/>
-            <a:ext cx="5802923" cy="3851065"/>
+            <a:off x="6096000" y="1825625"/>
+            <a:ext cx="5257800" cy="4351338"/>
           </a:xfrm>
           <a:prstGeom prst="rect">
             <a:avLst/>
@@ -4187,7 +7480,7 @@
         </p:spPr>
         <p:txBody>
           <a:bodyPr vert="horz" lIns="91440" tIns="45720" rIns="91440" bIns="45720" rtlCol="0">
-            <a:normAutofit fontScale="85000" lnSpcReduction="20000"/>
+            <a:normAutofit/>
           </a:bodyPr>
           <a:lstStyle>
             <a:lvl1pPr marL="228600" indent="-228600" algn="l" defTabSz="914400" rtl="0" eaLnBrk="1" latinLnBrk="0" hangingPunct="1">
@@ -4356,84 +7649,15 @@
           <a:p>
             <a:r>
               <a:rPr lang="it-IT" dirty="0"/>
-              <a:t>Interfaccia più completa</a:t>
-            </a:r>
-          </a:p>
-          <a:p>
-            <a:r>
-              <a:rPr lang="it-IT" dirty="0"/>
-              <a:t>Architettura più definita</a:t>
-            </a:r>
-          </a:p>
-          <a:p>
-            <a:r>
-              <a:rPr lang="it-IT" dirty="0"/>
-              <a:t>Applicazione di Design Pattern (con spiegazione)</a:t>
-            </a:r>
-          </a:p>
-          <a:p>
-            <a:r>
-              <a:rPr lang="it-IT" dirty="0"/>
-              <a:t>Metodo di stampa revisionato</a:t>
-            </a:r>
-          </a:p>
-          <a:p>
-            <a:pPr lvl="1"/>
-            <a:r>
-              <a:rPr lang="it-IT" dirty="0"/>
-              <a:t>Archi e nodi non erano sufficienti</a:t>
-            </a:r>
-          </a:p>
-          <a:p>
-            <a:pPr lvl="1"/>
-            <a:r>
-              <a:rPr lang="it-IT" dirty="0"/>
-              <a:t>Aggiunte linee</a:t>
-            </a:r>
-          </a:p>
-          <a:p>
-            <a:pPr lvl="1"/>
-            <a:r>
-              <a:rPr lang="it-IT" dirty="0"/>
-              <a:t>Aggiunte più relazioni visibili contemporaneamente</a:t>
-            </a:r>
-          </a:p>
-          <a:p>
-            <a:r>
-              <a:rPr lang="it-IT" dirty="0"/>
-              <a:t>Progettato metodo di configurazione</a:t>
-            </a:r>
-          </a:p>
-          <a:p>
-            <a:pPr lvl="1"/>
-            <a:r>
-              <a:rPr lang="it-IT" dirty="0"/>
-              <a:t>Caricamento file di configurazione per GUI (colori, </a:t>
-            </a:r>
-            <a:r>
-              <a:rPr lang="it-IT" dirty="0" err="1"/>
-              <a:t>path</a:t>
-            </a:r>
-            <a:r>
-              <a:rPr lang="it-IT" dirty="0"/>
-              <a:t>)</a:t>
-            </a:r>
-          </a:p>
-          <a:p>
-            <a:endParaRPr lang="it-IT" dirty="0"/>
-          </a:p>
-          <a:p>
-            <a:pPr marL="0" indent="0">
-              <a:buNone/>
-            </a:pPr>
-            <a:endParaRPr lang="it-IT" dirty="0"/>
+              <a:t>Aggiunta linee</a:t>
+            </a:r>
           </a:p>
         </p:txBody>
       </p:sp>
     </p:spTree>
     <p:extLst>
       <p:ext uri="{BB962C8B-B14F-4D97-AF65-F5344CB8AC3E}">
-        <p14:creationId xmlns:p14="http://schemas.microsoft.com/office/powerpoint/2010/main" val="2529160387"/>
+        <p14:creationId xmlns:p14="http://schemas.microsoft.com/office/powerpoint/2010/main" val="2513644712"/>
       </p:ext>
     </p:extLst>
   </p:cSld>
@@ -4443,7 +7667,7 @@
 </p:sld>
 </file>
 
-<file path=ppt/slides/slide4.xml><?xml version="1.0" encoding="utf-8"?>
+<file path=ppt/slides/slide13.xml><?xml version="1.0" encoding="utf-8"?>
 <p:sld xmlns:a="http://schemas.openxmlformats.org/drawingml/2006/main" xmlns:r="http://schemas.openxmlformats.org/officeDocument/2006/relationships" xmlns:p="http://schemas.openxmlformats.org/presentationml/2006/main">
   <p:cSld>
     <p:spTree>
@@ -4465,7 +7689,3158 @@
           <p:cNvPr id="2" name="Titolo 1">
             <a:extLst>
               <a:ext uri="{FF2B5EF4-FFF2-40B4-BE49-F238E27FC236}">
-                <a16:creationId xmlns:a16="http://schemas.microsoft.com/office/drawing/2014/main" id="{44A7E9AC-F08D-473F-BE0F-181371F5527B}"/>
+                <a16:creationId xmlns:a16="http://schemas.microsoft.com/office/drawing/2014/main" id="{FBC2CE1A-0135-4ECF-94BE-0B88CAAA0C88}"/>
+              </a:ext>
+            </a:extLst>
+          </p:cNvPr>
+          <p:cNvSpPr>
+            <a:spLocks noGrp="1"/>
+          </p:cNvSpPr>
+          <p:nvPr>
+            <p:ph type="title"/>
+          </p:nvPr>
+        </p:nvSpPr>
+        <p:spPr>
+          <a:xfrm>
+            <a:off x="838200" y="90585"/>
+            <a:ext cx="10515600" cy="1325563"/>
+          </a:xfrm>
+        </p:spPr>
+        <p:txBody>
+          <a:bodyPr/>
+          <a:lstStyle/>
+          <a:p>
+            <a:r>
+              <a:rPr lang="it-IT" dirty="0"/>
+              <a:t>Casi d’uso coperti</a:t>
+            </a:r>
+          </a:p>
+        </p:txBody>
+      </p:sp>
+      <p:graphicFrame>
+        <p:nvGraphicFramePr>
+          <p:cNvPr id="6" name="Tabella 5">
+            <a:extLst>
+              <a:ext uri="{FF2B5EF4-FFF2-40B4-BE49-F238E27FC236}">
+                <a16:creationId xmlns:a16="http://schemas.microsoft.com/office/drawing/2014/main" id="{D1406E2D-0BBD-4C14-8877-A6EE2225FBD4}"/>
+              </a:ext>
+            </a:extLst>
+          </p:cNvPr>
+          <p:cNvGraphicFramePr>
+            <a:graphicFrameLocks noGrp="1"/>
+          </p:cNvGraphicFramePr>
+          <p:nvPr>
+            <p:extLst>
+              <p:ext uri="{D42A27DB-BD31-4B8C-83A1-F6EECF244321}">
+                <p14:modId xmlns:p14="http://schemas.microsoft.com/office/powerpoint/2010/main" val="2817148614"/>
+              </p:ext>
+            </p:extLst>
+          </p:nvPr>
+        </p:nvGraphicFramePr>
+        <p:xfrm>
+          <a:off x="838200" y="1396699"/>
+          <a:ext cx="3246312" cy="5090160"/>
+        </p:xfrm>
+        <a:graphic>
+          <a:graphicData uri="http://schemas.openxmlformats.org/drawingml/2006/table">
+            <a:tbl>
+              <a:tblPr firstRow="1" bandRow="1">
+                <a:tableStyleId>{5C22544A-7EE6-4342-B048-85BDC9FD1C3A}</a:tableStyleId>
+              </a:tblPr>
+              <a:tblGrid>
+                <a:gridCol w="1082104">
+                  <a:extLst>
+                    <a:ext uri="{9D8B030D-6E8A-4147-A177-3AD203B41FA5}">
+                      <a16:colId xmlns:a16="http://schemas.microsoft.com/office/drawing/2014/main" val="3098465247"/>
+                    </a:ext>
+                  </a:extLst>
+                </a:gridCol>
+                <a:gridCol w="1082104">
+                  <a:extLst>
+                    <a:ext uri="{9D8B030D-6E8A-4147-A177-3AD203B41FA5}">
+                      <a16:colId xmlns:a16="http://schemas.microsoft.com/office/drawing/2014/main" val="414872655"/>
+                    </a:ext>
+                  </a:extLst>
+                </a:gridCol>
+                <a:gridCol w="1082104">
+                  <a:extLst>
+                    <a:ext uri="{9D8B030D-6E8A-4147-A177-3AD203B41FA5}">
+                      <a16:colId xmlns:a16="http://schemas.microsoft.com/office/drawing/2014/main" val="1484288329"/>
+                    </a:ext>
+                  </a:extLst>
+                </a:gridCol>
+              </a:tblGrid>
+              <a:tr h="485437">
+                <a:tc>
+                  <a:txBody>
+                    <a:bodyPr/>
+                    <a:lstStyle/>
+                    <a:p>
+                      <a:r>
+                        <a:rPr lang="it-IT" sz="1400" dirty="0"/>
+                        <a:t>Caso d’uso</a:t>
+                      </a:r>
+                    </a:p>
+                  </a:txBody>
+                  <a:tcPr/>
+                </a:tc>
+                <a:tc>
+                  <a:txBody>
+                    <a:bodyPr/>
+                    <a:lstStyle/>
+                    <a:p>
+                      <a:r>
+                        <a:rPr lang="it-IT" sz="1400" dirty="0"/>
+                        <a:t>Copertura</a:t>
+                      </a:r>
+                    </a:p>
+                    <a:p>
+                      <a:r>
+                        <a:rPr lang="it-IT" sz="1400" dirty="0"/>
+                        <a:t>architettura</a:t>
+                      </a:r>
+                    </a:p>
+                  </a:txBody>
+                  <a:tcPr/>
+                </a:tc>
+                <a:tc>
+                  <a:txBody>
+                    <a:bodyPr/>
+                    <a:lstStyle/>
+                    <a:p>
+                      <a:r>
+                        <a:rPr lang="it-IT" sz="1400" dirty="0"/>
+                        <a:t>Copertura</a:t>
+                      </a:r>
+                    </a:p>
+                    <a:p>
+                      <a:r>
+                        <a:rPr lang="it-IT" sz="1400" dirty="0"/>
+                        <a:t>codice</a:t>
+                      </a:r>
+                    </a:p>
+                  </a:txBody>
+                  <a:tcPr/>
+                </a:tc>
+                <a:extLst>
+                  <a:ext uri="{0D108BD9-81ED-4DB2-BD59-A6C34878D82A}">
+                    <a16:rowId xmlns:a16="http://schemas.microsoft.com/office/drawing/2014/main" val="2664035083"/>
+                  </a:ext>
+                </a:extLst>
+              </a:tr>
+              <a:tr h="285551">
+                <a:tc>
+                  <a:txBody>
+                    <a:bodyPr/>
+                    <a:lstStyle/>
+                    <a:p>
+                      <a:r>
+                        <a:rPr lang="it-IT" sz="1400" dirty="0"/>
+                        <a:t>UC1</a:t>
+                      </a:r>
+                    </a:p>
+                  </a:txBody>
+                  <a:tcPr/>
+                </a:tc>
+                <a:tc>
+                  <a:txBody>
+                    <a:bodyPr/>
+                    <a:lstStyle/>
+                    <a:p>
+                      <a:pPr algn="ctr"/>
+                      <a:r>
+                        <a:rPr lang="it-IT" sz="1400" dirty="0"/>
+                        <a:t>X</a:t>
+                      </a:r>
+                    </a:p>
+                  </a:txBody>
+                  <a:tcPr/>
+                </a:tc>
+                <a:tc>
+                  <a:txBody>
+                    <a:bodyPr/>
+                    <a:lstStyle/>
+                    <a:p>
+                      <a:pPr algn="ctr"/>
+                      <a:r>
+                        <a:rPr lang="it-IT" sz="1400" dirty="0"/>
+                        <a:t>X</a:t>
+                      </a:r>
+                    </a:p>
+                  </a:txBody>
+                  <a:tcPr/>
+                </a:tc>
+                <a:extLst>
+                  <a:ext uri="{0D108BD9-81ED-4DB2-BD59-A6C34878D82A}">
+                    <a16:rowId xmlns:a16="http://schemas.microsoft.com/office/drawing/2014/main" val="3878728683"/>
+                  </a:ext>
+                </a:extLst>
+              </a:tr>
+              <a:tr h="285551">
+                <a:tc>
+                  <a:txBody>
+                    <a:bodyPr/>
+                    <a:lstStyle/>
+                    <a:p>
+                      <a:r>
+                        <a:rPr lang="it-IT" sz="1400" dirty="0"/>
+                        <a:t>UC2</a:t>
+                      </a:r>
+                    </a:p>
+                  </a:txBody>
+                  <a:tcPr/>
+                </a:tc>
+                <a:tc>
+                  <a:txBody>
+                    <a:bodyPr/>
+                    <a:lstStyle/>
+                    <a:p>
+                      <a:pPr algn="ctr"/>
+                      <a:r>
+                        <a:rPr lang="it-IT" sz="1400" dirty="0"/>
+                        <a:t>x</a:t>
+                      </a:r>
+                    </a:p>
+                  </a:txBody>
+                  <a:tcPr/>
+                </a:tc>
+                <a:tc>
+                  <a:txBody>
+                    <a:bodyPr/>
+                    <a:lstStyle/>
+                    <a:p>
+                      <a:pPr algn="ctr"/>
+                      <a:r>
+                        <a:rPr lang="it-IT" sz="1400" dirty="0"/>
+                        <a:t>X</a:t>
+                      </a:r>
+                    </a:p>
+                  </a:txBody>
+                  <a:tcPr/>
+                </a:tc>
+                <a:extLst>
+                  <a:ext uri="{0D108BD9-81ED-4DB2-BD59-A6C34878D82A}">
+                    <a16:rowId xmlns:a16="http://schemas.microsoft.com/office/drawing/2014/main" val="1125319358"/>
+                  </a:ext>
+                </a:extLst>
+              </a:tr>
+              <a:tr h="285551">
+                <a:tc>
+                  <a:txBody>
+                    <a:bodyPr/>
+                    <a:lstStyle/>
+                    <a:p>
+                      <a:r>
+                        <a:rPr lang="it-IT" sz="1400" dirty="0"/>
+                        <a:t>UC3</a:t>
+                      </a:r>
+                    </a:p>
+                  </a:txBody>
+                  <a:tcPr/>
+                </a:tc>
+                <a:tc>
+                  <a:txBody>
+                    <a:bodyPr/>
+                    <a:lstStyle/>
+                    <a:p>
+                      <a:pPr algn="ctr"/>
+                      <a:r>
+                        <a:rPr lang="it-IT" sz="1400" dirty="0"/>
+                        <a:t>x</a:t>
+                      </a:r>
+                    </a:p>
+                  </a:txBody>
+                  <a:tcPr/>
+                </a:tc>
+                <a:tc>
+                  <a:txBody>
+                    <a:bodyPr/>
+                    <a:lstStyle/>
+                    <a:p>
+                      <a:pPr algn="ctr"/>
+                      <a:r>
+                        <a:rPr lang="it-IT" sz="1400" dirty="0"/>
+                        <a:t>X</a:t>
+                      </a:r>
+                    </a:p>
+                  </a:txBody>
+                  <a:tcPr/>
+                </a:tc>
+                <a:extLst>
+                  <a:ext uri="{0D108BD9-81ED-4DB2-BD59-A6C34878D82A}">
+                    <a16:rowId xmlns:a16="http://schemas.microsoft.com/office/drawing/2014/main" val="1426305325"/>
+                  </a:ext>
+                </a:extLst>
+              </a:tr>
+              <a:tr h="285551">
+                <a:tc>
+                  <a:txBody>
+                    <a:bodyPr/>
+                    <a:lstStyle/>
+                    <a:p>
+                      <a:r>
+                        <a:rPr lang="it-IT" sz="1400" dirty="0"/>
+                        <a:t>UC3.1</a:t>
+                      </a:r>
+                    </a:p>
+                  </a:txBody>
+                  <a:tcPr/>
+                </a:tc>
+                <a:tc>
+                  <a:txBody>
+                    <a:bodyPr/>
+                    <a:lstStyle/>
+                    <a:p>
+                      <a:pPr algn="ctr"/>
+                      <a:r>
+                        <a:rPr lang="it-IT" sz="1400" dirty="0"/>
+                        <a:t>x</a:t>
+                      </a:r>
+                    </a:p>
+                  </a:txBody>
+                  <a:tcPr/>
+                </a:tc>
+                <a:tc>
+                  <a:txBody>
+                    <a:bodyPr/>
+                    <a:lstStyle/>
+                    <a:p>
+                      <a:pPr algn="ctr"/>
+                      <a:r>
+                        <a:rPr lang="it-IT" sz="1400" dirty="0"/>
+                        <a:t>X</a:t>
+                      </a:r>
+                    </a:p>
+                  </a:txBody>
+                  <a:tcPr/>
+                </a:tc>
+                <a:extLst>
+                  <a:ext uri="{0D108BD9-81ED-4DB2-BD59-A6C34878D82A}">
+                    <a16:rowId xmlns:a16="http://schemas.microsoft.com/office/drawing/2014/main" val="3715698132"/>
+                  </a:ext>
+                </a:extLst>
+              </a:tr>
+              <a:tr h="285551">
+                <a:tc>
+                  <a:txBody>
+                    <a:bodyPr/>
+                    <a:lstStyle/>
+                    <a:p>
+                      <a:r>
+                        <a:rPr lang="it-IT" sz="1400" dirty="0"/>
+                        <a:t>UC4</a:t>
+                      </a:r>
+                    </a:p>
+                  </a:txBody>
+                  <a:tcPr/>
+                </a:tc>
+                <a:tc>
+                  <a:txBody>
+                    <a:bodyPr/>
+                    <a:lstStyle/>
+                    <a:p>
+                      <a:pPr algn="ctr"/>
+                      <a:r>
+                        <a:rPr lang="it-IT" sz="1400" dirty="0"/>
+                        <a:t>X</a:t>
+                      </a:r>
+                    </a:p>
+                  </a:txBody>
+                  <a:tcPr/>
+                </a:tc>
+                <a:tc>
+                  <a:txBody>
+                    <a:bodyPr/>
+                    <a:lstStyle/>
+                    <a:p>
+                      <a:pPr algn="ctr"/>
+                      <a:endParaRPr lang="it-IT" sz="1400" dirty="0"/>
+                    </a:p>
+                  </a:txBody>
+                  <a:tcPr/>
+                </a:tc>
+                <a:extLst>
+                  <a:ext uri="{0D108BD9-81ED-4DB2-BD59-A6C34878D82A}">
+                    <a16:rowId xmlns:a16="http://schemas.microsoft.com/office/drawing/2014/main" val="3456609315"/>
+                  </a:ext>
+                </a:extLst>
+              </a:tr>
+              <a:tr h="285551">
+                <a:tc>
+                  <a:txBody>
+                    <a:bodyPr/>
+                    <a:lstStyle/>
+                    <a:p>
+                      <a:r>
+                        <a:rPr lang="it-IT" sz="1400" dirty="0"/>
+                        <a:t>UC4.1</a:t>
+                      </a:r>
+                    </a:p>
+                  </a:txBody>
+                  <a:tcPr/>
+                </a:tc>
+                <a:tc>
+                  <a:txBody>
+                    <a:bodyPr/>
+                    <a:lstStyle/>
+                    <a:p>
+                      <a:pPr algn="ctr"/>
+                      <a:r>
+                        <a:rPr lang="it-IT" sz="1400" dirty="0"/>
+                        <a:t>x</a:t>
+                      </a:r>
+                    </a:p>
+                  </a:txBody>
+                  <a:tcPr/>
+                </a:tc>
+                <a:tc>
+                  <a:txBody>
+                    <a:bodyPr/>
+                    <a:lstStyle/>
+                    <a:p>
+                      <a:pPr algn="ctr"/>
+                      <a:endParaRPr lang="it-IT" sz="1400" dirty="0"/>
+                    </a:p>
+                  </a:txBody>
+                  <a:tcPr/>
+                </a:tc>
+                <a:extLst>
+                  <a:ext uri="{0D108BD9-81ED-4DB2-BD59-A6C34878D82A}">
+                    <a16:rowId xmlns:a16="http://schemas.microsoft.com/office/drawing/2014/main" val="4251963506"/>
+                  </a:ext>
+                </a:extLst>
+              </a:tr>
+              <a:tr h="285551">
+                <a:tc>
+                  <a:txBody>
+                    <a:bodyPr/>
+                    <a:lstStyle/>
+                    <a:p>
+                      <a:r>
+                        <a:rPr lang="it-IT" sz="1400" dirty="0"/>
+                        <a:t>UC5</a:t>
+                      </a:r>
+                    </a:p>
+                  </a:txBody>
+                  <a:tcPr/>
+                </a:tc>
+                <a:tc>
+                  <a:txBody>
+                    <a:bodyPr/>
+                    <a:lstStyle/>
+                    <a:p>
+                      <a:pPr algn="ctr"/>
+                      <a:r>
+                        <a:rPr lang="it-IT" sz="1400" dirty="0"/>
+                        <a:t>x</a:t>
+                      </a:r>
+                    </a:p>
+                  </a:txBody>
+                  <a:tcPr/>
+                </a:tc>
+                <a:tc>
+                  <a:txBody>
+                    <a:bodyPr/>
+                    <a:lstStyle/>
+                    <a:p>
+                      <a:pPr algn="ctr"/>
+                      <a:r>
+                        <a:rPr lang="it-IT" sz="1400" dirty="0"/>
+                        <a:t>X</a:t>
+                      </a:r>
+                    </a:p>
+                  </a:txBody>
+                  <a:tcPr/>
+                </a:tc>
+                <a:extLst>
+                  <a:ext uri="{0D108BD9-81ED-4DB2-BD59-A6C34878D82A}">
+                    <a16:rowId xmlns:a16="http://schemas.microsoft.com/office/drawing/2014/main" val="3731148507"/>
+                  </a:ext>
+                </a:extLst>
+              </a:tr>
+              <a:tr h="285551">
+                <a:tc>
+                  <a:txBody>
+                    <a:bodyPr/>
+                    <a:lstStyle/>
+                    <a:p>
+                      <a:r>
+                        <a:rPr lang="it-IT" sz="1400" dirty="0"/>
+                        <a:t>UC6</a:t>
+                      </a:r>
+                    </a:p>
+                  </a:txBody>
+                  <a:tcPr/>
+                </a:tc>
+                <a:tc>
+                  <a:txBody>
+                    <a:bodyPr/>
+                    <a:lstStyle/>
+                    <a:p>
+                      <a:pPr algn="ctr"/>
+                      <a:endParaRPr lang="it-IT" sz="1400" dirty="0"/>
+                    </a:p>
+                  </a:txBody>
+                  <a:tcPr/>
+                </a:tc>
+                <a:tc>
+                  <a:txBody>
+                    <a:bodyPr/>
+                    <a:lstStyle/>
+                    <a:p>
+                      <a:pPr algn="ctr"/>
+                      <a:endParaRPr lang="it-IT" sz="1400" dirty="0"/>
+                    </a:p>
+                  </a:txBody>
+                  <a:tcPr/>
+                </a:tc>
+                <a:extLst>
+                  <a:ext uri="{0D108BD9-81ED-4DB2-BD59-A6C34878D82A}">
+                    <a16:rowId xmlns:a16="http://schemas.microsoft.com/office/drawing/2014/main" val="4209218957"/>
+                  </a:ext>
+                </a:extLst>
+              </a:tr>
+              <a:tr h="285551">
+                <a:tc>
+                  <a:txBody>
+                    <a:bodyPr/>
+                    <a:lstStyle/>
+                    <a:p>
+                      <a:r>
+                        <a:rPr lang="it-IT" sz="1400" dirty="0"/>
+                        <a:t>UC6.1</a:t>
+                      </a:r>
+                    </a:p>
+                  </a:txBody>
+                  <a:tcPr/>
+                </a:tc>
+                <a:tc>
+                  <a:txBody>
+                    <a:bodyPr/>
+                    <a:lstStyle/>
+                    <a:p>
+                      <a:pPr algn="ctr"/>
+                      <a:r>
+                        <a:rPr lang="it-IT" sz="1400" dirty="0"/>
+                        <a:t>x</a:t>
+                      </a:r>
+                    </a:p>
+                  </a:txBody>
+                  <a:tcPr/>
+                </a:tc>
+                <a:tc>
+                  <a:txBody>
+                    <a:bodyPr/>
+                    <a:lstStyle/>
+                    <a:p>
+                      <a:pPr algn="ctr"/>
+                      <a:r>
+                        <a:rPr lang="it-IT" sz="1400" dirty="0"/>
+                        <a:t>X</a:t>
+                      </a:r>
+                    </a:p>
+                  </a:txBody>
+                  <a:tcPr/>
+                </a:tc>
+                <a:extLst>
+                  <a:ext uri="{0D108BD9-81ED-4DB2-BD59-A6C34878D82A}">
+                    <a16:rowId xmlns:a16="http://schemas.microsoft.com/office/drawing/2014/main" val="2107590001"/>
+                  </a:ext>
+                </a:extLst>
+              </a:tr>
+              <a:tr h="285551">
+                <a:tc>
+                  <a:txBody>
+                    <a:bodyPr/>
+                    <a:lstStyle/>
+                    <a:p>
+                      <a:r>
+                        <a:rPr lang="it-IT" sz="1400" dirty="0"/>
+                        <a:t>UC6.2</a:t>
+                      </a:r>
+                    </a:p>
+                  </a:txBody>
+                  <a:tcPr/>
+                </a:tc>
+                <a:tc>
+                  <a:txBody>
+                    <a:bodyPr/>
+                    <a:lstStyle/>
+                    <a:p>
+                      <a:pPr algn="ctr"/>
+                      <a:endParaRPr lang="it-IT" sz="1400" dirty="0"/>
+                    </a:p>
+                  </a:txBody>
+                  <a:tcPr/>
+                </a:tc>
+                <a:tc>
+                  <a:txBody>
+                    <a:bodyPr/>
+                    <a:lstStyle/>
+                    <a:p>
+                      <a:pPr algn="ctr"/>
+                      <a:endParaRPr lang="it-IT" sz="1400" dirty="0"/>
+                    </a:p>
+                  </a:txBody>
+                  <a:tcPr/>
+                </a:tc>
+                <a:extLst>
+                  <a:ext uri="{0D108BD9-81ED-4DB2-BD59-A6C34878D82A}">
+                    <a16:rowId xmlns:a16="http://schemas.microsoft.com/office/drawing/2014/main" val="759255058"/>
+                  </a:ext>
+                </a:extLst>
+              </a:tr>
+              <a:tr h="285551">
+                <a:tc>
+                  <a:txBody>
+                    <a:bodyPr/>
+                    <a:lstStyle/>
+                    <a:p>
+                      <a:r>
+                        <a:rPr lang="it-IT" sz="1400" dirty="0"/>
+                        <a:t>UC6.3</a:t>
+                      </a:r>
+                    </a:p>
+                  </a:txBody>
+                  <a:tcPr/>
+                </a:tc>
+                <a:tc>
+                  <a:txBody>
+                    <a:bodyPr/>
+                    <a:lstStyle/>
+                    <a:p>
+                      <a:pPr algn="ctr"/>
+                      <a:endParaRPr lang="it-IT" sz="1400" dirty="0"/>
+                    </a:p>
+                  </a:txBody>
+                  <a:tcPr/>
+                </a:tc>
+                <a:tc>
+                  <a:txBody>
+                    <a:bodyPr/>
+                    <a:lstStyle/>
+                    <a:p>
+                      <a:pPr algn="ctr"/>
+                      <a:endParaRPr lang="it-IT" sz="1400" dirty="0"/>
+                    </a:p>
+                  </a:txBody>
+                  <a:tcPr/>
+                </a:tc>
+                <a:extLst>
+                  <a:ext uri="{0D108BD9-81ED-4DB2-BD59-A6C34878D82A}">
+                    <a16:rowId xmlns:a16="http://schemas.microsoft.com/office/drawing/2014/main" val="1556226710"/>
+                  </a:ext>
+                </a:extLst>
+              </a:tr>
+              <a:tr h="285551">
+                <a:tc>
+                  <a:txBody>
+                    <a:bodyPr/>
+                    <a:lstStyle/>
+                    <a:p>
+                      <a:r>
+                        <a:rPr lang="it-IT" sz="1400" dirty="0"/>
+                        <a:t>UC7</a:t>
+                      </a:r>
+                    </a:p>
+                  </a:txBody>
+                  <a:tcPr/>
+                </a:tc>
+                <a:tc>
+                  <a:txBody>
+                    <a:bodyPr/>
+                    <a:lstStyle/>
+                    <a:p>
+                      <a:pPr algn="ctr"/>
+                      <a:r>
+                        <a:rPr lang="it-IT" sz="1400" dirty="0"/>
+                        <a:t>x</a:t>
+                      </a:r>
+                    </a:p>
+                  </a:txBody>
+                  <a:tcPr/>
+                </a:tc>
+                <a:tc>
+                  <a:txBody>
+                    <a:bodyPr/>
+                    <a:lstStyle/>
+                    <a:p>
+                      <a:pPr algn="ctr"/>
+                      <a:r>
+                        <a:rPr lang="it-IT" sz="1400" dirty="0"/>
+                        <a:t>X</a:t>
+                      </a:r>
+                    </a:p>
+                  </a:txBody>
+                  <a:tcPr/>
+                </a:tc>
+                <a:extLst>
+                  <a:ext uri="{0D108BD9-81ED-4DB2-BD59-A6C34878D82A}">
+                    <a16:rowId xmlns:a16="http://schemas.microsoft.com/office/drawing/2014/main" val="1938586395"/>
+                  </a:ext>
+                </a:extLst>
+              </a:tr>
+              <a:tr h="285551">
+                <a:tc>
+                  <a:txBody>
+                    <a:bodyPr/>
+                    <a:lstStyle/>
+                    <a:p>
+                      <a:r>
+                        <a:rPr lang="it-IT" sz="1400" dirty="0"/>
+                        <a:t>UC7.1</a:t>
+                      </a:r>
+                    </a:p>
+                  </a:txBody>
+                  <a:tcPr/>
+                </a:tc>
+                <a:tc>
+                  <a:txBody>
+                    <a:bodyPr/>
+                    <a:lstStyle/>
+                    <a:p>
+                      <a:pPr algn="ctr"/>
+                      <a:endParaRPr lang="it-IT" sz="1400" dirty="0"/>
+                    </a:p>
+                  </a:txBody>
+                  <a:tcPr/>
+                </a:tc>
+                <a:tc>
+                  <a:txBody>
+                    <a:bodyPr/>
+                    <a:lstStyle/>
+                    <a:p>
+                      <a:pPr algn="ctr"/>
+                      <a:endParaRPr lang="it-IT" sz="1400" dirty="0"/>
+                    </a:p>
+                  </a:txBody>
+                  <a:tcPr/>
+                </a:tc>
+                <a:extLst>
+                  <a:ext uri="{0D108BD9-81ED-4DB2-BD59-A6C34878D82A}">
+                    <a16:rowId xmlns:a16="http://schemas.microsoft.com/office/drawing/2014/main" val="378289429"/>
+                  </a:ext>
+                </a:extLst>
+              </a:tr>
+              <a:tr h="285551">
+                <a:tc>
+                  <a:txBody>
+                    <a:bodyPr/>
+                    <a:lstStyle/>
+                    <a:p>
+                      <a:r>
+                        <a:rPr lang="it-IT" sz="1400" dirty="0"/>
+                        <a:t>UC7.2</a:t>
+                      </a:r>
+                    </a:p>
+                  </a:txBody>
+                  <a:tcPr/>
+                </a:tc>
+                <a:tc>
+                  <a:txBody>
+                    <a:bodyPr/>
+                    <a:lstStyle/>
+                    <a:p>
+                      <a:pPr algn="ctr"/>
+                      <a:endParaRPr lang="it-IT" sz="1400"/>
+                    </a:p>
+                  </a:txBody>
+                  <a:tcPr/>
+                </a:tc>
+                <a:tc>
+                  <a:txBody>
+                    <a:bodyPr/>
+                    <a:lstStyle/>
+                    <a:p>
+                      <a:pPr algn="ctr"/>
+                      <a:endParaRPr lang="it-IT" sz="1400" dirty="0"/>
+                    </a:p>
+                  </a:txBody>
+                  <a:tcPr/>
+                </a:tc>
+                <a:extLst>
+                  <a:ext uri="{0D108BD9-81ED-4DB2-BD59-A6C34878D82A}">
+                    <a16:rowId xmlns:a16="http://schemas.microsoft.com/office/drawing/2014/main" val="4265841690"/>
+                  </a:ext>
+                </a:extLst>
+              </a:tr>
+              <a:tr h="285551">
+                <a:tc>
+                  <a:txBody>
+                    <a:bodyPr/>
+                    <a:lstStyle/>
+                    <a:p>
+                      <a:r>
+                        <a:rPr lang="it-IT" sz="1400" dirty="0"/>
+                        <a:t>UC7.3</a:t>
+                      </a:r>
+                    </a:p>
+                  </a:txBody>
+                  <a:tcPr/>
+                </a:tc>
+                <a:tc>
+                  <a:txBody>
+                    <a:bodyPr/>
+                    <a:lstStyle/>
+                    <a:p>
+                      <a:pPr algn="ctr"/>
+                      <a:endParaRPr lang="it-IT" sz="1400"/>
+                    </a:p>
+                  </a:txBody>
+                  <a:tcPr/>
+                </a:tc>
+                <a:tc>
+                  <a:txBody>
+                    <a:bodyPr/>
+                    <a:lstStyle/>
+                    <a:p>
+                      <a:pPr algn="ctr"/>
+                      <a:endParaRPr lang="it-IT" sz="1400" dirty="0"/>
+                    </a:p>
+                  </a:txBody>
+                  <a:tcPr/>
+                </a:tc>
+                <a:extLst>
+                  <a:ext uri="{0D108BD9-81ED-4DB2-BD59-A6C34878D82A}">
+                    <a16:rowId xmlns:a16="http://schemas.microsoft.com/office/drawing/2014/main" val="513391882"/>
+                  </a:ext>
+                </a:extLst>
+              </a:tr>
+            </a:tbl>
+          </a:graphicData>
+        </a:graphic>
+      </p:graphicFrame>
+      <p:graphicFrame>
+        <p:nvGraphicFramePr>
+          <p:cNvPr id="7" name="Tabella 6">
+            <a:extLst>
+              <a:ext uri="{FF2B5EF4-FFF2-40B4-BE49-F238E27FC236}">
+                <a16:creationId xmlns:a16="http://schemas.microsoft.com/office/drawing/2014/main" id="{88293C07-3244-4661-8DC9-BB9F8CCD11A0}"/>
+              </a:ext>
+            </a:extLst>
+          </p:cNvPr>
+          <p:cNvGraphicFramePr>
+            <a:graphicFrameLocks noGrp="1"/>
+          </p:cNvGraphicFramePr>
+          <p:nvPr>
+            <p:extLst>
+              <p:ext uri="{D42A27DB-BD31-4B8C-83A1-F6EECF244321}">
+                <p14:modId xmlns:p14="http://schemas.microsoft.com/office/powerpoint/2010/main" val="3757501062"/>
+              </p:ext>
+            </p:extLst>
+          </p:nvPr>
+        </p:nvGraphicFramePr>
+        <p:xfrm>
+          <a:off x="4642827" y="1396929"/>
+          <a:ext cx="3246312" cy="5090160"/>
+        </p:xfrm>
+        <a:graphic>
+          <a:graphicData uri="http://schemas.openxmlformats.org/drawingml/2006/table">
+            <a:tbl>
+              <a:tblPr firstRow="1" bandRow="1">
+                <a:tableStyleId>{5C22544A-7EE6-4342-B048-85BDC9FD1C3A}</a:tableStyleId>
+              </a:tblPr>
+              <a:tblGrid>
+                <a:gridCol w="1082104">
+                  <a:extLst>
+                    <a:ext uri="{9D8B030D-6E8A-4147-A177-3AD203B41FA5}">
+                      <a16:colId xmlns:a16="http://schemas.microsoft.com/office/drawing/2014/main" val="3098465247"/>
+                    </a:ext>
+                  </a:extLst>
+                </a:gridCol>
+                <a:gridCol w="1082104">
+                  <a:extLst>
+                    <a:ext uri="{9D8B030D-6E8A-4147-A177-3AD203B41FA5}">
+                      <a16:colId xmlns:a16="http://schemas.microsoft.com/office/drawing/2014/main" val="414872655"/>
+                    </a:ext>
+                  </a:extLst>
+                </a:gridCol>
+                <a:gridCol w="1082104">
+                  <a:extLst>
+                    <a:ext uri="{9D8B030D-6E8A-4147-A177-3AD203B41FA5}">
+                      <a16:colId xmlns:a16="http://schemas.microsoft.com/office/drawing/2014/main" val="1484288329"/>
+                    </a:ext>
+                  </a:extLst>
+                </a:gridCol>
+              </a:tblGrid>
+              <a:tr h="485437">
+                <a:tc>
+                  <a:txBody>
+                    <a:bodyPr/>
+                    <a:lstStyle/>
+                    <a:p>
+                      <a:r>
+                        <a:rPr lang="it-IT" sz="1400" dirty="0"/>
+                        <a:t>Caso d’uso</a:t>
+                      </a:r>
+                    </a:p>
+                  </a:txBody>
+                  <a:tcPr/>
+                </a:tc>
+                <a:tc>
+                  <a:txBody>
+                    <a:bodyPr/>
+                    <a:lstStyle/>
+                    <a:p>
+                      <a:r>
+                        <a:rPr lang="it-IT" sz="1400" dirty="0"/>
+                        <a:t>Copertura</a:t>
+                      </a:r>
+                    </a:p>
+                    <a:p>
+                      <a:r>
+                        <a:rPr lang="it-IT" sz="1400" dirty="0"/>
+                        <a:t>architettura</a:t>
+                      </a:r>
+                    </a:p>
+                  </a:txBody>
+                  <a:tcPr/>
+                </a:tc>
+                <a:tc>
+                  <a:txBody>
+                    <a:bodyPr/>
+                    <a:lstStyle/>
+                    <a:p>
+                      <a:r>
+                        <a:rPr lang="it-IT" sz="1400" dirty="0"/>
+                        <a:t>Copertura</a:t>
+                      </a:r>
+                    </a:p>
+                    <a:p>
+                      <a:r>
+                        <a:rPr lang="it-IT" sz="1400" dirty="0"/>
+                        <a:t>codice</a:t>
+                      </a:r>
+                    </a:p>
+                  </a:txBody>
+                  <a:tcPr/>
+                </a:tc>
+                <a:extLst>
+                  <a:ext uri="{0D108BD9-81ED-4DB2-BD59-A6C34878D82A}">
+                    <a16:rowId xmlns:a16="http://schemas.microsoft.com/office/drawing/2014/main" val="2664035083"/>
+                  </a:ext>
+                </a:extLst>
+              </a:tr>
+              <a:tr h="285551">
+                <a:tc>
+                  <a:txBody>
+                    <a:bodyPr/>
+                    <a:lstStyle/>
+                    <a:p>
+                      <a:r>
+                        <a:rPr lang="it-IT" sz="1400" dirty="0"/>
+                        <a:t>UC8</a:t>
+                      </a:r>
+                    </a:p>
+                  </a:txBody>
+                  <a:tcPr/>
+                </a:tc>
+                <a:tc>
+                  <a:txBody>
+                    <a:bodyPr/>
+                    <a:lstStyle/>
+                    <a:p>
+                      <a:pPr algn="ctr"/>
+                      <a:endParaRPr lang="it-IT" sz="1400"/>
+                    </a:p>
+                  </a:txBody>
+                  <a:tcPr/>
+                </a:tc>
+                <a:tc>
+                  <a:txBody>
+                    <a:bodyPr/>
+                    <a:lstStyle/>
+                    <a:p>
+                      <a:pPr algn="ctr"/>
+                      <a:endParaRPr lang="it-IT" sz="1400"/>
+                    </a:p>
+                  </a:txBody>
+                  <a:tcPr/>
+                </a:tc>
+                <a:extLst>
+                  <a:ext uri="{0D108BD9-81ED-4DB2-BD59-A6C34878D82A}">
+                    <a16:rowId xmlns:a16="http://schemas.microsoft.com/office/drawing/2014/main" val="3878728683"/>
+                  </a:ext>
+                </a:extLst>
+              </a:tr>
+              <a:tr h="285551">
+                <a:tc>
+                  <a:txBody>
+                    <a:bodyPr/>
+                    <a:lstStyle/>
+                    <a:p>
+                      <a:r>
+                        <a:rPr lang="it-IT" sz="1400" dirty="0"/>
+                        <a:t>UC8.1</a:t>
+                      </a:r>
+                    </a:p>
+                  </a:txBody>
+                  <a:tcPr/>
+                </a:tc>
+                <a:tc>
+                  <a:txBody>
+                    <a:bodyPr/>
+                    <a:lstStyle/>
+                    <a:p>
+                      <a:pPr algn="ctr"/>
+                      <a:endParaRPr lang="it-IT" sz="1400"/>
+                    </a:p>
+                  </a:txBody>
+                  <a:tcPr/>
+                </a:tc>
+                <a:tc>
+                  <a:txBody>
+                    <a:bodyPr/>
+                    <a:lstStyle/>
+                    <a:p>
+                      <a:pPr algn="ctr"/>
+                      <a:endParaRPr lang="it-IT" sz="1400"/>
+                    </a:p>
+                  </a:txBody>
+                  <a:tcPr/>
+                </a:tc>
+                <a:extLst>
+                  <a:ext uri="{0D108BD9-81ED-4DB2-BD59-A6C34878D82A}">
+                    <a16:rowId xmlns:a16="http://schemas.microsoft.com/office/drawing/2014/main" val="1125319358"/>
+                  </a:ext>
+                </a:extLst>
+              </a:tr>
+              <a:tr h="285551">
+                <a:tc>
+                  <a:txBody>
+                    <a:bodyPr/>
+                    <a:lstStyle/>
+                    <a:p>
+                      <a:r>
+                        <a:rPr lang="it-IT" sz="1400" dirty="0"/>
+                        <a:t>UC9</a:t>
+                      </a:r>
+                    </a:p>
+                  </a:txBody>
+                  <a:tcPr/>
+                </a:tc>
+                <a:tc>
+                  <a:txBody>
+                    <a:bodyPr/>
+                    <a:lstStyle/>
+                    <a:p>
+                      <a:pPr algn="ctr"/>
+                      <a:endParaRPr lang="it-IT" sz="1400"/>
+                    </a:p>
+                  </a:txBody>
+                  <a:tcPr/>
+                </a:tc>
+                <a:tc>
+                  <a:txBody>
+                    <a:bodyPr/>
+                    <a:lstStyle/>
+                    <a:p>
+                      <a:pPr algn="ctr"/>
+                      <a:endParaRPr lang="it-IT" sz="1400"/>
+                    </a:p>
+                  </a:txBody>
+                  <a:tcPr/>
+                </a:tc>
+                <a:extLst>
+                  <a:ext uri="{0D108BD9-81ED-4DB2-BD59-A6C34878D82A}">
+                    <a16:rowId xmlns:a16="http://schemas.microsoft.com/office/drawing/2014/main" val="1426305325"/>
+                  </a:ext>
+                </a:extLst>
+              </a:tr>
+              <a:tr h="285551">
+                <a:tc>
+                  <a:txBody>
+                    <a:bodyPr/>
+                    <a:lstStyle/>
+                    <a:p>
+                      <a:r>
+                        <a:rPr lang="it-IT" sz="1400" dirty="0"/>
+                        <a:t>UC9.1</a:t>
+                      </a:r>
+                    </a:p>
+                  </a:txBody>
+                  <a:tcPr/>
+                </a:tc>
+                <a:tc>
+                  <a:txBody>
+                    <a:bodyPr/>
+                    <a:lstStyle/>
+                    <a:p>
+                      <a:pPr algn="ctr"/>
+                      <a:endParaRPr lang="it-IT" sz="1400"/>
+                    </a:p>
+                  </a:txBody>
+                  <a:tcPr/>
+                </a:tc>
+                <a:tc>
+                  <a:txBody>
+                    <a:bodyPr/>
+                    <a:lstStyle/>
+                    <a:p>
+                      <a:pPr algn="ctr"/>
+                      <a:endParaRPr lang="it-IT" sz="1400"/>
+                    </a:p>
+                  </a:txBody>
+                  <a:tcPr/>
+                </a:tc>
+                <a:extLst>
+                  <a:ext uri="{0D108BD9-81ED-4DB2-BD59-A6C34878D82A}">
+                    <a16:rowId xmlns:a16="http://schemas.microsoft.com/office/drawing/2014/main" val="3715698132"/>
+                  </a:ext>
+                </a:extLst>
+              </a:tr>
+              <a:tr h="285551">
+                <a:tc>
+                  <a:txBody>
+                    <a:bodyPr/>
+                    <a:lstStyle/>
+                    <a:p>
+                      <a:r>
+                        <a:rPr lang="it-IT" sz="1400" dirty="0"/>
+                        <a:t>UC10</a:t>
+                      </a:r>
+                    </a:p>
+                  </a:txBody>
+                  <a:tcPr/>
+                </a:tc>
+                <a:tc>
+                  <a:txBody>
+                    <a:bodyPr/>
+                    <a:lstStyle/>
+                    <a:p>
+                      <a:pPr algn="ctr"/>
+                      <a:r>
+                        <a:rPr lang="it-IT" sz="1400" dirty="0"/>
+                        <a:t>x</a:t>
+                      </a:r>
+                    </a:p>
+                  </a:txBody>
+                  <a:tcPr/>
+                </a:tc>
+                <a:tc>
+                  <a:txBody>
+                    <a:bodyPr/>
+                    <a:lstStyle/>
+                    <a:p>
+                      <a:pPr algn="ctr"/>
+                      <a:endParaRPr lang="it-IT" sz="1400" dirty="0"/>
+                    </a:p>
+                  </a:txBody>
+                  <a:tcPr/>
+                </a:tc>
+                <a:extLst>
+                  <a:ext uri="{0D108BD9-81ED-4DB2-BD59-A6C34878D82A}">
+                    <a16:rowId xmlns:a16="http://schemas.microsoft.com/office/drawing/2014/main" val="3456609315"/>
+                  </a:ext>
+                </a:extLst>
+              </a:tr>
+              <a:tr h="285551">
+                <a:tc>
+                  <a:txBody>
+                    <a:bodyPr/>
+                    <a:lstStyle/>
+                    <a:p>
+                      <a:r>
+                        <a:rPr lang="it-IT" sz="1400" dirty="0"/>
+                        <a:t>UC10.1</a:t>
+                      </a:r>
+                    </a:p>
+                  </a:txBody>
+                  <a:tcPr/>
+                </a:tc>
+                <a:tc>
+                  <a:txBody>
+                    <a:bodyPr/>
+                    <a:lstStyle/>
+                    <a:p>
+                      <a:pPr algn="ctr"/>
+                      <a:endParaRPr lang="it-IT" sz="1400" dirty="0"/>
+                    </a:p>
+                  </a:txBody>
+                  <a:tcPr/>
+                </a:tc>
+                <a:tc>
+                  <a:txBody>
+                    <a:bodyPr/>
+                    <a:lstStyle/>
+                    <a:p>
+                      <a:pPr algn="ctr"/>
+                      <a:endParaRPr lang="it-IT" sz="1400" dirty="0"/>
+                    </a:p>
+                  </a:txBody>
+                  <a:tcPr/>
+                </a:tc>
+                <a:extLst>
+                  <a:ext uri="{0D108BD9-81ED-4DB2-BD59-A6C34878D82A}">
+                    <a16:rowId xmlns:a16="http://schemas.microsoft.com/office/drawing/2014/main" val="4251963506"/>
+                  </a:ext>
+                </a:extLst>
+              </a:tr>
+              <a:tr h="285551">
+                <a:tc>
+                  <a:txBody>
+                    <a:bodyPr/>
+                    <a:lstStyle/>
+                    <a:p>
+                      <a:r>
+                        <a:rPr lang="it-IT" sz="1400" dirty="0"/>
+                        <a:t>UC11</a:t>
+                      </a:r>
+                    </a:p>
+                  </a:txBody>
+                  <a:tcPr/>
+                </a:tc>
+                <a:tc>
+                  <a:txBody>
+                    <a:bodyPr/>
+                    <a:lstStyle/>
+                    <a:p>
+                      <a:pPr algn="ctr"/>
+                      <a:endParaRPr lang="it-IT" sz="1400" dirty="0"/>
+                    </a:p>
+                  </a:txBody>
+                  <a:tcPr/>
+                </a:tc>
+                <a:tc>
+                  <a:txBody>
+                    <a:bodyPr/>
+                    <a:lstStyle/>
+                    <a:p>
+                      <a:pPr algn="ctr"/>
+                      <a:endParaRPr lang="it-IT" sz="1400" dirty="0"/>
+                    </a:p>
+                  </a:txBody>
+                  <a:tcPr/>
+                </a:tc>
+                <a:extLst>
+                  <a:ext uri="{0D108BD9-81ED-4DB2-BD59-A6C34878D82A}">
+                    <a16:rowId xmlns:a16="http://schemas.microsoft.com/office/drawing/2014/main" val="3731148507"/>
+                  </a:ext>
+                </a:extLst>
+              </a:tr>
+              <a:tr h="285551">
+                <a:tc>
+                  <a:txBody>
+                    <a:bodyPr/>
+                    <a:lstStyle/>
+                    <a:p>
+                      <a:r>
+                        <a:rPr lang="it-IT" sz="1400" dirty="0"/>
+                        <a:t>UC11.1</a:t>
+                      </a:r>
+                    </a:p>
+                  </a:txBody>
+                  <a:tcPr/>
+                </a:tc>
+                <a:tc>
+                  <a:txBody>
+                    <a:bodyPr/>
+                    <a:lstStyle/>
+                    <a:p>
+                      <a:pPr algn="ctr"/>
+                      <a:endParaRPr lang="it-IT" sz="1400" dirty="0"/>
+                    </a:p>
+                  </a:txBody>
+                  <a:tcPr/>
+                </a:tc>
+                <a:tc>
+                  <a:txBody>
+                    <a:bodyPr/>
+                    <a:lstStyle/>
+                    <a:p>
+                      <a:pPr algn="ctr"/>
+                      <a:endParaRPr lang="it-IT" sz="1400" dirty="0"/>
+                    </a:p>
+                  </a:txBody>
+                  <a:tcPr/>
+                </a:tc>
+                <a:extLst>
+                  <a:ext uri="{0D108BD9-81ED-4DB2-BD59-A6C34878D82A}">
+                    <a16:rowId xmlns:a16="http://schemas.microsoft.com/office/drawing/2014/main" val="4209218957"/>
+                  </a:ext>
+                </a:extLst>
+              </a:tr>
+              <a:tr h="285551">
+                <a:tc>
+                  <a:txBody>
+                    <a:bodyPr/>
+                    <a:lstStyle/>
+                    <a:p>
+                      <a:r>
+                        <a:rPr lang="it-IT" sz="1400" dirty="0"/>
+                        <a:t>UC12</a:t>
+                      </a:r>
+                    </a:p>
+                  </a:txBody>
+                  <a:tcPr/>
+                </a:tc>
+                <a:tc>
+                  <a:txBody>
+                    <a:bodyPr/>
+                    <a:lstStyle/>
+                    <a:p>
+                      <a:pPr algn="ctr"/>
+                      <a:r>
+                        <a:rPr lang="it-IT" sz="1400" dirty="0"/>
+                        <a:t>X</a:t>
+                      </a:r>
+                    </a:p>
+                  </a:txBody>
+                  <a:tcPr/>
+                </a:tc>
+                <a:tc>
+                  <a:txBody>
+                    <a:bodyPr/>
+                    <a:lstStyle/>
+                    <a:p>
+                      <a:pPr algn="ctr"/>
+                      <a:endParaRPr lang="it-IT" sz="1400" dirty="0"/>
+                    </a:p>
+                  </a:txBody>
+                  <a:tcPr/>
+                </a:tc>
+                <a:extLst>
+                  <a:ext uri="{0D108BD9-81ED-4DB2-BD59-A6C34878D82A}">
+                    <a16:rowId xmlns:a16="http://schemas.microsoft.com/office/drawing/2014/main" val="2107590001"/>
+                  </a:ext>
+                </a:extLst>
+              </a:tr>
+              <a:tr h="285551">
+                <a:tc>
+                  <a:txBody>
+                    <a:bodyPr/>
+                    <a:lstStyle/>
+                    <a:p>
+                      <a:r>
+                        <a:rPr lang="it-IT" sz="1400" dirty="0"/>
+                        <a:t>UC13</a:t>
+                      </a:r>
+                    </a:p>
+                  </a:txBody>
+                  <a:tcPr/>
+                </a:tc>
+                <a:tc>
+                  <a:txBody>
+                    <a:bodyPr/>
+                    <a:lstStyle/>
+                    <a:p>
+                      <a:pPr algn="ctr"/>
+                      <a:endParaRPr lang="it-IT" sz="1400" dirty="0"/>
+                    </a:p>
+                  </a:txBody>
+                  <a:tcPr/>
+                </a:tc>
+                <a:tc>
+                  <a:txBody>
+                    <a:bodyPr/>
+                    <a:lstStyle/>
+                    <a:p>
+                      <a:pPr algn="ctr"/>
+                      <a:endParaRPr lang="it-IT" sz="1400" dirty="0"/>
+                    </a:p>
+                  </a:txBody>
+                  <a:tcPr/>
+                </a:tc>
+                <a:extLst>
+                  <a:ext uri="{0D108BD9-81ED-4DB2-BD59-A6C34878D82A}">
+                    <a16:rowId xmlns:a16="http://schemas.microsoft.com/office/drawing/2014/main" val="759255058"/>
+                  </a:ext>
+                </a:extLst>
+              </a:tr>
+              <a:tr h="285551">
+                <a:tc>
+                  <a:txBody>
+                    <a:bodyPr/>
+                    <a:lstStyle/>
+                    <a:p>
+                      <a:r>
+                        <a:rPr lang="it-IT" sz="1400" dirty="0"/>
+                        <a:t>UC13.1</a:t>
+                      </a:r>
+                    </a:p>
+                  </a:txBody>
+                  <a:tcPr/>
+                </a:tc>
+                <a:tc>
+                  <a:txBody>
+                    <a:bodyPr/>
+                    <a:lstStyle/>
+                    <a:p>
+                      <a:pPr algn="ctr"/>
+                      <a:r>
+                        <a:rPr lang="it-IT" sz="1400" dirty="0"/>
+                        <a:t>X</a:t>
+                      </a:r>
+                    </a:p>
+                  </a:txBody>
+                  <a:tcPr/>
+                </a:tc>
+                <a:tc>
+                  <a:txBody>
+                    <a:bodyPr/>
+                    <a:lstStyle/>
+                    <a:p>
+                      <a:pPr algn="ctr"/>
+                      <a:endParaRPr lang="it-IT" sz="1400" dirty="0"/>
+                    </a:p>
+                  </a:txBody>
+                  <a:tcPr/>
+                </a:tc>
+                <a:extLst>
+                  <a:ext uri="{0D108BD9-81ED-4DB2-BD59-A6C34878D82A}">
+                    <a16:rowId xmlns:a16="http://schemas.microsoft.com/office/drawing/2014/main" val="1556226710"/>
+                  </a:ext>
+                </a:extLst>
+              </a:tr>
+              <a:tr h="285551">
+                <a:tc>
+                  <a:txBody>
+                    <a:bodyPr/>
+                    <a:lstStyle/>
+                    <a:p>
+                      <a:r>
+                        <a:rPr lang="it-IT" sz="1400" dirty="0"/>
+                        <a:t>UC13.2</a:t>
+                      </a:r>
+                    </a:p>
+                  </a:txBody>
+                  <a:tcPr/>
+                </a:tc>
+                <a:tc>
+                  <a:txBody>
+                    <a:bodyPr/>
+                    <a:lstStyle/>
+                    <a:p>
+                      <a:pPr algn="ctr"/>
+                      <a:r>
+                        <a:rPr lang="it-IT" sz="1400" dirty="0"/>
+                        <a:t>X</a:t>
+                      </a:r>
+                    </a:p>
+                  </a:txBody>
+                  <a:tcPr/>
+                </a:tc>
+                <a:tc>
+                  <a:txBody>
+                    <a:bodyPr/>
+                    <a:lstStyle/>
+                    <a:p>
+                      <a:pPr algn="ctr"/>
+                      <a:r>
+                        <a:rPr lang="it-IT" sz="1400" dirty="0"/>
+                        <a:t>X</a:t>
+                      </a:r>
+                    </a:p>
+                  </a:txBody>
+                  <a:tcPr/>
+                </a:tc>
+                <a:extLst>
+                  <a:ext uri="{0D108BD9-81ED-4DB2-BD59-A6C34878D82A}">
+                    <a16:rowId xmlns:a16="http://schemas.microsoft.com/office/drawing/2014/main" val="1938586395"/>
+                  </a:ext>
+                </a:extLst>
+              </a:tr>
+              <a:tr h="285551">
+                <a:tc>
+                  <a:txBody>
+                    <a:bodyPr/>
+                    <a:lstStyle/>
+                    <a:p>
+                      <a:r>
+                        <a:rPr lang="it-IT" sz="1400" dirty="0"/>
+                        <a:t>UC13.3</a:t>
+                      </a:r>
+                    </a:p>
+                  </a:txBody>
+                  <a:tcPr/>
+                </a:tc>
+                <a:tc>
+                  <a:txBody>
+                    <a:bodyPr/>
+                    <a:lstStyle/>
+                    <a:p>
+                      <a:pPr algn="ctr"/>
+                      <a:endParaRPr lang="it-IT" sz="1400" dirty="0"/>
+                    </a:p>
+                  </a:txBody>
+                  <a:tcPr/>
+                </a:tc>
+                <a:tc>
+                  <a:txBody>
+                    <a:bodyPr/>
+                    <a:lstStyle/>
+                    <a:p>
+                      <a:pPr algn="ctr"/>
+                      <a:endParaRPr lang="it-IT" sz="1400" dirty="0"/>
+                    </a:p>
+                  </a:txBody>
+                  <a:tcPr/>
+                </a:tc>
+                <a:extLst>
+                  <a:ext uri="{0D108BD9-81ED-4DB2-BD59-A6C34878D82A}">
+                    <a16:rowId xmlns:a16="http://schemas.microsoft.com/office/drawing/2014/main" val="378289429"/>
+                  </a:ext>
+                </a:extLst>
+              </a:tr>
+              <a:tr h="285551">
+                <a:tc>
+                  <a:txBody>
+                    <a:bodyPr/>
+                    <a:lstStyle/>
+                    <a:p>
+                      <a:r>
+                        <a:rPr lang="it-IT" sz="1400" dirty="0"/>
+                        <a:t>UC13.4</a:t>
+                      </a:r>
+                    </a:p>
+                  </a:txBody>
+                  <a:tcPr/>
+                </a:tc>
+                <a:tc>
+                  <a:txBody>
+                    <a:bodyPr/>
+                    <a:lstStyle/>
+                    <a:p>
+                      <a:pPr algn="ctr"/>
+                      <a:endParaRPr lang="it-IT" sz="1400" dirty="0"/>
+                    </a:p>
+                  </a:txBody>
+                  <a:tcPr/>
+                </a:tc>
+                <a:tc>
+                  <a:txBody>
+                    <a:bodyPr/>
+                    <a:lstStyle/>
+                    <a:p>
+                      <a:pPr algn="ctr"/>
+                      <a:endParaRPr lang="it-IT" sz="1400" dirty="0"/>
+                    </a:p>
+                  </a:txBody>
+                  <a:tcPr/>
+                </a:tc>
+                <a:extLst>
+                  <a:ext uri="{0D108BD9-81ED-4DB2-BD59-A6C34878D82A}">
+                    <a16:rowId xmlns:a16="http://schemas.microsoft.com/office/drawing/2014/main" val="4265841690"/>
+                  </a:ext>
+                </a:extLst>
+              </a:tr>
+              <a:tr h="285551">
+                <a:tc>
+                  <a:txBody>
+                    <a:bodyPr/>
+                    <a:lstStyle/>
+                    <a:p>
+                      <a:r>
+                        <a:rPr lang="it-IT" sz="1400" dirty="0"/>
+                        <a:t>UC13.5</a:t>
+                      </a:r>
+                    </a:p>
+                  </a:txBody>
+                  <a:tcPr/>
+                </a:tc>
+                <a:tc>
+                  <a:txBody>
+                    <a:bodyPr/>
+                    <a:lstStyle/>
+                    <a:p>
+                      <a:pPr algn="ctr"/>
+                      <a:r>
+                        <a:rPr lang="it-IT" sz="1400" dirty="0"/>
+                        <a:t>X</a:t>
+                      </a:r>
+                    </a:p>
+                  </a:txBody>
+                  <a:tcPr/>
+                </a:tc>
+                <a:tc>
+                  <a:txBody>
+                    <a:bodyPr/>
+                    <a:lstStyle/>
+                    <a:p>
+                      <a:pPr algn="ctr"/>
+                      <a:r>
+                        <a:rPr lang="it-IT" sz="1400" dirty="0"/>
+                        <a:t>X</a:t>
+                      </a:r>
+                    </a:p>
+                  </a:txBody>
+                  <a:tcPr/>
+                </a:tc>
+                <a:extLst>
+                  <a:ext uri="{0D108BD9-81ED-4DB2-BD59-A6C34878D82A}">
+                    <a16:rowId xmlns:a16="http://schemas.microsoft.com/office/drawing/2014/main" val="513391882"/>
+                  </a:ext>
+                </a:extLst>
+              </a:tr>
+            </a:tbl>
+          </a:graphicData>
+        </a:graphic>
+      </p:graphicFrame>
+      <p:graphicFrame>
+        <p:nvGraphicFramePr>
+          <p:cNvPr id="10" name="Grafico 9">
+            <a:extLst>
+              <a:ext uri="{FF2B5EF4-FFF2-40B4-BE49-F238E27FC236}">
+                <a16:creationId xmlns:a16="http://schemas.microsoft.com/office/drawing/2014/main" id="{B9720260-9DF1-4E05-9E83-7AA662EFD539}"/>
+              </a:ext>
+            </a:extLst>
+          </p:cNvPr>
+          <p:cNvGraphicFramePr/>
+          <p:nvPr>
+            <p:extLst>
+              <p:ext uri="{D42A27DB-BD31-4B8C-83A1-F6EECF244321}">
+                <p14:modId xmlns:p14="http://schemas.microsoft.com/office/powerpoint/2010/main" val="2486774111"/>
+              </p:ext>
+            </p:extLst>
+          </p:nvPr>
+        </p:nvGraphicFramePr>
+        <p:xfrm>
+          <a:off x="8447454" y="1402715"/>
+          <a:ext cx="2906346" cy="2562616"/>
+        </p:xfrm>
+        <a:graphic>
+          <a:graphicData uri="http://schemas.openxmlformats.org/drawingml/2006/chart">
+            <c:chart xmlns:c="http://schemas.openxmlformats.org/drawingml/2006/chart" xmlns:r="http://schemas.openxmlformats.org/officeDocument/2006/relationships" r:id="rId2"/>
+          </a:graphicData>
+        </a:graphic>
+      </p:graphicFrame>
+      <p:graphicFrame>
+        <p:nvGraphicFramePr>
+          <p:cNvPr id="11" name="Grafico 10">
+            <a:extLst>
+              <a:ext uri="{FF2B5EF4-FFF2-40B4-BE49-F238E27FC236}">
+                <a16:creationId xmlns:a16="http://schemas.microsoft.com/office/drawing/2014/main" id="{220C445B-B017-49F0-9210-670A042B4F39}"/>
+              </a:ext>
+            </a:extLst>
+          </p:cNvPr>
+          <p:cNvGraphicFramePr/>
+          <p:nvPr>
+            <p:extLst>
+              <p:ext uri="{D42A27DB-BD31-4B8C-83A1-F6EECF244321}">
+                <p14:modId xmlns:p14="http://schemas.microsoft.com/office/powerpoint/2010/main" val="1635974630"/>
+              </p:ext>
+            </p:extLst>
+          </p:nvPr>
+        </p:nvGraphicFramePr>
+        <p:xfrm>
+          <a:off x="8447454" y="3965331"/>
+          <a:ext cx="2906346" cy="2521528"/>
+        </p:xfrm>
+        <a:graphic>
+          <a:graphicData uri="http://schemas.openxmlformats.org/drawingml/2006/chart">
+            <c:chart xmlns:c="http://schemas.openxmlformats.org/drawingml/2006/chart" xmlns:r="http://schemas.openxmlformats.org/officeDocument/2006/relationships" r:id="rId3"/>
+          </a:graphicData>
+        </a:graphic>
+      </p:graphicFrame>
+    </p:spTree>
+    <p:extLst>
+      <p:ext uri="{BB962C8B-B14F-4D97-AF65-F5344CB8AC3E}">
+        <p14:creationId xmlns:p14="http://schemas.microsoft.com/office/powerpoint/2010/main" val="4207117042"/>
+      </p:ext>
+    </p:extLst>
+  </p:cSld>
+  <p:clrMapOvr>
+    <a:masterClrMapping/>
+  </p:clrMapOvr>
+</p:sld>
+</file>
+
+<file path=ppt/slides/slide14.xml><?xml version="1.0" encoding="utf-8"?>
+<p:sld xmlns:a="http://schemas.openxmlformats.org/drawingml/2006/main" xmlns:r="http://schemas.openxmlformats.org/officeDocument/2006/relationships" xmlns:p="http://schemas.openxmlformats.org/presentationml/2006/main">
+  <p:cSld>
+    <p:spTree>
+      <p:nvGrpSpPr>
+        <p:cNvPr id="1" name=""/>
+        <p:cNvGrpSpPr/>
+        <p:nvPr/>
+      </p:nvGrpSpPr>
+      <p:grpSpPr>
+        <a:xfrm>
+          <a:off x="0" y="0"/>
+          <a:ext cx="0" cy="0"/>
+          <a:chOff x="0" y="0"/>
+          <a:chExt cx="0" cy="0"/>
+        </a:xfrm>
+      </p:grpSpPr>
+      <p:sp>
+        <p:nvSpPr>
+          <p:cNvPr id="2" name="Titolo 1">
+            <a:extLst>
+              <a:ext uri="{FF2B5EF4-FFF2-40B4-BE49-F238E27FC236}">
+                <a16:creationId xmlns:a16="http://schemas.microsoft.com/office/drawing/2014/main" id="{8F7FA2C4-43DE-4C42-9247-A07C657F3110}"/>
+              </a:ext>
+            </a:extLst>
+          </p:cNvPr>
+          <p:cNvSpPr>
+            <a:spLocks noGrp="1"/>
+          </p:cNvSpPr>
+          <p:nvPr>
+            <p:ph type="title"/>
+          </p:nvPr>
+        </p:nvSpPr>
+        <p:spPr>
+          <a:xfrm>
+            <a:off x="838200" y="365126"/>
+            <a:ext cx="10515600" cy="751498"/>
+          </a:xfrm>
+        </p:spPr>
+        <p:txBody>
+          <a:bodyPr/>
+          <a:lstStyle/>
+          <a:p>
+            <a:r>
+              <a:rPr lang="it-IT" dirty="0"/>
+              <a:t>Requisiti obbligatori funzionali soddisfatti</a:t>
+            </a:r>
+          </a:p>
+        </p:txBody>
+      </p:sp>
+      <p:graphicFrame>
+        <p:nvGraphicFramePr>
+          <p:cNvPr id="4" name="Segnaposto contenuto 3">
+            <a:extLst>
+              <a:ext uri="{FF2B5EF4-FFF2-40B4-BE49-F238E27FC236}">
+                <a16:creationId xmlns:a16="http://schemas.microsoft.com/office/drawing/2014/main" id="{2D750235-B416-4735-B921-66B654BE367A}"/>
+              </a:ext>
+            </a:extLst>
+          </p:cNvPr>
+          <p:cNvGraphicFramePr>
+            <a:graphicFrameLocks noGrp="1"/>
+          </p:cNvGraphicFramePr>
+          <p:nvPr>
+            <p:ph idx="1"/>
+            <p:extLst>
+              <p:ext uri="{D42A27DB-BD31-4B8C-83A1-F6EECF244321}">
+                <p14:modId xmlns:p14="http://schemas.microsoft.com/office/powerpoint/2010/main" val="1994584333"/>
+              </p:ext>
+            </p:extLst>
+          </p:nvPr>
+        </p:nvGraphicFramePr>
+        <p:xfrm>
+          <a:off x="556846" y="1510518"/>
+          <a:ext cx="3777762" cy="4982360"/>
+        </p:xfrm>
+        <a:graphic>
+          <a:graphicData uri="http://schemas.openxmlformats.org/drawingml/2006/table">
+            <a:tbl>
+              <a:tblPr firstRow="1" bandRow="1">
+                <a:tableStyleId>{5C22544A-7EE6-4342-B048-85BDC9FD1C3A}</a:tableStyleId>
+              </a:tblPr>
+              <a:tblGrid>
+                <a:gridCol w="928501">
+                  <a:extLst>
+                    <a:ext uri="{9D8B030D-6E8A-4147-A177-3AD203B41FA5}">
+                      <a16:colId xmlns:a16="http://schemas.microsoft.com/office/drawing/2014/main" val="1575452336"/>
+                    </a:ext>
+                  </a:extLst>
+                </a:gridCol>
+                <a:gridCol w="1406843">
+                  <a:extLst>
+                    <a:ext uri="{9D8B030D-6E8A-4147-A177-3AD203B41FA5}">
+                      <a16:colId xmlns:a16="http://schemas.microsoft.com/office/drawing/2014/main" val="1075813231"/>
+                    </a:ext>
+                  </a:extLst>
+                </a:gridCol>
+                <a:gridCol w="1442418">
+                  <a:extLst>
+                    <a:ext uri="{9D8B030D-6E8A-4147-A177-3AD203B41FA5}">
+                      <a16:colId xmlns:a16="http://schemas.microsoft.com/office/drawing/2014/main" val="1895294404"/>
+                    </a:ext>
+                  </a:extLst>
+                </a:gridCol>
+              </a:tblGrid>
+              <a:tr h="618248">
+                <a:tc>
+                  <a:txBody>
+                    <a:bodyPr/>
+                    <a:lstStyle/>
+                    <a:p>
+                      <a:r>
+                        <a:rPr lang="it-IT" sz="1400" dirty="0"/>
+                        <a:t>Requisito </a:t>
+                      </a:r>
+                    </a:p>
+                  </a:txBody>
+                  <a:tcPr/>
+                </a:tc>
+                <a:tc>
+                  <a:txBody>
+                    <a:bodyPr/>
+                    <a:lstStyle/>
+                    <a:p>
+                      <a:r>
+                        <a:rPr lang="it-IT" sz="1400" dirty="0" err="1"/>
+                        <a:t>Soddifacimento</a:t>
+                      </a:r>
+                      <a:endParaRPr lang="it-IT" sz="1400" dirty="0"/>
+                    </a:p>
+                    <a:p>
+                      <a:r>
+                        <a:rPr lang="it-IT" sz="1400" dirty="0" err="1"/>
+                        <a:t>archittettura</a:t>
+                      </a:r>
+                      <a:endParaRPr lang="it-IT" sz="1400" dirty="0"/>
+                    </a:p>
+                  </a:txBody>
+                  <a:tcPr/>
+                </a:tc>
+                <a:tc>
+                  <a:txBody>
+                    <a:bodyPr/>
+                    <a:lstStyle/>
+                    <a:p>
+                      <a:r>
+                        <a:rPr lang="it-IT" sz="1400" dirty="0"/>
+                        <a:t>Soddisfacimento</a:t>
+                      </a:r>
+                    </a:p>
+                    <a:p>
+                      <a:r>
+                        <a:rPr lang="it-IT" sz="1400" dirty="0"/>
+                        <a:t>codice</a:t>
+                      </a:r>
+                    </a:p>
+                  </a:txBody>
+                  <a:tcPr/>
+                </a:tc>
+                <a:extLst>
+                  <a:ext uri="{0D108BD9-81ED-4DB2-BD59-A6C34878D82A}">
+                    <a16:rowId xmlns:a16="http://schemas.microsoft.com/office/drawing/2014/main" val="984676786"/>
+                  </a:ext>
+                </a:extLst>
+              </a:tr>
+              <a:tr h="363676">
+                <a:tc>
+                  <a:txBody>
+                    <a:bodyPr/>
+                    <a:lstStyle/>
+                    <a:p>
+                      <a:r>
+                        <a:rPr lang="it-IT" sz="1400" dirty="0"/>
+                        <a:t>ROF0</a:t>
+                      </a:r>
+                    </a:p>
+                  </a:txBody>
+                  <a:tcPr/>
+                </a:tc>
+                <a:tc>
+                  <a:txBody>
+                    <a:bodyPr/>
+                    <a:lstStyle/>
+                    <a:p>
+                      <a:pPr algn="ctr"/>
+                      <a:r>
+                        <a:rPr lang="it-IT" sz="1400" dirty="0"/>
+                        <a:t>x</a:t>
+                      </a:r>
+                    </a:p>
+                  </a:txBody>
+                  <a:tcPr/>
+                </a:tc>
+                <a:tc>
+                  <a:txBody>
+                    <a:bodyPr/>
+                    <a:lstStyle/>
+                    <a:p>
+                      <a:pPr algn="ctr"/>
+                      <a:r>
+                        <a:rPr lang="it-IT" sz="1400" dirty="0"/>
+                        <a:t>x</a:t>
+                      </a:r>
+                    </a:p>
+                  </a:txBody>
+                  <a:tcPr/>
+                </a:tc>
+                <a:extLst>
+                  <a:ext uri="{0D108BD9-81ED-4DB2-BD59-A6C34878D82A}">
+                    <a16:rowId xmlns:a16="http://schemas.microsoft.com/office/drawing/2014/main" val="1370018795"/>
+                  </a:ext>
+                </a:extLst>
+              </a:tr>
+              <a:tr h="363676">
+                <a:tc>
+                  <a:txBody>
+                    <a:bodyPr/>
+                    <a:lstStyle/>
+                    <a:p>
+                      <a:r>
+                        <a:rPr lang="it-IT" sz="1400" dirty="0"/>
+                        <a:t>ROF1</a:t>
+                      </a:r>
+                    </a:p>
+                  </a:txBody>
+                  <a:tcPr/>
+                </a:tc>
+                <a:tc>
+                  <a:txBody>
+                    <a:bodyPr/>
+                    <a:lstStyle/>
+                    <a:p>
+                      <a:pPr algn="ctr"/>
+                      <a:r>
+                        <a:rPr lang="it-IT" sz="1400" dirty="0"/>
+                        <a:t>x</a:t>
+                      </a:r>
+                    </a:p>
+                  </a:txBody>
+                  <a:tcPr/>
+                </a:tc>
+                <a:tc>
+                  <a:txBody>
+                    <a:bodyPr/>
+                    <a:lstStyle/>
+                    <a:p>
+                      <a:pPr algn="ctr"/>
+                      <a:r>
+                        <a:rPr lang="it-IT" sz="1400" dirty="0"/>
+                        <a:t>x</a:t>
+                      </a:r>
+                    </a:p>
+                  </a:txBody>
+                  <a:tcPr/>
+                </a:tc>
+                <a:extLst>
+                  <a:ext uri="{0D108BD9-81ED-4DB2-BD59-A6C34878D82A}">
+                    <a16:rowId xmlns:a16="http://schemas.microsoft.com/office/drawing/2014/main" val="4150568443"/>
+                  </a:ext>
+                </a:extLst>
+              </a:tr>
+              <a:tr h="363676">
+                <a:tc>
+                  <a:txBody>
+                    <a:bodyPr/>
+                    <a:lstStyle/>
+                    <a:p>
+                      <a:r>
+                        <a:rPr lang="it-IT" sz="1400" dirty="0"/>
+                        <a:t>ROF2</a:t>
+                      </a:r>
+                    </a:p>
+                  </a:txBody>
+                  <a:tcPr/>
+                </a:tc>
+                <a:tc>
+                  <a:txBody>
+                    <a:bodyPr/>
+                    <a:lstStyle/>
+                    <a:p>
+                      <a:pPr algn="ctr"/>
+                      <a:r>
+                        <a:rPr lang="it-IT" sz="1400" dirty="0"/>
+                        <a:t>x</a:t>
+                      </a:r>
+                    </a:p>
+                  </a:txBody>
+                  <a:tcPr/>
+                </a:tc>
+                <a:tc>
+                  <a:txBody>
+                    <a:bodyPr/>
+                    <a:lstStyle/>
+                    <a:p>
+                      <a:pPr algn="ctr"/>
+                      <a:r>
+                        <a:rPr lang="it-IT" sz="1400" dirty="0"/>
+                        <a:t>x</a:t>
+                      </a:r>
+                    </a:p>
+                  </a:txBody>
+                  <a:tcPr/>
+                </a:tc>
+                <a:extLst>
+                  <a:ext uri="{0D108BD9-81ED-4DB2-BD59-A6C34878D82A}">
+                    <a16:rowId xmlns:a16="http://schemas.microsoft.com/office/drawing/2014/main" val="1733770022"/>
+                  </a:ext>
+                </a:extLst>
+              </a:tr>
+              <a:tr h="363676">
+                <a:tc>
+                  <a:txBody>
+                    <a:bodyPr/>
+                    <a:lstStyle/>
+                    <a:p>
+                      <a:r>
+                        <a:rPr lang="it-IT" sz="1400" dirty="0"/>
+                        <a:t>ROF2.1</a:t>
+                      </a:r>
+                    </a:p>
+                  </a:txBody>
+                  <a:tcPr/>
+                </a:tc>
+                <a:tc>
+                  <a:txBody>
+                    <a:bodyPr/>
+                    <a:lstStyle/>
+                    <a:p>
+                      <a:pPr algn="ctr"/>
+                      <a:r>
+                        <a:rPr lang="it-IT" sz="1400" dirty="0"/>
+                        <a:t>x</a:t>
+                      </a:r>
+                    </a:p>
+                  </a:txBody>
+                  <a:tcPr/>
+                </a:tc>
+                <a:tc>
+                  <a:txBody>
+                    <a:bodyPr/>
+                    <a:lstStyle/>
+                    <a:p>
+                      <a:pPr algn="ctr"/>
+                      <a:r>
+                        <a:rPr lang="it-IT" sz="1400" dirty="0"/>
+                        <a:t>x</a:t>
+                      </a:r>
+                    </a:p>
+                  </a:txBody>
+                  <a:tcPr/>
+                </a:tc>
+                <a:extLst>
+                  <a:ext uri="{0D108BD9-81ED-4DB2-BD59-A6C34878D82A}">
+                    <a16:rowId xmlns:a16="http://schemas.microsoft.com/office/drawing/2014/main" val="3780461931"/>
+                  </a:ext>
+                </a:extLst>
+              </a:tr>
+              <a:tr h="363676">
+                <a:tc>
+                  <a:txBody>
+                    <a:bodyPr/>
+                    <a:lstStyle/>
+                    <a:p>
+                      <a:r>
+                        <a:rPr lang="it-IT" sz="1400" dirty="0"/>
+                        <a:t>ROF3</a:t>
+                      </a:r>
+                    </a:p>
+                  </a:txBody>
+                  <a:tcPr/>
+                </a:tc>
+                <a:tc>
+                  <a:txBody>
+                    <a:bodyPr/>
+                    <a:lstStyle/>
+                    <a:p>
+                      <a:pPr algn="ctr"/>
+                      <a:r>
+                        <a:rPr lang="it-IT" sz="1400" dirty="0"/>
+                        <a:t>x</a:t>
+                      </a:r>
+                    </a:p>
+                  </a:txBody>
+                  <a:tcPr/>
+                </a:tc>
+                <a:tc>
+                  <a:txBody>
+                    <a:bodyPr/>
+                    <a:lstStyle/>
+                    <a:p>
+                      <a:pPr algn="ctr"/>
+                      <a:r>
+                        <a:rPr lang="it-IT" sz="1400" dirty="0"/>
+                        <a:t>x</a:t>
+                      </a:r>
+                    </a:p>
+                  </a:txBody>
+                  <a:tcPr/>
+                </a:tc>
+                <a:extLst>
+                  <a:ext uri="{0D108BD9-81ED-4DB2-BD59-A6C34878D82A}">
+                    <a16:rowId xmlns:a16="http://schemas.microsoft.com/office/drawing/2014/main" val="2901347313"/>
+                  </a:ext>
+                </a:extLst>
+              </a:tr>
+              <a:tr h="363676">
+                <a:tc>
+                  <a:txBody>
+                    <a:bodyPr/>
+                    <a:lstStyle/>
+                    <a:p>
+                      <a:r>
+                        <a:rPr lang="it-IT" sz="1400" dirty="0"/>
+                        <a:t>ROF3.1</a:t>
+                      </a:r>
+                    </a:p>
+                  </a:txBody>
+                  <a:tcPr/>
+                </a:tc>
+                <a:tc>
+                  <a:txBody>
+                    <a:bodyPr/>
+                    <a:lstStyle/>
+                    <a:p>
+                      <a:pPr algn="ctr"/>
+                      <a:r>
+                        <a:rPr lang="it-IT" sz="1400" dirty="0"/>
+                        <a:t>x</a:t>
+                      </a:r>
+                    </a:p>
+                  </a:txBody>
+                  <a:tcPr/>
+                </a:tc>
+                <a:tc>
+                  <a:txBody>
+                    <a:bodyPr/>
+                    <a:lstStyle/>
+                    <a:p>
+                      <a:pPr algn="ctr"/>
+                      <a:endParaRPr lang="it-IT" sz="1400"/>
+                    </a:p>
+                  </a:txBody>
+                  <a:tcPr/>
+                </a:tc>
+                <a:extLst>
+                  <a:ext uri="{0D108BD9-81ED-4DB2-BD59-A6C34878D82A}">
+                    <a16:rowId xmlns:a16="http://schemas.microsoft.com/office/drawing/2014/main" val="1980845685"/>
+                  </a:ext>
+                </a:extLst>
+              </a:tr>
+              <a:tr h="363676">
+                <a:tc>
+                  <a:txBody>
+                    <a:bodyPr/>
+                    <a:lstStyle/>
+                    <a:p>
+                      <a:r>
+                        <a:rPr lang="it-IT" sz="1400" dirty="0"/>
+                        <a:t>ROF4</a:t>
+                      </a:r>
+                    </a:p>
+                  </a:txBody>
+                  <a:tcPr/>
+                </a:tc>
+                <a:tc>
+                  <a:txBody>
+                    <a:bodyPr/>
+                    <a:lstStyle/>
+                    <a:p>
+                      <a:pPr algn="ctr"/>
+                      <a:r>
+                        <a:rPr lang="it-IT" sz="1400" dirty="0"/>
+                        <a:t>x</a:t>
+                      </a:r>
+                    </a:p>
+                  </a:txBody>
+                  <a:tcPr/>
+                </a:tc>
+                <a:tc>
+                  <a:txBody>
+                    <a:bodyPr/>
+                    <a:lstStyle/>
+                    <a:p>
+                      <a:pPr algn="ctr"/>
+                      <a:endParaRPr lang="it-IT" sz="1400" dirty="0"/>
+                    </a:p>
+                  </a:txBody>
+                  <a:tcPr/>
+                </a:tc>
+                <a:extLst>
+                  <a:ext uri="{0D108BD9-81ED-4DB2-BD59-A6C34878D82A}">
+                    <a16:rowId xmlns:a16="http://schemas.microsoft.com/office/drawing/2014/main" val="2722515190"/>
+                  </a:ext>
+                </a:extLst>
+              </a:tr>
+              <a:tr h="363676">
+                <a:tc>
+                  <a:txBody>
+                    <a:bodyPr/>
+                    <a:lstStyle/>
+                    <a:p>
+                      <a:r>
+                        <a:rPr lang="it-IT" sz="1400" dirty="0"/>
+                        <a:t>ROF4.1</a:t>
+                      </a:r>
+                    </a:p>
+                  </a:txBody>
+                  <a:tcPr/>
+                </a:tc>
+                <a:tc>
+                  <a:txBody>
+                    <a:bodyPr/>
+                    <a:lstStyle/>
+                    <a:p>
+                      <a:pPr algn="ctr"/>
+                      <a:r>
+                        <a:rPr lang="it-IT" sz="1400" dirty="0"/>
+                        <a:t>x</a:t>
+                      </a:r>
+                    </a:p>
+                  </a:txBody>
+                  <a:tcPr/>
+                </a:tc>
+                <a:tc>
+                  <a:txBody>
+                    <a:bodyPr/>
+                    <a:lstStyle/>
+                    <a:p>
+                      <a:pPr algn="ctr"/>
+                      <a:endParaRPr lang="it-IT" sz="1400" dirty="0"/>
+                    </a:p>
+                  </a:txBody>
+                  <a:tcPr/>
+                </a:tc>
+                <a:extLst>
+                  <a:ext uri="{0D108BD9-81ED-4DB2-BD59-A6C34878D82A}">
+                    <a16:rowId xmlns:a16="http://schemas.microsoft.com/office/drawing/2014/main" val="656781037"/>
+                  </a:ext>
+                </a:extLst>
+              </a:tr>
+              <a:tr h="363676">
+                <a:tc>
+                  <a:txBody>
+                    <a:bodyPr/>
+                    <a:lstStyle/>
+                    <a:p>
+                      <a:r>
+                        <a:rPr lang="it-IT" sz="1400" dirty="0"/>
+                        <a:t>ROF4.1.1</a:t>
+                      </a:r>
+                    </a:p>
+                  </a:txBody>
+                  <a:tcPr/>
+                </a:tc>
+                <a:tc>
+                  <a:txBody>
+                    <a:bodyPr/>
+                    <a:lstStyle/>
+                    <a:p>
+                      <a:pPr algn="ctr"/>
+                      <a:r>
+                        <a:rPr lang="it-IT" sz="1400" dirty="0"/>
+                        <a:t>x</a:t>
+                      </a:r>
+                    </a:p>
+                  </a:txBody>
+                  <a:tcPr/>
+                </a:tc>
+                <a:tc>
+                  <a:txBody>
+                    <a:bodyPr/>
+                    <a:lstStyle/>
+                    <a:p>
+                      <a:pPr algn="ctr"/>
+                      <a:endParaRPr lang="it-IT" sz="1400"/>
+                    </a:p>
+                  </a:txBody>
+                  <a:tcPr/>
+                </a:tc>
+                <a:extLst>
+                  <a:ext uri="{0D108BD9-81ED-4DB2-BD59-A6C34878D82A}">
+                    <a16:rowId xmlns:a16="http://schemas.microsoft.com/office/drawing/2014/main" val="1290661574"/>
+                  </a:ext>
+                </a:extLst>
+              </a:tr>
+              <a:tr h="363676">
+                <a:tc>
+                  <a:txBody>
+                    <a:bodyPr/>
+                    <a:lstStyle/>
+                    <a:p>
+                      <a:r>
+                        <a:rPr lang="it-IT" sz="1400" dirty="0"/>
+                        <a:t>ROF4.2</a:t>
+                      </a:r>
+                    </a:p>
+                  </a:txBody>
+                  <a:tcPr/>
+                </a:tc>
+                <a:tc>
+                  <a:txBody>
+                    <a:bodyPr/>
+                    <a:lstStyle/>
+                    <a:p>
+                      <a:pPr algn="ctr"/>
+                      <a:r>
+                        <a:rPr lang="it-IT" sz="1400" dirty="0"/>
+                        <a:t>x</a:t>
+                      </a:r>
+                    </a:p>
+                  </a:txBody>
+                  <a:tcPr/>
+                </a:tc>
+                <a:tc>
+                  <a:txBody>
+                    <a:bodyPr/>
+                    <a:lstStyle/>
+                    <a:p>
+                      <a:pPr algn="ctr"/>
+                      <a:endParaRPr lang="it-IT" sz="1400"/>
+                    </a:p>
+                  </a:txBody>
+                  <a:tcPr/>
+                </a:tc>
+                <a:extLst>
+                  <a:ext uri="{0D108BD9-81ED-4DB2-BD59-A6C34878D82A}">
+                    <a16:rowId xmlns:a16="http://schemas.microsoft.com/office/drawing/2014/main" val="2199040226"/>
+                  </a:ext>
+                </a:extLst>
+              </a:tr>
+              <a:tr h="363676">
+                <a:tc>
+                  <a:txBody>
+                    <a:bodyPr/>
+                    <a:lstStyle/>
+                    <a:p>
+                      <a:r>
+                        <a:rPr lang="it-IT" sz="1400" dirty="0"/>
+                        <a:t>ROF6</a:t>
+                      </a:r>
+                    </a:p>
+                  </a:txBody>
+                  <a:tcPr/>
+                </a:tc>
+                <a:tc>
+                  <a:txBody>
+                    <a:bodyPr/>
+                    <a:lstStyle/>
+                    <a:p>
+                      <a:pPr algn="ctr"/>
+                      <a:r>
+                        <a:rPr lang="it-IT" sz="1400" dirty="0"/>
+                        <a:t>x</a:t>
+                      </a:r>
+                    </a:p>
+                  </a:txBody>
+                  <a:tcPr/>
+                </a:tc>
+                <a:tc>
+                  <a:txBody>
+                    <a:bodyPr/>
+                    <a:lstStyle/>
+                    <a:p>
+                      <a:pPr algn="ctr"/>
+                      <a:endParaRPr lang="it-IT" sz="1400" dirty="0"/>
+                    </a:p>
+                  </a:txBody>
+                  <a:tcPr/>
+                </a:tc>
+                <a:extLst>
+                  <a:ext uri="{0D108BD9-81ED-4DB2-BD59-A6C34878D82A}">
+                    <a16:rowId xmlns:a16="http://schemas.microsoft.com/office/drawing/2014/main" val="4034468253"/>
+                  </a:ext>
+                </a:extLst>
+              </a:tr>
+              <a:tr h="363676">
+                <a:tc>
+                  <a:txBody>
+                    <a:bodyPr/>
+                    <a:lstStyle/>
+                    <a:p>
+                      <a:r>
+                        <a:rPr lang="it-IT" sz="1400" dirty="0"/>
+                        <a:t>ROF7</a:t>
+                      </a:r>
+                    </a:p>
+                  </a:txBody>
+                  <a:tcPr/>
+                </a:tc>
+                <a:tc>
+                  <a:txBody>
+                    <a:bodyPr/>
+                    <a:lstStyle/>
+                    <a:p>
+                      <a:pPr algn="ctr"/>
+                      <a:r>
+                        <a:rPr lang="it-IT" sz="1400" dirty="0"/>
+                        <a:t>x</a:t>
+                      </a:r>
+                    </a:p>
+                  </a:txBody>
+                  <a:tcPr/>
+                </a:tc>
+                <a:tc>
+                  <a:txBody>
+                    <a:bodyPr/>
+                    <a:lstStyle/>
+                    <a:p>
+                      <a:pPr algn="ctr"/>
+                      <a:r>
+                        <a:rPr lang="it-IT" sz="1400" dirty="0"/>
+                        <a:t>x</a:t>
+                      </a:r>
+                    </a:p>
+                  </a:txBody>
+                  <a:tcPr/>
+                </a:tc>
+                <a:extLst>
+                  <a:ext uri="{0D108BD9-81ED-4DB2-BD59-A6C34878D82A}">
+                    <a16:rowId xmlns:a16="http://schemas.microsoft.com/office/drawing/2014/main" val="2506066563"/>
+                  </a:ext>
+                </a:extLst>
+              </a:tr>
+            </a:tbl>
+          </a:graphicData>
+        </a:graphic>
+      </p:graphicFrame>
+      <p:graphicFrame>
+        <p:nvGraphicFramePr>
+          <p:cNvPr id="7" name="Tabella 6">
+            <a:extLst>
+              <a:ext uri="{FF2B5EF4-FFF2-40B4-BE49-F238E27FC236}">
+                <a16:creationId xmlns:a16="http://schemas.microsoft.com/office/drawing/2014/main" id="{5DB11DB3-EDC4-4A4A-8AF1-A6DDA6EA3146}"/>
+              </a:ext>
+            </a:extLst>
+          </p:cNvPr>
+          <p:cNvGraphicFramePr>
+            <a:graphicFrameLocks noGrp="1"/>
+          </p:cNvGraphicFramePr>
+          <p:nvPr>
+            <p:extLst>
+              <p:ext uri="{D42A27DB-BD31-4B8C-83A1-F6EECF244321}">
+                <p14:modId xmlns:p14="http://schemas.microsoft.com/office/powerpoint/2010/main" val="4032055668"/>
+              </p:ext>
+            </p:extLst>
+          </p:nvPr>
+        </p:nvGraphicFramePr>
+        <p:xfrm>
+          <a:off x="4431323" y="1510514"/>
+          <a:ext cx="3777763" cy="4982360"/>
+        </p:xfrm>
+        <a:graphic>
+          <a:graphicData uri="http://schemas.openxmlformats.org/drawingml/2006/table">
+            <a:tbl>
+              <a:tblPr firstRow="1" bandRow="1">
+                <a:tableStyleId>{5C22544A-7EE6-4342-B048-85BDC9FD1C3A}</a:tableStyleId>
+              </a:tblPr>
+              <a:tblGrid>
+                <a:gridCol w="947850">
+                  <a:extLst>
+                    <a:ext uri="{9D8B030D-6E8A-4147-A177-3AD203B41FA5}">
+                      <a16:colId xmlns:a16="http://schemas.microsoft.com/office/drawing/2014/main" val="3259086449"/>
+                    </a:ext>
+                  </a:extLst>
+                </a:gridCol>
+                <a:gridCol w="1371828">
+                  <a:extLst>
+                    <a:ext uri="{9D8B030D-6E8A-4147-A177-3AD203B41FA5}">
+                      <a16:colId xmlns:a16="http://schemas.microsoft.com/office/drawing/2014/main" val="2943030933"/>
+                    </a:ext>
+                  </a:extLst>
+                </a:gridCol>
+                <a:gridCol w="1458085">
+                  <a:extLst>
+                    <a:ext uri="{9D8B030D-6E8A-4147-A177-3AD203B41FA5}">
+                      <a16:colId xmlns:a16="http://schemas.microsoft.com/office/drawing/2014/main" val="3583346950"/>
+                    </a:ext>
+                  </a:extLst>
+                </a:gridCol>
+              </a:tblGrid>
+              <a:tr h="614312">
+                <a:tc>
+                  <a:txBody>
+                    <a:bodyPr/>
+                    <a:lstStyle/>
+                    <a:p>
+                      <a:r>
+                        <a:rPr lang="it-IT" sz="1400" dirty="0"/>
+                        <a:t>Requisito </a:t>
+                      </a:r>
+                    </a:p>
+                  </a:txBody>
+                  <a:tcPr/>
+                </a:tc>
+                <a:tc>
+                  <a:txBody>
+                    <a:bodyPr/>
+                    <a:lstStyle/>
+                    <a:p>
+                      <a:r>
+                        <a:rPr lang="it-IT" sz="1400" dirty="0" err="1"/>
+                        <a:t>Soddifacimento</a:t>
+                      </a:r>
+                      <a:endParaRPr lang="it-IT" sz="1400" dirty="0"/>
+                    </a:p>
+                    <a:p>
+                      <a:r>
+                        <a:rPr lang="it-IT" sz="1400" dirty="0" err="1"/>
+                        <a:t>archittettura</a:t>
+                      </a:r>
+                      <a:endParaRPr lang="it-IT" sz="1400" dirty="0"/>
+                    </a:p>
+                  </a:txBody>
+                  <a:tcPr/>
+                </a:tc>
+                <a:tc>
+                  <a:txBody>
+                    <a:bodyPr/>
+                    <a:lstStyle/>
+                    <a:p>
+                      <a:r>
+                        <a:rPr lang="it-IT" sz="1400" dirty="0"/>
+                        <a:t>Soddisfacimento</a:t>
+                      </a:r>
+                    </a:p>
+                    <a:p>
+                      <a:r>
+                        <a:rPr lang="it-IT" sz="1400" dirty="0"/>
+                        <a:t>codice</a:t>
+                      </a:r>
+                    </a:p>
+                  </a:txBody>
+                  <a:tcPr/>
+                </a:tc>
+                <a:extLst>
+                  <a:ext uri="{0D108BD9-81ED-4DB2-BD59-A6C34878D82A}">
+                    <a16:rowId xmlns:a16="http://schemas.microsoft.com/office/drawing/2014/main" val="4178539774"/>
+                  </a:ext>
+                </a:extLst>
+              </a:tr>
+              <a:tr h="364004">
+                <a:tc>
+                  <a:txBody>
+                    <a:bodyPr/>
+                    <a:lstStyle/>
+                    <a:p>
+                      <a:r>
+                        <a:rPr lang="it-IT" sz="1400" dirty="0"/>
+                        <a:t>ROF8</a:t>
+                      </a:r>
+                    </a:p>
+                  </a:txBody>
+                  <a:tcPr/>
+                </a:tc>
+                <a:tc>
+                  <a:txBody>
+                    <a:bodyPr/>
+                    <a:lstStyle/>
+                    <a:p>
+                      <a:pPr algn="ctr"/>
+                      <a:r>
+                        <a:rPr lang="it-IT" sz="1400" dirty="0"/>
+                        <a:t>x</a:t>
+                      </a:r>
+                    </a:p>
+                  </a:txBody>
+                  <a:tcPr/>
+                </a:tc>
+                <a:tc>
+                  <a:txBody>
+                    <a:bodyPr/>
+                    <a:lstStyle/>
+                    <a:p>
+                      <a:pPr algn="ctr"/>
+                      <a:r>
+                        <a:rPr lang="it-IT" sz="1400" dirty="0"/>
+                        <a:t>x</a:t>
+                      </a:r>
+                    </a:p>
+                  </a:txBody>
+                  <a:tcPr/>
+                </a:tc>
+                <a:extLst>
+                  <a:ext uri="{0D108BD9-81ED-4DB2-BD59-A6C34878D82A}">
+                    <a16:rowId xmlns:a16="http://schemas.microsoft.com/office/drawing/2014/main" val="3568947107"/>
+                  </a:ext>
+                </a:extLst>
+              </a:tr>
+              <a:tr h="364004">
+                <a:tc>
+                  <a:txBody>
+                    <a:bodyPr/>
+                    <a:lstStyle/>
+                    <a:p>
+                      <a:r>
+                        <a:rPr lang="it-IT" sz="1400" dirty="0"/>
+                        <a:t>ROF8.1</a:t>
+                      </a:r>
+                    </a:p>
+                  </a:txBody>
+                  <a:tcPr/>
+                </a:tc>
+                <a:tc>
+                  <a:txBody>
+                    <a:bodyPr/>
+                    <a:lstStyle/>
+                    <a:p>
+                      <a:pPr algn="ctr"/>
+                      <a:r>
+                        <a:rPr lang="it-IT" sz="1400" dirty="0"/>
+                        <a:t>x</a:t>
+                      </a:r>
+                    </a:p>
+                  </a:txBody>
+                  <a:tcPr/>
+                </a:tc>
+                <a:tc>
+                  <a:txBody>
+                    <a:bodyPr/>
+                    <a:lstStyle/>
+                    <a:p>
+                      <a:pPr algn="ctr"/>
+                      <a:endParaRPr lang="it-IT" sz="1400" dirty="0"/>
+                    </a:p>
+                  </a:txBody>
+                  <a:tcPr/>
+                </a:tc>
+                <a:extLst>
+                  <a:ext uri="{0D108BD9-81ED-4DB2-BD59-A6C34878D82A}">
+                    <a16:rowId xmlns:a16="http://schemas.microsoft.com/office/drawing/2014/main" val="941918465"/>
+                  </a:ext>
+                </a:extLst>
+              </a:tr>
+              <a:tr h="364004">
+                <a:tc>
+                  <a:txBody>
+                    <a:bodyPr/>
+                    <a:lstStyle/>
+                    <a:p>
+                      <a:r>
+                        <a:rPr lang="it-IT" sz="1400" dirty="0"/>
+                        <a:t>ROF9</a:t>
+                      </a:r>
+                    </a:p>
+                  </a:txBody>
+                  <a:tcPr/>
+                </a:tc>
+                <a:tc>
+                  <a:txBody>
+                    <a:bodyPr/>
+                    <a:lstStyle/>
+                    <a:p>
+                      <a:pPr algn="ctr"/>
+                      <a:r>
+                        <a:rPr lang="it-IT" sz="1400" dirty="0"/>
+                        <a:t>x</a:t>
+                      </a:r>
+                    </a:p>
+                  </a:txBody>
+                  <a:tcPr/>
+                </a:tc>
+                <a:tc>
+                  <a:txBody>
+                    <a:bodyPr/>
+                    <a:lstStyle/>
+                    <a:p>
+                      <a:pPr algn="ctr"/>
+                      <a:r>
+                        <a:rPr lang="it-IT" sz="1400" dirty="0"/>
+                        <a:t>x</a:t>
+                      </a:r>
+                    </a:p>
+                  </a:txBody>
+                  <a:tcPr/>
+                </a:tc>
+                <a:extLst>
+                  <a:ext uri="{0D108BD9-81ED-4DB2-BD59-A6C34878D82A}">
+                    <a16:rowId xmlns:a16="http://schemas.microsoft.com/office/drawing/2014/main" val="2845062673"/>
+                  </a:ext>
+                </a:extLst>
+              </a:tr>
+              <a:tr h="364004">
+                <a:tc>
+                  <a:txBody>
+                    <a:bodyPr/>
+                    <a:lstStyle/>
+                    <a:p>
+                      <a:r>
+                        <a:rPr lang="it-IT" sz="1400" dirty="0"/>
+                        <a:t>ROF9.1</a:t>
+                      </a:r>
+                    </a:p>
+                  </a:txBody>
+                  <a:tcPr/>
+                </a:tc>
+                <a:tc>
+                  <a:txBody>
+                    <a:bodyPr/>
+                    <a:lstStyle/>
+                    <a:p>
+                      <a:pPr algn="ctr"/>
+                      <a:r>
+                        <a:rPr lang="it-IT" sz="1400" dirty="0"/>
+                        <a:t>x</a:t>
+                      </a:r>
+                    </a:p>
+                  </a:txBody>
+                  <a:tcPr/>
+                </a:tc>
+                <a:tc>
+                  <a:txBody>
+                    <a:bodyPr/>
+                    <a:lstStyle/>
+                    <a:p>
+                      <a:pPr algn="ctr"/>
+                      <a:endParaRPr lang="it-IT" sz="1400"/>
+                    </a:p>
+                  </a:txBody>
+                  <a:tcPr/>
+                </a:tc>
+                <a:extLst>
+                  <a:ext uri="{0D108BD9-81ED-4DB2-BD59-A6C34878D82A}">
+                    <a16:rowId xmlns:a16="http://schemas.microsoft.com/office/drawing/2014/main" val="685631168"/>
+                  </a:ext>
+                </a:extLst>
+              </a:tr>
+              <a:tr h="364004">
+                <a:tc>
+                  <a:txBody>
+                    <a:bodyPr/>
+                    <a:lstStyle/>
+                    <a:p>
+                      <a:r>
+                        <a:rPr lang="it-IT" sz="1400" dirty="0"/>
+                        <a:t>ROF9.2</a:t>
+                      </a:r>
+                    </a:p>
+                  </a:txBody>
+                  <a:tcPr/>
+                </a:tc>
+                <a:tc>
+                  <a:txBody>
+                    <a:bodyPr/>
+                    <a:lstStyle/>
+                    <a:p>
+                      <a:pPr algn="ctr"/>
+                      <a:r>
+                        <a:rPr lang="it-IT" sz="1400" dirty="0"/>
+                        <a:t>x</a:t>
+                      </a:r>
+                    </a:p>
+                  </a:txBody>
+                  <a:tcPr/>
+                </a:tc>
+                <a:tc>
+                  <a:txBody>
+                    <a:bodyPr/>
+                    <a:lstStyle/>
+                    <a:p>
+                      <a:pPr algn="ctr"/>
+                      <a:r>
+                        <a:rPr lang="it-IT" sz="1400" dirty="0"/>
+                        <a:t>x</a:t>
+                      </a:r>
+                    </a:p>
+                  </a:txBody>
+                  <a:tcPr/>
+                </a:tc>
+                <a:extLst>
+                  <a:ext uri="{0D108BD9-81ED-4DB2-BD59-A6C34878D82A}">
+                    <a16:rowId xmlns:a16="http://schemas.microsoft.com/office/drawing/2014/main" val="1449342385"/>
+                  </a:ext>
+                </a:extLst>
+              </a:tr>
+              <a:tr h="364004">
+                <a:tc>
+                  <a:txBody>
+                    <a:bodyPr/>
+                    <a:lstStyle/>
+                    <a:p>
+                      <a:r>
+                        <a:rPr lang="it-IT" sz="1400" dirty="0"/>
+                        <a:t>ROF9.3</a:t>
+                      </a:r>
+                    </a:p>
+                  </a:txBody>
+                  <a:tcPr/>
+                </a:tc>
+                <a:tc>
+                  <a:txBody>
+                    <a:bodyPr/>
+                    <a:lstStyle/>
+                    <a:p>
+                      <a:pPr algn="ctr"/>
+                      <a:r>
+                        <a:rPr lang="it-IT" sz="1400" dirty="0"/>
+                        <a:t>x</a:t>
+                      </a:r>
+                    </a:p>
+                  </a:txBody>
+                  <a:tcPr/>
+                </a:tc>
+                <a:tc>
+                  <a:txBody>
+                    <a:bodyPr/>
+                    <a:lstStyle/>
+                    <a:p>
+                      <a:pPr algn="ctr"/>
+                      <a:endParaRPr lang="it-IT" sz="1400"/>
+                    </a:p>
+                  </a:txBody>
+                  <a:tcPr/>
+                </a:tc>
+                <a:extLst>
+                  <a:ext uri="{0D108BD9-81ED-4DB2-BD59-A6C34878D82A}">
+                    <a16:rowId xmlns:a16="http://schemas.microsoft.com/office/drawing/2014/main" val="689227588"/>
+                  </a:ext>
+                </a:extLst>
+              </a:tr>
+              <a:tr h="364004">
+                <a:tc>
+                  <a:txBody>
+                    <a:bodyPr/>
+                    <a:lstStyle/>
+                    <a:p>
+                      <a:r>
+                        <a:rPr lang="it-IT" sz="1400" dirty="0"/>
+                        <a:t>ROF9.3.1</a:t>
+                      </a:r>
+                    </a:p>
+                  </a:txBody>
+                  <a:tcPr/>
+                </a:tc>
+                <a:tc>
+                  <a:txBody>
+                    <a:bodyPr/>
+                    <a:lstStyle/>
+                    <a:p>
+                      <a:pPr algn="ctr"/>
+                      <a:r>
+                        <a:rPr lang="it-IT" sz="1400" dirty="0"/>
+                        <a:t>x</a:t>
+                      </a:r>
+                    </a:p>
+                  </a:txBody>
+                  <a:tcPr/>
+                </a:tc>
+                <a:tc>
+                  <a:txBody>
+                    <a:bodyPr/>
+                    <a:lstStyle/>
+                    <a:p>
+                      <a:pPr algn="ctr"/>
+                      <a:endParaRPr lang="it-IT" sz="1400"/>
+                    </a:p>
+                  </a:txBody>
+                  <a:tcPr/>
+                </a:tc>
+                <a:extLst>
+                  <a:ext uri="{0D108BD9-81ED-4DB2-BD59-A6C34878D82A}">
+                    <a16:rowId xmlns:a16="http://schemas.microsoft.com/office/drawing/2014/main" val="1190110441"/>
+                  </a:ext>
+                </a:extLst>
+              </a:tr>
+              <a:tr h="364004">
+                <a:tc>
+                  <a:txBody>
+                    <a:bodyPr/>
+                    <a:lstStyle/>
+                    <a:p>
+                      <a:r>
+                        <a:rPr lang="it-IT" sz="1400" dirty="0"/>
+                        <a:t>ROF9.5</a:t>
+                      </a:r>
+                    </a:p>
+                  </a:txBody>
+                  <a:tcPr/>
+                </a:tc>
+                <a:tc>
+                  <a:txBody>
+                    <a:bodyPr/>
+                    <a:lstStyle/>
+                    <a:p>
+                      <a:pPr algn="ctr"/>
+                      <a:r>
+                        <a:rPr lang="it-IT" sz="1400" dirty="0"/>
+                        <a:t>x</a:t>
+                      </a:r>
+                    </a:p>
+                  </a:txBody>
+                  <a:tcPr/>
+                </a:tc>
+                <a:tc>
+                  <a:txBody>
+                    <a:bodyPr/>
+                    <a:lstStyle/>
+                    <a:p>
+                      <a:pPr algn="ctr"/>
+                      <a:r>
+                        <a:rPr lang="it-IT" sz="1400" dirty="0"/>
+                        <a:t>x</a:t>
+                      </a:r>
+                    </a:p>
+                  </a:txBody>
+                  <a:tcPr/>
+                </a:tc>
+                <a:extLst>
+                  <a:ext uri="{0D108BD9-81ED-4DB2-BD59-A6C34878D82A}">
+                    <a16:rowId xmlns:a16="http://schemas.microsoft.com/office/drawing/2014/main" val="2832601457"/>
+                  </a:ext>
+                </a:extLst>
+              </a:tr>
+              <a:tr h="364004">
+                <a:tc>
+                  <a:txBody>
+                    <a:bodyPr/>
+                    <a:lstStyle/>
+                    <a:p>
+                      <a:r>
+                        <a:rPr lang="it-IT" sz="1400" dirty="0"/>
+                        <a:t>ROF9.6</a:t>
+                      </a:r>
+                    </a:p>
+                  </a:txBody>
+                  <a:tcPr/>
+                </a:tc>
+                <a:tc>
+                  <a:txBody>
+                    <a:bodyPr/>
+                    <a:lstStyle/>
+                    <a:p>
+                      <a:pPr algn="ctr"/>
+                      <a:r>
+                        <a:rPr lang="it-IT" sz="1400" dirty="0"/>
+                        <a:t>x</a:t>
+                      </a:r>
+                    </a:p>
+                  </a:txBody>
+                  <a:tcPr/>
+                </a:tc>
+                <a:tc>
+                  <a:txBody>
+                    <a:bodyPr/>
+                    <a:lstStyle/>
+                    <a:p>
+                      <a:pPr algn="ctr"/>
+                      <a:r>
+                        <a:rPr lang="it-IT" sz="1400" dirty="0"/>
+                        <a:t>x</a:t>
+                      </a:r>
+                    </a:p>
+                  </a:txBody>
+                  <a:tcPr/>
+                </a:tc>
+                <a:extLst>
+                  <a:ext uri="{0D108BD9-81ED-4DB2-BD59-A6C34878D82A}">
+                    <a16:rowId xmlns:a16="http://schemas.microsoft.com/office/drawing/2014/main" val="1478933901"/>
+                  </a:ext>
+                </a:extLst>
+              </a:tr>
+              <a:tr h="364004">
+                <a:tc>
+                  <a:txBody>
+                    <a:bodyPr/>
+                    <a:lstStyle/>
+                    <a:p>
+                      <a:r>
+                        <a:rPr lang="it-IT" sz="1400" dirty="0"/>
+                        <a:t>ROF9.7</a:t>
+                      </a:r>
+                    </a:p>
+                  </a:txBody>
+                  <a:tcPr/>
+                </a:tc>
+                <a:tc>
+                  <a:txBody>
+                    <a:bodyPr/>
+                    <a:lstStyle/>
+                    <a:p>
+                      <a:pPr algn="ctr"/>
+                      <a:r>
+                        <a:rPr lang="it-IT" sz="1400" dirty="0"/>
+                        <a:t>x</a:t>
+                      </a:r>
+                    </a:p>
+                  </a:txBody>
+                  <a:tcPr/>
+                </a:tc>
+                <a:tc>
+                  <a:txBody>
+                    <a:bodyPr/>
+                    <a:lstStyle/>
+                    <a:p>
+                      <a:pPr algn="ctr"/>
+                      <a:r>
+                        <a:rPr lang="it-IT" sz="1400" dirty="0"/>
+                        <a:t>x</a:t>
+                      </a:r>
+                    </a:p>
+                  </a:txBody>
+                  <a:tcPr/>
+                </a:tc>
+                <a:extLst>
+                  <a:ext uri="{0D108BD9-81ED-4DB2-BD59-A6C34878D82A}">
+                    <a16:rowId xmlns:a16="http://schemas.microsoft.com/office/drawing/2014/main" val="1690636347"/>
+                  </a:ext>
+                </a:extLst>
+              </a:tr>
+              <a:tr h="364004">
+                <a:tc>
+                  <a:txBody>
+                    <a:bodyPr/>
+                    <a:lstStyle/>
+                    <a:p>
+                      <a:r>
+                        <a:rPr lang="it-IT" sz="1400" dirty="0"/>
+                        <a:t>ROF9.9</a:t>
+                      </a:r>
+                    </a:p>
+                  </a:txBody>
+                  <a:tcPr/>
+                </a:tc>
+                <a:tc>
+                  <a:txBody>
+                    <a:bodyPr/>
+                    <a:lstStyle/>
+                    <a:p>
+                      <a:pPr algn="ctr"/>
+                      <a:r>
+                        <a:rPr lang="it-IT" sz="1400" dirty="0"/>
+                        <a:t>x</a:t>
+                      </a:r>
+                    </a:p>
+                  </a:txBody>
+                  <a:tcPr/>
+                </a:tc>
+                <a:tc>
+                  <a:txBody>
+                    <a:bodyPr/>
+                    <a:lstStyle/>
+                    <a:p>
+                      <a:pPr algn="ctr"/>
+                      <a:endParaRPr lang="it-IT" sz="1400" dirty="0"/>
+                    </a:p>
+                  </a:txBody>
+                  <a:tcPr/>
+                </a:tc>
+                <a:extLst>
+                  <a:ext uri="{0D108BD9-81ED-4DB2-BD59-A6C34878D82A}">
+                    <a16:rowId xmlns:a16="http://schemas.microsoft.com/office/drawing/2014/main" val="1353013651"/>
+                  </a:ext>
+                </a:extLst>
+              </a:tr>
+              <a:tr h="364004">
+                <a:tc>
+                  <a:txBody>
+                    <a:bodyPr/>
+                    <a:lstStyle/>
+                    <a:p>
+                      <a:r>
+                        <a:rPr lang="it-IT" sz="1400" dirty="0"/>
+                        <a:t>ROF14</a:t>
+                      </a:r>
+                    </a:p>
+                  </a:txBody>
+                  <a:tcPr/>
+                </a:tc>
+                <a:tc>
+                  <a:txBody>
+                    <a:bodyPr/>
+                    <a:lstStyle/>
+                    <a:p>
+                      <a:pPr algn="ctr"/>
+                      <a:r>
+                        <a:rPr lang="it-IT" sz="1400" dirty="0"/>
+                        <a:t>x</a:t>
+                      </a:r>
+                    </a:p>
+                  </a:txBody>
+                  <a:tcPr/>
+                </a:tc>
+                <a:tc>
+                  <a:txBody>
+                    <a:bodyPr/>
+                    <a:lstStyle/>
+                    <a:p>
+                      <a:pPr algn="ctr"/>
+                      <a:r>
+                        <a:rPr lang="it-IT" sz="1400" dirty="0"/>
+                        <a:t>x</a:t>
+                      </a:r>
+                    </a:p>
+                  </a:txBody>
+                  <a:tcPr/>
+                </a:tc>
+                <a:extLst>
+                  <a:ext uri="{0D108BD9-81ED-4DB2-BD59-A6C34878D82A}">
+                    <a16:rowId xmlns:a16="http://schemas.microsoft.com/office/drawing/2014/main" val="1830885291"/>
+                  </a:ext>
+                </a:extLst>
+              </a:tr>
+            </a:tbl>
+          </a:graphicData>
+        </a:graphic>
+      </p:graphicFrame>
+      <p:graphicFrame>
+        <p:nvGraphicFramePr>
+          <p:cNvPr id="13" name="Grafico 12">
+            <a:extLst>
+              <a:ext uri="{FF2B5EF4-FFF2-40B4-BE49-F238E27FC236}">
+                <a16:creationId xmlns:a16="http://schemas.microsoft.com/office/drawing/2014/main" id="{45AD7D08-3C82-4345-92E5-90F976A756C4}"/>
+              </a:ext>
+            </a:extLst>
+          </p:cNvPr>
+          <p:cNvGraphicFramePr/>
+          <p:nvPr>
+            <p:extLst>
+              <p:ext uri="{D42A27DB-BD31-4B8C-83A1-F6EECF244321}">
+                <p14:modId xmlns:p14="http://schemas.microsoft.com/office/powerpoint/2010/main" val="1743315657"/>
+              </p:ext>
+            </p:extLst>
+          </p:nvPr>
+        </p:nvGraphicFramePr>
+        <p:xfrm>
+          <a:off x="8305801" y="1510514"/>
+          <a:ext cx="2906346" cy="2539294"/>
+        </p:xfrm>
+        <a:graphic>
+          <a:graphicData uri="http://schemas.openxmlformats.org/drawingml/2006/chart">
+            <c:chart xmlns:c="http://schemas.openxmlformats.org/drawingml/2006/chart" xmlns:r="http://schemas.openxmlformats.org/officeDocument/2006/relationships" r:id="rId2"/>
+          </a:graphicData>
+        </a:graphic>
+      </p:graphicFrame>
+      <p:graphicFrame>
+        <p:nvGraphicFramePr>
+          <p:cNvPr id="14" name="Grafico 13">
+            <a:extLst>
+              <a:ext uri="{FF2B5EF4-FFF2-40B4-BE49-F238E27FC236}">
+                <a16:creationId xmlns:a16="http://schemas.microsoft.com/office/drawing/2014/main" id="{775EDA16-A3B7-4CB1-82BF-52FFE186EDBE}"/>
+              </a:ext>
+            </a:extLst>
+          </p:cNvPr>
+          <p:cNvGraphicFramePr/>
+          <p:nvPr>
+            <p:extLst>
+              <p:ext uri="{D42A27DB-BD31-4B8C-83A1-F6EECF244321}">
+                <p14:modId xmlns:p14="http://schemas.microsoft.com/office/powerpoint/2010/main" val="790671480"/>
+              </p:ext>
+            </p:extLst>
+          </p:nvPr>
+        </p:nvGraphicFramePr>
+        <p:xfrm>
+          <a:off x="8305801" y="4049808"/>
+          <a:ext cx="2906346" cy="2443066"/>
+        </p:xfrm>
+        <a:graphic>
+          <a:graphicData uri="http://schemas.openxmlformats.org/drawingml/2006/chart">
+            <c:chart xmlns:c="http://schemas.openxmlformats.org/drawingml/2006/chart" xmlns:r="http://schemas.openxmlformats.org/officeDocument/2006/relationships" r:id="rId3"/>
+          </a:graphicData>
+        </a:graphic>
+      </p:graphicFrame>
+    </p:spTree>
+    <p:extLst>
+      <p:ext uri="{BB962C8B-B14F-4D97-AF65-F5344CB8AC3E}">
+        <p14:creationId xmlns:p14="http://schemas.microsoft.com/office/powerpoint/2010/main" val="132003610"/>
+      </p:ext>
+    </p:extLst>
+  </p:cSld>
+  <p:clrMapOvr>
+    <a:masterClrMapping/>
+  </p:clrMapOvr>
+</p:sld>
+</file>
+
+<file path=ppt/slides/slide2.xml><?xml version="1.0" encoding="utf-8"?>
+<p:sld xmlns:a="http://schemas.openxmlformats.org/drawingml/2006/main" xmlns:r="http://schemas.openxmlformats.org/officeDocument/2006/relationships" xmlns:p="http://schemas.openxmlformats.org/presentationml/2006/main">
+  <p:cSld>
+    <p:spTree>
+      <p:nvGrpSpPr>
+        <p:cNvPr id="1" name=""/>
+        <p:cNvGrpSpPr/>
+        <p:nvPr/>
+      </p:nvGrpSpPr>
+      <p:grpSpPr>
+        <a:xfrm>
+          <a:off x="0" y="0"/>
+          <a:ext cx="0" cy="0"/>
+          <a:chOff x="0" y="0"/>
+          <a:chExt cx="0" cy="0"/>
+        </a:xfrm>
+      </p:grpSpPr>
+      <p:sp>
+        <p:nvSpPr>
+          <p:cNvPr id="2" name="Titolo 1">
+            <a:extLst>
+              <a:ext uri="{FF2B5EF4-FFF2-40B4-BE49-F238E27FC236}">
+                <a16:creationId xmlns:a16="http://schemas.microsoft.com/office/drawing/2014/main" id="{A725D953-7B6B-45BF-A5A5-0060ADD496DE}"/>
               </a:ext>
             </a:extLst>
           </p:cNvPr>
@@ -4483,6 +10858,48 @@
           <a:p>
             <a:r>
               <a:rPr lang="it-IT" dirty="0"/>
+              <a:t>Sommario</a:t>
+            </a:r>
+          </a:p>
+        </p:txBody>
+      </p:sp>
+      <p:sp>
+        <p:nvSpPr>
+          <p:cNvPr id="3" name="Segnaposto contenuto 2">
+            <a:extLst>
+              <a:ext uri="{FF2B5EF4-FFF2-40B4-BE49-F238E27FC236}">
+                <a16:creationId xmlns:a16="http://schemas.microsoft.com/office/drawing/2014/main" id="{03223497-F5B8-423D-A940-A524D28633D9}"/>
+              </a:ext>
+            </a:extLst>
+          </p:cNvPr>
+          <p:cNvSpPr>
+            <a:spLocks noGrp="1"/>
+          </p:cNvSpPr>
+          <p:nvPr>
+            <p:ph idx="1"/>
+          </p:nvPr>
+        </p:nvSpPr>
+        <p:spPr/>
+        <p:txBody>
+          <a:bodyPr/>
+          <a:lstStyle/>
+          <a:p>
+            <a:r>
+              <a:rPr lang="it-IT" dirty="0"/>
+              <a:t>Dal </a:t>
+            </a:r>
+            <a:r>
+              <a:rPr lang="it-IT" dirty="0" err="1"/>
+              <a:t>PoC</a:t>
+            </a:r>
+            <a:r>
+              <a:rPr lang="it-IT" dirty="0"/>
+              <a:t> alla PB</a:t>
+            </a:r>
+          </a:p>
+          <a:p>
+            <a:r>
+              <a:rPr lang="it-IT" dirty="0"/>
               <a:t>Model-</a:t>
             </a:r>
             <a:r>
@@ -4498,6 +10915,853 @@
               <a:t>viewmodel</a:t>
             </a:r>
             <a:endParaRPr lang="it-IT" dirty="0"/>
+          </a:p>
+          <a:p>
+            <a:r>
+              <a:rPr lang="it-IT" dirty="0" err="1"/>
+              <a:t>View</a:t>
+            </a:r>
+            <a:endParaRPr lang="it-IT" dirty="0"/>
+          </a:p>
+          <a:p>
+            <a:r>
+              <a:rPr lang="it-IT" dirty="0"/>
+              <a:t>Model</a:t>
+            </a:r>
+          </a:p>
+          <a:p>
+            <a:r>
+              <a:rPr lang="it-IT" dirty="0" err="1"/>
+              <a:t>ViewModel</a:t>
+            </a:r>
+            <a:endParaRPr lang="it-IT" dirty="0"/>
+          </a:p>
+          <a:p>
+            <a:r>
+              <a:rPr lang="it-IT" dirty="0"/>
+              <a:t>Casi d’uso coperti</a:t>
+            </a:r>
+          </a:p>
+          <a:p>
+            <a:r>
+              <a:rPr lang="it-IT" dirty="0"/>
+              <a:t>Requisiti soddisfatti</a:t>
+            </a:r>
+          </a:p>
+        </p:txBody>
+      </p:sp>
+    </p:spTree>
+    <p:extLst>
+      <p:ext uri="{BB962C8B-B14F-4D97-AF65-F5344CB8AC3E}">
+        <p14:creationId xmlns:p14="http://schemas.microsoft.com/office/powerpoint/2010/main" val="1493052396"/>
+      </p:ext>
+    </p:extLst>
+  </p:cSld>
+  <p:clrMapOvr>
+    <a:masterClrMapping/>
+  </p:clrMapOvr>
+</p:sld>
+</file>
+
+<file path=ppt/slides/slide3.xml><?xml version="1.0" encoding="utf-8"?>
+<p:sld xmlns:a="http://schemas.openxmlformats.org/drawingml/2006/main" xmlns:r="http://schemas.openxmlformats.org/officeDocument/2006/relationships" xmlns:p="http://schemas.openxmlformats.org/presentationml/2006/main">
+  <p:cSld>
+    <p:spTree>
+      <p:nvGrpSpPr>
+        <p:cNvPr id="1" name=""/>
+        <p:cNvGrpSpPr/>
+        <p:nvPr/>
+      </p:nvGrpSpPr>
+      <p:grpSpPr>
+        <a:xfrm>
+          <a:off x="0" y="0"/>
+          <a:ext cx="0" cy="0"/>
+          <a:chOff x="0" y="0"/>
+          <a:chExt cx="0" cy="0"/>
+        </a:xfrm>
+      </p:grpSpPr>
+      <p:sp>
+        <p:nvSpPr>
+          <p:cNvPr id="2" name="Titolo 1">
+            <a:extLst>
+              <a:ext uri="{FF2B5EF4-FFF2-40B4-BE49-F238E27FC236}">
+                <a16:creationId xmlns:a16="http://schemas.microsoft.com/office/drawing/2014/main" id="{07037D75-57CD-4C1E-A98C-3A872F43BFCC}"/>
+              </a:ext>
+            </a:extLst>
+          </p:cNvPr>
+          <p:cNvSpPr>
+            <a:spLocks noGrp="1"/>
+          </p:cNvSpPr>
+          <p:nvPr>
+            <p:ph type="title"/>
+          </p:nvPr>
+        </p:nvSpPr>
+        <p:spPr>
+          <a:xfrm>
+            <a:off x="659423" y="409086"/>
+            <a:ext cx="5134708" cy="1325563"/>
+          </a:xfrm>
+        </p:spPr>
+        <p:txBody>
+          <a:bodyPr/>
+          <a:lstStyle/>
+          <a:p>
+            <a:r>
+              <a:rPr lang="it-IT" dirty="0"/>
+              <a:t>Dal </a:t>
+            </a:r>
+            <a:r>
+              <a:rPr lang="it-IT" dirty="0" err="1"/>
+              <a:t>PoC</a:t>
+            </a:r>
+            <a:endParaRPr lang="it-IT" dirty="0"/>
+          </a:p>
+        </p:txBody>
+      </p:sp>
+      <p:sp>
+        <p:nvSpPr>
+          <p:cNvPr id="3" name="Segnaposto contenuto 2">
+            <a:extLst>
+              <a:ext uri="{FF2B5EF4-FFF2-40B4-BE49-F238E27FC236}">
+                <a16:creationId xmlns:a16="http://schemas.microsoft.com/office/drawing/2014/main" id="{2B3072B8-C034-4843-B83A-24555604C483}"/>
+              </a:ext>
+            </a:extLst>
+          </p:cNvPr>
+          <p:cNvSpPr>
+            <a:spLocks noGrp="1"/>
+          </p:cNvSpPr>
+          <p:nvPr>
+            <p:ph idx="1"/>
+          </p:nvPr>
+        </p:nvSpPr>
+        <p:spPr>
+          <a:xfrm>
+            <a:off x="659423" y="1869586"/>
+            <a:ext cx="4958862" cy="4351338"/>
+          </a:xfrm>
+        </p:spPr>
+        <p:txBody>
+          <a:bodyPr/>
+          <a:lstStyle/>
+          <a:p>
+            <a:r>
+              <a:rPr lang="it-IT" dirty="0"/>
+              <a:t>Interfaccia grafica incompleta</a:t>
+            </a:r>
+          </a:p>
+          <a:p>
+            <a:r>
+              <a:rPr lang="it-IT" dirty="0"/>
+              <a:t>Architettura inadeguata e superficiale</a:t>
+            </a:r>
+          </a:p>
+          <a:p>
+            <a:r>
+              <a:rPr lang="it-IT" dirty="0" err="1"/>
+              <a:t>voice.json</a:t>
+            </a:r>
+            <a:r>
+              <a:rPr lang="it-IT" dirty="0"/>
+              <a:t> caricato da linea di comando all’avvio</a:t>
+            </a:r>
+          </a:p>
+          <a:p>
+            <a:r>
+              <a:rPr lang="it-IT" dirty="0"/>
+              <a:t>Stampa di una sola relazione</a:t>
+            </a:r>
+          </a:p>
+          <a:p>
+            <a:endParaRPr lang="it-IT" dirty="0"/>
+          </a:p>
+        </p:txBody>
+      </p:sp>
+      <p:sp>
+        <p:nvSpPr>
+          <p:cNvPr id="4" name="Titolo 1">
+            <a:extLst>
+              <a:ext uri="{FF2B5EF4-FFF2-40B4-BE49-F238E27FC236}">
+                <a16:creationId xmlns:a16="http://schemas.microsoft.com/office/drawing/2014/main" id="{D7B43823-12DC-49AD-B44F-C92D95D6BE1B}"/>
+              </a:ext>
+            </a:extLst>
+          </p:cNvPr>
+          <p:cNvSpPr txBox="1">
+            <a:spLocks/>
+          </p:cNvSpPr>
+          <p:nvPr/>
+        </p:nvSpPr>
+        <p:spPr>
+          <a:xfrm>
+            <a:off x="5794131" y="485285"/>
+            <a:ext cx="5802923" cy="1173163"/>
+          </a:xfrm>
+          <a:prstGeom prst="rect">
+            <a:avLst/>
+          </a:prstGeom>
+        </p:spPr>
+        <p:txBody>
+          <a:bodyPr vert="horz" lIns="91440" tIns="45720" rIns="91440" bIns="45720" rtlCol="0" anchor="ctr">
+            <a:normAutofit/>
+          </a:bodyPr>
+          <a:lstStyle>
+            <a:lvl1pPr algn="l" defTabSz="914400" rtl="0" eaLnBrk="1" latinLnBrk="0" hangingPunct="1">
+              <a:lnSpc>
+                <a:spcPct val="90000"/>
+              </a:lnSpc>
+              <a:spcBef>
+                <a:spcPct val="0"/>
+              </a:spcBef>
+              <a:buNone/>
+              <a:defRPr sz="4400" kern="1200">
+                <a:solidFill>
+                  <a:schemeClr val="tx1"/>
+                </a:solidFill>
+                <a:latin typeface="+mj-lt"/>
+                <a:ea typeface="+mj-ea"/>
+                <a:cs typeface="+mj-cs"/>
+              </a:defRPr>
+            </a:lvl1pPr>
+          </a:lstStyle>
+          <a:p>
+            <a:r>
+              <a:rPr lang="it-IT" dirty="0"/>
+              <a:t>Alla PB</a:t>
+            </a:r>
+          </a:p>
+        </p:txBody>
+      </p:sp>
+      <p:sp>
+        <p:nvSpPr>
+          <p:cNvPr id="5" name="Segnaposto contenuto 2">
+            <a:extLst>
+              <a:ext uri="{FF2B5EF4-FFF2-40B4-BE49-F238E27FC236}">
+                <a16:creationId xmlns:a16="http://schemas.microsoft.com/office/drawing/2014/main" id="{E58DA27E-E8B4-46C4-8767-500B39A6DE31}"/>
+              </a:ext>
+            </a:extLst>
+          </p:cNvPr>
+          <p:cNvSpPr txBox="1">
+            <a:spLocks/>
+          </p:cNvSpPr>
+          <p:nvPr/>
+        </p:nvSpPr>
+        <p:spPr>
+          <a:xfrm>
+            <a:off x="5729654" y="1810848"/>
+            <a:ext cx="5802923" cy="3851065"/>
+          </a:xfrm>
+          <a:prstGeom prst="rect">
+            <a:avLst/>
+          </a:prstGeom>
+        </p:spPr>
+        <p:txBody>
+          <a:bodyPr vert="horz" lIns="91440" tIns="45720" rIns="91440" bIns="45720" rtlCol="0">
+            <a:normAutofit/>
+          </a:bodyPr>
+          <a:lstStyle>
+            <a:lvl1pPr marL="228600" indent="-228600" algn="l" defTabSz="914400" rtl="0" eaLnBrk="1" latinLnBrk="0" hangingPunct="1">
+              <a:lnSpc>
+                <a:spcPct val="90000"/>
+              </a:lnSpc>
+              <a:spcBef>
+                <a:spcPts val="1000"/>
+              </a:spcBef>
+              <a:buFont typeface="Arial" panose="020B0604020202020204" pitchFamily="34" charset="0"/>
+              <a:buChar char="•"/>
+              <a:defRPr sz="2800" kern="1200">
+                <a:solidFill>
+                  <a:schemeClr val="tx1"/>
+                </a:solidFill>
+                <a:latin typeface="+mn-lt"/>
+                <a:ea typeface="+mn-ea"/>
+                <a:cs typeface="+mn-cs"/>
+              </a:defRPr>
+            </a:lvl1pPr>
+            <a:lvl2pPr marL="685800" indent="-228600" algn="l" defTabSz="914400" rtl="0" eaLnBrk="1" latinLnBrk="0" hangingPunct="1">
+              <a:lnSpc>
+                <a:spcPct val="90000"/>
+              </a:lnSpc>
+              <a:spcBef>
+                <a:spcPts val="500"/>
+              </a:spcBef>
+              <a:buFont typeface="Arial" panose="020B0604020202020204" pitchFamily="34" charset="0"/>
+              <a:buChar char="•"/>
+              <a:defRPr sz="2400" kern="1200">
+                <a:solidFill>
+                  <a:schemeClr val="tx1"/>
+                </a:solidFill>
+                <a:latin typeface="+mn-lt"/>
+                <a:ea typeface="+mn-ea"/>
+                <a:cs typeface="+mn-cs"/>
+              </a:defRPr>
+            </a:lvl2pPr>
+            <a:lvl3pPr marL="1143000" indent="-228600" algn="l" defTabSz="914400" rtl="0" eaLnBrk="1" latinLnBrk="0" hangingPunct="1">
+              <a:lnSpc>
+                <a:spcPct val="90000"/>
+              </a:lnSpc>
+              <a:spcBef>
+                <a:spcPts val="500"/>
+              </a:spcBef>
+              <a:buFont typeface="Arial" panose="020B0604020202020204" pitchFamily="34" charset="0"/>
+              <a:buChar char="•"/>
+              <a:defRPr sz="2000" kern="1200">
+                <a:solidFill>
+                  <a:schemeClr val="tx1"/>
+                </a:solidFill>
+                <a:latin typeface="+mn-lt"/>
+                <a:ea typeface="+mn-ea"/>
+                <a:cs typeface="+mn-cs"/>
+              </a:defRPr>
+            </a:lvl3pPr>
+            <a:lvl4pPr marL="1600200" indent="-228600" algn="l" defTabSz="914400" rtl="0" eaLnBrk="1" latinLnBrk="0" hangingPunct="1">
+              <a:lnSpc>
+                <a:spcPct val="90000"/>
+              </a:lnSpc>
+              <a:spcBef>
+                <a:spcPts val="500"/>
+              </a:spcBef>
+              <a:buFont typeface="Arial" panose="020B0604020202020204" pitchFamily="34" charset="0"/>
+              <a:buChar char="•"/>
+              <a:defRPr sz="1800" kern="1200">
+                <a:solidFill>
+                  <a:schemeClr val="tx1"/>
+                </a:solidFill>
+                <a:latin typeface="+mn-lt"/>
+                <a:ea typeface="+mn-ea"/>
+                <a:cs typeface="+mn-cs"/>
+              </a:defRPr>
+            </a:lvl4pPr>
+            <a:lvl5pPr marL="2057400" indent="-228600" algn="l" defTabSz="914400" rtl="0" eaLnBrk="1" latinLnBrk="0" hangingPunct="1">
+              <a:lnSpc>
+                <a:spcPct val="90000"/>
+              </a:lnSpc>
+              <a:spcBef>
+                <a:spcPts val="500"/>
+              </a:spcBef>
+              <a:buFont typeface="Arial" panose="020B0604020202020204" pitchFamily="34" charset="0"/>
+              <a:buChar char="•"/>
+              <a:defRPr sz="1800" kern="1200">
+                <a:solidFill>
+                  <a:schemeClr val="tx1"/>
+                </a:solidFill>
+                <a:latin typeface="+mn-lt"/>
+                <a:ea typeface="+mn-ea"/>
+                <a:cs typeface="+mn-cs"/>
+              </a:defRPr>
+            </a:lvl5pPr>
+            <a:lvl6pPr marL="2514600" indent="-228600" algn="l" defTabSz="914400" rtl="0" eaLnBrk="1" latinLnBrk="0" hangingPunct="1">
+              <a:lnSpc>
+                <a:spcPct val="90000"/>
+              </a:lnSpc>
+              <a:spcBef>
+                <a:spcPts val="500"/>
+              </a:spcBef>
+              <a:buFont typeface="Arial" panose="020B0604020202020204" pitchFamily="34" charset="0"/>
+              <a:buChar char="•"/>
+              <a:defRPr sz="1800" kern="1200">
+                <a:solidFill>
+                  <a:schemeClr val="tx1"/>
+                </a:solidFill>
+                <a:latin typeface="+mn-lt"/>
+                <a:ea typeface="+mn-ea"/>
+                <a:cs typeface="+mn-cs"/>
+              </a:defRPr>
+            </a:lvl6pPr>
+            <a:lvl7pPr marL="2971800" indent="-228600" algn="l" defTabSz="914400" rtl="0" eaLnBrk="1" latinLnBrk="0" hangingPunct="1">
+              <a:lnSpc>
+                <a:spcPct val="90000"/>
+              </a:lnSpc>
+              <a:spcBef>
+                <a:spcPts val="500"/>
+              </a:spcBef>
+              <a:buFont typeface="Arial" panose="020B0604020202020204" pitchFamily="34" charset="0"/>
+              <a:buChar char="•"/>
+              <a:defRPr sz="1800" kern="1200">
+                <a:solidFill>
+                  <a:schemeClr val="tx1"/>
+                </a:solidFill>
+                <a:latin typeface="+mn-lt"/>
+                <a:ea typeface="+mn-ea"/>
+                <a:cs typeface="+mn-cs"/>
+              </a:defRPr>
+            </a:lvl7pPr>
+            <a:lvl8pPr marL="3429000" indent="-228600" algn="l" defTabSz="914400" rtl="0" eaLnBrk="1" latinLnBrk="0" hangingPunct="1">
+              <a:lnSpc>
+                <a:spcPct val="90000"/>
+              </a:lnSpc>
+              <a:spcBef>
+                <a:spcPts val="500"/>
+              </a:spcBef>
+              <a:buFont typeface="Arial" panose="020B0604020202020204" pitchFamily="34" charset="0"/>
+              <a:buChar char="•"/>
+              <a:defRPr sz="1800" kern="1200">
+                <a:solidFill>
+                  <a:schemeClr val="tx1"/>
+                </a:solidFill>
+                <a:latin typeface="+mn-lt"/>
+                <a:ea typeface="+mn-ea"/>
+                <a:cs typeface="+mn-cs"/>
+              </a:defRPr>
+            </a:lvl8pPr>
+            <a:lvl9pPr marL="3886200" indent="-228600" algn="l" defTabSz="914400" rtl="0" eaLnBrk="1" latinLnBrk="0" hangingPunct="1">
+              <a:lnSpc>
+                <a:spcPct val="90000"/>
+              </a:lnSpc>
+              <a:spcBef>
+                <a:spcPts val="500"/>
+              </a:spcBef>
+              <a:buFont typeface="Arial" panose="020B0604020202020204" pitchFamily="34" charset="0"/>
+              <a:buChar char="•"/>
+              <a:defRPr sz="1800" kern="1200">
+                <a:solidFill>
+                  <a:schemeClr val="tx1"/>
+                </a:solidFill>
+                <a:latin typeface="+mn-lt"/>
+                <a:ea typeface="+mn-ea"/>
+                <a:cs typeface="+mn-cs"/>
+              </a:defRPr>
+            </a:lvl9pPr>
+          </a:lstStyle>
+          <a:p>
+            <a:r>
+              <a:rPr lang="it-IT" dirty="0"/>
+              <a:t>Interfaccia grafica quasi completa</a:t>
+            </a:r>
+          </a:p>
+          <a:p>
+            <a:r>
+              <a:rPr lang="it-IT" dirty="0"/>
+              <a:t>Architettura definita</a:t>
+            </a:r>
+          </a:p>
+          <a:p>
+            <a:r>
+              <a:rPr lang="it-IT" dirty="0"/>
+              <a:t>Metodo di stampa revisionato</a:t>
+            </a:r>
+          </a:p>
+          <a:p>
+            <a:pPr lvl="1"/>
+            <a:r>
+              <a:rPr lang="it-IT" dirty="0"/>
+              <a:t>Introdotti elementi grafici aggiuntivi</a:t>
+            </a:r>
+          </a:p>
+          <a:p>
+            <a:pPr lvl="1"/>
+            <a:r>
+              <a:rPr lang="it-IT" dirty="0"/>
+              <a:t>Aggiunte più relazioni visibili contemporaneamente</a:t>
+            </a:r>
+          </a:p>
+          <a:p>
+            <a:r>
+              <a:rPr lang="it-IT" dirty="0"/>
+              <a:t>Progettato metodo di configurazione</a:t>
+            </a:r>
+          </a:p>
+          <a:p>
+            <a:pPr lvl="1"/>
+            <a:r>
+              <a:rPr lang="it-IT" dirty="0"/>
+              <a:t>Caricamento file di configurazione per GUI (colori, </a:t>
+            </a:r>
+            <a:r>
+              <a:rPr lang="it-IT" dirty="0" err="1"/>
+              <a:t>path</a:t>
+            </a:r>
+            <a:r>
+              <a:rPr lang="it-IT" dirty="0"/>
+              <a:t>)</a:t>
+            </a:r>
+          </a:p>
+          <a:p>
+            <a:endParaRPr lang="it-IT" dirty="0"/>
+          </a:p>
+          <a:p>
+            <a:pPr marL="0" indent="0">
+              <a:buNone/>
+            </a:pPr>
+            <a:endParaRPr lang="it-IT" dirty="0"/>
+          </a:p>
+        </p:txBody>
+      </p:sp>
+    </p:spTree>
+    <p:extLst>
+      <p:ext uri="{BB962C8B-B14F-4D97-AF65-F5344CB8AC3E}">
+        <p14:creationId xmlns:p14="http://schemas.microsoft.com/office/powerpoint/2010/main" val="2529160387"/>
+      </p:ext>
+    </p:extLst>
+  </p:cSld>
+  <p:clrMapOvr>
+    <a:masterClrMapping/>
+  </p:clrMapOvr>
+</p:sld>
+</file>
+
+<file path=ppt/slides/slide4.xml><?xml version="1.0" encoding="utf-8"?>
+<p:sld xmlns:a="http://schemas.openxmlformats.org/drawingml/2006/main" xmlns:r="http://schemas.openxmlformats.org/officeDocument/2006/relationships" xmlns:p="http://schemas.openxmlformats.org/presentationml/2006/main">
+  <p:cSld>
+    <p:bg>
+      <p:bgPr>
+        <a:solidFill>
+          <a:schemeClr val="bg1"/>
+        </a:solidFill>
+        <a:effectLst/>
+      </p:bgPr>
+    </p:bg>
+    <p:spTree>
+      <p:nvGrpSpPr>
+        <p:cNvPr id="1" name=""/>
+        <p:cNvGrpSpPr/>
+        <p:nvPr/>
+      </p:nvGrpSpPr>
+      <p:grpSpPr>
+        <a:xfrm>
+          <a:off x="0" y="0"/>
+          <a:ext cx="0" cy="0"/>
+          <a:chOff x="0" y="0"/>
+          <a:chExt cx="0" cy="0"/>
+        </a:xfrm>
+      </p:grpSpPr>
+      <p:sp>
+        <p:nvSpPr>
+          <p:cNvPr id="10" name="Rectangle: Top Corners Rounded 9">
+            <a:extLst>
+              <a:ext uri="{FF2B5EF4-FFF2-40B4-BE49-F238E27FC236}">
+                <a16:creationId xmlns:a16="http://schemas.microsoft.com/office/drawing/2014/main" id="{3BAF1561-20C4-41FD-A35F-BF2B9E727F3E}"/>
+              </a:ext>
+            </a:extLst>
+          </p:cNvPr>
+          <p:cNvSpPr>
+            <a:spLocks noGrp="1" noRot="1" noChangeAspect="1" noMove="1" noResize="1" noEditPoints="1" noAdjustHandles="1" noChangeArrowheads="1" noChangeShapeType="1" noTextEdit="1"/>
+          </p:cNvSpPr>
+          <p:nvPr>
+            <p:extLst>
+              <p:ext uri="{386F3935-93C4-4BCD-93E2-E3B085C9AB24}">
+                <p16:designElem xmlns:p16="http://schemas.microsoft.com/office/powerpoint/2015/main" val="1"/>
+              </p:ext>
+            </p:extLst>
+          </p:nvPr>
+        </p:nvSpPr>
+        <p:spPr>
+          <a:xfrm rot="5400000" flipH="1">
+            <a:off x="-529466" y="996722"/>
+            <a:ext cx="5923488" cy="4864556"/>
+          </a:xfrm>
+          <a:prstGeom prst="round2SameRect">
+            <a:avLst>
+              <a:gd name="adj1" fmla="val 3762"/>
+              <a:gd name="adj2" fmla="val 0"/>
+            </a:avLst>
+          </a:prstGeom>
+          <a:solidFill>
+            <a:schemeClr val="tx1">
+              <a:lumMod val="75000"/>
+              <a:lumOff val="25000"/>
+            </a:schemeClr>
+          </a:solidFill>
+          <a:ln>
+            <a:noFill/>
+          </a:ln>
+        </p:spPr>
+        <p:style>
+          <a:lnRef idx="2">
+            <a:schemeClr val="accent1">
+              <a:shade val="50000"/>
+            </a:schemeClr>
+          </a:lnRef>
+          <a:fillRef idx="1">
+            <a:schemeClr val="accent1"/>
+          </a:fillRef>
+          <a:effectRef idx="0">
+            <a:schemeClr val="accent1"/>
+          </a:effectRef>
+          <a:fontRef idx="minor">
+            <a:schemeClr val="lt1"/>
+          </a:fontRef>
+        </p:style>
+        <p:txBody>
+          <a:bodyPr rtlCol="0" anchor="ctr"/>
+          <a:lstStyle/>
+          <a:p>
+            <a:pPr marL="0" marR="0" lvl="0" indent="0" algn="ctr" defTabSz="914400" rtl="0" eaLnBrk="1" fontAlgn="auto" latinLnBrk="0" hangingPunct="1">
+              <a:lnSpc>
+                <a:spcPct val="100000"/>
+              </a:lnSpc>
+              <a:spcBef>
+                <a:spcPts val="0"/>
+              </a:spcBef>
+              <a:spcAft>
+                <a:spcPts val="0"/>
+              </a:spcAft>
+              <a:buClrTx/>
+              <a:buSzTx/>
+              <a:buFontTx/>
+              <a:buNone/>
+              <a:tabLst/>
+              <a:defRPr/>
+            </a:pPr>
+            <a:endParaRPr kumimoji="0" lang="en-US" sz="1800" b="0" i="0" u="none" strike="noStrike" kern="1200" cap="none" spc="0" normalizeH="0" baseline="0" noProof="0">
+              <a:ln>
+                <a:noFill/>
+              </a:ln>
+              <a:solidFill>
+                <a:prstClr val="white"/>
+              </a:solidFill>
+              <a:effectLst/>
+              <a:uLnTx/>
+              <a:uFillTx/>
+              <a:latin typeface="Calibri" panose="020F0502020204030204"/>
+              <a:ea typeface="+mn-ea"/>
+              <a:cs typeface="+mn-cs"/>
+            </a:endParaRPr>
+          </a:p>
+        </p:txBody>
+      </p:sp>
+      <p:sp>
+        <p:nvSpPr>
+          <p:cNvPr id="12" name="Rectangle: Top Corners Rounded 11">
+            <a:extLst>
+              <a:ext uri="{FF2B5EF4-FFF2-40B4-BE49-F238E27FC236}">
+                <a16:creationId xmlns:a16="http://schemas.microsoft.com/office/drawing/2014/main" id="{839DC788-B140-4F3E-A91E-CB3E70ED940A}"/>
+              </a:ext>
+            </a:extLst>
+          </p:cNvPr>
+          <p:cNvSpPr>
+            <a:spLocks noGrp="1" noRot="1" noChangeAspect="1" noMove="1" noResize="1" noEditPoints="1" noAdjustHandles="1" noChangeArrowheads="1" noChangeShapeType="1" noTextEdit="1"/>
+          </p:cNvSpPr>
+          <p:nvPr>
+            <p:extLst>
+              <p:ext uri="{386F3935-93C4-4BCD-93E2-E3B085C9AB24}">
+                <p16:designElem xmlns:p16="http://schemas.microsoft.com/office/powerpoint/2015/main" val="1"/>
+              </p:ext>
+            </p:extLst>
+          </p:nvPr>
+        </p:nvSpPr>
+        <p:spPr>
+          <a:xfrm rot="5400000" flipH="1">
+            <a:off x="-457200" y="1050468"/>
+            <a:ext cx="5609397" cy="4757058"/>
+          </a:xfrm>
+          <a:prstGeom prst="round2SameRect">
+            <a:avLst>
+              <a:gd name="adj1" fmla="val 2061"/>
+              <a:gd name="adj2" fmla="val 0"/>
+            </a:avLst>
+          </a:prstGeom>
+          <a:noFill/>
+          <a:ln w="50800">
+            <a:solidFill>
+              <a:schemeClr val="bg1"/>
+            </a:solidFill>
+          </a:ln>
+        </p:spPr>
+        <p:style>
+          <a:lnRef idx="2">
+            <a:schemeClr val="accent1">
+              <a:shade val="50000"/>
+            </a:schemeClr>
+          </a:lnRef>
+          <a:fillRef idx="1">
+            <a:schemeClr val="accent1"/>
+          </a:fillRef>
+          <a:effectRef idx="0">
+            <a:schemeClr val="accent1"/>
+          </a:effectRef>
+          <a:fontRef idx="minor">
+            <a:schemeClr val="lt1"/>
+          </a:fontRef>
+        </p:style>
+        <p:txBody>
+          <a:bodyPr rtlCol="0" anchor="ctr"/>
+          <a:lstStyle/>
+          <a:p>
+            <a:pPr marL="0" marR="0" lvl="0" indent="0" algn="ctr" defTabSz="914400" rtl="0" eaLnBrk="1" fontAlgn="auto" latinLnBrk="0" hangingPunct="1">
+              <a:lnSpc>
+                <a:spcPct val="100000"/>
+              </a:lnSpc>
+              <a:spcBef>
+                <a:spcPts val="0"/>
+              </a:spcBef>
+              <a:spcAft>
+                <a:spcPts val="0"/>
+              </a:spcAft>
+              <a:buClrTx/>
+              <a:buSzTx/>
+              <a:buFontTx/>
+              <a:buNone/>
+              <a:tabLst/>
+              <a:defRPr/>
+            </a:pPr>
+            <a:endParaRPr kumimoji="0" lang="en-US" sz="1800" b="0" i="0" u="none" strike="noStrike" kern="1200" cap="none" spc="0" normalizeH="0" baseline="0" noProof="0">
+              <a:ln>
+                <a:noFill/>
+              </a:ln>
+              <a:solidFill>
+                <a:prstClr val="white"/>
+              </a:solidFill>
+              <a:effectLst/>
+              <a:uLnTx/>
+              <a:uFillTx/>
+              <a:latin typeface="Calibri" panose="020F0502020204030204"/>
+              <a:ea typeface="+mn-ea"/>
+              <a:cs typeface="+mn-cs"/>
+            </a:endParaRPr>
+          </a:p>
+        </p:txBody>
+      </p:sp>
+      <p:cxnSp>
+        <p:nvCxnSpPr>
+          <p:cNvPr id="14" name="Straight Connector 13">
+            <a:extLst>
+              <a:ext uri="{FF2B5EF4-FFF2-40B4-BE49-F238E27FC236}">
+                <a16:creationId xmlns:a16="http://schemas.microsoft.com/office/drawing/2014/main" id="{FC18D930-0EEE-448F-ABF1-2AA3C83DA552}"/>
+              </a:ext>
+            </a:extLst>
+          </p:cNvPr>
+          <p:cNvCxnSpPr>
+            <a:cxnSpLocks noGrp="1" noRot="1" noChangeAspect="1" noMove="1" noResize="1" noEditPoints="1" noAdjustHandles="1" noChangeArrowheads="1" noChangeShapeType="1"/>
+          </p:cNvCxnSpPr>
+          <p:nvPr>
+            <p:extLst>
+              <p:ext uri="{386F3935-93C4-4BCD-93E2-E3B085C9AB24}">
+                <p16:designElem xmlns:p16="http://schemas.microsoft.com/office/powerpoint/2015/main" val="1"/>
+              </p:ext>
+            </p:extLst>
+          </p:nvPr>
+        </p:nvCxnSpPr>
+        <p:spPr>
+          <a:xfrm>
+            <a:off x="524071" y="2705800"/>
+            <a:ext cx="1597456" cy="0"/>
+          </a:xfrm>
+          <a:prstGeom prst="line">
+            <a:avLst/>
+          </a:prstGeom>
+          <a:ln w="50800">
+            <a:solidFill>
+              <a:schemeClr val="bg1">
+                <a:lumMod val="65000"/>
+              </a:schemeClr>
+            </a:solidFill>
+          </a:ln>
+        </p:spPr>
+        <p:style>
+          <a:lnRef idx="1">
+            <a:schemeClr val="accent1"/>
+          </a:lnRef>
+          <a:fillRef idx="0">
+            <a:schemeClr val="accent1"/>
+          </a:fillRef>
+          <a:effectRef idx="0">
+            <a:schemeClr val="accent1"/>
+          </a:effectRef>
+          <a:fontRef idx="minor">
+            <a:schemeClr val="tx1"/>
+          </a:fontRef>
+        </p:style>
+      </p:cxnSp>
+      <p:pic>
+        <p:nvPicPr>
+          <p:cNvPr id="5" name="Immagine 4">
+            <a:extLst>
+              <a:ext uri="{FF2B5EF4-FFF2-40B4-BE49-F238E27FC236}">
+                <a16:creationId xmlns:a16="http://schemas.microsoft.com/office/drawing/2014/main" id="{86DE7D3A-962D-4F6A-B347-FAB243F95B7A}"/>
+              </a:ext>
+            </a:extLst>
+          </p:cNvPr>
+          <p:cNvPicPr>
+            <a:picLocks noChangeAspect="1"/>
+          </p:cNvPicPr>
+          <p:nvPr/>
+        </p:nvPicPr>
+        <p:blipFill>
+          <a:blip r:embed="rId2">
+            <a:extLst>
+              <a:ext uri="{28A0092B-C50C-407E-A947-70E740481C1C}">
+                <a14:useLocalDpi xmlns:a14="http://schemas.microsoft.com/office/drawing/2010/main" val="0"/>
+              </a:ext>
+            </a:extLst>
+          </a:blip>
+          <a:stretch>
+            <a:fillRect/>
+          </a:stretch>
+        </p:blipFill>
+        <p:spPr>
+          <a:xfrm>
+            <a:off x="5203767" y="2369158"/>
+            <a:ext cx="6542117" cy="1962635"/>
+          </a:xfrm>
+          <a:prstGeom prst="rect">
+            <a:avLst/>
+          </a:prstGeom>
+        </p:spPr>
+      </p:pic>
+      <p:sp>
+        <p:nvSpPr>
+          <p:cNvPr id="2" name="Titolo 1">
+            <a:extLst>
+              <a:ext uri="{FF2B5EF4-FFF2-40B4-BE49-F238E27FC236}">
+                <a16:creationId xmlns:a16="http://schemas.microsoft.com/office/drawing/2014/main" id="{44A7E9AC-F08D-473F-BE0F-181371F5527B}"/>
+              </a:ext>
+            </a:extLst>
+          </p:cNvPr>
+          <p:cNvSpPr>
+            <a:spLocks noGrp="1"/>
+          </p:cNvSpPr>
+          <p:nvPr>
+            <p:ph type="title"/>
+          </p:nvPr>
+        </p:nvSpPr>
+        <p:spPr>
+          <a:xfrm>
+            <a:off x="321733" y="981091"/>
+            <a:ext cx="4092951" cy="1624457"/>
+          </a:xfrm>
+        </p:spPr>
+        <p:txBody>
+          <a:bodyPr>
+            <a:normAutofit/>
+          </a:bodyPr>
+          <a:lstStyle/>
+          <a:p>
+            <a:r>
+              <a:rPr lang="it-IT" sz="3600" dirty="0">
+                <a:solidFill>
+                  <a:schemeClr val="bg1"/>
+                </a:solidFill>
+              </a:rPr>
+              <a:t>Model-</a:t>
+            </a:r>
+            <a:r>
+              <a:rPr lang="it-IT" sz="3600" dirty="0" err="1">
+                <a:solidFill>
+                  <a:schemeClr val="bg1"/>
+                </a:solidFill>
+              </a:rPr>
+              <a:t>view</a:t>
+            </a:r>
+            <a:r>
+              <a:rPr lang="it-IT" sz="3600" dirty="0">
+                <a:solidFill>
+                  <a:schemeClr val="bg1"/>
+                </a:solidFill>
+              </a:rPr>
+              <a:t>-</a:t>
+            </a:r>
+            <a:r>
+              <a:rPr lang="it-IT" sz="3600" dirty="0" err="1">
+                <a:solidFill>
+                  <a:schemeClr val="bg1"/>
+                </a:solidFill>
+              </a:rPr>
+              <a:t>viewmodel</a:t>
+            </a:r>
+            <a:endParaRPr lang="it-IT" sz="3600" dirty="0">
+              <a:solidFill>
+                <a:schemeClr val="bg1"/>
+              </a:solidFill>
+            </a:endParaRPr>
           </a:p>
         </p:txBody>
       </p:sp>
@@ -4517,28 +11781,72 @@
             <p:ph idx="1"/>
           </p:nvPr>
         </p:nvSpPr>
-        <p:spPr/>
+        <p:spPr>
+          <a:xfrm>
+            <a:off x="321733" y="2834809"/>
+            <a:ext cx="4092951" cy="3042099"/>
+          </a:xfrm>
+        </p:spPr>
         <p:txBody>
-          <a:bodyPr/>
+          <a:bodyPr anchor="t">
+            <a:normAutofit/>
+          </a:bodyPr>
           <a:lstStyle/>
           <a:p>
             <a:r>
-              <a:rPr lang="it-IT" dirty="0"/>
+              <a:rPr lang="it-IT" sz="2000" dirty="0">
+                <a:solidFill>
+                  <a:schemeClr val="bg1"/>
+                </a:solidFill>
+              </a:rPr>
               <a:t>Diagramma Model-</a:t>
             </a:r>
             <a:r>
-              <a:rPr lang="it-IT" dirty="0" err="1"/>
+              <a:rPr lang="it-IT" sz="2000" dirty="0" err="1">
+                <a:solidFill>
+                  <a:schemeClr val="bg1"/>
+                </a:solidFill>
+              </a:rPr>
               <a:t>view</a:t>
             </a:r>
             <a:r>
-              <a:rPr lang="it-IT" dirty="0"/>
+              <a:rPr lang="it-IT" sz="2000" dirty="0">
+                <a:solidFill>
+                  <a:schemeClr val="bg1"/>
+                </a:solidFill>
+              </a:rPr>
               <a:t>-</a:t>
             </a:r>
             <a:r>
-              <a:rPr lang="it-IT" dirty="0" err="1"/>
+              <a:rPr lang="it-IT" sz="2000" dirty="0" err="1">
+                <a:solidFill>
+                  <a:schemeClr val="bg1"/>
+                </a:solidFill>
+              </a:rPr>
               <a:t>viewmodel</a:t>
             </a:r>
-            <a:endParaRPr lang="it-IT" dirty="0"/>
+            <a:r>
+              <a:rPr lang="it-IT" sz="2000" dirty="0">
+                <a:solidFill>
+                  <a:schemeClr val="bg1"/>
+                </a:solidFill>
+              </a:rPr>
+              <a:t> (eventualmente da rifare in PP)</a:t>
+            </a:r>
+          </a:p>
+          <a:p>
+            <a:endParaRPr lang="it-IT" sz="2000" dirty="0">
+              <a:solidFill>
+                <a:schemeClr val="bg1"/>
+              </a:solidFill>
+            </a:endParaRPr>
+          </a:p>
+          <a:p>
+            <a:endParaRPr lang="it-IT" sz="2000" dirty="0">
+              <a:solidFill>
+                <a:schemeClr val="bg1"/>
+              </a:solidFill>
+            </a:endParaRPr>
           </a:p>
         </p:txBody>
       </p:sp>
@@ -4601,31 +11909,122 @@
           </a:p>
         </p:txBody>
       </p:sp>
-      <p:sp>
-        <p:nvSpPr>
-          <p:cNvPr id="3" name="Segnaposto contenuto 2">
+      <p:pic>
+        <p:nvPicPr>
+          <p:cNvPr id="5" name="Segnaposto contenuto 4" descr="Immagine che contiene screenshot&#10;&#10;Descrizione generata con affidabilità molto elevata">
             <a:extLst>
               <a:ext uri="{FF2B5EF4-FFF2-40B4-BE49-F238E27FC236}">
-                <a16:creationId xmlns:a16="http://schemas.microsoft.com/office/drawing/2014/main" id="{75687EE4-6FE0-461A-BE59-B2419CCA5B72}"/>
+                <a16:creationId xmlns:a16="http://schemas.microsoft.com/office/drawing/2014/main" id="{F8678BA7-C572-4E8F-8885-EE40E2398E2F}"/>
               </a:ext>
             </a:extLst>
           </p:cNvPr>
-          <p:cNvSpPr>
-            <a:spLocks noGrp="1"/>
-          </p:cNvSpPr>
+          <p:cNvPicPr>
+            <a:picLocks noGrp="1" noChangeAspect="1"/>
+          </p:cNvPicPr>
           <p:nvPr>
             <p:ph idx="1"/>
           </p:nvPr>
+        </p:nvPicPr>
+        <p:blipFill>
+          <a:blip r:embed="rId2">
+            <a:extLst>
+              <a:ext uri="{28A0092B-C50C-407E-A947-70E740481C1C}">
+                <a14:useLocalDpi xmlns:a14="http://schemas.microsoft.com/office/drawing/2010/main" val="0"/>
+              </a:ext>
+            </a:extLst>
+          </a:blip>
+          <a:stretch>
+            <a:fillRect/>
+          </a:stretch>
+        </p:blipFill>
+        <p:spPr>
+          <a:xfrm>
+            <a:off x="838200" y="1512277"/>
+            <a:ext cx="5941625" cy="4351338"/>
+          </a:xfrm>
+        </p:spPr>
+      </p:pic>
+      <p:sp>
+        <p:nvSpPr>
+          <p:cNvPr id="6" name="CasellaDiTesto 5">
+            <a:extLst>
+              <a:ext uri="{FF2B5EF4-FFF2-40B4-BE49-F238E27FC236}">
+                <a16:creationId xmlns:a16="http://schemas.microsoft.com/office/drawing/2014/main" id="{EA3E8342-7A7C-4428-B360-41438B5BE458}"/>
+              </a:ext>
+            </a:extLst>
+          </p:cNvPr>
+          <p:cNvSpPr txBox="1"/>
+          <p:nvPr/>
         </p:nvSpPr>
-        <p:spPr/>
+        <p:spPr>
+          <a:xfrm>
+            <a:off x="7069493" y="1512277"/>
+            <a:ext cx="3994638" cy="3785652"/>
+          </a:xfrm>
+          <a:prstGeom prst="rect">
+            <a:avLst/>
+          </a:prstGeom>
+          <a:noFill/>
+        </p:spPr>
         <p:txBody>
-          <a:bodyPr/>
+          <a:bodyPr wrap="square" rtlCol="0">
+            <a:spAutoFit/>
+          </a:bodyPr>
           <a:lstStyle/>
           <a:p>
-            <a:pPr marL="0" indent="0">
-              <a:buNone/>
-            </a:pPr>
-            <a:endParaRPr lang="it-IT" dirty="0"/>
+            <a:r>
+              <a:rPr lang="it-IT" sz="2400" dirty="0"/>
+              <a:t>La </a:t>
+            </a:r>
+            <a:r>
+              <a:rPr lang="it-IT" sz="2400" dirty="0" err="1"/>
+              <a:t>View</a:t>
+            </a:r>
+            <a:r>
+              <a:rPr lang="it-IT" sz="2400" dirty="0"/>
+              <a:t>, conseguentemente all’uso del framework </a:t>
+            </a:r>
+            <a:r>
+              <a:rPr lang="it-IT" sz="2400" dirty="0" err="1"/>
+              <a:t>Qt</a:t>
+            </a:r>
+            <a:r>
+              <a:rPr lang="it-IT" sz="2400" dirty="0"/>
+              <a:t>, consiste di un file </a:t>
+            </a:r>
+            <a:r>
+              <a:rPr lang="it-IT" sz="2400" dirty="0" err="1"/>
+              <a:t>qml</a:t>
+            </a:r>
+            <a:r>
+              <a:rPr lang="it-IT" sz="2400" dirty="0"/>
+              <a:t> trasformato durante la compilazione in classi compatibili C++. </a:t>
+            </a:r>
+          </a:p>
+          <a:p>
+            <a:endParaRPr lang="it-IT" sz="2400" dirty="0"/>
+          </a:p>
+          <a:p>
+            <a:r>
+              <a:rPr lang="it-IT" sz="2400" dirty="0"/>
+              <a:t>Il comportamento della </a:t>
+            </a:r>
+            <a:r>
+              <a:rPr lang="it-IT" sz="2400" dirty="0" err="1"/>
+              <a:t>View</a:t>
+            </a:r>
+            <a:r>
+              <a:rPr lang="it-IT" sz="2400" dirty="0"/>
+              <a:t> è gestito dal package </a:t>
+            </a:r>
+            <a:r>
+              <a:rPr lang="it-IT" sz="2400" dirty="0" err="1"/>
+              <a:t>ViewModel</a:t>
+            </a:r>
+            <a:r>
+              <a:rPr lang="it-IT" sz="2400" dirty="0"/>
+              <a:t> </a:t>
+            </a:r>
           </a:p>
         </p:txBody>
       </p:sp>
@@ -4791,7 +12190,9 @@
         </p:nvSpPr>
         <p:spPr/>
         <p:txBody>
-          <a:bodyPr/>
+          <a:bodyPr>
+            <a:normAutofit/>
+          </a:bodyPr>
           <a:lstStyle/>
           <a:p>
             <a:r>
@@ -4802,31 +12203,62 @@
           <a:p>
             <a:pPr lvl="1"/>
             <a:r>
-              <a:rPr lang="it-IT" dirty="0" err="1"/>
+              <a:rPr lang="it-IT" sz="2800" dirty="0" err="1"/>
               <a:t>Command</a:t>
             </a:r>
-            <a:r>
-              <a:rPr lang="it-IT" dirty="0"/>
-              <a:t> pattern</a:t>
+            <a:endParaRPr lang="it-IT" sz="2800" dirty="0"/>
+          </a:p>
+          <a:p>
+            <a:pPr lvl="2"/>
+            <a:r>
+              <a:rPr lang="it-IT" sz="2800" dirty="0"/>
+              <a:t>Incapsulamento delle varie funzionalità, così da renderle facilmente estensibili</a:t>
             </a:r>
           </a:p>
           <a:p>
             <a:pPr lvl="1"/>
             <a:r>
-              <a:rPr lang="it-IT" dirty="0"/>
+              <a:rPr lang="it-IT" sz="2800" dirty="0"/>
               <a:t>Builder</a:t>
             </a:r>
           </a:p>
           <a:p>
+            <a:pPr lvl="2"/>
+            <a:r>
+              <a:rPr lang="it-IT" sz="2800" dirty="0"/>
+              <a:t>Costruzione della lista di comandi da eseguire</a:t>
+            </a:r>
+          </a:p>
+          <a:p>
             <a:pPr lvl="1"/>
             <a:r>
-              <a:rPr lang="it-IT" dirty="0"/>
-              <a:t>…</a:t>
+              <a:rPr lang="it-IT" sz="2800" dirty="0"/>
+              <a:t>Adapter</a:t>
             </a:r>
           </a:p>
           <a:p>
             <a:pPr lvl="2"/>
-            <a:endParaRPr lang="it-IT" dirty="0"/>
+            <a:r>
+              <a:rPr lang="it-IT" sz="2800" dirty="0"/>
+              <a:t>Incapsulamento di classi di </a:t>
+            </a:r>
+            <a:r>
+              <a:rPr lang="it-IT" sz="2800" dirty="0" err="1"/>
+              <a:t>Speect</a:t>
+            </a:r>
+            <a:r>
+              <a:rPr lang="it-IT" sz="2800" dirty="0"/>
+              <a:t> al fine di renderle pienamente compatibili con il paradigma ad oggetti e con il framework </a:t>
+            </a:r>
+            <a:r>
+              <a:rPr lang="it-IT" sz="2800" dirty="0" err="1"/>
+              <a:t>Qt</a:t>
+            </a:r>
+            <a:endParaRPr lang="it-IT" sz="2800" dirty="0"/>
+          </a:p>
+          <a:p>
+            <a:pPr lvl="2"/>
+            <a:endParaRPr lang="it-IT" sz="2800" dirty="0"/>
           </a:p>
         </p:txBody>
       </p:sp>
@@ -4994,42 +12426,35 @@
         </p:nvSpPr>
         <p:spPr/>
         <p:txBody>
-          <a:bodyPr/>
+          <a:bodyPr>
+            <a:normAutofit/>
+          </a:bodyPr>
           <a:lstStyle/>
           <a:p>
             <a:r>
-              <a:rPr lang="it-IT" dirty="0"/>
+              <a:rPr lang="it-IT" sz="3200" dirty="0"/>
               <a:t>Design pattern</a:t>
             </a:r>
           </a:p>
           <a:p>
             <a:pPr lvl="1"/>
             <a:r>
-              <a:rPr lang="it-IT" dirty="0" err="1"/>
-              <a:t>Command</a:t>
-            </a:r>
-            <a:r>
-              <a:rPr lang="it-IT" dirty="0"/>
-              <a:t> pattern</a:t>
-            </a:r>
-          </a:p>
-          <a:p>
-            <a:pPr lvl="1"/>
-            <a:r>
-              <a:rPr lang="it-IT" dirty="0"/>
-              <a:t>Builder</a:t>
-            </a:r>
-          </a:p>
-          <a:p>
-            <a:pPr lvl="1"/>
-            <a:r>
-              <a:rPr lang="it-IT" dirty="0"/>
-              <a:t>…</a:t>
-            </a:r>
+              <a:rPr lang="it-IT" sz="3200" dirty="0" err="1"/>
+              <a:t>Observer</a:t>
+            </a:r>
+            <a:endParaRPr lang="it-IT" sz="3200" dirty="0"/>
           </a:p>
           <a:p>
             <a:pPr lvl="2"/>
-            <a:endParaRPr lang="it-IT" dirty="0"/>
+            <a:r>
+              <a:rPr lang="it-IT" sz="3200" dirty="0"/>
+              <a:t>Implementati all’interno del framework per la gestione di slot e </a:t>
+            </a:r>
+            <a:r>
+              <a:rPr lang="it-IT" sz="3200" dirty="0" err="1"/>
+              <a:t>signals</a:t>
+            </a:r>
+            <a:endParaRPr lang="it-IT" sz="3200" dirty="0"/>
           </a:p>
         </p:txBody>
       </p:sp>

--- a/Presentazioni/Presentazioni PB/Presentazione PB.pptx
+++ b/Presentazioni/Presentazioni PB/Presentazione PB.pptx
@@ -329,6 +329,11 @@
                 </a:outerShdw>
               </a:effectLst>
             </c:spPr>
+            <c:extLst>
+              <c:ext xmlns:c16="http://schemas.microsoft.com/office/drawing/2014/chart" uri="{C3380CC4-5D6E-409C-BE32-E72D297353CC}">
+                <c16:uniqueId val="{00000005-63EF-4B77-A5DB-9854E6AF8A1C}"/>
+              </c:ext>
+            </c:extLst>
           </c:dPt>
           <c:dPt>
             <c:idx val="3"/>
@@ -371,6 +376,11 @@
                 </a:outerShdw>
               </a:effectLst>
             </c:spPr>
+            <c:extLst>
+              <c:ext xmlns:c16="http://schemas.microsoft.com/office/drawing/2014/chart" uri="{C3380CC4-5D6E-409C-BE32-E72D297353CC}">
+                <c16:uniqueId val="{00000007-63EF-4B77-A5DB-9854E6AF8A1C}"/>
+              </c:ext>
+            </c:extLst>
           </c:dPt>
           <c:dLbls>
             <c:spPr>
@@ -513,6 +523,7 @@
     </c:legend>
     <c:plotVisOnly val="1"/>
     <c:dispBlanksAs val="gap"/>
+    <c:showDLblsOverMax val="0"/>
     <c:extLst>
       <c:ext xmlns:c16r3="http://schemas.microsoft.com/office/drawing/2017/03/chart" uri="{56B9EC1D-385E-4148-901F-78D8002777C0}">
         <c16r3:dataDisplayOptions16>
@@ -520,7 +531,6 @@
         </c16r3:dataDisplayOptions16>
       </c:ext>
     </c:extLst>
-    <c:showDLblsOverMax val="0"/>
   </c:chart>
   <c:spPr>
     <a:gradFill flip="none" rotWithShape="1">
@@ -800,6 +810,11 @@
                 </a:outerShdw>
               </a:effectLst>
             </c:spPr>
+            <c:extLst>
+              <c:ext xmlns:c16="http://schemas.microsoft.com/office/drawing/2014/chart" uri="{C3380CC4-5D6E-409C-BE32-E72D297353CC}">
+                <c16:uniqueId val="{00000005-A4F9-4869-A0EF-5E717537AD4C}"/>
+              </c:ext>
+            </c:extLst>
           </c:dPt>
           <c:dPt>
             <c:idx val="3"/>
@@ -842,6 +857,11 @@
                 </a:outerShdw>
               </a:effectLst>
             </c:spPr>
+            <c:extLst>
+              <c:ext xmlns:c16="http://schemas.microsoft.com/office/drawing/2014/chart" uri="{C3380CC4-5D6E-409C-BE32-E72D297353CC}">
+                <c16:uniqueId val="{00000007-A4F9-4869-A0EF-5E717537AD4C}"/>
+              </c:ext>
+            </c:extLst>
           </c:dPt>
           <c:dLbls>
             <c:spPr>
@@ -984,6 +1004,7 @@
     </c:legend>
     <c:plotVisOnly val="1"/>
     <c:dispBlanksAs val="gap"/>
+    <c:showDLblsOverMax val="0"/>
     <c:extLst>
       <c:ext xmlns:c16r3="http://schemas.microsoft.com/office/drawing/2017/03/chart" uri="{56B9EC1D-385E-4148-901F-78D8002777C0}">
         <c16r3:dataDisplayOptions16>
@@ -991,7 +1012,6 @@
         </c16r3:dataDisplayOptions16>
       </c:ext>
     </c:extLst>
-    <c:showDLblsOverMax val="0"/>
   </c:chart>
   <c:spPr>
     <a:gradFill flip="none" rotWithShape="1">
@@ -1145,6 +1165,11 @@
                 </a:outerShdw>
               </a:effectLst>
             </c:spPr>
+            <c:extLst>
+              <c:ext xmlns:c16="http://schemas.microsoft.com/office/drawing/2014/chart" uri="{C3380CC4-5D6E-409C-BE32-E72D297353CC}">
+                <c16:uniqueId val="{00000001-CDE0-466E-B901-6C44B40E4A39}"/>
+              </c:ext>
+            </c:extLst>
           </c:dPt>
           <c:dPt>
             <c:idx val="1"/>
@@ -1187,6 +1212,11 @@
                 </a:outerShdw>
               </a:effectLst>
             </c:spPr>
+            <c:extLst>
+              <c:ext xmlns:c16="http://schemas.microsoft.com/office/drawing/2014/chart" uri="{C3380CC4-5D6E-409C-BE32-E72D297353CC}">
+                <c16:uniqueId val="{00000003-CDE0-466E-B901-6C44B40E4A39}"/>
+              </c:ext>
+            </c:extLst>
           </c:dPt>
           <c:dLbls>
             <c:spPr>
@@ -1272,9 +1302,6 @@
             </c:numRef>
           </c:val>
           <c:extLst>
-            <c:ext xmlns:c15="http://schemas.microsoft.com/office/drawing/2012/chart" uri="{02D57815-91ED-43cb-92C2-25804820EDAC}">
-              <c15:categoryFilterExceptions/>
-            </c:ext>
             <c:ext xmlns:c16="http://schemas.microsoft.com/office/drawing/2014/chart" uri="{C3380CC4-5D6E-409C-BE32-E72D297353CC}">
               <c16:uniqueId val="{00000000-4BE8-4047-95EE-1FB42FD17393}"/>
             </c:ext>
@@ -1332,6 +1359,7 @@
     </c:legend>
     <c:plotVisOnly val="1"/>
     <c:dispBlanksAs val="gap"/>
+    <c:showDLblsOverMax val="0"/>
     <c:extLst>
       <c:ext xmlns:c16r3="http://schemas.microsoft.com/office/drawing/2017/03/chart" uri="{56B9EC1D-385E-4148-901F-78D8002777C0}">
         <c16r3:dataDisplayOptions16>
@@ -1339,7 +1367,6 @@
         </c16r3:dataDisplayOptions16>
       </c:ext>
     </c:extLst>
-    <c:showDLblsOverMax val="0"/>
   </c:chart>
   <c:spPr>
     <a:gradFill flip="none" rotWithShape="1">
@@ -1662,9 +1689,6 @@
             </c:numRef>
           </c:val>
           <c:extLst>
-            <c:ext xmlns:c15="http://schemas.microsoft.com/office/drawing/2012/chart" uri="{02D57815-91ED-43cb-92C2-25804820EDAC}">
-              <c15:categoryFilterExceptions/>
-            </c:ext>
             <c:ext xmlns:c16="http://schemas.microsoft.com/office/drawing/2014/chart" uri="{C3380CC4-5D6E-409C-BE32-E72D297353CC}">
               <c16:uniqueId val="{00000004-1745-420B-AB3F-E74DF2E8014F}"/>
             </c:ext>
@@ -1722,6 +1746,7 @@
     </c:legend>
     <c:plotVisOnly val="1"/>
     <c:dispBlanksAs val="gap"/>
+    <c:showDLblsOverMax val="0"/>
     <c:extLst>
       <c:ext xmlns:c16r3="http://schemas.microsoft.com/office/drawing/2017/03/chart" uri="{56B9EC1D-385E-4148-901F-78D8002777C0}">
         <c16r3:dataDisplayOptions16>
@@ -1729,7 +1754,6 @@
         </c16r3:dataDisplayOptions16>
       </c:ext>
     </c:extLst>
-    <c:showDLblsOverMax val="0"/>
   </c:chart>
   <c:spPr>
     <a:gradFill flip="none" rotWithShape="1">
@@ -4064,7 +4088,7 @@
           <a:p>
             <a:fld id="{5CF95FE8-80A6-42EB-B376-7F3BFD602E63}" type="datetimeFigureOut">
               <a:rPr lang="it-IT" smtClean="0"/>
-              <a:t>06/04/2018</a:t>
+              <a:t>07/04/2018</a:t>
             </a:fld>
             <a:endParaRPr lang="it-IT"/>
           </a:p>
@@ -4262,7 +4286,7 @@
           <a:p>
             <a:fld id="{5CF95FE8-80A6-42EB-B376-7F3BFD602E63}" type="datetimeFigureOut">
               <a:rPr lang="it-IT" smtClean="0"/>
-              <a:t>06/04/2018</a:t>
+              <a:t>07/04/2018</a:t>
             </a:fld>
             <a:endParaRPr lang="it-IT"/>
           </a:p>
@@ -4470,7 +4494,7 @@
           <a:p>
             <a:fld id="{5CF95FE8-80A6-42EB-B376-7F3BFD602E63}" type="datetimeFigureOut">
               <a:rPr lang="it-IT" smtClean="0"/>
-              <a:t>06/04/2018</a:t>
+              <a:t>07/04/2018</a:t>
             </a:fld>
             <a:endParaRPr lang="it-IT"/>
           </a:p>
@@ -4668,7 +4692,7 @@
           <a:p>
             <a:fld id="{5CF95FE8-80A6-42EB-B376-7F3BFD602E63}" type="datetimeFigureOut">
               <a:rPr lang="it-IT" smtClean="0"/>
-              <a:t>06/04/2018</a:t>
+              <a:t>07/04/2018</a:t>
             </a:fld>
             <a:endParaRPr lang="it-IT"/>
           </a:p>
@@ -4943,7 +4967,7 @@
           <a:p>
             <a:fld id="{5CF95FE8-80A6-42EB-B376-7F3BFD602E63}" type="datetimeFigureOut">
               <a:rPr lang="it-IT" smtClean="0"/>
-              <a:t>06/04/2018</a:t>
+              <a:t>07/04/2018</a:t>
             </a:fld>
             <a:endParaRPr lang="it-IT"/>
           </a:p>
@@ -5208,7 +5232,7 @@
           <a:p>
             <a:fld id="{5CF95FE8-80A6-42EB-B376-7F3BFD602E63}" type="datetimeFigureOut">
               <a:rPr lang="it-IT" smtClean="0"/>
-              <a:t>06/04/2018</a:t>
+              <a:t>07/04/2018</a:t>
             </a:fld>
             <a:endParaRPr lang="it-IT"/>
           </a:p>
@@ -5620,7 +5644,7 @@
           <a:p>
             <a:fld id="{5CF95FE8-80A6-42EB-B376-7F3BFD602E63}" type="datetimeFigureOut">
               <a:rPr lang="it-IT" smtClean="0"/>
-              <a:t>06/04/2018</a:t>
+              <a:t>07/04/2018</a:t>
             </a:fld>
             <a:endParaRPr lang="it-IT"/>
           </a:p>
@@ -5761,7 +5785,7 @@
           <a:p>
             <a:fld id="{5CF95FE8-80A6-42EB-B376-7F3BFD602E63}" type="datetimeFigureOut">
               <a:rPr lang="it-IT" smtClean="0"/>
-              <a:t>06/04/2018</a:t>
+              <a:t>07/04/2018</a:t>
             </a:fld>
             <a:endParaRPr lang="it-IT"/>
           </a:p>
@@ -5874,7 +5898,7 @@
           <a:p>
             <a:fld id="{5CF95FE8-80A6-42EB-B376-7F3BFD602E63}" type="datetimeFigureOut">
               <a:rPr lang="it-IT" smtClean="0"/>
-              <a:t>06/04/2018</a:t>
+              <a:t>07/04/2018</a:t>
             </a:fld>
             <a:endParaRPr lang="it-IT"/>
           </a:p>
@@ -6185,7 +6209,7 @@
           <a:p>
             <a:fld id="{5CF95FE8-80A6-42EB-B376-7F3BFD602E63}" type="datetimeFigureOut">
               <a:rPr lang="it-IT" smtClean="0"/>
-              <a:t>06/04/2018</a:t>
+              <a:t>07/04/2018</a:t>
             </a:fld>
             <a:endParaRPr lang="it-IT"/>
           </a:p>
@@ -6473,7 +6497,7 @@
           <a:p>
             <a:fld id="{5CF95FE8-80A6-42EB-B376-7F3BFD602E63}" type="datetimeFigureOut">
               <a:rPr lang="it-IT" smtClean="0"/>
-              <a:t>06/04/2018</a:t>
+              <a:t>07/04/2018</a:t>
             </a:fld>
             <a:endParaRPr lang="it-IT"/>
           </a:p>
@@ -6714,7 +6738,7 @@
           <a:p>
             <a:fld id="{5CF95FE8-80A6-42EB-B376-7F3BFD602E63}" type="datetimeFigureOut">
               <a:rPr lang="it-IT" smtClean="0"/>
-              <a:t>06/04/2018</a:t>
+              <a:t>07/04/2018</a:t>
             </a:fld>
             <a:endParaRPr lang="it-IT"/>
           </a:p>
@@ -7732,7 +7756,7 @@
           <p:nvPr>
             <p:extLst>
               <p:ext uri="{D42A27DB-BD31-4B8C-83A1-F6EECF244321}">
-                <p14:modId xmlns:p14="http://schemas.microsoft.com/office/powerpoint/2010/main" val="2817148614"/>
+                <p14:modId xmlns:p14="http://schemas.microsoft.com/office/powerpoint/2010/main" val="1452278597"/>
               </p:ext>
             </p:extLst>
           </p:nvPr>
@@ -7931,7 +7955,11 @@
                     <a:lstStyle/>
                     <a:p>
                       <a:r>
-                        <a:rPr lang="it-IT" sz="1400" dirty="0"/>
+                        <a:rPr lang="it-IT" sz="1400" dirty="0">
+                          <a:solidFill>
+                            <a:schemeClr val="tx1"/>
+                          </a:solidFill>
+                        </a:rPr>
                         <a:t>UC3</a:t>
                       </a:r>
                     </a:p>
@@ -8117,7 +8145,11 @@
                     <a:lstStyle/>
                     <a:p>
                       <a:r>
-                        <a:rPr lang="it-IT" sz="1400" dirty="0"/>
+                        <a:rPr lang="it-IT" sz="1400" dirty="0">
+                          <a:solidFill>
+                            <a:schemeClr val="tx1"/>
+                          </a:solidFill>
+                        </a:rPr>
                         <a:t>UC5</a:t>
                       </a:r>
                     </a:p>
@@ -8165,7 +8197,11 @@
                     <a:lstStyle/>
                     <a:p>
                       <a:r>
-                        <a:rPr lang="it-IT" sz="1400" dirty="0"/>
+                        <a:rPr lang="it-IT" sz="1400" dirty="0">
+                          <a:solidFill>
+                            <a:schemeClr val="tx1"/>
+                          </a:solidFill>
+                        </a:rPr>
                         <a:t>UC6</a:t>
                       </a:r>
                     </a:p>
@@ -8207,7 +8243,11 @@
                     <a:lstStyle/>
                     <a:p>
                       <a:r>
-                        <a:rPr lang="it-IT" sz="1400" dirty="0"/>
+                        <a:rPr lang="it-IT" sz="1400" dirty="0">
+                          <a:solidFill>
+                            <a:schemeClr val="tx1"/>
+                          </a:solidFill>
+                        </a:rPr>
                         <a:t>UC6.1</a:t>
                       </a:r>
                     </a:p>
@@ -8255,7 +8295,11 @@
                     <a:lstStyle/>
                     <a:p>
                       <a:r>
-                        <a:rPr lang="it-IT" sz="1400" dirty="0"/>
+                        <a:rPr lang="it-IT" sz="1400" dirty="0">
+                          <a:solidFill>
+                            <a:schemeClr val="tx1"/>
+                          </a:solidFill>
+                        </a:rPr>
                         <a:t>UC6.2</a:t>
                       </a:r>
                     </a:p>
@@ -8297,7 +8341,11 @@
                     <a:lstStyle/>
                     <a:p>
                       <a:r>
-                        <a:rPr lang="it-IT" sz="1400" dirty="0"/>
+                        <a:rPr lang="it-IT" sz="1400" dirty="0">
+                          <a:solidFill>
+                            <a:schemeClr val="tx1"/>
+                          </a:solidFill>
+                        </a:rPr>
                         <a:t>UC6.3</a:t>
                       </a:r>
                     </a:p>
@@ -8339,7 +8387,11 @@
                     <a:lstStyle/>
                     <a:p>
                       <a:r>
-                        <a:rPr lang="it-IT" sz="1400" dirty="0"/>
+                        <a:rPr lang="it-IT" sz="1400" dirty="0">
+                          <a:solidFill>
+                            <a:schemeClr val="tx1"/>
+                          </a:solidFill>
+                        </a:rPr>
                         <a:t>UC7</a:t>
                       </a:r>
                     </a:p>
@@ -8387,7 +8439,11 @@
                     <a:lstStyle/>
                     <a:p>
                       <a:r>
-                        <a:rPr lang="it-IT" sz="1400" dirty="0"/>
+                        <a:rPr lang="it-IT" sz="1400" dirty="0">
+                          <a:solidFill>
+                            <a:schemeClr val="tx1"/>
+                          </a:solidFill>
+                        </a:rPr>
                         <a:t>UC7.1</a:t>
                       </a:r>
                     </a:p>
@@ -8429,8 +8485,26 @@
                     <a:lstStyle/>
                     <a:p>
                       <a:r>
+                        <a:rPr lang="it-IT" sz="1400" dirty="0">
+                          <a:solidFill>
+                            <a:schemeClr val="tx1"/>
+                          </a:solidFill>
+                        </a:rPr>
+                        <a:t>UC7.2</a:t>
+                      </a:r>
+                    </a:p>
+                  </a:txBody>
+                  <a:tcPr/>
+                </a:tc>
+                <a:tc>
+                  <a:txBody>
+                    <a:bodyPr/>
+                    <a:lstStyle/>
+                    <a:p>
+                      <a:pPr algn="ctr"/>
+                      <a:r>
                         <a:rPr lang="it-IT" sz="1400" dirty="0"/>
-                        <a:t>UC7.2</a:t>
+                        <a:t>x</a:t>
                       </a:r>
                     </a:p>
                   </a:txBody>
@@ -8442,18 +8516,10 @@
                     <a:lstStyle/>
                     <a:p>
                       <a:pPr algn="ctr"/>
-                      <a:endParaRPr lang="it-IT" sz="1400"/>
-                    </a:p>
-                  </a:txBody>
-                  <a:tcPr/>
-                </a:tc>
-                <a:tc>
-                  <a:txBody>
-                    <a:bodyPr/>
-                    <a:lstStyle/>
-                    <a:p>
-                      <a:pPr algn="ctr"/>
-                      <a:endParaRPr lang="it-IT" sz="1400" dirty="0"/>
+                      <a:r>
+                        <a:rPr lang="it-IT" sz="1400" dirty="0"/>
+                        <a:t>x</a:t>
+                      </a:r>
                     </a:p>
                   </a:txBody>
                   <a:tcPr/>
@@ -8471,8 +8537,26 @@
                     <a:lstStyle/>
                     <a:p>
                       <a:r>
+                        <a:rPr lang="it-IT" sz="1400" dirty="0">
+                          <a:solidFill>
+                            <a:schemeClr val="tx1"/>
+                          </a:solidFill>
+                        </a:rPr>
+                        <a:t>UC7.3</a:t>
+                      </a:r>
+                    </a:p>
+                  </a:txBody>
+                  <a:tcPr/>
+                </a:tc>
+                <a:tc>
+                  <a:txBody>
+                    <a:bodyPr/>
+                    <a:lstStyle/>
+                    <a:p>
+                      <a:pPr algn="ctr"/>
+                      <a:r>
                         <a:rPr lang="it-IT" sz="1400" dirty="0"/>
-                        <a:t>UC7.3</a:t>
+                        <a:t>x</a:t>
                       </a:r>
                     </a:p>
                   </a:txBody>
@@ -8484,18 +8568,10 @@
                     <a:lstStyle/>
                     <a:p>
                       <a:pPr algn="ctr"/>
-                      <a:endParaRPr lang="it-IT" sz="1400"/>
-                    </a:p>
-                  </a:txBody>
-                  <a:tcPr/>
-                </a:tc>
-                <a:tc>
-                  <a:txBody>
-                    <a:bodyPr/>
-                    <a:lstStyle/>
-                    <a:p>
-                      <a:pPr algn="ctr"/>
-                      <a:endParaRPr lang="it-IT" sz="1400" dirty="0"/>
+                      <a:r>
+                        <a:rPr lang="it-IT" sz="1400" dirty="0"/>
+                        <a:t>x</a:t>
+                      </a:r>
                     </a:p>
                   </a:txBody>
                   <a:tcPr/>
@@ -8525,7 +8601,7 @@
           <p:nvPr>
             <p:extLst>
               <p:ext uri="{D42A27DB-BD31-4B8C-83A1-F6EECF244321}">
-                <p14:modId xmlns:p14="http://schemas.microsoft.com/office/powerpoint/2010/main" val="3757501062"/>
+                <p14:modId xmlns:p14="http://schemas.microsoft.com/office/powerpoint/2010/main" val="1496930577"/>
               </p:ext>
             </p:extLst>
           </p:nvPr>
@@ -8754,7 +8830,11 @@
                     <a:lstStyle/>
                     <a:p>
                       <a:r>
-                        <a:rPr lang="it-IT" sz="1400" dirty="0"/>
+                        <a:rPr lang="it-IT" sz="1400" dirty="0">
+                          <a:solidFill>
+                            <a:schemeClr val="tx1"/>
+                          </a:solidFill>
+                        </a:rPr>
                         <a:t>UC9.1</a:t>
                       </a:r>
                     </a:p>
@@ -8796,7 +8876,11 @@
                     <a:lstStyle/>
                     <a:p>
                       <a:r>
-                        <a:rPr lang="it-IT" sz="1400" dirty="0"/>
+                        <a:rPr lang="it-IT" sz="1400" dirty="0">
+                          <a:solidFill>
+                            <a:schemeClr val="tx1"/>
+                          </a:solidFill>
+                        </a:rPr>
                         <a:t>UC10</a:t>
                       </a:r>
                     </a:p>
@@ -8841,7 +8925,11 @@
                     <a:lstStyle/>
                     <a:p>
                       <a:r>
-                        <a:rPr lang="it-IT" sz="1400" dirty="0"/>
+                        <a:rPr lang="it-IT" sz="1400" dirty="0">
+                          <a:solidFill>
+                            <a:schemeClr val="tx1"/>
+                          </a:solidFill>
+                        </a:rPr>
                         <a:t>UC10.1</a:t>
                       </a:r>
                     </a:p>
@@ -8883,7 +8971,11 @@
                     <a:lstStyle/>
                     <a:p>
                       <a:r>
-                        <a:rPr lang="it-IT" sz="1400" dirty="0"/>
+                        <a:rPr lang="it-IT" sz="1400" dirty="0">
+                          <a:solidFill>
+                            <a:schemeClr val="tx1"/>
+                          </a:solidFill>
+                        </a:rPr>
                         <a:t>UC11</a:t>
                       </a:r>
                     </a:p>
@@ -8925,7 +9017,11 @@
                     <a:lstStyle/>
                     <a:p>
                       <a:r>
-                        <a:rPr lang="it-IT" sz="1400" dirty="0"/>
+                        <a:rPr lang="it-IT" sz="1400" dirty="0">
+                          <a:solidFill>
+                            <a:schemeClr val="tx1"/>
+                          </a:solidFill>
+                        </a:rPr>
                         <a:t>UC11.1</a:t>
                       </a:r>
                     </a:p>
@@ -8967,7 +9063,11 @@
                     <a:lstStyle/>
                     <a:p>
                       <a:r>
-                        <a:rPr lang="it-IT" sz="1400" dirty="0"/>
+                        <a:rPr lang="it-IT" sz="1400" dirty="0">
+                          <a:solidFill>
+                            <a:schemeClr val="tx1"/>
+                          </a:solidFill>
+                        </a:rPr>
                         <a:t>UC12</a:t>
                       </a:r>
                     </a:p>
@@ -9012,7 +9112,11 @@
                     <a:lstStyle/>
                     <a:p>
                       <a:r>
-                        <a:rPr lang="it-IT" sz="1400" dirty="0"/>
+                        <a:rPr lang="it-IT" sz="1400" dirty="0">
+                          <a:solidFill>
+                            <a:schemeClr val="tx1"/>
+                          </a:solidFill>
+                        </a:rPr>
                         <a:t>UC13</a:t>
                       </a:r>
                     </a:p>
@@ -9054,7 +9158,11 @@
                     <a:lstStyle/>
                     <a:p>
                       <a:r>
-                        <a:rPr lang="it-IT" sz="1400" dirty="0"/>
+                        <a:rPr lang="it-IT" sz="1400" dirty="0">
+                          <a:solidFill>
+                            <a:schemeClr val="tx1"/>
+                          </a:solidFill>
+                        </a:rPr>
                         <a:t>UC13.1</a:t>
                       </a:r>
                     </a:p>
@@ -9099,7 +9207,11 @@
                     <a:lstStyle/>
                     <a:p>
                       <a:r>
-                        <a:rPr lang="it-IT" sz="1400" dirty="0"/>
+                        <a:rPr lang="it-IT" sz="1400" dirty="0">
+                          <a:solidFill>
+                            <a:schemeClr val="tx1"/>
+                          </a:solidFill>
+                        </a:rPr>
                         <a:t>UC13.2</a:t>
                       </a:r>
                     </a:p>
@@ -10086,7 +10198,7 @@
           <p:nvPr>
             <p:extLst>
               <p:ext uri="{D42A27DB-BD31-4B8C-83A1-F6EECF244321}">
-                <p14:modId xmlns:p14="http://schemas.microsoft.com/office/powerpoint/2010/main" val="4032055668"/>
+                <p14:modId xmlns:p14="http://schemas.microsoft.com/office/powerpoint/2010/main" val="2143571672"/>
               </p:ext>
             </p:extLst>
           </p:nvPr>
@@ -10425,7 +10537,11 @@
                     <a:lstStyle/>
                     <a:p>
                       <a:r>
-                        <a:rPr lang="it-IT" sz="1400" dirty="0"/>
+                        <a:rPr lang="it-IT" sz="1400" dirty="0">
+                          <a:solidFill>
+                            <a:schemeClr val="tx1"/>
+                          </a:solidFill>
+                        </a:rPr>
                         <a:t>ROF9.3</a:t>
                       </a:r>
                     </a:p>
@@ -10452,7 +10568,10 @@
                     <a:lstStyle/>
                     <a:p>
                       <a:pPr algn="ctr"/>
-                      <a:endParaRPr lang="it-IT" sz="1400"/>
+                      <a:r>
+                        <a:rPr lang="it-IT" sz="1400" dirty="0"/>
+                        <a:t>X</a:t>
+                      </a:r>
                     </a:p>
                   </a:txBody>
                   <a:tcPr/>
@@ -10497,7 +10616,7 @@
                     <a:lstStyle/>
                     <a:p>
                       <a:pPr algn="ctr"/>
-                      <a:endParaRPr lang="it-IT" sz="1400"/>
+                      <a:endParaRPr lang="it-IT" sz="1400" dirty="0"/>
                     </a:p>
                   </a:txBody>
                   <a:tcPr/>

--- a/Presentazioni/Presentazioni PB/Presentazione PB.pptx
+++ b/Presentazioni/Presentazioni PB/Presentazione PB.pptx
@@ -523,7 +523,6 @@
     </c:legend>
     <c:plotVisOnly val="1"/>
     <c:dispBlanksAs val="gap"/>
-    <c:showDLblsOverMax val="0"/>
     <c:extLst>
       <c:ext xmlns:c16r3="http://schemas.microsoft.com/office/drawing/2017/03/chart" uri="{56B9EC1D-385E-4148-901F-78D8002777C0}">
         <c16r3:dataDisplayOptions16>
@@ -531,6 +530,7 @@
         </c16r3:dataDisplayOptions16>
       </c:ext>
     </c:extLst>
+    <c:showDLblsOverMax val="0"/>
   </c:chart>
   <c:spPr>
     <a:gradFill flip="none" rotWithShape="1">
@@ -1004,7 +1004,6 @@
     </c:legend>
     <c:plotVisOnly val="1"/>
     <c:dispBlanksAs val="gap"/>
-    <c:showDLblsOverMax val="0"/>
     <c:extLst>
       <c:ext xmlns:c16r3="http://schemas.microsoft.com/office/drawing/2017/03/chart" uri="{56B9EC1D-385E-4148-901F-78D8002777C0}">
         <c16r3:dataDisplayOptions16>
@@ -1012,6 +1011,7 @@
         </c16r3:dataDisplayOptions16>
       </c:ext>
     </c:extLst>
+    <c:showDLblsOverMax val="0"/>
   </c:chart>
   <c:spPr>
     <a:gradFill flip="none" rotWithShape="1">
@@ -1359,7 +1359,6 @@
     </c:legend>
     <c:plotVisOnly val="1"/>
     <c:dispBlanksAs val="gap"/>
-    <c:showDLblsOverMax val="0"/>
     <c:extLst>
       <c:ext xmlns:c16r3="http://schemas.microsoft.com/office/drawing/2017/03/chart" uri="{56B9EC1D-385E-4148-901F-78D8002777C0}">
         <c16r3:dataDisplayOptions16>
@@ -1367,6 +1366,7 @@
         </c16r3:dataDisplayOptions16>
       </c:ext>
     </c:extLst>
+    <c:showDLblsOverMax val="0"/>
   </c:chart>
   <c:spPr>
     <a:gradFill flip="none" rotWithShape="1">
@@ -1746,7 +1746,6 @@
     </c:legend>
     <c:plotVisOnly val="1"/>
     <c:dispBlanksAs val="gap"/>
-    <c:showDLblsOverMax val="0"/>
     <c:extLst>
       <c:ext xmlns:c16r3="http://schemas.microsoft.com/office/drawing/2017/03/chart" uri="{56B9EC1D-385E-4148-901F-78D8002777C0}">
         <c16r3:dataDisplayOptions16>
@@ -1754,6 +1753,7 @@
         </c16r3:dataDisplayOptions16>
       </c:ext>
     </c:extLst>
+    <c:showDLblsOverMax val="0"/>
   </c:chart>
   <c:spPr>
     <a:gradFill flip="none" rotWithShape="1">
@@ -7756,14 +7756,14 @@
           <p:nvPr>
             <p:extLst>
               <p:ext uri="{D42A27DB-BD31-4B8C-83A1-F6EECF244321}">
-                <p14:modId xmlns:p14="http://schemas.microsoft.com/office/powerpoint/2010/main" val="1452278597"/>
+                <p14:modId xmlns:p14="http://schemas.microsoft.com/office/powerpoint/2010/main" val="2319795642"/>
               </p:ext>
             </p:extLst>
           </p:nvPr>
         </p:nvGraphicFramePr>
         <p:xfrm>
-          <a:off x="838200" y="1396699"/>
-          <a:ext cx="3246312" cy="5090160"/>
+          <a:off x="838201" y="1396699"/>
+          <a:ext cx="3549162" cy="5090160"/>
         </p:xfrm>
         <a:graphic>
           <a:graphicData uri="http://schemas.openxmlformats.org/drawingml/2006/table">
@@ -7772,21 +7772,21 @@
                 <a:tableStyleId>{5C22544A-7EE6-4342-B048-85BDC9FD1C3A}</a:tableStyleId>
               </a:tblPr>
               <a:tblGrid>
-                <a:gridCol w="1082104">
+                <a:gridCol w="1183054">
                   <a:extLst>
                     <a:ext uri="{9D8B030D-6E8A-4147-A177-3AD203B41FA5}">
                       <a16:colId xmlns:a16="http://schemas.microsoft.com/office/drawing/2014/main" val="3098465247"/>
                     </a:ext>
                   </a:extLst>
                 </a:gridCol>
-                <a:gridCol w="1082104">
+                <a:gridCol w="1183054">
                   <a:extLst>
                     <a:ext uri="{9D8B030D-6E8A-4147-A177-3AD203B41FA5}">
                       <a16:colId xmlns:a16="http://schemas.microsoft.com/office/drawing/2014/main" val="414872655"/>
                     </a:ext>
                   </a:extLst>
                 </a:gridCol>
-                <a:gridCol w="1082104">
+                <a:gridCol w="1183054">
                   <a:extLst>
                     <a:ext uri="{9D8B030D-6E8A-4147-A177-3AD203B41FA5}">
                       <a16:colId xmlns:a16="http://schemas.microsoft.com/office/drawing/2014/main" val="1484288329"/>
@@ -7922,7 +7922,7 @@
                       <a:pPr algn="ctr"/>
                       <a:r>
                         <a:rPr lang="it-IT" sz="1400" dirty="0"/>
-                        <a:t>x</a:t>
+                        <a:t>X</a:t>
                       </a:r>
                     </a:p>
                   </a:txBody>
@@ -7974,7 +7974,7 @@
                       <a:pPr algn="ctr"/>
                       <a:r>
                         <a:rPr lang="it-IT" sz="1400" dirty="0"/>
-                        <a:t>x</a:t>
+                        <a:t>X</a:t>
                       </a:r>
                     </a:p>
                   </a:txBody>
@@ -8022,7 +8022,7 @@
                       <a:pPr algn="ctr"/>
                       <a:r>
                         <a:rPr lang="it-IT" sz="1400" dirty="0"/>
-                        <a:t>x</a:t>
+                        <a:t>X</a:t>
                       </a:r>
                     </a:p>
                   </a:txBody>
@@ -8115,7 +8115,7 @@
                       <a:pPr algn="ctr"/>
                       <a:r>
                         <a:rPr lang="it-IT" sz="1400" dirty="0"/>
-                        <a:t>x</a:t>
+                        <a:t>X</a:t>
                       </a:r>
                     </a:p>
                   </a:txBody>
@@ -8164,7 +8164,7 @@
                       <a:pPr algn="ctr"/>
                       <a:r>
                         <a:rPr lang="it-IT" sz="1400" dirty="0"/>
-                        <a:t>x</a:t>
+                        <a:t>X</a:t>
                       </a:r>
                     </a:p>
                   </a:txBody>
@@ -8262,7 +8262,7 @@
                       <a:pPr algn="ctr"/>
                       <a:r>
                         <a:rPr lang="it-IT" sz="1400" dirty="0"/>
-                        <a:t>x</a:t>
+                        <a:t>X</a:t>
                       </a:r>
                     </a:p>
                   </a:txBody>
@@ -8406,7 +8406,7 @@
                       <a:pPr algn="ctr"/>
                       <a:r>
                         <a:rPr lang="it-IT" sz="1400" dirty="0"/>
-                        <a:t>x</a:t>
+                        <a:t>X</a:t>
                       </a:r>
                     </a:p>
                   </a:txBody>
@@ -8504,7 +8504,7 @@
                       <a:pPr algn="ctr"/>
                       <a:r>
                         <a:rPr lang="it-IT" sz="1400" dirty="0"/>
-                        <a:t>x</a:t>
+                        <a:t>X</a:t>
                       </a:r>
                     </a:p>
                   </a:txBody>
@@ -8518,7 +8518,7 @@
                       <a:pPr algn="ctr"/>
                       <a:r>
                         <a:rPr lang="it-IT" sz="1400" dirty="0"/>
-                        <a:t>x</a:t>
+                        <a:t>X</a:t>
                       </a:r>
                     </a:p>
                   </a:txBody>
@@ -8556,7 +8556,7 @@
                       <a:pPr algn="ctr"/>
                       <a:r>
                         <a:rPr lang="it-IT" sz="1400" dirty="0"/>
-                        <a:t>x</a:t>
+                        <a:t>X</a:t>
                       </a:r>
                     </a:p>
                   </a:txBody>
@@ -8570,7 +8570,7 @@
                       <a:pPr algn="ctr"/>
                       <a:r>
                         <a:rPr lang="it-IT" sz="1400" dirty="0"/>
-                        <a:t>x</a:t>
+                        <a:t>X</a:t>
                       </a:r>
                     </a:p>
                   </a:txBody>
@@ -8601,14 +8601,14 @@
           <p:nvPr>
             <p:extLst>
               <p:ext uri="{D42A27DB-BD31-4B8C-83A1-F6EECF244321}">
-                <p14:modId xmlns:p14="http://schemas.microsoft.com/office/powerpoint/2010/main" val="1496930577"/>
+                <p14:modId xmlns:p14="http://schemas.microsoft.com/office/powerpoint/2010/main" val="13714944"/>
               </p:ext>
             </p:extLst>
           </p:nvPr>
         </p:nvGraphicFramePr>
         <p:xfrm>
-          <a:off x="4642827" y="1396929"/>
-          <a:ext cx="3246312" cy="5090160"/>
+          <a:off x="4387363" y="1396929"/>
+          <a:ext cx="3742596" cy="5090160"/>
         </p:xfrm>
         <a:graphic>
           <a:graphicData uri="http://schemas.openxmlformats.org/drawingml/2006/table">
@@ -8617,21 +8617,21 @@
                 <a:tableStyleId>{5C22544A-7EE6-4342-B048-85BDC9FD1C3A}</a:tableStyleId>
               </a:tblPr>
               <a:tblGrid>
-                <a:gridCol w="1082104">
+                <a:gridCol w="1247532">
                   <a:extLst>
                     <a:ext uri="{9D8B030D-6E8A-4147-A177-3AD203B41FA5}">
                       <a16:colId xmlns:a16="http://schemas.microsoft.com/office/drawing/2014/main" val="3098465247"/>
                     </a:ext>
                   </a:extLst>
                 </a:gridCol>
-                <a:gridCol w="1082104">
+                <a:gridCol w="1247532">
                   <a:extLst>
                     <a:ext uri="{9D8B030D-6E8A-4147-A177-3AD203B41FA5}">
                       <a16:colId xmlns:a16="http://schemas.microsoft.com/office/drawing/2014/main" val="414872655"/>
                     </a:ext>
                   </a:extLst>
                 </a:gridCol>
-                <a:gridCol w="1082104">
+                <a:gridCol w="1247532">
                   <a:extLst>
                     <a:ext uri="{9D8B030D-6E8A-4147-A177-3AD203B41FA5}">
                       <a16:colId xmlns:a16="http://schemas.microsoft.com/office/drawing/2014/main" val="1484288329"/>
@@ -8895,7 +8895,7 @@
                       <a:pPr algn="ctr"/>
                       <a:r>
                         <a:rPr lang="it-IT" sz="1400" dirty="0"/>
-                        <a:t>x</a:t>
+                        <a:t>X</a:t>
                       </a:r>
                     </a:p>
                   </a:txBody>
@@ -10198,7 +10198,7 @@
           <p:nvPr>
             <p:extLst>
               <p:ext uri="{D42A27DB-BD31-4B8C-83A1-F6EECF244321}">
-                <p14:modId xmlns:p14="http://schemas.microsoft.com/office/powerpoint/2010/main" val="2143571672"/>
+                <p14:modId xmlns:p14="http://schemas.microsoft.com/office/powerpoint/2010/main" val="439125335"/>
               </p:ext>
             </p:extLst>
           </p:nvPr>
@@ -10570,7 +10570,7 @@
                       <a:pPr algn="ctr"/>
                       <a:r>
                         <a:rPr lang="it-IT" sz="1400" dirty="0"/>
-                        <a:t>X</a:t>
+                        <a:t>x</a:t>
                       </a:r>
                     </a:p>
                   </a:txBody>

--- a/Presentazioni/Presentazioni PB/Presentazione PB.pptx
+++ b/Presentazioni/Presentazioni PB/Presentazione PB.pptx
@@ -123,6 +123,10 @@
     </p:ext>
   </p:extLst>
 </p:presentation>
+</file>
+
+<file path=ppt/revisionInfo.xml><?xml version="1.0" encoding="utf-8"?>
+<p1510:revInfo xmlns:a="http://schemas.openxmlformats.org/drawingml/2006/main" xmlns:r="http://schemas.openxmlformats.org/officeDocument/2006/relationships" xmlns:p1510="http://schemas.microsoft.com/office/powerpoint/2015/10/main"/>
 </file>
 
 <file path=ppt/charts/chart1.xml><?xml version="1.0" encoding="utf-8"?>
@@ -493,6 +497,14 @@
     </c:plotArea>
     <c:legend>
       <c:legendPos val="b"/>
+      <c:legendEntry>
+        <c:idx val="2"/>
+        <c:delete val="1"/>
+      </c:legendEntry>
+      <c:legendEntry>
+        <c:idx val="3"/>
+        <c:delete val="1"/>
+      </c:legendEntry>
       <c:overlay val="0"/>
       <c:spPr>
         <a:noFill/>
@@ -523,6 +535,7 @@
     </c:legend>
     <c:plotVisOnly val="1"/>
     <c:dispBlanksAs val="gap"/>
+    <c:showDLblsOverMax val="0"/>
     <c:extLst>
       <c:ext xmlns:c16r3="http://schemas.microsoft.com/office/drawing/2017/03/chart" uri="{56B9EC1D-385E-4148-901F-78D8002777C0}">
         <c16r3:dataDisplayOptions16>
@@ -530,7 +543,6 @@
         </c16r3:dataDisplayOptions16>
       </c:ext>
     </c:extLst>
-    <c:showDLblsOverMax val="0"/>
   </c:chart>
   <c:spPr>
     <a:gradFill flip="none" rotWithShape="1">
@@ -974,6 +986,14 @@
     </c:plotArea>
     <c:legend>
       <c:legendPos val="b"/>
+      <c:legendEntry>
+        <c:idx val="2"/>
+        <c:delete val="1"/>
+      </c:legendEntry>
+      <c:legendEntry>
+        <c:idx val="3"/>
+        <c:delete val="1"/>
+      </c:legendEntry>
       <c:overlay val="0"/>
       <c:spPr>
         <a:noFill/>
@@ -1004,6 +1024,7 @@
     </c:legend>
     <c:plotVisOnly val="1"/>
     <c:dispBlanksAs val="gap"/>
+    <c:showDLblsOverMax val="0"/>
     <c:extLst>
       <c:ext xmlns:c16r3="http://schemas.microsoft.com/office/drawing/2017/03/chart" uri="{56B9EC1D-385E-4148-901F-78D8002777C0}">
         <c16r3:dataDisplayOptions16>
@@ -1011,7 +1032,6 @@
         </c16r3:dataDisplayOptions16>
       </c:ext>
     </c:extLst>
-    <c:showDLblsOverMax val="0"/>
   </c:chart>
   <c:spPr>
     <a:gradFill flip="none" rotWithShape="1">
@@ -1359,6 +1379,7 @@
     </c:legend>
     <c:plotVisOnly val="1"/>
     <c:dispBlanksAs val="gap"/>
+    <c:showDLblsOverMax val="0"/>
     <c:extLst>
       <c:ext xmlns:c16r3="http://schemas.microsoft.com/office/drawing/2017/03/chart" uri="{56B9EC1D-385E-4148-901F-78D8002777C0}">
         <c16r3:dataDisplayOptions16>
@@ -1366,7 +1387,6 @@
         </c16r3:dataDisplayOptions16>
       </c:ext>
     </c:extLst>
-    <c:showDLblsOverMax val="0"/>
   </c:chart>
   <c:spPr>
     <a:gradFill flip="none" rotWithShape="1">
@@ -1746,6 +1766,7 @@
     </c:legend>
     <c:plotVisOnly val="1"/>
     <c:dispBlanksAs val="gap"/>
+    <c:showDLblsOverMax val="0"/>
     <c:extLst>
       <c:ext xmlns:c16r3="http://schemas.microsoft.com/office/drawing/2017/03/chart" uri="{56B9EC1D-385E-4148-901F-78D8002777C0}">
         <c16r3:dataDisplayOptions16>
@@ -1753,7 +1774,6 @@
         </c16r3:dataDisplayOptions16>
       </c:ext>
     </c:extLst>
-    <c:showDLblsOverMax val="0"/>
   </c:chart>
   <c:spPr>
     <a:gradFill flip="none" rotWithShape="1">
@@ -4088,7 +4108,7 @@
           <a:p>
             <a:fld id="{5CF95FE8-80A6-42EB-B376-7F3BFD602E63}" type="datetimeFigureOut">
               <a:rPr lang="it-IT" smtClean="0"/>
-              <a:t>07/04/2018</a:t>
+              <a:t>08/04/2018</a:t>
             </a:fld>
             <a:endParaRPr lang="it-IT"/>
           </a:p>
@@ -4286,7 +4306,7 @@
           <a:p>
             <a:fld id="{5CF95FE8-80A6-42EB-B376-7F3BFD602E63}" type="datetimeFigureOut">
               <a:rPr lang="it-IT" smtClean="0"/>
-              <a:t>07/04/2018</a:t>
+              <a:t>08/04/2018</a:t>
             </a:fld>
             <a:endParaRPr lang="it-IT"/>
           </a:p>
@@ -4494,7 +4514,7 @@
           <a:p>
             <a:fld id="{5CF95FE8-80A6-42EB-B376-7F3BFD602E63}" type="datetimeFigureOut">
               <a:rPr lang="it-IT" smtClean="0"/>
-              <a:t>07/04/2018</a:t>
+              <a:t>08/04/2018</a:t>
             </a:fld>
             <a:endParaRPr lang="it-IT"/>
           </a:p>
@@ -4692,7 +4712,7 @@
           <a:p>
             <a:fld id="{5CF95FE8-80A6-42EB-B376-7F3BFD602E63}" type="datetimeFigureOut">
               <a:rPr lang="it-IT" smtClean="0"/>
-              <a:t>07/04/2018</a:t>
+              <a:t>08/04/2018</a:t>
             </a:fld>
             <a:endParaRPr lang="it-IT"/>
           </a:p>
@@ -4967,7 +4987,7 @@
           <a:p>
             <a:fld id="{5CF95FE8-80A6-42EB-B376-7F3BFD602E63}" type="datetimeFigureOut">
               <a:rPr lang="it-IT" smtClean="0"/>
-              <a:t>07/04/2018</a:t>
+              <a:t>08/04/2018</a:t>
             </a:fld>
             <a:endParaRPr lang="it-IT"/>
           </a:p>
@@ -5232,7 +5252,7 @@
           <a:p>
             <a:fld id="{5CF95FE8-80A6-42EB-B376-7F3BFD602E63}" type="datetimeFigureOut">
               <a:rPr lang="it-IT" smtClean="0"/>
-              <a:t>07/04/2018</a:t>
+              <a:t>08/04/2018</a:t>
             </a:fld>
             <a:endParaRPr lang="it-IT"/>
           </a:p>
@@ -5644,7 +5664,7 @@
           <a:p>
             <a:fld id="{5CF95FE8-80A6-42EB-B376-7F3BFD602E63}" type="datetimeFigureOut">
               <a:rPr lang="it-IT" smtClean="0"/>
-              <a:t>07/04/2018</a:t>
+              <a:t>08/04/2018</a:t>
             </a:fld>
             <a:endParaRPr lang="it-IT"/>
           </a:p>
@@ -5785,7 +5805,7 @@
           <a:p>
             <a:fld id="{5CF95FE8-80A6-42EB-B376-7F3BFD602E63}" type="datetimeFigureOut">
               <a:rPr lang="it-IT" smtClean="0"/>
-              <a:t>07/04/2018</a:t>
+              <a:t>08/04/2018</a:t>
             </a:fld>
             <a:endParaRPr lang="it-IT"/>
           </a:p>
@@ -5898,7 +5918,7 @@
           <a:p>
             <a:fld id="{5CF95FE8-80A6-42EB-B376-7F3BFD602E63}" type="datetimeFigureOut">
               <a:rPr lang="it-IT" smtClean="0"/>
-              <a:t>07/04/2018</a:t>
+              <a:t>08/04/2018</a:t>
             </a:fld>
             <a:endParaRPr lang="it-IT"/>
           </a:p>
@@ -6209,7 +6229,7 @@
           <a:p>
             <a:fld id="{5CF95FE8-80A6-42EB-B376-7F3BFD602E63}" type="datetimeFigureOut">
               <a:rPr lang="it-IT" smtClean="0"/>
-              <a:t>07/04/2018</a:t>
+              <a:t>08/04/2018</a:t>
             </a:fld>
             <a:endParaRPr lang="it-IT"/>
           </a:p>
@@ -6497,7 +6517,7 @@
           <a:p>
             <a:fld id="{5CF95FE8-80A6-42EB-B376-7F3BFD602E63}" type="datetimeFigureOut">
               <a:rPr lang="it-IT" smtClean="0"/>
-              <a:t>07/04/2018</a:t>
+              <a:t>08/04/2018</a:t>
             </a:fld>
             <a:endParaRPr lang="it-IT"/>
           </a:p>
@@ -6738,7 +6758,7 @@
           <a:p>
             <a:fld id="{5CF95FE8-80A6-42EB-B376-7F3BFD602E63}" type="datetimeFigureOut">
               <a:rPr lang="it-IT" smtClean="0"/>
-              <a:t>07/04/2018</a:t>
+              <a:t>08/04/2018</a:t>
             </a:fld>
             <a:endParaRPr lang="it-IT"/>
           </a:p>

--- a/Presentazioni/Presentazioni PB/Presentazione PB.pptx
+++ b/Presentazioni/Presentazioni PB/Presentazione PB.pptx
@@ -447,7 +447,7 @@
                   <c:v>Soddisfatti</c:v>
                 </c:pt>
                 <c:pt idx="1">
-                  <c:v>Insoddisfatti.</c:v>
+                  <c:v>Insoddisfatti</c:v>
                 </c:pt>
               </c:strCache>
             </c:strRef>
@@ -495,6 +495,14 @@
     </c:plotArea>
     <c:legend>
       <c:legendPos val="b"/>
+      <c:legendEntry>
+        <c:idx val="2"/>
+        <c:delete val="1"/>
+      </c:legendEntry>
+      <c:legendEntry>
+        <c:idx val="3"/>
+        <c:delete val="1"/>
+      </c:legendEntry>
       <c:overlay val="0"/>
       <c:spPr>
         <a:noFill/>
@@ -931,7 +939,7 @@
                   <c:v>Soddisfatti</c:v>
                 </c:pt>
                 <c:pt idx="1">
-                  <c:v>Insoddisfatti.</c:v>
+                  <c:v>Insoddisfatti</c:v>
                 </c:pt>
               </c:strCache>
             </c:strRef>
@@ -979,6 +987,14 @@
     </c:plotArea>
     <c:legend>
       <c:legendPos val="b"/>
+      <c:legendEntry>
+        <c:idx val="2"/>
+        <c:delete val="1"/>
+      </c:legendEntry>
+      <c:legendEntry>
+        <c:idx val="3"/>
+        <c:delete val="1"/>
+      </c:legendEntry>
       <c:overlay val="0"/>
       <c:spPr>
         <a:noFill/>
@@ -1655,8 +1671,8 @@
               <c:idx val="0"/>
               <c:layout>
                 <c:manualLayout>
-                  <c:x val="1.05692465755834E-2"/>
-                  <c:y val="-0.141142615435428"/>
+                  <c:x val="1.0569026666995012E-2"/>
+                  <c:y val="-0.18797154865757942"/>
                 </c:manualLayout>
               </c:layout>
               <c:dLblPos val="bestFit"/>
@@ -8684,7 +8700,6 @@
           </a:prstGeom>
           <a:solidFill>
             <a:schemeClr val="accent6">
-              <a:lumMod val="50000"/>
               <a:alpha val="25000"/>
             </a:schemeClr>
           </a:solidFill>
@@ -8756,102 +8771,6 @@
           </a:p>
         </p:txBody>
       </p:sp>
-      <p:pic>
-        <p:nvPicPr>
-          <p:cNvPr id="5" name="Elemento grafico 10">
-            <a:extLst>
-              <a:ext uri="{FF2B5EF4-FFF2-40B4-BE49-F238E27FC236}">
-                <a16:creationId xmlns:a16="http://schemas.microsoft.com/office/drawing/2014/main" id="{9F786829-F82B-41BE-A20B-E02DF83D5FD5}"/>
-              </a:ext>
-            </a:extLst>
-          </p:cNvPr>
-          <p:cNvPicPr>
-            <a:picLocks noChangeAspect="1"/>
-          </p:cNvPicPr>
-          <p:nvPr/>
-        </p:nvPicPr>
-        <p:blipFill rotWithShape="1">
-          <a:blip r:embed="rId3">
-            <a:extLst>
-              <a:ext uri="{28A0092B-C50C-407E-A947-70E740481C1C}">
-                <a14:useLocalDpi xmlns:a14="http://schemas.microsoft.com/office/drawing/2010/main" val="0"/>
-              </a:ext>
-              <a:ext uri="{96DAC541-7B7A-43D3-8B79-37D633B846F1}">
-                <asvg:svgBlip xmlns:asvg="http://schemas.microsoft.com/office/drawing/2016/SVG/main" r:embed="rId4"/>
-              </a:ext>
-            </a:extLst>
-          </a:blip>
-          <a:srcRect b="14694"/>
-          <a:stretch/>
-        </p:blipFill>
-        <p:spPr>
-          <a:xfrm>
-            <a:off x="0" y="3296279"/>
-            <a:ext cx="5358403" cy="3532172"/>
-          </a:xfrm>
-          <a:prstGeom prst="rect">
-            <a:avLst/>
-          </a:prstGeom>
-          <a:solidFill>
-            <a:schemeClr val="tx1">
-              <a:lumMod val="50000"/>
-              <a:lumOff val="50000"/>
-              <a:alpha val="35000"/>
-            </a:schemeClr>
-          </a:solidFill>
-          <a:ln>
-            <a:noFill/>
-          </a:ln>
-        </p:spPr>
-      </p:pic>
-      <p:pic>
-        <p:nvPicPr>
-          <p:cNvPr id="8" name="Elemento grafico 12">
-            <a:extLst>
-              <a:ext uri="{FF2B5EF4-FFF2-40B4-BE49-F238E27FC236}">
-                <a16:creationId xmlns:a16="http://schemas.microsoft.com/office/drawing/2014/main" id="{F6D47110-3704-4019-B137-B6484A710CFB}"/>
-              </a:ext>
-            </a:extLst>
-          </p:cNvPr>
-          <p:cNvPicPr>
-            <a:picLocks noChangeAspect="1"/>
-          </p:cNvPicPr>
-          <p:nvPr/>
-        </p:nvPicPr>
-        <p:blipFill rotWithShape="1">
-          <a:blip r:embed="rId5">
-            <a:extLst>
-              <a:ext uri="{28A0092B-C50C-407E-A947-70E740481C1C}">
-                <a14:useLocalDpi xmlns:a14="http://schemas.microsoft.com/office/drawing/2010/main" val="0"/>
-              </a:ext>
-              <a:ext uri="{96DAC541-7B7A-43D3-8B79-37D633B846F1}">
-                <asvg:svgBlip xmlns:asvg="http://schemas.microsoft.com/office/drawing/2016/SVG/main" r:embed="rId6"/>
-              </a:ext>
-            </a:extLst>
-          </a:blip>
-          <a:srcRect l="4440" t="4981" r="60133" b="55233"/>
-          <a:stretch/>
-        </p:blipFill>
-        <p:spPr>
-          <a:xfrm>
-            <a:off x="5360345" y="0"/>
-            <a:ext cx="3785597" cy="3285131"/>
-          </a:xfrm>
-          <a:prstGeom prst="rect">
-            <a:avLst/>
-          </a:prstGeom>
-          <a:solidFill>
-            <a:schemeClr val="tx1">
-              <a:lumMod val="50000"/>
-              <a:lumOff val="50000"/>
-              <a:alpha val="35000"/>
-            </a:schemeClr>
-          </a:solidFill>
-          <a:ln>
-            <a:noFill/>
-          </a:ln>
-        </p:spPr>
-      </p:pic>
       <p:sp>
         <p:nvSpPr>
           <p:cNvPr id="9" name="Rettangolo 8"/>
@@ -8860,7 +8779,7 @@
         </p:nvSpPr>
         <p:spPr>
           <a:xfrm>
-            <a:off x="443893" y="3088896"/>
+            <a:off x="669833" y="2287981"/>
             <a:ext cx="3168868" cy="461665"/>
           </a:xfrm>
           <a:prstGeom prst="rect">
@@ -8901,7 +8820,7 @@
         </p:nvSpPr>
         <p:spPr>
           <a:xfrm>
-            <a:off x="5536156" y="3550561"/>
+            <a:off x="6179375" y="3243359"/>
             <a:ext cx="3168868" cy="461665"/>
           </a:xfrm>
           <a:prstGeom prst="rect">
@@ -9134,6 +9053,194 @@
           </a:p>
         </p:txBody>
       </p:sp>
+      <p:sp>
+        <p:nvSpPr>
+          <p:cNvPr id="3" name="Rettangolo con angoli arrotondati 2">
+            <a:extLst>
+              <a:ext uri="{FF2B5EF4-FFF2-40B4-BE49-F238E27FC236}">
+                <a16:creationId xmlns:a16="http://schemas.microsoft.com/office/drawing/2014/main" id="{438B9C9A-C9C0-43FF-8544-7B1608ED44DA}"/>
+              </a:ext>
+            </a:extLst>
+          </p:cNvPr>
+          <p:cNvSpPr/>
+          <p:nvPr/>
+        </p:nvSpPr>
+        <p:spPr>
+          <a:xfrm>
+            <a:off x="32762" y="2776757"/>
+            <a:ext cx="6413424" cy="3980328"/>
+          </a:xfrm>
+          <a:prstGeom prst="roundRect">
+            <a:avLst/>
+          </a:prstGeom>
+          <a:solidFill>
+            <a:srgbClr val="BFBFBF">
+              <a:alpha val="80000"/>
+            </a:srgbClr>
+          </a:solidFill>
+          <a:ln>
+            <a:solidFill>
+              <a:schemeClr val="bg1"/>
+            </a:solidFill>
+          </a:ln>
+        </p:spPr>
+        <p:style>
+          <a:lnRef idx="2">
+            <a:schemeClr val="accent1">
+              <a:shade val="50000"/>
+            </a:schemeClr>
+          </a:lnRef>
+          <a:fillRef idx="1">
+            <a:schemeClr val="accent1"/>
+          </a:fillRef>
+          <a:effectRef idx="0">
+            <a:schemeClr val="accent1"/>
+          </a:effectRef>
+          <a:fontRef idx="minor">
+            <a:schemeClr val="lt1"/>
+          </a:fontRef>
+        </p:style>
+        <p:txBody>
+          <a:bodyPr rtlCol="0" anchor="ctr"/>
+          <a:lstStyle/>
+          <a:p>
+            <a:pPr algn="ctr"/>
+            <a:endParaRPr lang="it-IT"/>
+          </a:p>
+        </p:txBody>
+      </p:sp>
+      <p:pic>
+        <p:nvPicPr>
+          <p:cNvPr id="14" name="Elemento grafico 13">
+            <a:extLst>
+              <a:ext uri="{FF2B5EF4-FFF2-40B4-BE49-F238E27FC236}">
+                <a16:creationId xmlns:a16="http://schemas.microsoft.com/office/drawing/2014/main" id="{6D60A8DB-2BDF-43E7-835E-C021D8D42723}"/>
+              </a:ext>
+            </a:extLst>
+          </p:cNvPr>
+          <p:cNvPicPr>
+            <a:picLocks noChangeAspect="1"/>
+          </p:cNvPicPr>
+          <p:nvPr/>
+        </p:nvPicPr>
+        <p:blipFill rotWithShape="1">
+          <a:blip r:embed="rId3">
+            <a:extLst>
+              <a:ext uri="{28A0092B-C50C-407E-A947-70E740481C1C}">
+                <a14:useLocalDpi xmlns:a14="http://schemas.microsoft.com/office/drawing/2010/main" val="0"/>
+              </a:ext>
+              <a:ext uri="{96DAC541-7B7A-43D3-8B79-37D633B846F1}">
+                <asvg:svgBlip xmlns:asvg="http://schemas.microsoft.com/office/drawing/2016/SVG/main" r:embed="rId4"/>
+              </a:ext>
+            </a:extLst>
+          </a:blip>
+          <a:srcRect b="14694"/>
+          <a:stretch/>
+        </p:blipFill>
+        <p:spPr>
+          <a:xfrm>
+            <a:off x="147245" y="2749646"/>
+            <a:ext cx="6152887" cy="4030867"/>
+          </a:xfrm>
+          <a:prstGeom prst="rect">
+            <a:avLst/>
+          </a:prstGeom>
+        </p:spPr>
+      </p:pic>
+      <p:sp>
+        <p:nvSpPr>
+          <p:cNvPr id="4" name="Rettangolo con angoli arrotondati 3">
+            <a:extLst>
+              <a:ext uri="{FF2B5EF4-FFF2-40B4-BE49-F238E27FC236}">
+                <a16:creationId xmlns:a16="http://schemas.microsoft.com/office/drawing/2014/main" id="{008E6CDC-021F-4CFB-ADC7-50534DACEBE4}"/>
+              </a:ext>
+            </a:extLst>
+          </p:cNvPr>
+          <p:cNvSpPr/>
+          <p:nvPr/>
+        </p:nvSpPr>
+        <p:spPr>
+          <a:xfrm>
+            <a:off x="5304638" y="25836"/>
+            <a:ext cx="3776793" cy="3130332"/>
+          </a:xfrm>
+          <a:prstGeom prst="roundRect">
+            <a:avLst/>
+          </a:prstGeom>
+          <a:solidFill>
+            <a:srgbClr val="BFBFBF">
+              <a:alpha val="80000"/>
+            </a:srgbClr>
+          </a:solidFill>
+          <a:ln>
+            <a:solidFill>
+              <a:schemeClr val="bg1"/>
+            </a:solidFill>
+          </a:ln>
+        </p:spPr>
+        <p:style>
+          <a:lnRef idx="2">
+            <a:schemeClr val="accent1">
+              <a:shade val="50000"/>
+            </a:schemeClr>
+          </a:lnRef>
+          <a:fillRef idx="1">
+            <a:schemeClr val="accent1"/>
+          </a:fillRef>
+          <a:effectRef idx="0">
+            <a:schemeClr val="accent1"/>
+          </a:effectRef>
+          <a:fontRef idx="minor">
+            <a:schemeClr val="lt1"/>
+          </a:fontRef>
+        </p:style>
+        <p:txBody>
+          <a:bodyPr rtlCol="0" anchor="ctr"/>
+          <a:lstStyle/>
+          <a:p>
+            <a:pPr algn="ctr"/>
+            <a:endParaRPr lang="it-IT"/>
+          </a:p>
+        </p:txBody>
+      </p:sp>
+      <p:pic>
+        <p:nvPicPr>
+          <p:cNvPr id="15" name="Elemento grafico 14">
+            <a:extLst>
+              <a:ext uri="{FF2B5EF4-FFF2-40B4-BE49-F238E27FC236}">
+                <a16:creationId xmlns:a16="http://schemas.microsoft.com/office/drawing/2014/main" id="{13C494B3-4D56-4203-A019-2A93074046D9}"/>
+              </a:ext>
+            </a:extLst>
+          </p:cNvPr>
+          <p:cNvPicPr>
+            <a:picLocks noChangeAspect="1"/>
+          </p:cNvPicPr>
+          <p:nvPr/>
+        </p:nvPicPr>
+        <p:blipFill rotWithShape="1">
+          <a:blip r:embed="rId5">
+            <a:extLst>
+              <a:ext uri="{28A0092B-C50C-407E-A947-70E740481C1C}">
+                <a14:useLocalDpi xmlns:a14="http://schemas.microsoft.com/office/drawing/2010/main" val="0"/>
+              </a:ext>
+              <a:ext uri="{96DAC541-7B7A-43D3-8B79-37D633B846F1}">
+                <asvg:svgBlip xmlns:asvg="http://schemas.microsoft.com/office/drawing/2016/SVG/main" r:embed="rId6"/>
+              </a:ext>
+            </a:extLst>
+          </a:blip>
+          <a:srcRect l="5619" t="3770" r="61932" b="56719"/>
+          <a:stretch/>
+        </p:blipFill>
+        <p:spPr>
+          <a:xfrm>
+            <a:off x="5480376" y="25836"/>
+            <a:ext cx="3174315" cy="2986691"/>
+          </a:xfrm>
+          <a:prstGeom prst="rect">
+            <a:avLst/>
+          </a:prstGeom>
+        </p:spPr>
+      </p:pic>
     </p:spTree>
     <p:extLst>
       <p:ext uri="{BB962C8B-B14F-4D97-AF65-F5344CB8AC3E}">
@@ -11812,7 +11919,7 @@
           <p:nvPr>
             <p:extLst>
               <p:ext uri="{D42A27DB-BD31-4B8C-83A1-F6EECF244321}">
-                <p14:modId xmlns:p14="http://schemas.microsoft.com/office/powerpoint/2010/main" val="480451876"/>
+                <p14:modId xmlns:p14="http://schemas.microsoft.com/office/powerpoint/2010/main" val="699770267"/>
               </p:ext>
             </p:extLst>
           </p:nvPr>
@@ -11840,7 +11947,7 @@
           <p:nvPr>
             <p:extLst>
               <p:ext uri="{D42A27DB-BD31-4B8C-83A1-F6EECF244321}">
-                <p14:modId xmlns:p14="http://schemas.microsoft.com/office/powerpoint/2010/main" val="991676149"/>
+                <p14:modId xmlns:p14="http://schemas.microsoft.com/office/powerpoint/2010/main" val="89818841"/>
               </p:ext>
             </p:extLst>
           </p:nvPr>
@@ -14666,7 +14773,7 @@
           <p:nvPr>
             <p:extLst>
               <p:ext uri="{D42A27DB-BD31-4B8C-83A1-F6EECF244321}">
-                <p14:modId xmlns:p14="http://schemas.microsoft.com/office/powerpoint/2010/main" val="773519747"/>
+                <p14:modId xmlns:p14="http://schemas.microsoft.com/office/powerpoint/2010/main" val="966662329"/>
               </p:ext>
             </p:extLst>
           </p:nvPr>
@@ -15256,7 +15363,7 @@
         </p:nvSpPr>
         <p:spPr>
           <a:xfrm>
-            <a:off x="1421295" y="1588706"/>
+            <a:off x="1421295" y="2041712"/>
             <a:ext cx="7485629" cy="515911"/>
           </a:xfrm>
           <a:prstGeom prst="rect">
@@ -15380,71 +15487,7 @@
         </p:nvSpPr>
         <p:spPr>
           <a:xfrm rot="5400000">
-            <a:off x="610237" y="2876372"/>
-            <a:ext cx="657091" cy="547576"/>
-          </a:xfrm>
-          <a:prstGeom prst="triangle">
-            <a:avLst/>
-          </a:prstGeom>
-          <a:solidFill>
-            <a:schemeClr val="accent6">
-              <a:lumMod val="60000"/>
-              <a:lumOff val="40000"/>
-            </a:schemeClr>
-          </a:solidFill>
-          <a:ln>
-            <a:noFill/>
-          </a:ln>
-        </p:spPr>
-        <p:style>
-          <a:lnRef idx="2">
-            <a:schemeClr val="accent1">
-              <a:shade val="50000"/>
-            </a:schemeClr>
-          </a:lnRef>
-          <a:fillRef idx="1">
-            <a:schemeClr val="accent1"/>
-          </a:fillRef>
-          <a:effectRef idx="0">
-            <a:schemeClr val="accent1"/>
-          </a:effectRef>
-          <a:fontRef idx="minor">
-            <a:schemeClr val="lt1"/>
-          </a:fontRef>
-        </p:style>
-        <p:txBody>
-          <a:bodyPr rtlCol="0" anchor="ctr"/>
-          <a:lstStyle/>
-          <a:p>
-            <a:pPr algn="ctr"/>
-            <a:endParaRPr lang="it-IT" b="1">
-              <a:ln w="22225">
-                <a:solidFill>
-                  <a:schemeClr val="accent2"/>
-                </a:solidFill>
-                <a:prstDash val="solid"/>
-              </a:ln>
-              <a:solidFill>
-                <a:schemeClr val="accent2">
-                  <a:lumMod val="40000"/>
-                  <a:lumOff val="60000"/>
-                </a:schemeClr>
-              </a:solidFill>
-            </a:endParaRPr>
-          </a:p>
-        </p:txBody>
-      </p:sp>
-      <p:sp>
-        <p:nvSpPr>
-          <p:cNvPr id="51" name="Triangolo 50"/>
-          <p:cNvSpPr>
-            <a:spLocks noChangeAspect="1"/>
-          </p:cNvSpPr>
-          <p:nvPr/>
-        </p:nvSpPr>
-        <p:spPr>
-          <a:xfrm rot="5400000">
-            <a:off x="610237" y="3542957"/>
+            <a:off x="610237" y="3329378"/>
             <a:ext cx="657091" cy="547576"/>
           </a:xfrm>
           <a:prstGeom prst="triangle">
@@ -15497,69 +15540,6 @@
       </p:sp>
       <p:sp>
         <p:nvSpPr>
-          <p:cNvPr id="52" name="Triangolo 51"/>
-          <p:cNvSpPr>
-            <a:spLocks noChangeAspect="1"/>
-          </p:cNvSpPr>
-          <p:nvPr/>
-        </p:nvSpPr>
-        <p:spPr>
-          <a:xfrm rot="5400000">
-            <a:off x="610237" y="4200049"/>
-            <a:ext cx="657091" cy="547576"/>
-          </a:xfrm>
-          <a:prstGeom prst="triangle">
-            <a:avLst/>
-          </a:prstGeom>
-          <a:solidFill>
-            <a:schemeClr val="accent6">
-              <a:lumMod val="75000"/>
-            </a:schemeClr>
-          </a:solidFill>
-          <a:ln>
-            <a:noFill/>
-          </a:ln>
-        </p:spPr>
-        <p:style>
-          <a:lnRef idx="2">
-            <a:schemeClr val="accent1">
-              <a:shade val="50000"/>
-            </a:schemeClr>
-          </a:lnRef>
-          <a:fillRef idx="1">
-            <a:schemeClr val="accent1"/>
-          </a:fillRef>
-          <a:effectRef idx="0">
-            <a:schemeClr val="accent1"/>
-          </a:effectRef>
-          <a:fontRef idx="minor">
-            <a:schemeClr val="lt1"/>
-          </a:fontRef>
-        </p:style>
-        <p:txBody>
-          <a:bodyPr rtlCol="0" anchor="ctr"/>
-          <a:lstStyle/>
-          <a:p>
-            <a:pPr algn="ctr"/>
-            <a:endParaRPr lang="it-IT" b="1">
-              <a:ln w="22225">
-                <a:solidFill>
-                  <a:schemeClr val="accent2"/>
-                </a:solidFill>
-                <a:prstDash val="solid"/>
-              </a:ln>
-              <a:solidFill>
-                <a:schemeClr val="accent2">
-                  <a:lumMod val="40000"/>
-                  <a:lumOff val="60000"/>
-                </a:schemeClr>
-              </a:solidFill>
-            </a:endParaRPr>
-          </a:p>
-        </p:txBody>
-      </p:sp>
-      <p:sp>
-        <p:nvSpPr>
           <p:cNvPr id="55" name="Triangolo 54"/>
           <p:cNvSpPr>
             <a:spLocks noChangeAspect="1"/>
@@ -15568,7 +15548,7 @@
         </p:nvSpPr>
         <p:spPr>
           <a:xfrm rot="5400000">
-            <a:off x="610237" y="4857142"/>
+            <a:off x="617938" y="3983925"/>
             <a:ext cx="657091" cy="547576"/>
           </a:xfrm>
           <a:prstGeom prst="triangle">
@@ -15629,7 +15609,7 @@
         </p:nvSpPr>
         <p:spPr>
           <a:xfrm rot="5400000">
-            <a:off x="603613" y="5523728"/>
+            <a:off x="611314" y="4650511"/>
             <a:ext cx="657091" cy="547576"/>
           </a:xfrm>
           <a:prstGeom prst="triangle">
@@ -15690,7 +15670,7 @@
         </p:nvSpPr>
         <p:spPr>
           <a:xfrm rot="5400000">
-            <a:off x="610237" y="1576119"/>
+            <a:off x="610237" y="2029125"/>
             <a:ext cx="657091" cy="547576"/>
           </a:xfrm>
           <a:prstGeom prst="triangle">
@@ -15751,7 +15731,7 @@
         </p:nvSpPr>
         <p:spPr>
           <a:xfrm rot="5400000">
-            <a:off x="605736" y="2219281"/>
+            <a:off x="605736" y="2672287"/>
             <a:ext cx="657091" cy="547576"/>
           </a:xfrm>
           <a:prstGeom prst="triangle">
@@ -15812,7 +15792,7 @@
         </p:nvSpPr>
         <p:spPr>
           <a:xfrm>
-            <a:off x="1438190" y="2235113"/>
+            <a:off x="1438190" y="2688119"/>
             <a:ext cx="7485629" cy="515911"/>
           </a:xfrm>
           <a:prstGeom prst="rect">
@@ -15928,7 +15908,7 @@
                   </a:outerShdw>
                 </a:effectLst>
               </a:rPr>
-              <a:t>Model-</a:t>
+              <a:t>Model – </a:t>
             </a:r>
             <a:r>
               <a:rPr lang="it-IT" dirty="0" err="1">
@@ -15941,7 +15921,7 @@
                   </a:outerShdw>
                 </a:effectLst>
               </a:rPr>
-              <a:t>view</a:t>
+              <a:t>View</a:t>
             </a:r>
             <a:r>
               <a:rPr lang="it-IT" dirty="0">
@@ -15954,7 +15934,7 @@
                   </a:outerShdw>
                 </a:effectLst>
               </a:rPr>
-              <a:t>-</a:t>
+              <a:t> – </a:t>
             </a:r>
             <a:r>
               <a:rPr lang="it-IT" dirty="0" err="1">
@@ -15967,7 +15947,7 @@
                   </a:outerShdw>
                 </a:effectLst>
               </a:rPr>
-              <a:t>viewmodel</a:t>
+              <a:t>Viewmodel</a:t>
             </a:r>
             <a:endParaRPr lang="it-IT" dirty="0">
               <a:ln w="0"/>
@@ -16004,7 +15984,7 @@
         </p:nvSpPr>
         <p:spPr>
           <a:xfrm>
-            <a:off x="1421294" y="2892204"/>
+            <a:off x="1421294" y="3345210"/>
             <a:ext cx="7485629" cy="515911"/>
           </a:xfrm>
           <a:prstGeom prst="rect">
@@ -16110,147 +16090,6 @@
           </a:lstStyle>
           <a:p>
             <a:r>
-              <a:rPr lang="it-IT" dirty="0" err="1">
-                <a:ln w="0"/>
-                <a:effectLst>
-                  <a:outerShdw blurRad="38100" dist="19050" dir="2700000" algn="tl" rotWithShape="0">
-                    <a:schemeClr val="dk1">
-                      <a:alpha val="40000"/>
-                    </a:schemeClr>
-                  </a:outerShdw>
-                </a:effectLst>
-              </a:rPr>
-              <a:t>View</a:t>
-            </a:r>
-            <a:endParaRPr lang="it-IT" dirty="0">
-              <a:ln w="0"/>
-              <a:effectLst>
-                <a:outerShdw blurRad="38100" dist="19050" dir="2700000" algn="tl" rotWithShape="0">
-                  <a:schemeClr val="dk1">
-                    <a:alpha val="40000"/>
-                  </a:schemeClr>
-                </a:outerShdw>
-              </a:effectLst>
-            </a:endParaRPr>
-          </a:p>
-        </p:txBody>
-      </p:sp>
-      <p:sp>
-        <p:nvSpPr>
-          <p:cNvPr id="71" name="Segnaposto testo 3"/>
-          <p:cNvSpPr txBox="1">
-            <a:spLocks/>
-          </p:cNvSpPr>
-          <p:nvPr/>
-        </p:nvSpPr>
-        <p:spPr>
-          <a:xfrm>
-            <a:off x="1438190" y="3558789"/>
-            <a:ext cx="7485629" cy="515911"/>
-          </a:xfrm>
-          <a:prstGeom prst="rect">
-            <a:avLst/>
-          </a:prstGeom>
-        </p:spPr>
-        <p:txBody>
-          <a:bodyPr/>
-          <a:lstStyle>
-            <a:defPPr>
-              <a:defRPr lang="en-US"/>
-            </a:defPPr>
-            <a:lvl1pPr marL="0" algn="l" defTabSz="609630" rtl="0" eaLnBrk="1" latinLnBrk="0" hangingPunct="1">
-              <a:defRPr sz="2400" kern="1200">
-                <a:solidFill>
-                  <a:schemeClr val="tx1"/>
-                </a:solidFill>
-                <a:latin typeface="+mn-lt"/>
-                <a:ea typeface="+mn-ea"/>
-                <a:cs typeface="+mn-cs"/>
-              </a:defRPr>
-            </a:lvl1pPr>
-            <a:lvl2pPr marL="609630" algn="l" defTabSz="609630" rtl="0" eaLnBrk="1" latinLnBrk="0" hangingPunct="1">
-              <a:defRPr sz="2400" kern="1200">
-                <a:solidFill>
-                  <a:schemeClr val="tx1"/>
-                </a:solidFill>
-                <a:latin typeface="+mn-lt"/>
-                <a:ea typeface="+mn-ea"/>
-                <a:cs typeface="+mn-cs"/>
-              </a:defRPr>
-            </a:lvl2pPr>
-            <a:lvl3pPr marL="1219261" algn="l" defTabSz="609630" rtl="0" eaLnBrk="1" latinLnBrk="0" hangingPunct="1">
-              <a:defRPr sz="2400" kern="1200">
-                <a:solidFill>
-                  <a:schemeClr val="tx1"/>
-                </a:solidFill>
-                <a:latin typeface="+mn-lt"/>
-                <a:ea typeface="+mn-ea"/>
-                <a:cs typeface="+mn-cs"/>
-              </a:defRPr>
-            </a:lvl3pPr>
-            <a:lvl4pPr marL="1828891" algn="l" defTabSz="609630" rtl="0" eaLnBrk="1" latinLnBrk="0" hangingPunct="1">
-              <a:defRPr sz="2400" kern="1200">
-                <a:solidFill>
-                  <a:schemeClr val="tx1"/>
-                </a:solidFill>
-                <a:latin typeface="+mn-lt"/>
-                <a:ea typeface="+mn-ea"/>
-                <a:cs typeface="+mn-cs"/>
-              </a:defRPr>
-            </a:lvl4pPr>
-            <a:lvl5pPr marL="2438522" algn="l" defTabSz="609630" rtl="0" eaLnBrk="1" latinLnBrk="0" hangingPunct="1">
-              <a:defRPr sz="2400" kern="1200">
-                <a:solidFill>
-                  <a:schemeClr val="tx1"/>
-                </a:solidFill>
-                <a:latin typeface="+mn-lt"/>
-                <a:ea typeface="+mn-ea"/>
-                <a:cs typeface="+mn-cs"/>
-              </a:defRPr>
-            </a:lvl5pPr>
-            <a:lvl6pPr marL="3048152" algn="l" defTabSz="609630" rtl="0" eaLnBrk="1" latinLnBrk="0" hangingPunct="1">
-              <a:defRPr sz="2400" kern="1200">
-                <a:solidFill>
-                  <a:schemeClr val="tx1"/>
-                </a:solidFill>
-                <a:latin typeface="+mn-lt"/>
-                <a:ea typeface="+mn-ea"/>
-                <a:cs typeface="+mn-cs"/>
-              </a:defRPr>
-            </a:lvl6pPr>
-            <a:lvl7pPr marL="3657783" algn="l" defTabSz="609630" rtl="0" eaLnBrk="1" latinLnBrk="0" hangingPunct="1">
-              <a:defRPr sz="2400" kern="1200">
-                <a:solidFill>
-                  <a:schemeClr val="tx1"/>
-                </a:solidFill>
-                <a:latin typeface="+mn-lt"/>
-                <a:ea typeface="+mn-ea"/>
-                <a:cs typeface="+mn-cs"/>
-              </a:defRPr>
-            </a:lvl7pPr>
-            <a:lvl8pPr marL="4267413" algn="l" defTabSz="609630" rtl="0" eaLnBrk="1" latinLnBrk="0" hangingPunct="1">
-              <a:defRPr sz="2400" kern="1200">
-                <a:solidFill>
-                  <a:schemeClr val="tx1"/>
-                </a:solidFill>
-                <a:latin typeface="+mn-lt"/>
-                <a:ea typeface="+mn-ea"/>
-                <a:cs typeface="+mn-cs"/>
-              </a:defRPr>
-            </a:lvl8pPr>
-            <a:lvl9pPr marL="4877044" algn="l" defTabSz="609630" rtl="0" eaLnBrk="1" latinLnBrk="0" hangingPunct="1">
-              <a:defRPr sz="2400" kern="1200">
-                <a:solidFill>
-                  <a:schemeClr val="tx1"/>
-                </a:solidFill>
-                <a:latin typeface="+mn-lt"/>
-                <a:ea typeface="+mn-ea"/>
-                <a:cs typeface="+mn-cs"/>
-              </a:defRPr>
-            </a:lvl9pPr>
-          </a:lstStyle>
-          <a:p>
-            <a:r>
               <a:rPr lang="it-IT" dirty="0">
                 <a:ln w="0"/>
                 <a:effectLst>
@@ -16261,149 +16100,8 @@
                   </a:outerShdw>
                 </a:effectLst>
               </a:rPr>
-              <a:t>Model</a:t>
+              <a:t>Diagrammi di sequenza</a:t>
             </a:r>
-          </a:p>
-        </p:txBody>
-      </p:sp>
-      <p:sp>
-        <p:nvSpPr>
-          <p:cNvPr id="72" name="Segnaposto testo 3"/>
-          <p:cNvSpPr txBox="1">
-            <a:spLocks/>
-          </p:cNvSpPr>
-          <p:nvPr/>
-        </p:nvSpPr>
-        <p:spPr>
-          <a:xfrm>
-            <a:off x="1421293" y="4215881"/>
-            <a:ext cx="7485629" cy="515911"/>
-          </a:xfrm>
-          <a:prstGeom prst="rect">
-            <a:avLst/>
-          </a:prstGeom>
-        </p:spPr>
-        <p:txBody>
-          <a:bodyPr/>
-          <a:lstStyle>
-            <a:defPPr>
-              <a:defRPr lang="en-US"/>
-            </a:defPPr>
-            <a:lvl1pPr marL="0" algn="l" defTabSz="609630" rtl="0" eaLnBrk="1" latinLnBrk="0" hangingPunct="1">
-              <a:defRPr sz="2400" kern="1200">
-                <a:solidFill>
-                  <a:schemeClr val="tx1"/>
-                </a:solidFill>
-                <a:latin typeface="+mn-lt"/>
-                <a:ea typeface="+mn-ea"/>
-                <a:cs typeface="+mn-cs"/>
-              </a:defRPr>
-            </a:lvl1pPr>
-            <a:lvl2pPr marL="609630" algn="l" defTabSz="609630" rtl="0" eaLnBrk="1" latinLnBrk="0" hangingPunct="1">
-              <a:defRPr sz="2400" kern="1200">
-                <a:solidFill>
-                  <a:schemeClr val="tx1"/>
-                </a:solidFill>
-                <a:latin typeface="+mn-lt"/>
-                <a:ea typeface="+mn-ea"/>
-                <a:cs typeface="+mn-cs"/>
-              </a:defRPr>
-            </a:lvl2pPr>
-            <a:lvl3pPr marL="1219261" algn="l" defTabSz="609630" rtl="0" eaLnBrk="1" latinLnBrk="0" hangingPunct="1">
-              <a:defRPr sz="2400" kern="1200">
-                <a:solidFill>
-                  <a:schemeClr val="tx1"/>
-                </a:solidFill>
-                <a:latin typeface="+mn-lt"/>
-                <a:ea typeface="+mn-ea"/>
-                <a:cs typeface="+mn-cs"/>
-              </a:defRPr>
-            </a:lvl3pPr>
-            <a:lvl4pPr marL="1828891" algn="l" defTabSz="609630" rtl="0" eaLnBrk="1" latinLnBrk="0" hangingPunct="1">
-              <a:defRPr sz="2400" kern="1200">
-                <a:solidFill>
-                  <a:schemeClr val="tx1"/>
-                </a:solidFill>
-                <a:latin typeface="+mn-lt"/>
-                <a:ea typeface="+mn-ea"/>
-                <a:cs typeface="+mn-cs"/>
-              </a:defRPr>
-            </a:lvl4pPr>
-            <a:lvl5pPr marL="2438522" algn="l" defTabSz="609630" rtl="0" eaLnBrk="1" latinLnBrk="0" hangingPunct="1">
-              <a:defRPr sz="2400" kern="1200">
-                <a:solidFill>
-                  <a:schemeClr val="tx1"/>
-                </a:solidFill>
-                <a:latin typeface="+mn-lt"/>
-                <a:ea typeface="+mn-ea"/>
-                <a:cs typeface="+mn-cs"/>
-              </a:defRPr>
-            </a:lvl5pPr>
-            <a:lvl6pPr marL="3048152" algn="l" defTabSz="609630" rtl="0" eaLnBrk="1" latinLnBrk="0" hangingPunct="1">
-              <a:defRPr sz="2400" kern="1200">
-                <a:solidFill>
-                  <a:schemeClr val="tx1"/>
-                </a:solidFill>
-                <a:latin typeface="+mn-lt"/>
-                <a:ea typeface="+mn-ea"/>
-                <a:cs typeface="+mn-cs"/>
-              </a:defRPr>
-            </a:lvl6pPr>
-            <a:lvl7pPr marL="3657783" algn="l" defTabSz="609630" rtl="0" eaLnBrk="1" latinLnBrk="0" hangingPunct="1">
-              <a:defRPr sz="2400" kern="1200">
-                <a:solidFill>
-                  <a:schemeClr val="tx1"/>
-                </a:solidFill>
-                <a:latin typeface="+mn-lt"/>
-                <a:ea typeface="+mn-ea"/>
-                <a:cs typeface="+mn-cs"/>
-              </a:defRPr>
-            </a:lvl7pPr>
-            <a:lvl8pPr marL="4267413" algn="l" defTabSz="609630" rtl="0" eaLnBrk="1" latinLnBrk="0" hangingPunct="1">
-              <a:defRPr sz="2400" kern="1200">
-                <a:solidFill>
-                  <a:schemeClr val="tx1"/>
-                </a:solidFill>
-                <a:latin typeface="+mn-lt"/>
-                <a:ea typeface="+mn-ea"/>
-                <a:cs typeface="+mn-cs"/>
-              </a:defRPr>
-            </a:lvl8pPr>
-            <a:lvl9pPr marL="4877044" algn="l" defTabSz="609630" rtl="0" eaLnBrk="1" latinLnBrk="0" hangingPunct="1">
-              <a:defRPr sz="2400" kern="1200">
-                <a:solidFill>
-                  <a:schemeClr val="tx1"/>
-                </a:solidFill>
-                <a:latin typeface="+mn-lt"/>
-                <a:ea typeface="+mn-ea"/>
-                <a:cs typeface="+mn-cs"/>
-              </a:defRPr>
-            </a:lvl9pPr>
-          </a:lstStyle>
-          <a:p>
-            <a:r>
-              <a:rPr lang="it-IT" dirty="0" err="1">
-                <a:ln w="0"/>
-                <a:effectLst>
-                  <a:outerShdw blurRad="38100" dist="19050" dir="2700000" algn="tl" rotWithShape="0">
-                    <a:schemeClr val="dk1">
-                      <a:alpha val="40000"/>
-                    </a:schemeClr>
-                  </a:outerShdw>
-                </a:effectLst>
-              </a:rPr>
-              <a:t>ViewModel</a:t>
-            </a:r>
-            <a:endParaRPr lang="it-IT" dirty="0">
-              <a:ln w="0"/>
-              <a:effectLst>
-                <a:outerShdw blurRad="38100" dist="19050" dir="2700000" algn="tl" rotWithShape="0">
-                  <a:schemeClr val="dk1">
-                    <a:alpha val="40000"/>
-                  </a:schemeClr>
-                </a:outerShdw>
-              </a:effectLst>
-            </a:endParaRPr>
           </a:p>
         </p:txBody>
       </p:sp>
@@ -16417,7 +16115,7 @@
         </p:nvSpPr>
         <p:spPr>
           <a:xfrm>
-            <a:off x="1421292" y="5539558"/>
+            <a:off x="1428993" y="4666341"/>
             <a:ext cx="7485629" cy="515911"/>
           </a:xfrm>
           <a:prstGeom prst="rect">
@@ -16565,7 +16263,7 @@
         </p:nvSpPr>
         <p:spPr>
           <a:xfrm>
-            <a:off x="1421292" y="4872974"/>
+            <a:off x="1428993" y="3999757"/>
             <a:ext cx="7485629" cy="515911"/>
           </a:xfrm>
           <a:prstGeom prst="rect">
@@ -17002,7 +16700,7 @@
         </p:nvSpPr>
         <p:spPr>
           <a:xfrm>
-            <a:off x="413865" y="2989349"/>
+            <a:off x="413865" y="3268028"/>
             <a:ext cx="2518521" cy="755183"/>
           </a:xfrm>
           <a:prstGeom prst="roundRect">
@@ -17122,8 +16820,8 @@
         </p:nvSpPr>
         <p:spPr>
           <a:xfrm>
-            <a:off x="615630" y="1071476"/>
-            <a:ext cx="7172535" cy="1800493"/>
+            <a:off x="615631" y="1010512"/>
+            <a:ext cx="7283044" cy="2616101"/>
           </a:xfrm>
           <a:prstGeom prst="rect">
             <a:avLst/>
@@ -17143,20 +16841,12 @@
               <a:buChar char="§"/>
             </a:pPr>
             <a:r>
-              <a:rPr lang="it-IT" sz="2400" dirty="0" err="1">
+              <a:rPr lang="it-IT" sz="2400" dirty="0">
                 <a:solidFill>
                   <a:schemeClr val="bg1"/>
                 </a:solidFill>
               </a:rPr>
-              <a:t>PoC</a:t>
-            </a:r>
-            <a:r>
-              <a:rPr lang="it-IT" sz="2400" dirty="0">
-                <a:solidFill>
-                  <a:schemeClr val="bg1"/>
-                </a:solidFill>
-              </a:rPr>
-              <a:t>  Interfaccia grafica incompleta</a:t>
+              <a:t>Architettura abbozzata e sommaria</a:t>
             </a:r>
           </a:p>
           <a:p>
@@ -17173,32 +16863,7 @@
                   <a:schemeClr val="bg1"/>
                 </a:solidFill>
               </a:rPr>
-              <a:t>Architettura inadeguata e superficiale</a:t>
-            </a:r>
-          </a:p>
-          <a:p>
-            <a:pPr marL="342900" indent="-342900" algn="just">
-              <a:spcAft>
-                <a:spcPts val="600"/>
-              </a:spcAft>
-              <a:buFont typeface="Wingdings" charset="2"/>
-              <a:buChar char="§"/>
-            </a:pPr>
-            <a:r>
-              <a:rPr lang="it-IT" sz="2400" dirty="0" err="1">
-                <a:solidFill>
-                  <a:schemeClr val="bg1"/>
-                </a:solidFill>
-              </a:rPr>
-              <a:t>voice.json</a:t>
-            </a:r>
-            <a:r>
-              <a:rPr lang="it-IT" sz="2400" dirty="0">
-                <a:solidFill>
-                  <a:schemeClr val="bg1"/>
-                </a:solidFill>
-              </a:rPr>
-              <a:t> caricato da linea di comando all’avvio</a:t>
+              <a:t>Implementazione di un'interfaccia grafica provvisoria e carente di elementi</a:t>
             </a:r>
           </a:p>
           <a:p>
@@ -17215,8 +16880,39 @@
                   <a:schemeClr val="bg1"/>
                 </a:solidFill>
               </a:rPr>
-              <a:t>Stampa di una sola relazione</a:t>
+              <a:t>Implementazione di poche funzionalità dimostrative</a:t>
             </a:r>
+          </a:p>
+          <a:p>
+            <a:pPr marL="342900" indent="-342900" algn="just">
+              <a:spcAft>
+                <a:spcPts val="600"/>
+              </a:spcAft>
+              <a:buFont typeface="Wingdings" charset="2"/>
+              <a:buChar char="§"/>
+            </a:pPr>
+            <a:r>
+              <a:rPr lang="it-IT" sz="2400" dirty="0">
+                <a:solidFill>
+                  <a:schemeClr val="bg1"/>
+                </a:solidFill>
+              </a:rPr>
+              <a:t>Modalità di installazione e configurazione macchinose</a:t>
+            </a:r>
+          </a:p>
+          <a:p>
+            <a:pPr marL="342900" indent="-342900" algn="just">
+              <a:spcAft>
+                <a:spcPts val="600"/>
+              </a:spcAft>
+              <a:buFont typeface="Wingdings" charset="2"/>
+              <a:buChar char="§"/>
+            </a:pPr>
+            <a:endParaRPr lang="it-IT" sz="2400" dirty="0">
+              <a:solidFill>
+                <a:schemeClr val="bg1"/>
+              </a:solidFill>
+            </a:endParaRPr>
           </a:p>
         </p:txBody>
       </p:sp>
@@ -17228,7 +16924,7 @@
         </p:nvSpPr>
         <p:spPr>
           <a:xfrm>
-            <a:off x="834594" y="3012997"/>
+            <a:off x="834594" y="3291676"/>
             <a:ext cx="1677062" cy="707886"/>
           </a:xfrm>
           <a:prstGeom prst="rect">
@@ -17268,8 +16964,8 @@
         </p:nvSpPr>
         <p:spPr>
           <a:xfrm>
-            <a:off x="615630" y="3849950"/>
-            <a:ext cx="7533872" cy="2954655"/>
+            <a:off x="615629" y="4085083"/>
+            <a:ext cx="7283045" cy="2539157"/>
           </a:xfrm>
           <a:prstGeom prst="rect">
             <a:avLst/>
@@ -17294,7 +16990,7 @@
                   <a:schemeClr val="bg1"/>
                 </a:solidFill>
               </a:rPr>
-              <a:t>Interfaccia grafica quasi completa</a:t>
+              <a:t>Architettura basata su MVVM e facente uso di vari design pattern</a:t>
             </a:r>
           </a:p>
           <a:p>
@@ -17311,7 +17007,7 @@
                   <a:schemeClr val="bg1"/>
                 </a:solidFill>
               </a:rPr>
-              <a:t>Architettura definita</a:t>
+              <a:t>Interfaccia grafica quasi completa</a:t>
             </a:r>
           </a:p>
           <a:p>
@@ -17328,41 +17024,7 @@
                   <a:schemeClr val="bg1"/>
                 </a:solidFill>
               </a:rPr>
-              <a:t>Metodo di stampa revisionato</a:t>
-            </a:r>
-          </a:p>
-          <a:p>
-            <a:pPr marL="800100" lvl="2" indent="-342900" algn="just">
-              <a:spcAft>
-                <a:spcPts val="600"/>
-              </a:spcAft>
-              <a:buFont typeface="Wingdings" charset="2"/>
-              <a:buChar char="ü"/>
-            </a:pPr>
-            <a:r>
-              <a:rPr lang="it-IT" sz="2000" dirty="0">
-                <a:solidFill>
-                  <a:schemeClr val="bg1"/>
-                </a:solidFill>
-              </a:rPr>
-              <a:t>Introdotti elementi grafici aggiuntivi</a:t>
-            </a:r>
-          </a:p>
-          <a:p>
-            <a:pPr marL="800100" lvl="2" indent="-342900" algn="just">
-              <a:spcAft>
-                <a:spcPts val="600"/>
-              </a:spcAft>
-              <a:buFont typeface="Wingdings" charset="2"/>
-              <a:buChar char="ü"/>
-            </a:pPr>
-            <a:r>
-              <a:rPr lang="it-IT" sz="2000" dirty="0">
-                <a:solidFill>
-                  <a:schemeClr val="bg1"/>
-                </a:solidFill>
-              </a:rPr>
-              <a:t>Aggiunte più relazioni visibili contemporaneamente</a:t>
+              <a:t>Implementazione della maggior parte delle funzionalità richieste </a:t>
             </a:r>
           </a:p>
           <a:p>
@@ -17379,41 +17041,13 @@
                   <a:schemeClr val="bg1"/>
                 </a:solidFill>
               </a:rPr>
-              <a:t>Progettato metodo di configurazione</a:t>
+              <a:t>Modalità di installazione e configurazione semplificate</a:t>
             </a:r>
-          </a:p>
-          <a:p>
-            <a:pPr marL="800100" lvl="2" indent="-342900" algn="just">
-              <a:spcAft>
-                <a:spcPts val="600"/>
-              </a:spcAft>
-              <a:buFont typeface="Wingdings" charset="2"/>
-              <a:buChar char="ü"/>
-            </a:pPr>
-            <a:r>
-              <a:rPr lang="it-IT" sz="2000" dirty="0">
-                <a:solidFill>
-                  <a:schemeClr val="bg1"/>
-                </a:solidFill>
-              </a:rPr>
-              <a:t>Caricamento file di configurazione per GUI (colori, </a:t>
-            </a:r>
-            <a:r>
-              <a:rPr lang="it-IT" sz="2000" dirty="0" err="1">
-                <a:solidFill>
-                  <a:schemeClr val="bg1"/>
-                </a:solidFill>
-              </a:rPr>
-              <a:t>path</a:t>
-            </a:r>
-            <a:r>
-              <a:rPr lang="it-IT" sz="2000" dirty="0">
-                <a:solidFill>
-                  <a:schemeClr val="bg1"/>
-                </a:solidFill>
-              </a:rPr>
-              <a:t>)</a:t>
-            </a:r>
+            <a:endParaRPr lang="it-IT" sz="2000" dirty="0">
+              <a:solidFill>
+                <a:schemeClr val="bg1"/>
+              </a:solidFill>
+            </a:endParaRPr>
           </a:p>
         </p:txBody>
       </p:sp>
@@ -17746,7 +17380,7 @@
         </p:nvSpPr>
         <p:spPr>
           <a:xfrm>
-            <a:off x="1252757" y="162769"/>
+            <a:off x="1353425" y="245266"/>
             <a:ext cx="6451943" cy="755183"/>
           </a:xfrm>
           <a:prstGeom prst="roundRect">
@@ -17792,7 +17426,7 @@
         </p:nvSpPr>
         <p:spPr>
           <a:xfrm>
-            <a:off x="1465867" y="186418"/>
+            <a:off x="1566535" y="268915"/>
             <a:ext cx="6059479" cy="707886"/>
           </a:xfrm>
           <a:prstGeom prst="rect">
@@ -17900,7 +17534,7 @@
         </p:nvSpPr>
         <p:spPr>
           <a:xfrm>
-            <a:off x="3078760" y="3418779"/>
+            <a:off x="2919317" y="3400858"/>
             <a:ext cx="3204594" cy="3174968"/>
           </a:xfrm>
           <a:prstGeom prst="roundRect">
@@ -17908,7 +17542,7 @@
           </a:prstGeom>
           <a:solidFill>
             <a:srgbClr val="BFBFBF">
-              <a:alpha val="32941"/>
+              <a:alpha val="80000"/>
             </a:srgbClr>
           </a:solidFill>
           <a:ln>
@@ -17974,7 +17608,7 @@
         </p:blipFill>
         <p:spPr>
           <a:xfrm>
-            <a:off x="3255023" y="3609665"/>
+            <a:off x="3095580" y="3591744"/>
             <a:ext cx="2860551" cy="2782295"/>
           </a:xfrm>
           <a:prstGeom prst="rect">
@@ -17990,7 +17624,7 @@
         </p:nvSpPr>
         <p:spPr>
           <a:xfrm>
-            <a:off x="2200112" y="2731472"/>
+            <a:off x="2124611" y="2729934"/>
             <a:ext cx="2848303" cy="340650"/>
           </a:xfrm>
           <a:prstGeom prst="roundRect">
@@ -18042,7 +17676,7 @@
         </p:nvSpPr>
         <p:spPr>
           <a:xfrm>
-            <a:off x="3171081" y="1699854"/>
+            <a:off x="3095580" y="1698316"/>
             <a:ext cx="906364" cy="340650"/>
           </a:xfrm>
           <a:prstGeom prst="roundRect">
@@ -18092,7 +17726,7 @@
         </p:nvSpPr>
         <p:spPr>
           <a:xfrm>
-            <a:off x="2017006" y="1551369"/>
+            <a:off x="1941505" y="1549831"/>
             <a:ext cx="1238017" cy="1185620"/>
           </a:xfrm>
           <a:prstGeom prst="roundRect">
@@ -18144,7 +17778,7 @@
         </p:nvSpPr>
         <p:spPr>
           <a:xfrm>
-            <a:off x="5929488" y="1551370"/>
+            <a:off x="5853987" y="1549832"/>
             <a:ext cx="1238017" cy="1185620"/>
           </a:xfrm>
           <a:prstGeom prst="roundRect">
@@ -18195,7 +17829,7 @@
         </p:nvSpPr>
         <p:spPr>
           <a:xfrm>
-            <a:off x="3952991" y="1551370"/>
+            <a:off x="3877490" y="1549832"/>
             <a:ext cx="1238017" cy="1185620"/>
           </a:xfrm>
           <a:prstGeom prst="roundRect">
@@ -18247,7 +17881,7 @@
         </p:nvSpPr>
         <p:spPr>
           <a:xfrm>
-            <a:off x="5571645" y="2768259"/>
+            <a:off x="5496144" y="2766721"/>
             <a:ext cx="1953701" cy="340650"/>
           </a:xfrm>
           <a:prstGeom prst="roundRect">
@@ -18298,7 +17932,7 @@
         </p:nvSpPr>
         <p:spPr>
           <a:xfrm>
-            <a:off x="3231844" y="2059940"/>
+            <a:off x="3156343" y="2058402"/>
             <a:ext cx="744326" cy="268239"/>
           </a:xfrm>
           <a:prstGeom prst="leftRightArrow">
@@ -18349,7 +17983,7 @@
         </p:nvSpPr>
         <p:spPr>
           <a:xfrm>
-            <a:off x="5215489" y="1699854"/>
+            <a:off x="5139988" y="1698316"/>
             <a:ext cx="712311" cy="275239"/>
           </a:xfrm>
           <a:prstGeom prst="rightArrow">
@@ -18606,7 +18240,7 @@
         </p:nvSpPr>
         <p:spPr>
           <a:xfrm>
-            <a:off x="5198151" y="2284963"/>
+            <a:off x="5122650" y="2283425"/>
             <a:ext cx="263642" cy="253865"/>
           </a:xfrm>
           <a:prstGeom prst="leftArrow">
@@ -18664,7 +18298,7 @@
         </p:nvSpPr>
         <p:spPr>
           <a:xfrm>
-            <a:off x="5507831" y="2347696"/>
+            <a:off x="5432330" y="2346158"/>
             <a:ext cx="45719" cy="128804"/>
           </a:xfrm>
           <a:prstGeom prst="rect">
@@ -18722,7 +18356,7 @@
         </p:nvSpPr>
         <p:spPr>
           <a:xfrm>
-            <a:off x="5593075" y="2347696"/>
+            <a:off x="5517574" y="2346158"/>
             <a:ext cx="45719" cy="128804"/>
           </a:xfrm>
           <a:prstGeom prst="rect">
@@ -18780,7 +18414,7 @@
         </p:nvSpPr>
         <p:spPr>
           <a:xfrm>
-            <a:off x="5683656" y="2347493"/>
+            <a:off x="5608155" y="2345955"/>
             <a:ext cx="45719" cy="128804"/>
           </a:xfrm>
           <a:prstGeom prst="rect">
@@ -18838,7 +18472,7 @@
         </p:nvSpPr>
         <p:spPr>
           <a:xfrm>
-            <a:off x="5773275" y="2347493"/>
+            <a:off x="5697774" y="2345955"/>
             <a:ext cx="45719" cy="128804"/>
           </a:xfrm>
           <a:prstGeom prst="rect">
@@ -18896,7 +18530,7 @@
         </p:nvSpPr>
         <p:spPr>
           <a:xfrm>
-            <a:off x="5859481" y="2347493"/>
+            <a:off x="5783980" y="2345955"/>
             <a:ext cx="45719" cy="128804"/>
           </a:xfrm>
           <a:prstGeom prst="rect">
@@ -19018,11 +18652,9 @@
             <a:avLst/>
           </a:prstGeom>
           <a:solidFill>
-            <a:schemeClr val="accent6">
-              <a:lumMod val="60000"/>
-              <a:lumOff val="40000"/>
+            <a:srgbClr val="FCD965">
               <a:alpha val="25000"/>
-            </a:schemeClr>
+            </a:srgbClr>
           </a:solidFill>
           <a:ln>
             <a:noFill/>
@@ -19051,42 +18683,6 @@
           </a:p>
         </p:txBody>
       </p:sp>
-      <p:pic>
-        <p:nvPicPr>
-          <p:cNvPr id="3" name="Segnaposto contenuto 4" descr="Immagine che contiene screenshot&#10;&#10;Descrizione generata con affidabilità molto elevata">
-            <a:extLst>
-              <a:ext uri="{FF2B5EF4-FFF2-40B4-BE49-F238E27FC236}">
-                <a16:creationId xmlns:a16="http://schemas.microsoft.com/office/drawing/2014/main" id="{F8678BA7-C572-4E8F-8885-EE40E2398E2F}"/>
-              </a:ext>
-            </a:extLst>
-          </p:cNvPr>
-          <p:cNvPicPr>
-            <a:picLocks noChangeAspect="1"/>
-          </p:cNvPicPr>
-          <p:nvPr/>
-        </p:nvPicPr>
-        <p:blipFill>
-          <a:blip r:embed="rId3">
-            <a:extLst>
-              <a:ext uri="{28A0092B-C50C-407E-A947-70E740481C1C}">
-                <a14:useLocalDpi xmlns:a14="http://schemas.microsoft.com/office/drawing/2010/main" val="0"/>
-              </a:ext>
-            </a:extLst>
-          </a:blip>
-          <a:stretch>
-            <a:fillRect/>
-          </a:stretch>
-        </p:blipFill>
-        <p:spPr>
-          <a:xfrm>
-            <a:off x="1342852" y="2017919"/>
-            <a:ext cx="6458297" cy="4729722"/>
-          </a:xfrm>
-          <a:prstGeom prst="rect">
-            <a:avLst/>
-          </a:prstGeom>
-        </p:spPr>
-      </p:pic>
       <p:sp>
         <p:nvSpPr>
           <p:cNvPr id="5" name="Rettangolo 4"/>
@@ -19294,11 +18890,9 @@
             </a:avLst>
           </a:prstGeom>
           <a:solidFill>
-            <a:schemeClr val="accent6">
-              <a:lumMod val="60000"/>
-              <a:lumOff val="40000"/>
+            <a:srgbClr val="FCD965">
               <a:alpha val="37000"/>
-            </a:schemeClr>
+            </a:srgbClr>
           </a:solidFill>
           <a:ln>
             <a:noFill/>
@@ -19533,6 +19127,42 @@
           </a:p>
         </p:txBody>
       </p:sp>
+      <p:pic>
+        <p:nvPicPr>
+          <p:cNvPr id="13" name="Immagine 12">
+            <a:extLst>
+              <a:ext uri="{FF2B5EF4-FFF2-40B4-BE49-F238E27FC236}">
+                <a16:creationId xmlns:a16="http://schemas.microsoft.com/office/drawing/2014/main" id="{37FE0776-BC4D-464A-90EA-FF26077A6AD1}"/>
+              </a:ext>
+            </a:extLst>
+          </p:cNvPr>
+          <p:cNvPicPr>
+            <a:picLocks noChangeAspect="1"/>
+          </p:cNvPicPr>
+          <p:nvPr/>
+        </p:nvPicPr>
+        <p:blipFill>
+          <a:blip r:embed="rId3">
+            <a:extLst>
+              <a:ext uri="{28A0092B-C50C-407E-A947-70E740481C1C}">
+                <a14:useLocalDpi xmlns:a14="http://schemas.microsoft.com/office/drawing/2010/main" val="0"/>
+              </a:ext>
+            </a:extLst>
+          </a:blip>
+          <a:stretch>
+            <a:fillRect/>
+          </a:stretch>
+        </p:blipFill>
+        <p:spPr>
+          <a:xfrm>
+            <a:off x="1481682" y="2032806"/>
+            <a:ext cx="6180636" cy="4724279"/>
+          </a:xfrm>
+          <a:prstGeom prst="rect">
+            <a:avLst/>
+          </a:prstGeom>
+        </p:spPr>
+      </p:pic>
     </p:spTree>
     <p:extLst>
       <p:ext uri="{BB962C8B-B14F-4D97-AF65-F5344CB8AC3E}">
@@ -19726,17 +19356,16 @@
         </p:nvSpPr>
         <p:spPr>
           <a:xfrm>
-            <a:off x="227905" y="1205329"/>
+            <a:off x="118848" y="1205329"/>
             <a:ext cx="1136754" cy="4262678"/>
           </a:xfrm>
           <a:prstGeom prst="roundRect">
             <a:avLst/>
           </a:prstGeom>
           <a:solidFill>
-            <a:schemeClr val="accent6">
-              <a:lumMod val="75000"/>
+            <a:srgbClr val="FCD965">
               <a:alpha val="25000"/>
-            </a:schemeClr>
+            </a:srgbClr>
           </a:solidFill>
           <a:ln>
             <a:noFill/>
@@ -19773,7 +19402,7 @@
         </p:nvSpPr>
         <p:spPr>
           <a:xfrm>
-            <a:off x="338721" y="877261"/>
+            <a:off x="229664" y="877261"/>
             <a:ext cx="915122" cy="4622276"/>
           </a:xfrm>
           <a:prstGeom prst="rect">
@@ -19806,59 +19435,6 @@
           </a:p>
         </p:txBody>
       </p:sp>
-      <p:pic>
-        <p:nvPicPr>
-          <p:cNvPr id="5" name="Elemento grafico 6">
-            <a:extLst>
-              <a:ext uri="{FF2B5EF4-FFF2-40B4-BE49-F238E27FC236}">
-                <a16:creationId xmlns:a16="http://schemas.microsoft.com/office/drawing/2014/main" id="{4B7CD46E-40BB-42F1-A66E-7C9C4868C4C6}"/>
-              </a:ext>
-            </a:extLst>
-          </p:cNvPr>
-          <p:cNvPicPr>
-            <a:picLocks noChangeAspect="1"/>
-          </p:cNvPicPr>
-          <p:nvPr/>
-        </p:nvPicPr>
-        <p:blipFill rotWithShape="1">
-          <a:blip r:embed="rId3">
-            <a:extLst>
-              <a:ext uri="{28A0092B-C50C-407E-A947-70E740481C1C}">
-                <a14:useLocalDpi xmlns:a14="http://schemas.microsoft.com/office/drawing/2010/main" val="0"/>
-              </a:ext>
-              <a:ext uri="{96DAC541-7B7A-43D3-8B79-37D633B846F1}">
-                <asvg:svgBlip xmlns:asvg="http://schemas.microsoft.com/office/drawing/2016/SVG/main" r:embed="rId4"/>
-              </a:ext>
-            </a:extLst>
-          </a:blip>
-          <a:srcRect r="11465" b="39456"/>
-          <a:stretch/>
-        </p:blipFill>
-        <p:spPr>
-          <a:xfrm>
-            <a:off x="1592563" y="7150"/>
-            <a:ext cx="7551437" cy="6850850"/>
-          </a:xfrm>
-          <a:prstGeom prst="rect">
-            <a:avLst/>
-          </a:prstGeom>
-          <a:solidFill>
-            <a:schemeClr val="tx1">
-              <a:lumMod val="50000"/>
-              <a:lumOff val="50000"/>
-              <a:alpha val="35000"/>
-            </a:schemeClr>
-          </a:solidFill>
-          <a:ln>
-            <a:solidFill>
-              <a:schemeClr val="tx1">
-                <a:lumMod val="75000"/>
-                <a:lumOff val="25000"/>
-              </a:schemeClr>
-            </a:solidFill>
-          </a:ln>
-        </p:spPr>
-      </p:pic>
       <p:sp>
         <p:nvSpPr>
           <p:cNvPr id="7" name="Segnaposto contenuto 2">
@@ -20260,6 +19836,62 @@
                 <a:schemeClr val="bg1"/>
               </a:solidFill>
             </a:endParaRPr>
+          </a:p>
+        </p:txBody>
+      </p:sp>
+      <p:sp>
+        <p:nvSpPr>
+          <p:cNvPr id="10" name="Rettangolo con angoli arrotondati 9">
+            <a:extLst>
+              <a:ext uri="{FF2B5EF4-FFF2-40B4-BE49-F238E27FC236}">
+                <a16:creationId xmlns:a16="http://schemas.microsoft.com/office/drawing/2014/main" id="{8C130292-F239-4C53-B213-C26DA7D9F893}"/>
+              </a:ext>
+            </a:extLst>
+          </p:cNvPr>
+          <p:cNvSpPr/>
+          <p:nvPr/>
+        </p:nvSpPr>
+        <p:spPr>
+          <a:xfrm>
+            <a:off x="1366418" y="0"/>
+            <a:ext cx="7777581" cy="6858000"/>
+          </a:xfrm>
+          <a:prstGeom prst="roundRect">
+            <a:avLst/>
+          </a:prstGeom>
+          <a:solidFill>
+            <a:srgbClr val="BFBFBF">
+              <a:alpha val="80000"/>
+            </a:srgbClr>
+          </a:solidFill>
+          <a:ln>
+            <a:solidFill>
+              <a:schemeClr val="bg1"/>
+            </a:solidFill>
+          </a:ln>
+        </p:spPr>
+        <p:style>
+          <a:lnRef idx="2">
+            <a:schemeClr val="accent1">
+              <a:shade val="50000"/>
+            </a:schemeClr>
+          </a:lnRef>
+          <a:fillRef idx="1">
+            <a:schemeClr val="accent1"/>
+          </a:fillRef>
+          <a:effectRef idx="0">
+            <a:schemeClr val="accent1"/>
+          </a:effectRef>
+          <a:fontRef idx="minor">
+            <a:schemeClr val="lt1"/>
+          </a:fontRef>
+        </p:style>
+        <p:txBody>
+          <a:bodyPr rtlCol="0" anchor="ctr"/>
+          <a:lstStyle/>
+          <a:p>
+            <a:pPr algn="ctr"/>
+            <a:endParaRPr lang="it-IT"/>
           </a:p>
         </p:txBody>
       </p:sp>
@@ -20463,6 +20095,44 @@
           </a:p>
         </p:txBody>
       </p:sp>
+      <p:pic>
+        <p:nvPicPr>
+          <p:cNvPr id="11" name="Elemento grafico 10">
+            <a:extLst>
+              <a:ext uri="{FF2B5EF4-FFF2-40B4-BE49-F238E27FC236}">
+                <a16:creationId xmlns:a16="http://schemas.microsoft.com/office/drawing/2014/main" id="{E4EFF52B-CAA1-4B99-917E-CE8AB7814042}"/>
+              </a:ext>
+            </a:extLst>
+          </p:cNvPr>
+          <p:cNvPicPr>
+            <a:picLocks noChangeAspect="1"/>
+          </p:cNvPicPr>
+          <p:nvPr/>
+        </p:nvPicPr>
+        <p:blipFill rotWithShape="1">
+          <a:blip r:embed="rId3">
+            <a:extLst>
+              <a:ext uri="{28A0092B-C50C-407E-A947-70E740481C1C}">
+                <a14:useLocalDpi xmlns:a14="http://schemas.microsoft.com/office/drawing/2010/main" val="0"/>
+              </a:ext>
+              <a:ext uri="{96DAC541-7B7A-43D3-8B79-37D633B846F1}">
+                <asvg:svgBlip xmlns:asvg="http://schemas.microsoft.com/office/drawing/2016/SVG/main" r:embed="rId4"/>
+              </a:ext>
+            </a:extLst>
+          </a:blip>
+          <a:srcRect r="11465" b="39456"/>
+          <a:stretch/>
+        </p:blipFill>
+        <p:spPr>
+          <a:xfrm>
+            <a:off x="1547596" y="153351"/>
+            <a:ext cx="7352660" cy="6542595"/>
+          </a:xfrm>
+          <a:prstGeom prst="rect">
+            <a:avLst/>
+          </a:prstGeom>
+        </p:spPr>
+      </p:pic>
     </p:spTree>
     <p:extLst>
       <p:ext uri="{BB962C8B-B14F-4D97-AF65-F5344CB8AC3E}">
@@ -20473,6 +20143,9 @@
   <p:clrMapOvr>
     <a:masterClrMapping/>
   </p:clrMapOvr>
+  <p:transition spd="slow">
+    <p:push dir="u"/>
+  </p:transition>
   <p:timing>
     <p:tnLst>
       <p:par>
@@ -20494,7 +20167,7 @@
                             </p:stCondLst>
                             <p:childTnLst>
                               <p:par>
-                                <p:cTn id="5" presetID="2" presetClass="exit" presetSubtype="4" fill="hold" nodeType="clickEffect">
+                                <p:cTn id="5" presetID="2" presetClass="exit" presetSubtype="4" fill="hold" grpId="0" nodeType="clickEffect">
                                   <p:stCondLst>
                                     <p:cond delay="0"/>
                                   </p:stCondLst>
@@ -20503,7 +20176,7 @@
                                       <p:cBhvr additive="base">
                                         <p:cTn id="6" dur="500"/>
                                         <p:tgtEl>
-                                          <p:spTgt spid="5"/>
+                                          <p:spTgt spid="10"/>
                                         </p:tgtEl>
                                         <p:attrNameLst>
                                           <p:attrName>ppt_x</p:attrName>
@@ -20526,7 +20199,7 @@
                                       <p:cBhvr additive="base">
                                         <p:cTn id="7" dur="500"/>
                                         <p:tgtEl>
-                                          <p:spTgt spid="5"/>
+                                          <p:spTgt spid="10"/>
                                         </p:tgtEl>
                                         <p:attrNameLst>
                                           <p:attrName>ppt_y</p:attrName>
@@ -20553,7 +20226,80 @@
                                           </p:stCondLst>
                                         </p:cTn>
                                         <p:tgtEl>
-                                          <p:spTgt spid="5"/>
+                                          <p:spTgt spid="10"/>
+                                        </p:tgtEl>
+                                        <p:attrNameLst>
+                                          <p:attrName>style.visibility</p:attrName>
+                                        </p:attrNameLst>
+                                      </p:cBhvr>
+                                      <p:to>
+                                        <p:strVal val="hidden"/>
+                                      </p:to>
+                                    </p:set>
+                                  </p:childTnLst>
+                                </p:cTn>
+                              </p:par>
+                              <p:par>
+                                <p:cTn id="9" presetID="2" presetClass="exit" presetSubtype="4" fill="hold" nodeType="withEffect">
+                                  <p:stCondLst>
+                                    <p:cond delay="0"/>
+                                  </p:stCondLst>
+                                  <p:childTnLst>
+                                    <p:anim calcmode="lin" valueType="num">
+                                      <p:cBhvr additive="base">
+                                        <p:cTn id="10" dur="500"/>
+                                        <p:tgtEl>
+                                          <p:spTgt spid="11"/>
+                                        </p:tgtEl>
+                                        <p:attrNameLst>
+                                          <p:attrName>ppt_x</p:attrName>
+                                        </p:attrNameLst>
+                                      </p:cBhvr>
+                                      <p:tavLst>
+                                        <p:tav tm="0">
+                                          <p:val>
+                                            <p:strVal val="ppt_x"/>
+                                          </p:val>
+                                        </p:tav>
+                                        <p:tav tm="100000">
+                                          <p:val>
+                                            <p:strVal val="ppt_x"/>
+                                          </p:val>
+                                        </p:tav>
+                                      </p:tavLst>
+                                    </p:anim>
+                                    <p:anim calcmode="lin" valueType="num">
+                                      <p:cBhvr additive="base">
+                                        <p:cTn id="11" dur="500"/>
+                                        <p:tgtEl>
+                                          <p:spTgt spid="11"/>
+                                        </p:tgtEl>
+                                        <p:attrNameLst>
+                                          <p:attrName>ppt_y</p:attrName>
+                                        </p:attrNameLst>
+                                      </p:cBhvr>
+                                      <p:tavLst>
+                                        <p:tav tm="0">
+                                          <p:val>
+                                            <p:strVal val="ppt_y"/>
+                                          </p:val>
+                                        </p:tav>
+                                        <p:tav tm="100000">
+                                          <p:val>
+                                            <p:strVal val="1+ppt_h/2"/>
+                                          </p:val>
+                                        </p:tav>
+                                      </p:tavLst>
+                                    </p:anim>
+                                    <p:set>
+                                      <p:cBhvr>
+                                        <p:cTn id="12" dur="1" fill="hold">
+                                          <p:stCondLst>
+                                            <p:cond delay="499"/>
+                                          </p:stCondLst>
+                                        </p:cTn>
+                                        <p:tgtEl>
+                                          <p:spTgt spid="11"/>
                                         </p:tgtEl>
                                         <p:attrNameLst>
                                           <p:attrName>style.visibility</p:attrName>
@@ -20573,26 +20319,26 @@
                     </p:cTn>
                   </p:par>
                   <p:par>
-                    <p:cTn id="9" fill="hold">
+                    <p:cTn id="13" fill="hold">
                       <p:stCondLst>
                         <p:cond delay="indefinite"/>
                       </p:stCondLst>
                       <p:childTnLst>
                         <p:par>
-                          <p:cTn id="10" fill="hold">
+                          <p:cTn id="14" fill="hold">
                             <p:stCondLst>
                               <p:cond delay="0"/>
                             </p:stCondLst>
                             <p:childTnLst>
                               <p:par>
-                                <p:cTn id="11" presetID="2" presetClass="entr" presetSubtype="4" fill="hold" grpId="0" nodeType="clickEffect">
+                                <p:cTn id="15" presetID="2" presetClass="entr" presetSubtype="4" fill="hold" grpId="0" nodeType="clickEffect">
                                   <p:stCondLst>
                                     <p:cond delay="0"/>
                                   </p:stCondLst>
                                   <p:childTnLst>
                                     <p:set>
                                       <p:cBhvr>
-                                        <p:cTn id="12" dur="1" fill="hold">
+                                        <p:cTn id="16" dur="1" fill="hold">
                                           <p:stCondLst>
                                             <p:cond delay="0"/>
                                           </p:stCondLst>
@@ -20610,7 +20356,7 @@
                                     </p:set>
                                     <p:anim calcmode="lin" valueType="num">
                                       <p:cBhvr additive="base">
-                                        <p:cTn id="13" dur="500" fill="hold"/>
+                                        <p:cTn id="17" dur="500" fill="hold"/>
                                         <p:tgtEl>
                                           <p:spTgt spid="7"/>
                                         </p:tgtEl>
@@ -20633,7 +20379,7 @@
                                     </p:anim>
                                     <p:anim calcmode="lin" valueType="num">
                                       <p:cBhvr additive="base">
-                                        <p:cTn id="14" dur="500" fill="hold"/>
+                                        <p:cTn id="18" dur="500" fill="hold"/>
                                         <p:tgtEl>
                                           <p:spTgt spid="7"/>
                                         </p:tgtEl>
@@ -20686,6 +20432,7 @@
     </p:tnLst>
     <p:bldLst>
       <p:bldP spid="7" grpId="0"/>
+      <p:bldP spid="10" grpId="0" animBg="1"/>
     </p:bldLst>
   </p:timing>
 </p:sld>
@@ -20753,10 +20500,9 @@
             <a:avLst/>
           </a:prstGeom>
           <a:solidFill>
-            <a:schemeClr val="accent6">
-              <a:lumMod val="75000"/>
+            <a:srgbClr val="FCD965">
               <a:alpha val="25000"/>
-            </a:schemeClr>
+            </a:srgbClr>
           </a:solidFill>
           <a:ln>
             <a:noFill/>
@@ -20839,59 +20585,62 @@
           </a:p>
         </p:txBody>
       </p:sp>
-      <p:pic>
-        <p:nvPicPr>
-          <p:cNvPr id="7" name="Elemento grafico 5">
+      <p:sp>
+        <p:nvSpPr>
+          <p:cNvPr id="11" name="Rettangolo con angoli arrotondati 10">
             <a:extLst>
               <a:ext uri="{FF2B5EF4-FFF2-40B4-BE49-F238E27FC236}">
-                <a16:creationId xmlns:a16="http://schemas.microsoft.com/office/drawing/2014/main" id="{63E2A675-BD44-4BDA-8579-E28D6DA13AD1}"/>
+                <a16:creationId xmlns:a16="http://schemas.microsoft.com/office/drawing/2014/main" id="{A6F2FAF8-EB9A-411B-89B8-66C3F577FF71}"/>
               </a:ext>
             </a:extLst>
           </p:cNvPr>
-          <p:cNvPicPr>
-            <a:picLocks noChangeAspect="1"/>
-          </p:cNvPicPr>
+          <p:cNvSpPr/>
           <p:nvPr/>
-        </p:nvPicPr>
-        <p:blipFill rotWithShape="1">
-          <a:blip r:embed="rId3">
-            <a:extLst>
-              <a:ext uri="{28A0092B-C50C-407E-A947-70E740481C1C}">
-                <a14:useLocalDpi xmlns:a14="http://schemas.microsoft.com/office/drawing/2010/main" val="0"/>
-              </a:ext>
-              <a:ext uri="{96DAC541-7B7A-43D3-8B79-37D633B846F1}">
-                <asvg:svgBlip xmlns:asvg="http://schemas.microsoft.com/office/drawing/2016/SVG/main" r:embed="rId4"/>
-              </a:ext>
-            </a:extLst>
-          </a:blip>
-          <a:srcRect l="34522" t="33878" r="10109" b="1650"/>
-          <a:stretch/>
-        </p:blipFill>
+        </p:nvSpPr>
         <p:spPr>
           <a:xfrm>
-            <a:off x="1480187" y="0"/>
-            <a:ext cx="7663814" cy="6858000"/>
+            <a:off x="1388691" y="0"/>
+            <a:ext cx="7755309" cy="6858000"/>
           </a:xfrm>
-          <a:prstGeom prst="rect">
+          <a:prstGeom prst="roundRect">
             <a:avLst/>
           </a:prstGeom>
           <a:solidFill>
-            <a:schemeClr val="tx1">
-              <a:lumMod val="50000"/>
-              <a:lumOff val="50000"/>
-              <a:alpha val="35000"/>
-            </a:schemeClr>
+            <a:srgbClr val="BFBFBF">
+              <a:alpha val="80000"/>
+            </a:srgbClr>
           </a:solidFill>
           <a:ln>
             <a:solidFill>
-              <a:schemeClr val="tx1">
-                <a:lumMod val="75000"/>
-                <a:lumOff val="25000"/>
-              </a:schemeClr>
+              <a:schemeClr val="bg1"/>
             </a:solidFill>
           </a:ln>
         </p:spPr>
-      </p:pic>
+        <p:style>
+          <a:lnRef idx="2">
+            <a:schemeClr val="accent1">
+              <a:shade val="50000"/>
+            </a:schemeClr>
+          </a:lnRef>
+          <a:fillRef idx="1">
+            <a:schemeClr val="accent1"/>
+          </a:fillRef>
+          <a:effectRef idx="0">
+            <a:schemeClr val="accent1"/>
+          </a:effectRef>
+          <a:fontRef idx="minor">
+            <a:schemeClr val="lt1"/>
+          </a:fontRef>
+        </p:style>
+        <p:txBody>
+          <a:bodyPr rtlCol="0" anchor="ctr"/>
+          <a:lstStyle/>
+          <a:p>
+            <a:pPr algn="ctr"/>
+            <a:endParaRPr lang="it-IT"/>
+          </a:p>
+        </p:txBody>
+      </p:sp>
       <p:sp>
         <p:nvSpPr>
           <p:cNvPr id="8" name="Segnaposto contenuto 2">
@@ -21279,6 +21028,44 @@
           </a:p>
         </p:txBody>
       </p:sp>
+      <p:pic>
+        <p:nvPicPr>
+          <p:cNvPr id="13" name="Elemento grafico 12">
+            <a:extLst>
+              <a:ext uri="{FF2B5EF4-FFF2-40B4-BE49-F238E27FC236}">
+                <a16:creationId xmlns:a16="http://schemas.microsoft.com/office/drawing/2014/main" id="{C982A718-4CBB-40C2-B1E5-49967357C478}"/>
+              </a:ext>
+            </a:extLst>
+          </p:cNvPr>
+          <p:cNvPicPr>
+            <a:picLocks noChangeAspect="1"/>
+          </p:cNvPicPr>
+          <p:nvPr/>
+        </p:nvPicPr>
+        <p:blipFill rotWithShape="1">
+          <a:blip r:embed="rId3">
+            <a:extLst>
+              <a:ext uri="{28A0092B-C50C-407E-A947-70E740481C1C}">
+                <a14:useLocalDpi xmlns:a14="http://schemas.microsoft.com/office/drawing/2010/main" val="0"/>
+              </a:ext>
+              <a:ext uri="{96DAC541-7B7A-43D3-8B79-37D633B846F1}">
+                <asvg:svgBlip xmlns:asvg="http://schemas.microsoft.com/office/drawing/2016/SVG/main" r:embed="rId4"/>
+              </a:ext>
+            </a:extLst>
+          </a:blip>
+          <a:srcRect l="34522" t="33878" r="10109" b="1650"/>
+          <a:stretch/>
+        </p:blipFill>
+        <p:spPr>
+          <a:xfrm>
+            <a:off x="1611525" y="105890"/>
+            <a:ext cx="7230472" cy="6454301"/>
+          </a:xfrm>
+          <a:prstGeom prst="rect">
+            <a:avLst/>
+          </a:prstGeom>
+        </p:spPr>
+      </p:pic>
     </p:spTree>
     <p:extLst>
       <p:ext uri="{BB962C8B-B14F-4D97-AF65-F5344CB8AC3E}">
@@ -21289,6 +21076,9 @@
   <p:clrMapOvr>
     <a:masterClrMapping/>
   </p:clrMapOvr>
+  <p:transition spd="slow">
+    <p:push dir="u"/>
+  </p:transition>
   <p:timing>
     <p:tnLst>
       <p:par>
@@ -21319,7 +21109,7 @@
                                       <p:cBhvr additive="base">
                                         <p:cTn id="6" dur="500"/>
                                         <p:tgtEl>
-                                          <p:spTgt spid="7"/>
+                                          <p:spTgt spid="13"/>
                                         </p:tgtEl>
                                         <p:attrNameLst>
                                           <p:attrName>ppt_x</p:attrName>
@@ -21342,7 +21132,7 @@
                                       <p:cBhvr additive="base">
                                         <p:cTn id="7" dur="500"/>
                                         <p:tgtEl>
-                                          <p:spTgt spid="7"/>
+                                          <p:spTgt spid="13"/>
                                         </p:tgtEl>
                                         <p:attrNameLst>
                                           <p:attrName>ppt_y</p:attrName>
@@ -21369,7 +21159,80 @@
                                           </p:stCondLst>
                                         </p:cTn>
                                         <p:tgtEl>
-                                          <p:spTgt spid="7"/>
+                                          <p:spTgt spid="13"/>
+                                        </p:tgtEl>
+                                        <p:attrNameLst>
+                                          <p:attrName>style.visibility</p:attrName>
+                                        </p:attrNameLst>
+                                      </p:cBhvr>
+                                      <p:to>
+                                        <p:strVal val="hidden"/>
+                                      </p:to>
+                                    </p:set>
+                                  </p:childTnLst>
+                                </p:cTn>
+                              </p:par>
+                              <p:par>
+                                <p:cTn id="9" presetID="2" presetClass="exit" presetSubtype="4" fill="hold" grpId="0" nodeType="withEffect">
+                                  <p:stCondLst>
+                                    <p:cond delay="0"/>
+                                  </p:stCondLst>
+                                  <p:childTnLst>
+                                    <p:anim calcmode="lin" valueType="num">
+                                      <p:cBhvr additive="base">
+                                        <p:cTn id="10" dur="500"/>
+                                        <p:tgtEl>
+                                          <p:spTgt spid="11"/>
+                                        </p:tgtEl>
+                                        <p:attrNameLst>
+                                          <p:attrName>ppt_x</p:attrName>
+                                        </p:attrNameLst>
+                                      </p:cBhvr>
+                                      <p:tavLst>
+                                        <p:tav tm="0">
+                                          <p:val>
+                                            <p:strVal val="ppt_x"/>
+                                          </p:val>
+                                        </p:tav>
+                                        <p:tav tm="100000">
+                                          <p:val>
+                                            <p:strVal val="ppt_x"/>
+                                          </p:val>
+                                        </p:tav>
+                                      </p:tavLst>
+                                    </p:anim>
+                                    <p:anim calcmode="lin" valueType="num">
+                                      <p:cBhvr additive="base">
+                                        <p:cTn id="11" dur="500"/>
+                                        <p:tgtEl>
+                                          <p:spTgt spid="11"/>
+                                        </p:tgtEl>
+                                        <p:attrNameLst>
+                                          <p:attrName>ppt_y</p:attrName>
+                                        </p:attrNameLst>
+                                      </p:cBhvr>
+                                      <p:tavLst>
+                                        <p:tav tm="0">
+                                          <p:val>
+                                            <p:strVal val="ppt_y"/>
+                                          </p:val>
+                                        </p:tav>
+                                        <p:tav tm="100000">
+                                          <p:val>
+                                            <p:strVal val="1+ppt_h/2"/>
+                                          </p:val>
+                                        </p:tav>
+                                      </p:tavLst>
+                                    </p:anim>
+                                    <p:set>
+                                      <p:cBhvr>
+                                        <p:cTn id="12" dur="1" fill="hold">
+                                          <p:stCondLst>
+                                            <p:cond delay="499"/>
+                                          </p:stCondLst>
+                                        </p:cTn>
+                                        <p:tgtEl>
+                                          <p:spTgt spid="11"/>
                                         </p:tgtEl>
                                         <p:attrNameLst>
                                           <p:attrName>style.visibility</p:attrName>
@@ -21389,26 +21252,26 @@
                     </p:cTn>
                   </p:par>
                   <p:par>
-                    <p:cTn id="9" fill="hold">
+                    <p:cTn id="13" fill="hold">
                       <p:stCondLst>
                         <p:cond delay="indefinite"/>
                       </p:stCondLst>
                       <p:childTnLst>
                         <p:par>
-                          <p:cTn id="10" fill="hold">
+                          <p:cTn id="14" fill="hold">
                             <p:stCondLst>
                               <p:cond delay="0"/>
                             </p:stCondLst>
                             <p:childTnLst>
                               <p:par>
-                                <p:cTn id="11" presetID="2" presetClass="entr" presetSubtype="4" fill="hold" grpId="0" nodeType="clickEffect">
+                                <p:cTn id="15" presetID="2" presetClass="entr" presetSubtype="4" fill="hold" grpId="0" nodeType="clickEffect">
                                   <p:stCondLst>
                                     <p:cond delay="0"/>
                                   </p:stCondLst>
                                   <p:childTnLst>
                                     <p:set>
                                       <p:cBhvr>
-                                        <p:cTn id="12" dur="1" fill="hold">
+                                        <p:cTn id="16" dur="1" fill="hold">
                                           <p:stCondLst>
                                             <p:cond delay="0"/>
                                           </p:stCondLst>
@@ -21426,7 +21289,7 @@
                                     </p:set>
                                     <p:anim calcmode="lin" valueType="num">
                                       <p:cBhvr additive="base">
-                                        <p:cTn id="13" dur="500" fill="hold"/>
+                                        <p:cTn id="17" dur="500" fill="hold"/>
                                         <p:tgtEl>
                                           <p:spTgt spid="8"/>
                                         </p:tgtEl>
@@ -21449,7 +21312,7 @@
                                     </p:anim>
                                     <p:anim calcmode="lin" valueType="num">
                                       <p:cBhvr additive="base">
-                                        <p:cTn id="14" dur="500" fill="hold"/>
+                                        <p:cTn id="18" dur="500" fill="hold"/>
                                         <p:tgtEl>
                                           <p:spTgt spid="8"/>
                                         </p:tgtEl>
@@ -21501,6 +21364,7 @@
       </p:par>
     </p:tnLst>
     <p:bldLst>
+      <p:bldP spid="11" grpId="0" animBg="1"/>
       <p:bldP spid="8" grpId="0"/>
     </p:bldLst>
   </p:timing>
@@ -21562,7 +21426,7 @@
         </p:nvSpPr>
         <p:spPr>
           <a:xfrm>
-            <a:off x="1035270" y="137008"/>
+            <a:off x="1035270" y="86674"/>
             <a:ext cx="7073461" cy="755183"/>
           </a:xfrm>
           <a:prstGeom prst="roundRect">
@@ -21570,7 +21434,6 @@
           </a:prstGeom>
           <a:solidFill>
             <a:schemeClr val="accent6">
-              <a:lumMod val="50000"/>
               <a:alpha val="25000"/>
             </a:schemeClr>
           </a:solidFill>
@@ -21609,7 +21472,7 @@
         </p:nvSpPr>
         <p:spPr>
           <a:xfrm>
-            <a:off x="1635587" y="160657"/>
+            <a:off x="1635587" y="110323"/>
             <a:ext cx="5872826" cy="707886"/>
           </a:xfrm>
           <a:prstGeom prst="rect">
@@ -21624,7 +21487,7 @@
           <a:p>
             <a:pPr algn="ctr"/>
             <a:r>
-              <a:rPr lang="it-IT" sz="4000" b="1">
+              <a:rPr lang="it-IT" sz="4000" b="1" dirty="0">
                 <a:ln w="0"/>
                 <a:solidFill>
                   <a:schemeClr val="bg1"/>
@@ -21639,75 +21502,65 @@
               </a:rPr>
               <a:t>Diagramma di sequenza /1</a:t>
             </a:r>
-            <a:endParaRPr lang="it-IT" sz="4000" b="1" dirty="0">
-              <a:ln w="0"/>
-              <a:solidFill>
-                <a:schemeClr val="bg1"/>
-              </a:solidFill>
-              <a:effectLst>
-                <a:outerShdw blurRad="38100" dist="19050" dir="2700000" algn="tl" rotWithShape="0">
-                  <a:schemeClr val="dk1">
-                    <a:alpha val="40000"/>
-                  </a:schemeClr>
-                </a:outerShdw>
-              </a:effectLst>
-            </a:endParaRPr>
           </a:p>
         </p:txBody>
       </p:sp>
-      <p:pic>
-        <p:nvPicPr>
-          <p:cNvPr id="5" name="Elemento grafico 6">
+      <p:sp>
+        <p:nvSpPr>
+          <p:cNvPr id="11" name="Rettangolo con angoli arrotondati 10">
             <a:extLst>
               <a:ext uri="{FF2B5EF4-FFF2-40B4-BE49-F238E27FC236}">
-                <a16:creationId xmlns:a16="http://schemas.microsoft.com/office/drawing/2014/main" id="{12433F90-B56C-4C6B-9917-22B1BA6131AD}"/>
+                <a16:creationId xmlns:a16="http://schemas.microsoft.com/office/drawing/2014/main" id="{F28748DE-7809-48B5-8106-5812DA07CE33}"/>
               </a:ext>
             </a:extLst>
           </p:cNvPr>
-          <p:cNvPicPr>
-            <a:picLocks noChangeAspect="1"/>
-          </p:cNvPicPr>
+          <p:cNvSpPr/>
           <p:nvPr/>
-        </p:nvPicPr>
-        <p:blipFill rotWithShape="1">
-          <a:blip r:embed="rId3">
-            <a:extLst>
-              <a:ext uri="{28A0092B-C50C-407E-A947-70E740481C1C}">
-                <a14:useLocalDpi xmlns:a14="http://schemas.microsoft.com/office/drawing/2010/main" val="0"/>
-              </a:ext>
-              <a:ext uri="{96DAC541-7B7A-43D3-8B79-37D633B846F1}">
-                <asvg:svgBlip xmlns:asvg="http://schemas.microsoft.com/office/drawing/2016/SVG/main" r:embed="rId4"/>
-              </a:ext>
-            </a:extLst>
-          </a:blip>
-          <a:srcRect r="35919" b="38503"/>
-          <a:stretch/>
-        </p:blipFill>
+        </p:nvSpPr>
         <p:spPr>
           <a:xfrm>
-            <a:off x="684344" y="944211"/>
-            <a:ext cx="7775307" cy="5734494"/>
+            <a:off x="260059" y="941005"/>
+            <a:ext cx="8657438" cy="5816079"/>
           </a:xfrm>
-          <a:prstGeom prst="rect">
+          <a:prstGeom prst="roundRect">
             <a:avLst/>
           </a:prstGeom>
           <a:solidFill>
-            <a:schemeClr val="tx1">
-              <a:lumMod val="50000"/>
-              <a:lumOff val="50000"/>
-              <a:alpha val="35000"/>
-            </a:schemeClr>
+            <a:srgbClr val="BFBFBF">
+              <a:alpha val="80000"/>
+            </a:srgbClr>
           </a:solidFill>
           <a:ln>
             <a:solidFill>
-              <a:schemeClr val="tx1">
-                <a:lumMod val="75000"/>
-                <a:lumOff val="25000"/>
-              </a:schemeClr>
+              <a:schemeClr val="bg1"/>
             </a:solidFill>
           </a:ln>
         </p:spPr>
-      </p:pic>
+        <p:style>
+          <a:lnRef idx="2">
+            <a:schemeClr val="accent1">
+              <a:shade val="50000"/>
+            </a:schemeClr>
+          </a:lnRef>
+          <a:fillRef idx="1">
+            <a:schemeClr val="accent1"/>
+          </a:fillRef>
+          <a:effectRef idx="0">
+            <a:schemeClr val="accent1"/>
+          </a:effectRef>
+          <a:fontRef idx="minor">
+            <a:schemeClr val="lt1"/>
+          </a:fontRef>
+        </p:style>
+        <p:txBody>
+          <a:bodyPr rtlCol="0" anchor="ctr"/>
+          <a:lstStyle/>
+          <a:p>
+            <a:pPr algn="ctr"/>
+            <a:endParaRPr lang="it-IT"/>
+          </a:p>
+        </p:txBody>
+      </p:sp>
       <p:sp>
         <p:nvSpPr>
           <p:cNvPr id="8" name="Rettangolo 7"/>
@@ -21716,7 +21569,7 @@
         </p:nvSpPr>
         <p:spPr>
           <a:xfrm>
-            <a:off x="2571007" y="6293261"/>
+            <a:off x="2663286" y="6293261"/>
             <a:ext cx="4001983" cy="461665"/>
           </a:xfrm>
           <a:prstGeom prst="rect">
@@ -21731,10 +21584,13 @@
           <a:p>
             <a:pPr algn="ctr"/>
             <a:r>
-              <a:rPr lang="it-IT" sz="2400" b="1" i="1">
+              <a:rPr lang="it-IT" sz="2400" b="1" i="1" dirty="0">
                 <a:ln w="0"/>
                 <a:solidFill>
-                  <a:schemeClr val="bg1"/>
+                  <a:schemeClr val="tx1">
+                    <a:lumMod val="85000"/>
+                    <a:lumOff val="15000"/>
+                  </a:schemeClr>
                 </a:solidFill>
                 <a:effectLst>
                   <a:outerShdw blurRad="38100" dist="19050" dir="2700000" algn="tl" rotWithShape="0">
@@ -21746,19 +21602,6 @@
               </a:rPr>
               <a:t>Caricamento della voice</a:t>
             </a:r>
-            <a:endParaRPr lang="it-IT" sz="2400" b="1" i="1" dirty="0">
-              <a:ln w="0"/>
-              <a:solidFill>
-                <a:schemeClr val="bg1"/>
-              </a:solidFill>
-              <a:effectLst>
-                <a:outerShdw blurRad="38100" dist="19050" dir="2700000" algn="tl" rotWithShape="0">
-                  <a:schemeClr val="dk1">
-                    <a:alpha val="40000"/>
-                  </a:schemeClr>
-                </a:outerShdw>
-              </a:effectLst>
-            </a:endParaRPr>
           </a:p>
         </p:txBody>
       </p:sp>
@@ -21962,6 +21805,44 @@
           </a:p>
         </p:txBody>
       </p:sp>
+      <p:pic>
+        <p:nvPicPr>
+          <p:cNvPr id="12" name="Elemento grafico 11">
+            <a:extLst>
+              <a:ext uri="{FF2B5EF4-FFF2-40B4-BE49-F238E27FC236}">
+                <a16:creationId xmlns:a16="http://schemas.microsoft.com/office/drawing/2014/main" id="{170DB40C-C91B-493A-B602-7BF74CDC38D9}"/>
+              </a:ext>
+            </a:extLst>
+          </p:cNvPr>
+          <p:cNvPicPr>
+            <a:picLocks noChangeAspect="1"/>
+          </p:cNvPicPr>
+          <p:nvPr/>
+        </p:nvPicPr>
+        <p:blipFill rotWithShape="1">
+          <a:blip r:embed="rId3">
+            <a:extLst>
+              <a:ext uri="{28A0092B-C50C-407E-A947-70E740481C1C}">
+                <a14:useLocalDpi xmlns:a14="http://schemas.microsoft.com/office/drawing/2010/main" val="0"/>
+              </a:ext>
+              <a:ext uri="{96DAC541-7B7A-43D3-8B79-37D633B846F1}">
+                <asvg:svgBlip xmlns:asvg="http://schemas.microsoft.com/office/drawing/2016/SVG/main" r:embed="rId4"/>
+              </a:ext>
+            </a:extLst>
+          </a:blip>
+          <a:srcRect r="35919" b="38503"/>
+          <a:stretch/>
+        </p:blipFill>
+        <p:spPr>
+          <a:xfrm>
+            <a:off x="840881" y="995747"/>
+            <a:ext cx="7495794" cy="5528346"/>
+          </a:xfrm>
+          <a:prstGeom prst="rect">
+            <a:avLst/>
+          </a:prstGeom>
+        </p:spPr>
+      </p:pic>
     </p:spTree>
     <p:extLst>
       <p:ext uri="{BB962C8B-B14F-4D97-AF65-F5344CB8AC3E}">
@@ -22033,7 +21914,7 @@
         </p:nvSpPr>
         <p:spPr>
           <a:xfrm>
-            <a:off x="1035270" y="162175"/>
+            <a:off x="1018492" y="99113"/>
             <a:ext cx="7073461" cy="755183"/>
           </a:xfrm>
           <a:prstGeom prst="roundRect">
@@ -22041,7 +21922,6 @@
           </a:prstGeom>
           <a:solidFill>
             <a:schemeClr val="accent6">
-              <a:lumMod val="50000"/>
               <a:alpha val="25000"/>
             </a:schemeClr>
           </a:solidFill>
@@ -22080,7 +21960,7 @@
         </p:nvSpPr>
         <p:spPr>
           <a:xfrm>
-            <a:off x="1635587" y="185824"/>
+            <a:off x="1618809" y="122762"/>
             <a:ext cx="5872826" cy="707886"/>
           </a:xfrm>
           <a:prstGeom prst="rect">
@@ -22113,12 +21993,68 @@
           </a:p>
         </p:txBody>
       </p:sp>
+      <p:sp>
+        <p:nvSpPr>
+          <p:cNvPr id="3" name="Rettangolo con angoli arrotondati 2">
+            <a:extLst>
+              <a:ext uri="{FF2B5EF4-FFF2-40B4-BE49-F238E27FC236}">
+                <a16:creationId xmlns:a16="http://schemas.microsoft.com/office/drawing/2014/main" id="{BA6667A7-A0E0-42F9-B1A0-4C985573F68F}"/>
+              </a:ext>
+            </a:extLst>
+          </p:cNvPr>
+          <p:cNvSpPr/>
+          <p:nvPr/>
+        </p:nvSpPr>
+        <p:spPr>
+          <a:xfrm>
+            <a:off x="260059" y="941005"/>
+            <a:ext cx="8657438" cy="5816079"/>
+          </a:xfrm>
+          <a:prstGeom prst="roundRect">
+            <a:avLst/>
+          </a:prstGeom>
+          <a:solidFill>
+            <a:srgbClr val="BFBFBF">
+              <a:alpha val="80000"/>
+            </a:srgbClr>
+          </a:solidFill>
+          <a:ln>
+            <a:solidFill>
+              <a:schemeClr val="bg1"/>
+            </a:solidFill>
+          </a:ln>
+        </p:spPr>
+        <p:style>
+          <a:lnRef idx="2">
+            <a:schemeClr val="accent1">
+              <a:shade val="50000"/>
+            </a:schemeClr>
+          </a:lnRef>
+          <a:fillRef idx="1">
+            <a:schemeClr val="accent1"/>
+          </a:fillRef>
+          <a:effectRef idx="0">
+            <a:schemeClr val="accent1"/>
+          </a:effectRef>
+          <a:fontRef idx="minor">
+            <a:schemeClr val="lt1"/>
+          </a:fontRef>
+        </p:style>
+        <p:txBody>
+          <a:bodyPr rtlCol="0" anchor="ctr"/>
+          <a:lstStyle/>
+          <a:p>
+            <a:pPr algn="ctr"/>
+            <a:endParaRPr lang="it-IT"/>
+          </a:p>
+        </p:txBody>
+      </p:sp>
       <p:pic>
         <p:nvPicPr>
-          <p:cNvPr id="5" name="Elemento grafico 6">
+          <p:cNvPr id="12" name="Elemento grafico 11">
             <a:extLst>
               <a:ext uri="{FF2B5EF4-FFF2-40B4-BE49-F238E27FC236}">
-                <a16:creationId xmlns:a16="http://schemas.microsoft.com/office/drawing/2014/main" id="{6F33E5F1-C046-4285-9409-263D6A176ECB}"/>
+                <a16:creationId xmlns:a16="http://schemas.microsoft.com/office/drawing/2014/main" id="{5AC4679A-A0E3-46DD-80EF-A910ABDAB4D5}"/>
               </a:ext>
             </a:extLst>
           </p:cNvPr>
@@ -22143,27 +22079,12 @@
         </p:blipFill>
         <p:spPr>
           <a:xfrm>
-            <a:off x="1035270" y="1079533"/>
-            <a:ext cx="7129292" cy="5668108"/>
+            <a:off x="461067" y="987113"/>
+            <a:ext cx="7911145" cy="5816078"/>
           </a:xfrm>
           <a:prstGeom prst="rect">
             <a:avLst/>
           </a:prstGeom>
-          <a:solidFill>
-            <a:schemeClr val="tx1">
-              <a:lumMod val="50000"/>
-              <a:lumOff val="50000"/>
-              <a:alpha val="35000"/>
-            </a:schemeClr>
-          </a:solidFill>
-          <a:ln>
-            <a:solidFill>
-              <a:schemeClr val="tx1">
-                <a:lumMod val="75000"/>
-                <a:lumOff val="25000"/>
-              </a:schemeClr>
-            </a:solidFill>
-          </a:ln>
         </p:spPr>
       </p:pic>
       <p:sp>
@@ -22189,10 +22110,13 @@
           <a:p>
             <a:pPr algn="ctr"/>
             <a:r>
-              <a:rPr lang="it-IT" sz="2400" b="1" i="1">
+              <a:rPr lang="it-IT" sz="2400" b="1" i="1" dirty="0">
                 <a:ln w="0"/>
                 <a:solidFill>
-                  <a:schemeClr val="bg1"/>
+                  <a:schemeClr val="tx1">
+                    <a:lumMod val="85000"/>
+                    <a:lumOff val="15000"/>
+                  </a:schemeClr>
                 </a:solidFill>
                 <a:effectLst>
                   <a:outerShdw blurRad="38100" dist="19050" dir="2700000" algn="tl" rotWithShape="0">
@@ -22204,19 +22128,6 @@
               </a:rPr>
               <a:t>Esecuzione processor selezionati</a:t>
             </a:r>
-            <a:endParaRPr lang="it-IT" sz="2400" b="1" i="1" dirty="0">
-              <a:ln w="0"/>
-              <a:solidFill>
-                <a:schemeClr val="bg1"/>
-              </a:solidFill>
-              <a:effectLst>
-                <a:outerShdw blurRad="38100" dist="19050" dir="2700000" algn="tl" rotWithShape="0">
-                  <a:schemeClr val="dk1">
-                    <a:alpha val="40000"/>
-                  </a:schemeClr>
-                </a:outerShdw>
-              </a:effectLst>
-            </a:endParaRPr>
           </a:p>
         </p:txBody>
       </p:sp>

--- a/Presentazioni/Presentazioni PB/Presentazione PB.pptx
+++ b/Presentazioni/Presentazioni PB/Presentazione PB.pptx
@@ -859,8 +859,8 @@
               <c:idx val="0"/>
               <c:layout>
                 <c:manualLayout>
-                  <c:x val="-6.5603417581118706E-2"/>
-                  <c:y val="7.9035997943574104E-2"/>
+                  <c:x val="-0.11672514987962423"/>
+                  <c:y val="8.5698397876425594E-2"/>
                 </c:manualLayout>
               </c:layout>
               <c:dLblPos val="bestFit"/>
@@ -1078,31 +1078,28 @@
           <a:lstStyle/>
           <a:p>
             <a:pPr>
-              <a:defRPr sz="1862" b="1" i="0" u="none" strike="noStrike" kern="1200" cap="all" spc="50" baseline="0">
-                <a:solidFill>
-                  <a:schemeClr val="tx1">
-                    <a:lumMod val="65000"/>
-                    <a:lumOff val="35000"/>
+              <a:defRPr sz="2128" b="1" i="0" u="none" strike="noStrike" kern="1200" spc="100" baseline="0">
+                <a:solidFill>
+                  <a:schemeClr val="lt1">
+                    <a:lumMod val="95000"/>
                   </a:schemeClr>
                 </a:solidFill>
+                <a:effectLst>
+                  <a:outerShdw blurRad="50800" dist="38100" dir="5400000" algn="t" rotWithShape="0">
+                    <a:prstClr val="black">
+                      <a:alpha val="40000"/>
+                    </a:prstClr>
+                  </a:outerShdw>
+                </a:effectLst>
                 <a:latin typeface="+mn-lt"/>
                 <a:ea typeface="+mn-ea"/>
                 <a:cs typeface="+mn-cs"/>
               </a:defRPr>
             </a:pPr>
             <a:r>
-              <a:rPr lang="en-US" dirty="0" err="1">
-                <a:solidFill>
-                  <a:schemeClr val="bg1"/>
-                </a:solidFill>
-              </a:rPr>
+              <a:rPr lang="en-US"/>
               <a:t>Codice</a:t>
             </a:r>
-            <a:endParaRPr lang="en-US" dirty="0">
-              <a:solidFill>
-                <a:schemeClr val="bg1"/>
-              </a:solidFill>
-            </a:endParaRPr>
           </a:p>
         </c:rich>
       </c:tx>
@@ -1119,13 +1116,19 @@
         <a:lstStyle/>
         <a:p>
           <a:pPr>
-            <a:defRPr sz="1862" b="1" i="0" u="none" strike="noStrike" kern="1200" cap="all" spc="50" baseline="0">
+            <a:defRPr sz="2128" b="1" i="0" u="none" strike="noStrike" kern="1200" spc="100" baseline="0">
               <a:solidFill>
-                <a:schemeClr val="tx1">
-                  <a:lumMod val="65000"/>
-                  <a:lumOff val="35000"/>
+                <a:schemeClr val="lt1">
+                  <a:lumMod val="95000"/>
                 </a:schemeClr>
               </a:solidFill>
+              <a:effectLst>
+                <a:outerShdw blurRad="50800" dist="38100" dir="5400000" algn="t" rotWithShape="0">
+                  <a:prstClr val="black">
+                    <a:alpha val="40000"/>
+                  </a:prstClr>
+                </a:outerShdw>
+              </a:effectLst>
               <a:latin typeface="+mn-lt"/>
               <a:ea typeface="+mn-ea"/>
               <a:cs typeface="+mn-cs"/>
@@ -1158,23 +1161,42 @@
             <c:idx val="0"/>
             <c:bubble3D val="0"/>
             <c:spPr>
-              <a:solidFill>
-                <a:schemeClr val="accent1"/>
-              </a:solidFill>
+              <a:gradFill rotWithShape="1">
+                <a:gsLst>
+                  <a:gs pos="0">
+                    <a:schemeClr val="accent1">
+                      <a:satMod val="103000"/>
+                      <a:lumMod val="102000"/>
+                      <a:tint val="94000"/>
+                    </a:schemeClr>
+                  </a:gs>
+                  <a:gs pos="50000">
+                    <a:schemeClr val="accent1">
+                      <a:satMod val="110000"/>
+                      <a:lumMod val="100000"/>
+                      <a:shade val="100000"/>
+                    </a:schemeClr>
+                  </a:gs>
+                  <a:gs pos="100000">
+                    <a:schemeClr val="accent1">
+                      <a:lumMod val="99000"/>
+                      <a:satMod val="120000"/>
+                      <a:shade val="78000"/>
+                    </a:schemeClr>
+                  </a:gs>
+                </a:gsLst>
+                <a:lin ang="5400000" scaled="0"/>
+              </a:gradFill>
               <a:ln>
                 <a:noFill/>
               </a:ln>
-              <a:effectLst/>
-              <a:scene3d>
-                <a:camera prst="orthographicFront"/>
-                <a:lightRig rig="brightRoom" dir="t"/>
-              </a:scene3d>
-              <a:sp3d prstMaterial="flat">
-                <a:bevelT w="50800" h="101600" prst="angle"/>
-                <a:contourClr>
-                  <a:srgbClr val="000000"/>
-                </a:contourClr>
-              </a:sp3d>
+              <a:effectLst>
+                <a:outerShdw blurRad="57150" dist="19050" dir="5400000" algn="ctr" rotWithShape="0">
+                  <a:srgbClr val="000000">
+                    <a:alpha val="63000"/>
+                  </a:srgbClr>
+                </a:outerShdw>
+              </a:effectLst>
             </c:spPr>
             <c:extLst>
               <c:ext xmlns:c16="http://schemas.microsoft.com/office/drawing/2014/chart" uri="{C3380CC4-5D6E-409C-BE32-E72D297353CC}">
@@ -1186,23 +1208,42 @@
             <c:idx val="1"/>
             <c:bubble3D val="0"/>
             <c:spPr>
-              <a:solidFill>
-                <a:schemeClr val="accent2"/>
-              </a:solidFill>
+              <a:gradFill rotWithShape="1">
+                <a:gsLst>
+                  <a:gs pos="0">
+                    <a:schemeClr val="accent2">
+                      <a:satMod val="103000"/>
+                      <a:lumMod val="102000"/>
+                      <a:tint val="94000"/>
+                    </a:schemeClr>
+                  </a:gs>
+                  <a:gs pos="50000">
+                    <a:schemeClr val="accent2">
+                      <a:satMod val="110000"/>
+                      <a:lumMod val="100000"/>
+                      <a:shade val="100000"/>
+                    </a:schemeClr>
+                  </a:gs>
+                  <a:gs pos="100000">
+                    <a:schemeClr val="accent2">
+                      <a:lumMod val="99000"/>
+                      <a:satMod val="120000"/>
+                      <a:shade val="78000"/>
+                    </a:schemeClr>
+                  </a:gs>
+                </a:gsLst>
+                <a:lin ang="5400000" scaled="0"/>
+              </a:gradFill>
               <a:ln>
                 <a:noFill/>
               </a:ln>
-              <a:effectLst/>
-              <a:scene3d>
-                <a:camera prst="orthographicFront"/>
-                <a:lightRig rig="brightRoom" dir="t"/>
-              </a:scene3d>
-              <a:sp3d prstMaterial="flat">
-                <a:bevelT w="50800" h="101600" prst="angle"/>
-                <a:contourClr>
-                  <a:srgbClr val="000000"/>
-                </a:contourClr>
-              </a:sp3d>
+              <a:effectLst>
+                <a:outerShdw blurRad="57150" dist="19050" dir="5400000" algn="ctr" rotWithShape="0">
+                  <a:srgbClr val="000000">
+                    <a:alpha val="63000"/>
+                  </a:srgbClr>
+                </a:outerShdw>
+              </a:effectLst>
             </c:spPr>
             <c:extLst>
               <c:ext xmlns:c16="http://schemas.microsoft.com/office/drawing/2014/chart" uri="{C3380CC4-5D6E-409C-BE32-E72D297353CC}">
@@ -1210,15 +1251,93 @@
               </c:ext>
             </c:extLst>
           </c:dPt>
+          <c:dPt>
+            <c:idx val="2"/>
+            <c:bubble3D val="0"/>
+            <c:spPr>
+              <a:gradFill rotWithShape="1">
+                <a:gsLst>
+                  <a:gs pos="0">
+                    <a:schemeClr val="accent3">
+                      <a:satMod val="103000"/>
+                      <a:lumMod val="102000"/>
+                      <a:tint val="94000"/>
+                    </a:schemeClr>
+                  </a:gs>
+                  <a:gs pos="50000">
+                    <a:schemeClr val="accent3">
+                      <a:satMod val="110000"/>
+                      <a:lumMod val="100000"/>
+                      <a:shade val="100000"/>
+                    </a:schemeClr>
+                  </a:gs>
+                  <a:gs pos="100000">
+                    <a:schemeClr val="accent3">
+                      <a:lumMod val="99000"/>
+                      <a:satMod val="120000"/>
+                      <a:shade val="78000"/>
+                    </a:schemeClr>
+                  </a:gs>
+                </a:gsLst>
+                <a:lin ang="5400000" scaled="0"/>
+              </a:gradFill>
+              <a:ln>
+                <a:noFill/>
+              </a:ln>
+              <a:effectLst>
+                <a:outerShdw blurRad="57150" dist="19050" dir="5400000" algn="ctr" rotWithShape="0">
+                  <a:srgbClr val="000000">
+                    <a:alpha val="63000"/>
+                  </a:srgbClr>
+                </a:outerShdw>
+              </a:effectLst>
+            </c:spPr>
+          </c:dPt>
+          <c:dPt>
+            <c:idx val="3"/>
+            <c:bubble3D val="0"/>
+            <c:spPr>
+              <a:gradFill rotWithShape="1">
+                <a:gsLst>
+                  <a:gs pos="0">
+                    <a:schemeClr val="accent4">
+                      <a:satMod val="103000"/>
+                      <a:lumMod val="102000"/>
+                      <a:tint val="94000"/>
+                    </a:schemeClr>
+                  </a:gs>
+                  <a:gs pos="50000">
+                    <a:schemeClr val="accent4">
+                      <a:satMod val="110000"/>
+                      <a:lumMod val="100000"/>
+                      <a:shade val="100000"/>
+                    </a:schemeClr>
+                  </a:gs>
+                  <a:gs pos="100000">
+                    <a:schemeClr val="accent4">
+                      <a:lumMod val="99000"/>
+                      <a:satMod val="120000"/>
+                      <a:shade val="78000"/>
+                    </a:schemeClr>
+                  </a:gs>
+                </a:gsLst>
+                <a:lin ang="5400000" scaled="0"/>
+              </a:gradFill>
+              <a:ln>
+                <a:noFill/>
+              </a:ln>
+              <a:effectLst>
+                <a:outerShdw blurRad="57150" dist="19050" dir="5400000" algn="ctr" rotWithShape="0">
+                  <a:srgbClr val="000000">
+                    <a:alpha val="63000"/>
+                  </a:srgbClr>
+                </a:outerShdw>
+              </a:effectLst>
+            </c:spPr>
+          </c:dPt>
           <c:dLbls>
             <c:dLbl>
               <c:idx val="0"/>
-              <c:layout>
-                <c:manualLayout>
-                  <c:x val="-0.116815233418139"/>
-                  <c:y val="-4.2682807987151301E-2"/>
-                </c:manualLayout>
-              </c:layout>
               <c:tx>
                 <c:rich>
                   <a:bodyPr/>
@@ -1233,7 +1352,7 @@
                   </a:p>
                 </c:rich>
               </c:tx>
-              <c:dLblPos val="bestFit"/>
+              <c:dLblPos val="inEnd"/>
               <c:showLegendKey val="0"/>
               <c:showVal val="0"/>
               <c:showCatName val="1"/>
@@ -1242,12 +1361,6 @@
               <c:showBubbleSize val="0"/>
               <c:extLst>
                 <c:ext xmlns:c15="http://schemas.microsoft.com/office/drawing/2012/chart" uri="{CE6537A1-D6FC-4f65-9D91-7224C49458BB}">
-                  <c15:layout>
-                    <c:manualLayout>
-                      <c:w val="0.28522128588944701"/>
-                      <c:h val="0.28906831493274099"/>
-                    </c:manualLayout>
-                  </c15:layout>
                   <c15:dlblFieldTable/>
                   <c15:showDataLabelsRange val="0"/>
                 </c:ext>
@@ -1258,12 +1371,6 @@
             </c:dLbl>
             <c:dLbl>
               <c:idx val="1"/>
-              <c:layout>
-                <c:manualLayout>
-                  <c:x val="0.13175289773701601"/>
-                  <c:y val="3.5904464762149597E-2"/>
-                </c:manualLayout>
-              </c:layout>
               <c:tx>
                 <c:rich>
                   <a:bodyPr/>
@@ -1278,7 +1385,7 @@
                   </a:p>
                 </c:rich>
               </c:tx>
-              <c:dLblPos val="bestFit"/>
+              <c:dLblPos val="inEnd"/>
               <c:showLegendKey val="0"/>
               <c:showVal val="0"/>
               <c:showCatName val="1"/>
@@ -1287,12 +1394,6 @@
               <c:showBubbleSize val="0"/>
               <c:extLst>
                 <c:ext xmlns:c15="http://schemas.microsoft.com/office/drawing/2012/chart" uri="{CE6537A1-D6FC-4f65-9D91-7224C49458BB}">
-                  <c15:layout>
-                    <c:manualLayout>
-                      <c:w val="0.29887477013499197"/>
-                      <c:h val="0.28906831493274099"/>
-                    </c:manualLayout>
-                  </c15:layout>
                   <c15:dlblFieldTable/>
                   <c15:showDataLabelsRange val="0"/>
                 </c:ext>
@@ -1315,9 +1416,11 @@
               <a:lstStyle/>
               <a:p>
                 <a:pPr>
-                  <a:defRPr sz="1197" b="1" i="0" u="none" strike="noStrike" kern="1200" baseline="0">
+                  <a:defRPr sz="1197" b="0" i="0" u="none" strike="noStrike" kern="1200" baseline="0">
                     <a:solidFill>
-                      <a:schemeClr val="lt1"/>
+                      <a:schemeClr val="lt1">
+                        <a:lumMod val="85000"/>
+                      </a:schemeClr>
                     </a:solidFill>
                     <a:latin typeface="+mn-lt"/>
                     <a:ea typeface="+mn-ea"/>
@@ -1337,14 +1440,13 @@
             <c:showLeaderLines val="1"/>
             <c:leaderLines>
               <c:spPr>
-                <a:ln w="9525" cap="flat" cmpd="sng" algn="ctr">
+                <a:ln w="9525">
                   <a:solidFill>
-                    <a:schemeClr val="tx1">
-                      <a:lumMod val="35000"/>
-                      <a:lumOff val="65000"/>
+                    <a:schemeClr val="lt1">
+                      <a:lumMod val="95000"/>
+                      <a:alpha val="54000"/>
                     </a:schemeClr>
                   </a:solidFill>
-                  <a:round/>
                 </a:ln>
                 <a:effectLst/>
               </c:spPr>
@@ -1362,7 +1464,7 @@
                   <c:v>Soddisfatti</c:v>
                 </c:pt>
                 <c:pt idx="1">
-                  <c:v>Insoddisfatti.</c:v>
+                  <c:v>Insoddisfatti</c:v>
                 </c:pt>
               </c:strCache>
             </c:strRef>
@@ -1372,7 +1474,7 @@
               <c:f>Foglio1!$B$2:$B$5</c:f>
               <c:numCache>
                 <c:formatCode>General</c:formatCode>
-                <c:ptCount val="2"/>
+                <c:ptCount val="4"/>
                 <c:pt idx="0">
                   <c:v>0.54</c:v>
                 </c:pt>
@@ -1409,7 +1511,7 @@
       </c:spPr>
     </c:plotArea>
     <c:legend>
-      <c:legendPos val="t"/>
+      <c:legendPos val="b"/>
       <c:legendEntry>
         <c:idx val="0"/>
         <c:txPr>
@@ -1419,7 +1521,9 @@
             <a:pPr>
               <a:defRPr sz="1197" b="0" i="0" u="none" strike="noStrike" kern="1200" baseline="0">
                 <a:solidFill>
-                  <a:schemeClr val="bg1"/>
+                  <a:schemeClr val="lt1">
+                    <a:lumMod val="85000"/>
+                  </a:schemeClr>
                 </a:solidFill>
                 <a:latin typeface="+mn-lt"/>
                 <a:ea typeface="+mn-ea"/>
@@ -1439,7 +1543,9 @@
             <a:pPr>
               <a:defRPr sz="1197" b="0" i="0" u="none" strike="noStrike" kern="1200" baseline="0">
                 <a:solidFill>
-                  <a:schemeClr val="bg1"/>
+                  <a:schemeClr val="lt1">
+                    <a:lumMod val="85000"/>
+                  </a:schemeClr>
                 </a:solidFill>
                 <a:latin typeface="+mn-lt"/>
                 <a:ea typeface="+mn-ea"/>
@@ -1449,6 +1555,14 @@
             <a:endParaRPr lang="it-IT"/>
           </a:p>
         </c:txPr>
+      </c:legendEntry>
+      <c:legendEntry>
+        <c:idx val="2"/>
+        <c:delete val="1"/>
+      </c:legendEntry>
+      <c:legendEntry>
+        <c:idx val="3"/>
+        <c:delete val="1"/>
       </c:legendEntry>
       <c:overlay val="0"/>
       <c:spPr>
@@ -1465,9 +1579,8 @@
           <a:pPr>
             <a:defRPr sz="1197" b="0" i="0" u="none" strike="noStrike" kern="1200" baseline="0">
               <a:solidFill>
-                <a:schemeClr val="tx1">
-                  <a:lumMod val="65000"/>
-                  <a:lumOff val="35000"/>
+                <a:schemeClr val="lt1">
+                  <a:lumMod val="85000"/>
                 </a:schemeClr>
               </a:solidFill>
               <a:latin typeface="+mn-lt"/>
@@ -1491,7 +1604,11 @@
     </c:extLst>
   </c:chart>
   <c:spPr>
-    <a:noFill/>
+    <a:solidFill>
+      <a:srgbClr val="000000">
+        <a:alpha val="0"/>
+      </a:srgbClr>
+    </a:solidFill>
     <a:ln>
       <a:noFill/>
     </a:ln>
@@ -1534,31 +1651,28 @@
           <a:lstStyle/>
           <a:p>
             <a:pPr>
-              <a:defRPr sz="1862" b="1" i="0" u="none" strike="noStrike" kern="1200" cap="all" spc="50" baseline="0">
-                <a:solidFill>
-                  <a:schemeClr val="tx1">
-                    <a:lumMod val="65000"/>
-                    <a:lumOff val="35000"/>
+              <a:defRPr sz="2128" b="1" i="0" u="none" strike="noStrike" kern="1200" spc="100" baseline="0">
+                <a:solidFill>
+                  <a:schemeClr val="lt1">
+                    <a:lumMod val="95000"/>
                   </a:schemeClr>
                 </a:solidFill>
+                <a:effectLst>
+                  <a:outerShdw blurRad="50800" dist="38100" dir="5400000" algn="t" rotWithShape="0">
+                    <a:prstClr val="black">
+                      <a:alpha val="40000"/>
+                    </a:prstClr>
+                  </a:outerShdw>
+                </a:effectLst>
                 <a:latin typeface="+mn-lt"/>
                 <a:ea typeface="+mn-ea"/>
                 <a:cs typeface="+mn-cs"/>
               </a:defRPr>
             </a:pPr>
             <a:r>
-              <a:rPr lang="en-US" dirty="0" err="1">
-                <a:solidFill>
-                  <a:schemeClr val="bg1"/>
-                </a:solidFill>
-              </a:rPr>
+              <a:rPr lang="en-US"/>
               <a:t>Archittettura</a:t>
             </a:r>
-            <a:endParaRPr lang="en-US" dirty="0">
-              <a:solidFill>
-                <a:schemeClr val="bg1"/>
-              </a:solidFill>
-            </a:endParaRPr>
           </a:p>
         </c:rich>
       </c:tx>
@@ -1575,13 +1689,19 @@
         <a:lstStyle/>
         <a:p>
           <a:pPr>
-            <a:defRPr sz="1862" b="1" i="0" u="none" strike="noStrike" kern="1200" cap="all" spc="50" baseline="0">
+            <a:defRPr sz="2128" b="1" i="0" u="none" strike="noStrike" kern="1200" spc="100" baseline="0">
               <a:solidFill>
-                <a:schemeClr val="tx1">
-                  <a:lumMod val="65000"/>
-                  <a:lumOff val="35000"/>
+                <a:schemeClr val="lt1">
+                  <a:lumMod val="95000"/>
                 </a:schemeClr>
               </a:solidFill>
+              <a:effectLst>
+                <a:outerShdw blurRad="50800" dist="38100" dir="5400000" algn="t" rotWithShape="0">
+                  <a:prstClr val="black">
+                    <a:alpha val="40000"/>
+                  </a:prstClr>
+                </a:outerShdw>
+              </a:effectLst>
               <a:latin typeface="+mn-lt"/>
               <a:ea typeface="+mn-ea"/>
               <a:cs typeface="+mn-cs"/>
@@ -1614,23 +1734,42 @@
             <c:idx val="0"/>
             <c:bubble3D val="0"/>
             <c:spPr>
-              <a:solidFill>
-                <a:schemeClr val="accent1"/>
-              </a:solidFill>
+              <a:gradFill rotWithShape="1">
+                <a:gsLst>
+                  <a:gs pos="0">
+                    <a:schemeClr val="accent1">
+                      <a:satMod val="103000"/>
+                      <a:lumMod val="102000"/>
+                      <a:tint val="94000"/>
+                    </a:schemeClr>
+                  </a:gs>
+                  <a:gs pos="50000">
+                    <a:schemeClr val="accent1">
+                      <a:satMod val="110000"/>
+                      <a:lumMod val="100000"/>
+                      <a:shade val="100000"/>
+                    </a:schemeClr>
+                  </a:gs>
+                  <a:gs pos="100000">
+                    <a:schemeClr val="accent1">
+                      <a:lumMod val="99000"/>
+                      <a:satMod val="120000"/>
+                      <a:shade val="78000"/>
+                    </a:schemeClr>
+                  </a:gs>
+                </a:gsLst>
+                <a:lin ang="5400000" scaled="0"/>
+              </a:gradFill>
               <a:ln>
                 <a:noFill/>
               </a:ln>
-              <a:effectLst/>
-              <a:scene3d>
-                <a:camera prst="orthographicFront"/>
-                <a:lightRig rig="brightRoom" dir="t"/>
-              </a:scene3d>
-              <a:sp3d prstMaterial="flat">
-                <a:bevelT w="50800" h="101600" prst="angle"/>
-                <a:contourClr>
-                  <a:srgbClr val="000000"/>
-                </a:contourClr>
-              </a:sp3d>
+              <a:effectLst>
+                <a:outerShdw blurRad="57150" dist="19050" dir="5400000" algn="ctr" rotWithShape="0">
+                  <a:srgbClr val="000000">
+                    <a:alpha val="63000"/>
+                  </a:srgbClr>
+                </a:outerShdw>
+              </a:effectLst>
             </c:spPr>
             <c:extLst>
               <c:ext xmlns:c16="http://schemas.microsoft.com/office/drawing/2014/chart" uri="{C3380CC4-5D6E-409C-BE32-E72D297353CC}">
@@ -1642,23 +1781,42 @@
             <c:idx val="1"/>
             <c:bubble3D val="0"/>
             <c:spPr>
-              <a:solidFill>
-                <a:schemeClr val="accent2"/>
-              </a:solidFill>
+              <a:gradFill rotWithShape="1">
+                <a:gsLst>
+                  <a:gs pos="0">
+                    <a:schemeClr val="accent2">
+                      <a:satMod val="103000"/>
+                      <a:lumMod val="102000"/>
+                      <a:tint val="94000"/>
+                    </a:schemeClr>
+                  </a:gs>
+                  <a:gs pos="50000">
+                    <a:schemeClr val="accent2">
+                      <a:satMod val="110000"/>
+                      <a:lumMod val="100000"/>
+                      <a:shade val="100000"/>
+                    </a:schemeClr>
+                  </a:gs>
+                  <a:gs pos="100000">
+                    <a:schemeClr val="accent2">
+                      <a:lumMod val="99000"/>
+                      <a:satMod val="120000"/>
+                      <a:shade val="78000"/>
+                    </a:schemeClr>
+                  </a:gs>
+                </a:gsLst>
+                <a:lin ang="5400000" scaled="0"/>
+              </a:gradFill>
               <a:ln>
                 <a:noFill/>
               </a:ln>
-              <a:effectLst/>
-              <a:scene3d>
-                <a:camera prst="orthographicFront"/>
-                <a:lightRig rig="brightRoom" dir="t"/>
-              </a:scene3d>
-              <a:sp3d prstMaterial="flat">
-                <a:bevelT w="50800" h="101600" prst="angle"/>
-                <a:contourClr>
-                  <a:srgbClr val="000000"/>
-                </a:contourClr>
-              </a:sp3d>
+              <a:effectLst>
+                <a:outerShdw blurRad="57150" dist="19050" dir="5400000" algn="ctr" rotWithShape="0">
+                  <a:srgbClr val="000000">
+                    <a:alpha val="63000"/>
+                  </a:srgbClr>
+                </a:outerShdw>
+              </a:effectLst>
             </c:spPr>
             <c:extLst>
               <c:ext xmlns:c16="http://schemas.microsoft.com/office/drawing/2014/chart" uri="{C3380CC4-5D6E-409C-BE32-E72D297353CC}">
@@ -1666,13 +1824,97 @@
               </c:ext>
             </c:extLst>
           </c:dPt>
+          <c:dPt>
+            <c:idx val="2"/>
+            <c:bubble3D val="0"/>
+            <c:spPr>
+              <a:gradFill rotWithShape="1">
+                <a:gsLst>
+                  <a:gs pos="0">
+                    <a:schemeClr val="accent3">
+                      <a:satMod val="103000"/>
+                      <a:lumMod val="102000"/>
+                      <a:tint val="94000"/>
+                    </a:schemeClr>
+                  </a:gs>
+                  <a:gs pos="50000">
+                    <a:schemeClr val="accent3">
+                      <a:satMod val="110000"/>
+                      <a:lumMod val="100000"/>
+                      <a:shade val="100000"/>
+                    </a:schemeClr>
+                  </a:gs>
+                  <a:gs pos="100000">
+                    <a:schemeClr val="accent3">
+                      <a:lumMod val="99000"/>
+                      <a:satMod val="120000"/>
+                      <a:shade val="78000"/>
+                    </a:schemeClr>
+                  </a:gs>
+                </a:gsLst>
+                <a:lin ang="5400000" scaled="0"/>
+              </a:gradFill>
+              <a:ln>
+                <a:noFill/>
+              </a:ln>
+              <a:effectLst>
+                <a:outerShdw blurRad="57150" dist="19050" dir="5400000" algn="ctr" rotWithShape="0">
+                  <a:srgbClr val="000000">
+                    <a:alpha val="63000"/>
+                  </a:srgbClr>
+                </a:outerShdw>
+              </a:effectLst>
+            </c:spPr>
+          </c:dPt>
+          <c:dPt>
+            <c:idx val="3"/>
+            <c:bubble3D val="0"/>
+            <c:spPr>
+              <a:gradFill rotWithShape="1">
+                <a:gsLst>
+                  <a:gs pos="0">
+                    <a:schemeClr val="accent4">
+                      <a:satMod val="103000"/>
+                      <a:lumMod val="102000"/>
+                      <a:tint val="94000"/>
+                    </a:schemeClr>
+                  </a:gs>
+                  <a:gs pos="50000">
+                    <a:schemeClr val="accent4">
+                      <a:satMod val="110000"/>
+                      <a:lumMod val="100000"/>
+                      <a:shade val="100000"/>
+                    </a:schemeClr>
+                  </a:gs>
+                  <a:gs pos="100000">
+                    <a:schemeClr val="accent4">
+                      <a:lumMod val="99000"/>
+                      <a:satMod val="120000"/>
+                      <a:shade val="78000"/>
+                    </a:schemeClr>
+                  </a:gs>
+                </a:gsLst>
+                <a:lin ang="5400000" scaled="0"/>
+              </a:gradFill>
+              <a:ln>
+                <a:noFill/>
+              </a:ln>
+              <a:effectLst>
+                <a:outerShdw blurRad="57150" dist="19050" dir="5400000" algn="ctr" rotWithShape="0">
+                  <a:srgbClr val="000000">
+                    <a:alpha val="63000"/>
+                  </a:srgbClr>
+                </a:outerShdw>
+              </a:effectLst>
+            </c:spPr>
+          </c:dPt>
           <c:dLbls>
             <c:dLbl>
               <c:idx val="0"/>
               <c:layout>
                 <c:manualLayout>
-                  <c:x val="1.0569026666995012E-2"/>
-                  <c:y val="-0.18797154865757942"/>
+                  <c:x val="1.0568806758406666E-2"/>
+                  <c:y val="-0.28162941510188322"/>
                 </c:manualLayout>
               </c:layout>
               <c:dLblPos val="bestFit"/>
@@ -1683,14 +1925,7 @@
               <c:showPercent val="1"/>
               <c:showBubbleSize val="0"/>
               <c:extLst>
-                <c:ext xmlns:c15="http://schemas.microsoft.com/office/drawing/2012/chart" uri="{CE6537A1-D6FC-4f65-9D91-7224C49458BB}">
-                  <c15:layout>
-                    <c:manualLayout>
-                      <c:w val="0.24951224275093301"/>
-                      <c:h val="0.28906831493274099"/>
-                    </c:manualLayout>
-                  </c15:layout>
-                </c:ext>
+                <c:ext xmlns:c15="http://schemas.microsoft.com/office/drawing/2012/chart" uri="{CE6537A1-D6FC-4f65-9D91-7224C49458BB}"/>
                 <c:ext xmlns:c16="http://schemas.microsoft.com/office/drawing/2014/chart" uri="{C3380CC4-5D6E-409C-BE32-E72D297353CC}">
                   <c16:uniqueId val="{00000001-CDE0-466E-B901-6C44B40E4A39}"/>
                 </c:ext>
@@ -1720,9 +1955,11 @@
               <a:lstStyle/>
               <a:p>
                 <a:pPr>
-                  <a:defRPr sz="1197" b="1" i="0" u="none" strike="noStrike" kern="1200" baseline="0">
+                  <a:defRPr sz="1197" b="0" i="0" u="none" strike="noStrike" kern="1200" baseline="0">
                     <a:solidFill>
-                      <a:schemeClr val="lt1"/>
+                      <a:schemeClr val="lt1">
+                        <a:lumMod val="85000"/>
+                      </a:schemeClr>
                     </a:solidFill>
                     <a:latin typeface="+mn-lt"/>
                     <a:ea typeface="+mn-ea"/>
@@ -1742,14 +1979,13 @@
             <c:showLeaderLines val="1"/>
             <c:leaderLines>
               <c:spPr>
-                <a:ln w="9525" cap="flat" cmpd="sng" algn="ctr">
+                <a:ln w="9525">
                   <a:solidFill>
-                    <a:schemeClr val="tx1">
-                      <a:lumMod val="35000"/>
-                      <a:lumOff val="65000"/>
+                    <a:schemeClr val="lt1">
+                      <a:lumMod val="95000"/>
+                      <a:alpha val="54000"/>
                     </a:schemeClr>
                   </a:solidFill>
-                  <a:round/>
                 </a:ln>
                 <a:effectLst/>
               </c:spPr>
@@ -1767,7 +2003,7 @@
                   <c:v>Soddisfatti</c:v>
                 </c:pt>
                 <c:pt idx="1">
-                  <c:v>Insoddisfatti.</c:v>
+                  <c:v>Insoddisfatti</c:v>
                 </c:pt>
               </c:strCache>
             </c:strRef>
@@ -1777,7 +2013,7 @@
               <c:f>Foglio1!$B$2:$B$5</c:f>
               <c:numCache>
                 <c:formatCode>General</c:formatCode>
-                <c:ptCount val="2"/>
+                <c:ptCount val="4"/>
                 <c:pt idx="0">
                   <c:v>10</c:v>
                 </c:pt>
@@ -1814,7 +2050,15 @@
       </c:spPr>
     </c:plotArea>
     <c:legend>
-      <c:legendPos val="t"/>
+      <c:legendPos val="b"/>
+      <c:legendEntry>
+        <c:idx val="2"/>
+        <c:delete val="1"/>
+      </c:legendEntry>
+      <c:legendEntry>
+        <c:idx val="3"/>
+        <c:delete val="1"/>
+      </c:legendEntry>
       <c:overlay val="0"/>
       <c:spPr>
         <a:noFill/>
@@ -1830,7 +2074,9 @@
           <a:pPr>
             <a:defRPr sz="1197" b="0" i="0" u="none" strike="noStrike" kern="1200" baseline="0">
               <a:solidFill>
-                <a:schemeClr val="bg1"/>
+                <a:schemeClr val="lt1">
+                  <a:lumMod val="85000"/>
+                </a:schemeClr>
               </a:solidFill>
               <a:latin typeface="+mn-lt"/>
               <a:ea typeface="+mn-ea"/>
@@ -1853,7 +2099,11 @@
     </c:extLst>
   </c:chart>
   <c:spPr>
-    <a:noFill/>
+    <a:solidFill>
+      <a:srgbClr val="000000">
+        <a:alpha val="0"/>
+      </a:srgbClr>
+    </a:solidFill>
     <a:ln>
       <a:noFill/>
     </a:ln>
@@ -3028,62 +3278,81 @@
 </file>
 
 <file path=ppt/charts/style3.xml><?xml version="1.0" encoding="utf-8"?>
-<cs:chartStyle xmlns:cs="http://schemas.microsoft.com/office/drawing/2012/chartStyle" xmlns:a="http://schemas.openxmlformats.org/drawingml/2006/main" id="258">
+<cs:chartStyle xmlns:cs="http://schemas.microsoft.com/office/drawing/2012/chartStyle" xmlns:a="http://schemas.openxmlformats.org/drawingml/2006/main" id="257">
   <cs:axisTitle>
     <cs:lnRef idx="0"/>
     <cs:fillRef idx="0"/>
     <cs:effectRef idx="0"/>
     <cs:fontRef idx="minor">
-      <a:schemeClr val="tx1">
-        <a:lumMod val="65000"/>
-        <a:lumOff val="35000"/>
+      <a:schemeClr val="lt1">
+        <a:lumMod val="85000"/>
       </a:schemeClr>
     </cs:fontRef>
-    <cs:defRPr sz="1197" kern="1200"/>
+    <cs:defRPr sz="1197" b="1" kern="1200" cap="all"/>
   </cs:axisTitle>
   <cs:categoryAxis>
     <cs:lnRef idx="0"/>
     <cs:fillRef idx="0"/>
     <cs:effectRef idx="0"/>
     <cs:fontRef idx="minor">
-      <a:schemeClr val="tx1">
-        <a:lumMod val="65000"/>
-        <a:lumOff val="35000"/>
+      <a:schemeClr val="lt1">
+        <a:lumMod val="85000"/>
       </a:schemeClr>
     </cs:fontRef>
-    <cs:defRPr sz="1197" kern="1200"/>
-  </cs:categoryAxis>
-  <cs:chartArea mods="allowNoFillOverride allowNoLineOverride">
-    <cs:lnRef idx="0"/>
-    <cs:fillRef idx="0"/>
-    <cs:effectRef idx="0"/>
-    <cs:fontRef idx="minor">
-      <a:schemeClr val="tx1"/>
-    </cs:fontRef>
     <cs:spPr>
-      <a:solidFill>
-        <a:schemeClr val="bg1"/>
-      </a:solidFill>
-      <a:ln w="9525" cap="flat" cmpd="sng" algn="ctr">
+      <a:ln w="12700" cap="flat" cmpd="sng" algn="ctr">
         <a:solidFill>
-          <a:schemeClr val="tx1">
-            <a:lumMod val="15000"/>
-            <a:lumOff val="85000"/>
+          <a:schemeClr val="lt1">
+            <a:lumMod val="95000"/>
+            <a:alpha val="54000"/>
           </a:schemeClr>
         </a:solidFill>
         <a:round/>
       </a:ln>
     </cs:spPr>
     <cs:defRPr sz="1197" kern="1200"/>
+  </cs:categoryAxis>
+  <cs:chartArea>
+    <cs:lnRef idx="0"/>
+    <cs:fillRef idx="0"/>
+    <cs:effectRef idx="0"/>
+    <cs:fontRef idx="minor">
+      <a:schemeClr val="dk1"/>
+    </cs:fontRef>
+    <cs:spPr>
+      <a:gradFill flip="none" rotWithShape="1">
+        <a:gsLst>
+          <a:gs pos="0">
+            <a:schemeClr val="dk1">
+              <a:lumMod val="65000"/>
+              <a:lumOff val="35000"/>
+            </a:schemeClr>
+          </a:gs>
+          <a:gs pos="100000">
+            <a:schemeClr val="dk1">
+              <a:lumMod val="85000"/>
+              <a:lumOff val="15000"/>
+            </a:schemeClr>
+          </a:gs>
+        </a:gsLst>
+        <a:path path="circle">
+          <a:fillToRect l="50000" t="50000" r="50000" b="50000"/>
+        </a:path>
+        <a:tileRect/>
+      </a:gradFill>
+    </cs:spPr>
+    <cs:defRPr sz="1330" kern="1200"/>
   </cs:chartArea>
   <cs:dataLabel>
     <cs:lnRef idx="0"/>
     <cs:fillRef idx="0"/>
     <cs:effectRef idx="0"/>
     <cs:fontRef idx="minor">
-      <a:schemeClr val="lt1"/>
+      <a:schemeClr val="lt1">
+        <a:lumMod val="85000"/>
+      </a:schemeClr>
     </cs:fontRef>
-    <cs:defRPr sz="1197" b="1" kern="1200"/>
+    <cs:defRPr sz="1197" kern="1200"/>
   </cs:dataLabel>
   <cs:dataLabelCallout>
     <cs:lnRef idx="0"/>
@@ -3099,14 +3368,6 @@
       <a:solidFill>
         <a:schemeClr val="lt1"/>
       </a:solidFill>
-      <a:ln>
-        <a:solidFill>
-          <a:schemeClr val="dk1">
-            <a:lumMod val="25000"/>
-            <a:lumOff val="75000"/>
-          </a:schemeClr>
-        </a:solidFill>
-      </a:ln>
     </cs:spPr>
     <cs:defRPr sz="1197" kern="1200"/>
     <cs:bodyPr rot="0" spcFirstLastPara="1" vertOverflow="clip" horzOverflow="clip" vert="horz" wrap="square" lIns="36576" tIns="18288" rIns="36576" bIns="18288" anchor="ctr" anchorCtr="1">
@@ -3115,60 +3376,35 @@
   </cs:dataLabelCallout>
   <cs:dataPoint>
     <cs:lnRef idx="0"/>
-    <cs:fillRef idx="0">
+    <cs:fillRef idx="3">
       <cs:styleClr val="auto"/>
     </cs:fillRef>
-    <cs:effectRef idx="0"/>
+    <cs:effectRef idx="3"/>
     <cs:fontRef idx="minor">
       <a:schemeClr val="tx1"/>
     </cs:fontRef>
-    <cs:spPr>
-      <a:solidFill>
-        <a:schemeClr val="phClr"/>
-      </a:solidFill>
-      <a:scene3d>
-        <a:camera prst="orthographicFront"/>
-        <a:lightRig rig="brightRoom" dir="t"/>
-      </a:scene3d>
-      <a:sp3d prstMaterial="flat">
-        <a:bevelT w="50800" h="101600" prst="angle"/>
-        <a:contourClr>
-          <a:srgbClr val="000000"/>
-        </a:contourClr>
-      </a:sp3d>
-    </cs:spPr>
   </cs:dataPoint>
   <cs:dataPoint3D>
     <cs:lnRef idx="0"/>
-    <cs:fillRef idx="0">
+    <cs:fillRef idx="3">
       <cs:styleClr val="auto"/>
     </cs:fillRef>
-    <cs:effectRef idx="0"/>
+    <cs:effectRef idx="3"/>
     <cs:fontRef idx="minor">
       <a:schemeClr val="tx1"/>
     </cs:fontRef>
-    <cs:spPr>
-      <a:solidFill>
-        <a:schemeClr val="phClr"/>
-      </a:solidFill>
-      <a:ln w="19050">
-        <a:solidFill>
-          <a:schemeClr val="lt1"/>
-        </a:solidFill>
-      </a:ln>
-    </cs:spPr>
   </cs:dataPoint3D>
   <cs:dataPointLine>
     <cs:lnRef idx="0">
       <cs:styleClr val="auto"/>
     </cs:lnRef>
-    <cs:fillRef idx="0"/>
-    <cs:effectRef idx="0"/>
+    <cs:fillRef idx="3"/>
+    <cs:effectRef idx="3"/>
     <cs:fontRef idx="minor">
       <a:schemeClr val="tx1"/>
     </cs:fontRef>
     <cs:spPr>
-      <a:ln w="28575" cap="rnd">
+      <a:ln w="34925" cap="rnd">
         <a:solidFill>
           <a:schemeClr val="phClr"/>
         </a:solidFill>
@@ -3177,22 +3413,22 @@
     </cs:spPr>
   </cs:dataPointLine>
   <cs:dataPointMarker>
-    <cs:lnRef idx="0"/>
-    <cs:fillRef idx="0">
+    <cs:lnRef idx="0">
+      <cs:styleClr val="auto"/>
+    </cs:lnRef>
+    <cs:fillRef idx="3">
       <cs:styleClr val="auto"/>
     </cs:fillRef>
-    <cs:effectRef idx="0"/>
+    <cs:effectRef idx="3"/>
     <cs:fontRef idx="minor">
       <a:schemeClr val="tx1"/>
     </cs:fontRef>
     <cs:spPr>
-      <a:solidFill>
-        <a:schemeClr val="phClr"/>
-      </a:solidFill>
       <a:ln w="9525">
         <a:solidFill>
-          <a:schemeClr val="lt1"/>
+          <a:schemeClr val="phClr"/>
         </a:solidFill>
+        <a:round/>
       </a:ln>
     </cs:spPr>
   </cs:dataPointMarker>
@@ -3201,8 +3437,8 @@
     <cs:lnRef idx="0">
       <cs:styleClr val="auto"/>
     </cs:lnRef>
-    <cs:fillRef idx="0"/>
-    <cs:effectRef idx="0"/>
+    <cs:fillRef idx="3"/>
+    <cs:effectRef idx="3"/>
     <cs:fontRef idx="minor">
       <a:schemeClr val="tx1"/>
     </cs:fontRef>
@@ -3220,21 +3456,18 @@
     <cs:fillRef idx="0"/>
     <cs:effectRef idx="0"/>
     <cs:fontRef idx="minor">
-      <a:schemeClr val="tx1">
-        <a:lumMod val="65000"/>
-        <a:lumOff val="35000"/>
+      <a:schemeClr val="lt1">
+        <a:lumMod val="85000"/>
       </a:schemeClr>
     </cs:fontRef>
     <cs:spPr>
-      <a:noFill/>
-      <a:ln w="9525" cap="flat" cmpd="sng" algn="ctr">
+      <a:ln w="9525">
         <a:solidFill>
-          <a:schemeClr val="tx1">
-            <a:lumMod val="15000"/>
-            <a:lumOff val="85000"/>
+          <a:schemeClr val="lt1">
+            <a:lumMod val="95000"/>
+            <a:alpha val="54000"/>
           </a:schemeClr>
         </a:solidFill>
-        <a:round/>
       </a:ln>
     </cs:spPr>
     <cs:defRPr sz="1197" kern="1200"/>
@@ -3253,14 +3486,13 @@
           <a:lumOff val="25000"/>
         </a:schemeClr>
       </a:solidFill>
-      <a:ln w="9525" cap="flat" cmpd="sng" algn="ctr">
+      <a:ln w="9525">
         <a:solidFill>
-          <a:schemeClr val="tx1">
-            <a:lumMod val="65000"/>
-            <a:lumOff val="35000"/>
+          <a:schemeClr val="lt1">
+            <a:lumMod val="95000"/>
+            <a:alpha val="54000"/>
           </a:schemeClr>
         </a:solidFill>
-        <a:round/>
       </a:ln>
     </cs:spPr>
   </cs:downBar>
@@ -3272,14 +3504,14 @@
       <a:schemeClr val="tx1"/>
     </cs:fontRef>
     <cs:spPr>
-      <a:ln w="9525" cap="flat" cmpd="sng" algn="ctr">
+      <a:ln w="9525">
         <a:solidFill>
-          <a:schemeClr val="tx1">
-            <a:lumMod val="35000"/>
-            <a:lumOff val="65000"/>
+          <a:schemeClr val="lt1">
+            <a:lumMod val="95000"/>
+            <a:alpha val="54000"/>
           </a:schemeClr>
         </a:solidFill>
-        <a:round/>
+        <a:prstDash val="dash"/>
       </a:ln>
     </cs:spPr>
   </cs:dropLine>
@@ -3293,9 +3525,8 @@
     <cs:spPr>
       <a:ln w="9525" cap="flat" cmpd="sng" algn="ctr">
         <a:solidFill>
-          <a:schemeClr val="tx1">
-            <a:lumMod val="65000"/>
-            <a:lumOff val="35000"/>
+          <a:schemeClr val="lt1">
+            <a:lumMod val="95000"/>
           </a:schemeClr>
         </a:solidFill>
         <a:round/>
@@ -3309,12 +3540,6 @@
     <cs:fontRef idx="minor">
       <a:schemeClr val="tx1"/>
     </cs:fontRef>
-    <cs:spPr>
-      <a:noFill/>
-      <a:ln>
-        <a:noFill/>
-      </a:ln>
-    </cs:spPr>
   </cs:floor>
   <cs:gridlineMajor>
     <cs:lnRef idx="0"/>
@@ -3326,9 +3551,9 @@
     <cs:spPr>
       <a:ln w="9525" cap="flat" cmpd="sng" algn="ctr">
         <a:solidFill>
-          <a:schemeClr val="tx1">
-            <a:lumMod val="15000"/>
-            <a:lumOff val="85000"/>
+          <a:schemeClr val="lt1">
+            <a:lumMod val="95000"/>
+            <a:alpha val="10000"/>
           </a:schemeClr>
         </a:solidFill>
         <a:round/>
@@ -3343,14 +3568,13 @@
       <a:schemeClr val="tx1"/>
     </cs:fontRef>
     <cs:spPr>
-      <a:ln w="9525" cap="flat" cmpd="sng" algn="ctr">
+      <a:ln>
         <a:solidFill>
-          <a:schemeClr val="tx1">
-            <a:lumMod val="5000"/>
-            <a:lumOff val="95000"/>
+          <a:schemeClr val="lt1">
+            <a:lumMod val="95000"/>
+            <a:alpha val="5000"/>
           </a:schemeClr>
         </a:solidFill>
-        <a:round/>
       </a:ln>
     </cs:spPr>
   </cs:gridlineMinor>
@@ -3362,14 +3586,14 @@
       <a:schemeClr val="tx1"/>
     </cs:fontRef>
     <cs:spPr>
-      <a:ln w="9525" cap="flat" cmpd="sng" algn="ctr">
+      <a:ln w="9525">
         <a:solidFill>
-          <a:schemeClr val="tx1">
-            <a:lumMod val="50000"/>
-            <a:lumOff val="50000"/>
+          <a:schemeClr val="lt1">
+            <a:lumMod val="95000"/>
+            <a:alpha val="54000"/>
           </a:schemeClr>
         </a:solidFill>
-        <a:round/>
+        <a:prstDash val="dash"/>
       </a:ln>
     </cs:spPr>
   </cs:hiLoLine>
@@ -3381,14 +3605,13 @@
       <a:schemeClr val="tx1"/>
     </cs:fontRef>
     <cs:spPr>
-      <a:ln w="9525" cap="flat" cmpd="sng" algn="ctr">
+      <a:ln w="9525">
         <a:solidFill>
-          <a:schemeClr val="tx1">
-            <a:lumMod val="35000"/>
-            <a:lumOff val="65000"/>
+          <a:schemeClr val="lt1">
+            <a:lumMod val="95000"/>
+            <a:alpha val="54000"/>
           </a:schemeClr>
         </a:solidFill>
-        <a:round/>
       </a:ln>
     </cs:spPr>
   </cs:leaderLine>
@@ -3397,14 +3620,13 @@
     <cs:fillRef idx="0"/>
     <cs:effectRef idx="0"/>
     <cs:fontRef idx="minor">
-      <a:schemeClr val="tx1">
-        <a:lumMod val="65000"/>
-        <a:lumOff val="35000"/>
+      <a:schemeClr val="lt1">
+        <a:lumMod val="85000"/>
       </a:schemeClr>
     </cs:fontRef>
     <cs:defRPr sz="1197" kern="1200"/>
   </cs:legend>
-  <cs:plotArea mods="allowNoFillOverride allowNoLineOverride">
+  <cs:plotArea>
     <cs:lnRef idx="0"/>
     <cs:fillRef idx="0"/>
     <cs:effectRef idx="0"/>
@@ -3412,7 +3634,7 @@
       <a:schemeClr val="tx1"/>
     </cs:fontRef>
   </cs:plotArea>
-  <cs:plotArea3D mods="allowNoFillOverride allowNoLineOverride">
+  <cs:plotArea3D>
     <cs:lnRef idx="0"/>
     <cs:fillRef idx="0"/>
     <cs:effectRef idx="0"/>
@@ -3425,11 +3647,21 @@
     <cs:fillRef idx="0"/>
     <cs:effectRef idx="0"/>
     <cs:fontRef idx="minor">
-      <a:schemeClr val="tx1">
-        <a:lumMod val="65000"/>
-        <a:lumOff val="35000"/>
+      <a:schemeClr val="lt1">
+        <a:lumMod val="85000"/>
       </a:schemeClr>
     </cs:fontRef>
+    <cs:spPr>
+      <a:ln w="12700" cap="flat" cmpd="sng" algn="ctr">
+        <a:solidFill>
+          <a:schemeClr val="lt1">
+            <a:lumMod val="95000"/>
+            <a:alpha val="54000"/>
+          </a:schemeClr>
+        </a:solidFill>
+        <a:round/>
+      </a:ln>
+    </cs:spPr>
     <cs:defRPr sz="1197" kern="1200"/>
   </cs:seriesAxis>
   <cs:seriesLine>
@@ -3437,14 +3669,14 @@
     <cs:fillRef idx="0"/>
     <cs:effectRef idx="0"/>
     <cs:fontRef idx="minor">
-      <a:schemeClr val="tx1"/>
+      <a:schemeClr val="lt1"/>
     </cs:fontRef>
     <cs:spPr>
       <a:ln w="9525" cap="flat" cmpd="sng" algn="ctr">
         <a:solidFill>
-          <a:schemeClr val="tx1">
-            <a:lumMod val="35000"/>
-            <a:lumOff val="65000"/>
+          <a:schemeClr val="lt1">
+            <a:lumMod val="95000"/>
+            <a:alpha val="54000"/>
           </a:schemeClr>
         </a:solidFill>
         <a:round/>
@@ -3456,12 +3688,19 @@
     <cs:fillRef idx="0"/>
     <cs:effectRef idx="0"/>
     <cs:fontRef idx="minor">
-      <a:schemeClr val="tx1">
-        <a:lumMod val="65000"/>
-        <a:lumOff val="35000"/>
+      <a:schemeClr val="lt1">
+        <a:lumMod val="95000"/>
       </a:schemeClr>
     </cs:fontRef>
-    <cs:defRPr sz="1862" b="1" i="0" kern="1200" cap="all" spc="50" baseline="0"/>
+    <cs:defRPr sz="2128" b="1" kern="1200" spc="100" baseline="0">
+      <a:effectLst>
+        <a:outerShdw blurRad="50800" dist="38100" dir="5400000" algn="t" rotWithShape="0">
+          <a:prstClr val="black">
+            <a:alpha val="40000"/>
+          </a:prstClr>
+        </a:outerShdw>
+      </a:effectLst>
+    </cs:defRPr>
   </cs:title>
   <cs:trendline>
     <cs:lnRef idx="0">
@@ -3477,7 +3716,6 @@
         <a:solidFill>
           <a:schemeClr val="phClr"/>
         </a:solidFill>
-        <a:prstDash val="sysDash"/>
       </a:ln>
     </cs:spPr>
   </cs:trendline>
@@ -3486,9 +3724,8 @@
     <cs:fillRef idx="0"/>
     <cs:effectRef idx="0"/>
     <cs:fontRef idx="minor">
-      <a:schemeClr val="tx1">
-        <a:lumMod val="65000"/>
-        <a:lumOff val="35000"/>
+      <a:schemeClr val="lt1">
+        <a:lumMod val="85000"/>
       </a:schemeClr>
     </cs:fontRef>
     <cs:defRPr sz="1197" kern="1200"/>
@@ -3504,14 +3741,13 @@
       <a:solidFill>
         <a:schemeClr val="lt1"/>
       </a:solidFill>
-      <a:ln w="9525" cap="flat" cmpd="sng" algn="ctr">
+      <a:ln w="9525">
         <a:solidFill>
-          <a:schemeClr val="tx1">
-            <a:lumMod val="65000"/>
-            <a:lumOff val="35000"/>
+          <a:schemeClr val="lt1">
+            <a:lumMod val="95000"/>
+            <a:alpha val="54000"/>
           </a:schemeClr>
         </a:solidFill>
-        <a:round/>
       </a:ln>
     </cs:spPr>
   </cs:upBar>
@@ -3520,9 +3756,8 @@
     <cs:fillRef idx="0"/>
     <cs:effectRef idx="0"/>
     <cs:fontRef idx="minor">
-      <a:schemeClr val="tx1">
-        <a:lumMod val="65000"/>
-        <a:lumOff val="35000"/>
+      <a:schemeClr val="lt1">
+        <a:lumMod val="85000"/>
       </a:schemeClr>
     </cs:fontRef>
     <cs:defRPr sz="1197" kern="1200"/>
@@ -3534,73 +3769,86 @@
     <cs:fontRef idx="minor">
       <a:schemeClr val="tx1"/>
     </cs:fontRef>
-    <cs:spPr>
-      <a:noFill/>
-      <a:ln>
-        <a:noFill/>
-      </a:ln>
-    </cs:spPr>
   </cs:wall>
 </cs:chartStyle>
 </file>
 
 <file path=ppt/charts/style4.xml><?xml version="1.0" encoding="utf-8"?>
-<cs:chartStyle xmlns:cs="http://schemas.microsoft.com/office/drawing/2012/chartStyle" xmlns:a="http://schemas.openxmlformats.org/drawingml/2006/main" id="258">
+<cs:chartStyle xmlns:cs="http://schemas.microsoft.com/office/drawing/2012/chartStyle" xmlns:a="http://schemas.openxmlformats.org/drawingml/2006/main" id="257">
   <cs:axisTitle>
     <cs:lnRef idx="0"/>
     <cs:fillRef idx="0"/>
     <cs:effectRef idx="0"/>
     <cs:fontRef idx="minor">
-      <a:schemeClr val="tx1">
-        <a:lumMod val="65000"/>
-        <a:lumOff val="35000"/>
+      <a:schemeClr val="lt1">
+        <a:lumMod val="85000"/>
       </a:schemeClr>
     </cs:fontRef>
-    <cs:defRPr sz="1197" kern="1200"/>
+    <cs:defRPr sz="1197" b="1" kern="1200" cap="all"/>
   </cs:axisTitle>
   <cs:categoryAxis>
     <cs:lnRef idx="0"/>
     <cs:fillRef idx="0"/>
     <cs:effectRef idx="0"/>
     <cs:fontRef idx="minor">
-      <a:schemeClr val="tx1">
-        <a:lumMod val="65000"/>
-        <a:lumOff val="35000"/>
+      <a:schemeClr val="lt1">
+        <a:lumMod val="85000"/>
       </a:schemeClr>
     </cs:fontRef>
-    <cs:defRPr sz="1197" kern="1200"/>
-  </cs:categoryAxis>
-  <cs:chartArea mods="allowNoFillOverride allowNoLineOverride">
-    <cs:lnRef idx="0"/>
-    <cs:fillRef idx="0"/>
-    <cs:effectRef idx="0"/>
-    <cs:fontRef idx="minor">
-      <a:schemeClr val="tx1"/>
-    </cs:fontRef>
     <cs:spPr>
-      <a:solidFill>
-        <a:schemeClr val="bg1"/>
-      </a:solidFill>
-      <a:ln w="9525" cap="flat" cmpd="sng" algn="ctr">
+      <a:ln w="12700" cap="flat" cmpd="sng" algn="ctr">
         <a:solidFill>
-          <a:schemeClr val="tx1">
-            <a:lumMod val="15000"/>
-            <a:lumOff val="85000"/>
+          <a:schemeClr val="lt1">
+            <a:lumMod val="95000"/>
+            <a:alpha val="54000"/>
           </a:schemeClr>
         </a:solidFill>
         <a:round/>
       </a:ln>
     </cs:spPr>
     <cs:defRPr sz="1197" kern="1200"/>
+  </cs:categoryAxis>
+  <cs:chartArea>
+    <cs:lnRef idx="0"/>
+    <cs:fillRef idx="0"/>
+    <cs:effectRef idx="0"/>
+    <cs:fontRef idx="minor">
+      <a:schemeClr val="dk1"/>
+    </cs:fontRef>
+    <cs:spPr>
+      <a:gradFill flip="none" rotWithShape="1">
+        <a:gsLst>
+          <a:gs pos="0">
+            <a:schemeClr val="dk1">
+              <a:lumMod val="65000"/>
+              <a:lumOff val="35000"/>
+            </a:schemeClr>
+          </a:gs>
+          <a:gs pos="100000">
+            <a:schemeClr val="dk1">
+              <a:lumMod val="85000"/>
+              <a:lumOff val="15000"/>
+            </a:schemeClr>
+          </a:gs>
+        </a:gsLst>
+        <a:path path="circle">
+          <a:fillToRect l="50000" t="50000" r="50000" b="50000"/>
+        </a:path>
+        <a:tileRect/>
+      </a:gradFill>
+    </cs:spPr>
+    <cs:defRPr sz="1330" kern="1200"/>
   </cs:chartArea>
   <cs:dataLabel>
     <cs:lnRef idx="0"/>
     <cs:fillRef idx="0"/>
     <cs:effectRef idx="0"/>
     <cs:fontRef idx="minor">
-      <a:schemeClr val="lt1"/>
+      <a:schemeClr val="lt1">
+        <a:lumMod val="85000"/>
+      </a:schemeClr>
     </cs:fontRef>
-    <cs:defRPr sz="1197" b="1" kern="1200"/>
+    <cs:defRPr sz="1197" kern="1200"/>
   </cs:dataLabel>
   <cs:dataLabelCallout>
     <cs:lnRef idx="0"/>
@@ -3616,14 +3864,6 @@
       <a:solidFill>
         <a:schemeClr val="lt1"/>
       </a:solidFill>
-      <a:ln>
-        <a:solidFill>
-          <a:schemeClr val="dk1">
-            <a:lumMod val="25000"/>
-            <a:lumOff val="75000"/>
-          </a:schemeClr>
-        </a:solidFill>
-      </a:ln>
     </cs:spPr>
     <cs:defRPr sz="1197" kern="1200"/>
     <cs:bodyPr rot="0" spcFirstLastPara="1" vertOverflow="clip" horzOverflow="clip" vert="horz" wrap="square" lIns="36576" tIns="18288" rIns="36576" bIns="18288" anchor="ctr" anchorCtr="1">
@@ -3632,60 +3872,35 @@
   </cs:dataLabelCallout>
   <cs:dataPoint>
     <cs:lnRef idx="0"/>
-    <cs:fillRef idx="0">
+    <cs:fillRef idx="3">
       <cs:styleClr val="auto"/>
     </cs:fillRef>
-    <cs:effectRef idx="0"/>
+    <cs:effectRef idx="3"/>
     <cs:fontRef idx="minor">
       <a:schemeClr val="tx1"/>
     </cs:fontRef>
-    <cs:spPr>
-      <a:solidFill>
-        <a:schemeClr val="phClr"/>
-      </a:solidFill>
-      <a:scene3d>
-        <a:camera prst="orthographicFront"/>
-        <a:lightRig rig="brightRoom" dir="t"/>
-      </a:scene3d>
-      <a:sp3d prstMaterial="flat">
-        <a:bevelT w="50800" h="101600" prst="angle"/>
-        <a:contourClr>
-          <a:srgbClr val="000000"/>
-        </a:contourClr>
-      </a:sp3d>
-    </cs:spPr>
   </cs:dataPoint>
   <cs:dataPoint3D>
     <cs:lnRef idx="0"/>
-    <cs:fillRef idx="0">
+    <cs:fillRef idx="3">
       <cs:styleClr val="auto"/>
     </cs:fillRef>
-    <cs:effectRef idx="0"/>
+    <cs:effectRef idx="3"/>
     <cs:fontRef idx="minor">
       <a:schemeClr val="tx1"/>
     </cs:fontRef>
-    <cs:spPr>
-      <a:solidFill>
-        <a:schemeClr val="phClr"/>
-      </a:solidFill>
-      <a:ln w="19050">
-        <a:solidFill>
-          <a:schemeClr val="lt1"/>
-        </a:solidFill>
-      </a:ln>
-    </cs:spPr>
   </cs:dataPoint3D>
   <cs:dataPointLine>
     <cs:lnRef idx="0">
       <cs:styleClr val="auto"/>
     </cs:lnRef>
-    <cs:fillRef idx="0"/>
-    <cs:effectRef idx="0"/>
+    <cs:fillRef idx="3"/>
+    <cs:effectRef idx="3"/>
     <cs:fontRef idx="minor">
       <a:schemeClr val="tx1"/>
     </cs:fontRef>
     <cs:spPr>
-      <a:ln w="28575" cap="rnd">
+      <a:ln w="34925" cap="rnd">
         <a:solidFill>
           <a:schemeClr val="phClr"/>
         </a:solidFill>
@@ -3694,22 +3909,22 @@
     </cs:spPr>
   </cs:dataPointLine>
   <cs:dataPointMarker>
-    <cs:lnRef idx="0"/>
-    <cs:fillRef idx="0">
+    <cs:lnRef idx="0">
+      <cs:styleClr val="auto"/>
+    </cs:lnRef>
+    <cs:fillRef idx="3">
       <cs:styleClr val="auto"/>
     </cs:fillRef>
-    <cs:effectRef idx="0"/>
+    <cs:effectRef idx="3"/>
     <cs:fontRef idx="minor">
       <a:schemeClr val="tx1"/>
     </cs:fontRef>
     <cs:spPr>
-      <a:solidFill>
-        <a:schemeClr val="phClr"/>
-      </a:solidFill>
       <a:ln w="9525">
         <a:solidFill>
-          <a:schemeClr val="lt1"/>
+          <a:schemeClr val="phClr"/>
         </a:solidFill>
+        <a:round/>
       </a:ln>
     </cs:spPr>
   </cs:dataPointMarker>
@@ -3718,8 +3933,8 @@
     <cs:lnRef idx="0">
       <cs:styleClr val="auto"/>
     </cs:lnRef>
-    <cs:fillRef idx="0"/>
-    <cs:effectRef idx="0"/>
+    <cs:fillRef idx="3"/>
+    <cs:effectRef idx="3"/>
     <cs:fontRef idx="minor">
       <a:schemeClr val="tx1"/>
     </cs:fontRef>
@@ -3737,21 +3952,18 @@
     <cs:fillRef idx="0"/>
     <cs:effectRef idx="0"/>
     <cs:fontRef idx="minor">
-      <a:schemeClr val="tx1">
-        <a:lumMod val="65000"/>
-        <a:lumOff val="35000"/>
+      <a:schemeClr val="lt1">
+        <a:lumMod val="85000"/>
       </a:schemeClr>
     </cs:fontRef>
     <cs:spPr>
-      <a:noFill/>
-      <a:ln w="9525" cap="flat" cmpd="sng" algn="ctr">
+      <a:ln w="9525">
         <a:solidFill>
-          <a:schemeClr val="tx1">
-            <a:lumMod val="15000"/>
-            <a:lumOff val="85000"/>
+          <a:schemeClr val="lt1">
+            <a:lumMod val="95000"/>
+            <a:alpha val="54000"/>
           </a:schemeClr>
         </a:solidFill>
-        <a:round/>
       </a:ln>
     </cs:spPr>
     <cs:defRPr sz="1197" kern="1200"/>
@@ -3770,14 +3982,13 @@
           <a:lumOff val="25000"/>
         </a:schemeClr>
       </a:solidFill>
-      <a:ln w="9525" cap="flat" cmpd="sng" algn="ctr">
+      <a:ln w="9525">
         <a:solidFill>
-          <a:schemeClr val="tx1">
-            <a:lumMod val="65000"/>
-            <a:lumOff val="35000"/>
+          <a:schemeClr val="lt1">
+            <a:lumMod val="95000"/>
+            <a:alpha val="54000"/>
           </a:schemeClr>
         </a:solidFill>
-        <a:round/>
       </a:ln>
     </cs:spPr>
   </cs:downBar>
@@ -3789,14 +4000,14 @@
       <a:schemeClr val="tx1"/>
     </cs:fontRef>
     <cs:spPr>
-      <a:ln w="9525" cap="flat" cmpd="sng" algn="ctr">
+      <a:ln w="9525">
         <a:solidFill>
-          <a:schemeClr val="tx1">
-            <a:lumMod val="35000"/>
-            <a:lumOff val="65000"/>
+          <a:schemeClr val="lt1">
+            <a:lumMod val="95000"/>
+            <a:alpha val="54000"/>
           </a:schemeClr>
         </a:solidFill>
-        <a:round/>
+        <a:prstDash val="dash"/>
       </a:ln>
     </cs:spPr>
   </cs:dropLine>
@@ -3810,9 +4021,8 @@
     <cs:spPr>
       <a:ln w="9525" cap="flat" cmpd="sng" algn="ctr">
         <a:solidFill>
-          <a:schemeClr val="tx1">
-            <a:lumMod val="65000"/>
-            <a:lumOff val="35000"/>
+          <a:schemeClr val="lt1">
+            <a:lumMod val="95000"/>
           </a:schemeClr>
         </a:solidFill>
         <a:round/>
@@ -3826,12 +4036,6 @@
     <cs:fontRef idx="minor">
       <a:schemeClr val="tx1"/>
     </cs:fontRef>
-    <cs:spPr>
-      <a:noFill/>
-      <a:ln>
-        <a:noFill/>
-      </a:ln>
-    </cs:spPr>
   </cs:floor>
   <cs:gridlineMajor>
     <cs:lnRef idx="0"/>
@@ -3843,9 +4047,9 @@
     <cs:spPr>
       <a:ln w="9525" cap="flat" cmpd="sng" algn="ctr">
         <a:solidFill>
-          <a:schemeClr val="tx1">
-            <a:lumMod val="15000"/>
-            <a:lumOff val="85000"/>
+          <a:schemeClr val="lt1">
+            <a:lumMod val="95000"/>
+            <a:alpha val="10000"/>
           </a:schemeClr>
         </a:solidFill>
         <a:round/>
@@ -3860,14 +4064,13 @@
       <a:schemeClr val="tx1"/>
     </cs:fontRef>
     <cs:spPr>
-      <a:ln w="9525" cap="flat" cmpd="sng" algn="ctr">
+      <a:ln>
         <a:solidFill>
-          <a:schemeClr val="tx1">
-            <a:lumMod val="5000"/>
-            <a:lumOff val="95000"/>
+          <a:schemeClr val="lt1">
+            <a:lumMod val="95000"/>
+            <a:alpha val="5000"/>
           </a:schemeClr>
         </a:solidFill>
-        <a:round/>
       </a:ln>
     </cs:spPr>
   </cs:gridlineMinor>
@@ -3879,14 +4082,14 @@
       <a:schemeClr val="tx1"/>
     </cs:fontRef>
     <cs:spPr>
-      <a:ln w="9525" cap="flat" cmpd="sng" algn="ctr">
+      <a:ln w="9525">
         <a:solidFill>
-          <a:schemeClr val="tx1">
-            <a:lumMod val="50000"/>
-            <a:lumOff val="50000"/>
+          <a:schemeClr val="lt1">
+            <a:lumMod val="95000"/>
+            <a:alpha val="54000"/>
           </a:schemeClr>
         </a:solidFill>
-        <a:round/>
+        <a:prstDash val="dash"/>
       </a:ln>
     </cs:spPr>
   </cs:hiLoLine>
@@ -3898,14 +4101,13 @@
       <a:schemeClr val="tx1"/>
     </cs:fontRef>
     <cs:spPr>
-      <a:ln w="9525" cap="flat" cmpd="sng" algn="ctr">
+      <a:ln w="9525">
         <a:solidFill>
-          <a:schemeClr val="tx1">
-            <a:lumMod val="35000"/>
-            <a:lumOff val="65000"/>
+          <a:schemeClr val="lt1">
+            <a:lumMod val="95000"/>
+            <a:alpha val="54000"/>
           </a:schemeClr>
         </a:solidFill>
-        <a:round/>
       </a:ln>
     </cs:spPr>
   </cs:leaderLine>
@@ -3914,14 +4116,13 @@
     <cs:fillRef idx="0"/>
     <cs:effectRef idx="0"/>
     <cs:fontRef idx="minor">
-      <a:schemeClr val="tx1">
-        <a:lumMod val="65000"/>
-        <a:lumOff val="35000"/>
+      <a:schemeClr val="lt1">
+        <a:lumMod val="85000"/>
       </a:schemeClr>
     </cs:fontRef>
     <cs:defRPr sz="1197" kern="1200"/>
   </cs:legend>
-  <cs:plotArea mods="allowNoFillOverride allowNoLineOverride">
+  <cs:plotArea>
     <cs:lnRef idx="0"/>
     <cs:fillRef idx="0"/>
     <cs:effectRef idx="0"/>
@@ -3929,7 +4130,7 @@
       <a:schemeClr val="tx1"/>
     </cs:fontRef>
   </cs:plotArea>
-  <cs:plotArea3D mods="allowNoFillOverride allowNoLineOverride">
+  <cs:plotArea3D>
     <cs:lnRef idx="0"/>
     <cs:fillRef idx="0"/>
     <cs:effectRef idx="0"/>
@@ -3942,11 +4143,21 @@
     <cs:fillRef idx="0"/>
     <cs:effectRef idx="0"/>
     <cs:fontRef idx="minor">
-      <a:schemeClr val="tx1">
-        <a:lumMod val="65000"/>
-        <a:lumOff val="35000"/>
+      <a:schemeClr val="lt1">
+        <a:lumMod val="85000"/>
       </a:schemeClr>
     </cs:fontRef>
+    <cs:spPr>
+      <a:ln w="12700" cap="flat" cmpd="sng" algn="ctr">
+        <a:solidFill>
+          <a:schemeClr val="lt1">
+            <a:lumMod val="95000"/>
+            <a:alpha val="54000"/>
+          </a:schemeClr>
+        </a:solidFill>
+        <a:round/>
+      </a:ln>
+    </cs:spPr>
     <cs:defRPr sz="1197" kern="1200"/>
   </cs:seriesAxis>
   <cs:seriesLine>
@@ -3954,14 +4165,14 @@
     <cs:fillRef idx="0"/>
     <cs:effectRef idx="0"/>
     <cs:fontRef idx="minor">
-      <a:schemeClr val="tx1"/>
+      <a:schemeClr val="lt1"/>
     </cs:fontRef>
     <cs:spPr>
       <a:ln w="9525" cap="flat" cmpd="sng" algn="ctr">
         <a:solidFill>
-          <a:schemeClr val="tx1">
-            <a:lumMod val="35000"/>
-            <a:lumOff val="65000"/>
+          <a:schemeClr val="lt1">
+            <a:lumMod val="95000"/>
+            <a:alpha val="54000"/>
           </a:schemeClr>
         </a:solidFill>
         <a:round/>
@@ -3973,12 +4184,19 @@
     <cs:fillRef idx="0"/>
     <cs:effectRef idx="0"/>
     <cs:fontRef idx="minor">
-      <a:schemeClr val="tx1">
-        <a:lumMod val="65000"/>
-        <a:lumOff val="35000"/>
+      <a:schemeClr val="lt1">
+        <a:lumMod val="95000"/>
       </a:schemeClr>
     </cs:fontRef>
-    <cs:defRPr sz="1862" b="1" i="0" kern="1200" cap="all" spc="50" baseline="0"/>
+    <cs:defRPr sz="2128" b="1" kern="1200" spc="100" baseline="0">
+      <a:effectLst>
+        <a:outerShdw blurRad="50800" dist="38100" dir="5400000" algn="t" rotWithShape="0">
+          <a:prstClr val="black">
+            <a:alpha val="40000"/>
+          </a:prstClr>
+        </a:outerShdw>
+      </a:effectLst>
+    </cs:defRPr>
   </cs:title>
   <cs:trendline>
     <cs:lnRef idx="0">
@@ -3994,7 +4212,6 @@
         <a:solidFill>
           <a:schemeClr val="phClr"/>
         </a:solidFill>
-        <a:prstDash val="sysDash"/>
       </a:ln>
     </cs:spPr>
   </cs:trendline>
@@ -4003,9 +4220,8 @@
     <cs:fillRef idx="0"/>
     <cs:effectRef idx="0"/>
     <cs:fontRef idx="minor">
-      <a:schemeClr val="tx1">
-        <a:lumMod val="65000"/>
-        <a:lumOff val="35000"/>
+      <a:schemeClr val="lt1">
+        <a:lumMod val="85000"/>
       </a:schemeClr>
     </cs:fontRef>
     <cs:defRPr sz="1197" kern="1200"/>
@@ -4021,14 +4237,13 @@
       <a:solidFill>
         <a:schemeClr val="lt1"/>
       </a:solidFill>
-      <a:ln w="9525" cap="flat" cmpd="sng" algn="ctr">
+      <a:ln w="9525">
         <a:solidFill>
-          <a:schemeClr val="tx1">
-            <a:lumMod val="65000"/>
-            <a:lumOff val="35000"/>
+          <a:schemeClr val="lt1">
+            <a:lumMod val="95000"/>
+            <a:alpha val="54000"/>
           </a:schemeClr>
         </a:solidFill>
-        <a:round/>
       </a:ln>
     </cs:spPr>
   </cs:upBar>
@@ -4037,9 +4252,8 @@
     <cs:fillRef idx="0"/>
     <cs:effectRef idx="0"/>
     <cs:fontRef idx="minor">
-      <a:schemeClr val="tx1">
-        <a:lumMod val="65000"/>
-        <a:lumOff val="35000"/>
+      <a:schemeClr val="lt1">
+        <a:lumMod val="85000"/>
       </a:schemeClr>
     </cs:fontRef>
     <cs:defRPr sz="1197" kern="1200"/>
@@ -4051,12 +4265,6 @@
     <cs:fontRef idx="minor">
       <a:schemeClr val="tx1"/>
     </cs:fontRef>
-    <cs:spPr>
-      <a:noFill/>
-      <a:ln>
-        <a:noFill/>
-      </a:ln>
-    </cs:spPr>
   </cs:wall>
 </cs:chartStyle>
 </file>
@@ -8686,35 +8894,45 @@
       </p:pic>
       <p:sp>
         <p:nvSpPr>
-          <p:cNvPr id="6" name="Rettangolo arrotondato 5"/>
+          <p:cNvPr id="17" name="Rettangolo con angoli arrotondati 16">
+            <a:extLst>
+              <a:ext uri="{FF2B5EF4-FFF2-40B4-BE49-F238E27FC236}">
+                <a16:creationId xmlns:a16="http://schemas.microsoft.com/office/drawing/2014/main" id="{7872C403-9A12-4609-9E57-D686D94651B9}"/>
+              </a:ext>
+            </a:extLst>
+          </p:cNvPr>
           <p:cNvSpPr/>
           <p:nvPr/>
         </p:nvSpPr>
         <p:spPr>
           <a:xfrm>
-            <a:off x="797199" y="273646"/>
-            <a:ext cx="3352800" cy="1702299"/>
+            <a:off x="260059" y="941005"/>
+            <a:ext cx="8657438" cy="5816079"/>
           </a:xfrm>
           <a:prstGeom prst="roundRect">
             <a:avLst/>
           </a:prstGeom>
           <a:solidFill>
-            <a:schemeClr val="accent6">
-              <a:alpha val="25000"/>
-            </a:schemeClr>
+            <a:srgbClr val="BFBFBF">
+              <a:alpha val="80000"/>
+            </a:srgbClr>
           </a:solidFill>
           <a:ln>
-            <a:noFill/>
+            <a:solidFill>
+              <a:schemeClr val="bg1"/>
+            </a:solidFill>
           </a:ln>
         </p:spPr>
         <p:style>
-          <a:lnRef idx="1">
-            <a:schemeClr val="accent1"/>
+          <a:lnRef idx="2">
+            <a:schemeClr val="accent1">
+              <a:shade val="50000"/>
+            </a:schemeClr>
           </a:lnRef>
-          <a:fillRef idx="3">
+          <a:fillRef idx="1">
             <a:schemeClr val="accent1"/>
           </a:fillRef>
-          <a:effectRef idx="2">
+          <a:effectRef idx="0">
             <a:schemeClr val="accent1"/>
           </a:effectRef>
           <a:fontRef idx="minor">
@@ -8727,129 +8945,6 @@
           <a:p>
             <a:pPr algn="ctr"/>
             <a:endParaRPr lang="it-IT"/>
-          </a:p>
-        </p:txBody>
-      </p:sp>
-      <p:sp>
-        <p:nvSpPr>
-          <p:cNvPr id="7" name="Rettangolo 6"/>
-          <p:cNvSpPr/>
-          <p:nvPr/>
-        </p:nvSpPr>
-        <p:spPr>
-          <a:xfrm>
-            <a:off x="901092" y="463075"/>
-            <a:ext cx="3168868" cy="1323439"/>
-          </a:xfrm>
-          <a:prstGeom prst="rect">
-            <a:avLst/>
-          </a:prstGeom>
-        </p:spPr>
-        <p:txBody>
-          <a:bodyPr wrap="square">
-            <a:spAutoFit/>
-          </a:bodyPr>
-          <a:lstStyle/>
-          <a:p>
-            <a:pPr algn="ctr"/>
-            <a:r>
-              <a:rPr lang="it-IT" sz="4000" b="1" dirty="0">
-                <a:ln w="0"/>
-                <a:solidFill>
-                  <a:schemeClr val="bg1"/>
-                </a:solidFill>
-                <a:effectLst>
-                  <a:outerShdw blurRad="38100" dist="19050" dir="2700000" algn="tl" rotWithShape="0">
-                    <a:schemeClr val="dk1">
-                      <a:alpha val="40000"/>
-                    </a:schemeClr>
-                  </a:outerShdw>
-                </a:effectLst>
-              </a:rPr>
-              <a:t>Diagramma di sequenza /3</a:t>
-            </a:r>
-          </a:p>
-        </p:txBody>
-      </p:sp>
-      <p:sp>
-        <p:nvSpPr>
-          <p:cNvPr id="9" name="Rettangolo 8"/>
-          <p:cNvSpPr/>
-          <p:nvPr/>
-        </p:nvSpPr>
-        <p:spPr>
-          <a:xfrm>
-            <a:off x="669833" y="2287981"/>
-            <a:ext cx="3168868" cy="461665"/>
-          </a:xfrm>
-          <a:prstGeom prst="rect">
-            <a:avLst/>
-          </a:prstGeom>
-        </p:spPr>
-        <p:txBody>
-          <a:bodyPr wrap="square">
-            <a:spAutoFit/>
-          </a:bodyPr>
-          <a:lstStyle/>
-          <a:p>
-            <a:pPr algn="ctr"/>
-            <a:r>
-              <a:rPr lang="it-IT" sz="2400" b="1" i="1" dirty="0">
-                <a:ln w="0"/>
-                <a:solidFill>
-                  <a:schemeClr val="bg1"/>
-                </a:solidFill>
-                <a:effectLst>
-                  <a:outerShdw blurRad="38100" dist="19050" dir="2700000" algn="tl" rotWithShape="0">
-                    <a:schemeClr val="dk1">
-                      <a:alpha val="40000"/>
-                    </a:schemeClr>
-                  </a:outerShdw>
-                </a:effectLst>
-              </a:rPr>
-              <a:t>Stampa di grafo</a:t>
-            </a:r>
-          </a:p>
-        </p:txBody>
-      </p:sp>
-      <p:sp>
-        <p:nvSpPr>
-          <p:cNvPr id="10" name="Rettangolo 9"/>
-          <p:cNvSpPr/>
-          <p:nvPr/>
-        </p:nvSpPr>
-        <p:spPr>
-          <a:xfrm>
-            <a:off x="6179375" y="3243359"/>
-            <a:ext cx="3168868" cy="461665"/>
-          </a:xfrm>
-          <a:prstGeom prst="rect">
-            <a:avLst/>
-          </a:prstGeom>
-        </p:spPr>
-        <p:txBody>
-          <a:bodyPr wrap="square">
-            <a:spAutoFit/>
-          </a:bodyPr>
-          <a:lstStyle/>
-          <a:p>
-            <a:pPr algn="ctr"/>
-            <a:r>
-              <a:rPr lang="it-IT" sz="2400" b="1" i="1" dirty="0">
-                <a:ln w="0"/>
-                <a:solidFill>
-                  <a:schemeClr val="bg1"/>
-                </a:solidFill>
-                <a:effectLst>
-                  <a:outerShdw blurRad="38100" dist="19050" dir="2700000" algn="tl" rotWithShape="0">
-                    <a:schemeClr val="dk1">
-                      <a:alpha val="40000"/>
-                    </a:schemeClr>
-                  </a:outerShdw>
-                </a:effectLst>
-              </a:rPr>
-              <a:t>Aggiunta linee</a:t>
-            </a:r>
           </a:p>
         </p:txBody>
       </p:sp>
@@ -9053,62 +9148,6 @@
           </a:p>
         </p:txBody>
       </p:sp>
-      <p:sp>
-        <p:nvSpPr>
-          <p:cNvPr id="3" name="Rettangolo con angoli arrotondati 2">
-            <a:extLst>
-              <a:ext uri="{FF2B5EF4-FFF2-40B4-BE49-F238E27FC236}">
-                <a16:creationId xmlns:a16="http://schemas.microsoft.com/office/drawing/2014/main" id="{438B9C9A-C9C0-43FF-8544-7B1608ED44DA}"/>
-              </a:ext>
-            </a:extLst>
-          </p:cNvPr>
-          <p:cNvSpPr/>
-          <p:nvPr/>
-        </p:nvSpPr>
-        <p:spPr>
-          <a:xfrm>
-            <a:off x="32762" y="2776757"/>
-            <a:ext cx="6413424" cy="3980328"/>
-          </a:xfrm>
-          <a:prstGeom prst="roundRect">
-            <a:avLst/>
-          </a:prstGeom>
-          <a:solidFill>
-            <a:srgbClr val="BFBFBF">
-              <a:alpha val="80000"/>
-            </a:srgbClr>
-          </a:solidFill>
-          <a:ln>
-            <a:solidFill>
-              <a:schemeClr val="bg1"/>
-            </a:solidFill>
-          </a:ln>
-        </p:spPr>
-        <p:style>
-          <a:lnRef idx="2">
-            <a:schemeClr val="accent1">
-              <a:shade val="50000"/>
-            </a:schemeClr>
-          </a:lnRef>
-          <a:fillRef idx="1">
-            <a:schemeClr val="accent1"/>
-          </a:fillRef>
-          <a:effectRef idx="0">
-            <a:schemeClr val="accent1"/>
-          </a:effectRef>
-          <a:fontRef idx="minor">
-            <a:schemeClr val="lt1"/>
-          </a:fontRef>
-        </p:style>
-        <p:txBody>
-          <a:bodyPr rtlCol="0" anchor="ctr"/>
-          <a:lstStyle/>
-          <a:p>
-            <a:pPr algn="ctr"/>
-            <a:endParaRPr lang="it-IT"/>
-          </a:p>
-        </p:txBody>
-      </p:sp>
       <p:pic>
         <p:nvPicPr>
           <p:cNvPr id="14" name="Elemento grafico 13">
@@ -9139,8 +9178,8 @@
         </p:blipFill>
         <p:spPr>
           <a:xfrm>
-            <a:off x="147245" y="2749646"/>
-            <a:ext cx="6152887" cy="4030867"/>
+            <a:off x="442052" y="917357"/>
+            <a:ext cx="8306964" cy="5595923"/>
           </a:xfrm>
           <a:prstGeom prst="rect">
             <a:avLst/>
@@ -9149,10 +9188,10 @@
       </p:pic>
       <p:sp>
         <p:nvSpPr>
-          <p:cNvPr id="4" name="Rettangolo con angoli arrotondati 3">
+          <p:cNvPr id="13" name="Rettangolo arrotondato 5">
             <a:extLst>
               <a:ext uri="{FF2B5EF4-FFF2-40B4-BE49-F238E27FC236}">
-                <a16:creationId xmlns:a16="http://schemas.microsoft.com/office/drawing/2014/main" id="{008E6CDC-021F-4CFB-ADC7-50534DACEBE4}"/>
+                <a16:creationId xmlns:a16="http://schemas.microsoft.com/office/drawing/2014/main" id="{D9AA691C-7F54-4D9E-8340-A566566B2927}"/>
               </a:ext>
             </a:extLst>
           </p:cNvPr>
@@ -9161,33 +9200,29 @@
         </p:nvSpPr>
         <p:spPr>
           <a:xfrm>
-            <a:off x="5304638" y="25836"/>
-            <a:ext cx="3776793" cy="3130332"/>
+            <a:off x="1018492" y="99113"/>
+            <a:ext cx="7073461" cy="755183"/>
           </a:xfrm>
           <a:prstGeom prst="roundRect">
             <a:avLst/>
           </a:prstGeom>
           <a:solidFill>
-            <a:srgbClr val="BFBFBF">
-              <a:alpha val="80000"/>
-            </a:srgbClr>
+            <a:schemeClr val="accent6">
+              <a:alpha val="25000"/>
+            </a:schemeClr>
           </a:solidFill>
           <a:ln>
-            <a:solidFill>
-              <a:schemeClr val="bg1"/>
-            </a:solidFill>
+            <a:noFill/>
           </a:ln>
         </p:spPr>
         <p:style>
-          <a:lnRef idx="2">
-            <a:schemeClr val="accent1">
-              <a:shade val="50000"/>
-            </a:schemeClr>
+          <a:lnRef idx="1">
+            <a:schemeClr val="accent1"/>
           </a:lnRef>
-          <a:fillRef idx="1">
+          <a:fillRef idx="3">
             <a:schemeClr val="accent1"/>
           </a:fillRef>
-          <a:effectRef idx="0">
+          <a:effectRef idx="2">
             <a:schemeClr val="accent1"/>
           </a:effectRef>
           <a:fontRef idx="minor">
@@ -9203,44 +9238,97 @@
           </a:p>
         </p:txBody>
       </p:sp>
-      <p:pic>
-        <p:nvPicPr>
-          <p:cNvPr id="15" name="Elemento grafico 14">
+      <p:sp>
+        <p:nvSpPr>
+          <p:cNvPr id="16" name="Rettangolo 15">
             <a:extLst>
               <a:ext uri="{FF2B5EF4-FFF2-40B4-BE49-F238E27FC236}">
-                <a16:creationId xmlns:a16="http://schemas.microsoft.com/office/drawing/2014/main" id="{13C494B3-4D56-4203-A019-2A93074046D9}"/>
+                <a16:creationId xmlns:a16="http://schemas.microsoft.com/office/drawing/2014/main" id="{A9614362-9EAE-4DAF-A3F3-0D0722D094E1}"/>
               </a:ext>
             </a:extLst>
           </p:cNvPr>
-          <p:cNvPicPr>
-            <a:picLocks noChangeAspect="1"/>
-          </p:cNvPicPr>
+          <p:cNvSpPr/>
           <p:nvPr/>
-        </p:nvPicPr>
-        <p:blipFill rotWithShape="1">
-          <a:blip r:embed="rId5">
-            <a:extLst>
-              <a:ext uri="{28A0092B-C50C-407E-A947-70E740481C1C}">
-                <a14:useLocalDpi xmlns:a14="http://schemas.microsoft.com/office/drawing/2010/main" val="0"/>
-              </a:ext>
-              <a:ext uri="{96DAC541-7B7A-43D3-8B79-37D633B846F1}">
-                <asvg:svgBlip xmlns:asvg="http://schemas.microsoft.com/office/drawing/2016/SVG/main" r:embed="rId6"/>
-              </a:ext>
-            </a:extLst>
-          </a:blip>
-          <a:srcRect l="5619" t="3770" r="61932" b="56719"/>
-          <a:stretch/>
-        </p:blipFill>
+        </p:nvSpPr>
         <p:spPr>
           <a:xfrm>
-            <a:off x="5480376" y="25836"/>
-            <a:ext cx="3174315" cy="2986691"/>
+            <a:off x="1619258" y="122762"/>
+            <a:ext cx="5871928" cy="707886"/>
           </a:xfrm>
           <a:prstGeom prst="rect">
             <a:avLst/>
           </a:prstGeom>
         </p:spPr>
-      </p:pic>
+        <p:txBody>
+          <a:bodyPr wrap="none">
+            <a:spAutoFit/>
+          </a:bodyPr>
+          <a:lstStyle/>
+          <a:p>
+            <a:pPr algn="ctr"/>
+            <a:r>
+              <a:rPr lang="it-IT" sz="4000" b="1" dirty="0">
+                <a:ln w="0"/>
+                <a:solidFill>
+                  <a:schemeClr val="bg1"/>
+                </a:solidFill>
+                <a:effectLst>
+                  <a:outerShdw blurRad="38100" dist="19050" dir="2700000" algn="tl" rotWithShape="0">
+                    <a:schemeClr val="dk1">
+                      <a:alpha val="40000"/>
+                    </a:schemeClr>
+                  </a:outerShdw>
+                </a:effectLst>
+              </a:rPr>
+              <a:t>Diagramma di sequenza /3</a:t>
+            </a:r>
+          </a:p>
+        </p:txBody>
+      </p:sp>
+      <p:sp>
+        <p:nvSpPr>
+          <p:cNvPr id="9" name="Rettangolo 8"/>
+          <p:cNvSpPr/>
+          <p:nvPr/>
+        </p:nvSpPr>
+        <p:spPr>
+          <a:xfrm>
+            <a:off x="1386354" y="5903901"/>
+            <a:ext cx="3168868" cy="461665"/>
+          </a:xfrm>
+          <a:prstGeom prst="rect">
+            <a:avLst/>
+          </a:prstGeom>
+        </p:spPr>
+        <p:txBody>
+          <a:bodyPr wrap="square">
+            <a:spAutoFit/>
+          </a:bodyPr>
+          <a:lstStyle/>
+          <a:p>
+            <a:pPr algn="ctr"/>
+            <a:r>
+              <a:rPr lang="it-IT" sz="2400" b="1" i="1" dirty="0">
+                <a:ln w="0"/>
+                <a:solidFill>
+                  <a:schemeClr val="tx1">
+                    <a:lumMod val="85000"/>
+                    <a:lumOff val="15000"/>
+                  </a:schemeClr>
+                </a:solidFill>
+                <a:effectLst>
+                  <a:outerShdw blurRad="38100" dist="19050" dir="2700000" algn="tl" rotWithShape="0">
+                    <a:schemeClr val="dk1">
+                      <a:alpha val="40000"/>
+                    </a:schemeClr>
+                  </a:outerShdw>
+                </a:effectLst>
+              </a:rPr>
+              <a:t>Stampa di un grafo</a:t>
+            </a:r>
+          </a:p>
+        </p:txBody>
+      </p:sp>
     </p:spTree>
     <p:extLst>
       <p:ext uri="{BB962C8B-B14F-4D97-AF65-F5344CB8AC3E}">
@@ -11947,7 +12035,7 @@
           <p:nvPr>
             <p:extLst>
               <p:ext uri="{D42A27DB-BD31-4B8C-83A1-F6EECF244321}">
-                <p14:modId xmlns:p14="http://schemas.microsoft.com/office/powerpoint/2010/main" val="89818841"/>
+                <p14:modId xmlns:p14="http://schemas.microsoft.com/office/powerpoint/2010/main" val="588791062"/>
               </p:ext>
             </p:extLst>
           </p:nvPr>
@@ -14745,7 +14833,7 @@
           <p:nvPr>
             <p:extLst>
               <p:ext uri="{D42A27DB-BD31-4B8C-83A1-F6EECF244321}">
-                <p14:modId xmlns:p14="http://schemas.microsoft.com/office/powerpoint/2010/main" val="924868219"/>
+                <p14:modId xmlns:p14="http://schemas.microsoft.com/office/powerpoint/2010/main" val="2642763238"/>
               </p:ext>
             </p:extLst>
           </p:nvPr>
@@ -14773,7 +14861,7 @@
           <p:nvPr>
             <p:extLst>
               <p:ext uri="{D42A27DB-BD31-4B8C-83A1-F6EECF244321}">
-                <p14:modId xmlns:p14="http://schemas.microsoft.com/office/powerpoint/2010/main" val="966662329"/>
+                <p14:modId xmlns:p14="http://schemas.microsoft.com/office/powerpoint/2010/main" val="2445601682"/>
               </p:ext>
             </p:extLst>
           </p:nvPr>
@@ -19741,8 +19829,21 @@
                   <a:schemeClr val="bg1"/>
                 </a:solidFill>
               </a:rPr>
-              <a:t>   Adapter</a:t>
+              <a:t>   </a:t>
             </a:r>
+            <a:r>
+              <a:rPr lang="it-IT" sz="2800" dirty="0" err="1">
+                <a:solidFill>
+                  <a:schemeClr val="bg1"/>
+                </a:solidFill>
+              </a:rPr>
+              <a:t>Facade</a:t>
+            </a:r>
+            <a:endParaRPr lang="it-IT" sz="2800" dirty="0">
+              <a:solidFill>
+                <a:schemeClr val="bg1"/>
+              </a:solidFill>
+            </a:endParaRPr>
           </a:p>
           <a:p>
             <a:pPr lvl="4">
@@ -19779,7 +19880,7 @@
                   <a:schemeClr val="bg1"/>
                 </a:solidFill>
               </a:rPr>
-              <a:t> al fine di renderle  </a:t>
+              <a:t> al fine di fornire   </a:t>
             </a:r>
           </a:p>
           <a:p>
@@ -19792,106 +19893,8 @@
                   <a:schemeClr val="bg1"/>
                 </a:solidFill>
               </a:rPr>
-              <a:t>      pienamente compatibili con il paradigma ad oggetti  </a:t>
+              <a:t>      un’interfaccia semplice e facile da implementare</a:t>
             </a:r>
-          </a:p>
-          <a:p>
-            <a:pPr marL="1028700" lvl="4" indent="0">
-              <a:buNone/>
-            </a:pPr>
-            <a:r>
-              <a:rPr lang="it-IT" sz="2088" dirty="0">
-                <a:solidFill>
-                  <a:schemeClr val="bg1"/>
-                </a:solidFill>
-              </a:rPr>
-              <a:t>      e con il </a:t>
-            </a:r>
-            <a:r>
-              <a:rPr lang="it-IT" sz="2088" dirty="0" err="1">
-                <a:solidFill>
-                  <a:schemeClr val="bg1"/>
-                </a:solidFill>
-              </a:rPr>
-              <a:t>framework</a:t>
-            </a:r>
-            <a:r>
-              <a:rPr lang="it-IT" sz="2088" dirty="0">
-                <a:solidFill>
-                  <a:schemeClr val="bg1"/>
-                </a:solidFill>
-              </a:rPr>
-              <a:t> </a:t>
-            </a:r>
-            <a:r>
-              <a:rPr lang="it-IT" sz="2088" dirty="0" err="1">
-                <a:solidFill>
-                  <a:schemeClr val="bg1"/>
-                </a:solidFill>
-              </a:rPr>
-              <a:t>Qt</a:t>
-            </a:r>
-            <a:endParaRPr lang="it-IT" sz="2088" dirty="0">
-              <a:solidFill>
-                <a:schemeClr val="bg1"/>
-              </a:solidFill>
-            </a:endParaRPr>
-          </a:p>
-        </p:txBody>
-      </p:sp>
-      <p:sp>
-        <p:nvSpPr>
-          <p:cNvPr id="10" name="Rettangolo con angoli arrotondati 9">
-            <a:extLst>
-              <a:ext uri="{FF2B5EF4-FFF2-40B4-BE49-F238E27FC236}">
-                <a16:creationId xmlns:a16="http://schemas.microsoft.com/office/drawing/2014/main" id="{8C130292-F239-4C53-B213-C26DA7D9F893}"/>
-              </a:ext>
-            </a:extLst>
-          </p:cNvPr>
-          <p:cNvSpPr/>
-          <p:nvPr/>
-        </p:nvSpPr>
-        <p:spPr>
-          <a:xfrm>
-            <a:off x="1366418" y="0"/>
-            <a:ext cx="7777581" cy="6858000"/>
-          </a:xfrm>
-          <a:prstGeom prst="roundRect">
-            <a:avLst/>
-          </a:prstGeom>
-          <a:solidFill>
-            <a:srgbClr val="BFBFBF">
-              <a:alpha val="80000"/>
-            </a:srgbClr>
-          </a:solidFill>
-          <a:ln>
-            <a:solidFill>
-              <a:schemeClr val="bg1"/>
-            </a:solidFill>
-          </a:ln>
-        </p:spPr>
-        <p:style>
-          <a:lnRef idx="2">
-            <a:schemeClr val="accent1">
-              <a:shade val="50000"/>
-            </a:schemeClr>
-          </a:lnRef>
-          <a:fillRef idx="1">
-            <a:schemeClr val="accent1"/>
-          </a:fillRef>
-          <a:effectRef idx="0">
-            <a:schemeClr val="accent1"/>
-          </a:effectRef>
-          <a:fontRef idx="minor">
-            <a:schemeClr val="lt1"/>
-          </a:fontRef>
-        </p:style>
-        <p:txBody>
-          <a:bodyPr rtlCol="0" anchor="ctr"/>
-          <a:lstStyle/>
-          <a:p>
-            <a:pPr algn="ctr"/>
-            <a:endParaRPr lang="it-IT"/>
           </a:p>
         </p:txBody>
       </p:sp>
@@ -20095,44 +20098,6 @@
           </a:p>
         </p:txBody>
       </p:sp>
-      <p:pic>
-        <p:nvPicPr>
-          <p:cNvPr id="11" name="Elemento grafico 10">
-            <a:extLst>
-              <a:ext uri="{FF2B5EF4-FFF2-40B4-BE49-F238E27FC236}">
-                <a16:creationId xmlns:a16="http://schemas.microsoft.com/office/drawing/2014/main" id="{E4EFF52B-CAA1-4B99-917E-CE8AB7814042}"/>
-              </a:ext>
-            </a:extLst>
-          </p:cNvPr>
-          <p:cNvPicPr>
-            <a:picLocks noChangeAspect="1"/>
-          </p:cNvPicPr>
-          <p:nvPr/>
-        </p:nvPicPr>
-        <p:blipFill rotWithShape="1">
-          <a:blip r:embed="rId3">
-            <a:extLst>
-              <a:ext uri="{28A0092B-C50C-407E-A947-70E740481C1C}">
-                <a14:useLocalDpi xmlns:a14="http://schemas.microsoft.com/office/drawing/2010/main" val="0"/>
-              </a:ext>
-              <a:ext uri="{96DAC541-7B7A-43D3-8B79-37D633B846F1}">
-                <asvg:svgBlip xmlns:asvg="http://schemas.microsoft.com/office/drawing/2016/SVG/main" r:embed="rId4"/>
-              </a:ext>
-            </a:extLst>
-          </a:blip>
-          <a:srcRect r="11465" b="39456"/>
-          <a:stretch/>
-        </p:blipFill>
-        <p:spPr>
-          <a:xfrm>
-            <a:off x="1547596" y="153351"/>
-            <a:ext cx="7352660" cy="6542595"/>
-          </a:xfrm>
-          <a:prstGeom prst="rect">
-            <a:avLst/>
-          </a:prstGeom>
-        </p:spPr>
-      </p:pic>
     </p:spTree>
     <p:extLst>
       <p:ext uri="{BB962C8B-B14F-4D97-AF65-F5344CB8AC3E}">
@@ -20167,178 +20132,14 @@
                             </p:stCondLst>
                             <p:childTnLst>
                               <p:par>
-                                <p:cTn id="5" presetID="2" presetClass="exit" presetSubtype="4" fill="hold" grpId="0" nodeType="clickEffect">
-                                  <p:stCondLst>
-                                    <p:cond delay="0"/>
-                                  </p:stCondLst>
-                                  <p:childTnLst>
-                                    <p:anim calcmode="lin" valueType="num">
-                                      <p:cBhvr additive="base">
-                                        <p:cTn id="6" dur="500"/>
-                                        <p:tgtEl>
-                                          <p:spTgt spid="10"/>
-                                        </p:tgtEl>
-                                        <p:attrNameLst>
-                                          <p:attrName>ppt_x</p:attrName>
-                                        </p:attrNameLst>
-                                      </p:cBhvr>
-                                      <p:tavLst>
-                                        <p:tav tm="0">
-                                          <p:val>
-                                            <p:strVal val="ppt_x"/>
-                                          </p:val>
-                                        </p:tav>
-                                        <p:tav tm="100000">
-                                          <p:val>
-                                            <p:strVal val="ppt_x"/>
-                                          </p:val>
-                                        </p:tav>
-                                      </p:tavLst>
-                                    </p:anim>
-                                    <p:anim calcmode="lin" valueType="num">
-                                      <p:cBhvr additive="base">
-                                        <p:cTn id="7" dur="500"/>
-                                        <p:tgtEl>
-                                          <p:spTgt spid="10"/>
-                                        </p:tgtEl>
-                                        <p:attrNameLst>
-                                          <p:attrName>ppt_y</p:attrName>
-                                        </p:attrNameLst>
-                                      </p:cBhvr>
-                                      <p:tavLst>
-                                        <p:tav tm="0">
-                                          <p:val>
-                                            <p:strVal val="ppt_y"/>
-                                          </p:val>
-                                        </p:tav>
-                                        <p:tav tm="100000">
-                                          <p:val>
-                                            <p:strVal val="1+ppt_h/2"/>
-                                          </p:val>
-                                        </p:tav>
-                                      </p:tavLst>
-                                    </p:anim>
-                                    <p:set>
-                                      <p:cBhvr>
-                                        <p:cTn id="8" dur="1" fill="hold">
-                                          <p:stCondLst>
-                                            <p:cond delay="499"/>
-                                          </p:stCondLst>
-                                        </p:cTn>
-                                        <p:tgtEl>
-                                          <p:spTgt spid="10"/>
-                                        </p:tgtEl>
-                                        <p:attrNameLst>
-                                          <p:attrName>style.visibility</p:attrName>
-                                        </p:attrNameLst>
-                                      </p:cBhvr>
-                                      <p:to>
-                                        <p:strVal val="hidden"/>
-                                      </p:to>
-                                    </p:set>
-                                  </p:childTnLst>
-                                </p:cTn>
-                              </p:par>
-                              <p:par>
-                                <p:cTn id="9" presetID="2" presetClass="exit" presetSubtype="4" fill="hold" nodeType="withEffect">
-                                  <p:stCondLst>
-                                    <p:cond delay="0"/>
-                                  </p:stCondLst>
-                                  <p:childTnLst>
-                                    <p:anim calcmode="lin" valueType="num">
-                                      <p:cBhvr additive="base">
-                                        <p:cTn id="10" dur="500"/>
-                                        <p:tgtEl>
-                                          <p:spTgt spid="11"/>
-                                        </p:tgtEl>
-                                        <p:attrNameLst>
-                                          <p:attrName>ppt_x</p:attrName>
-                                        </p:attrNameLst>
-                                      </p:cBhvr>
-                                      <p:tavLst>
-                                        <p:tav tm="0">
-                                          <p:val>
-                                            <p:strVal val="ppt_x"/>
-                                          </p:val>
-                                        </p:tav>
-                                        <p:tav tm="100000">
-                                          <p:val>
-                                            <p:strVal val="ppt_x"/>
-                                          </p:val>
-                                        </p:tav>
-                                      </p:tavLst>
-                                    </p:anim>
-                                    <p:anim calcmode="lin" valueType="num">
-                                      <p:cBhvr additive="base">
-                                        <p:cTn id="11" dur="500"/>
-                                        <p:tgtEl>
-                                          <p:spTgt spid="11"/>
-                                        </p:tgtEl>
-                                        <p:attrNameLst>
-                                          <p:attrName>ppt_y</p:attrName>
-                                        </p:attrNameLst>
-                                      </p:cBhvr>
-                                      <p:tavLst>
-                                        <p:tav tm="0">
-                                          <p:val>
-                                            <p:strVal val="ppt_y"/>
-                                          </p:val>
-                                        </p:tav>
-                                        <p:tav tm="100000">
-                                          <p:val>
-                                            <p:strVal val="1+ppt_h/2"/>
-                                          </p:val>
-                                        </p:tav>
-                                      </p:tavLst>
-                                    </p:anim>
-                                    <p:set>
-                                      <p:cBhvr>
-                                        <p:cTn id="12" dur="1" fill="hold">
-                                          <p:stCondLst>
-                                            <p:cond delay="499"/>
-                                          </p:stCondLst>
-                                        </p:cTn>
-                                        <p:tgtEl>
-                                          <p:spTgt spid="11"/>
-                                        </p:tgtEl>
-                                        <p:attrNameLst>
-                                          <p:attrName>style.visibility</p:attrName>
-                                        </p:attrNameLst>
-                                      </p:cBhvr>
-                                      <p:to>
-                                        <p:strVal val="hidden"/>
-                                      </p:to>
-                                    </p:set>
-                                  </p:childTnLst>
-                                </p:cTn>
-                              </p:par>
-                            </p:childTnLst>
-                          </p:cTn>
-                        </p:par>
-                      </p:childTnLst>
-                    </p:cTn>
-                  </p:par>
-                  <p:par>
-                    <p:cTn id="13" fill="hold">
-                      <p:stCondLst>
-                        <p:cond delay="indefinite"/>
-                      </p:stCondLst>
-                      <p:childTnLst>
-                        <p:par>
-                          <p:cTn id="14" fill="hold">
-                            <p:stCondLst>
-                              <p:cond delay="0"/>
-                            </p:stCondLst>
-                            <p:childTnLst>
-                              <p:par>
-                                <p:cTn id="15" presetID="2" presetClass="entr" presetSubtype="4" fill="hold" grpId="0" nodeType="clickEffect">
+                                <p:cTn id="5" presetID="2" presetClass="entr" presetSubtype="4" fill="hold" grpId="0" nodeType="clickEffect">
                                   <p:stCondLst>
                                     <p:cond delay="0"/>
                                   </p:stCondLst>
                                   <p:childTnLst>
                                     <p:set>
                                       <p:cBhvr>
-                                        <p:cTn id="16" dur="1" fill="hold">
+                                        <p:cTn id="6" dur="1" fill="hold">
                                           <p:stCondLst>
                                             <p:cond delay="0"/>
                                           </p:stCondLst>
@@ -20356,7 +20157,7 @@
                                     </p:set>
                                     <p:anim calcmode="lin" valueType="num">
                                       <p:cBhvr additive="base">
-                                        <p:cTn id="17" dur="500" fill="hold"/>
+                                        <p:cTn id="7" dur="500" fill="hold"/>
                                         <p:tgtEl>
                                           <p:spTgt spid="7"/>
                                         </p:tgtEl>
@@ -20379,7 +20180,7 @@
                                     </p:anim>
                                     <p:anim calcmode="lin" valueType="num">
                                       <p:cBhvr additive="base">
-                                        <p:cTn id="18" dur="500" fill="hold"/>
+                                        <p:cTn id="8" dur="500" fill="hold"/>
                                         <p:tgtEl>
                                           <p:spTgt spid="7"/>
                                         </p:tgtEl>
@@ -20432,7 +20233,6 @@
     </p:tnLst>
     <p:bldLst>
       <p:bldP spid="7" grpId="0"/>
-      <p:bldP spid="10" grpId="0" animBg="1"/>
     </p:bldLst>
   </p:timing>
 </p:sld>
@@ -21420,93 +21220,6 @@
       </p:pic>
       <p:sp>
         <p:nvSpPr>
-          <p:cNvPr id="6" name="Rettangolo arrotondato 5"/>
-          <p:cNvSpPr/>
-          <p:nvPr/>
-        </p:nvSpPr>
-        <p:spPr>
-          <a:xfrm>
-            <a:off x="1035270" y="86674"/>
-            <a:ext cx="7073461" cy="755183"/>
-          </a:xfrm>
-          <a:prstGeom prst="roundRect">
-            <a:avLst/>
-          </a:prstGeom>
-          <a:solidFill>
-            <a:schemeClr val="accent6">
-              <a:alpha val="25000"/>
-            </a:schemeClr>
-          </a:solidFill>
-          <a:ln>
-            <a:noFill/>
-          </a:ln>
-        </p:spPr>
-        <p:style>
-          <a:lnRef idx="1">
-            <a:schemeClr val="accent1"/>
-          </a:lnRef>
-          <a:fillRef idx="3">
-            <a:schemeClr val="accent1"/>
-          </a:fillRef>
-          <a:effectRef idx="2">
-            <a:schemeClr val="accent1"/>
-          </a:effectRef>
-          <a:fontRef idx="minor">
-            <a:schemeClr val="lt1"/>
-          </a:fontRef>
-        </p:style>
-        <p:txBody>
-          <a:bodyPr rtlCol="0" anchor="ctr"/>
-          <a:lstStyle/>
-          <a:p>
-            <a:pPr algn="ctr"/>
-            <a:endParaRPr lang="it-IT"/>
-          </a:p>
-        </p:txBody>
-      </p:sp>
-      <p:sp>
-        <p:nvSpPr>
-          <p:cNvPr id="7" name="Rettangolo 6"/>
-          <p:cNvSpPr/>
-          <p:nvPr/>
-        </p:nvSpPr>
-        <p:spPr>
-          <a:xfrm>
-            <a:off x="1635587" y="110323"/>
-            <a:ext cx="5872826" cy="707886"/>
-          </a:xfrm>
-          <a:prstGeom prst="rect">
-            <a:avLst/>
-          </a:prstGeom>
-        </p:spPr>
-        <p:txBody>
-          <a:bodyPr wrap="none">
-            <a:spAutoFit/>
-          </a:bodyPr>
-          <a:lstStyle/>
-          <a:p>
-            <a:pPr algn="ctr"/>
-            <a:r>
-              <a:rPr lang="it-IT" sz="4000" b="1" dirty="0">
-                <a:ln w="0"/>
-                <a:solidFill>
-                  <a:schemeClr val="bg1"/>
-                </a:solidFill>
-                <a:effectLst>
-                  <a:outerShdw blurRad="38100" dist="19050" dir="2700000" algn="tl" rotWithShape="0">
-                    <a:schemeClr val="dk1">
-                      <a:alpha val="40000"/>
-                    </a:schemeClr>
-                  </a:outerShdw>
-                </a:effectLst>
-              </a:rPr>
-              <a:t>Diagramma di sequenza /1</a:t>
-            </a:r>
-          </a:p>
-        </p:txBody>
-      </p:sp>
-      <p:sp>
-        <p:nvSpPr>
           <p:cNvPr id="11" name="Rettangolo con angoli arrotondati 10">
             <a:extLst>
               <a:ext uri="{FF2B5EF4-FFF2-40B4-BE49-F238E27FC236}">
@@ -21843,6 +21556,105 @@
           </a:prstGeom>
         </p:spPr>
       </p:pic>
+      <p:sp>
+        <p:nvSpPr>
+          <p:cNvPr id="13" name="Rettangolo arrotondato 5">
+            <a:extLst>
+              <a:ext uri="{FF2B5EF4-FFF2-40B4-BE49-F238E27FC236}">
+                <a16:creationId xmlns:a16="http://schemas.microsoft.com/office/drawing/2014/main" id="{800BBE8F-12A8-42AC-81B0-33070B2C1750}"/>
+              </a:ext>
+            </a:extLst>
+          </p:cNvPr>
+          <p:cNvSpPr/>
+          <p:nvPr/>
+        </p:nvSpPr>
+        <p:spPr>
+          <a:xfrm>
+            <a:off x="1018492" y="99113"/>
+            <a:ext cx="7073461" cy="755183"/>
+          </a:xfrm>
+          <a:prstGeom prst="roundRect">
+            <a:avLst/>
+          </a:prstGeom>
+          <a:solidFill>
+            <a:schemeClr val="accent6">
+              <a:alpha val="25000"/>
+            </a:schemeClr>
+          </a:solidFill>
+          <a:ln>
+            <a:noFill/>
+          </a:ln>
+        </p:spPr>
+        <p:style>
+          <a:lnRef idx="1">
+            <a:schemeClr val="accent1"/>
+          </a:lnRef>
+          <a:fillRef idx="3">
+            <a:schemeClr val="accent1"/>
+          </a:fillRef>
+          <a:effectRef idx="2">
+            <a:schemeClr val="accent1"/>
+          </a:effectRef>
+          <a:fontRef idx="minor">
+            <a:schemeClr val="lt1"/>
+          </a:fontRef>
+        </p:style>
+        <p:txBody>
+          <a:bodyPr rtlCol="0" anchor="ctr"/>
+          <a:lstStyle/>
+          <a:p>
+            <a:pPr algn="ctr"/>
+            <a:endParaRPr lang="it-IT"/>
+          </a:p>
+        </p:txBody>
+      </p:sp>
+      <p:sp>
+        <p:nvSpPr>
+          <p:cNvPr id="14" name="Rettangolo 13">
+            <a:extLst>
+              <a:ext uri="{FF2B5EF4-FFF2-40B4-BE49-F238E27FC236}">
+                <a16:creationId xmlns:a16="http://schemas.microsoft.com/office/drawing/2014/main" id="{62B7FB71-D015-415A-B86F-B27CE68AD407}"/>
+              </a:ext>
+            </a:extLst>
+          </p:cNvPr>
+          <p:cNvSpPr/>
+          <p:nvPr/>
+        </p:nvSpPr>
+        <p:spPr>
+          <a:xfrm>
+            <a:off x="1619258" y="122762"/>
+            <a:ext cx="5871928" cy="707886"/>
+          </a:xfrm>
+          <a:prstGeom prst="rect">
+            <a:avLst/>
+          </a:prstGeom>
+        </p:spPr>
+        <p:txBody>
+          <a:bodyPr wrap="none">
+            <a:spAutoFit/>
+          </a:bodyPr>
+          <a:lstStyle/>
+          <a:p>
+            <a:pPr algn="ctr"/>
+            <a:r>
+              <a:rPr lang="it-IT" sz="4000" b="1" dirty="0">
+                <a:ln w="0"/>
+                <a:solidFill>
+                  <a:schemeClr val="bg1"/>
+                </a:solidFill>
+                <a:effectLst>
+                  <a:outerShdw blurRad="38100" dist="19050" dir="2700000" algn="tl" rotWithShape="0">
+                    <a:schemeClr val="dk1">
+                      <a:alpha val="40000"/>
+                    </a:schemeClr>
+                  </a:outerShdw>
+                </a:effectLst>
+              </a:rPr>
+              <a:t>Diagramma di sequenza /1</a:t>
+            </a:r>
+          </a:p>
+        </p:txBody>
+      </p:sp>
     </p:spTree>
     <p:extLst>
       <p:ext uri="{BB962C8B-B14F-4D97-AF65-F5344CB8AC3E}">

--- a/Presentazioni/Presentazioni PB/Presentazione PB.pptx
+++ b/Presentazioni/Presentazioni PB/Presentazione PB.pptx
@@ -196,6 +196,7 @@
               </c:strCache>
             </c:strRef>
           </c:tx>
+          <c:explosion val="14"/>
           <c:dPt>
             <c:idx val="0"/>
             <c:bubble3D val="0"/>
@@ -399,7 +400,7 @@
               <a:lstStyle/>
               <a:p>
                 <a:pPr>
-                  <a:defRPr sz="1197" b="0" i="0" u="none" strike="noStrike" kern="1200" baseline="0">
+                  <a:defRPr sz="1197" b="1" i="0" u="none" strike="noStrike" kern="1200" baseline="0">
                     <a:solidFill>
                       <a:schemeClr val="lt1">
                         <a:lumMod val="85000"/>
@@ -444,10 +445,10 @@
               <c:strCache>
                 <c:ptCount val="2"/>
                 <c:pt idx="0">
-                  <c:v>Soddisfatti</c:v>
+                  <c:v>Coperti</c:v>
                 </c:pt>
                 <c:pt idx="1">
-                  <c:v>Insoddisfatti</c:v>
+                  <c:v>Non coperti</c:v>
                 </c:pt>
               </c:strCache>
             </c:strRef>
@@ -533,7 +534,6 @@
     </c:legend>
     <c:plotVisOnly val="1"/>
     <c:dispBlanksAs val="gap"/>
-    <c:showDLblsOverMax val="0"/>
     <c:extLst>
       <c:ext xmlns:c16r3="http://schemas.microsoft.com/office/drawing/2017/03/chart" uri="{56B9EC1D-385E-4148-901F-78D8002777C0}">
         <c16r3:dataDisplayOptions16>
@@ -541,6 +541,7 @@
         </c16r3:dataDisplayOptions16>
       </c:ext>
     </c:extLst>
+    <c:showDLblsOverMax val="0"/>
   </c:chart>
   <c:spPr>
     <a:noFill/>
@@ -666,6 +667,7 @@
               </c:strCache>
             </c:strRef>
           </c:tx>
+          <c:explosion val="19"/>
           <c:dPt>
             <c:idx val="0"/>
             <c:bubble3D val="0"/>
@@ -891,7 +893,7 @@
               <a:lstStyle/>
               <a:p>
                 <a:pPr>
-                  <a:defRPr sz="1197" b="0" i="0" u="none" strike="noStrike" kern="1200" baseline="0">
+                  <a:defRPr sz="1197" b="1" i="0" u="none" strike="noStrike" kern="1200" baseline="0">
                     <a:solidFill>
                       <a:schemeClr val="lt1">
                         <a:lumMod val="85000"/>
@@ -936,10 +938,10 @@
               <c:strCache>
                 <c:ptCount val="2"/>
                 <c:pt idx="0">
-                  <c:v>Soddisfatti</c:v>
+                  <c:v>Coperti</c:v>
                 </c:pt>
                 <c:pt idx="1">
-                  <c:v>Insoddisfatti</c:v>
+                  <c:v>Non coperti</c:v>
                 </c:pt>
               </c:strCache>
             </c:strRef>
@@ -1025,7 +1027,6 @@
     </c:legend>
     <c:plotVisOnly val="1"/>
     <c:dispBlanksAs val="gap"/>
-    <c:showDLblsOverMax val="0"/>
     <c:extLst>
       <c:ext xmlns:c16r3="http://schemas.microsoft.com/office/drawing/2017/03/chart" uri="{56B9EC1D-385E-4148-901F-78D8002777C0}">
         <c16r3:dataDisplayOptions16>
@@ -1033,6 +1034,7 @@
         </c16r3:dataDisplayOptions16>
       </c:ext>
     </c:extLst>
+    <c:showDLblsOverMax val="0"/>
   </c:chart>
   <c:spPr>
     <a:noFill/>
@@ -1160,6 +1162,7 @@
           <c:dPt>
             <c:idx val="0"/>
             <c:bubble3D val="0"/>
+            <c:explosion val="12"/>
             <c:spPr>
               <a:gradFill rotWithShape="1">
                 <a:gsLst>
@@ -1292,6 +1295,11 @@
                 </a:outerShdw>
               </a:effectLst>
             </c:spPr>
+            <c:extLst>
+              <c:ext xmlns:c16="http://schemas.microsoft.com/office/drawing/2014/chart" uri="{C3380CC4-5D6E-409C-BE32-E72D297353CC}">
+                <c16:uniqueId val="{00000005-0EB3-4D17-B5BE-F82AAA31C1E0}"/>
+              </c:ext>
+            </c:extLst>
           </c:dPt>
           <c:dPt>
             <c:idx val="3"/>
@@ -1334,6 +1342,11 @@
                 </a:outerShdw>
               </a:effectLst>
             </c:spPr>
+            <c:extLst>
+              <c:ext xmlns:c16="http://schemas.microsoft.com/office/drawing/2014/chart" uri="{C3380CC4-5D6E-409C-BE32-E72D297353CC}">
+                <c16:uniqueId val="{00000007-0EB3-4D17-B5BE-F82AAA31C1E0}"/>
+              </c:ext>
+            </c:extLst>
           </c:dPt>
           <c:dLbls>
             <c:dLbl>
@@ -1416,7 +1429,7 @@
               <a:lstStyle/>
               <a:p>
                 <a:pPr>
-                  <a:defRPr sz="1197" b="0" i="0" u="none" strike="noStrike" kern="1200" baseline="0">
+                  <a:defRPr sz="1197" b="1" i="0" u="none" strike="noStrike" kern="1200" baseline="0">
                     <a:solidFill>
                       <a:schemeClr val="lt1">
                         <a:lumMod val="85000"/>
@@ -1594,7 +1607,6 @@
     </c:legend>
     <c:plotVisOnly val="1"/>
     <c:dispBlanksAs val="gap"/>
-    <c:showDLblsOverMax val="0"/>
     <c:extLst>
       <c:ext xmlns:c16r3="http://schemas.microsoft.com/office/drawing/2017/03/chart" uri="{56B9EC1D-385E-4148-901F-78D8002777C0}">
         <c16r3:dataDisplayOptions16>
@@ -1602,6 +1614,7 @@
         </c16r3:dataDisplayOptions16>
       </c:ext>
     </c:extLst>
+    <c:showDLblsOverMax val="0"/>
   </c:chart>
   <c:spPr>
     <a:solidFill>
@@ -1865,6 +1878,11 @@
                 </a:outerShdw>
               </a:effectLst>
             </c:spPr>
+            <c:extLst>
+              <c:ext xmlns:c16="http://schemas.microsoft.com/office/drawing/2014/chart" uri="{C3380CC4-5D6E-409C-BE32-E72D297353CC}">
+                <c16:uniqueId val="{00000005-54DB-457E-A5ED-4BB1380E4E10}"/>
+              </c:ext>
+            </c:extLst>
           </c:dPt>
           <c:dPt>
             <c:idx val="3"/>
@@ -1907,6 +1925,11 @@
                 </a:outerShdw>
               </a:effectLst>
             </c:spPr>
+            <c:extLst>
+              <c:ext xmlns:c16="http://schemas.microsoft.com/office/drawing/2014/chart" uri="{C3380CC4-5D6E-409C-BE32-E72D297353CC}">
+                <c16:uniqueId val="{00000007-54DB-457E-A5ED-4BB1380E4E10}"/>
+              </c:ext>
+            </c:extLst>
           </c:dPt>
           <c:dLbls>
             <c:dLbl>
@@ -1955,7 +1978,7 @@
               <a:lstStyle/>
               <a:p>
                 <a:pPr>
-                  <a:defRPr sz="1197" b="0" i="0" u="none" strike="noStrike" kern="1200" baseline="0">
+                  <a:defRPr sz="1197" b="1" i="0" u="none" strike="noStrike" kern="1200" baseline="0">
                     <a:solidFill>
                       <a:schemeClr val="lt1">
                         <a:lumMod val="85000"/>
@@ -2089,7 +2112,6 @@
     </c:legend>
     <c:plotVisOnly val="1"/>
     <c:dispBlanksAs val="gap"/>
-    <c:showDLblsOverMax val="0"/>
     <c:extLst>
       <c:ext xmlns:c16r3="http://schemas.microsoft.com/office/drawing/2017/03/chart" uri="{56B9EC1D-385E-4148-901F-78D8002777C0}">
         <c16r3:dataDisplayOptions16>
@@ -2097,6 +2119,7 @@
         </c16r3:dataDisplayOptions16>
       </c:ext>
     </c:extLst>
+    <c:showDLblsOverMax val="0"/>
   </c:chart>
   <c:spPr>
     <a:solidFill>
@@ -8172,9 +8195,8 @@
               <a:avLst/>
             </a:prstGeom>
             <a:solidFill>
-              <a:schemeClr val="accent6">
-                <a:lumMod val="40000"/>
-                <a:lumOff val="60000"/>
+              <a:schemeClr val="accent5">
+                <a:lumMod val="50000"/>
               </a:schemeClr>
             </a:solidFill>
             <a:ln>
@@ -8223,7 +8245,7 @@
               </a:avLst>
             </a:prstGeom>
             <a:solidFill>
-              <a:schemeClr val="accent6">
+              <a:schemeClr val="accent5">
                 <a:lumMod val="75000"/>
               </a:schemeClr>
             </a:solidFill>
@@ -8273,9 +8295,8 @@
               </a:avLst>
             </a:prstGeom>
             <a:solidFill>
-              <a:schemeClr val="accent6">
-                <a:lumMod val="40000"/>
-                <a:lumOff val="60000"/>
+              <a:schemeClr val="accent5">
+                <a:lumMod val="50000"/>
               </a:schemeClr>
             </a:solidFill>
             <a:ln>
@@ -8324,8 +8345,9 @@
               </a:avLst>
             </a:prstGeom>
             <a:solidFill>
-              <a:schemeClr val="accent6">
-                <a:lumMod val="75000"/>
+              <a:schemeClr val="accent5">
+                <a:lumMod val="60000"/>
+                <a:lumOff val="40000"/>
               </a:schemeClr>
             </a:solidFill>
             <a:ln>
@@ -8401,7 +8423,7 @@
             <a:lstStyle/>
             <a:p>
               <a:pPr algn="ctr"/>
-              <a:endParaRPr lang="zh-CN" altLang="en-US" sz="1800"/>
+              <a:endParaRPr lang="zh-CN" altLang="en-US" sz="1800" dirty="0"/>
             </a:p>
           </p:txBody>
         </p:sp>
@@ -8497,10 +8519,7 @@
             <a:avLst/>
           </a:prstGeom>
           <a:solidFill>
-            <a:schemeClr val="accent4">
-              <a:lumMod val="60000"/>
-              <a:lumOff val="40000"/>
-            </a:schemeClr>
+            <a:srgbClr val="FF9900"/>
           </a:solidFill>
           <a:ln>
             <a:noFill/>
@@ -8646,7 +8665,7 @@
           </a:prstGeom>
           <a:ln w="3175">
             <a:solidFill>
-              <a:srgbClr val="FCD965"/>
+              <a:srgbClr val="FFC000"/>
             </a:solidFill>
           </a:ln>
         </p:spPr>
@@ -8913,27 +8932,23 @@
             <a:avLst/>
           </a:prstGeom>
           <a:solidFill>
-            <a:srgbClr val="BFBFBF">
-              <a:alpha val="80000"/>
-            </a:srgbClr>
+            <a:schemeClr val="accent3">
+              <a:alpha val="50000"/>
+            </a:schemeClr>
           </a:solidFill>
           <a:ln>
-            <a:solidFill>
-              <a:schemeClr val="bg1"/>
-            </a:solidFill>
+            <a:noFill/>
           </a:ln>
         </p:spPr>
         <p:style>
-          <a:lnRef idx="2">
-            <a:schemeClr val="accent1">
-              <a:shade val="50000"/>
-            </a:schemeClr>
+          <a:lnRef idx="0">
+            <a:scrgbClr r="0" g="0" b="0"/>
           </a:lnRef>
-          <a:fillRef idx="1">
-            <a:schemeClr val="accent1"/>
+          <a:fillRef idx="0">
+            <a:scrgbClr r="0" g="0" b="0"/>
           </a:fillRef>
           <a:effectRef idx="0">
-            <a:schemeClr val="accent1"/>
+            <a:scrgbClr r="0" g="0" b="0"/>
           </a:effectRef>
           <a:fontRef idx="minor">
             <a:schemeClr val="lt1"/>
@@ -9207,7 +9222,8 @@
             <a:avLst/>
           </a:prstGeom>
           <a:solidFill>
-            <a:schemeClr val="accent6">
+            <a:schemeClr val="accent5">
+              <a:lumMod val="50000"/>
               <a:alpha val="25000"/>
             </a:schemeClr>
           </a:solidFill>
@@ -9252,8 +9268,8 @@
         </p:nvSpPr>
         <p:spPr>
           <a:xfrm>
-            <a:off x="1619258" y="122762"/>
-            <a:ext cx="5871928" cy="707886"/>
+            <a:off x="1120051" y="178115"/>
+            <a:ext cx="6870342" cy="584775"/>
           </a:xfrm>
           <a:prstGeom prst="rect">
             <a:avLst/>
@@ -9267,7 +9283,7 @@
           <a:p>
             <a:pPr algn="ctr"/>
             <a:r>
-              <a:rPr lang="it-IT" sz="4000" b="1" dirty="0">
+              <a:rPr lang="it-IT" sz="3200" b="1" dirty="0">
                 <a:ln w="0"/>
                 <a:solidFill>
                   <a:schemeClr val="bg1"/>
@@ -9280,51 +9296,7 @@
                   </a:outerShdw>
                 </a:effectLst>
               </a:rPr>
-              <a:t>Diagramma di sequenza /3</a:t>
-            </a:r>
-          </a:p>
-        </p:txBody>
-      </p:sp>
-      <p:sp>
-        <p:nvSpPr>
-          <p:cNvPr id="9" name="Rettangolo 8"/>
-          <p:cNvSpPr/>
-          <p:nvPr/>
-        </p:nvSpPr>
-        <p:spPr>
-          <a:xfrm>
-            <a:off x="1386354" y="5903901"/>
-            <a:ext cx="3168868" cy="461665"/>
-          </a:xfrm>
-          <a:prstGeom prst="rect">
-            <a:avLst/>
-          </a:prstGeom>
-        </p:spPr>
-        <p:txBody>
-          <a:bodyPr wrap="square">
-            <a:spAutoFit/>
-          </a:bodyPr>
-          <a:lstStyle/>
-          <a:p>
-            <a:pPr algn="ctr"/>
-            <a:r>
-              <a:rPr lang="it-IT" sz="2400" b="1" i="1" dirty="0">
-                <a:ln w="0"/>
-                <a:solidFill>
-                  <a:schemeClr val="tx1">
-                    <a:lumMod val="85000"/>
-                    <a:lumOff val="15000"/>
-                  </a:schemeClr>
-                </a:solidFill>
-                <a:effectLst>
-                  <a:outerShdw blurRad="38100" dist="19050" dir="2700000" algn="tl" rotWithShape="0">
-                    <a:schemeClr val="dk1">
-                      <a:alpha val="40000"/>
-                    </a:schemeClr>
-                  </a:outerShdw>
-                </a:effectLst>
-              </a:rPr>
-              <a:t>Stampa di un grafo</a:t>
+              <a:t>Diagramma di sequenza / Stampa grafo</a:t>
             </a:r>
           </a:p>
         </p:txBody>
@@ -9407,9 +9379,10 @@
             <a:avLst/>
           </a:prstGeom>
           <a:solidFill>
-            <a:srgbClr val="FCD965">
+            <a:schemeClr val="accent5">
+              <a:lumMod val="50000"/>
               <a:alpha val="25000"/>
-            </a:srgbClr>
+            </a:schemeClr>
           </a:solidFill>
           <a:ln>
             <a:noFill/>
@@ -9481,2521 +9454,6 @@
       </p:sp>
       <p:graphicFrame>
         <p:nvGraphicFramePr>
-          <p:cNvPr id="12" name="Tabella 11">
-            <a:extLst>
-              <a:ext uri="{FF2B5EF4-FFF2-40B4-BE49-F238E27FC236}">
-                <a16:creationId xmlns:a16="http://schemas.microsoft.com/office/drawing/2014/main" id="{D1406E2D-0BBD-4C14-8877-A6EE2225FBD4}"/>
-              </a:ext>
-            </a:extLst>
-          </p:cNvPr>
-          <p:cNvGraphicFramePr>
-            <a:graphicFrameLocks noGrp="1"/>
-          </p:cNvGraphicFramePr>
-          <p:nvPr>
-            <p:extLst>
-              <p:ext uri="{D42A27DB-BD31-4B8C-83A1-F6EECF244321}">
-                <p14:modId xmlns:p14="http://schemas.microsoft.com/office/powerpoint/2010/main" val="736660828"/>
-              </p:ext>
-            </p:extLst>
-          </p:nvPr>
-        </p:nvGraphicFramePr>
-        <p:xfrm>
-          <a:off x="52550" y="1906219"/>
-          <a:ext cx="4425788" cy="4885208"/>
-        </p:xfrm>
-        <a:graphic>
-          <a:graphicData uri="http://schemas.openxmlformats.org/drawingml/2006/table">
-            <a:tbl>
-              <a:tblPr firstRow="1" bandRow="1">
-                <a:tableStyleId>{00A15C55-8517-42AA-B614-E9B94910E393}</a:tableStyleId>
-              </a:tblPr>
-              <a:tblGrid>
-                <a:gridCol w="998483">
-                  <a:extLst>
-                    <a:ext uri="{9D8B030D-6E8A-4147-A177-3AD203B41FA5}">
-                      <a16:colId xmlns:a16="http://schemas.microsoft.com/office/drawing/2014/main" val="3098465247"/>
-                    </a:ext>
-                  </a:extLst>
-                </a:gridCol>
-                <a:gridCol w="1860331">
-                  <a:extLst>
-                    <a:ext uri="{9D8B030D-6E8A-4147-A177-3AD203B41FA5}">
-                      <a16:colId xmlns:a16="http://schemas.microsoft.com/office/drawing/2014/main" val="414872655"/>
-                    </a:ext>
-                  </a:extLst>
-                </a:gridCol>
-                <a:gridCol w="1566974">
-                  <a:extLst>
-                    <a:ext uri="{9D8B030D-6E8A-4147-A177-3AD203B41FA5}">
-                      <a16:colId xmlns:a16="http://schemas.microsoft.com/office/drawing/2014/main" val="1484288329"/>
-                    </a:ext>
-                  </a:extLst>
-                </a:gridCol>
-              </a:tblGrid>
-              <a:tr h="313208">
-                <a:tc>
-                  <a:txBody>
-                    <a:bodyPr/>
-                    <a:lstStyle/>
-                    <a:p>
-                      <a:r>
-                        <a:rPr lang="it-IT" sz="1400" dirty="0"/>
-                        <a:t>Caso d’uso</a:t>
-                      </a:r>
-                    </a:p>
-                  </a:txBody>
-                  <a:tcPr>
-                    <a:solidFill>
-                      <a:srgbClr val="FCD965">
-                        <a:alpha val="65000"/>
-                      </a:srgbClr>
-                    </a:solidFill>
-                  </a:tcPr>
-                </a:tc>
-                <a:tc>
-                  <a:txBody>
-                    <a:bodyPr/>
-                    <a:lstStyle/>
-                    <a:p>
-                      <a:r>
-                        <a:rPr lang="it-IT" sz="1400" dirty="0"/>
-                        <a:t>Copertura</a:t>
-                      </a:r>
-                      <a:r>
-                        <a:rPr lang="it-IT" sz="1400" baseline="0" dirty="0"/>
-                        <a:t> </a:t>
-                      </a:r>
-                      <a:r>
-                        <a:rPr lang="it-IT" sz="1400" dirty="0"/>
-                        <a:t>architettura</a:t>
-                      </a:r>
-                    </a:p>
-                  </a:txBody>
-                  <a:tcPr>
-                    <a:solidFill>
-                      <a:srgbClr val="FCD965">
-                        <a:alpha val="65000"/>
-                      </a:srgbClr>
-                    </a:solidFill>
-                  </a:tcPr>
-                </a:tc>
-                <a:tc>
-                  <a:txBody>
-                    <a:bodyPr/>
-                    <a:lstStyle/>
-                    <a:p>
-                      <a:r>
-                        <a:rPr lang="it-IT" sz="1400" dirty="0"/>
-                        <a:t>Copertura</a:t>
-                      </a:r>
-                      <a:r>
-                        <a:rPr lang="it-IT" sz="1400" baseline="0" dirty="0"/>
-                        <a:t> </a:t>
-                      </a:r>
-                      <a:r>
-                        <a:rPr lang="it-IT" sz="1400" dirty="0"/>
-                        <a:t>codice</a:t>
-                      </a:r>
-                    </a:p>
-                  </a:txBody>
-                  <a:tcPr>
-                    <a:solidFill>
-                      <a:srgbClr val="FCD965">
-                        <a:alpha val="65000"/>
-                      </a:srgbClr>
-                    </a:solidFill>
-                  </a:tcPr>
-                </a:tc>
-                <a:extLst>
-                  <a:ext uri="{0D108BD9-81ED-4DB2-BD59-A6C34878D82A}">
-                    <a16:rowId xmlns:a16="http://schemas.microsoft.com/office/drawing/2014/main" val="2664035083"/>
-                  </a:ext>
-                </a:extLst>
-              </a:tr>
-              <a:tr h="285551">
-                <a:tc>
-                  <a:txBody>
-                    <a:bodyPr/>
-                    <a:lstStyle/>
-                    <a:p>
-                      <a:r>
-                        <a:rPr lang="it-IT" sz="1400" dirty="0">
-                          <a:solidFill>
-                            <a:schemeClr val="bg1"/>
-                          </a:solidFill>
-                        </a:rPr>
-                        <a:t>UC1</a:t>
-                      </a:r>
-                    </a:p>
-                  </a:txBody>
-                  <a:tcPr>
-                    <a:solidFill>
-                      <a:srgbClr val="FCD965">
-                        <a:alpha val="35000"/>
-                      </a:srgbClr>
-                    </a:solidFill>
-                  </a:tcPr>
-                </a:tc>
-                <a:tc>
-                  <a:txBody>
-                    <a:bodyPr/>
-                    <a:lstStyle/>
-                    <a:p>
-                      <a:pPr algn="ctr"/>
-                      <a:r>
-                        <a:rPr lang="it-IT" sz="1400" dirty="0">
-                          <a:solidFill>
-                            <a:schemeClr val="bg1"/>
-                          </a:solidFill>
-                        </a:rPr>
-                        <a:t>X</a:t>
-                      </a:r>
-                    </a:p>
-                  </a:txBody>
-                  <a:tcPr>
-                    <a:solidFill>
-                      <a:srgbClr val="FCD965">
-                        <a:alpha val="35000"/>
-                      </a:srgbClr>
-                    </a:solidFill>
-                  </a:tcPr>
-                </a:tc>
-                <a:tc>
-                  <a:txBody>
-                    <a:bodyPr/>
-                    <a:lstStyle/>
-                    <a:p>
-                      <a:pPr algn="ctr"/>
-                      <a:r>
-                        <a:rPr lang="it-IT" sz="1400" dirty="0">
-                          <a:solidFill>
-                            <a:schemeClr val="bg1"/>
-                          </a:solidFill>
-                        </a:rPr>
-                        <a:t>X</a:t>
-                      </a:r>
-                    </a:p>
-                  </a:txBody>
-                  <a:tcPr>
-                    <a:solidFill>
-                      <a:srgbClr val="FCD965">
-                        <a:alpha val="35000"/>
-                      </a:srgbClr>
-                    </a:solidFill>
-                  </a:tcPr>
-                </a:tc>
-                <a:extLst>
-                  <a:ext uri="{0D108BD9-81ED-4DB2-BD59-A6C34878D82A}">
-                    <a16:rowId xmlns:a16="http://schemas.microsoft.com/office/drawing/2014/main" val="3878728683"/>
-                  </a:ext>
-                </a:extLst>
-              </a:tr>
-              <a:tr h="285551">
-                <a:tc>
-                  <a:txBody>
-                    <a:bodyPr/>
-                    <a:lstStyle/>
-                    <a:p>
-                      <a:r>
-                        <a:rPr lang="it-IT" sz="1400" dirty="0">
-                          <a:solidFill>
-                            <a:schemeClr val="bg1"/>
-                          </a:solidFill>
-                        </a:rPr>
-                        <a:t>UC2</a:t>
-                      </a:r>
-                    </a:p>
-                  </a:txBody>
-                  <a:tcPr>
-                    <a:solidFill>
-                      <a:srgbClr val="FCD965">
-                        <a:alpha val="35000"/>
-                      </a:srgbClr>
-                    </a:solidFill>
-                  </a:tcPr>
-                </a:tc>
-                <a:tc>
-                  <a:txBody>
-                    <a:bodyPr/>
-                    <a:lstStyle/>
-                    <a:p>
-                      <a:pPr algn="ctr"/>
-                      <a:r>
-                        <a:rPr lang="it-IT" sz="1400" dirty="0">
-                          <a:solidFill>
-                            <a:schemeClr val="bg1"/>
-                          </a:solidFill>
-                        </a:rPr>
-                        <a:t>X</a:t>
-                      </a:r>
-                    </a:p>
-                  </a:txBody>
-                  <a:tcPr>
-                    <a:solidFill>
-                      <a:srgbClr val="FCD965">
-                        <a:alpha val="35000"/>
-                      </a:srgbClr>
-                    </a:solidFill>
-                  </a:tcPr>
-                </a:tc>
-                <a:tc>
-                  <a:txBody>
-                    <a:bodyPr/>
-                    <a:lstStyle/>
-                    <a:p>
-                      <a:pPr algn="ctr"/>
-                      <a:r>
-                        <a:rPr lang="it-IT" sz="1400" dirty="0">
-                          <a:solidFill>
-                            <a:schemeClr val="bg1"/>
-                          </a:solidFill>
-                        </a:rPr>
-                        <a:t>X</a:t>
-                      </a:r>
-                    </a:p>
-                  </a:txBody>
-                  <a:tcPr>
-                    <a:solidFill>
-                      <a:srgbClr val="FCD965">
-                        <a:alpha val="35000"/>
-                      </a:srgbClr>
-                    </a:solidFill>
-                  </a:tcPr>
-                </a:tc>
-                <a:extLst>
-                  <a:ext uri="{0D108BD9-81ED-4DB2-BD59-A6C34878D82A}">
-                    <a16:rowId xmlns:a16="http://schemas.microsoft.com/office/drawing/2014/main" val="1125319358"/>
-                  </a:ext>
-                </a:extLst>
-              </a:tr>
-              <a:tr h="285551">
-                <a:tc>
-                  <a:txBody>
-                    <a:bodyPr/>
-                    <a:lstStyle/>
-                    <a:p>
-                      <a:r>
-                        <a:rPr lang="it-IT" sz="1400" dirty="0">
-                          <a:solidFill>
-                            <a:schemeClr val="bg1"/>
-                          </a:solidFill>
-                        </a:rPr>
-                        <a:t>UC3</a:t>
-                      </a:r>
-                    </a:p>
-                  </a:txBody>
-                  <a:tcPr>
-                    <a:solidFill>
-                      <a:srgbClr val="FCD965">
-                        <a:alpha val="35000"/>
-                      </a:srgbClr>
-                    </a:solidFill>
-                  </a:tcPr>
-                </a:tc>
-                <a:tc>
-                  <a:txBody>
-                    <a:bodyPr/>
-                    <a:lstStyle/>
-                    <a:p>
-                      <a:pPr algn="ctr"/>
-                      <a:r>
-                        <a:rPr lang="it-IT" sz="1400" dirty="0">
-                          <a:solidFill>
-                            <a:schemeClr val="bg1"/>
-                          </a:solidFill>
-                        </a:rPr>
-                        <a:t>X</a:t>
-                      </a:r>
-                    </a:p>
-                  </a:txBody>
-                  <a:tcPr>
-                    <a:solidFill>
-                      <a:srgbClr val="FCD965">
-                        <a:alpha val="35000"/>
-                      </a:srgbClr>
-                    </a:solidFill>
-                  </a:tcPr>
-                </a:tc>
-                <a:tc>
-                  <a:txBody>
-                    <a:bodyPr/>
-                    <a:lstStyle/>
-                    <a:p>
-                      <a:pPr algn="ctr"/>
-                      <a:r>
-                        <a:rPr lang="it-IT" sz="1400" dirty="0">
-                          <a:solidFill>
-                            <a:schemeClr val="bg1"/>
-                          </a:solidFill>
-                        </a:rPr>
-                        <a:t>X</a:t>
-                      </a:r>
-                    </a:p>
-                  </a:txBody>
-                  <a:tcPr>
-                    <a:solidFill>
-                      <a:srgbClr val="FCD965">
-                        <a:alpha val="35000"/>
-                      </a:srgbClr>
-                    </a:solidFill>
-                  </a:tcPr>
-                </a:tc>
-                <a:extLst>
-                  <a:ext uri="{0D108BD9-81ED-4DB2-BD59-A6C34878D82A}">
-                    <a16:rowId xmlns:a16="http://schemas.microsoft.com/office/drawing/2014/main" val="1426305325"/>
-                  </a:ext>
-                </a:extLst>
-              </a:tr>
-              <a:tr h="285551">
-                <a:tc>
-                  <a:txBody>
-                    <a:bodyPr/>
-                    <a:lstStyle/>
-                    <a:p>
-                      <a:r>
-                        <a:rPr lang="it-IT" sz="1400" dirty="0">
-                          <a:solidFill>
-                            <a:schemeClr val="bg1"/>
-                          </a:solidFill>
-                        </a:rPr>
-                        <a:t>UC3.1</a:t>
-                      </a:r>
-                    </a:p>
-                  </a:txBody>
-                  <a:tcPr>
-                    <a:solidFill>
-                      <a:srgbClr val="FCD965">
-                        <a:alpha val="35000"/>
-                      </a:srgbClr>
-                    </a:solidFill>
-                  </a:tcPr>
-                </a:tc>
-                <a:tc>
-                  <a:txBody>
-                    <a:bodyPr/>
-                    <a:lstStyle/>
-                    <a:p>
-                      <a:pPr algn="ctr"/>
-                      <a:r>
-                        <a:rPr lang="it-IT" sz="1400" dirty="0">
-                          <a:solidFill>
-                            <a:schemeClr val="bg1"/>
-                          </a:solidFill>
-                        </a:rPr>
-                        <a:t>X</a:t>
-                      </a:r>
-                    </a:p>
-                  </a:txBody>
-                  <a:tcPr>
-                    <a:solidFill>
-                      <a:srgbClr val="FCD965">
-                        <a:alpha val="35000"/>
-                      </a:srgbClr>
-                    </a:solidFill>
-                  </a:tcPr>
-                </a:tc>
-                <a:tc>
-                  <a:txBody>
-                    <a:bodyPr/>
-                    <a:lstStyle/>
-                    <a:p>
-                      <a:pPr algn="ctr"/>
-                      <a:r>
-                        <a:rPr lang="it-IT" sz="1400" dirty="0">
-                          <a:solidFill>
-                            <a:schemeClr val="bg1"/>
-                          </a:solidFill>
-                        </a:rPr>
-                        <a:t>X</a:t>
-                      </a:r>
-                    </a:p>
-                  </a:txBody>
-                  <a:tcPr>
-                    <a:solidFill>
-                      <a:srgbClr val="FCD965">
-                        <a:alpha val="35000"/>
-                      </a:srgbClr>
-                    </a:solidFill>
-                  </a:tcPr>
-                </a:tc>
-                <a:extLst>
-                  <a:ext uri="{0D108BD9-81ED-4DB2-BD59-A6C34878D82A}">
-                    <a16:rowId xmlns:a16="http://schemas.microsoft.com/office/drawing/2014/main" val="3715698132"/>
-                  </a:ext>
-                </a:extLst>
-              </a:tr>
-              <a:tr h="285551">
-                <a:tc>
-                  <a:txBody>
-                    <a:bodyPr/>
-                    <a:lstStyle/>
-                    <a:p>
-                      <a:r>
-                        <a:rPr lang="it-IT" sz="1400" dirty="0">
-                          <a:solidFill>
-                            <a:schemeClr val="bg1"/>
-                          </a:solidFill>
-                        </a:rPr>
-                        <a:t>UC4</a:t>
-                      </a:r>
-                    </a:p>
-                  </a:txBody>
-                  <a:tcPr>
-                    <a:solidFill>
-                      <a:srgbClr val="FCD965">
-                        <a:alpha val="35000"/>
-                      </a:srgbClr>
-                    </a:solidFill>
-                  </a:tcPr>
-                </a:tc>
-                <a:tc>
-                  <a:txBody>
-                    <a:bodyPr/>
-                    <a:lstStyle/>
-                    <a:p>
-                      <a:pPr algn="ctr"/>
-                      <a:r>
-                        <a:rPr lang="it-IT" sz="1400" dirty="0">
-                          <a:solidFill>
-                            <a:schemeClr val="bg1"/>
-                          </a:solidFill>
-                        </a:rPr>
-                        <a:t>X</a:t>
-                      </a:r>
-                    </a:p>
-                  </a:txBody>
-                  <a:tcPr>
-                    <a:solidFill>
-                      <a:srgbClr val="FCD965">
-                        <a:alpha val="35000"/>
-                      </a:srgbClr>
-                    </a:solidFill>
-                  </a:tcPr>
-                </a:tc>
-                <a:tc>
-                  <a:txBody>
-                    <a:bodyPr/>
-                    <a:lstStyle/>
-                    <a:p>
-                      <a:pPr algn="ctr"/>
-                      <a:endParaRPr lang="it-IT" sz="1400" dirty="0">
-                        <a:solidFill>
-                          <a:schemeClr val="bg1"/>
-                        </a:solidFill>
-                      </a:endParaRPr>
-                    </a:p>
-                  </a:txBody>
-                  <a:tcPr>
-                    <a:solidFill>
-                      <a:srgbClr val="FCD965">
-                        <a:alpha val="35000"/>
-                      </a:srgbClr>
-                    </a:solidFill>
-                  </a:tcPr>
-                </a:tc>
-                <a:extLst>
-                  <a:ext uri="{0D108BD9-81ED-4DB2-BD59-A6C34878D82A}">
-                    <a16:rowId xmlns:a16="http://schemas.microsoft.com/office/drawing/2014/main" val="3456609315"/>
-                  </a:ext>
-                </a:extLst>
-              </a:tr>
-              <a:tr h="285551">
-                <a:tc>
-                  <a:txBody>
-                    <a:bodyPr/>
-                    <a:lstStyle/>
-                    <a:p>
-                      <a:r>
-                        <a:rPr lang="it-IT" sz="1400" dirty="0">
-                          <a:solidFill>
-                            <a:schemeClr val="bg1"/>
-                          </a:solidFill>
-                        </a:rPr>
-                        <a:t>UC4.1</a:t>
-                      </a:r>
-                    </a:p>
-                  </a:txBody>
-                  <a:tcPr>
-                    <a:solidFill>
-                      <a:srgbClr val="FCD965">
-                        <a:alpha val="35000"/>
-                      </a:srgbClr>
-                    </a:solidFill>
-                  </a:tcPr>
-                </a:tc>
-                <a:tc>
-                  <a:txBody>
-                    <a:bodyPr/>
-                    <a:lstStyle/>
-                    <a:p>
-                      <a:pPr algn="ctr"/>
-                      <a:r>
-                        <a:rPr lang="it-IT" sz="1400" dirty="0">
-                          <a:solidFill>
-                            <a:schemeClr val="bg1"/>
-                          </a:solidFill>
-                        </a:rPr>
-                        <a:t>X</a:t>
-                      </a:r>
-                    </a:p>
-                  </a:txBody>
-                  <a:tcPr>
-                    <a:solidFill>
-                      <a:srgbClr val="FCD965">
-                        <a:alpha val="35000"/>
-                      </a:srgbClr>
-                    </a:solidFill>
-                  </a:tcPr>
-                </a:tc>
-                <a:tc>
-                  <a:txBody>
-                    <a:bodyPr/>
-                    <a:lstStyle/>
-                    <a:p>
-                      <a:pPr algn="ctr"/>
-                      <a:endParaRPr lang="it-IT" sz="1400" dirty="0">
-                        <a:solidFill>
-                          <a:schemeClr val="bg1"/>
-                        </a:solidFill>
-                      </a:endParaRPr>
-                    </a:p>
-                  </a:txBody>
-                  <a:tcPr>
-                    <a:solidFill>
-                      <a:srgbClr val="FCD965">
-                        <a:alpha val="35000"/>
-                      </a:srgbClr>
-                    </a:solidFill>
-                  </a:tcPr>
-                </a:tc>
-                <a:extLst>
-                  <a:ext uri="{0D108BD9-81ED-4DB2-BD59-A6C34878D82A}">
-                    <a16:rowId xmlns:a16="http://schemas.microsoft.com/office/drawing/2014/main" val="4251963506"/>
-                  </a:ext>
-                </a:extLst>
-              </a:tr>
-              <a:tr h="285551">
-                <a:tc>
-                  <a:txBody>
-                    <a:bodyPr/>
-                    <a:lstStyle/>
-                    <a:p>
-                      <a:r>
-                        <a:rPr lang="it-IT" sz="1400" dirty="0">
-                          <a:solidFill>
-                            <a:schemeClr val="bg1"/>
-                          </a:solidFill>
-                        </a:rPr>
-                        <a:t>UC5</a:t>
-                      </a:r>
-                    </a:p>
-                  </a:txBody>
-                  <a:tcPr>
-                    <a:solidFill>
-                      <a:srgbClr val="FCD965">
-                        <a:alpha val="35000"/>
-                      </a:srgbClr>
-                    </a:solidFill>
-                  </a:tcPr>
-                </a:tc>
-                <a:tc>
-                  <a:txBody>
-                    <a:bodyPr/>
-                    <a:lstStyle/>
-                    <a:p>
-                      <a:pPr algn="ctr"/>
-                      <a:r>
-                        <a:rPr lang="it-IT" sz="1400" dirty="0">
-                          <a:solidFill>
-                            <a:schemeClr val="bg1"/>
-                          </a:solidFill>
-                        </a:rPr>
-                        <a:t>X</a:t>
-                      </a:r>
-                    </a:p>
-                  </a:txBody>
-                  <a:tcPr>
-                    <a:solidFill>
-                      <a:srgbClr val="FCD965">
-                        <a:alpha val="35000"/>
-                      </a:srgbClr>
-                    </a:solidFill>
-                  </a:tcPr>
-                </a:tc>
-                <a:tc>
-                  <a:txBody>
-                    <a:bodyPr/>
-                    <a:lstStyle/>
-                    <a:p>
-                      <a:pPr algn="ctr"/>
-                      <a:r>
-                        <a:rPr lang="it-IT" sz="1400" dirty="0">
-                          <a:solidFill>
-                            <a:schemeClr val="bg1"/>
-                          </a:solidFill>
-                        </a:rPr>
-                        <a:t>X</a:t>
-                      </a:r>
-                    </a:p>
-                  </a:txBody>
-                  <a:tcPr>
-                    <a:solidFill>
-                      <a:srgbClr val="FCD965">
-                        <a:alpha val="35000"/>
-                      </a:srgbClr>
-                    </a:solidFill>
-                  </a:tcPr>
-                </a:tc>
-                <a:extLst>
-                  <a:ext uri="{0D108BD9-81ED-4DB2-BD59-A6C34878D82A}">
-                    <a16:rowId xmlns:a16="http://schemas.microsoft.com/office/drawing/2014/main" val="3731148507"/>
-                  </a:ext>
-                </a:extLst>
-              </a:tr>
-              <a:tr h="285551">
-                <a:tc>
-                  <a:txBody>
-                    <a:bodyPr/>
-                    <a:lstStyle/>
-                    <a:p>
-                      <a:r>
-                        <a:rPr lang="it-IT" sz="1400" dirty="0">
-                          <a:solidFill>
-                            <a:schemeClr val="bg1"/>
-                          </a:solidFill>
-                        </a:rPr>
-                        <a:t>UC6</a:t>
-                      </a:r>
-                    </a:p>
-                  </a:txBody>
-                  <a:tcPr>
-                    <a:solidFill>
-                      <a:srgbClr val="FCD965">
-                        <a:alpha val="35000"/>
-                      </a:srgbClr>
-                    </a:solidFill>
-                  </a:tcPr>
-                </a:tc>
-                <a:tc>
-                  <a:txBody>
-                    <a:bodyPr/>
-                    <a:lstStyle/>
-                    <a:p>
-                      <a:pPr algn="ctr"/>
-                      <a:endParaRPr lang="it-IT" sz="1400" dirty="0">
-                        <a:solidFill>
-                          <a:schemeClr val="bg1"/>
-                        </a:solidFill>
-                      </a:endParaRPr>
-                    </a:p>
-                  </a:txBody>
-                  <a:tcPr>
-                    <a:solidFill>
-                      <a:srgbClr val="FCD965">
-                        <a:alpha val="35000"/>
-                      </a:srgbClr>
-                    </a:solidFill>
-                  </a:tcPr>
-                </a:tc>
-                <a:tc>
-                  <a:txBody>
-                    <a:bodyPr/>
-                    <a:lstStyle/>
-                    <a:p>
-                      <a:pPr algn="ctr"/>
-                      <a:endParaRPr lang="it-IT" sz="1400" dirty="0">
-                        <a:solidFill>
-                          <a:schemeClr val="bg1"/>
-                        </a:solidFill>
-                      </a:endParaRPr>
-                    </a:p>
-                  </a:txBody>
-                  <a:tcPr>
-                    <a:solidFill>
-                      <a:srgbClr val="FCD965">
-                        <a:alpha val="35000"/>
-                      </a:srgbClr>
-                    </a:solidFill>
-                  </a:tcPr>
-                </a:tc>
-                <a:extLst>
-                  <a:ext uri="{0D108BD9-81ED-4DB2-BD59-A6C34878D82A}">
-                    <a16:rowId xmlns:a16="http://schemas.microsoft.com/office/drawing/2014/main" val="4209218957"/>
-                  </a:ext>
-                </a:extLst>
-              </a:tr>
-              <a:tr h="285551">
-                <a:tc>
-                  <a:txBody>
-                    <a:bodyPr/>
-                    <a:lstStyle/>
-                    <a:p>
-                      <a:r>
-                        <a:rPr lang="it-IT" sz="1400" dirty="0">
-                          <a:solidFill>
-                            <a:schemeClr val="bg1"/>
-                          </a:solidFill>
-                        </a:rPr>
-                        <a:t>UC6.1</a:t>
-                      </a:r>
-                    </a:p>
-                  </a:txBody>
-                  <a:tcPr>
-                    <a:solidFill>
-                      <a:srgbClr val="FCD965">
-                        <a:alpha val="35000"/>
-                      </a:srgbClr>
-                    </a:solidFill>
-                  </a:tcPr>
-                </a:tc>
-                <a:tc>
-                  <a:txBody>
-                    <a:bodyPr/>
-                    <a:lstStyle/>
-                    <a:p>
-                      <a:pPr algn="ctr"/>
-                      <a:r>
-                        <a:rPr lang="it-IT" sz="1400" dirty="0">
-                          <a:solidFill>
-                            <a:schemeClr val="bg1"/>
-                          </a:solidFill>
-                        </a:rPr>
-                        <a:t>X</a:t>
-                      </a:r>
-                    </a:p>
-                  </a:txBody>
-                  <a:tcPr>
-                    <a:solidFill>
-                      <a:srgbClr val="FCD965">
-                        <a:alpha val="35000"/>
-                      </a:srgbClr>
-                    </a:solidFill>
-                  </a:tcPr>
-                </a:tc>
-                <a:tc>
-                  <a:txBody>
-                    <a:bodyPr/>
-                    <a:lstStyle/>
-                    <a:p>
-                      <a:pPr algn="ctr"/>
-                      <a:r>
-                        <a:rPr lang="it-IT" sz="1400" dirty="0">
-                          <a:solidFill>
-                            <a:schemeClr val="bg1"/>
-                          </a:solidFill>
-                        </a:rPr>
-                        <a:t>X</a:t>
-                      </a:r>
-                    </a:p>
-                  </a:txBody>
-                  <a:tcPr>
-                    <a:solidFill>
-                      <a:srgbClr val="FCD965">
-                        <a:alpha val="35000"/>
-                      </a:srgbClr>
-                    </a:solidFill>
-                  </a:tcPr>
-                </a:tc>
-                <a:extLst>
-                  <a:ext uri="{0D108BD9-81ED-4DB2-BD59-A6C34878D82A}">
-                    <a16:rowId xmlns:a16="http://schemas.microsoft.com/office/drawing/2014/main" val="2107590001"/>
-                  </a:ext>
-                </a:extLst>
-              </a:tr>
-              <a:tr h="285551">
-                <a:tc>
-                  <a:txBody>
-                    <a:bodyPr/>
-                    <a:lstStyle/>
-                    <a:p>
-                      <a:r>
-                        <a:rPr lang="it-IT" sz="1400" dirty="0">
-                          <a:solidFill>
-                            <a:schemeClr val="bg1"/>
-                          </a:solidFill>
-                        </a:rPr>
-                        <a:t>UC6.2</a:t>
-                      </a:r>
-                    </a:p>
-                  </a:txBody>
-                  <a:tcPr>
-                    <a:solidFill>
-                      <a:srgbClr val="FCD965">
-                        <a:alpha val="35000"/>
-                      </a:srgbClr>
-                    </a:solidFill>
-                  </a:tcPr>
-                </a:tc>
-                <a:tc>
-                  <a:txBody>
-                    <a:bodyPr/>
-                    <a:lstStyle/>
-                    <a:p>
-                      <a:pPr algn="ctr"/>
-                      <a:endParaRPr lang="it-IT" sz="1400" dirty="0">
-                        <a:solidFill>
-                          <a:schemeClr val="bg1"/>
-                        </a:solidFill>
-                      </a:endParaRPr>
-                    </a:p>
-                  </a:txBody>
-                  <a:tcPr>
-                    <a:solidFill>
-                      <a:srgbClr val="FCD965">
-                        <a:alpha val="35000"/>
-                      </a:srgbClr>
-                    </a:solidFill>
-                  </a:tcPr>
-                </a:tc>
-                <a:tc>
-                  <a:txBody>
-                    <a:bodyPr/>
-                    <a:lstStyle/>
-                    <a:p>
-                      <a:pPr algn="ctr"/>
-                      <a:endParaRPr lang="it-IT" sz="1400" dirty="0">
-                        <a:solidFill>
-                          <a:schemeClr val="bg1"/>
-                        </a:solidFill>
-                      </a:endParaRPr>
-                    </a:p>
-                  </a:txBody>
-                  <a:tcPr>
-                    <a:solidFill>
-                      <a:srgbClr val="FCD965">
-                        <a:alpha val="35000"/>
-                      </a:srgbClr>
-                    </a:solidFill>
-                  </a:tcPr>
-                </a:tc>
-                <a:extLst>
-                  <a:ext uri="{0D108BD9-81ED-4DB2-BD59-A6C34878D82A}">
-                    <a16:rowId xmlns:a16="http://schemas.microsoft.com/office/drawing/2014/main" val="759255058"/>
-                  </a:ext>
-                </a:extLst>
-              </a:tr>
-              <a:tr h="285551">
-                <a:tc>
-                  <a:txBody>
-                    <a:bodyPr/>
-                    <a:lstStyle/>
-                    <a:p>
-                      <a:r>
-                        <a:rPr lang="it-IT" sz="1400" dirty="0">
-                          <a:solidFill>
-                            <a:schemeClr val="bg1"/>
-                          </a:solidFill>
-                        </a:rPr>
-                        <a:t>UC6.3</a:t>
-                      </a:r>
-                    </a:p>
-                  </a:txBody>
-                  <a:tcPr>
-                    <a:solidFill>
-                      <a:srgbClr val="FCD965">
-                        <a:alpha val="35000"/>
-                      </a:srgbClr>
-                    </a:solidFill>
-                  </a:tcPr>
-                </a:tc>
-                <a:tc>
-                  <a:txBody>
-                    <a:bodyPr/>
-                    <a:lstStyle/>
-                    <a:p>
-                      <a:pPr algn="ctr"/>
-                      <a:endParaRPr lang="it-IT" sz="1400" dirty="0">
-                        <a:solidFill>
-                          <a:schemeClr val="bg1"/>
-                        </a:solidFill>
-                      </a:endParaRPr>
-                    </a:p>
-                  </a:txBody>
-                  <a:tcPr>
-                    <a:solidFill>
-                      <a:srgbClr val="FCD965">
-                        <a:alpha val="35000"/>
-                      </a:srgbClr>
-                    </a:solidFill>
-                  </a:tcPr>
-                </a:tc>
-                <a:tc>
-                  <a:txBody>
-                    <a:bodyPr/>
-                    <a:lstStyle/>
-                    <a:p>
-                      <a:pPr algn="ctr"/>
-                      <a:endParaRPr lang="it-IT" sz="1400" dirty="0">
-                        <a:solidFill>
-                          <a:schemeClr val="bg1"/>
-                        </a:solidFill>
-                      </a:endParaRPr>
-                    </a:p>
-                  </a:txBody>
-                  <a:tcPr>
-                    <a:solidFill>
-                      <a:srgbClr val="FCD965">
-                        <a:alpha val="35000"/>
-                      </a:srgbClr>
-                    </a:solidFill>
-                  </a:tcPr>
-                </a:tc>
-                <a:extLst>
-                  <a:ext uri="{0D108BD9-81ED-4DB2-BD59-A6C34878D82A}">
-                    <a16:rowId xmlns:a16="http://schemas.microsoft.com/office/drawing/2014/main" val="1556226710"/>
-                  </a:ext>
-                </a:extLst>
-              </a:tr>
-              <a:tr h="285551">
-                <a:tc>
-                  <a:txBody>
-                    <a:bodyPr/>
-                    <a:lstStyle/>
-                    <a:p>
-                      <a:r>
-                        <a:rPr lang="it-IT" sz="1400" dirty="0">
-                          <a:solidFill>
-                            <a:schemeClr val="bg1"/>
-                          </a:solidFill>
-                        </a:rPr>
-                        <a:t>UC7</a:t>
-                      </a:r>
-                    </a:p>
-                  </a:txBody>
-                  <a:tcPr>
-                    <a:solidFill>
-                      <a:srgbClr val="FCD965">
-                        <a:alpha val="35000"/>
-                      </a:srgbClr>
-                    </a:solidFill>
-                  </a:tcPr>
-                </a:tc>
-                <a:tc>
-                  <a:txBody>
-                    <a:bodyPr/>
-                    <a:lstStyle/>
-                    <a:p>
-                      <a:pPr algn="ctr"/>
-                      <a:r>
-                        <a:rPr lang="it-IT" sz="1400" dirty="0">
-                          <a:solidFill>
-                            <a:schemeClr val="bg1"/>
-                          </a:solidFill>
-                        </a:rPr>
-                        <a:t>X</a:t>
-                      </a:r>
-                    </a:p>
-                  </a:txBody>
-                  <a:tcPr>
-                    <a:solidFill>
-                      <a:srgbClr val="FCD965">
-                        <a:alpha val="35000"/>
-                      </a:srgbClr>
-                    </a:solidFill>
-                  </a:tcPr>
-                </a:tc>
-                <a:tc>
-                  <a:txBody>
-                    <a:bodyPr/>
-                    <a:lstStyle/>
-                    <a:p>
-                      <a:pPr algn="ctr"/>
-                      <a:r>
-                        <a:rPr lang="it-IT" sz="1400" dirty="0">
-                          <a:solidFill>
-                            <a:schemeClr val="bg1"/>
-                          </a:solidFill>
-                        </a:rPr>
-                        <a:t>X</a:t>
-                      </a:r>
-                    </a:p>
-                  </a:txBody>
-                  <a:tcPr>
-                    <a:solidFill>
-                      <a:srgbClr val="FCD965">
-                        <a:alpha val="35000"/>
-                      </a:srgbClr>
-                    </a:solidFill>
-                  </a:tcPr>
-                </a:tc>
-                <a:extLst>
-                  <a:ext uri="{0D108BD9-81ED-4DB2-BD59-A6C34878D82A}">
-                    <a16:rowId xmlns:a16="http://schemas.microsoft.com/office/drawing/2014/main" val="1938586395"/>
-                  </a:ext>
-                </a:extLst>
-              </a:tr>
-              <a:tr h="285551">
-                <a:tc>
-                  <a:txBody>
-                    <a:bodyPr/>
-                    <a:lstStyle/>
-                    <a:p>
-                      <a:r>
-                        <a:rPr lang="it-IT" sz="1400" dirty="0">
-                          <a:solidFill>
-                            <a:schemeClr val="bg1"/>
-                          </a:solidFill>
-                        </a:rPr>
-                        <a:t>UC7.1</a:t>
-                      </a:r>
-                    </a:p>
-                  </a:txBody>
-                  <a:tcPr>
-                    <a:solidFill>
-                      <a:srgbClr val="FCD965">
-                        <a:alpha val="35000"/>
-                      </a:srgbClr>
-                    </a:solidFill>
-                  </a:tcPr>
-                </a:tc>
-                <a:tc>
-                  <a:txBody>
-                    <a:bodyPr/>
-                    <a:lstStyle/>
-                    <a:p>
-                      <a:pPr algn="ctr"/>
-                      <a:endParaRPr lang="it-IT" sz="1400" dirty="0">
-                        <a:solidFill>
-                          <a:schemeClr val="bg1"/>
-                        </a:solidFill>
-                      </a:endParaRPr>
-                    </a:p>
-                  </a:txBody>
-                  <a:tcPr>
-                    <a:solidFill>
-                      <a:srgbClr val="FCD965">
-                        <a:alpha val="35000"/>
-                      </a:srgbClr>
-                    </a:solidFill>
-                  </a:tcPr>
-                </a:tc>
-                <a:tc>
-                  <a:txBody>
-                    <a:bodyPr/>
-                    <a:lstStyle/>
-                    <a:p>
-                      <a:pPr algn="ctr"/>
-                      <a:endParaRPr lang="it-IT" sz="1400" dirty="0">
-                        <a:solidFill>
-                          <a:schemeClr val="bg1"/>
-                        </a:solidFill>
-                      </a:endParaRPr>
-                    </a:p>
-                  </a:txBody>
-                  <a:tcPr>
-                    <a:solidFill>
-                      <a:srgbClr val="FCD965">
-                        <a:alpha val="35000"/>
-                      </a:srgbClr>
-                    </a:solidFill>
-                  </a:tcPr>
-                </a:tc>
-                <a:extLst>
-                  <a:ext uri="{0D108BD9-81ED-4DB2-BD59-A6C34878D82A}">
-                    <a16:rowId xmlns:a16="http://schemas.microsoft.com/office/drawing/2014/main" val="378289429"/>
-                  </a:ext>
-                </a:extLst>
-              </a:tr>
-              <a:tr h="285551">
-                <a:tc>
-                  <a:txBody>
-                    <a:bodyPr/>
-                    <a:lstStyle/>
-                    <a:p>
-                      <a:r>
-                        <a:rPr lang="it-IT" sz="1400" dirty="0">
-                          <a:solidFill>
-                            <a:schemeClr val="bg1"/>
-                          </a:solidFill>
-                        </a:rPr>
-                        <a:t>UC7.2</a:t>
-                      </a:r>
-                    </a:p>
-                  </a:txBody>
-                  <a:tcPr>
-                    <a:solidFill>
-                      <a:srgbClr val="FCD965">
-                        <a:alpha val="35000"/>
-                      </a:srgbClr>
-                    </a:solidFill>
-                  </a:tcPr>
-                </a:tc>
-                <a:tc>
-                  <a:txBody>
-                    <a:bodyPr/>
-                    <a:lstStyle/>
-                    <a:p>
-                      <a:pPr algn="ctr"/>
-                      <a:r>
-                        <a:rPr lang="it-IT" sz="1400" dirty="0">
-                          <a:solidFill>
-                            <a:schemeClr val="bg1"/>
-                          </a:solidFill>
-                        </a:rPr>
-                        <a:t>X</a:t>
-                      </a:r>
-                    </a:p>
-                  </a:txBody>
-                  <a:tcPr>
-                    <a:solidFill>
-                      <a:srgbClr val="FCD965">
-                        <a:alpha val="35000"/>
-                      </a:srgbClr>
-                    </a:solidFill>
-                  </a:tcPr>
-                </a:tc>
-                <a:tc>
-                  <a:txBody>
-                    <a:bodyPr/>
-                    <a:lstStyle/>
-                    <a:p>
-                      <a:pPr algn="ctr"/>
-                      <a:r>
-                        <a:rPr lang="it-IT" sz="1400" dirty="0">
-                          <a:solidFill>
-                            <a:schemeClr val="bg1"/>
-                          </a:solidFill>
-                        </a:rPr>
-                        <a:t>X</a:t>
-                      </a:r>
-                    </a:p>
-                  </a:txBody>
-                  <a:tcPr>
-                    <a:solidFill>
-                      <a:srgbClr val="FCD965">
-                        <a:alpha val="35000"/>
-                      </a:srgbClr>
-                    </a:solidFill>
-                  </a:tcPr>
-                </a:tc>
-                <a:extLst>
-                  <a:ext uri="{0D108BD9-81ED-4DB2-BD59-A6C34878D82A}">
-                    <a16:rowId xmlns:a16="http://schemas.microsoft.com/office/drawing/2014/main" val="4265841690"/>
-                  </a:ext>
-                </a:extLst>
-              </a:tr>
-              <a:tr h="285551">
-                <a:tc>
-                  <a:txBody>
-                    <a:bodyPr/>
-                    <a:lstStyle/>
-                    <a:p>
-                      <a:r>
-                        <a:rPr lang="it-IT" sz="1400" dirty="0">
-                          <a:solidFill>
-                            <a:schemeClr val="bg1"/>
-                          </a:solidFill>
-                        </a:rPr>
-                        <a:t>UC7.3</a:t>
-                      </a:r>
-                    </a:p>
-                  </a:txBody>
-                  <a:tcPr>
-                    <a:solidFill>
-                      <a:srgbClr val="FCD965">
-                        <a:alpha val="35000"/>
-                      </a:srgbClr>
-                    </a:solidFill>
-                  </a:tcPr>
-                </a:tc>
-                <a:tc>
-                  <a:txBody>
-                    <a:bodyPr/>
-                    <a:lstStyle/>
-                    <a:p>
-                      <a:pPr algn="ctr"/>
-                      <a:r>
-                        <a:rPr lang="it-IT" sz="1400" dirty="0">
-                          <a:solidFill>
-                            <a:schemeClr val="bg1"/>
-                          </a:solidFill>
-                        </a:rPr>
-                        <a:t>X</a:t>
-                      </a:r>
-                    </a:p>
-                  </a:txBody>
-                  <a:tcPr>
-                    <a:solidFill>
-                      <a:srgbClr val="FCD965">
-                        <a:alpha val="35000"/>
-                      </a:srgbClr>
-                    </a:solidFill>
-                  </a:tcPr>
-                </a:tc>
-                <a:tc>
-                  <a:txBody>
-                    <a:bodyPr/>
-                    <a:lstStyle/>
-                    <a:p>
-                      <a:pPr algn="ctr"/>
-                      <a:r>
-                        <a:rPr lang="it-IT" sz="1400" dirty="0">
-                          <a:solidFill>
-                            <a:schemeClr val="bg1"/>
-                          </a:solidFill>
-                        </a:rPr>
-                        <a:t>X</a:t>
-                      </a:r>
-                    </a:p>
-                  </a:txBody>
-                  <a:tcPr>
-                    <a:solidFill>
-                      <a:srgbClr val="FCD965">
-                        <a:alpha val="35000"/>
-                      </a:srgbClr>
-                    </a:solidFill>
-                  </a:tcPr>
-                </a:tc>
-                <a:extLst>
-                  <a:ext uri="{0D108BD9-81ED-4DB2-BD59-A6C34878D82A}">
-                    <a16:rowId xmlns:a16="http://schemas.microsoft.com/office/drawing/2014/main" val="513391882"/>
-                  </a:ext>
-                </a:extLst>
-              </a:tr>
-            </a:tbl>
-          </a:graphicData>
-        </a:graphic>
-      </p:graphicFrame>
-      <p:graphicFrame>
-        <p:nvGraphicFramePr>
-          <p:cNvPr id="13" name="Tabella 12">
-            <a:extLst>
-              <a:ext uri="{FF2B5EF4-FFF2-40B4-BE49-F238E27FC236}">
-                <a16:creationId xmlns:a16="http://schemas.microsoft.com/office/drawing/2014/main" id="{88293C07-3244-4661-8DC9-BB9F8CCD11A0}"/>
-              </a:ext>
-            </a:extLst>
-          </p:cNvPr>
-          <p:cNvGraphicFramePr>
-            <a:graphicFrameLocks noGrp="1"/>
-          </p:cNvGraphicFramePr>
-          <p:nvPr>
-            <p:extLst>
-              <p:ext uri="{D42A27DB-BD31-4B8C-83A1-F6EECF244321}">
-                <p14:modId xmlns:p14="http://schemas.microsoft.com/office/powerpoint/2010/main" val="1457004235"/>
-              </p:ext>
-            </p:extLst>
-          </p:nvPr>
-        </p:nvGraphicFramePr>
-        <p:xfrm>
-          <a:off x="4572000" y="1914924"/>
-          <a:ext cx="4519447" cy="4876800"/>
-        </p:xfrm>
-        <a:graphic>
-          <a:graphicData uri="http://schemas.openxmlformats.org/drawingml/2006/table">
-            <a:tbl>
-              <a:tblPr firstRow="1" bandRow="1">
-                <a:tableStyleId>{00A15C55-8517-42AA-B614-E9B94910E393}</a:tableStyleId>
-              </a:tblPr>
-              <a:tblGrid>
-                <a:gridCol w="1122239">
-                  <a:extLst>
-                    <a:ext uri="{9D8B030D-6E8A-4147-A177-3AD203B41FA5}">
-                      <a16:colId xmlns:a16="http://schemas.microsoft.com/office/drawing/2014/main" val="3098465247"/>
-                    </a:ext>
-                  </a:extLst>
-                </a:gridCol>
-                <a:gridCol w="1904740">
-                  <a:extLst>
-                    <a:ext uri="{9D8B030D-6E8A-4147-A177-3AD203B41FA5}">
-                      <a16:colId xmlns:a16="http://schemas.microsoft.com/office/drawing/2014/main" val="414872655"/>
-                    </a:ext>
-                  </a:extLst>
-                </a:gridCol>
-                <a:gridCol w="1492468">
-                  <a:extLst>
-                    <a:ext uri="{9D8B030D-6E8A-4147-A177-3AD203B41FA5}">
-                      <a16:colId xmlns:a16="http://schemas.microsoft.com/office/drawing/2014/main" val="1484288329"/>
-                    </a:ext>
-                  </a:extLst>
-                </a:gridCol>
-              </a:tblGrid>
-              <a:tr h="268540">
-                <a:tc>
-                  <a:txBody>
-                    <a:bodyPr/>
-                    <a:lstStyle/>
-                    <a:p>
-                      <a:r>
-                        <a:rPr lang="it-IT" sz="1400" dirty="0"/>
-                        <a:t>Caso d’uso</a:t>
-                      </a:r>
-                    </a:p>
-                  </a:txBody>
-                  <a:tcPr>
-                    <a:solidFill>
-                      <a:srgbClr val="FCD965">
-                        <a:alpha val="65000"/>
-                      </a:srgbClr>
-                    </a:solidFill>
-                  </a:tcPr>
-                </a:tc>
-                <a:tc>
-                  <a:txBody>
-                    <a:bodyPr/>
-                    <a:lstStyle/>
-                    <a:p>
-                      <a:r>
-                        <a:rPr lang="it-IT" sz="1400" dirty="0"/>
-                        <a:t>Copertura</a:t>
-                      </a:r>
-                      <a:r>
-                        <a:rPr lang="it-IT" sz="1400" baseline="0" dirty="0"/>
-                        <a:t> </a:t>
-                      </a:r>
-                      <a:r>
-                        <a:rPr lang="it-IT" sz="1400" dirty="0"/>
-                        <a:t>architettura</a:t>
-                      </a:r>
-                    </a:p>
-                  </a:txBody>
-                  <a:tcPr>
-                    <a:solidFill>
-                      <a:srgbClr val="FCD965">
-                        <a:alpha val="65000"/>
-                      </a:srgbClr>
-                    </a:solidFill>
-                  </a:tcPr>
-                </a:tc>
-                <a:tc>
-                  <a:txBody>
-                    <a:bodyPr/>
-                    <a:lstStyle/>
-                    <a:p>
-                      <a:r>
-                        <a:rPr lang="it-IT" sz="1400" dirty="0"/>
-                        <a:t>Copertura</a:t>
-                      </a:r>
-                      <a:r>
-                        <a:rPr lang="it-IT" sz="1400" baseline="0" dirty="0"/>
-                        <a:t> </a:t>
-                      </a:r>
-                      <a:r>
-                        <a:rPr lang="it-IT" sz="1400" dirty="0"/>
-                        <a:t>codice</a:t>
-                      </a:r>
-                    </a:p>
-                  </a:txBody>
-                  <a:tcPr>
-                    <a:solidFill>
-                      <a:srgbClr val="FCD965">
-                        <a:alpha val="65000"/>
-                      </a:srgbClr>
-                    </a:solidFill>
-                  </a:tcPr>
-                </a:tc>
-                <a:extLst>
-                  <a:ext uri="{0D108BD9-81ED-4DB2-BD59-A6C34878D82A}">
-                    <a16:rowId xmlns:a16="http://schemas.microsoft.com/office/drawing/2014/main" val="2664035083"/>
-                  </a:ext>
-                </a:extLst>
-              </a:tr>
-              <a:tr h="285551">
-                <a:tc>
-                  <a:txBody>
-                    <a:bodyPr/>
-                    <a:lstStyle/>
-                    <a:p>
-                      <a:r>
-                        <a:rPr lang="it-IT" sz="1400" dirty="0">
-                          <a:solidFill>
-                            <a:schemeClr val="bg1"/>
-                          </a:solidFill>
-                        </a:rPr>
-                        <a:t>UC8</a:t>
-                      </a:r>
-                    </a:p>
-                  </a:txBody>
-                  <a:tcPr>
-                    <a:solidFill>
-                      <a:srgbClr val="FCD965">
-                        <a:alpha val="35000"/>
-                      </a:srgbClr>
-                    </a:solidFill>
-                  </a:tcPr>
-                </a:tc>
-                <a:tc>
-                  <a:txBody>
-                    <a:bodyPr/>
-                    <a:lstStyle/>
-                    <a:p>
-                      <a:pPr algn="ctr"/>
-                      <a:endParaRPr lang="it-IT" sz="1400">
-                        <a:solidFill>
-                          <a:schemeClr val="bg1"/>
-                        </a:solidFill>
-                      </a:endParaRPr>
-                    </a:p>
-                  </a:txBody>
-                  <a:tcPr>
-                    <a:solidFill>
-                      <a:srgbClr val="FCD965">
-                        <a:alpha val="35000"/>
-                      </a:srgbClr>
-                    </a:solidFill>
-                  </a:tcPr>
-                </a:tc>
-                <a:tc>
-                  <a:txBody>
-                    <a:bodyPr/>
-                    <a:lstStyle/>
-                    <a:p>
-                      <a:pPr algn="ctr"/>
-                      <a:endParaRPr lang="it-IT" sz="1400">
-                        <a:solidFill>
-                          <a:schemeClr val="bg1"/>
-                        </a:solidFill>
-                      </a:endParaRPr>
-                    </a:p>
-                  </a:txBody>
-                  <a:tcPr>
-                    <a:solidFill>
-                      <a:srgbClr val="FCD965">
-                        <a:alpha val="35000"/>
-                      </a:srgbClr>
-                    </a:solidFill>
-                  </a:tcPr>
-                </a:tc>
-                <a:extLst>
-                  <a:ext uri="{0D108BD9-81ED-4DB2-BD59-A6C34878D82A}">
-                    <a16:rowId xmlns:a16="http://schemas.microsoft.com/office/drawing/2014/main" val="3878728683"/>
-                  </a:ext>
-                </a:extLst>
-              </a:tr>
-              <a:tr h="285551">
-                <a:tc>
-                  <a:txBody>
-                    <a:bodyPr/>
-                    <a:lstStyle/>
-                    <a:p>
-                      <a:r>
-                        <a:rPr lang="it-IT" sz="1400" dirty="0">
-                          <a:solidFill>
-                            <a:schemeClr val="bg1"/>
-                          </a:solidFill>
-                        </a:rPr>
-                        <a:t>UC8.1</a:t>
-                      </a:r>
-                    </a:p>
-                  </a:txBody>
-                  <a:tcPr>
-                    <a:solidFill>
-                      <a:srgbClr val="FCD965">
-                        <a:alpha val="35000"/>
-                      </a:srgbClr>
-                    </a:solidFill>
-                  </a:tcPr>
-                </a:tc>
-                <a:tc>
-                  <a:txBody>
-                    <a:bodyPr/>
-                    <a:lstStyle/>
-                    <a:p>
-                      <a:pPr algn="ctr"/>
-                      <a:endParaRPr lang="it-IT" sz="1400">
-                        <a:solidFill>
-                          <a:schemeClr val="bg1"/>
-                        </a:solidFill>
-                      </a:endParaRPr>
-                    </a:p>
-                  </a:txBody>
-                  <a:tcPr>
-                    <a:solidFill>
-                      <a:srgbClr val="FCD965">
-                        <a:alpha val="35000"/>
-                      </a:srgbClr>
-                    </a:solidFill>
-                  </a:tcPr>
-                </a:tc>
-                <a:tc>
-                  <a:txBody>
-                    <a:bodyPr/>
-                    <a:lstStyle/>
-                    <a:p>
-                      <a:pPr algn="ctr"/>
-                      <a:endParaRPr lang="it-IT" sz="1400">
-                        <a:solidFill>
-                          <a:schemeClr val="bg1"/>
-                        </a:solidFill>
-                      </a:endParaRPr>
-                    </a:p>
-                  </a:txBody>
-                  <a:tcPr>
-                    <a:solidFill>
-                      <a:srgbClr val="FCD965">
-                        <a:alpha val="35000"/>
-                      </a:srgbClr>
-                    </a:solidFill>
-                  </a:tcPr>
-                </a:tc>
-                <a:extLst>
-                  <a:ext uri="{0D108BD9-81ED-4DB2-BD59-A6C34878D82A}">
-                    <a16:rowId xmlns:a16="http://schemas.microsoft.com/office/drawing/2014/main" val="1125319358"/>
-                  </a:ext>
-                </a:extLst>
-              </a:tr>
-              <a:tr h="285551">
-                <a:tc>
-                  <a:txBody>
-                    <a:bodyPr/>
-                    <a:lstStyle/>
-                    <a:p>
-                      <a:r>
-                        <a:rPr lang="it-IT" sz="1400" dirty="0">
-                          <a:solidFill>
-                            <a:schemeClr val="bg1"/>
-                          </a:solidFill>
-                        </a:rPr>
-                        <a:t>UC9</a:t>
-                      </a:r>
-                    </a:p>
-                  </a:txBody>
-                  <a:tcPr>
-                    <a:solidFill>
-                      <a:srgbClr val="FCD965">
-                        <a:alpha val="35000"/>
-                      </a:srgbClr>
-                    </a:solidFill>
-                  </a:tcPr>
-                </a:tc>
-                <a:tc>
-                  <a:txBody>
-                    <a:bodyPr/>
-                    <a:lstStyle/>
-                    <a:p>
-                      <a:pPr algn="ctr"/>
-                      <a:endParaRPr lang="it-IT" sz="1400">
-                        <a:solidFill>
-                          <a:schemeClr val="bg1"/>
-                        </a:solidFill>
-                      </a:endParaRPr>
-                    </a:p>
-                  </a:txBody>
-                  <a:tcPr>
-                    <a:solidFill>
-                      <a:srgbClr val="FCD965">
-                        <a:alpha val="35000"/>
-                      </a:srgbClr>
-                    </a:solidFill>
-                  </a:tcPr>
-                </a:tc>
-                <a:tc>
-                  <a:txBody>
-                    <a:bodyPr/>
-                    <a:lstStyle/>
-                    <a:p>
-                      <a:pPr algn="ctr"/>
-                      <a:endParaRPr lang="it-IT" sz="1400">
-                        <a:solidFill>
-                          <a:schemeClr val="bg1"/>
-                        </a:solidFill>
-                      </a:endParaRPr>
-                    </a:p>
-                  </a:txBody>
-                  <a:tcPr>
-                    <a:solidFill>
-                      <a:srgbClr val="FCD965">
-                        <a:alpha val="35000"/>
-                      </a:srgbClr>
-                    </a:solidFill>
-                  </a:tcPr>
-                </a:tc>
-                <a:extLst>
-                  <a:ext uri="{0D108BD9-81ED-4DB2-BD59-A6C34878D82A}">
-                    <a16:rowId xmlns:a16="http://schemas.microsoft.com/office/drawing/2014/main" val="1426305325"/>
-                  </a:ext>
-                </a:extLst>
-              </a:tr>
-              <a:tr h="285551">
-                <a:tc>
-                  <a:txBody>
-                    <a:bodyPr/>
-                    <a:lstStyle/>
-                    <a:p>
-                      <a:r>
-                        <a:rPr lang="it-IT" sz="1400" dirty="0">
-                          <a:solidFill>
-                            <a:schemeClr val="bg1"/>
-                          </a:solidFill>
-                        </a:rPr>
-                        <a:t>UC9.1</a:t>
-                      </a:r>
-                    </a:p>
-                  </a:txBody>
-                  <a:tcPr>
-                    <a:solidFill>
-                      <a:srgbClr val="FCD965">
-                        <a:alpha val="35000"/>
-                      </a:srgbClr>
-                    </a:solidFill>
-                  </a:tcPr>
-                </a:tc>
-                <a:tc>
-                  <a:txBody>
-                    <a:bodyPr/>
-                    <a:lstStyle/>
-                    <a:p>
-                      <a:pPr algn="ctr"/>
-                      <a:endParaRPr lang="it-IT" sz="1400">
-                        <a:solidFill>
-                          <a:schemeClr val="bg1"/>
-                        </a:solidFill>
-                      </a:endParaRPr>
-                    </a:p>
-                  </a:txBody>
-                  <a:tcPr>
-                    <a:solidFill>
-                      <a:srgbClr val="FCD965">
-                        <a:alpha val="35000"/>
-                      </a:srgbClr>
-                    </a:solidFill>
-                  </a:tcPr>
-                </a:tc>
-                <a:tc>
-                  <a:txBody>
-                    <a:bodyPr/>
-                    <a:lstStyle/>
-                    <a:p>
-                      <a:pPr algn="ctr"/>
-                      <a:endParaRPr lang="it-IT" sz="1400">
-                        <a:solidFill>
-                          <a:schemeClr val="bg1"/>
-                        </a:solidFill>
-                      </a:endParaRPr>
-                    </a:p>
-                  </a:txBody>
-                  <a:tcPr>
-                    <a:solidFill>
-                      <a:srgbClr val="FCD965">
-                        <a:alpha val="35000"/>
-                      </a:srgbClr>
-                    </a:solidFill>
-                  </a:tcPr>
-                </a:tc>
-                <a:extLst>
-                  <a:ext uri="{0D108BD9-81ED-4DB2-BD59-A6C34878D82A}">
-                    <a16:rowId xmlns:a16="http://schemas.microsoft.com/office/drawing/2014/main" val="3715698132"/>
-                  </a:ext>
-                </a:extLst>
-              </a:tr>
-              <a:tr h="285551">
-                <a:tc>
-                  <a:txBody>
-                    <a:bodyPr/>
-                    <a:lstStyle/>
-                    <a:p>
-                      <a:r>
-                        <a:rPr lang="it-IT" sz="1400" dirty="0">
-                          <a:solidFill>
-                            <a:schemeClr val="bg1"/>
-                          </a:solidFill>
-                        </a:rPr>
-                        <a:t>UC10</a:t>
-                      </a:r>
-                    </a:p>
-                  </a:txBody>
-                  <a:tcPr>
-                    <a:solidFill>
-                      <a:srgbClr val="FCD965">
-                        <a:alpha val="35000"/>
-                      </a:srgbClr>
-                    </a:solidFill>
-                  </a:tcPr>
-                </a:tc>
-                <a:tc>
-                  <a:txBody>
-                    <a:bodyPr/>
-                    <a:lstStyle/>
-                    <a:p>
-                      <a:pPr algn="ctr"/>
-                      <a:r>
-                        <a:rPr lang="it-IT" sz="1400" dirty="0">
-                          <a:solidFill>
-                            <a:schemeClr val="bg1"/>
-                          </a:solidFill>
-                        </a:rPr>
-                        <a:t>X</a:t>
-                      </a:r>
-                    </a:p>
-                  </a:txBody>
-                  <a:tcPr>
-                    <a:solidFill>
-                      <a:srgbClr val="FCD965">
-                        <a:alpha val="35000"/>
-                      </a:srgbClr>
-                    </a:solidFill>
-                  </a:tcPr>
-                </a:tc>
-                <a:tc>
-                  <a:txBody>
-                    <a:bodyPr/>
-                    <a:lstStyle/>
-                    <a:p>
-                      <a:pPr algn="ctr"/>
-                      <a:endParaRPr lang="it-IT" sz="1400" dirty="0">
-                        <a:solidFill>
-                          <a:schemeClr val="bg1"/>
-                        </a:solidFill>
-                      </a:endParaRPr>
-                    </a:p>
-                  </a:txBody>
-                  <a:tcPr>
-                    <a:solidFill>
-                      <a:srgbClr val="FCD965">
-                        <a:alpha val="35000"/>
-                      </a:srgbClr>
-                    </a:solidFill>
-                  </a:tcPr>
-                </a:tc>
-                <a:extLst>
-                  <a:ext uri="{0D108BD9-81ED-4DB2-BD59-A6C34878D82A}">
-                    <a16:rowId xmlns:a16="http://schemas.microsoft.com/office/drawing/2014/main" val="3456609315"/>
-                  </a:ext>
-                </a:extLst>
-              </a:tr>
-              <a:tr h="285551">
-                <a:tc>
-                  <a:txBody>
-                    <a:bodyPr/>
-                    <a:lstStyle/>
-                    <a:p>
-                      <a:r>
-                        <a:rPr lang="it-IT" sz="1400" dirty="0">
-                          <a:solidFill>
-                            <a:schemeClr val="bg1"/>
-                          </a:solidFill>
-                        </a:rPr>
-                        <a:t>UC10.1</a:t>
-                      </a:r>
-                    </a:p>
-                  </a:txBody>
-                  <a:tcPr>
-                    <a:solidFill>
-                      <a:srgbClr val="FCD965">
-                        <a:alpha val="35000"/>
-                      </a:srgbClr>
-                    </a:solidFill>
-                  </a:tcPr>
-                </a:tc>
-                <a:tc>
-                  <a:txBody>
-                    <a:bodyPr/>
-                    <a:lstStyle/>
-                    <a:p>
-                      <a:pPr algn="ctr"/>
-                      <a:endParaRPr lang="it-IT" sz="1400" dirty="0">
-                        <a:solidFill>
-                          <a:schemeClr val="bg1"/>
-                        </a:solidFill>
-                      </a:endParaRPr>
-                    </a:p>
-                  </a:txBody>
-                  <a:tcPr>
-                    <a:solidFill>
-                      <a:srgbClr val="FCD965">
-                        <a:alpha val="35000"/>
-                      </a:srgbClr>
-                    </a:solidFill>
-                  </a:tcPr>
-                </a:tc>
-                <a:tc>
-                  <a:txBody>
-                    <a:bodyPr/>
-                    <a:lstStyle/>
-                    <a:p>
-                      <a:pPr algn="ctr"/>
-                      <a:endParaRPr lang="it-IT" sz="1400" dirty="0">
-                        <a:solidFill>
-                          <a:schemeClr val="bg1"/>
-                        </a:solidFill>
-                      </a:endParaRPr>
-                    </a:p>
-                  </a:txBody>
-                  <a:tcPr>
-                    <a:solidFill>
-                      <a:srgbClr val="FCD965">
-                        <a:alpha val="35000"/>
-                      </a:srgbClr>
-                    </a:solidFill>
-                  </a:tcPr>
-                </a:tc>
-                <a:extLst>
-                  <a:ext uri="{0D108BD9-81ED-4DB2-BD59-A6C34878D82A}">
-                    <a16:rowId xmlns:a16="http://schemas.microsoft.com/office/drawing/2014/main" val="4251963506"/>
-                  </a:ext>
-                </a:extLst>
-              </a:tr>
-              <a:tr h="285551">
-                <a:tc>
-                  <a:txBody>
-                    <a:bodyPr/>
-                    <a:lstStyle/>
-                    <a:p>
-                      <a:r>
-                        <a:rPr lang="it-IT" sz="1400" dirty="0">
-                          <a:solidFill>
-                            <a:schemeClr val="bg1"/>
-                          </a:solidFill>
-                        </a:rPr>
-                        <a:t>UC11</a:t>
-                      </a:r>
-                    </a:p>
-                  </a:txBody>
-                  <a:tcPr>
-                    <a:solidFill>
-                      <a:srgbClr val="FCD965">
-                        <a:alpha val="35000"/>
-                      </a:srgbClr>
-                    </a:solidFill>
-                  </a:tcPr>
-                </a:tc>
-                <a:tc>
-                  <a:txBody>
-                    <a:bodyPr/>
-                    <a:lstStyle/>
-                    <a:p>
-                      <a:pPr algn="ctr"/>
-                      <a:endParaRPr lang="it-IT" sz="1400" dirty="0">
-                        <a:solidFill>
-                          <a:schemeClr val="bg1"/>
-                        </a:solidFill>
-                      </a:endParaRPr>
-                    </a:p>
-                  </a:txBody>
-                  <a:tcPr>
-                    <a:solidFill>
-                      <a:srgbClr val="FCD965">
-                        <a:alpha val="35000"/>
-                      </a:srgbClr>
-                    </a:solidFill>
-                  </a:tcPr>
-                </a:tc>
-                <a:tc>
-                  <a:txBody>
-                    <a:bodyPr/>
-                    <a:lstStyle/>
-                    <a:p>
-                      <a:pPr algn="ctr"/>
-                      <a:endParaRPr lang="it-IT" sz="1400" dirty="0">
-                        <a:solidFill>
-                          <a:schemeClr val="bg1"/>
-                        </a:solidFill>
-                      </a:endParaRPr>
-                    </a:p>
-                  </a:txBody>
-                  <a:tcPr>
-                    <a:solidFill>
-                      <a:srgbClr val="FCD965">
-                        <a:alpha val="35000"/>
-                      </a:srgbClr>
-                    </a:solidFill>
-                  </a:tcPr>
-                </a:tc>
-                <a:extLst>
-                  <a:ext uri="{0D108BD9-81ED-4DB2-BD59-A6C34878D82A}">
-                    <a16:rowId xmlns:a16="http://schemas.microsoft.com/office/drawing/2014/main" val="3731148507"/>
-                  </a:ext>
-                </a:extLst>
-              </a:tr>
-              <a:tr h="285551">
-                <a:tc>
-                  <a:txBody>
-                    <a:bodyPr/>
-                    <a:lstStyle/>
-                    <a:p>
-                      <a:r>
-                        <a:rPr lang="it-IT" sz="1400" dirty="0">
-                          <a:solidFill>
-                            <a:schemeClr val="bg1"/>
-                          </a:solidFill>
-                        </a:rPr>
-                        <a:t>UC11.1</a:t>
-                      </a:r>
-                    </a:p>
-                  </a:txBody>
-                  <a:tcPr>
-                    <a:solidFill>
-                      <a:srgbClr val="FCD965">
-                        <a:alpha val="35000"/>
-                      </a:srgbClr>
-                    </a:solidFill>
-                  </a:tcPr>
-                </a:tc>
-                <a:tc>
-                  <a:txBody>
-                    <a:bodyPr/>
-                    <a:lstStyle/>
-                    <a:p>
-                      <a:pPr algn="ctr"/>
-                      <a:endParaRPr lang="it-IT" sz="1400" dirty="0">
-                        <a:solidFill>
-                          <a:schemeClr val="bg1"/>
-                        </a:solidFill>
-                      </a:endParaRPr>
-                    </a:p>
-                  </a:txBody>
-                  <a:tcPr>
-                    <a:solidFill>
-                      <a:srgbClr val="FCD965">
-                        <a:alpha val="35000"/>
-                      </a:srgbClr>
-                    </a:solidFill>
-                  </a:tcPr>
-                </a:tc>
-                <a:tc>
-                  <a:txBody>
-                    <a:bodyPr/>
-                    <a:lstStyle/>
-                    <a:p>
-                      <a:pPr algn="ctr"/>
-                      <a:endParaRPr lang="it-IT" sz="1400" dirty="0">
-                        <a:solidFill>
-                          <a:schemeClr val="bg1"/>
-                        </a:solidFill>
-                      </a:endParaRPr>
-                    </a:p>
-                  </a:txBody>
-                  <a:tcPr>
-                    <a:solidFill>
-                      <a:srgbClr val="FCD965">
-                        <a:alpha val="35000"/>
-                      </a:srgbClr>
-                    </a:solidFill>
-                  </a:tcPr>
-                </a:tc>
-                <a:extLst>
-                  <a:ext uri="{0D108BD9-81ED-4DB2-BD59-A6C34878D82A}">
-                    <a16:rowId xmlns:a16="http://schemas.microsoft.com/office/drawing/2014/main" val="4209218957"/>
-                  </a:ext>
-                </a:extLst>
-              </a:tr>
-              <a:tr h="285551">
-                <a:tc>
-                  <a:txBody>
-                    <a:bodyPr/>
-                    <a:lstStyle/>
-                    <a:p>
-                      <a:r>
-                        <a:rPr lang="it-IT" sz="1400" dirty="0">
-                          <a:solidFill>
-                            <a:schemeClr val="bg1"/>
-                          </a:solidFill>
-                        </a:rPr>
-                        <a:t>UC12</a:t>
-                      </a:r>
-                    </a:p>
-                  </a:txBody>
-                  <a:tcPr>
-                    <a:solidFill>
-                      <a:srgbClr val="FCD965">
-                        <a:alpha val="35000"/>
-                      </a:srgbClr>
-                    </a:solidFill>
-                  </a:tcPr>
-                </a:tc>
-                <a:tc>
-                  <a:txBody>
-                    <a:bodyPr/>
-                    <a:lstStyle/>
-                    <a:p>
-                      <a:pPr algn="ctr"/>
-                      <a:r>
-                        <a:rPr lang="it-IT" sz="1400" dirty="0">
-                          <a:solidFill>
-                            <a:schemeClr val="bg1"/>
-                          </a:solidFill>
-                        </a:rPr>
-                        <a:t>X</a:t>
-                      </a:r>
-                    </a:p>
-                  </a:txBody>
-                  <a:tcPr>
-                    <a:solidFill>
-                      <a:srgbClr val="FCD965">
-                        <a:alpha val="35000"/>
-                      </a:srgbClr>
-                    </a:solidFill>
-                  </a:tcPr>
-                </a:tc>
-                <a:tc>
-                  <a:txBody>
-                    <a:bodyPr/>
-                    <a:lstStyle/>
-                    <a:p>
-                      <a:pPr algn="ctr"/>
-                      <a:endParaRPr lang="it-IT" sz="1400" dirty="0">
-                        <a:solidFill>
-                          <a:schemeClr val="bg1"/>
-                        </a:solidFill>
-                      </a:endParaRPr>
-                    </a:p>
-                  </a:txBody>
-                  <a:tcPr>
-                    <a:solidFill>
-                      <a:srgbClr val="FCD965">
-                        <a:alpha val="35000"/>
-                      </a:srgbClr>
-                    </a:solidFill>
-                  </a:tcPr>
-                </a:tc>
-                <a:extLst>
-                  <a:ext uri="{0D108BD9-81ED-4DB2-BD59-A6C34878D82A}">
-                    <a16:rowId xmlns:a16="http://schemas.microsoft.com/office/drawing/2014/main" val="2107590001"/>
-                  </a:ext>
-                </a:extLst>
-              </a:tr>
-              <a:tr h="285551">
-                <a:tc>
-                  <a:txBody>
-                    <a:bodyPr/>
-                    <a:lstStyle/>
-                    <a:p>
-                      <a:r>
-                        <a:rPr lang="it-IT" sz="1400" dirty="0">
-                          <a:solidFill>
-                            <a:schemeClr val="bg1"/>
-                          </a:solidFill>
-                        </a:rPr>
-                        <a:t>UC13</a:t>
-                      </a:r>
-                    </a:p>
-                  </a:txBody>
-                  <a:tcPr>
-                    <a:solidFill>
-                      <a:srgbClr val="FCD965">
-                        <a:alpha val="35000"/>
-                      </a:srgbClr>
-                    </a:solidFill>
-                  </a:tcPr>
-                </a:tc>
-                <a:tc>
-                  <a:txBody>
-                    <a:bodyPr/>
-                    <a:lstStyle/>
-                    <a:p>
-                      <a:pPr algn="ctr"/>
-                      <a:endParaRPr lang="it-IT" sz="1400" dirty="0">
-                        <a:solidFill>
-                          <a:schemeClr val="bg1"/>
-                        </a:solidFill>
-                      </a:endParaRPr>
-                    </a:p>
-                  </a:txBody>
-                  <a:tcPr>
-                    <a:solidFill>
-                      <a:srgbClr val="FCD965">
-                        <a:alpha val="35000"/>
-                      </a:srgbClr>
-                    </a:solidFill>
-                  </a:tcPr>
-                </a:tc>
-                <a:tc>
-                  <a:txBody>
-                    <a:bodyPr/>
-                    <a:lstStyle/>
-                    <a:p>
-                      <a:pPr algn="ctr"/>
-                      <a:endParaRPr lang="it-IT" sz="1400" dirty="0">
-                        <a:solidFill>
-                          <a:schemeClr val="bg1"/>
-                        </a:solidFill>
-                      </a:endParaRPr>
-                    </a:p>
-                  </a:txBody>
-                  <a:tcPr>
-                    <a:solidFill>
-                      <a:srgbClr val="FCD965">
-                        <a:alpha val="35000"/>
-                      </a:srgbClr>
-                    </a:solidFill>
-                  </a:tcPr>
-                </a:tc>
-                <a:extLst>
-                  <a:ext uri="{0D108BD9-81ED-4DB2-BD59-A6C34878D82A}">
-                    <a16:rowId xmlns:a16="http://schemas.microsoft.com/office/drawing/2014/main" val="759255058"/>
-                  </a:ext>
-                </a:extLst>
-              </a:tr>
-              <a:tr h="285551">
-                <a:tc>
-                  <a:txBody>
-                    <a:bodyPr/>
-                    <a:lstStyle/>
-                    <a:p>
-                      <a:r>
-                        <a:rPr lang="it-IT" sz="1400" dirty="0">
-                          <a:solidFill>
-                            <a:schemeClr val="bg1"/>
-                          </a:solidFill>
-                        </a:rPr>
-                        <a:t>UC13.1</a:t>
-                      </a:r>
-                    </a:p>
-                  </a:txBody>
-                  <a:tcPr>
-                    <a:solidFill>
-                      <a:srgbClr val="FCD965">
-                        <a:alpha val="35000"/>
-                      </a:srgbClr>
-                    </a:solidFill>
-                  </a:tcPr>
-                </a:tc>
-                <a:tc>
-                  <a:txBody>
-                    <a:bodyPr/>
-                    <a:lstStyle/>
-                    <a:p>
-                      <a:pPr algn="ctr"/>
-                      <a:r>
-                        <a:rPr lang="it-IT" sz="1400" dirty="0">
-                          <a:solidFill>
-                            <a:schemeClr val="bg1"/>
-                          </a:solidFill>
-                        </a:rPr>
-                        <a:t>X</a:t>
-                      </a:r>
-                    </a:p>
-                  </a:txBody>
-                  <a:tcPr>
-                    <a:solidFill>
-                      <a:srgbClr val="FCD965">
-                        <a:alpha val="35000"/>
-                      </a:srgbClr>
-                    </a:solidFill>
-                  </a:tcPr>
-                </a:tc>
-                <a:tc>
-                  <a:txBody>
-                    <a:bodyPr/>
-                    <a:lstStyle/>
-                    <a:p>
-                      <a:pPr algn="ctr"/>
-                      <a:endParaRPr lang="it-IT" sz="1400" dirty="0">
-                        <a:solidFill>
-                          <a:schemeClr val="bg1"/>
-                        </a:solidFill>
-                      </a:endParaRPr>
-                    </a:p>
-                  </a:txBody>
-                  <a:tcPr>
-                    <a:solidFill>
-                      <a:srgbClr val="FCD965">
-                        <a:alpha val="35000"/>
-                      </a:srgbClr>
-                    </a:solidFill>
-                  </a:tcPr>
-                </a:tc>
-                <a:extLst>
-                  <a:ext uri="{0D108BD9-81ED-4DB2-BD59-A6C34878D82A}">
-                    <a16:rowId xmlns:a16="http://schemas.microsoft.com/office/drawing/2014/main" val="1556226710"/>
-                  </a:ext>
-                </a:extLst>
-              </a:tr>
-              <a:tr h="285551">
-                <a:tc>
-                  <a:txBody>
-                    <a:bodyPr/>
-                    <a:lstStyle/>
-                    <a:p>
-                      <a:r>
-                        <a:rPr lang="it-IT" sz="1400" dirty="0">
-                          <a:solidFill>
-                            <a:schemeClr val="bg1"/>
-                          </a:solidFill>
-                        </a:rPr>
-                        <a:t>UC13.2</a:t>
-                      </a:r>
-                    </a:p>
-                  </a:txBody>
-                  <a:tcPr>
-                    <a:solidFill>
-                      <a:srgbClr val="FCD965">
-                        <a:alpha val="35000"/>
-                      </a:srgbClr>
-                    </a:solidFill>
-                  </a:tcPr>
-                </a:tc>
-                <a:tc>
-                  <a:txBody>
-                    <a:bodyPr/>
-                    <a:lstStyle/>
-                    <a:p>
-                      <a:pPr algn="ctr"/>
-                      <a:r>
-                        <a:rPr lang="it-IT" sz="1400" dirty="0">
-                          <a:solidFill>
-                            <a:schemeClr val="bg1"/>
-                          </a:solidFill>
-                        </a:rPr>
-                        <a:t>X</a:t>
-                      </a:r>
-                    </a:p>
-                  </a:txBody>
-                  <a:tcPr>
-                    <a:solidFill>
-                      <a:srgbClr val="FCD965">
-                        <a:alpha val="35000"/>
-                      </a:srgbClr>
-                    </a:solidFill>
-                  </a:tcPr>
-                </a:tc>
-                <a:tc>
-                  <a:txBody>
-                    <a:bodyPr/>
-                    <a:lstStyle/>
-                    <a:p>
-                      <a:pPr algn="ctr"/>
-                      <a:r>
-                        <a:rPr lang="it-IT" sz="1400" dirty="0">
-                          <a:solidFill>
-                            <a:schemeClr val="bg1"/>
-                          </a:solidFill>
-                        </a:rPr>
-                        <a:t>X</a:t>
-                      </a:r>
-                    </a:p>
-                  </a:txBody>
-                  <a:tcPr>
-                    <a:solidFill>
-                      <a:srgbClr val="FCD965">
-                        <a:alpha val="35000"/>
-                      </a:srgbClr>
-                    </a:solidFill>
-                  </a:tcPr>
-                </a:tc>
-                <a:extLst>
-                  <a:ext uri="{0D108BD9-81ED-4DB2-BD59-A6C34878D82A}">
-                    <a16:rowId xmlns:a16="http://schemas.microsoft.com/office/drawing/2014/main" val="1938586395"/>
-                  </a:ext>
-                </a:extLst>
-              </a:tr>
-              <a:tr h="285551">
-                <a:tc>
-                  <a:txBody>
-                    <a:bodyPr/>
-                    <a:lstStyle/>
-                    <a:p>
-                      <a:r>
-                        <a:rPr lang="it-IT" sz="1400" dirty="0">
-                          <a:solidFill>
-                            <a:schemeClr val="bg1"/>
-                          </a:solidFill>
-                        </a:rPr>
-                        <a:t>UC13.3</a:t>
-                      </a:r>
-                    </a:p>
-                  </a:txBody>
-                  <a:tcPr>
-                    <a:solidFill>
-                      <a:srgbClr val="FCD965">
-                        <a:alpha val="35000"/>
-                      </a:srgbClr>
-                    </a:solidFill>
-                  </a:tcPr>
-                </a:tc>
-                <a:tc>
-                  <a:txBody>
-                    <a:bodyPr/>
-                    <a:lstStyle/>
-                    <a:p>
-                      <a:pPr algn="ctr"/>
-                      <a:endParaRPr lang="it-IT" sz="1400" dirty="0">
-                        <a:solidFill>
-                          <a:schemeClr val="bg1"/>
-                        </a:solidFill>
-                      </a:endParaRPr>
-                    </a:p>
-                  </a:txBody>
-                  <a:tcPr>
-                    <a:solidFill>
-                      <a:srgbClr val="FCD965">
-                        <a:alpha val="35000"/>
-                      </a:srgbClr>
-                    </a:solidFill>
-                  </a:tcPr>
-                </a:tc>
-                <a:tc>
-                  <a:txBody>
-                    <a:bodyPr/>
-                    <a:lstStyle/>
-                    <a:p>
-                      <a:pPr algn="ctr"/>
-                      <a:endParaRPr lang="it-IT" sz="1400" dirty="0">
-                        <a:solidFill>
-                          <a:schemeClr val="bg1"/>
-                        </a:solidFill>
-                      </a:endParaRPr>
-                    </a:p>
-                  </a:txBody>
-                  <a:tcPr>
-                    <a:solidFill>
-                      <a:srgbClr val="FCD965">
-                        <a:alpha val="35000"/>
-                      </a:srgbClr>
-                    </a:solidFill>
-                  </a:tcPr>
-                </a:tc>
-                <a:extLst>
-                  <a:ext uri="{0D108BD9-81ED-4DB2-BD59-A6C34878D82A}">
-                    <a16:rowId xmlns:a16="http://schemas.microsoft.com/office/drawing/2014/main" val="378289429"/>
-                  </a:ext>
-                </a:extLst>
-              </a:tr>
-              <a:tr h="285551">
-                <a:tc>
-                  <a:txBody>
-                    <a:bodyPr/>
-                    <a:lstStyle/>
-                    <a:p>
-                      <a:r>
-                        <a:rPr lang="it-IT" sz="1400" dirty="0">
-                          <a:solidFill>
-                            <a:schemeClr val="bg1"/>
-                          </a:solidFill>
-                        </a:rPr>
-                        <a:t>UC13.4</a:t>
-                      </a:r>
-                    </a:p>
-                  </a:txBody>
-                  <a:tcPr>
-                    <a:solidFill>
-                      <a:srgbClr val="FCD965">
-                        <a:alpha val="35000"/>
-                      </a:srgbClr>
-                    </a:solidFill>
-                  </a:tcPr>
-                </a:tc>
-                <a:tc>
-                  <a:txBody>
-                    <a:bodyPr/>
-                    <a:lstStyle/>
-                    <a:p>
-                      <a:pPr algn="ctr"/>
-                      <a:endParaRPr lang="it-IT" sz="1400" dirty="0">
-                        <a:solidFill>
-                          <a:schemeClr val="bg1"/>
-                        </a:solidFill>
-                      </a:endParaRPr>
-                    </a:p>
-                  </a:txBody>
-                  <a:tcPr>
-                    <a:solidFill>
-                      <a:srgbClr val="FCD965">
-                        <a:alpha val="35000"/>
-                      </a:srgbClr>
-                    </a:solidFill>
-                  </a:tcPr>
-                </a:tc>
-                <a:tc>
-                  <a:txBody>
-                    <a:bodyPr/>
-                    <a:lstStyle/>
-                    <a:p>
-                      <a:pPr algn="ctr"/>
-                      <a:endParaRPr lang="it-IT" sz="1400" dirty="0">
-                        <a:solidFill>
-                          <a:schemeClr val="bg1"/>
-                        </a:solidFill>
-                      </a:endParaRPr>
-                    </a:p>
-                  </a:txBody>
-                  <a:tcPr>
-                    <a:solidFill>
-                      <a:srgbClr val="FCD965">
-                        <a:alpha val="35000"/>
-                      </a:srgbClr>
-                    </a:solidFill>
-                  </a:tcPr>
-                </a:tc>
-                <a:extLst>
-                  <a:ext uri="{0D108BD9-81ED-4DB2-BD59-A6C34878D82A}">
-                    <a16:rowId xmlns:a16="http://schemas.microsoft.com/office/drawing/2014/main" val="4265841690"/>
-                  </a:ext>
-                </a:extLst>
-              </a:tr>
-              <a:tr h="285551">
-                <a:tc>
-                  <a:txBody>
-                    <a:bodyPr/>
-                    <a:lstStyle/>
-                    <a:p>
-                      <a:r>
-                        <a:rPr lang="it-IT" sz="1400" dirty="0">
-                          <a:solidFill>
-                            <a:schemeClr val="bg1"/>
-                          </a:solidFill>
-                        </a:rPr>
-                        <a:t>UC13.5</a:t>
-                      </a:r>
-                    </a:p>
-                  </a:txBody>
-                  <a:tcPr>
-                    <a:solidFill>
-                      <a:srgbClr val="FCD965">
-                        <a:alpha val="35000"/>
-                      </a:srgbClr>
-                    </a:solidFill>
-                  </a:tcPr>
-                </a:tc>
-                <a:tc>
-                  <a:txBody>
-                    <a:bodyPr/>
-                    <a:lstStyle/>
-                    <a:p>
-                      <a:pPr algn="ctr"/>
-                      <a:r>
-                        <a:rPr lang="it-IT" sz="1400" dirty="0">
-                          <a:solidFill>
-                            <a:schemeClr val="bg1"/>
-                          </a:solidFill>
-                        </a:rPr>
-                        <a:t>X</a:t>
-                      </a:r>
-                    </a:p>
-                  </a:txBody>
-                  <a:tcPr>
-                    <a:solidFill>
-                      <a:srgbClr val="FCD965">
-                        <a:alpha val="35000"/>
-                      </a:srgbClr>
-                    </a:solidFill>
-                  </a:tcPr>
-                </a:tc>
-                <a:tc>
-                  <a:txBody>
-                    <a:bodyPr/>
-                    <a:lstStyle/>
-                    <a:p>
-                      <a:pPr algn="ctr"/>
-                      <a:r>
-                        <a:rPr lang="it-IT" sz="1400" dirty="0">
-                          <a:solidFill>
-                            <a:schemeClr val="bg1"/>
-                          </a:solidFill>
-                        </a:rPr>
-                        <a:t>X</a:t>
-                      </a:r>
-                    </a:p>
-                  </a:txBody>
-                  <a:tcPr>
-                    <a:solidFill>
-                      <a:srgbClr val="FCD965">
-                        <a:alpha val="35000"/>
-                      </a:srgbClr>
-                    </a:solidFill>
-                  </a:tcPr>
-                </a:tc>
-                <a:extLst>
-                  <a:ext uri="{0D108BD9-81ED-4DB2-BD59-A6C34878D82A}">
-                    <a16:rowId xmlns:a16="http://schemas.microsoft.com/office/drawing/2014/main" val="513391882"/>
-                  </a:ext>
-                </a:extLst>
-              </a:tr>
-            </a:tbl>
-          </a:graphicData>
-        </a:graphic>
-      </p:graphicFrame>
-      <p:graphicFrame>
-        <p:nvGraphicFramePr>
           <p:cNvPr id="14" name="Grafico 13">
             <a:extLst>
               <a:ext uri="{FF2B5EF4-FFF2-40B4-BE49-F238E27FC236}">
@@ -12007,14 +9465,14 @@
           <p:nvPr>
             <p:extLst>
               <p:ext uri="{D42A27DB-BD31-4B8C-83A1-F6EECF244321}">
-                <p14:modId xmlns:p14="http://schemas.microsoft.com/office/powerpoint/2010/main" val="699770267"/>
+                <p14:modId xmlns:p14="http://schemas.microsoft.com/office/powerpoint/2010/main" val="2583587023"/>
               </p:ext>
             </p:extLst>
           </p:nvPr>
         </p:nvGraphicFramePr>
         <p:xfrm>
-          <a:off x="6685510" y="0"/>
-          <a:ext cx="2458490" cy="1906219"/>
+          <a:off x="4897316" y="2136529"/>
+          <a:ext cx="3578470" cy="3763109"/>
         </p:xfrm>
         <a:graphic>
           <a:graphicData uri="http://schemas.openxmlformats.org/drawingml/2006/chart">
@@ -12035,14 +9493,14 @@
           <p:nvPr>
             <p:extLst>
               <p:ext uri="{D42A27DB-BD31-4B8C-83A1-F6EECF244321}">
-                <p14:modId xmlns:p14="http://schemas.microsoft.com/office/powerpoint/2010/main" val="588791062"/>
+                <p14:modId xmlns:p14="http://schemas.microsoft.com/office/powerpoint/2010/main" val="3765100603"/>
               </p:ext>
             </p:extLst>
           </p:nvPr>
         </p:nvGraphicFramePr>
         <p:xfrm>
-          <a:off x="-3" y="0"/>
-          <a:ext cx="2732693" cy="1906220"/>
+          <a:off x="668215" y="2136529"/>
+          <a:ext cx="3560885" cy="3763110"/>
         </p:xfrm>
         <a:graphic>
           <a:graphicData uri="http://schemas.openxmlformats.org/drawingml/2006/chart">
@@ -12530,9 +9988,8 @@
             <a:avLst/>
           </a:prstGeom>
           <a:solidFill>
-            <a:schemeClr val="accent6">
-              <a:lumMod val="60000"/>
-              <a:lumOff val="40000"/>
+            <a:schemeClr val="accent5">
+              <a:lumMod val="50000"/>
               <a:alpha val="25000"/>
             </a:schemeClr>
           </a:solidFill>
@@ -12625,2203 +10082,6 @@
       </p:sp>
       <p:graphicFrame>
         <p:nvGraphicFramePr>
-          <p:cNvPr id="5" name="Segnaposto contenuto 3">
-            <a:extLst>
-              <a:ext uri="{FF2B5EF4-FFF2-40B4-BE49-F238E27FC236}">
-                <a16:creationId xmlns:a16="http://schemas.microsoft.com/office/drawing/2014/main" id="{2D750235-B416-4735-B921-66B654BE367A}"/>
-              </a:ext>
-            </a:extLst>
-          </p:cNvPr>
-          <p:cNvGraphicFramePr>
-            <a:graphicFrameLocks/>
-          </p:cNvGraphicFramePr>
-          <p:nvPr>
-            <p:extLst>
-              <p:ext uri="{D42A27DB-BD31-4B8C-83A1-F6EECF244321}">
-                <p14:modId xmlns:p14="http://schemas.microsoft.com/office/powerpoint/2010/main" val="592517856"/>
-              </p:ext>
-            </p:extLst>
-          </p:nvPr>
-        </p:nvGraphicFramePr>
-        <p:xfrm>
-          <a:off x="403759" y="1890052"/>
-          <a:ext cx="3864375" cy="4784961"/>
-        </p:xfrm>
-        <a:graphic>
-          <a:graphicData uri="http://schemas.openxmlformats.org/drawingml/2006/table">
-            <a:tbl>
-              <a:tblPr firstRow="1" bandRow="1">
-                <a:tableStyleId>{93296810-A885-4BE3-A3E7-6D5BEEA58F35}</a:tableStyleId>
-              </a:tblPr>
-              <a:tblGrid>
-                <a:gridCol w="903890">
-                  <a:extLst>
-                    <a:ext uri="{9D8B030D-6E8A-4147-A177-3AD203B41FA5}">
-                      <a16:colId xmlns:a16="http://schemas.microsoft.com/office/drawing/2014/main" val="1575452336"/>
-                    </a:ext>
-                  </a:extLst>
-                </a:gridCol>
-                <a:gridCol w="1429406">
-                  <a:extLst>
-                    <a:ext uri="{9D8B030D-6E8A-4147-A177-3AD203B41FA5}">
-                      <a16:colId xmlns:a16="http://schemas.microsoft.com/office/drawing/2014/main" val="1075813231"/>
-                    </a:ext>
-                  </a:extLst>
-                </a:gridCol>
-                <a:gridCol w="1531079">
-                  <a:extLst>
-                    <a:ext uri="{9D8B030D-6E8A-4147-A177-3AD203B41FA5}">
-                      <a16:colId xmlns:a16="http://schemas.microsoft.com/office/drawing/2014/main" val="1895294404"/>
-                    </a:ext>
-                  </a:extLst>
-                </a:gridCol>
-              </a:tblGrid>
-              <a:tr h="546537">
-                <a:tc>
-                  <a:txBody>
-                    <a:bodyPr/>
-                    <a:lstStyle/>
-                    <a:p>
-                      <a:r>
-                        <a:rPr lang="it-IT" sz="1400" dirty="0"/>
-                        <a:t>Requisito </a:t>
-                      </a:r>
-                    </a:p>
-                  </a:txBody>
-                  <a:tcPr anchor="ctr">
-                    <a:solidFill>
-                      <a:schemeClr val="accent6">
-                        <a:lumMod val="75000"/>
-                        <a:alpha val="63000"/>
-                      </a:schemeClr>
-                    </a:solidFill>
-                  </a:tcPr>
-                </a:tc>
-                <a:tc>
-                  <a:txBody>
-                    <a:bodyPr/>
-                    <a:lstStyle/>
-                    <a:p>
-                      <a:pPr algn="ctr"/>
-                      <a:r>
-                        <a:rPr lang="it-IT" sz="1400" dirty="0"/>
-                        <a:t>Soddisfacimento</a:t>
-                      </a:r>
-                      <a:r>
-                        <a:rPr lang="it-IT" sz="1400" baseline="0" dirty="0"/>
-                        <a:t> </a:t>
-                      </a:r>
-                      <a:r>
-                        <a:rPr lang="it-IT" sz="1400" dirty="0"/>
-                        <a:t>architettura</a:t>
-                      </a:r>
-                    </a:p>
-                  </a:txBody>
-                  <a:tcPr anchor="ctr">
-                    <a:solidFill>
-                      <a:schemeClr val="accent6">
-                        <a:lumMod val="75000"/>
-                        <a:alpha val="63000"/>
-                      </a:schemeClr>
-                    </a:solidFill>
-                  </a:tcPr>
-                </a:tc>
-                <a:tc>
-                  <a:txBody>
-                    <a:bodyPr/>
-                    <a:lstStyle/>
-                    <a:p>
-                      <a:pPr algn="ctr"/>
-                      <a:r>
-                        <a:rPr lang="it-IT" sz="1400" dirty="0"/>
-                        <a:t>Soddisfacimento</a:t>
-                      </a:r>
-                      <a:r>
-                        <a:rPr lang="it-IT" sz="1400" baseline="0" dirty="0"/>
-                        <a:t> </a:t>
-                      </a:r>
-                      <a:r>
-                        <a:rPr lang="it-IT" sz="1400" dirty="0"/>
-                        <a:t>codice</a:t>
-                      </a:r>
-                    </a:p>
-                  </a:txBody>
-                  <a:tcPr anchor="ctr">
-                    <a:solidFill>
-                      <a:schemeClr val="accent6">
-                        <a:lumMod val="75000"/>
-                        <a:alpha val="63000"/>
-                      </a:schemeClr>
-                    </a:solidFill>
-                  </a:tcPr>
-                </a:tc>
-                <a:extLst>
-                  <a:ext uri="{0D108BD9-81ED-4DB2-BD59-A6C34878D82A}">
-                    <a16:rowId xmlns:a16="http://schemas.microsoft.com/office/drawing/2014/main" val="984676786"/>
-                  </a:ext>
-                </a:extLst>
-              </a:tr>
-              <a:tr h="353177">
-                <a:tc>
-                  <a:txBody>
-                    <a:bodyPr/>
-                    <a:lstStyle/>
-                    <a:p>
-                      <a:r>
-                        <a:rPr lang="it-IT" sz="1400" dirty="0">
-                          <a:solidFill>
-                            <a:schemeClr val="bg1"/>
-                          </a:solidFill>
-                        </a:rPr>
-                        <a:t>ROF0</a:t>
-                      </a:r>
-                    </a:p>
-                  </a:txBody>
-                  <a:tcPr>
-                    <a:solidFill>
-                      <a:schemeClr val="accent6">
-                        <a:lumMod val="75000"/>
-                        <a:alpha val="33000"/>
-                      </a:schemeClr>
-                    </a:solidFill>
-                  </a:tcPr>
-                </a:tc>
-                <a:tc>
-                  <a:txBody>
-                    <a:bodyPr/>
-                    <a:lstStyle/>
-                    <a:p>
-                      <a:pPr algn="ctr"/>
-                      <a:r>
-                        <a:rPr lang="it-IT" sz="1400" dirty="0">
-                          <a:solidFill>
-                            <a:schemeClr val="bg1"/>
-                          </a:solidFill>
-                        </a:rPr>
-                        <a:t>x</a:t>
-                      </a:r>
-                    </a:p>
-                  </a:txBody>
-                  <a:tcPr>
-                    <a:solidFill>
-                      <a:schemeClr val="accent6">
-                        <a:lumMod val="75000"/>
-                        <a:alpha val="33000"/>
-                      </a:schemeClr>
-                    </a:solidFill>
-                  </a:tcPr>
-                </a:tc>
-                <a:tc>
-                  <a:txBody>
-                    <a:bodyPr/>
-                    <a:lstStyle/>
-                    <a:p>
-                      <a:pPr algn="ctr"/>
-                      <a:r>
-                        <a:rPr lang="it-IT" sz="1400" dirty="0">
-                          <a:solidFill>
-                            <a:schemeClr val="bg1"/>
-                          </a:solidFill>
-                        </a:rPr>
-                        <a:t>x</a:t>
-                      </a:r>
-                    </a:p>
-                  </a:txBody>
-                  <a:tcPr>
-                    <a:solidFill>
-                      <a:schemeClr val="accent6">
-                        <a:lumMod val="75000"/>
-                        <a:alpha val="33000"/>
-                      </a:schemeClr>
-                    </a:solidFill>
-                  </a:tcPr>
-                </a:tc>
-                <a:extLst>
-                  <a:ext uri="{0D108BD9-81ED-4DB2-BD59-A6C34878D82A}">
-                    <a16:rowId xmlns:a16="http://schemas.microsoft.com/office/drawing/2014/main" val="1370018795"/>
-                  </a:ext>
-                </a:extLst>
-              </a:tr>
-              <a:tr h="353177">
-                <a:tc>
-                  <a:txBody>
-                    <a:bodyPr/>
-                    <a:lstStyle/>
-                    <a:p>
-                      <a:r>
-                        <a:rPr lang="it-IT" sz="1400" dirty="0">
-                          <a:solidFill>
-                            <a:schemeClr val="bg1"/>
-                          </a:solidFill>
-                        </a:rPr>
-                        <a:t>ROF1</a:t>
-                      </a:r>
-                    </a:p>
-                  </a:txBody>
-                  <a:tcPr>
-                    <a:solidFill>
-                      <a:schemeClr val="accent6">
-                        <a:lumMod val="75000"/>
-                        <a:alpha val="33000"/>
-                      </a:schemeClr>
-                    </a:solidFill>
-                  </a:tcPr>
-                </a:tc>
-                <a:tc>
-                  <a:txBody>
-                    <a:bodyPr/>
-                    <a:lstStyle/>
-                    <a:p>
-                      <a:pPr algn="ctr"/>
-                      <a:r>
-                        <a:rPr lang="it-IT" sz="1400" dirty="0">
-                          <a:solidFill>
-                            <a:schemeClr val="bg1"/>
-                          </a:solidFill>
-                        </a:rPr>
-                        <a:t>x</a:t>
-                      </a:r>
-                    </a:p>
-                  </a:txBody>
-                  <a:tcPr>
-                    <a:solidFill>
-                      <a:schemeClr val="accent6">
-                        <a:lumMod val="75000"/>
-                        <a:alpha val="33000"/>
-                      </a:schemeClr>
-                    </a:solidFill>
-                  </a:tcPr>
-                </a:tc>
-                <a:tc>
-                  <a:txBody>
-                    <a:bodyPr/>
-                    <a:lstStyle/>
-                    <a:p>
-                      <a:pPr algn="ctr"/>
-                      <a:r>
-                        <a:rPr lang="it-IT" sz="1400" dirty="0">
-                          <a:solidFill>
-                            <a:schemeClr val="bg1"/>
-                          </a:solidFill>
-                        </a:rPr>
-                        <a:t>x</a:t>
-                      </a:r>
-                    </a:p>
-                  </a:txBody>
-                  <a:tcPr>
-                    <a:solidFill>
-                      <a:schemeClr val="accent6">
-                        <a:lumMod val="75000"/>
-                        <a:alpha val="33000"/>
-                      </a:schemeClr>
-                    </a:solidFill>
-                  </a:tcPr>
-                </a:tc>
-                <a:extLst>
-                  <a:ext uri="{0D108BD9-81ED-4DB2-BD59-A6C34878D82A}">
-                    <a16:rowId xmlns:a16="http://schemas.microsoft.com/office/drawing/2014/main" val="4150568443"/>
-                  </a:ext>
-                </a:extLst>
-              </a:tr>
-              <a:tr h="353177">
-                <a:tc>
-                  <a:txBody>
-                    <a:bodyPr/>
-                    <a:lstStyle/>
-                    <a:p>
-                      <a:r>
-                        <a:rPr lang="it-IT" sz="1400" dirty="0">
-                          <a:solidFill>
-                            <a:schemeClr val="bg1"/>
-                          </a:solidFill>
-                        </a:rPr>
-                        <a:t>ROF2</a:t>
-                      </a:r>
-                    </a:p>
-                  </a:txBody>
-                  <a:tcPr>
-                    <a:solidFill>
-                      <a:schemeClr val="accent6">
-                        <a:lumMod val="75000"/>
-                        <a:alpha val="33000"/>
-                      </a:schemeClr>
-                    </a:solidFill>
-                  </a:tcPr>
-                </a:tc>
-                <a:tc>
-                  <a:txBody>
-                    <a:bodyPr/>
-                    <a:lstStyle/>
-                    <a:p>
-                      <a:pPr algn="ctr"/>
-                      <a:r>
-                        <a:rPr lang="it-IT" sz="1400" dirty="0">
-                          <a:solidFill>
-                            <a:schemeClr val="bg1"/>
-                          </a:solidFill>
-                        </a:rPr>
-                        <a:t>x</a:t>
-                      </a:r>
-                    </a:p>
-                  </a:txBody>
-                  <a:tcPr>
-                    <a:solidFill>
-                      <a:schemeClr val="accent6">
-                        <a:lumMod val="75000"/>
-                        <a:alpha val="33000"/>
-                      </a:schemeClr>
-                    </a:solidFill>
-                  </a:tcPr>
-                </a:tc>
-                <a:tc>
-                  <a:txBody>
-                    <a:bodyPr/>
-                    <a:lstStyle/>
-                    <a:p>
-                      <a:pPr algn="ctr"/>
-                      <a:r>
-                        <a:rPr lang="it-IT" sz="1400" dirty="0">
-                          <a:solidFill>
-                            <a:schemeClr val="bg1"/>
-                          </a:solidFill>
-                        </a:rPr>
-                        <a:t>x</a:t>
-                      </a:r>
-                    </a:p>
-                  </a:txBody>
-                  <a:tcPr>
-                    <a:solidFill>
-                      <a:schemeClr val="accent6">
-                        <a:lumMod val="75000"/>
-                        <a:alpha val="33000"/>
-                      </a:schemeClr>
-                    </a:solidFill>
-                  </a:tcPr>
-                </a:tc>
-                <a:extLst>
-                  <a:ext uri="{0D108BD9-81ED-4DB2-BD59-A6C34878D82A}">
-                    <a16:rowId xmlns:a16="http://schemas.microsoft.com/office/drawing/2014/main" val="1733770022"/>
-                  </a:ext>
-                </a:extLst>
-              </a:tr>
-              <a:tr h="353177">
-                <a:tc>
-                  <a:txBody>
-                    <a:bodyPr/>
-                    <a:lstStyle/>
-                    <a:p>
-                      <a:r>
-                        <a:rPr lang="it-IT" sz="1400" dirty="0">
-                          <a:solidFill>
-                            <a:schemeClr val="bg1"/>
-                          </a:solidFill>
-                        </a:rPr>
-                        <a:t>ROF2.1</a:t>
-                      </a:r>
-                    </a:p>
-                  </a:txBody>
-                  <a:tcPr>
-                    <a:solidFill>
-                      <a:schemeClr val="accent6">
-                        <a:lumMod val="75000"/>
-                        <a:alpha val="33000"/>
-                      </a:schemeClr>
-                    </a:solidFill>
-                  </a:tcPr>
-                </a:tc>
-                <a:tc>
-                  <a:txBody>
-                    <a:bodyPr/>
-                    <a:lstStyle/>
-                    <a:p>
-                      <a:pPr algn="ctr"/>
-                      <a:r>
-                        <a:rPr lang="it-IT" sz="1400" dirty="0">
-                          <a:solidFill>
-                            <a:schemeClr val="bg1"/>
-                          </a:solidFill>
-                        </a:rPr>
-                        <a:t>x</a:t>
-                      </a:r>
-                    </a:p>
-                  </a:txBody>
-                  <a:tcPr>
-                    <a:solidFill>
-                      <a:schemeClr val="accent6">
-                        <a:lumMod val="75000"/>
-                        <a:alpha val="33000"/>
-                      </a:schemeClr>
-                    </a:solidFill>
-                  </a:tcPr>
-                </a:tc>
-                <a:tc>
-                  <a:txBody>
-                    <a:bodyPr/>
-                    <a:lstStyle/>
-                    <a:p>
-                      <a:pPr algn="ctr"/>
-                      <a:r>
-                        <a:rPr lang="it-IT" sz="1400" dirty="0">
-                          <a:solidFill>
-                            <a:schemeClr val="bg1"/>
-                          </a:solidFill>
-                        </a:rPr>
-                        <a:t>x</a:t>
-                      </a:r>
-                    </a:p>
-                  </a:txBody>
-                  <a:tcPr>
-                    <a:solidFill>
-                      <a:schemeClr val="accent6">
-                        <a:lumMod val="75000"/>
-                        <a:alpha val="33000"/>
-                      </a:schemeClr>
-                    </a:solidFill>
-                  </a:tcPr>
-                </a:tc>
-                <a:extLst>
-                  <a:ext uri="{0D108BD9-81ED-4DB2-BD59-A6C34878D82A}">
-                    <a16:rowId xmlns:a16="http://schemas.microsoft.com/office/drawing/2014/main" val="3780461931"/>
-                  </a:ext>
-                </a:extLst>
-              </a:tr>
-              <a:tr h="353177">
-                <a:tc>
-                  <a:txBody>
-                    <a:bodyPr/>
-                    <a:lstStyle/>
-                    <a:p>
-                      <a:r>
-                        <a:rPr lang="it-IT" sz="1400" dirty="0">
-                          <a:solidFill>
-                            <a:schemeClr val="bg1"/>
-                          </a:solidFill>
-                        </a:rPr>
-                        <a:t>ROF3</a:t>
-                      </a:r>
-                    </a:p>
-                  </a:txBody>
-                  <a:tcPr>
-                    <a:solidFill>
-                      <a:schemeClr val="accent6">
-                        <a:lumMod val="75000"/>
-                        <a:alpha val="33000"/>
-                      </a:schemeClr>
-                    </a:solidFill>
-                  </a:tcPr>
-                </a:tc>
-                <a:tc>
-                  <a:txBody>
-                    <a:bodyPr/>
-                    <a:lstStyle/>
-                    <a:p>
-                      <a:pPr algn="ctr"/>
-                      <a:r>
-                        <a:rPr lang="it-IT" sz="1400" dirty="0">
-                          <a:solidFill>
-                            <a:schemeClr val="bg1"/>
-                          </a:solidFill>
-                        </a:rPr>
-                        <a:t>x</a:t>
-                      </a:r>
-                    </a:p>
-                  </a:txBody>
-                  <a:tcPr>
-                    <a:solidFill>
-                      <a:schemeClr val="accent6">
-                        <a:lumMod val="75000"/>
-                        <a:alpha val="33000"/>
-                      </a:schemeClr>
-                    </a:solidFill>
-                  </a:tcPr>
-                </a:tc>
-                <a:tc>
-                  <a:txBody>
-                    <a:bodyPr/>
-                    <a:lstStyle/>
-                    <a:p>
-                      <a:pPr algn="ctr"/>
-                      <a:r>
-                        <a:rPr lang="it-IT" sz="1400" dirty="0">
-                          <a:solidFill>
-                            <a:schemeClr val="bg1"/>
-                          </a:solidFill>
-                        </a:rPr>
-                        <a:t>x</a:t>
-                      </a:r>
-                    </a:p>
-                  </a:txBody>
-                  <a:tcPr>
-                    <a:solidFill>
-                      <a:schemeClr val="accent6">
-                        <a:lumMod val="75000"/>
-                        <a:alpha val="33000"/>
-                      </a:schemeClr>
-                    </a:solidFill>
-                  </a:tcPr>
-                </a:tc>
-                <a:extLst>
-                  <a:ext uri="{0D108BD9-81ED-4DB2-BD59-A6C34878D82A}">
-                    <a16:rowId xmlns:a16="http://schemas.microsoft.com/office/drawing/2014/main" val="2901347313"/>
-                  </a:ext>
-                </a:extLst>
-              </a:tr>
-              <a:tr h="353177">
-                <a:tc>
-                  <a:txBody>
-                    <a:bodyPr/>
-                    <a:lstStyle/>
-                    <a:p>
-                      <a:r>
-                        <a:rPr lang="it-IT" sz="1400" dirty="0">
-                          <a:solidFill>
-                            <a:schemeClr val="bg1"/>
-                          </a:solidFill>
-                        </a:rPr>
-                        <a:t>ROF3.1</a:t>
-                      </a:r>
-                    </a:p>
-                  </a:txBody>
-                  <a:tcPr>
-                    <a:solidFill>
-                      <a:schemeClr val="accent6">
-                        <a:lumMod val="75000"/>
-                        <a:alpha val="33000"/>
-                      </a:schemeClr>
-                    </a:solidFill>
-                  </a:tcPr>
-                </a:tc>
-                <a:tc>
-                  <a:txBody>
-                    <a:bodyPr/>
-                    <a:lstStyle/>
-                    <a:p>
-                      <a:pPr algn="ctr"/>
-                      <a:r>
-                        <a:rPr lang="it-IT" sz="1400" dirty="0">
-                          <a:solidFill>
-                            <a:schemeClr val="bg1"/>
-                          </a:solidFill>
-                        </a:rPr>
-                        <a:t>x</a:t>
-                      </a:r>
-                    </a:p>
-                  </a:txBody>
-                  <a:tcPr>
-                    <a:solidFill>
-                      <a:schemeClr val="accent6">
-                        <a:lumMod val="75000"/>
-                        <a:alpha val="33000"/>
-                      </a:schemeClr>
-                    </a:solidFill>
-                  </a:tcPr>
-                </a:tc>
-                <a:tc>
-                  <a:txBody>
-                    <a:bodyPr/>
-                    <a:lstStyle/>
-                    <a:p>
-                      <a:pPr algn="ctr"/>
-                      <a:endParaRPr lang="it-IT" sz="1400" dirty="0">
-                        <a:solidFill>
-                          <a:schemeClr val="bg1"/>
-                        </a:solidFill>
-                      </a:endParaRPr>
-                    </a:p>
-                  </a:txBody>
-                  <a:tcPr>
-                    <a:solidFill>
-                      <a:schemeClr val="accent6">
-                        <a:lumMod val="75000"/>
-                        <a:alpha val="33000"/>
-                      </a:schemeClr>
-                    </a:solidFill>
-                  </a:tcPr>
-                </a:tc>
-                <a:extLst>
-                  <a:ext uri="{0D108BD9-81ED-4DB2-BD59-A6C34878D82A}">
-                    <a16:rowId xmlns:a16="http://schemas.microsoft.com/office/drawing/2014/main" val="1980845685"/>
-                  </a:ext>
-                </a:extLst>
-              </a:tr>
-              <a:tr h="353177">
-                <a:tc>
-                  <a:txBody>
-                    <a:bodyPr/>
-                    <a:lstStyle/>
-                    <a:p>
-                      <a:r>
-                        <a:rPr lang="it-IT" sz="1400" dirty="0">
-                          <a:solidFill>
-                            <a:schemeClr val="bg1"/>
-                          </a:solidFill>
-                        </a:rPr>
-                        <a:t>ROF4</a:t>
-                      </a:r>
-                    </a:p>
-                  </a:txBody>
-                  <a:tcPr>
-                    <a:solidFill>
-                      <a:schemeClr val="accent6">
-                        <a:lumMod val="75000"/>
-                        <a:alpha val="33000"/>
-                      </a:schemeClr>
-                    </a:solidFill>
-                  </a:tcPr>
-                </a:tc>
-                <a:tc>
-                  <a:txBody>
-                    <a:bodyPr/>
-                    <a:lstStyle/>
-                    <a:p>
-                      <a:pPr algn="ctr"/>
-                      <a:r>
-                        <a:rPr lang="it-IT" sz="1400" dirty="0">
-                          <a:solidFill>
-                            <a:schemeClr val="bg1"/>
-                          </a:solidFill>
-                        </a:rPr>
-                        <a:t>x</a:t>
-                      </a:r>
-                    </a:p>
-                  </a:txBody>
-                  <a:tcPr>
-                    <a:solidFill>
-                      <a:schemeClr val="accent6">
-                        <a:lumMod val="75000"/>
-                        <a:alpha val="33000"/>
-                      </a:schemeClr>
-                    </a:solidFill>
-                  </a:tcPr>
-                </a:tc>
-                <a:tc>
-                  <a:txBody>
-                    <a:bodyPr/>
-                    <a:lstStyle/>
-                    <a:p>
-                      <a:pPr algn="ctr"/>
-                      <a:endParaRPr lang="it-IT" sz="1400" dirty="0">
-                        <a:solidFill>
-                          <a:schemeClr val="bg1"/>
-                        </a:solidFill>
-                      </a:endParaRPr>
-                    </a:p>
-                  </a:txBody>
-                  <a:tcPr>
-                    <a:solidFill>
-                      <a:schemeClr val="accent6">
-                        <a:lumMod val="75000"/>
-                        <a:alpha val="33000"/>
-                      </a:schemeClr>
-                    </a:solidFill>
-                  </a:tcPr>
-                </a:tc>
-                <a:extLst>
-                  <a:ext uri="{0D108BD9-81ED-4DB2-BD59-A6C34878D82A}">
-                    <a16:rowId xmlns:a16="http://schemas.microsoft.com/office/drawing/2014/main" val="2722515190"/>
-                  </a:ext>
-                </a:extLst>
-              </a:tr>
-              <a:tr h="353177">
-                <a:tc>
-                  <a:txBody>
-                    <a:bodyPr/>
-                    <a:lstStyle/>
-                    <a:p>
-                      <a:r>
-                        <a:rPr lang="it-IT" sz="1400" dirty="0">
-                          <a:solidFill>
-                            <a:schemeClr val="bg1"/>
-                          </a:solidFill>
-                        </a:rPr>
-                        <a:t>ROF4.1</a:t>
-                      </a:r>
-                    </a:p>
-                  </a:txBody>
-                  <a:tcPr>
-                    <a:solidFill>
-                      <a:schemeClr val="accent6">
-                        <a:lumMod val="75000"/>
-                        <a:alpha val="33000"/>
-                      </a:schemeClr>
-                    </a:solidFill>
-                  </a:tcPr>
-                </a:tc>
-                <a:tc>
-                  <a:txBody>
-                    <a:bodyPr/>
-                    <a:lstStyle/>
-                    <a:p>
-                      <a:pPr algn="ctr"/>
-                      <a:r>
-                        <a:rPr lang="it-IT" sz="1400" dirty="0">
-                          <a:solidFill>
-                            <a:schemeClr val="bg1"/>
-                          </a:solidFill>
-                        </a:rPr>
-                        <a:t>x</a:t>
-                      </a:r>
-                    </a:p>
-                  </a:txBody>
-                  <a:tcPr>
-                    <a:solidFill>
-                      <a:schemeClr val="accent6">
-                        <a:lumMod val="75000"/>
-                        <a:alpha val="33000"/>
-                      </a:schemeClr>
-                    </a:solidFill>
-                  </a:tcPr>
-                </a:tc>
-                <a:tc>
-                  <a:txBody>
-                    <a:bodyPr/>
-                    <a:lstStyle/>
-                    <a:p>
-                      <a:pPr algn="ctr"/>
-                      <a:endParaRPr lang="it-IT" sz="1400" dirty="0">
-                        <a:solidFill>
-                          <a:schemeClr val="bg1"/>
-                        </a:solidFill>
-                      </a:endParaRPr>
-                    </a:p>
-                  </a:txBody>
-                  <a:tcPr>
-                    <a:solidFill>
-                      <a:schemeClr val="accent6">
-                        <a:lumMod val="75000"/>
-                        <a:alpha val="33000"/>
-                      </a:schemeClr>
-                    </a:solidFill>
-                  </a:tcPr>
-                </a:tc>
-                <a:extLst>
-                  <a:ext uri="{0D108BD9-81ED-4DB2-BD59-A6C34878D82A}">
-                    <a16:rowId xmlns:a16="http://schemas.microsoft.com/office/drawing/2014/main" val="656781037"/>
-                  </a:ext>
-                </a:extLst>
-              </a:tr>
-              <a:tr h="353477">
-                <a:tc>
-                  <a:txBody>
-                    <a:bodyPr/>
-                    <a:lstStyle/>
-                    <a:p>
-                      <a:r>
-                        <a:rPr lang="it-IT" sz="1400" dirty="0">
-                          <a:solidFill>
-                            <a:schemeClr val="bg1"/>
-                          </a:solidFill>
-                        </a:rPr>
-                        <a:t>ROF4.1.1</a:t>
-                      </a:r>
-                    </a:p>
-                  </a:txBody>
-                  <a:tcPr>
-                    <a:solidFill>
-                      <a:schemeClr val="accent6">
-                        <a:lumMod val="75000"/>
-                        <a:alpha val="33000"/>
-                      </a:schemeClr>
-                    </a:solidFill>
-                  </a:tcPr>
-                </a:tc>
-                <a:tc>
-                  <a:txBody>
-                    <a:bodyPr/>
-                    <a:lstStyle/>
-                    <a:p>
-                      <a:pPr algn="ctr"/>
-                      <a:r>
-                        <a:rPr lang="it-IT" sz="1400" dirty="0">
-                          <a:solidFill>
-                            <a:schemeClr val="bg1"/>
-                          </a:solidFill>
-                        </a:rPr>
-                        <a:t>x</a:t>
-                      </a:r>
-                    </a:p>
-                  </a:txBody>
-                  <a:tcPr>
-                    <a:solidFill>
-                      <a:schemeClr val="accent6">
-                        <a:lumMod val="75000"/>
-                        <a:alpha val="33000"/>
-                      </a:schemeClr>
-                    </a:solidFill>
-                  </a:tcPr>
-                </a:tc>
-                <a:tc>
-                  <a:txBody>
-                    <a:bodyPr/>
-                    <a:lstStyle/>
-                    <a:p>
-                      <a:pPr algn="ctr"/>
-                      <a:endParaRPr lang="it-IT" sz="1400" dirty="0">
-                        <a:solidFill>
-                          <a:schemeClr val="bg1"/>
-                        </a:solidFill>
-                      </a:endParaRPr>
-                    </a:p>
-                  </a:txBody>
-                  <a:tcPr>
-                    <a:solidFill>
-                      <a:schemeClr val="accent6">
-                        <a:lumMod val="75000"/>
-                        <a:alpha val="33000"/>
-                      </a:schemeClr>
-                    </a:solidFill>
-                  </a:tcPr>
-                </a:tc>
-                <a:extLst>
-                  <a:ext uri="{0D108BD9-81ED-4DB2-BD59-A6C34878D82A}">
-                    <a16:rowId xmlns:a16="http://schemas.microsoft.com/office/drawing/2014/main" val="1290661574"/>
-                  </a:ext>
-                </a:extLst>
-              </a:tr>
-              <a:tr h="353177">
-                <a:tc>
-                  <a:txBody>
-                    <a:bodyPr/>
-                    <a:lstStyle/>
-                    <a:p>
-                      <a:r>
-                        <a:rPr lang="it-IT" sz="1400" dirty="0">
-                          <a:solidFill>
-                            <a:schemeClr val="bg1"/>
-                          </a:solidFill>
-                        </a:rPr>
-                        <a:t>ROF4.2</a:t>
-                      </a:r>
-                    </a:p>
-                  </a:txBody>
-                  <a:tcPr>
-                    <a:solidFill>
-                      <a:schemeClr val="accent6">
-                        <a:lumMod val="75000"/>
-                        <a:alpha val="33000"/>
-                      </a:schemeClr>
-                    </a:solidFill>
-                  </a:tcPr>
-                </a:tc>
-                <a:tc>
-                  <a:txBody>
-                    <a:bodyPr/>
-                    <a:lstStyle/>
-                    <a:p>
-                      <a:pPr algn="ctr"/>
-                      <a:r>
-                        <a:rPr lang="it-IT" sz="1400" dirty="0">
-                          <a:solidFill>
-                            <a:schemeClr val="bg1"/>
-                          </a:solidFill>
-                        </a:rPr>
-                        <a:t>x</a:t>
-                      </a:r>
-                    </a:p>
-                  </a:txBody>
-                  <a:tcPr>
-                    <a:solidFill>
-                      <a:schemeClr val="accent6">
-                        <a:lumMod val="75000"/>
-                        <a:alpha val="33000"/>
-                      </a:schemeClr>
-                    </a:solidFill>
-                  </a:tcPr>
-                </a:tc>
-                <a:tc>
-                  <a:txBody>
-                    <a:bodyPr/>
-                    <a:lstStyle/>
-                    <a:p>
-                      <a:pPr algn="ctr"/>
-                      <a:endParaRPr lang="it-IT" sz="1400" dirty="0">
-                        <a:solidFill>
-                          <a:schemeClr val="bg1"/>
-                        </a:solidFill>
-                      </a:endParaRPr>
-                    </a:p>
-                  </a:txBody>
-                  <a:tcPr>
-                    <a:solidFill>
-                      <a:schemeClr val="accent6">
-                        <a:lumMod val="75000"/>
-                        <a:alpha val="33000"/>
-                      </a:schemeClr>
-                    </a:solidFill>
-                  </a:tcPr>
-                </a:tc>
-                <a:extLst>
-                  <a:ext uri="{0D108BD9-81ED-4DB2-BD59-A6C34878D82A}">
-                    <a16:rowId xmlns:a16="http://schemas.microsoft.com/office/drawing/2014/main" val="2199040226"/>
-                  </a:ext>
-                </a:extLst>
-              </a:tr>
-              <a:tr h="353177">
-                <a:tc>
-                  <a:txBody>
-                    <a:bodyPr/>
-                    <a:lstStyle/>
-                    <a:p>
-                      <a:r>
-                        <a:rPr lang="it-IT" sz="1400" dirty="0">
-                          <a:solidFill>
-                            <a:schemeClr val="bg1"/>
-                          </a:solidFill>
-                        </a:rPr>
-                        <a:t>ROF6</a:t>
-                      </a:r>
-                    </a:p>
-                  </a:txBody>
-                  <a:tcPr>
-                    <a:solidFill>
-                      <a:schemeClr val="accent6">
-                        <a:lumMod val="75000"/>
-                        <a:alpha val="33000"/>
-                      </a:schemeClr>
-                    </a:solidFill>
-                  </a:tcPr>
-                </a:tc>
-                <a:tc>
-                  <a:txBody>
-                    <a:bodyPr/>
-                    <a:lstStyle/>
-                    <a:p>
-                      <a:pPr algn="ctr"/>
-                      <a:r>
-                        <a:rPr lang="it-IT" sz="1400" dirty="0">
-                          <a:solidFill>
-                            <a:schemeClr val="bg1"/>
-                          </a:solidFill>
-                        </a:rPr>
-                        <a:t>x</a:t>
-                      </a:r>
-                    </a:p>
-                  </a:txBody>
-                  <a:tcPr>
-                    <a:solidFill>
-                      <a:schemeClr val="accent6">
-                        <a:lumMod val="75000"/>
-                        <a:alpha val="33000"/>
-                      </a:schemeClr>
-                    </a:solidFill>
-                  </a:tcPr>
-                </a:tc>
-                <a:tc>
-                  <a:txBody>
-                    <a:bodyPr/>
-                    <a:lstStyle/>
-                    <a:p>
-                      <a:pPr algn="ctr"/>
-                      <a:endParaRPr lang="it-IT" sz="1400" dirty="0">
-                        <a:solidFill>
-                          <a:schemeClr val="bg1"/>
-                        </a:solidFill>
-                      </a:endParaRPr>
-                    </a:p>
-                  </a:txBody>
-                  <a:tcPr>
-                    <a:solidFill>
-                      <a:schemeClr val="accent6">
-                        <a:lumMod val="75000"/>
-                        <a:alpha val="33000"/>
-                      </a:schemeClr>
-                    </a:solidFill>
-                  </a:tcPr>
-                </a:tc>
-                <a:extLst>
-                  <a:ext uri="{0D108BD9-81ED-4DB2-BD59-A6C34878D82A}">
-                    <a16:rowId xmlns:a16="http://schemas.microsoft.com/office/drawing/2014/main" val="4034468253"/>
-                  </a:ext>
-                </a:extLst>
-              </a:tr>
-              <a:tr h="353177">
-                <a:tc>
-                  <a:txBody>
-                    <a:bodyPr/>
-                    <a:lstStyle/>
-                    <a:p>
-                      <a:r>
-                        <a:rPr lang="it-IT" sz="1400" dirty="0">
-                          <a:solidFill>
-                            <a:schemeClr val="bg1"/>
-                          </a:solidFill>
-                        </a:rPr>
-                        <a:t>ROF7</a:t>
-                      </a:r>
-                    </a:p>
-                  </a:txBody>
-                  <a:tcPr>
-                    <a:solidFill>
-                      <a:schemeClr val="accent6">
-                        <a:lumMod val="75000"/>
-                        <a:alpha val="33000"/>
-                      </a:schemeClr>
-                    </a:solidFill>
-                  </a:tcPr>
-                </a:tc>
-                <a:tc>
-                  <a:txBody>
-                    <a:bodyPr/>
-                    <a:lstStyle/>
-                    <a:p>
-                      <a:pPr algn="ctr"/>
-                      <a:r>
-                        <a:rPr lang="it-IT" sz="1400" dirty="0">
-                          <a:solidFill>
-                            <a:schemeClr val="bg1"/>
-                          </a:solidFill>
-                        </a:rPr>
-                        <a:t>x</a:t>
-                      </a:r>
-                    </a:p>
-                  </a:txBody>
-                  <a:tcPr>
-                    <a:solidFill>
-                      <a:schemeClr val="accent6">
-                        <a:lumMod val="75000"/>
-                        <a:alpha val="33000"/>
-                      </a:schemeClr>
-                    </a:solidFill>
-                  </a:tcPr>
-                </a:tc>
-                <a:tc>
-                  <a:txBody>
-                    <a:bodyPr/>
-                    <a:lstStyle/>
-                    <a:p>
-                      <a:pPr algn="ctr"/>
-                      <a:r>
-                        <a:rPr lang="it-IT" sz="1400" dirty="0">
-                          <a:solidFill>
-                            <a:schemeClr val="bg1"/>
-                          </a:solidFill>
-                        </a:rPr>
-                        <a:t>x</a:t>
-                      </a:r>
-                    </a:p>
-                  </a:txBody>
-                  <a:tcPr>
-                    <a:solidFill>
-                      <a:schemeClr val="accent6">
-                        <a:lumMod val="75000"/>
-                        <a:alpha val="33000"/>
-                      </a:schemeClr>
-                    </a:solidFill>
-                  </a:tcPr>
-                </a:tc>
-                <a:extLst>
-                  <a:ext uri="{0D108BD9-81ED-4DB2-BD59-A6C34878D82A}">
-                    <a16:rowId xmlns:a16="http://schemas.microsoft.com/office/drawing/2014/main" val="2506066563"/>
-                  </a:ext>
-                </a:extLst>
-              </a:tr>
-            </a:tbl>
-          </a:graphicData>
-        </a:graphic>
-      </p:graphicFrame>
-      <p:graphicFrame>
-        <p:nvGraphicFramePr>
-          <p:cNvPr id="11" name="Tabella 10">
-            <a:extLst>
-              <a:ext uri="{FF2B5EF4-FFF2-40B4-BE49-F238E27FC236}">
-                <a16:creationId xmlns:a16="http://schemas.microsoft.com/office/drawing/2014/main" id="{5DB11DB3-EDC4-4A4A-8AF1-A6DDA6EA3146}"/>
-              </a:ext>
-            </a:extLst>
-          </p:cNvPr>
-          <p:cNvGraphicFramePr>
-            <a:graphicFrameLocks noGrp="1"/>
-          </p:cNvGraphicFramePr>
-          <p:nvPr>
-            <p:extLst>
-              <p:ext uri="{D42A27DB-BD31-4B8C-83A1-F6EECF244321}">
-                <p14:modId xmlns:p14="http://schemas.microsoft.com/office/powerpoint/2010/main" val="250106359"/>
-              </p:ext>
-            </p:extLst>
-          </p:nvPr>
-        </p:nvGraphicFramePr>
-        <p:xfrm>
-          <a:off x="4953176" y="1898399"/>
-          <a:ext cx="3834304" cy="4784957"/>
-        </p:xfrm>
-        <a:graphic>
-          <a:graphicData uri="http://schemas.openxmlformats.org/drawingml/2006/table">
-            <a:tbl>
-              <a:tblPr firstRow="1" bandRow="1">
-                <a:tableStyleId>{93296810-A885-4BE3-A3E7-6D5BEEA58F35}</a:tableStyleId>
-              </a:tblPr>
-              <a:tblGrid>
-                <a:gridCol w="945368">
-                  <a:extLst>
-                    <a:ext uri="{9D8B030D-6E8A-4147-A177-3AD203B41FA5}">
-                      <a16:colId xmlns:a16="http://schemas.microsoft.com/office/drawing/2014/main" val="3259086449"/>
-                    </a:ext>
-                  </a:extLst>
-                </a:gridCol>
-                <a:gridCol w="1434669">
-                  <a:extLst>
-                    <a:ext uri="{9D8B030D-6E8A-4147-A177-3AD203B41FA5}">
-                      <a16:colId xmlns:a16="http://schemas.microsoft.com/office/drawing/2014/main" val="2943030933"/>
-                    </a:ext>
-                  </a:extLst>
-                </a:gridCol>
-                <a:gridCol w="1454267">
-                  <a:extLst>
-                    <a:ext uri="{9D8B030D-6E8A-4147-A177-3AD203B41FA5}">
-                      <a16:colId xmlns:a16="http://schemas.microsoft.com/office/drawing/2014/main" val="3583346950"/>
-                    </a:ext>
-                  </a:extLst>
-                </a:gridCol>
-              </a:tblGrid>
-              <a:tr h="589973">
-                <a:tc>
-                  <a:txBody>
-                    <a:bodyPr/>
-                    <a:lstStyle/>
-                    <a:p>
-                      <a:pPr algn="ctr"/>
-                      <a:r>
-                        <a:rPr lang="it-IT" sz="1400" dirty="0"/>
-                        <a:t>Requisito </a:t>
-                      </a:r>
-                    </a:p>
-                  </a:txBody>
-                  <a:tcPr anchor="ctr">
-                    <a:solidFill>
-                      <a:schemeClr val="accent6">
-                        <a:lumMod val="75000"/>
-                        <a:alpha val="63000"/>
-                      </a:schemeClr>
-                    </a:solidFill>
-                  </a:tcPr>
-                </a:tc>
-                <a:tc>
-                  <a:txBody>
-                    <a:bodyPr/>
-                    <a:lstStyle/>
-                    <a:p>
-                      <a:pPr algn="ctr"/>
-                      <a:r>
-                        <a:rPr lang="it-IT" sz="1400" dirty="0"/>
-                        <a:t>Soddisfacimento</a:t>
-                      </a:r>
-                    </a:p>
-                    <a:p>
-                      <a:pPr algn="ctr"/>
-                      <a:r>
-                        <a:rPr lang="it-IT" sz="1400" dirty="0"/>
-                        <a:t>architettura</a:t>
-                      </a:r>
-                    </a:p>
-                  </a:txBody>
-                  <a:tcPr anchor="ctr">
-                    <a:solidFill>
-                      <a:schemeClr val="accent6">
-                        <a:lumMod val="75000"/>
-                        <a:alpha val="63000"/>
-                      </a:schemeClr>
-                    </a:solidFill>
-                  </a:tcPr>
-                </a:tc>
-                <a:tc>
-                  <a:txBody>
-                    <a:bodyPr/>
-                    <a:lstStyle/>
-                    <a:p>
-                      <a:pPr algn="ctr"/>
-                      <a:r>
-                        <a:rPr lang="it-IT" sz="1400" dirty="0"/>
-                        <a:t>Soddisfacimento</a:t>
-                      </a:r>
-                    </a:p>
-                    <a:p>
-                      <a:pPr algn="ctr"/>
-                      <a:r>
-                        <a:rPr lang="it-IT" sz="1400" dirty="0"/>
-                        <a:t>codice</a:t>
-                      </a:r>
-                    </a:p>
-                  </a:txBody>
-                  <a:tcPr anchor="ctr">
-                    <a:solidFill>
-                      <a:schemeClr val="accent6">
-                        <a:lumMod val="75000"/>
-                        <a:alpha val="63000"/>
-                      </a:schemeClr>
-                    </a:solidFill>
-                  </a:tcPr>
-                </a:tc>
-                <a:extLst>
-                  <a:ext uri="{0D108BD9-81ED-4DB2-BD59-A6C34878D82A}">
-                    <a16:rowId xmlns:a16="http://schemas.microsoft.com/office/drawing/2014/main" val="4178539774"/>
-                  </a:ext>
-                </a:extLst>
-              </a:tr>
-              <a:tr h="349582">
-                <a:tc>
-                  <a:txBody>
-                    <a:bodyPr/>
-                    <a:lstStyle/>
-                    <a:p>
-                      <a:r>
-                        <a:rPr lang="it-IT" sz="1400" dirty="0">
-                          <a:solidFill>
-                            <a:schemeClr val="bg1"/>
-                          </a:solidFill>
-                        </a:rPr>
-                        <a:t>ROF8</a:t>
-                      </a:r>
-                    </a:p>
-                  </a:txBody>
-                  <a:tcPr>
-                    <a:solidFill>
-                      <a:schemeClr val="accent6">
-                        <a:lumMod val="75000"/>
-                        <a:alpha val="33000"/>
-                      </a:schemeClr>
-                    </a:solidFill>
-                  </a:tcPr>
-                </a:tc>
-                <a:tc>
-                  <a:txBody>
-                    <a:bodyPr/>
-                    <a:lstStyle/>
-                    <a:p>
-                      <a:pPr algn="ctr"/>
-                      <a:r>
-                        <a:rPr lang="it-IT" sz="1400" dirty="0">
-                          <a:solidFill>
-                            <a:schemeClr val="bg1"/>
-                          </a:solidFill>
-                        </a:rPr>
-                        <a:t>x</a:t>
-                      </a:r>
-                    </a:p>
-                  </a:txBody>
-                  <a:tcPr>
-                    <a:solidFill>
-                      <a:schemeClr val="accent6">
-                        <a:lumMod val="75000"/>
-                        <a:alpha val="33000"/>
-                      </a:schemeClr>
-                    </a:solidFill>
-                  </a:tcPr>
-                </a:tc>
-                <a:tc>
-                  <a:txBody>
-                    <a:bodyPr/>
-                    <a:lstStyle/>
-                    <a:p>
-                      <a:pPr algn="ctr"/>
-                      <a:r>
-                        <a:rPr lang="it-IT" sz="1400" dirty="0">
-                          <a:solidFill>
-                            <a:schemeClr val="bg1"/>
-                          </a:solidFill>
-                        </a:rPr>
-                        <a:t>x</a:t>
-                      </a:r>
-                    </a:p>
-                  </a:txBody>
-                  <a:tcPr>
-                    <a:solidFill>
-                      <a:schemeClr val="accent6">
-                        <a:lumMod val="75000"/>
-                        <a:alpha val="33000"/>
-                      </a:schemeClr>
-                    </a:solidFill>
-                  </a:tcPr>
-                </a:tc>
-                <a:extLst>
-                  <a:ext uri="{0D108BD9-81ED-4DB2-BD59-A6C34878D82A}">
-                    <a16:rowId xmlns:a16="http://schemas.microsoft.com/office/drawing/2014/main" val="3568947107"/>
-                  </a:ext>
-                </a:extLst>
-              </a:tr>
-              <a:tr h="349582">
-                <a:tc>
-                  <a:txBody>
-                    <a:bodyPr/>
-                    <a:lstStyle/>
-                    <a:p>
-                      <a:r>
-                        <a:rPr lang="it-IT" sz="1400" dirty="0">
-                          <a:solidFill>
-                            <a:schemeClr val="bg1"/>
-                          </a:solidFill>
-                        </a:rPr>
-                        <a:t>ROF8.1</a:t>
-                      </a:r>
-                    </a:p>
-                  </a:txBody>
-                  <a:tcPr>
-                    <a:solidFill>
-                      <a:schemeClr val="accent6">
-                        <a:lumMod val="75000"/>
-                        <a:alpha val="33000"/>
-                      </a:schemeClr>
-                    </a:solidFill>
-                  </a:tcPr>
-                </a:tc>
-                <a:tc>
-                  <a:txBody>
-                    <a:bodyPr/>
-                    <a:lstStyle/>
-                    <a:p>
-                      <a:pPr algn="ctr"/>
-                      <a:r>
-                        <a:rPr lang="it-IT" sz="1400" dirty="0">
-                          <a:solidFill>
-                            <a:schemeClr val="bg1"/>
-                          </a:solidFill>
-                        </a:rPr>
-                        <a:t>x</a:t>
-                      </a:r>
-                    </a:p>
-                  </a:txBody>
-                  <a:tcPr>
-                    <a:solidFill>
-                      <a:schemeClr val="accent6">
-                        <a:lumMod val="75000"/>
-                        <a:alpha val="33000"/>
-                      </a:schemeClr>
-                    </a:solidFill>
-                  </a:tcPr>
-                </a:tc>
-                <a:tc>
-                  <a:txBody>
-                    <a:bodyPr/>
-                    <a:lstStyle/>
-                    <a:p>
-                      <a:pPr algn="ctr"/>
-                      <a:endParaRPr lang="it-IT" sz="1400" dirty="0">
-                        <a:solidFill>
-                          <a:schemeClr val="bg1"/>
-                        </a:solidFill>
-                      </a:endParaRPr>
-                    </a:p>
-                  </a:txBody>
-                  <a:tcPr>
-                    <a:solidFill>
-                      <a:schemeClr val="accent6">
-                        <a:lumMod val="75000"/>
-                        <a:alpha val="33000"/>
-                      </a:schemeClr>
-                    </a:solidFill>
-                  </a:tcPr>
-                </a:tc>
-                <a:extLst>
-                  <a:ext uri="{0D108BD9-81ED-4DB2-BD59-A6C34878D82A}">
-                    <a16:rowId xmlns:a16="http://schemas.microsoft.com/office/drawing/2014/main" val="941918465"/>
-                  </a:ext>
-                </a:extLst>
-              </a:tr>
-              <a:tr h="349582">
-                <a:tc>
-                  <a:txBody>
-                    <a:bodyPr/>
-                    <a:lstStyle/>
-                    <a:p>
-                      <a:r>
-                        <a:rPr lang="it-IT" sz="1400" dirty="0">
-                          <a:solidFill>
-                            <a:schemeClr val="bg1"/>
-                          </a:solidFill>
-                        </a:rPr>
-                        <a:t>ROF9</a:t>
-                      </a:r>
-                    </a:p>
-                  </a:txBody>
-                  <a:tcPr>
-                    <a:solidFill>
-                      <a:schemeClr val="accent6">
-                        <a:lumMod val="75000"/>
-                        <a:alpha val="33000"/>
-                      </a:schemeClr>
-                    </a:solidFill>
-                  </a:tcPr>
-                </a:tc>
-                <a:tc>
-                  <a:txBody>
-                    <a:bodyPr/>
-                    <a:lstStyle/>
-                    <a:p>
-                      <a:pPr algn="ctr"/>
-                      <a:r>
-                        <a:rPr lang="it-IT" sz="1400" dirty="0">
-                          <a:solidFill>
-                            <a:schemeClr val="bg1"/>
-                          </a:solidFill>
-                        </a:rPr>
-                        <a:t>x</a:t>
-                      </a:r>
-                    </a:p>
-                  </a:txBody>
-                  <a:tcPr>
-                    <a:solidFill>
-                      <a:schemeClr val="accent6">
-                        <a:lumMod val="75000"/>
-                        <a:alpha val="33000"/>
-                      </a:schemeClr>
-                    </a:solidFill>
-                  </a:tcPr>
-                </a:tc>
-                <a:tc>
-                  <a:txBody>
-                    <a:bodyPr/>
-                    <a:lstStyle/>
-                    <a:p>
-                      <a:pPr algn="ctr"/>
-                      <a:r>
-                        <a:rPr lang="it-IT" sz="1400" dirty="0">
-                          <a:solidFill>
-                            <a:schemeClr val="bg1"/>
-                          </a:solidFill>
-                        </a:rPr>
-                        <a:t>x</a:t>
-                      </a:r>
-                    </a:p>
-                  </a:txBody>
-                  <a:tcPr>
-                    <a:solidFill>
-                      <a:schemeClr val="accent6">
-                        <a:lumMod val="75000"/>
-                        <a:alpha val="33000"/>
-                      </a:schemeClr>
-                    </a:solidFill>
-                  </a:tcPr>
-                </a:tc>
-                <a:extLst>
-                  <a:ext uri="{0D108BD9-81ED-4DB2-BD59-A6C34878D82A}">
-                    <a16:rowId xmlns:a16="http://schemas.microsoft.com/office/drawing/2014/main" val="2845062673"/>
-                  </a:ext>
-                </a:extLst>
-              </a:tr>
-              <a:tr h="349582">
-                <a:tc>
-                  <a:txBody>
-                    <a:bodyPr/>
-                    <a:lstStyle/>
-                    <a:p>
-                      <a:r>
-                        <a:rPr lang="it-IT" sz="1400" dirty="0">
-                          <a:solidFill>
-                            <a:schemeClr val="bg1"/>
-                          </a:solidFill>
-                        </a:rPr>
-                        <a:t>ROF9.1</a:t>
-                      </a:r>
-                    </a:p>
-                  </a:txBody>
-                  <a:tcPr>
-                    <a:solidFill>
-                      <a:schemeClr val="accent6">
-                        <a:lumMod val="75000"/>
-                        <a:alpha val="33000"/>
-                      </a:schemeClr>
-                    </a:solidFill>
-                  </a:tcPr>
-                </a:tc>
-                <a:tc>
-                  <a:txBody>
-                    <a:bodyPr/>
-                    <a:lstStyle/>
-                    <a:p>
-                      <a:pPr algn="ctr"/>
-                      <a:r>
-                        <a:rPr lang="it-IT" sz="1400" dirty="0">
-                          <a:solidFill>
-                            <a:schemeClr val="bg1"/>
-                          </a:solidFill>
-                        </a:rPr>
-                        <a:t>x</a:t>
-                      </a:r>
-                    </a:p>
-                  </a:txBody>
-                  <a:tcPr>
-                    <a:solidFill>
-                      <a:schemeClr val="accent6">
-                        <a:lumMod val="75000"/>
-                        <a:alpha val="33000"/>
-                      </a:schemeClr>
-                    </a:solidFill>
-                  </a:tcPr>
-                </a:tc>
-                <a:tc>
-                  <a:txBody>
-                    <a:bodyPr/>
-                    <a:lstStyle/>
-                    <a:p>
-                      <a:pPr algn="ctr"/>
-                      <a:endParaRPr lang="it-IT" sz="1400">
-                        <a:solidFill>
-                          <a:schemeClr val="bg1"/>
-                        </a:solidFill>
-                      </a:endParaRPr>
-                    </a:p>
-                  </a:txBody>
-                  <a:tcPr>
-                    <a:solidFill>
-                      <a:schemeClr val="accent6">
-                        <a:lumMod val="75000"/>
-                        <a:alpha val="33000"/>
-                      </a:schemeClr>
-                    </a:solidFill>
-                  </a:tcPr>
-                </a:tc>
-                <a:extLst>
-                  <a:ext uri="{0D108BD9-81ED-4DB2-BD59-A6C34878D82A}">
-                    <a16:rowId xmlns:a16="http://schemas.microsoft.com/office/drawing/2014/main" val="685631168"/>
-                  </a:ext>
-                </a:extLst>
-              </a:tr>
-              <a:tr h="349582">
-                <a:tc>
-                  <a:txBody>
-                    <a:bodyPr/>
-                    <a:lstStyle/>
-                    <a:p>
-                      <a:r>
-                        <a:rPr lang="it-IT" sz="1400" dirty="0">
-                          <a:solidFill>
-                            <a:schemeClr val="bg1"/>
-                          </a:solidFill>
-                        </a:rPr>
-                        <a:t>ROF9.2</a:t>
-                      </a:r>
-                    </a:p>
-                  </a:txBody>
-                  <a:tcPr>
-                    <a:solidFill>
-                      <a:schemeClr val="accent6">
-                        <a:lumMod val="75000"/>
-                        <a:alpha val="33000"/>
-                      </a:schemeClr>
-                    </a:solidFill>
-                  </a:tcPr>
-                </a:tc>
-                <a:tc>
-                  <a:txBody>
-                    <a:bodyPr/>
-                    <a:lstStyle/>
-                    <a:p>
-                      <a:pPr algn="ctr"/>
-                      <a:r>
-                        <a:rPr lang="it-IT" sz="1400" dirty="0">
-                          <a:solidFill>
-                            <a:schemeClr val="bg1"/>
-                          </a:solidFill>
-                        </a:rPr>
-                        <a:t>x</a:t>
-                      </a:r>
-                    </a:p>
-                  </a:txBody>
-                  <a:tcPr>
-                    <a:solidFill>
-                      <a:schemeClr val="accent6">
-                        <a:lumMod val="75000"/>
-                        <a:alpha val="33000"/>
-                      </a:schemeClr>
-                    </a:solidFill>
-                  </a:tcPr>
-                </a:tc>
-                <a:tc>
-                  <a:txBody>
-                    <a:bodyPr/>
-                    <a:lstStyle/>
-                    <a:p>
-                      <a:pPr algn="ctr"/>
-                      <a:r>
-                        <a:rPr lang="it-IT" sz="1400" dirty="0">
-                          <a:solidFill>
-                            <a:schemeClr val="bg1"/>
-                          </a:solidFill>
-                        </a:rPr>
-                        <a:t>x</a:t>
-                      </a:r>
-                    </a:p>
-                  </a:txBody>
-                  <a:tcPr>
-                    <a:solidFill>
-                      <a:schemeClr val="accent6">
-                        <a:lumMod val="75000"/>
-                        <a:alpha val="33000"/>
-                      </a:schemeClr>
-                    </a:solidFill>
-                  </a:tcPr>
-                </a:tc>
-                <a:extLst>
-                  <a:ext uri="{0D108BD9-81ED-4DB2-BD59-A6C34878D82A}">
-                    <a16:rowId xmlns:a16="http://schemas.microsoft.com/office/drawing/2014/main" val="1449342385"/>
-                  </a:ext>
-                </a:extLst>
-              </a:tr>
-              <a:tr h="349582">
-                <a:tc>
-                  <a:txBody>
-                    <a:bodyPr/>
-                    <a:lstStyle/>
-                    <a:p>
-                      <a:r>
-                        <a:rPr lang="it-IT" sz="1400" dirty="0">
-                          <a:solidFill>
-                            <a:schemeClr val="bg1"/>
-                          </a:solidFill>
-                        </a:rPr>
-                        <a:t>ROF9.3</a:t>
-                      </a:r>
-                    </a:p>
-                  </a:txBody>
-                  <a:tcPr>
-                    <a:solidFill>
-                      <a:schemeClr val="accent6">
-                        <a:lumMod val="75000"/>
-                        <a:alpha val="33000"/>
-                      </a:schemeClr>
-                    </a:solidFill>
-                  </a:tcPr>
-                </a:tc>
-                <a:tc>
-                  <a:txBody>
-                    <a:bodyPr/>
-                    <a:lstStyle/>
-                    <a:p>
-                      <a:pPr algn="ctr"/>
-                      <a:r>
-                        <a:rPr lang="it-IT" sz="1400" dirty="0">
-                          <a:solidFill>
-                            <a:schemeClr val="bg1"/>
-                          </a:solidFill>
-                        </a:rPr>
-                        <a:t>x</a:t>
-                      </a:r>
-                    </a:p>
-                  </a:txBody>
-                  <a:tcPr>
-                    <a:solidFill>
-                      <a:schemeClr val="accent6">
-                        <a:lumMod val="75000"/>
-                        <a:alpha val="33000"/>
-                      </a:schemeClr>
-                    </a:solidFill>
-                  </a:tcPr>
-                </a:tc>
-                <a:tc>
-                  <a:txBody>
-                    <a:bodyPr/>
-                    <a:lstStyle/>
-                    <a:p>
-                      <a:pPr algn="ctr"/>
-                      <a:r>
-                        <a:rPr lang="it-IT" sz="1400" dirty="0">
-                          <a:solidFill>
-                            <a:schemeClr val="bg1"/>
-                          </a:solidFill>
-                        </a:rPr>
-                        <a:t>x</a:t>
-                      </a:r>
-                    </a:p>
-                  </a:txBody>
-                  <a:tcPr>
-                    <a:solidFill>
-                      <a:schemeClr val="accent6">
-                        <a:lumMod val="75000"/>
-                        <a:alpha val="33000"/>
-                      </a:schemeClr>
-                    </a:solidFill>
-                  </a:tcPr>
-                </a:tc>
-                <a:extLst>
-                  <a:ext uri="{0D108BD9-81ED-4DB2-BD59-A6C34878D82A}">
-                    <a16:rowId xmlns:a16="http://schemas.microsoft.com/office/drawing/2014/main" val="689227588"/>
-                  </a:ext>
-                </a:extLst>
-              </a:tr>
-              <a:tr h="349582">
-                <a:tc>
-                  <a:txBody>
-                    <a:bodyPr/>
-                    <a:lstStyle/>
-                    <a:p>
-                      <a:r>
-                        <a:rPr lang="it-IT" sz="1400" dirty="0">
-                          <a:solidFill>
-                            <a:schemeClr val="bg1"/>
-                          </a:solidFill>
-                        </a:rPr>
-                        <a:t>ROF9.3.1</a:t>
-                      </a:r>
-                    </a:p>
-                  </a:txBody>
-                  <a:tcPr>
-                    <a:solidFill>
-                      <a:schemeClr val="accent6">
-                        <a:lumMod val="75000"/>
-                        <a:alpha val="33000"/>
-                      </a:schemeClr>
-                    </a:solidFill>
-                  </a:tcPr>
-                </a:tc>
-                <a:tc>
-                  <a:txBody>
-                    <a:bodyPr/>
-                    <a:lstStyle/>
-                    <a:p>
-                      <a:pPr algn="ctr"/>
-                      <a:r>
-                        <a:rPr lang="it-IT" sz="1400" dirty="0">
-                          <a:solidFill>
-                            <a:schemeClr val="bg1"/>
-                          </a:solidFill>
-                        </a:rPr>
-                        <a:t>x</a:t>
-                      </a:r>
-                    </a:p>
-                  </a:txBody>
-                  <a:tcPr>
-                    <a:solidFill>
-                      <a:schemeClr val="accent6">
-                        <a:lumMod val="75000"/>
-                        <a:alpha val="33000"/>
-                      </a:schemeClr>
-                    </a:solidFill>
-                  </a:tcPr>
-                </a:tc>
-                <a:tc>
-                  <a:txBody>
-                    <a:bodyPr/>
-                    <a:lstStyle/>
-                    <a:p>
-                      <a:pPr algn="ctr"/>
-                      <a:endParaRPr lang="it-IT" sz="1400" dirty="0">
-                        <a:solidFill>
-                          <a:schemeClr val="bg1"/>
-                        </a:solidFill>
-                      </a:endParaRPr>
-                    </a:p>
-                  </a:txBody>
-                  <a:tcPr>
-                    <a:solidFill>
-                      <a:schemeClr val="accent6">
-                        <a:lumMod val="75000"/>
-                        <a:alpha val="33000"/>
-                      </a:schemeClr>
-                    </a:solidFill>
-                  </a:tcPr>
-                </a:tc>
-                <a:extLst>
-                  <a:ext uri="{0D108BD9-81ED-4DB2-BD59-A6C34878D82A}">
-                    <a16:rowId xmlns:a16="http://schemas.microsoft.com/office/drawing/2014/main" val="1190110441"/>
-                  </a:ext>
-                </a:extLst>
-              </a:tr>
-              <a:tr h="349582">
-                <a:tc>
-                  <a:txBody>
-                    <a:bodyPr/>
-                    <a:lstStyle/>
-                    <a:p>
-                      <a:r>
-                        <a:rPr lang="it-IT" sz="1400" dirty="0">
-                          <a:solidFill>
-                            <a:schemeClr val="bg1"/>
-                          </a:solidFill>
-                        </a:rPr>
-                        <a:t>ROF9.5</a:t>
-                      </a:r>
-                    </a:p>
-                  </a:txBody>
-                  <a:tcPr>
-                    <a:solidFill>
-                      <a:schemeClr val="accent6">
-                        <a:lumMod val="75000"/>
-                        <a:alpha val="33000"/>
-                      </a:schemeClr>
-                    </a:solidFill>
-                  </a:tcPr>
-                </a:tc>
-                <a:tc>
-                  <a:txBody>
-                    <a:bodyPr/>
-                    <a:lstStyle/>
-                    <a:p>
-                      <a:pPr algn="ctr"/>
-                      <a:r>
-                        <a:rPr lang="it-IT" sz="1400" dirty="0">
-                          <a:solidFill>
-                            <a:schemeClr val="bg1"/>
-                          </a:solidFill>
-                        </a:rPr>
-                        <a:t>x</a:t>
-                      </a:r>
-                    </a:p>
-                  </a:txBody>
-                  <a:tcPr>
-                    <a:solidFill>
-                      <a:schemeClr val="accent6">
-                        <a:lumMod val="75000"/>
-                        <a:alpha val="33000"/>
-                      </a:schemeClr>
-                    </a:solidFill>
-                  </a:tcPr>
-                </a:tc>
-                <a:tc>
-                  <a:txBody>
-                    <a:bodyPr/>
-                    <a:lstStyle/>
-                    <a:p>
-                      <a:pPr algn="ctr"/>
-                      <a:r>
-                        <a:rPr lang="it-IT" sz="1400" dirty="0">
-                          <a:solidFill>
-                            <a:schemeClr val="bg1"/>
-                          </a:solidFill>
-                        </a:rPr>
-                        <a:t>x</a:t>
-                      </a:r>
-                    </a:p>
-                  </a:txBody>
-                  <a:tcPr>
-                    <a:solidFill>
-                      <a:schemeClr val="accent6">
-                        <a:lumMod val="75000"/>
-                        <a:alpha val="33000"/>
-                      </a:schemeClr>
-                    </a:solidFill>
-                  </a:tcPr>
-                </a:tc>
-                <a:extLst>
-                  <a:ext uri="{0D108BD9-81ED-4DB2-BD59-A6C34878D82A}">
-                    <a16:rowId xmlns:a16="http://schemas.microsoft.com/office/drawing/2014/main" val="2832601457"/>
-                  </a:ext>
-                </a:extLst>
-              </a:tr>
-              <a:tr h="349582">
-                <a:tc>
-                  <a:txBody>
-                    <a:bodyPr/>
-                    <a:lstStyle/>
-                    <a:p>
-                      <a:r>
-                        <a:rPr lang="it-IT" sz="1400" dirty="0">
-                          <a:solidFill>
-                            <a:schemeClr val="bg1"/>
-                          </a:solidFill>
-                        </a:rPr>
-                        <a:t>ROF9.6</a:t>
-                      </a:r>
-                    </a:p>
-                  </a:txBody>
-                  <a:tcPr>
-                    <a:solidFill>
-                      <a:schemeClr val="accent6">
-                        <a:lumMod val="75000"/>
-                        <a:alpha val="33000"/>
-                      </a:schemeClr>
-                    </a:solidFill>
-                  </a:tcPr>
-                </a:tc>
-                <a:tc>
-                  <a:txBody>
-                    <a:bodyPr/>
-                    <a:lstStyle/>
-                    <a:p>
-                      <a:pPr algn="ctr"/>
-                      <a:r>
-                        <a:rPr lang="it-IT" sz="1400" dirty="0">
-                          <a:solidFill>
-                            <a:schemeClr val="bg1"/>
-                          </a:solidFill>
-                        </a:rPr>
-                        <a:t>x</a:t>
-                      </a:r>
-                    </a:p>
-                  </a:txBody>
-                  <a:tcPr>
-                    <a:solidFill>
-                      <a:schemeClr val="accent6">
-                        <a:lumMod val="75000"/>
-                        <a:alpha val="33000"/>
-                      </a:schemeClr>
-                    </a:solidFill>
-                  </a:tcPr>
-                </a:tc>
-                <a:tc>
-                  <a:txBody>
-                    <a:bodyPr/>
-                    <a:lstStyle/>
-                    <a:p>
-                      <a:pPr algn="ctr"/>
-                      <a:r>
-                        <a:rPr lang="it-IT" sz="1400" dirty="0">
-                          <a:solidFill>
-                            <a:schemeClr val="bg1"/>
-                          </a:solidFill>
-                        </a:rPr>
-                        <a:t>x</a:t>
-                      </a:r>
-                    </a:p>
-                  </a:txBody>
-                  <a:tcPr>
-                    <a:solidFill>
-                      <a:schemeClr val="accent6">
-                        <a:lumMod val="75000"/>
-                        <a:alpha val="33000"/>
-                      </a:schemeClr>
-                    </a:solidFill>
-                  </a:tcPr>
-                </a:tc>
-                <a:extLst>
-                  <a:ext uri="{0D108BD9-81ED-4DB2-BD59-A6C34878D82A}">
-                    <a16:rowId xmlns:a16="http://schemas.microsoft.com/office/drawing/2014/main" val="1478933901"/>
-                  </a:ext>
-                </a:extLst>
-              </a:tr>
-              <a:tr h="349582">
-                <a:tc>
-                  <a:txBody>
-                    <a:bodyPr/>
-                    <a:lstStyle/>
-                    <a:p>
-                      <a:r>
-                        <a:rPr lang="it-IT" sz="1400" dirty="0">
-                          <a:solidFill>
-                            <a:schemeClr val="bg1"/>
-                          </a:solidFill>
-                        </a:rPr>
-                        <a:t>ROF9.7</a:t>
-                      </a:r>
-                    </a:p>
-                  </a:txBody>
-                  <a:tcPr>
-                    <a:solidFill>
-                      <a:schemeClr val="accent6">
-                        <a:lumMod val="75000"/>
-                        <a:alpha val="33000"/>
-                      </a:schemeClr>
-                    </a:solidFill>
-                  </a:tcPr>
-                </a:tc>
-                <a:tc>
-                  <a:txBody>
-                    <a:bodyPr/>
-                    <a:lstStyle/>
-                    <a:p>
-                      <a:pPr algn="ctr"/>
-                      <a:r>
-                        <a:rPr lang="it-IT" sz="1400" dirty="0">
-                          <a:solidFill>
-                            <a:schemeClr val="bg1"/>
-                          </a:solidFill>
-                        </a:rPr>
-                        <a:t>x</a:t>
-                      </a:r>
-                    </a:p>
-                  </a:txBody>
-                  <a:tcPr>
-                    <a:solidFill>
-                      <a:schemeClr val="accent6">
-                        <a:lumMod val="75000"/>
-                        <a:alpha val="33000"/>
-                      </a:schemeClr>
-                    </a:solidFill>
-                  </a:tcPr>
-                </a:tc>
-                <a:tc>
-                  <a:txBody>
-                    <a:bodyPr/>
-                    <a:lstStyle/>
-                    <a:p>
-                      <a:pPr algn="ctr"/>
-                      <a:r>
-                        <a:rPr lang="it-IT" sz="1400" dirty="0">
-                          <a:solidFill>
-                            <a:schemeClr val="bg1"/>
-                          </a:solidFill>
-                        </a:rPr>
-                        <a:t>x</a:t>
-                      </a:r>
-                    </a:p>
-                  </a:txBody>
-                  <a:tcPr>
-                    <a:solidFill>
-                      <a:schemeClr val="accent6">
-                        <a:lumMod val="75000"/>
-                        <a:alpha val="33000"/>
-                      </a:schemeClr>
-                    </a:solidFill>
-                  </a:tcPr>
-                </a:tc>
-                <a:extLst>
-                  <a:ext uri="{0D108BD9-81ED-4DB2-BD59-A6C34878D82A}">
-                    <a16:rowId xmlns:a16="http://schemas.microsoft.com/office/drawing/2014/main" val="1690636347"/>
-                  </a:ext>
-                </a:extLst>
-              </a:tr>
-              <a:tr h="349582">
-                <a:tc>
-                  <a:txBody>
-                    <a:bodyPr/>
-                    <a:lstStyle/>
-                    <a:p>
-                      <a:r>
-                        <a:rPr lang="it-IT" sz="1400" dirty="0">
-                          <a:solidFill>
-                            <a:schemeClr val="bg1"/>
-                          </a:solidFill>
-                        </a:rPr>
-                        <a:t>ROF9.9</a:t>
-                      </a:r>
-                    </a:p>
-                  </a:txBody>
-                  <a:tcPr>
-                    <a:solidFill>
-                      <a:schemeClr val="accent6">
-                        <a:lumMod val="75000"/>
-                        <a:alpha val="33000"/>
-                      </a:schemeClr>
-                    </a:solidFill>
-                  </a:tcPr>
-                </a:tc>
-                <a:tc>
-                  <a:txBody>
-                    <a:bodyPr/>
-                    <a:lstStyle/>
-                    <a:p>
-                      <a:pPr algn="ctr"/>
-                      <a:r>
-                        <a:rPr lang="it-IT" sz="1400" dirty="0">
-                          <a:solidFill>
-                            <a:schemeClr val="bg1"/>
-                          </a:solidFill>
-                        </a:rPr>
-                        <a:t>x</a:t>
-                      </a:r>
-                    </a:p>
-                  </a:txBody>
-                  <a:tcPr>
-                    <a:solidFill>
-                      <a:schemeClr val="accent6">
-                        <a:lumMod val="75000"/>
-                        <a:alpha val="33000"/>
-                      </a:schemeClr>
-                    </a:solidFill>
-                  </a:tcPr>
-                </a:tc>
-                <a:tc>
-                  <a:txBody>
-                    <a:bodyPr/>
-                    <a:lstStyle/>
-                    <a:p>
-                      <a:pPr algn="ctr"/>
-                      <a:endParaRPr lang="it-IT" sz="1400" dirty="0">
-                        <a:solidFill>
-                          <a:schemeClr val="bg1"/>
-                        </a:solidFill>
-                      </a:endParaRPr>
-                    </a:p>
-                  </a:txBody>
-                  <a:tcPr>
-                    <a:solidFill>
-                      <a:schemeClr val="accent6">
-                        <a:lumMod val="75000"/>
-                        <a:alpha val="33000"/>
-                      </a:schemeClr>
-                    </a:solidFill>
-                  </a:tcPr>
-                </a:tc>
-                <a:extLst>
-                  <a:ext uri="{0D108BD9-81ED-4DB2-BD59-A6C34878D82A}">
-                    <a16:rowId xmlns:a16="http://schemas.microsoft.com/office/drawing/2014/main" val="1353013651"/>
-                  </a:ext>
-                </a:extLst>
-              </a:tr>
-              <a:tr h="349582">
-                <a:tc>
-                  <a:txBody>
-                    <a:bodyPr/>
-                    <a:lstStyle/>
-                    <a:p>
-                      <a:r>
-                        <a:rPr lang="it-IT" sz="1400" dirty="0">
-                          <a:solidFill>
-                            <a:schemeClr val="bg1"/>
-                          </a:solidFill>
-                        </a:rPr>
-                        <a:t>ROF14</a:t>
-                      </a:r>
-                    </a:p>
-                  </a:txBody>
-                  <a:tcPr>
-                    <a:solidFill>
-                      <a:schemeClr val="accent6">
-                        <a:lumMod val="75000"/>
-                        <a:alpha val="33000"/>
-                      </a:schemeClr>
-                    </a:solidFill>
-                  </a:tcPr>
-                </a:tc>
-                <a:tc>
-                  <a:txBody>
-                    <a:bodyPr/>
-                    <a:lstStyle/>
-                    <a:p>
-                      <a:pPr algn="ctr"/>
-                      <a:r>
-                        <a:rPr lang="it-IT" sz="1400" dirty="0">
-                          <a:solidFill>
-                            <a:schemeClr val="bg1"/>
-                          </a:solidFill>
-                        </a:rPr>
-                        <a:t>x</a:t>
-                      </a:r>
-                    </a:p>
-                  </a:txBody>
-                  <a:tcPr>
-                    <a:solidFill>
-                      <a:schemeClr val="accent6">
-                        <a:lumMod val="75000"/>
-                        <a:alpha val="33000"/>
-                      </a:schemeClr>
-                    </a:solidFill>
-                  </a:tcPr>
-                </a:tc>
-                <a:tc>
-                  <a:txBody>
-                    <a:bodyPr/>
-                    <a:lstStyle/>
-                    <a:p>
-                      <a:pPr algn="ctr"/>
-                      <a:r>
-                        <a:rPr lang="it-IT" sz="1400" dirty="0">
-                          <a:solidFill>
-                            <a:schemeClr val="bg1"/>
-                          </a:solidFill>
-                        </a:rPr>
-                        <a:t>x</a:t>
-                      </a:r>
-                    </a:p>
-                  </a:txBody>
-                  <a:tcPr>
-                    <a:solidFill>
-                      <a:schemeClr val="accent6">
-                        <a:lumMod val="75000"/>
-                        <a:alpha val="33000"/>
-                      </a:schemeClr>
-                    </a:solidFill>
-                  </a:tcPr>
-                </a:tc>
-                <a:extLst>
-                  <a:ext uri="{0D108BD9-81ED-4DB2-BD59-A6C34878D82A}">
-                    <a16:rowId xmlns:a16="http://schemas.microsoft.com/office/drawing/2014/main" val="1830885291"/>
-                  </a:ext>
-                </a:extLst>
-              </a:tr>
-            </a:tbl>
-          </a:graphicData>
-        </a:graphic>
-      </p:graphicFrame>
-      <p:graphicFrame>
-        <p:nvGraphicFramePr>
           <p:cNvPr id="12" name="Grafico 11">
             <a:extLst>
               <a:ext uri="{FF2B5EF4-FFF2-40B4-BE49-F238E27FC236}">
@@ -14833,14 +10093,14 @@
           <p:nvPr>
             <p:extLst>
               <p:ext uri="{D42A27DB-BD31-4B8C-83A1-F6EECF244321}">
-                <p14:modId xmlns:p14="http://schemas.microsoft.com/office/powerpoint/2010/main" val="2642763238"/>
+                <p14:modId xmlns:p14="http://schemas.microsoft.com/office/powerpoint/2010/main" val="2637886180"/>
               </p:ext>
             </p:extLst>
           </p:nvPr>
         </p:nvGraphicFramePr>
         <p:xfrm>
-          <a:off x="-7483" y="22366"/>
-          <a:ext cx="2233493" cy="1898399"/>
+          <a:off x="835268" y="2083776"/>
+          <a:ext cx="3226777" cy="4050957"/>
         </p:xfrm>
         <a:graphic>
           <a:graphicData uri="http://schemas.openxmlformats.org/drawingml/2006/chart">
@@ -14861,14 +10121,14 @@
           <p:nvPr>
             <p:extLst>
               <p:ext uri="{D42A27DB-BD31-4B8C-83A1-F6EECF244321}">
-                <p14:modId xmlns:p14="http://schemas.microsoft.com/office/powerpoint/2010/main" val="2445601682"/>
+                <p14:modId xmlns:p14="http://schemas.microsoft.com/office/powerpoint/2010/main" val="707242329"/>
               </p:ext>
             </p:extLst>
           </p:nvPr>
         </p:nvGraphicFramePr>
         <p:xfrm>
-          <a:off x="6870328" y="52905"/>
-          <a:ext cx="2273672" cy="1898399"/>
+          <a:off x="5081957" y="2083776"/>
+          <a:ext cx="3399312" cy="4050958"/>
         </p:xfrm>
         <a:graphic>
           <a:graphicData uri="http://schemas.openxmlformats.org/drawingml/2006/chart">
@@ -15410,23 +10670,23 @@
             <a:avLst/>
           </a:prstGeom>
           <a:solidFill>
-            <a:schemeClr val="bg1"/>
+            <a:schemeClr val="accent3">
+              <a:alpha val="50000"/>
+            </a:schemeClr>
           </a:solidFill>
           <a:ln>
             <a:noFill/>
           </a:ln>
         </p:spPr>
         <p:style>
-          <a:lnRef idx="2">
-            <a:schemeClr val="accent1">
-              <a:shade val="50000"/>
-            </a:schemeClr>
+          <a:lnRef idx="0">
+            <a:scrgbClr r="0" g="0" b="0"/>
           </a:lnRef>
-          <a:fillRef idx="1">
-            <a:schemeClr val="accent1"/>
+          <a:fillRef idx="0">
+            <a:scrgbClr r="0" g="0" b="0"/>
           </a:fillRef>
           <a:effectRef idx="0">
-            <a:schemeClr val="accent1"/>
+            <a:scrgbClr r="0" g="0" b="0"/>
           </a:effectRef>
           <a:fontRef idx="minor">
             <a:schemeClr val="lt1"/>
@@ -15437,7 +10697,11 @@
           <a:lstStyle/>
           <a:p>
             <a:pPr algn="ctr"/>
-            <a:endParaRPr lang="it-IT"/>
+            <a:endParaRPr lang="it-IT">
+              <a:solidFill>
+                <a:schemeClr val="bg1"/>
+              </a:solidFill>
+            </a:endParaRPr>
           </a:p>
         </p:txBody>
       </p:sp>
@@ -15503,20 +10767,36 @@
           </a:lstStyle>
           <a:p>
             <a:r>
-              <a:rPr lang="it-IT" dirty="0"/>
+              <a:rPr lang="it-IT" dirty="0">
+                <a:solidFill>
+                  <a:schemeClr val="bg1"/>
+                </a:solidFill>
+              </a:rPr>
               <a:t>Dal </a:t>
             </a:r>
             <a:r>
-              <a:rPr lang="it-IT" dirty="0" err="1"/>
+              <a:rPr lang="it-IT" dirty="0" err="1">
+                <a:solidFill>
+                  <a:schemeClr val="bg1"/>
+                </a:solidFill>
+              </a:rPr>
               <a:t>PoC</a:t>
             </a:r>
             <a:r>
-              <a:rPr lang="it-IT" dirty="0"/>
+              <a:rPr lang="it-IT" dirty="0">
+                <a:solidFill>
+                  <a:schemeClr val="bg1"/>
+                </a:solidFill>
+              </a:rPr>
               <a:t> alla PB</a:t>
             </a:r>
           </a:p>
           <a:p>
-            <a:endParaRPr lang="it-IT" dirty="0"/>
+            <a:endParaRPr lang="it-IT" dirty="0">
+              <a:solidFill>
+                <a:schemeClr val="bg1"/>
+              </a:solidFill>
+            </a:endParaRPr>
           </a:p>
         </p:txBody>
       </p:sp>
@@ -15535,10 +10815,12 @@
             <a:avLst/>
           </a:prstGeom>
           <a:solidFill>
-            <a:srgbClr val="CD2C17"/>
+            <a:srgbClr val="FF9900"/>
           </a:solidFill>
           <a:ln>
-            <a:noFill/>
+            <a:solidFill>
+              <a:srgbClr val="FF9900"/>
+            </a:solidFill>
           </a:ln>
           <a:effectLst/>
         </p:spPr>
@@ -15582,7 +10864,9 @@
             <a:avLst/>
           </a:prstGeom>
           <a:solidFill>
-            <a:schemeClr val="accent6"/>
+            <a:schemeClr val="accent5">
+              <a:lumMod val="75000"/>
+            </a:schemeClr>
           </a:solidFill>
           <a:ln>
             <a:noFill/>
@@ -15643,7 +10927,9 @@
             <a:avLst/>
           </a:prstGeom>
           <a:solidFill>
-            <a:srgbClr val="FCD965"/>
+            <a:schemeClr val="accent5">
+              <a:lumMod val="50000"/>
+            </a:schemeClr>
           </a:solidFill>
           <a:ln>
             <a:noFill/>
@@ -15704,7 +10990,9 @@
             <a:avLst/>
           </a:prstGeom>
           <a:solidFill>
-            <a:schemeClr val="accent6"/>
+            <a:schemeClr val="accent5">
+              <a:lumMod val="50000"/>
+            </a:schemeClr>
           </a:solidFill>
           <a:ln>
             <a:noFill/>
@@ -15765,7 +11053,10 @@
             <a:avLst/>
           </a:prstGeom>
           <a:solidFill>
-            <a:schemeClr val="accent6"/>
+            <a:schemeClr val="accent5">
+              <a:lumMod val="60000"/>
+              <a:lumOff val="40000"/>
+            </a:schemeClr>
           </a:solidFill>
           <a:ln>
             <a:noFill/>
@@ -15826,7 +11117,9 @@
             <a:avLst/>
           </a:prstGeom>
           <a:solidFill>
-            <a:srgbClr val="FCD965"/>
+            <a:schemeClr val="accent5">
+              <a:lumMod val="75000"/>
+            </a:schemeClr>
           </a:solidFill>
           <a:ln>
             <a:noFill/>
@@ -15988,6 +11281,9 @@
             <a:r>
               <a:rPr lang="it-IT" dirty="0">
                 <a:ln w="0"/>
+                <a:solidFill>
+                  <a:schemeClr val="bg1"/>
+                </a:solidFill>
                 <a:effectLst>
                   <a:outerShdw blurRad="38100" dist="19050" dir="2700000" algn="tl" rotWithShape="0">
                     <a:schemeClr val="dk1">
@@ -16001,6 +11297,9 @@
             <a:r>
               <a:rPr lang="it-IT" dirty="0" err="1">
                 <a:ln w="0"/>
+                <a:solidFill>
+                  <a:schemeClr val="bg1"/>
+                </a:solidFill>
                 <a:effectLst>
                   <a:outerShdw blurRad="38100" dist="19050" dir="2700000" algn="tl" rotWithShape="0">
                     <a:schemeClr val="dk1">
@@ -16014,6 +11313,9 @@
             <a:r>
               <a:rPr lang="it-IT" dirty="0">
                 <a:ln w="0"/>
+                <a:solidFill>
+                  <a:schemeClr val="bg1"/>
+                </a:solidFill>
                 <a:effectLst>
                   <a:outerShdw blurRad="38100" dist="19050" dir="2700000" algn="tl" rotWithShape="0">
                     <a:schemeClr val="dk1">
@@ -16027,6 +11329,9 @@
             <a:r>
               <a:rPr lang="it-IT" dirty="0" err="1">
                 <a:ln w="0"/>
+                <a:solidFill>
+                  <a:schemeClr val="bg1"/>
+                </a:solidFill>
                 <a:effectLst>
                   <a:outerShdw blurRad="38100" dist="19050" dir="2700000" algn="tl" rotWithShape="0">
                     <a:schemeClr val="dk1">
@@ -16039,6 +11344,9 @@
             </a:r>
             <a:endParaRPr lang="it-IT" dirty="0">
               <a:ln w="0"/>
+              <a:solidFill>
+                <a:schemeClr val="bg1"/>
+              </a:solidFill>
               <a:effectLst>
                 <a:outerShdw blurRad="38100" dist="19050" dir="2700000" algn="tl" rotWithShape="0">
                   <a:schemeClr val="dk1">
@@ -16051,6 +11359,9 @@
           <a:p>
             <a:endParaRPr lang="it-IT" dirty="0">
               <a:ln w="0"/>
+              <a:solidFill>
+                <a:schemeClr val="bg1"/>
+              </a:solidFill>
               <a:effectLst>
                 <a:outerShdw blurRad="38100" dist="19050" dir="2700000" algn="tl" rotWithShape="0">
                   <a:schemeClr val="dk1">
@@ -16180,6 +11491,9 @@
             <a:r>
               <a:rPr lang="it-IT" dirty="0">
                 <a:ln w="0"/>
+                <a:solidFill>
+                  <a:schemeClr val="bg1"/>
+                </a:solidFill>
                 <a:effectLst>
                   <a:outerShdw blurRad="38100" dist="19050" dir="2700000" algn="tl" rotWithShape="0">
                     <a:schemeClr val="dk1">
@@ -16311,6 +11625,9 @@
             <a:r>
               <a:rPr lang="it-IT" dirty="0">
                 <a:ln w="0"/>
+                <a:solidFill>
+                  <a:schemeClr val="bg1"/>
+                </a:solidFill>
                 <a:effectLst>
                   <a:outerShdw blurRad="38100" dist="19050" dir="2700000" algn="tl" rotWithShape="0">
                     <a:schemeClr val="dk1">
@@ -16322,12 +11639,19 @@
               <a:t>Requisiti</a:t>
             </a:r>
             <a:r>
-              <a:rPr lang="it-IT" dirty="0"/>
+              <a:rPr lang="it-IT" dirty="0">
+                <a:solidFill>
+                  <a:schemeClr val="bg1"/>
+                </a:solidFill>
+              </a:rPr>
               <a:t> </a:t>
             </a:r>
             <a:r>
               <a:rPr lang="it-IT" dirty="0">
                 <a:ln w="0"/>
+                <a:solidFill>
+                  <a:schemeClr val="bg1"/>
+                </a:solidFill>
                 <a:effectLst>
                   <a:outerShdw blurRad="38100" dist="19050" dir="2700000" algn="tl" rotWithShape="0">
                     <a:schemeClr val="dk1">
@@ -16403,7 +11727,11 @@
           </a:lstStyle>
           <a:p>
             <a:r>
-              <a:rPr lang="it-IT" dirty="0"/>
+              <a:rPr lang="it-IT" dirty="0">
+                <a:solidFill>
+                  <a:schemeClr val="bg1"/>
+                </a:solidFill>
+              </a:rPr>
               <a:t>Casi d’uso coperti</a:t>
             </a:r>
           </a:p>
@@ -16749,9 +12077,11 @@
             <a:avLst/>
           </a:prstGeom>
           <a:solidFill>
-            <a:srgbClr val="70AD47">
+            <a:schemeClr val="accent5">
+              <a:lumMod val="60000"/>
+              <a:lumOff val="40000"/>
               <a:alpha val="25000"/>
-            </a:srgbClr>
+            </a:schemeClr>
           </a:solidFill>
           <a:ln>
             <a:noFill/>
@@ -16795,9 +12125,11 @@
             <a:avLst/>
           </a:prstGeom>
           <a:solidFill>
-            <a:srgbClr val="70AD47">
+            <a:schemeClr val="accent5">
+              <a:lumMod val="60000"/>
+              <a:lumOff val="40000"/>
               <a:alpha val="25000"/>
-            </a:srgbClr>
+            </a:schemeClr>
           </a:solidFill>
           <a:ln>
             <a:noFill/>
@@ -17147,8 +12479,8 @@
         </p:nvSpPr>
         <p:spPr>
           <a:xfrm rot="5400000">
-            <a:off x="6099824" y="1172016"/>
-            <a:ext cx="3300467" cy="1797269"/>
+            <a:off x="6012593" y="1259246"/>
+            <a:ext cx="3474927" cy="1797269"/>
           </a:xfrm>
           <a:prstGeom prst="uturnArrow">
             <a:avLst>
@@ -17160,9 +12492,11 @@
             </a:avLst>
           </a:prstGeom>
           <a:solidFill>
-            <a:srgbClr val="70AD47">
+            <a:schemeClr val="accent5">
+              <a:lumMod val="60000"/>
+              <a:lumOff val="40000"/>
               <a:alpha val="37000"/>
-            </a:srgbClr>
+            </a:schemeClr>
           </a:solidFill>
           <a:ln>
             <a:noFill/>
@@ -17475,9 +12809,10 @@
             <a:avLst/>
           </a:prstGeom>
           <a:solidFill>
-            <a:srgbClr val="FCD965">
+            <a:schemeClr val="accent5">
+              <a:lumMod val="75000"/>
               <a:alpha val="25000"/>
-            </a:srgbClr>
+            </a:schemeClr>
           </a:solidFill>
           <a:ln>
             <a:noFill/>
@@ -17514,7 +12849,7 @@
         </p:nvSpPr>
         <p:spPr>
           <a:xfrm>
-            <a:off x="1566535" y="268915"/>
+            <a:off x="1566537" y="268915"/>
             <a:ext cx="6059479" cy="707886"/>
           </a:xfrm>
           <a:prstGeom prst="rect">
@@ -17558,7 +12893,7 @@
                   </a:outerShdw>
                 </a:effectLst>
               </a:rPr>
-              <a:t>ViewModel</a:t>
+              <a:t>View</a:t>
             </a:r>
             <a:r>
               <a:rPr lang="it-IT" sz="4000" b="1" dirty="0">
@@ -17590,7 +12925,7 @@
                   </a:outerShdw>
                 </a:effectLst>
               </a:rPr>
-              <a:t>View</a:t>
+              <a:t>ViewModel</a:t>
             </a:r>
             <a:endParaRPr lang="it-IT" sz="4000" b="1" dirty="0">
               <a:ln w="0"/>
@@ -17629,29 +12964,23 @@
             <a:avLst/>
           </a:prstGeom>
           <a:solidFill>
-            <a:srgbClr val="BFBFBF">
-              <a:alpha val="80000"/>
-            </a:srgbClr>
+            <a:schemeClr val="accent3">
+              <a:alpha val="50000"/>
+            </a:schemeClr>
           </a:solidFill>
           <a:ln>
-            <a:solidFill>
-              <a:schemeClr val="bg1">
-                <a:lumMod val="85000"/>
-              </a:schemeClr>
-            </a:solidFill>
+            <a:noFill/>
           </a:ln>
         </p:spPr>
         <p:style>
-          <a:lnRef idx="2">
-            <a:schemeClr val="accent1">
-              <a:shade val="50000"/>
-            </a:schemeClr>
+          <a:lnRef idx="0">
+            <a:scrgbClr r="0" g="0" b="0"/>
           </a:lnRef>
-          <a:fillRef idx="1">
-            <a:schemeClr val="accent1"/>
+          <a:fillRef idx="0">
+            <a:scrgbClr r="0" g="0" b="0"/>
           </a:fillRef>
           <a:effectRef idx="0">
-            <a:schemeClr val="accent1"/>
+            <a:scrgbClr r="0" g="0" b="0"/>
           </a:effectRef>
           <a:fontRef idx="minor">
             <a:schemeClr val="lt1"/>
@@ -17712,28 +13041,30 @@
         </p:nvSpPr>
         <p:spPr>
           <a:xfrm>
-            <a:off x="2124611" y="2729934"/>
-            <a:ext cx="2848303" cy="340650"/>
+            <a:off x="1941505" y="2729934"/>
+            <a:ext cx="3174002" cy="340650"/>
           </a:xfrm>
           <a:prstGeom prst="roundRect">
             <a:avLst/>
           </a:prstGeom>
-          <a:noFill/>
+          <a:solidFill>
+            <a:schemeClr val="accent1">
+              <a:alpha val="50000"/>
+            </a:schemeClr>
+          </a:solidFill>
           <a:ln>
             <a:noFill/>
           </a:ln>
         </p:spPr>
         <p:style>
-          <a:lnRef idx="2">
-            <a:schemeClr val="accent1">
-              <a:shade val="50000"/>
-            </a:schemeClr>
+          <a:lnRef idx="0">
+            <a:scrgbClr r="0" g="0" b="0"/>
           </a:lnRef>
-          <a:fillRef idx="1">
-            <a:schemeClr val="accent1"/>
+          <a:fillRef idx="0">
+            <a:scrgbClr r="0" g="0" b="0"/>
           </a:fillRef>
           <a:effectRef idx="0">
-            <a:schemeClr val="accent1"/>
+            <a:scrgbClr r="0" g="0" b="0"/>
           </a:effectRef>
           <a:fontRef idx="minor">
             <a:schemeClr val="lt1"/>
@@ -17821,9 +13152,7 @@
             <a:avLst/>
           </a:prstGeom>
           <a:solidFill>
-            <a:schemeClr val="accent6">
-              <a:lumMod val="75000"/>
-            </a:schemeClr>
+            <a:srgbClr val="FFC000"/>
           </a:solidFill>
           <a:ln>
             <a:noFill/>
@@ -17873,9 +13202,7 @@
             <a:avLst/>
           </a:prstGeom>
           <a:solidFill>
-            <a:schemeClr val="accent2">
-              <a:lumMod val="75000"/>
-            </a:schemeClr>
+            <a:srgbClr val="00B050"/>
           </a:solidFill>
           <a:ln>
             <a:noFill/>
@@ -17924,9 +13251,7 @@
             <a:avLst/>
           </a:prstGeom>
           <a:solidFill>
-            <a:schemeClr val="accent1">
-              <a:lumMod val="75000"/>
-            </a:schemeClr>
+            <a:srgbClr val="0070C0"/>
           </a:solidFill>
           <a:ln>
             <a:noFill/>
@@ -17969,28 +13294,30 @@
         </p:nvSpPr>
         <p:spPr>
           <a:xfrm>
-            <a:off x="5496144" y="2766721"/>
-            <a:ext cx="1953701" cy="340650"/>
+            <a:off x="5852299" y="2766721"/>
+            <a:ext cx="1239706" cy="432350"/>
           </a:xfrm>
           <a:prstGeom prst="roundRect">
             <a:avLst/>
           </a:prstGeom>
-          <a:noFill/>
+          <a:solidFill>
+            <a:schemeClr val="accent6">
+              <a:alpha val="50000"/>
+            </a:schemeClr>
+          </a:solidFill>
           <a:ln>
             <a:noFill/>
           </a:ln>
         </p:spPr>
         <p:style>
-          <a:lnRef idx="2">
-            <a:schemeClr val="accent1">
-              <a:shade val="50000"/>
-            </a:schemeClr>
+          <a:lnRef idx="0">
+            <a:scrgbClr r="0" g="0" b="0"/>
           </a:lnRef>
-          <a:fillRef idx="1">
-            <a:schemeClr val="accent1"/>
+          <a:fillRef idx="0">
+            <a:scrgbClr r="0" g="0" b="0"/>
           </a:fillRef>
           <a:effectRef idx="0">
-            <a:schemeClr val="accent1"/>
+            <a:scrgbClr r="0" g="0" b="0"/>
           </a:effectRef>
           <a:fontRef idx="minor">
             <a:schemeClr val="lt1"/>
@@ -18740,7 +14067,7 @@
             <a:avLst/>
           </a:prstGeom>
           <a:solidFill>
-            <a:srgbClr val="FCD965">
+            <a:srgbClr val="FFC000">
               <a:alpha val="25000"/>
             </a:srgbClr>
           </a:solidFill>
@@ -18978,7 +14305,7 @@
             </a:avLst>
           </a:prstGeom>
           <a:solidFill>
-            <a:srgbClr val="FCD965">
+            <a:srgbClr val="FFC000">
               <a:alpha val="37000"/>
             </a:srgbClr>
           </a:solidFill>
@@ -19451,7 +14778,7 @@
             <a:avLst/>
           </a:prstGeom>
           <a:solidFill>
-            <a:srgbClr val="FCD965">
+            <a:srgbClr val="00B050">
               <a:alpha val="25000"/>
             </a:srgbClr>
           </a:solidFill>
@@ -19548,7 +14875,7 @@
         </p:spPr>
         <p:txBody>
           <a:bodyPr>
-            <a:normAutofit/>
+            <a:normAutofit fontScale="92500" lnSpcReduction="20000"/>
           </a:bodyPr>
           <a:lstStyle>
             <a:lvl1pPr marL="128588" indent="-128588" algn="l" defTabSz="514350" rtl="0" eaLnBrk="1" latinLnBrk="0" hangingPunct="1">
@@ -19715,80 +15042,90 @@
             </a:lvl9pPr>
           </a:lstStyle>
           <a:p>
-            <a:pPr>
+            <a:pPr marL="0" indent="0">
+              <a:buNone/>
+            </a:pPr>
+            <a:r>
+              <a:rPr lang="it-IT" sz="4000" b="1" dirty="0">
+                <a:solidFill>
+                  <a:schemeClr val="bg1"/>
+                </a:solidFill>
+              </a:rPr>
+              <a:t>Design pattern</a:t>
+            </a:r>
+          </a:p>
+          <a:p>
+            <a:pPr marL="0" indent="0">
+              <a:buNone/>
+            </a:pPr>
+            <a:endParaRPr lang="it-IT" sz="4000" b="1" dirty="0">
+              <a:solidFill>
+                <a:schemeClr val="bg1"/>
+              </a:solidFill>
+            </a:endParaRPr>
+          </a:p>
+          <a:p>
+            <a:pPr lvl="1">
               <a:buFont typeface="Wingdings" charset="2"/>
               <a:buChar char="§"/>
             </a:pPr>
             <a:r>
-              <a:rPr lang="it-IT" sz="2800" dirty="0">
+              <a:rPr lang="it-IT" sz="2400" dirty="0">
                 <a:solidFill>
                   <a:schemeClr val="bg1"/>
                 </a:solidFill>
               </a:rPr>
-              <a:t>   Design pattern</a:t>
-            </a:r>
-          </a:p>
-          <a:p>
-            <a:pPr lvl="2">
-              <a:buFont typeface="Wingdings" charset="2"/>
-              <a:buChar char="§"/>
-            </a:pPr>
-            <a:r>
-              <a:rPr lang="it-IT" sz="2175" dirty="0">
-                <a:solidFill>
-                  <a:schemeClr val="bg1"/>
-                </a:solidFill>
-              </a:rPr>
-              <a:t>   </a:t>
+              <a:t>  </a:t>
             </a:r>
             <a:r>
-              <a:rPr lang="it-IT" sz="2175" dirty="0" err="1">
+              <a:rPr lang="it-IT" sz="2800" b="1" dirty="0" err="1">
                 <a:solidFill>
                   <a:schemeClr val="bg1"/>
                 </a:solidFill>
               </a:rPr>
               <a:t>Command</a:t>
             </a:r>
-            <a:endParaRPr lang="it-IT" sz="2175" dirty="0">
+            <a:endParaRPr lang="it-IT" sz="2800" b="1" dirty="0">
               <a:solidFill>
                 <a:schemeClr val="bg1"/>
               </a:solidFill>
             </a:endParaRPr>
           </a:p>
           <a:p>
-            <a:pPr lvl="4">
-              <a:buFont typeface="Wingdings" charset="2"/>
-              <a:buChar char="§"/>
-            </a:pPr>
-            <a:r>
-              <a:rPr lang="it-IT" sz="2288" dirty="0">
-                <a:solidFill>
-                  <a:schemeClr val="bg1"/>
-                </a:solidFill>
-              </a:rPr>
-              <a:t>   </a:t>
-            </a:r>
-            <a:r>
-              <a:rPr lang="it-IT" sz="2088" dirty="0">
-                <a:solidFill>
-                  <a:schemeClr val="bg1"/>
-                </a:solidFill>
-              </a:rPr>
-              <a:t>Incapsulamento delle varie funzionalità, così da   </a:t>
-            </a:r>
-          </a:p>
-          <a:p>
-            <a:pPr marL="1028700" lvl="4" indent="0">
+            <a:pPr marL="514350" lvl="2" indent="0">
               <a:buNone/>
             </a:pPr>
             <a:r>
-              <a:rPr lang="it-IT" sz="2088" dirty="0">
+              <a:rPr lang="it-IT" sz="2200" dirty="0">
                 <a:solidFill>
                   <a:schemeClr val="bg1"/>
                 </a:solidFill>
               </a:rPr>
-              <a:t>      renderle facilmente estensibili</a:t>
+              <a:t>Incapsulamento delle varie funzionalità, </a:t>
             </a:r>
+          </a:p>
+          <a:p>
+            <a:pPr marL="514350" lvl="2" indent="0">
+              <a:buNone/>
+            </a:pPr>
+            <a:r>
+              <a:rPr lang="it-IT" sz="2200" dirty="0">
+                <a:solidFill>
+                  <a:schemeClr val="bg1"/>
+                </a:solidFill>
+              </a:rPr>
+              <a:t>così da renderle facilmente estensibili</a:t>
+            </a:r>
+          </a:p>
+          <a:p>
+            <a:pPr marL="514350" lvl="2" indent="0">
+              <a:buNone/>
+            </a:pPr>
+            <a:endParaRPr lang="it-IT" sz="2088" dirty="0">
+              <a:solidFill>
+                <a:schemeClr val="bg1"/>
+              </a:solidFill>
+            </a:endParaRPr>
           </a:p>
           <a:p>
             <a:pPr lvl="1">
@@ -19801,22 +15138,47 @@
                   <a:schemeClr val="bg1"/>
                 </a:solidFill>
               </a:rPr>
-              <a:t>   Builder</a:t>
+              <a:t>  </a:t>
             </a:r>
-          </a:p>
-          <a:p>
-            <a:pPr lvl="4">
-              <a:buFont typeface="Wingdings" charset="2"/>
-              <a:buChar char="§"/>
+            <a:r>
+              <a:rPr lang="it-IT" sz="2800" b="1" dirty="0">
+                <a:solidFill>
+                  <a:schemeClr val="bg1"/>
+                </a:solidFill>
+              </a:rPr>
+              <a:t>Builder</a:t>
+            </a:r>
+          </a:p>
+          <a:p>
+            <a:pPr marL="257175" lvl="1" indent="0">
+              <a:buNone/>
             </a:pPr>
             <a:r>
-              <a:rPr lang="it-IT" sz="2088" dirty="0">
+              <a:rPr lang="it-IT" sz="2800" b="1" dirty="0">
                 <a:solidFill>
                   <a:schemeClr val="bg1"/>
                 </a:solidFill>
               </a:rPr>
-              <a:t>   Costruzione della lista di comandi da eseguire</a:t>
+              <a:t>	</a:t>
             </a:r>
+            <a:r>
+              <a:rPr lang="it-IT" sz="2200" dirty="0">
+                <a:solidFill>
+                  <a:schemeClr val="bg1"/>
+                </a:solidFill>
+              </a:rPr>
+              <a:t>Costruzione della lista di comandi da eseguire</a:t>
+            </a:r>
+          </a:p>
+          <a:p>
+            <a:pPr marL="257175" lvl="1" indent="0">
+              <a:buNone/>
+            </a:pPr>
+            <a:endParaRPr lang="it-IT" sz="2088" dirty="0">
+              <a:solidFill>
+                <a:schemeClr val="bg1"/>
+              </a:solidFill>
+            </a:endParaRPr>
           </a:p>
           <a:p>
             <a:pPr lvl="1">
@@ -19829,37 +15191,28 @@
                   <a:schemeClr val="bg1"/>
                 </a:solidFill>
               </a:rPr>
-              <a:t>   </a:t>
+              <a:t>  </a:t>
             </a:r>
             <a:r>
-              <a:rPr lang="it-IT" sz="2800" dirty="0" err="1">
+              <a:rPr lang="it-IT" sz="2800" b="1" dirty="0" err="1">
                 <a:solidFill>
                   <a:schemeClr val="bg1"/>
                 </a:solidFill>
               </a:rPr>
               <a:t>Facade</a:t>
             </a:r>
-            <a:endParaRPr lang="it-IT" sz="2800" dirty="0">
+            <a:endParaRPr lang="it-IT" sz="2200" b="1" dirty="0">
               <a:solidFill>
                 <a:schemeClr val="bg1"/>
               </a:solidFill>
             </a:endParaRPr>
           </a:p>
           <a:p>
-            <a:pPr lvl="4">
-              <a:buFont typeface="Wingdings" charset="2"/>
-              <a:buChar char="§"/>
+            <a:pPr marL="514350" lvl="2" indent="0">
+              <a:buNone/>
             </a:pPr>
             <a:r>
-              <a:rPr lang="it-IT" sz="2288" dirty="0">
-                <a:solidFill>
-                  <a:schemeClr val="bg1"/>
-                </a:solidFill>
-              </a:rPr>
-              <a:t>   </a:t>
-            </a:r>
-            <a:r>
-              <a:rPr lang="it-IT" sz="2088" dirty="0">
+              <a:rPr lang="it-IT" sz="2200" dirty="0">
                 <a:solidFill>
                   <a:schemeClr val="bg1"/>
                 </a:solidFill>
@@ -19867,7 +15220,7 @@
               <a:t>Incapsulamento di classi di </a:t>
             </a:r>
             <a:r>
-              <a:rPr lang="it-IT" sz="2088" dirty="0" err="1">
+              <a:rPr lang="it-IT" sz="2200" dirty="0" err="1">
                 <a:solidFill>
                   <a:schemeClr val="bg1"/>
                 </a:solidFill>
@@ -19875,25 +15228,12 @@
               <a:t>Speect</a:t>
             </a:r>
             <a:r>
-              <a:rPr lang="it-IT" sz="2088" dirty="0">
+              <a:rPr lang="it-IT" sz="2200" dirty="0">
                 <a:solidFill>
                   <a:schemeClr val="bg1"/>
                 </a:solidFill>
               </a:rPr>
-              <a:t> al fine di fornire   </a:t>
-            </a:r>
-          </a:p>
-          <a:p>
-            <a:pPr marL="1028700" lvl="4" indent="0">
-              <a:buNone/>
-            </a:pPr>
-            <a:r>
-              <a:rPr lang="it-IT" sz="2088" dirty="0">
-                <a:solidFill>
-                  <a:schemeClr val="bg1"/>
-                </a:solidFill>
-              </a:rPr>
-              <a:t>      un’interfaccia semplice e facile da implementare</a:t>
+              <a:t> al fine di fornire un’interfaccia semplice e facile da implementare</a:t>
             </a:r>
           </a:p>
         </p:txBody>
@@ -20257,6 +15597,44 @@
       </p:grpSpPr>
       <p:pic>
         <p:nvPicPr>
+          <p:cNvPr id="13" name="Elemento grafico 12">
+            <a:extLst>
+              <a:ext uri="{FF2B5EF4-FFF2-40B4-BE49-F238E27FC236}">
+                <a16:creationId xmlns:a16="http://schemas.microsoft.com/office/drawing/2014/main" id="{C982A718-4CBB-40C2-B1E5-49967357C478}"/>
+              </a:ext>
+            </a:extLst>
+          </p:cNvPr>
+          <p:cNvPicPr>
+            <a:picLocks noChangeAspect="1"/>
+          </p:cNvPicPr>
+          <p:nvPr/>
+        </p:nvPicPr>
+        <p:blipFill rotWithShape="1">
+          <a:blip r:embed="rId2">
+            <a:extLst>
+              <a:ext uri="{28A0092B-C50C-407E-A947-70E740481C1C}">
+                <a14:useLocalDpi xmlns:a14="http://schemas.microsoft.com/office/drawing/2010/main" val="0"/>
+              </a:ext>
+              <a:ext uri="{96DAC541-7B7A-43D3-8B79-37D633B846F1}">
+                <asvg:svgBlip xmlns:asvg="http://schemas.microsoft.com/office/drawing/2016/SVG/main" r:embed="rId3"/>
+              </a:ext>
+            </a:extLst>
+          </a:blip>
+          <a:srcRect l="34522" t="33878" r="10109" b="1650"/>
+          <a:stretch/>
+        </p:blipFill>
+        <p:spPr>
+          <a:xfrm>
+            <a:off x="1611525" y="105890"/>
+            <a:ext cx="7230472" cy="6454301"/>
+          </a:xfrm>
+          <a:prstGeom prst="rect">
+            <a:avLst/>
+          </a:prstGeom>
+        </p:spPr>
+      </p:pic>
+      <p:pic>
+        <p:nvPicPr>
           <p:cNvPr id="2" name="Immagine 1"/>
           <p:cNvPicPr>
             <a:picLocks noChangeAspect="1"/>
@@ -20264,7 +15642,7 @@
           <p:nvPr/>
         </p:nvPicPr>
         <p:blipFill>
-          <a:blip r:embed="rId2">
+          <a:blip r:embed="rId4">
             <a:extLst>
               <a:ext uri="{28A0092B-C50C-407E-A947-70E740481C1C}">
                 <a14:useLocalDpi xmlns:a14="http://schemas.microsoft.com/office/drawing/2010/main" val="0"/>
@@ -20300,9 +15678,10 @@
             <a:avLst/>
           </a:prstGeom>
           <a:solidFill>
-            <a:srgbClr val="FCD965">
+            <a:schemeClr val="accent5">
+              <a:lumMod val="75000"/>
               <a:alpha val="25000"/>
-            </a:srgbClr>
+            </a:schemeClr>
           </a:solidFill>
           <a:ln>
             <a:noFill/>
@@ -20406,27 +15785,23 @@
             <a:avLst/>
           </a:prstGeom>
           <a:solidFill>
-            <a:srgbClr val="BFBFBF">
-              <a:alpha val="80000"/>
-            </a:srgbClr>
+            <a:schemeClr val="accent3">
+              <a:alpha val="50000"/>
+            </a:schemeClr>
           </a:solidFill>
           <a:ln>
-            <a:solidFill>
-              <a:schemeClr val="bg1"/>
-            </a:solidFill>
+            <a:noFill/>
           </a:ln>
         </p:spPr>
         <p:style>
-          <a:lnRef idx="2">
-            <a:schemeClr val="accent1">
-              <a:shade val="50000"/>
-            </a:schemeClr>
+          <a:lnRef idx="0">
+            <a:scrgbClr r="0" g="0" b="0"/>
           </a:lnRef>
-          <a:fillRef idx="1">
-            <a:schemeClr val="accent1"/>
+          <a:fillRef idx="0">
+            <a:scrgbClr r="0" g="0" b="0"/>
           </a:fillRef>
           <a:effectRef idx="0">
-            <a:schemeClr val="accent1"/>
+            <a:scrgbClr r="0" g="0" b="0"/>
           </a:effectRef>
           <a:fontRef idx="minor">
             <a:schemeClr val="lt1"/>
@@ -20457,8 +15832,8 @@
         </p:nvSpPr>
         <p:spPr>
           <a:xfrm>
-            <a:off x="1480186" y="2563764"/>
-            <a:ext cx="7663814" cy="1665945"/>
+            <a:off x="2222663" y="2183093"/>
+            <a:ext cx="7663814" cy="2491813"/>
           </a:xfrm>
           <a:prstGeom prst="rect">
             <a:avLst/>
@@ -20466,7 +15841,7 @@
         </p:spPr>
         <p:txBody>
           <a:bodyPr>
-            <a:normAutofit/>
+            <a:noAutofit/>
           </a:bodyPr>
           <a:lstStyle>
             <a:defPPr>
@@ -20589,42 +15964,83 @@
             </a:lvl9pPr>
           </a:lstStyle>
           <a:p>
+            <a:pPr marL="0" indent="0">
+              <a:buNone/>
+            </a:pPr>
             <a:r>
-              <a:rPr lang="it-IT" dirty="0"/>
-              <a:t>   Design pattern</a:t>
+              <a:rPr lang="it-IT" sz="3700" b="1" dirty="0"/>
+              <a:t>Design pattern</a:t>
             </a:r>
+          </a:p>
+          <a:p>
+            <a:pPr marL="0" indent="0">
+              <a:buNone/>
+            </a:pPr>
+            <a:endParaRPr lang="it-IT" dirty="0"/>
           </a:p>
           <a:p>
             <a:pPr lvl="2"/>
             <a:r>
-              <a:rPr lang="it-IT" sz="2400" dirty="0"/>
-              <a:t>   </a:t>
+              <a:rPr lang="it-IT" sz="2800" dirty="0"/>
+              <a:t> </a:t>
             </a:r>
             <a:r>
-              <a:rPr lang="it-IT" sz="2400" dirty="0" err="1"/>
+              <a:rPr lang="it-IT" sz="2800" b="1" dirty="0" err="1"/>
               <a:t>Observer</a:t>
             </a:r>
-            <a:endParaRPr lang="it-IT" sz="2400" dirty="0"/>
-          </a:p>
-          <a:p>
-            <a:pPr lvl="4"/>
+            <a:endParaRPr lang="it-IT" sz="2800" b="1" dirty="0"/>
+          </a:p>
+          <a:p>
+            <a:pPr marL="771525" lvl="3" indent="0">
+              <a:buNone/>
+            </a:pPr>
             <a:r>
-              <a:rPr lang="it-IT" dirty="0"/>
-              <a:t>   Implementati all’interno del </a:t>
+              <a:rPr lang="it-IT" sz="2000" dirty="0">
+                <a:solidFill>
+                  <a:schemeClr val="bg1"/>
+                </a:solidFill>
+              </a:rPr>
+              <a:t>Implementati all’interno del framework </a:t>
             </a:r>
             <a:r>
-              <a:rPr lang="it-IT" dirty="0" err="1"/>
-              <a:t>framework</a:t>
+              <a:rPr lang="it-IT" sz="2000" dirty="0" err="1">
+                <a:solidFill>
+                  <a:schemeClr val="bg1"/>
+                </a:solidFill>
+              </a:rPr>
+              <a:t>Qt</a:t>
+            </a:r>
+            <a:endParaRPr lang="it-IT" sz="2000" dirty="0">
+              <a:solidFill>
+                <a:schemeClr val="bg1"/>
+              </a:solidFill>
+            </a:endParaRPr>
+          </a:p>
+          <a:p>
+            <a:pPr marL="771525" lvl="3" indent="0">
+              <a:buNone/>
+            </a:pPr>
+            <a:r>
+              <a:rPr lang="it-IT" sz="2000" dirty="0">
+                <a:solidFill>
+                  <a:schemeClr val="bg1"/>
+                </a:solidFill>
+              </a:rPr>
+              <a:t>per la gestione di slot e </a:t>
             </a:r>
             <a:r>
-              <a:rPr lang="it-IT" dirty="0"/>
-              <a:t> per la gestione di   slot e </a:t>
-            </a:r>
-            <a:r>
-              <a:rPr lang="it-IT" dirty="0" err="1"/>
+              <a:rPr lang="it-IT" sz="2000" dirty="0" err="1">
+                <a:solidFill>
+                  <a:schemeClr val="bg1"/>
+                </a:solidFill>
+              </a:rPr>
               <a:t>signals</a:t>
             </a:r>
-            <a:endParaRPr lang="it-IT" dirty="0"/>
+            <a:endParaRPr lang="it-IT" sz="2000" dirty="0">
+              <a:solidFill>
+                <a:schemeClr val="bg1"/>
+              </a:solidFill>
+            </a:endParaRPr>
           </a:p>
         </p:txBody>
       </p:sp>
@@ -20828,44 +16244,6 @@
           </a:p>
         </p:txBody>
       </p:sp>
-      <p:pic>
-        <p:nvPicPr>
-          <p:cNvPr id="13" name="Elemento grafico 12">
-            <a:extLst>
-              <a:ext uri="{FF2B5EF4-FFF2-40B4-BE49-F238E27FC236}">
-                <a16:creationId xmlns:a16="http://schemas.microsoft.com/office/drawing/2014/main" id="{C982A718-4CBB-40C2-B1E5-49967357C478}"/>
-              </a:ext>
-            </a:extLst>
-          </p:cNvPr>
-          <p:cNvPicPr>
-            <a:picLocks noChangeAspect="1"/>
-          </p:cNvPicPr>
-          <p:nvPr/>
-        </p:nvPicPr>
-        <p:blipFill rotWithShape="1">
-          <a:blip r:embed="rId3">
-            <a:extLst>
-              <a:ext uri="{28A0092B-C50C-407E-A947-70E740481C1C}">
-                <a14:useLocalDpi xmlns:a14="http://schemas.microsoft.com/office/drawing/2010/main" val="0"/>
-              </a:ext>
-              <a:ext uri="{96DAC541-7B7A-43D3-8B79-37D633B846F1}">
-                <asvg:svgBlip xmlns:asvg="http://schemas.microsoft.com/office/drawing/2016/SVG/main" r:embed="rId4"/>
-              </a:ext>
-            </a:extLst>
-          </a:blip>
-          <a:srcRect l="34522" t="33878" r="10109" b="1650"/>
-          <a:stretch/>
-        </p:blipFill>
-        <p:spPr>
-          <a:xfrm>
-            <a:off x="1611525" y="105890"/>
-            <a:ext cx="7230472" cy="6454301"/>
-          </a:xfrm>
-          <a:prstGeom prst="rect">
-            <a:avLst/>
-          </a:prstGeom>
-        </p:spPr>
-      </p:pic>
     </p:spTree>
     <p:extLst>
       <p:ext uri="{BB962C8B-B14F-4D97-AF65-F5344CB8AC3E}">
@@ -21239,27 +16617,23 @@
             <a:avLst/>
           </a:prstGeom>
           <a:solidFill>
-            <a:srgbClr val="BFBFBF">
-              <a:alpha val="80000"/>
-            </a:srgbClr>
+            <a:schemeClr val="accent3">
+              <a:alpha val="50000"/>
+            </a:schemeClr>
           </a:solidFill>
           <a:ln>
-            <a:solidFill>
-              <a:schemeClr val="bg1"/>
-            </a:solidFill>
+            <a:noFill/>
           </a:ln>
         </p:spPr>
         <p:style>
-          <a:lnRef idx="2">
-            <a:schemeClr val="accent1">
-              <a:shade val="50000"/>
-            </a:schemeClr>
+          <a:lnRef idx="0">
+            <a:scrgbClr r="0" g="0" b="0"/>
           </a:lnRef>
-          <a:fillRef idx="1">
-            <a:schemeClr val="accent1"/>
+          <a:fillRef idx="0">
+            <a:scrgbClr r="0" g="0" b="0"/>
           </a:fillRef>
           <a:effectRef idx="0">
-            <a:schemeClr val="accent1"/>
+            <a:scrgbClr r="0" g="0" b="0"/>
           </a:effectRef>
           <a:fontRef idx="minor">
             <a:schemeClr val="lt1"/>
@@ -21271,50 +16645,6 @@
           <a:p>
             <a:pPr algn="ctr"/>
             <a:endParaRPr lang="it-IT"/>
-          </a:p>
-        </p:txBody>
-      </p:sp>
-      <p:sp>
-        <p:nvSpPr>
-          <p:cNvPr id="8" name="Rettangolo 7"/>
-          <p:cNvSpPr/>
-          <p:nvPr/>
-        </p:nvSpPr>
-        <p:spPr>
-          <a:xfrm>
-            <a:off x="2663286" y="6293261"/>
-            <a:ext cx="4001983" cy="461665"/>
-          </a:xfrm>
-          <a:prstGeom prst="rect">
-            <a:avLst/>
-          </a:prstGeom>
-        </p:spPr>
-        <p:txBody>
-          <a:bodyPr wrap="square">
-            <a:spAutoFit/>
-          </a:bodyPr>
-          <a:lstStyle/>
-          <a:p>
-            <a:pPr algn="ctr"/>
-            <a:r>
-              <a:rPr lang="it-IT" sz="2400" b="1" i="1" dirty="0">
-                <a:ln w="0"/>
-                <a:solidFill>
-                  <a:schemeClr val="tx1">
-                    <a:lumMod val="85000"/>
-                    <a:lumOff val="15000"/>
-                  </a:schemeClr>
-                </a:solidFill>
-                <a:effectLst>
-                  <a:outerShdw blurRad="38100" dist="19050" dir="2700000" algn="tl" rotWithShape="0">
-                    <a:schemeClr val="dk1">
-                      <a:alpha val="40000"/>
-                    </a:schemeClr>
-                  </a:outerShdw>
-                </a:effectLst>
-              </a:rPr>
-              <a:t>Caricamento della voice</a:t>
-            </a:r>
           </a:p>
         </p:txBody>
       </p:sp>
@@ -21577,7 +16907,8 @@
             <a:avLst/>
           </a:prstGeom>
           <a:solidFill>
-            <a:schemeClr val="accent6">
+            <a:schemeClr val="accent5">
+              <a:lumMod val="50000"/>
               <a:alpha val="25000"/>
             </a:schemeClr>
           </a:solidFill>
@@ -21604,7 +16935,7 @@
           <a:lstStyle/>
           <a:p>
             <a:pPr algn="ctr"/>
-            <a:endParaRPr lang="it-IT"/>
+            <a:endParaRPr lang="it-IT" dirty="0"/>
           </a:p>
         </p:txBody>
       </p:sp>
@@ -21622,8 +16953,8 @@
         </p:nvSpPr>
         <p:spPr>
           <a:xfrm>
-            <a:off x="1619258" y="122762"/>
-            <a:ext cx="5871928" cy="707886"/>
+            <a:off x="1134061" y="208893"/>
+            <a:ext cx="6842321" cy="523220"/>
           </a:xfrm>
           <a:prstGeom prst="rect">
             <a:avLst/>
@@ -21637,7 +16968,7 @@
           <a:p>
             <a:pPr algn="ctr"/>
             <a:r>
-              <a:rPr lang="it-IT" sz="4000" b="1" dirty="0">
+              <a:rPr lang="it-IT" sz="2800" b="1" dirty="0">
                 <a:ln w="0"/>
                 <a:solidFill>
                   <a:schemeClr val="bg1"/>
@@ -21650,7 +16981,7 @@
                   </a:outerShdw>
                 </a:effectLst>
               </a:rPr>
-              <a:t>Diagramma di sequenza /1</a:t>
+              <a:t>Diagramma di sequenza / Caricamento Voice</a:t>
             </a:r>
           </a:p>
         </p:txBody>
@@ -21726,14 +17057,15 @@
         </p:nvSpPr>
         <p:spPr>
           <a:xfrm>
-            <a:off x="1018492" y="99113"/>
+            <a:off x="1018491" y="71864"/>
             <a:ext cx="7073461" cy="755183"/>
           </a:xfrm>
           <a:prstGeom prst="roundRect">
             <a:avLst/>
           </a:prstGeom>
           <a:solidFill>
-            <a:schemeClr val="accent6">
+            <a:schemeClr val="accent5">
+              <a:lumMod val="50000"/>
               <a:alpha val="25000"/>
             </a:schemeClr>
           </a:solidFill>
@@ -21772,8 +17104,8 @@
         </p:nvSpPr>
         <p:spPr>
           <a:xfrm>
-            <a:off x="1618809" y="122762"/>
-            <a:ext cx="5872826" cy="707886"/>
+            <a:off x="2410756" y="54809"/>
+            <a:ext cx="4288930" cy="1200329"/>
           </a:xfrm>
           <a:prstGeom prst="rect">
             <a:avLst/>
@@ -21787,7 +17119,7 @@
           <a:p>
             <a:pPr algn="ctr"/>
             <a:r>
-              <a:rPr lang="it-IT" sz="4000" b="1" dirty="0">
+              <a:rPr lang="it-IT" sz="2400" b="1" dirty="0">
                 <a:ln w="0"/>
                 <a:solidFill>
                   <a:schemeClr val="bg1"/>
@@ -21800,8 +17132,43 @@
                   </a:outerShdw>
                 </a:effectLst>
               </a:rPr>
-              <a:t>Diagramma di sequenza /2</a:t>
+              <a:t>Diagramma di sequenza / </a:t>
             </a:r>
+          </a:p>
+          <a:p>
+            <a:pPr algn="ctr"/>
+            <a:r>
+              <a:rPr lang="it-IT" sz="2400" b="1" i="1" dirty="0">
+                <a:ln w="0"/>
+                <a:solidFill>
+                  <a:schemeClr val="bg1"/>
+                </a:solidFill>
+                <a:effectLst>
+                  <a:outerShdw blurRad="38100" dist="19050" dir="2700000" algn="tl" rotWithShape="0">
+                    <a:schemeClr val="dk1">
+                      <a:alpha val="40000"/>
+                    </a:schemeClr>
+                  </a:outerShdw>
+                </a:effectLst>
+              </a:rPr>
+              <a:t>Esecuzione processor selezionati</a:t>
+            </a:r>
+          </a:p>
+          <a:p>
+            <a:pPr algn="ctr"/>
+            <a:endParaRPr lang="it-IT" sz="2400" b="1" dirty="0">
+              <a:ln w="0"/>
+              <a:solidFill>
+                <a:schemeClr val="bg1"/>
+              </a:solidFill>
+              <a:effectLst>
+                <a:outerShdw blurRad="38100" dist="19050" dir="2700000" algn="tl" rotWithShape="0">
+                  <a:schemeClr val="dk1">
+                    <a:alpha val="40000"/>
+                  </a:schemeClr>
+                </a:outerShdw>
+              </a:effectLst>
+            </a:endParaRPr>
           </a:p>
         </p:txBody>
       </p:sp>
@@ -21826,27 +17193,23 @@
             <a:avLst/>
           </a:prstGeom>
           <a:solidFill>
-            <a:srgbClr val="BFBFBF">
-              <a:alpha val="80000"/>
-            </a:srgbClr>
+            <a:schemeClr val="accent3">
+              <a:alpha val="50000"/>
+            </a:schemeClr>
           </a:solidFill>
           <a:ln>
-            <a:solidFill>
-              <a:schemeClr val="bg1"/>
-            </a:solidFill>
+            <a:noFill/>
           </a:ln>
         </p:spPr>
         <p:style>
-          <a:lnRef idx="2">
-            <a:schemeClr val="accent1">
-              <a:shade val="50000"/>
-            </a:schemeClr>
+          <a:lnRef idx="0">
+            <a:scrgbClr r="0" g="0" b="0"/>
           </a:lnRef>
-          <a:fillRef idx="1">
-            <a:schemeClr val="accent1"/>
+          <a:fillRef idx="0">
+            <a:scrgbClr r="0" g="0" b="0"/>
           </a:fillRef>
           <a:effectRef idx="0">
-            <a:schemeClr val="accent1"/>
+            <a:scrgbClr r="0" g="0" b="0"/>
           </a:effectRef>
           <a:fontRef idx="minor">
             <a:schemeClr val="lt1"/>
@@ -21899,50 +17262,6 @@
           </a:prstGeom>
         </p:spPr>
       </p:pic>
-      <p:sp>
-        <p:nvSpPr>
-          <p:cNvPr id="8" name="Rettangolo 7"/>
-          <p:cNvSpPr/>
-          <p:nvPr/>
-        </p:nvSpPr>
-        <p:spPr>
-          <a:xfrm>
-            <a:off x="2005090" y="6309625"/>
-            <a:ext cx="5189652" cy="461665"/>
-          </a:xfrm>
-          <a:prstGeom prst="rect">
-            <a:avLst/>
-          </a:prstGeom>
-        </p:spPr>
-        <p:txBody>
-          <a:bodyPr wrap="square">
-            <a:spAutoFit/>
-          </a:bodyPr>
-          <a:lstStyle/>
-          <a:p>
-            <a:pPr algn="ctr"/>
-            <a:r>
-              <a:rPr lang="it-IT" sz="2400" b="1" i="1" dirty="0">
-                <a:ln w="0"/>
-                <a:solidFill>
-                  <a:schemeClr val="tx1">
-                    <a:lumMod val="85000"/>
-                    <a:lumOff val="15000"/>
-                  </a:schemeClr>
-                </a:solidFill>
-                <a:effectLst>
-                  <a:outerShdw blurRad="38100" dist="19050" dir="2700000" algn="tl" rotWithShape="0">
-                    <a:schemeClr val="dk1">
-                      <a:alpha val="40000"/>
-                    </a:schemeClr>
-                  </a:outerShdw>
-                </a:effectLst>
-              </a:rPr>
-              <a:t>Esecuzione processor selezionati</a:t>
-            </a:r>
-          </a:p>
-        </p:txBody>
-      </p:sp>
       <p:sp>
         <p:nvSpPr>
           <p:cNvPr id="9" name="Triangolo isoscele 20">

--- a/Presentazioni/Presentazioni PB/Presentazione PB.pptx
+++ b/Presentazioni/Presentazioni PB/Presentazione PB.pptx
@@ -534,6 +534,7 @@
     </c:legend>
     <c:plotVisOnly val="1"/>
     <c:dispBlanksAs val="gap"/>
+    <c:showDLblsOverMax val="0"/>
     <c:extLst>
       <c:ext xmlns:c16r3="http://schemas.microsoft.com/office/drawing/2017/03/chart" uri="{56B9EC1D-385E-4148-901F-78D8002777C0}">
         <c16r3:dataDisplayOptions16>
@@ -541,7 +542,6 @@
         </c16r3:dataDisplayOptions16>
       </c:ext>
     </c:extLst>
-    <c:showDLblsOverMax val="0"/>
   </c:chart>
   <c:spPr>
     <a:noFill/>
@@ -1027,6 +1027,7 @@
     </c:legend>
     <c:plotVisOnly val="1"/>
     <c:dispBlanksAs val="gap"/>
+    <c:showDLblsOverMax val="0"/>
     <c:extLst>
       <c:ext xmlns:c16r3="http://schemas.microsoft.com/office/drawing/2017/03/chart" uri="{56B9EC1D-385E-4148-901F-78D8002777C0}">
         <c16r3:dataDisplayOptions16>
@@ -1034,7 +1035,6 @@
         </c16r3:dataDisplayOptions16>
       </c:ext>
     </c:extLst>
-    <c:showDLblsOverMax val="0"/>
   </c:chart>
   <c:spPr>
     <a:noFill/>
@@ -1607,6 +1607,7 @@
     </c:legend>
     <c:plotVisOnly val="1"/>
     <c:dispBlanksAs val="gap"/>
+    <c:showDLblsOverMax val="0"/>
     <c:extLst>
       <c:ext xmlns:c16r3="http://schemas.microsoft.com/office/drawing/2017/03/chart" uri="{56B9EC1D-385E-4148-901F-78D8002777C0}">
         <c16r3:dataDisplayOptions16>
@@ -1614,7 +1615,6 @@
         </c16r3:dataDisplayOptions16>
       </c:ext>
     </c:extLst>
-    <c:showDLblsOverMax val="0"/>
   </c:chart>
   <c:spPr>
     <a:solidFill>
@@ -2112,6 +2112,7 @@
     </c:legend>
     <c:plotVisOnly val="1"/>
     <c:dispBlanksAs val="gap"/>
+    <c:showDLblsOverMax val="0"/>
     <c:extLst>
       <c:ext xmlns:c16r3="http://schemas.microsoft.com/office/drawing/2017/03/chart" uri="{56B9EC1D-385E-4148-901F-78D8002777C0}">
         <c16r3:dataDisplayOptions16>
@@ -2119,7 +2120,6 @@
         </c16r3:dataDisplayOptions16>
       </c:ext>
     </c:extLst>
-    <c:showDLblsOverMax val="0"/>
   </c:chart>
   <c:spPr>
     <a:solidFill>
@@ -15438,6 +15438,98 @@
           </a:p>
         </p:txBody>
       </p:sp>
+      <p:sp>
+        <p:nvSpPr>
+          <p:cNvPr id="10" name="Rettangolo con angoli arrotondati 9">
+            <a:extLst>
+              <a:ext uri="{FF2B5EF4-FFF2-40B4-BE49-F238E27FC236}">
+                <a16:creationId xmlns:a16="http://schemas.microsoft.com/office/drawing/2014/main" id="{8BC1522F-433B-4EBD-9031-347BA10AC7BB}"/>
+              </a:ext>
+            </a:extLst>
+          </p:cNvPr>
+          <p:cNvSpPr/>
+          <p:nvPr/>
+        </p:nvSpPr>
+        <p:spPr>
+          <a:xfrm>
+            <a:off x="1366418" y="8389"/>
+            <a:ext cx="7777581" cy="6858000"/>
+          </a:xfrm>
+          <a:prstGeom prst="roundRect">
+            <a:avLst/>
+          </a:prstGeom>
+          <a:solidFill>
+            <a:schemeClr val="accent3">
+              <a:alpha val="80000"/>
+            </a:schemeClr>
+          </a:solidFill>
+          <a:ln>
+            <a:noFill/>
+          </a:ln>
+        </p:spPr>
+        <p:style>
+          <a:lnRef idx="2">
+            <a:schemeClr val="accent1">
+              <a:shade val="50000"/>
+            </a:schemeClr>
+          </a:lnRef>
+          <a:fillRef idx="1">
+            <a:schemeClr val="accent1"/>
+          </a:fillRef>
+          <a:effectRef idx="0">
+            <a:schemeClr val="accent1"/>
+          </a:effectRef>
+          <a:fontRef idx="minor">
+            <a:schemeClr val="lt1"/>
+          </a:fontRef>
+        </p:style>
+        <p:txBody>
+          <a:bodyPr rtlCol="0" anchor="ctr"/>
+          <a:lstStyle/>
+          <a:p>
+            <a:pPr algn="ctr"/>
+            <a:endParaRPr lang="it-IT"/>
+          </a:p>
+        </p:txBody>
+      </p:sp>
+      <p:pic>
+        <p:nvPicPr>
+          <p:cNvPr id="11" name="Elemento grafico 10">
+            <a:extLst>
+              <a:ext uri="{FF2B5EF4-FFF2-40B4-BE49-F238E27FC236}">
+                <a16:creationId xmlns:a16="http://schemas.microsoft.com/office/drawing/2014/main" id="{5099747E-E34F-4D33-8839-CE324E8F319F}"/>
+              </a:ext>
+            </a:extLst>
+          </p:cNvPr>
+          <p:cNvPicPr>
+            <a:picLocks noChangeAspect="1"/>
+          </p:cNvPicPr>
+          <p:nvPr/>
+        </p:nvPicPr>
+        <p:blipFill rotWithShape="1">
+          <a:blip r:embed="rId3">
+            <a:extLst>
+              <a:ext uri="{28A0092B-C50C-407E-A947-70E740481C1C}">
+                <a14:useLocalDpi xmlns:a14="http://schemas.microsoft.com/office/drawing/2010/main" val="0"/>
+              </a:ext>
+              <a:ext uri="{96DAC541-7B7A-43D3-8B79-37D633B846F1}">
+                <asvg:svgBlip xmlns:asvg="http://schemas.microsoft.com/office/drawing/2016/SVG/main" r:embed="rId4"/>
+              </a:ext>
+            </a:extLst>
+          </a:blip>
+          <a:srcRect r="11465" b="39456"/>
+          <a:stretch/>
+        </p:blipFill>
+        <p:spPr>
+          <a:xfrm>
+            <a:off x="1547596" y="153351"/>
+            <a:ext cx="7352660" cy="6542595"/>
+          </a:xfrm>
+          <a:prstGeom prst="rect">
+            <a:avLst/>
+          </a:prstGeom>
+        </p:spPr>
+      </p:pic>
     </p:spTree>
     <p:extLst>
       <p:ext uri="{BB962C8B-B14F-4D97-AF65-F5344CB8AC3E}">
@@ -15472,14 +15564,178 @@
                             </p:stCondLst>
                             <p:childTnLst>
                               <p:par>
-                                <p:cTn id="5" presetID="2" presetClass="entr" presetSubtype="4" fill="hold" grpId="0" nodeType="clickEffect">
+                                <p:cTn id="5" presetID="2" presetClass="exit" presetSubtype="4" fill="hold" grpId="0" nodeType="clickEffect">
+                                  <p:stCondLst>
+                                    <p:cond delay="0"/>
+                                  </p:stCondLst>
+                                  <p:childTnLst>
+                                    <p:anim calcmode="lin" valueType="num">
+                                      <p:cBhvr additive="base">
+                                        <p:cTn id="6" dur="500"/>
+                                        <p:tgtEl>
+                                          <p:spTgt spid="10"/>
+                                        </p:tgtEl>
+                                        <p:attrNameLst>
+                                          <p:attrName>ppt_x</p:attrName>
+                                        </p:attrNameLst>
+                                      </p:cBhvr>
+                                      <p:tavLst>
+                                        <p:tav tm="0">
+                                          <p:val>
+                                            <p:strVal val="ppt_x"/>
+                                          </p:val>
+                                        </p:tav>
+                                        <p:tav tm="100000">
+                                          <p:val>
+                                            <p:strVal val="ppt_x"/>
+                                          </p:val>
+                                        </p:tav>
+                                      </p:tavLst>
+                                    </p:anim>
+                                    <p:anim calcmode="lin" valueType="num">
+                                      <p:cBhvr additive="base">
+                                        <p:cTn id="7" dur="500"/>
+                                        <p:tgtEl>
+                                          <p:spTgt spid="10"/>
+                                        </p:tgtEl>
+                                        <p:attrNameLst>
+                                          <p:attrName>ppt_y</p:attrName>
+                                        </p:attrNameLst>
+                                      </p:cBhvr>
+                                      <p:tavLst>
+                                        <p:tav tm="0">
+                                          <p:val>
+                                            <p:strVal val="ppt_y"/>
+                                          </p:val>
+                                        </p:tav>
+                                        <p:tav tm="100000">
+                                          <p:val>
+                                            <p:strVal val="1+ppt_h/2"/>
+                                          </p:val>
+                                        </p:tav>
+                                      </p:tavLst>
+                                    </p:anim>
+                                    <p:set>
+                                      <p:cBhvr>
+                                        <p:cTn id="8" dur="1" fill="hold">
+                                          <p:stCondLst>
+                                            <p:cond delay="499"/>
+                                          </p:stCondLst>
+                                        </p:cTn>
+                                        <p:tgtEl>
+                                          <p:spTgt spid="10"/>
+                                        </p:tgtEl>
+                                        <p:attrNameLst>
+                                          <p:attrName>style.visibility</p:attrName>
+                                        </p:attrNameLst>
+                                      </p:cBhvr>
+                                      <p:to>
+                                        <p:strVal val="hidden"/>
+                                      </p:to>
+                                    </p:set>
+                                  </p:childTnLst>
+                                </p:cTn>
+                              </p:par>
+                              <p:par>
+                                <p:cTn id="9" presetID="2" presetClass="exit" presetSubtype="4" fill="hold" nodeType="withEffect">
+                                  <p:stCondLst>
+                                    <p:cond delay="0"/>
+                                  </p:stCondLst>
+                                  <p:childTnLst>
+                                    <p:anim calcmode="lin" valueType="num">
+                                      <p:cBhvr additive="base">
+                                        <p:cTn id="10" dur="500"/>
+                                        <p:tgtEl>
+                                          <p:spTgt spid="11"/>
+                                        </p:tgtEl>
+                                        <p:attrNameLst>
+                                          <p:attrName>ppt_x</p:attrName>
+                                        </p:attrNameLst>
+                                      </p:cBhvr>
+                                      <p:tavLst>
+                                        <p:tav tm="0">
+                                          <p:val>
+                                            <p:strVal val="ppt_x"/>
+                                          </p:val>
+                                        </p:tav>
+                                        <p:tav tm="100000">
+                                          <p:val>
+                                            <p:strVal val="ppt_x"/>
+                                          </p:val>
+                                        </p:tav>
+                                      </p:tavLst>
+                                    </p:anim>
+                                    <p:anim calcmode="lin" valueType="num">
+                                      <p:cBhvr additive="base">
+                                        <p:cTn id="11" dur="500"/>
+                                        <p:tgtEl>
+                                          <p:spTgt spid="11"/>
+                                        </p:tgtEl>
+                                        <p:attrNameLst>
+                                          <p:attrName>ppt_y</p:attrName>
+                                        </p:attrNameLst>
+                                      </p:cBhvr>
+                                      <p:tavLst>
+                                        <p:tav tm="0">
+                                          <p:val>
+                                            <p:strVal val="ppt_y"/>
+                                          </p:val>
+                                        </p:tav>
+                                        <p:tav tm="100000">
+                                          <p:val>
+                                            <p:strVal val="1+ppt_h/2"/>
+                                          </p:val>
+                                        </p:tav>
+                                      </p:tavLst>
+                                    </p:anim>
+                                    <p:set>
+                                      <p:cBhvr>
+                                        <p:cTn id="12" dur="1" fill="hold">
+                                          <p:stCondLst>
+                                            <p:cond delay="499"/>
+                                          </p:stCondLst>
+                                        </p:cTn>
+                                        <p:tgtEl>
+                                          <p:spTgt spid="11"/>
+                                        </p:tgtEl>
+                                        <p:attrNameLst>
+                                          <p:attrName>style.visibility</p:attrName>
+                                        </p:attrNameLst>
+                                      </p:cBhvr>
+                                      <p:to>
+                                        <p:strVal val="hidden"/>
+                                      </p:to>
+                                    </p:set>
+                                  </p:childTnLst>
+                                </p:cTn>
+                              </p:par>
+                            </p:childTnLst>
+                          </p:cTn>
+                        </p:par>
+                      </p:childTnLst>
+                    </p:cTn>
+                  </p:par>
+                  <p:par>
+                    <p:cTn id="13" fill="hold">
+                      <p:stCondLst>
+                        <p:cond delay="indefinite"/>
+                      </p:stCondLst>
+                      <p:childTnLst>
+                        <p:par>
+                          <p:cTn id="14" fill="hold">
+                            <p:stCondLst>
+                              <p:cond delay="0"/>
+                            </p:stCondLst>
+                            <p:childTnLst>
+                              <p:par>
+                                <p:cTn id="15" presetID="2" presetClass="entr" presetSubtype="4" fill="hold" grpId="0" nodeType="clickEffect">
                                   <p:stCondLst>
                                     <p:cond delay="0"/>
                                   </p:stCondLst>
                                   <p:childTnLst>
                                     <p:set>
                                       <p:cBhvr>
-                                        <p:cTn id="6" dur="1" fill="hold">
+                                        <p:cTn id="16" dur="1" fill="hold">
                                           <p:stCondLst>
                                             <p:cond delay="0"/>
                                           </p:stCondLst>
@@ -15497,7 +15753,7 @@
                                     </p:set>
                                     <p:anim calcmode="lin" valueType="num">
                                       <p:cBhvr additive="base">
-                                        <p:cTn id="7" dur="500" fill="hold"/>
+                                        <p:cTn id="17" dur="500" fill="hold"/>
                                         <p:tgtEl>
                                           <p:spTgt spid="7"/>
                                         </p:tgtEl>
@@ -15520,7 +15776,7 @@
                                     </p:anim>
                                     <p:anim calcmode="lin" valueType="num">
                                       <p:cBhvr additive="base">
-                                        <p:cTn id="8" dur="500" fill="hold"/>
+                                        <p:cTn id="18" dur="500" fill="hold"/>
                                         <p:tgtEl>
                                           <p:spTgt spid="7"/>
                                         </p:tgtEl>
@@ -15573,6 +15829,7 @@
     </p:tnLst>
     <p:bldLst>
       <p:bldP spid="7" grpId="0"/>
+      <p:bldP spid="10" grpId="0" animBg="1"/>
     </p:bldLst>
   </p:timing>
 </p:sld>
@@ -15766,58 +16023,6 @@
       </p:sp>
       <p:sp>
         <p:nvSpPr>
-          <p:cNvPr id="11" name="Rettangolo con angoli arrotondati 10">
-            <a:extLst>
-              <a:ext uri="{FF2B5EF4-FFF2-40B4-BE49-F238E27FC236}">
-                <a16:creationId xmlns:a16="http://schemas.microsoft.com/office/drawing/2014/main" id="{A6F2FAF8-EB9A-411B-89B8-66C3F577FF71}"/>
-              </a:ext>
-            </a:extLst>
-          </p:cNvPr>
-          <p:cNvSpPr/>
-          <p:nvPr/>
-        </p:nvSpPr>
-        <p:spPr>
-          <a:xfrm>
-            <a:off x="1388691" y="0"/>
-            <a:ext cx="7755309" cy="6858000"/>
-          </a:xfrm>
-          <a:prstGeom prst="roundRect">
-            <a:avLst/>
-          </a:prstGeom>
-          <a:solidFill>
-            <a:schemeClr val="accent3">
-              <a:alpha val="50000"/>
-            </a:schemeClr>
-          </a:solidFill>
-          <a:ln>
-            <a:noFill/>
-          </a:ln>
-        </p:spPr>
-        <p:style>
-          <a:lnRef idx="0">
-            <a:scrgbClr r="0" g="0" b="0"/>
-          </a:lnRef>
-          <a:fillRef idx="0">
-            <a:scrgbClr r="0" g="0" b="0"/>
-          </a:fillRef>
-          <a:effectRef idx="0">
-            <a:scrgbClr r="0" g="0" b="0"/>
-          </a:effectRef>
-          <a:fontRef idx="minor">
-            <a:schemeClr val="lt1"/>
-          </a:fontRef>
-        </p:style>
-        <p:txBody>
-          <a:bodyPr rtlCol="0" anchor="ctr"/>
-          <a:lstStyle/>
-          <a:p>
-            <a:pPr algn="ctr"/>
-            <a:endParaRPr lang="it-IT"/>
-          </a:p>
-        </p:txBody>
-      </p:sp>
-      <p:sp>
-        <p:nvSpPr>
           <p:cNvPr id="8" name="Segnaposto contenuto 2">
             <a:extLst>
               <a:ext uri="{FF2B5EF4-FFF2-40B4-BE49-F238E27FC236}">
@@ -16244,6 +16449,98 @@
           </a:p>
         </p:txBody>
       </p:sp>
+      <p:sp>
+        <p:nvSpPr>
+          <p:cNvPr id="12" name="Rettangolo con angoli arrotondati 11">
+            <a:extLst>
+              <a:ext uri="{FF2B5EF4-FFF2-40B4-BE49-F238E27FC236}">
+                <a16:creationId xmlns:a16="http://schemas.microsoft.com/office/drawing/2014/main" id="{D03CFE0F-51AA-43F3-90FB-E05DC5CF8C55}"/>
+              </a:ext>
+            </a:extLst>
+          </p:cNvPr>
+          <p:cNvSpPr/>
+          <p:nvPr/>
+        </p:nvSpPr>
+        <p:spPr>
+          <a:xfrm>
+            <a:off x="1390089" y="1398"/>
+            <a:ext cx="7755309" cy="6858000"/>
+          </a:xfrm>
+          <a:prstGeom prst="roundRect">
+            <a:avLst/>
+          </a:prstGeom>
+          <a:solidFill>
+            <a:schemeClr val="accent3">
+              <a:alpha val="80000"/>
+            </a:schemeClr>
+          </a:solidFill>
+          <a:ln>
+            <a:noFill/>
+          </a:ln>
+        </p:spPr>
+        <p:style>
+          <a:lnRef idx="2">
+            <a:schemeClr val="accent1">
+              <a:shade val="50000"/>
+            </a:schemeClr>
+          </a:lnRef>
+          <a:fillRef idx="1">
+            <a:schemeClr val="accent1"/>
+          </a:fillRef>
+          <a:effectRef idx="0">
+            <a:schemeClr val="accent1"/>
+          </a:effectRef>
+          <a:fontRef idx="minor">
+            <a:schemeClr val="lt1"/>
+          </a:fontRef>
+        </p:style>
+        <p:txBody>
+          <a:bodyPr rtlCol="0" anchor="ctr"/>
+          <a:lstStyle/>
+          <a:p>
+            <a:pPr algn="ctr"/>
+            <a:endParaRPr lang="it-IT"/>
+          </a:p>
+        </p:txBody>
+      </p:sp>
+      <p:pic>
+        <p:nvPicPr>
+          <p:cNvPr id="14" name="Elemento grafico 13">
+            <a:extLst>
+              <a:ext uri="{FF2B5EF4-FFF2-40B4-BE49-F238E27FC236}">
+                <a16:creationId xmlns:a16="http://schemas.microsoft.com/office/drawing/2014/main" id="{B75FB62E-743A-49A0-9474-8512C1DEDFED}"/>
+              </a:ext>
+            </a:extLst>
+          </p:cNvPr>
+          <p:cNvPicPr>
+            <a:picLocks noChangeAspect="1"/>
+          </p:cNvPicPr>
+          <p:nvPr/>
+        </p:nvPicPr>
+        <p:blipFill rotWithShape="1">
+          <a:blip r:embed="rId2">
+            <a:extLst>
+              <a:ext uri="{28A0092B-C50C-407E-A947-70E740481C1C}">
+                <a14:useLocalDpi xmlns:a14="http://schemas.microsoft.com/office/drawing/2010/main" val="0"/>
+              </a:ext>
+              <a:ext uri="{96DAC541-7B7A-43D3-8B79-37D633B846F1}">
+                <asvg:svgBlip xmlns:asvg="http://schemas.microsoft.com/office/drawing/2016/SVG/main" r:embed="rId3"/>
+              </a:ext>
+            </a:extLst>
+          </a:blip>
+          <a:srcRect l="34522" t="33878" r="10109" b="1650"/>
+          <a:stretch/>
+        </p:blipFill>
+        <p:spPr>
+          <a:xfrm>
+            <a:off x="1612923" y="107288"/>
+            <a:ext cx="7230472" cy="6454301"/>
+          </a:xfrm>
+          <a:prstGeom prst="rect">
+            <a:avLst/>
+          </a:prstGeom>
+        </p:spPr>
+      </p:pic>
     </p:spTree>
     <p:extLst>
       <p:ext uri="{BB962C8B-B14F-4D97-AF65-F5344CB8AC3E}">
@@ -16287,7 +16584,7 @@
                                       <p:cBhvr additive="base">
                                         <p:cTn id="6" dur="500"/>
                                         <p:tgtEl>
-                                          <p:spTgt spid="13"/>
+                                          <p:spTgt spid="14"/>
                                         </p:tgtEl>
                                         <p:attrNameLst>
                                           <p:attrName>ppt_x</p:attrName>
@@ -16310,7 +16607,7 @@
                                       <p:cBhvr additive="base">
                                         <p:cTn id="7" dur="500"/>
                                         <p:tgtEl>
-                                          <p:spTgt spid="13"/>
+                                          <p:spTgt spid="14"/>
                                         </p:tgtEl>
                                         <p:attrNameLst>
                                           <p:attrName>ppt_y</p:attrName>
@@ -16337,7 +16634,7 @@
                                           </p:stCondLst>
                                         </p:cTn>
                                         <p:tgtEl>
-                                          <p:spTgt spid="13"/>
+                                          <p:spTgt spid="14"/>
                                         </p:tgtEl>
                                         <p:attrNameLst>
                                           <p:attrName>style.visibility</p:attrName>
@@ -16360,7 +16657,7 @@
                                       <p:cBhvr additive="base">
                                         <p:cTn id="10" dur="500"/>
                                         <p:tgtEl>
-                                          <p:spTgt spid="11"/>
+                                          <p:spTgt spid="12"/>
                                         </p:tgtEl>
                                         <p:attrNameLst>
                                           <p:attrName>ppt_x</p:attrName>
@@ -16383,7 +16680,7 @@
                                       <p:cBhvr additive="base">
                                         <p:cTn id="11" dur="500"/>
                                         <p:tgtEl>
-                                          <p:spTgt spid="11"/>
+                                          <p:spTgt spid="12"/>
                                         </p:tgtEl>
                                         <p:attrNameLst>
                                           <p:attrName>ppt_y</p:attrName>
@@ -16410,7 +16707,7 @@
                                           </p:stCondLst>
                                         </p:cTn>
                                         <p:tgtEl>
-                                          <p:spTgt spid="11"/>
+                                          <p:spTgt spid="12"/>
                                         </p:tgtEl>
                                         <p:attrNameLst>
                                           <p:attrName>style.visibility</p:attrName>
@@ -16542,8 +16839,8 @@
       </p:par>
     </p:tnLst>
     <p:bldLst>
-      <p:bldP spid="11" grpId="0" animBg="1"/>
       <p:bldP spid="8" grpId="0"/>
+      <p:bldP spid="12" grpId="0" animBg="1"/>
     </p:bldLst>
   </p:timing>
 </p:sld>

--- a/Presentazioni/Presentazioni PB/Presentazione PB.pptx
+++ b/Presentazioni/Presentazioni PB/Presentazione PB.pptx
@@ -9163,44 +9163,6 @@
           </a:p>
         </p:txBody>
       </p:sp>
-      <p:pic>
-        <p:nvPicPr>
-          <p:cNvPr id="14" name="Elemento grafico 13">
-            <a:extLst>
-              <a:ext uri="{FF2B5EF4-FFF2-40B4-BE49-F238E27FC236}">
-                <a16:creationId xmlns:a16="http://schemas.microsoft.com/office/drawing/2014/main" id="{6D60A8DB-2BDF-43E7-835E-C021D8D42723}"/>
-              </a:ext>
-            </a:extLst>
-          </p:cNvPr>
-          <p:cNvPicPr>
-            <a:picLocks noChangeAspect="1"/>
-          </p:cNvPicPr>
-          <p:nvPr/>
-        </p:nvPicPr>
-        <p:blipFill rotWithShape="1">
-          <a:blip r:embed="rId3">
-            <a:extLst>
-              <a:ext uri="{28A0092B-C50C-407E-A947-70E740481C1C}">
-                <a14:useLocalDpi xmlns:a14="http://schemas.microsoft.com/office/drawing/2010/main" val="0"/>
-              </a:ext>
-              <a:ext uri="{96DAC541-7B7A-43D3-8B79-37D633B846F1}">
-                <asvg:svgBlip xmlns:asvg="http://schemas.microsoft.com/office/drawing/2016/SVG/main" r:embed="rId4"/>
-              </a:ext>
-            </a:extLst>
-          </a:blip>
-          <a:srcRect b="14694"/>
-          <a:stretch/>
-        </p:blipFill>
-        <p:spPr>
-          <a:xfrm>
-            <a:off x="442052" y="917357"/>
-            <a:ext cx="8306964" cy="5595923"/>
-          </a:xfrm>
-          <a:prstGeom prst="rect">
-            <a:avLst/>
-          </a:prstGeom>
-        </p:spPr>
-      </p:pic>
       <p:sp>
         <p:nvSpPr>
           <p:cNvPr id="13" name="Rettangolo arrotondato 5">
@@ -9301,6 +9263,44 @@
           </a:p>
         </p:txBody>
       </p:sp>
+      <p:pic>
+        <p:nvPicPr>
+          <p:cNvPr id="4" name="Elemento grafico 3">
+            <a:extLst>
+              <a:ext uri="{FF2B5EF4-FFF2-40B4-BE49-F238E27FC236}">
+                <a16:creationId xmlns:a16="http://schemas.microsoft.com/office/drawing/2014/main" id="{531214C0-3BE4-42CD-86EC-A792D370E5CA}"/>
+              </a:ext>
+            </a:extLst>
+          </p:cNvPr>
+          <p:cNvPicPr>
+            <a:picLocks noChangeAspect="1"/>
+          </p:cNvPicPr>
+          <p:nvPr/>
+        </p:nvPicPr>
+        <p:blipFill rotWithShape="1">
+          <a:blip r:embed="rId3">
+            <a:extLst>
+              <a:ext uri="{28A0092B-C50C-407E-A947-70E740481C1C}">
+                <a14:useLocalDpi xmlns:a14="http://schemas.microsoft.com/office/drawing/2010/main" val="0"/>
+              </a:ext>
+              <a:ext uri="{96DAC541-7B7A-43D3-8B79-37D633B846F1}">
+                <asvg:svgBlip xmlns:asvg="http://schemas.microsoft.com/office/drawing/2016/SVG/main" r:embed="rId4"/>
+              </a:ext>
+            </a:extLst>
+          </a:blip>
+          <a:srcRect l="2930" t="8527" b="16848"/>
+          <a:stretch/>
+        </p:blipFill>
+        <p:spPr>
+          <a:xfrm>
+            <a:off x="625474" y="1274167"/>
+            <a:ext cx="8167350" cy="4851864"/>
+          </a:xfrm>
+          <a:prstGeom prst="rect">
+            <a:avLst/>
+          </a:prstGeom>
+        </p:spPr>
+      </p:pic>
     </p:spTree>
     <p:extLst>
       <p:ext uri="{BB962C8B-B14F-4D97-AF65-F5344CB8AC3E}">
@@ -13041,7 +13041,7 @@
         </p:nvSpPr>
         <p:spPr>
           <a:xfrm>
-            <a:off x="1941505" y="2729934"/>
+            <a:off x="1941505" y="2771879"/>
             <a:ext cx="3174002" cy="340650"/>
           </a:xfrm>
           <a:prstGeom prst="roundRect">
@@ -15240,6 +15240,98 @@
       </p:sp>
       <p:sp>
         <p:nvSpPr>
+          <p:cNvPr id="10" name="Rettangolo con angoli arrotondati 9">
+            <a:extLst>
+              <a:ext uri="{FF2B5EF4-FFF2-40B4-BE49-F238E27FC236}">
+                <a16:creationId xmlns:a16="http://schemas.microsoft.com/office/drawing/2014/main" id="{8BC1522F-433B-4EBD-9031-347BA10AC7BB}"/>
+              </a:ext>
+            </a:extLst>
+          </p:cNvPr>
+          <p:cNvSpPr/>
+          <p:nvPr/>
+        </p:nvSpPr>
+        <p:spPr>
+          <a:xfrm>
+            <a:off x="1366418" y="8389"/>
+            <a:ext cx="7777581" cy="6858000"/>
+          </a:xfrm>
+          <a:prstGeom prst="roundRect">
+            <a:avLst/>
+          </a:prstGeom>
+          <a:solidFill>
+            <a:srgbClr val="A5A5A5">
+              <a:alpha val="50196"/>
+            </a:srgbClr>
+          </a:solidFill>
+          <a:ln>
+            <a:noFill/>
+          </a:ln>
+        </p:spPr>
+        <p:style>
+          <a:lnRef idx="2">
+            <a:schemeClr val="accent1">
+              <a:shade val="50000"/>
+            </a:schemeClr>
+          </a:lnRef>
+          <a:fillRef idx="1">
+            <a:schemeClr val="accent1"/>
+          </a:fillRef>
+          <a:effectRef idx="0">
+            <a:schemeClr val="accent1"/>
+          </a:effectRef>
+          <a:fontRef idx="minor">
+            <a:schemeClr val="lt1"/>
+          </a:fontRef>
+        </p:style>
+        <p:txBody>
+          <a:bodyPr rtlCol="0" anchor="ctr"/>
+          <a:lstStyle/>
+          <a:p>
+            <a:pPr algn="ctr"/>
+            <a:endParaRPr lang="it-IT"/>
+          </a:p>
+        </p:txBody>
+      </p:sp>
+      <p:pic>
+        <p:nvPicPr>
+          <p:cNvPr id="5" name="Elemento grafico 4">
+            <a:extLst>
+              <a:ext uri="{FF2B5EF4-FFF2-40B4-BE49-F238E27FC236}">
+                <a16:creationId xmlns:a16="http://schemas.microsoft.com/office/drawing/2014/main" id="{6D2DFEFF-176A-4CE0-8075-3A6B062BFB03}"/>
+              </a:ext>
+            </a:extLst>
+          </p:cNvPr>
+          <p:cNvPicPr>
+            <a:picLocks noChangeAspect="1"/>
+          </p:cNvPicPr>
+          <p:nvPr/>
+        </p:nvPicPr>
+        <p:blipFill rotWithShape="1">
+          <a:blip r:embed="rId3">
+            <a:extLst>
+              <a:ext uri="{28A0092B-C50C-407E-A947-70E740481C1C}">
+                <a14:useLocalDpi xmlns:a14="http://schemas.microsoft.com/office/drawing/2010/main" val="0"/>
+              </a:ext>
+              <a:ext uri="{96DAC541-7B7A-43D3-8B79-37D633B846F1}">
+                <asvg:svgBlip xmlns:asvg="http://schemas.microsoft.com/office/drawing/2016/SVG/main" r:embed="rId4"/>
+              </a:ext>
+            </a:extLst>
+          </a:blip>
+          <a:srcRect l="1772" t="1100" r="11800" b="42018"/>
+          <a:stretch/>
+        </p:blipFill>
+        <p:spPr>
+          <a:xfrm>
+            <a:off x="1703379" y="268290"/>
+            <a:ext cx="7364051" cy="6306232"/>
+          </a:xfrm>
+          <a:prstGeom prst="rect">
+            <a:avLst/>
+          </a:prstGeom>
+        </p:spPr>
+      </p:pic>
+      <p:sp>
+        <p:nvSpPr>
           <p:cNvPr id="8" name="Triangolo isoscele 20">
             <a:extLst>
               <a:ext uri="{FF2B5EF4-FFF2-40B4-BE49-F238E27FC236}">
@@ -15423,7 +15515,7 @@
               <a:t>6</a:t>
             </a:fld>
             <a:r>
-              <a:rPr lang="it-IT" altLang="zh-CN" sz="2000">
+              <a:rPr lang="it-IT" altLang="zh-CN" sz="2000" dirty="0">
                 <a:solidFill>
                   <a:schemeClr val="bg1"/>
                 </a:solidFill>
@@ -15438,98 +15530,6 @@
           </a:p>
         </p:txBody>
       </p:sp>
-      <p:sp>
-        <p:nvSpPr>
-          <p:cNvPr id="10" name="Rettangolo con angoli arrotondati 9">
-            <a:extLst>
-              <a:ext uri="{FF2B5EF4-FFF2-40B4-BE49-F238E27FC236}">
-                <a16:creationId xmlns:a16="http://schemas.microsoft.com/office/drawing/2014/main" id="{8BC1522F-433B-4EBD-9031-347BA10AC7BB}"/>
-              </a:ext>
-            </a:extLst>
-          </p:cNvPr>
-          <p:cNvSpPr/>
-          <p:nvPr/>
-        </p:nvSpPr>
-        <p:spPr>
-          <a:xfrm>
-            <a:off x="1366418" y="8389"/>
-            <a:ext cx="7777581" cy="6858000"/>
-          </a:xfrm>
-          <a:prstGeom prst="roundRect">
-            <a:avLst/>
-          </a:prstGeom>
-          <a:solidFill>
-            <a:schemeClr val="accent3">
-              <a:alpha val="80000"/>
-            </a:schemeClr>
-          </a:solidFill>
-          <a:ln>
-            <a:noFill/>
-          </a:ln>
-        </p:spPr>
-        <p:style>
-          <a:lnRef idx="2">
-            <a:schemeClr val="accent1">
-              <a:shade val="50000"/>
-            </a:schemeClr>
-          </a:lnRef>
-          <a:fillRef idx="1">
-            <a:schemeClr val="accent1"/>
-          </a:fillRef>
-          <a:effectRef idx="0">
-            <a:schemeClr val="accent1"/>
-          </a:effectRef>
-          <a:fontRef idx="minor">
-            <a:schemeClr val="lt1"/>
-          </a:fontRef>
-        </p:style>
-        <p:txBody>
-          <a:bodyPr rtlCol="0" anchor="ctr"/>
-          <a:lstStyle/>
-          <a:p>
-            <a:pPr algn="ctr"/>
-            <a:endParaRPr lang="it-IT"/>
-          </a:p>
-        </p:txBody>
-      </p:sp>
-      <p:pic>
-        <p:nvPicPr>
-          <p:cNvPr id="11" name="Elemento grafico 10">
-            <a:extLst>
-              <a:ext uri="{FF2B5EF4-FFF2-40B4-BE49-F238E27FC236}">
-                <a16:creationId xmlns:a16="http://schemas.microsoft.com/office/drawing/2014/main" id="{5099747E-E34F-4D33-8839-CE324E8F319F}"/>
-              </a:ext>
-            </a:extLst>
-          </p:cNvPr>
-          <p:cNvPicPr>
-            <a:picLocks noChangeAspect="1"/>
-          </p:cNvPicPr>
-          <p:nvPr/>
-        </p:nvPicPr>
-        <p:blipFill rotWithShape="1">
-          <a:blip r:embed="rId3">
-            <a:extLst>
-              <a:ext uri="{28A0092B-C50C-407E-A947-70E740481C1C}">
-                <a14:useLocalDpi xmlns:a14="http://schemas.microsoft.com/office/drawing/2010/main" val="0"/>
-              </a:ext>
-              <a:ext uri="{96DAC541-7B7A-43D3-8B79-37D633B846F1}">
-                <asvg:svgBlip xmlns:asvg="http://schemas.microsoft.com/office/drawing/2016/SVG/main" r:embed="rId4"/>
-              </a:ext>
-            </a:extLst>
-          </a:blip>
-          <a:srcRect r="11465" b="39456"/>
-          <a:stretch/>
-        </p:blipFill>
-        <p:spPr>
-          <a:xfrm>
-            <a:off x="1547596" y="153351"/>
-            <a:ext cx="7352660" cy="6542595"/>
-          </a:xfrm>
-          <a:prstGeom prst="rect">
-            <a:avLst/>
-          </a:prstGeom>
-        </p:spPr>
-      </p:pic>
     </p:spTree>
     <p:extLst>
       <p:ext uri="{BB962C8B-B14F-4D97-AF65-F5344CB8AC3E}">
@@ -15646,7 +15646,7 @@
                                       <p:cBhvr additive="base">
                                         <p:cTn id="10" dur="500"/>
                                         <p:tgtEl>
-                                          <p:spTgt spid="11"/>
+                                          <p:spTgt spid="5"/>
                                         </p:tgtEl>
                                         <p:attrNameLst>
                                           <p:attrName>ppt_x</p:attrName>
@@ -15669,7 +15669,7 @@
                                       <p:cBhvr additive="base">
                                         <p:cTn id="11" dur="500"/>
                                         <p:tgtEl>
-                                          <p:spTgt spid="11"/>
+                                          <p:spTgt spid="5"/>
                                         </p:tgtEl>
                                         <p:attrNameLst>
                                           <p:attrName>ppt_y</p:attrName>
@@ -15696,7 +15696,7 @@
                                           </p:stCondLst>
                                         </p:cTn>
                                         <p:tgtEl>
-                                          <p:spTgt spid="11"/>
+                                          <p:spTgt spid="5"/>
                                         </p:tgtEl>
                                         <p:attrNameLst>
                                           <p:attrName>style.visibility</p:attrName>
@@ -16251,6 +16251,98 @@
       </p:sp>
       <p:sp>
         <p:nvSpPr>
+          <p:cNvPr id="12" name="Rettangolo con angoli arrotondati 11">
+            <a:extLst>
+              <a:ext uri="{FF2B5EF4-FFF2-40B4-BE49-F238E27FC236}">
+                <a16:creationId xmlns:a16="http://schemas.microsoft.com/office/drawing/2014/main" id="{D03CFE0F-51AA-43F3-90FB-E05DC5CF8C55}"/>
+              </a:ext>
+            </a:extLst>
+          </p:cNvPr>
+          <p:cNvSpPr/>
+          <p:nvPr/>
+        </p:nvSpPr>
+        <p:spPr>
+          <a:xfrm>
+            <a:off x="1390089" y="1398"/>
+            <a:ext cx="7755309" cy="6858000"/>
+          </a:xfrm>
+          <a:prstGeom prst="roundRect">
+            <a:avLst/>
+          </a:prstGeom>
+          <a:solidFill>
+            <a:srgbClr val="A5A5A5">
+              <a:alpha val="50196"/>
+            </a:srgbClr>
+          </a:solidFill>
+          <a:ln>
+            <a:noFill/>
+          </a:ln>
+        </p:spPr>
+        <p:style>
+          <a:lnRef idx="2">
+            <a:schemeClr val="accent1">
+              <a:shade val="50000"/>
+            </a:schemeClr>
+          </a:lnRef>
+          <a:fillRef idx="1">
+            <a:schemeClr val="accent1"/>
+          </a:fillRef>
+          <a:effectRef idx="0">
+            <a:schemeClr val="accent1"/>
+          </a:effectRef>
+          <a:fontRef idx="minor">
+            <a:schemeClr val="lt1"/>
+          </a:fontRef>
+        </p:style>
+        <p:txBody>
+          <a:bodyPr rtlCol="0" anchor="ctr"/>
+          <a:lstStyle/>
+          <a:p>
+            <a:pPr algn="ctr"/>
+            <a:endParaRPr lang="it-IT"/>
+          </a:p>
+        </p:txBody>
+      </p:sp>
+      <p:pic>
+        <p:nvPicPr>
+          <p:cNvPr id="5" name="Elemento grafico 4">
+            <a:extLst>
+              <a:ext uri="{FF2B5EF4-FFF2-40B4-BE49-F238E27FC236}">
+                <a16:creationId xmlns:a16="http://schemas.microsoft.com/office/drawing/2014/main" id="{6DDE7F7C-28DC-46AC-93AF-085E350A8C3B}"/>
+              </a:ext>
+            </a:extLst>
+          </p:cNvPr>
+          <p:cNvPicPr>
+            <a:picLocks noChangeAspect="1"/>
+          </p:cNvPicPr>
+          <p:nvPr/>
+        </p:nvPicPr>
+        <p:blipFill rotWithShape="1">
+          <a:blip r:embed="rId5">
+            <a:extLst>
+              <a:ext uri="{28A0092B-C50C-407E-A947-70E740481C1C}">
+                <a14:useLocalDpi xmlns:a14="http://schemas.microsoft.com/office/drawing/2010/main" val="0"/>
+              </a:ext>
+              <a:ext uri="{96DAC541-7B7A-43D3-8B79-37D633B846F1}">
+                <asvg:svgBlip xmlns:asvg="http://schemas.microsoft.com/office/drawing/2016/SVG/main" r:embed="rId6"/>
+              </a:ext>
+            </a:extLst>
+          </a:blip>
+          <a:srcRect l="34959" t="34054" r="9446" b="598"/>
+          <a:stretch/>
+        </p:blipFill>
+        <p:spPr>
+          <a:xfrm>
+            <a:off x="1604369" y="304801"/>
+            <a:ext cx="7120181" cy="6431937"/>
+          </a:xfrm>
+          <a:prstGeom prst="rect">
+            <a:avLst/>
+          </a:prstGeom>
+        </p:spPr>
+      </p:pic>
+      <p:sp>
+        <p:nvSpPr>
           <p:cNvPr id="9" name="Triangolo isoscele 20">
             <a:extLst>
               <a:ext uri="{FF2B5EF4-FFF2-40B4-BE49-F238E27FC236}">
@@ -16434,7 +16526,7 @@
               <a:t>7</a:t>
             </a:fld>
             <a:r>
-              <a:rPr lang="it-IT" altLang="zh-CN" sz="2000">
+              <a:rPr lang="it-IT" altLang="zh-CN" sz="2000" dirty="0">
                 <a:solidFill>
                   <a:schemeClr val="bg1"/>
                 </a:solidFill>
@@ -16449,98 +16541,6 @@
           </a:p>
         </p:txBody>
       </p:sp>
-      <p:sp>
-        <p:nvSpPr>
-          <p:cNvPr id="12" name="Rettangolo con angoli arrotondati 11">
-            <a:extLst>
-              <a:ext uri="{FF2B5EF4-FFF2-40B4-BE49-F238E27FC236}">
-                <a16:creationId xmlns:a16="http://schemas.microsoft.com/office/drawing/2014/main" id="{D03CFE0F-51AA-43F3-90FB-E05DC5CF8C55}"/>
-              </a:ext>
-            </a:extLst>
-          </p:cNvPr>
-          <p:cNvSpPr/>
-          <p:nvPr/>
-        </p:nvSpPr>
-        <p:spPr>
-          <a:xfrm>
-            <a:off x="1390089" y="1398"/>
-            <a:ext cx="7755309" cy="6858000"/>
-          </a:xfrm>
-          <a:prstGeom prst="roundRect">
-            <a:avLst/>
-          </a:prstGeom>
-          <a:solidFill>
-            <a:schemeClr val="accent3">
-              <a:alpha val="80000"/>
-            </a:schemeClr>
-          </a:solidFill>
-          <a:ln>
-            <a:noFill/>
-          </a:ln>
-        </p:spPr>
-        <p:style>
-          <a:lnRef idx="2">
-            <a:schemeClr val="accent1">
-              <a:shade val="50000"/>
-            </a:schemeClr>
-          </a:lnRef>
-          <a:fillRef idx="1">
-            <a:schemeClr val="accent1"/>
-          </a:fillRef>
-          <a:effectRef idx="0">
-            <a:schemeClr val="accent1"/>
-          </a:effectRef>
-          <a:fontRef idx="minor">
-            <a:schemeClr val="lt1"/>
-          </a:fontRef>
-        </p:style>
-        <p:txBody>
-          <a:bodyPr rtlCol="0" anchor="ctr"/>
-          <a:lstStyle/>
-          <a:p>
-            <a:pPr algn="ctr"/>
-            <a:endParaRPr lang="it-IT"/>
-          </a:p>
-        </p:txBody>
-      </p:sp>
-      <p:pic>
-        <p:nvPicPr>
-          <p:cNvPr id="14" name="Elemento grafico 13">
-            <a:extLst>
-              <a:ext uri="{FF2B5EF4-FFF2-40B4-BE49-F238E27FC236}">
-                <a16:creationId xmlns:a16="http://schemas.microsoft.com/office/drawing/2014/main" id="{B75FB62E-743A-49A0-9474-8512C1DEDFED}"/>
-              </a:ext>
-            </a:extLst>
-          </p:cNvPr>
-          <p:cNvPicPr>
-            <a:picLocks noChangeAspect="1"/>
-          </p:cNvPicPr>
-          <p:nvPr/>
-        </p:nvPicPr>
-        <p:blipFill rotWithShape="1">
-          <a:blip r:embed="rId2">
-            <a:extLst>
-              <a:ext uri="{28A0092B-C50C-407E-A947-70E740481C1C}">
-                <a14:useLocalDpi xmlns:a14="http://schemas.microsoft.com/office/drawing/2010/main" val="0"/>
-              </a:ext>
-              <a:ext uri="{96DAC541-7B7A-43D3-8B79-37D633B846F1}">
-                <asvg:svgBlip xmlns:asvg="http://schemas.microsoft.com/office/drawing/2016/SVG/main" r:embed="rId3"/>
-              </a:ext>
-            </a:extLst>
-          </a:blip>
-          <a:srcRect l="34522" t="33878" r="10109" b="1650"/>
-          <a:stretch/>
-        </p:blipFill>
-        <p:spPr>
-          <a:xfrm>
-            <a:off x="1612923" y="107288"/>
-            <a:ext cx="7230472" cy="6454301"/>
-          </a:xfrm>
-          <a:prstGeom prst="rect">
-            <a:avLst/>
-          </a:prstGeom>
-        </p:spPr>
-      </p:pic>
     </p:spTree>
     <p:extLst>
       <p:ext uri="{BB962C8B-B14F-4D97-AF65-F5344CB8AC3E}">
@@ -16575,7 +16575,7 @@
                             </p:stCondLst>
                             <p:childTnLst>
                               <p:par>
-                                <p:cTn id="5" presetID="2" presetClass="exit" presetSubtype="4" fill="hold" nodeType="clickEffect">
+                                <p:cTn id="5" presetID="2" presetClass="exit" presetSubtype="4" fill="hold" grpId="0" nodeType="clickEffect">
                                   <p:stCondLst>
                                     <p:cond delay="0"/>
                                   </p:stCondLst>
@@ -16584,7 +16584,7 @@
                                       <p:cBhvr additive="base">
                                         <p:cTn id="6" dur="500"/>
                                         <p:tgtEl>
-                                          <p:spTgt spid="14"/>
+                                          <p:spTgt spid="12"/>
                                         </p:tgtEl>
                                         <p:attrNameLst>
                                           <p:attrName>ppt_x</p:attrName>
@@ -16607,7 +16607,7 @@
                                       <p:cBhvr additive="base">
                                         <p:cTn id="7" dur="500"/>
                                         <p:tgtEl>
-                                          <p:spTgt spid="14"/>
+                                          <p:spTgt spid="12"/>
                                         </p:tgtEl>
                                         <p:attrNameLst>
                                           <p:attrName>ppt_y</p:attrName>
@@ -16634,7 +16634,7 @@
                                           </p:stCondLst>
                                         </p:cTn>
                                         <p:tgtEl>
-                                          <p:spTgt spid="14"/>
+                                          <p:spTgt spid="12"/>
                                         </p:tgtEl>
                                         <p:attrNameLst>
                                           <p:attrName>style.visibility</p:attrName>
@@ -16648,7 +16648,7 @@
                                 </p:cTn>
                               </p:par>
                               <p:par>
-                                <p:cTn id="9" presetID="2" presetClass="exit" presetSubtype="4" fill="hold" grpId="0" nodeType="withEffect">
+                                <p:cTn id="9" presetID="2" presetClass="exit" presetSubtype="4" fill="hold" nodeType="withEffect">
                                   <p:stCondLst>
                                     <p:cond delay="0"/>
                                   </p:stCondLst>
@@ -16657,7 +16657,7 @@
                                       <p:cBhvr additive="base">
                                         <p:cTn id="10" dur="500"/>
                                         <p:tgtEl>
-                                          <p:spTgt spid="12"/>
+                                          <p:spTgt spid="5"/>
                                         </p:tgtEl>
                                         <p:attrNameLst>
                                           <p:attrName>ppt_x</p:attrName>
@@ -16680,7 +16680,7 @@
                                       <p:cBhvr additive="base">
                                         <p:cTn id="11" dur="500"/>
                                         <p:tgtEl>
-                                          <p:spTgt spid="12"/>
+                                          <p:spTgt spid="5"/>
                                         </p:tgtEl>
                                         <p:attrNameLst>
                                           <p:attrName>ppt_y</p:attrName>
@@ -16707,7 +16707,7 @@
                                           </p:stCondLst>
                                         </p:cTn>
                                         <p:tgtEl>
-                                          <p:spTgt spid="12"/>
+                                          <p:spTgt spid="5"/>
                                         </p:tgtEl>
                                         <p:attrNameLst>
                                           <p:attrName>style.visibility</p:attrName>
@@ -17145,44 +17145,6 @@
           </a:p>
         </p:txBody>
       </p:sp>
-      <p:pic>
-        <p:nvPicPr>
-          <p:cNvPr id="12" name="Elemento grafico 11">
-            <a:extLst>
-              <a:ext uri="{FF2B5EF4-FFF2-40B4-BE49-F238E27FC236}">
-                <a16:creationId xmlns:a16="http://schemas.microsoft.com/office/drawing/2014/main" id="{170DB40C-C91B-493A-B602-7BF74CDC38D9}"/>
-              </a:ext>
-            </a:extLst>
-          </p:cNvPr>
-          <p:cNvPicPr>
-            <a:picLocks noChangeAspect="1"/>
-          </p:cNvPicPr>
-          <p:nvPr/>
-        </p:nvPicPr>
-        <p:blipFill rotWithShape="1">
-          <a:blip r:embed="rId3">
-            <a:extLst>
-              <a:ext uri="{28A0092B-C50C-407E-A947-70E740481C1C}">
-                <a14:useLocalDpi xmlns:a14="http://schemas.microsoft.com/office/drawing/2010/main" val="0"/>
-              </a:ext>
-              <a:ext uri="{96DAC541-7B7A-43D3-8B79-37D633B846F1}">
-                <asvg:svgBlip xmlns:asvg="http://schemas.microsoft.com/office/drawing/2016/SVG/main" r:embed="rId4"/>
-              </a:ext>
-            </a:extLst>
-          </a:blip>
-          <a:srcRect r="35919" b="38503"/>
-          <a:stretch/>
-        </p:blipFill>
-        <p:spPr>
-          <a:xfrm>
-            <a:off x="840881" y="995747"/>
-            <a:ext cx="7495794" cy="5528346"/>
-          </a:xfrm>
-          <a:prstGeom prst="rect">
-            <a:avLst/>
-          </a:prstGeom>
-        </p:spPr>
-      </p:pic>
       <p:sp>
         <p:nvSpPr>
           <p:cNvPr id="13" name="Rettangolo arrotondato 5">
@@ -17283,6 +17245,44 @@
           </a:p>
         </p:txBody>
       </p:sp>
+      <p:pic>
+        <p:nvPicPr>
+          <p:cNvPr id="4" name="Elemento grafico 3">
+            <a:extLst>
+              <a:ext uri="{FF2B5EF4-FFF2-40B4-BE49-F238E27FC236}">
+                <a16:creationId xmlns:a16="http://schemas.microsoft.com/office/drawing/2014/main" id="{45C5C0C6-7EF7-42C8-8F94-FB794312B917}"/>
+              </a:ext>
+            </a:extLst>
+          </p:cNvPr>
+          <p:cNvPicPr>
+            <a:picLocks noChangeAspect="1"/>
+          </p:cNvPicPr>
+          <p:nvPr/>
+        </p:nvPicPr>
+        <p:blipFill rotWithShape="1">
+          <a:blip r:embed="rId3">
+            <a:extLst>
+              <a:ext uri="{28A0092B-C50C-407E-A947-70E740481C1C}">
+                <a14:useLocalDpi xmlns:a14="http://schemas.microsoft.com/office/drawing/2010/main" val="0"/>
+              </a:ext>
+              <a:ext uri="{96DAC541-7B7A-43D3-8B79-37D633B846F1}">
+                <asvg:svgBlip xmlns:asvg="http://schemas.microsoft.com/office/drawing/2016/SVG/main" r:embed="rId4"/>
+              </a:ext>
+            </a:extLst>
+          </a:blip>
+          <a:srcRect r="36839" b="37981"/>
+          <a:stretch/>
+        </p:blipFill>
+        <p:spPr>
+          <a:xfrm>
+            <a:off x="852744" y="1111522"/>
+            <a:ext cx="7336758" cy="5536412"/>
+          </a:xfrm>
+          <a:prstGeom prst="rect">
+            <a:avLst/>
+          </a:prstGeom>
+        </p:spPr>
+      </p:pic>
     </p:spTree>
     <p:extLst>
       <p:ext uri="{BB962C8B-B14F-4D97-AF65-F5344CB8AC3E}">
@@ -17521,44 +17521,6 @@
           </a:p>
         </p:txBody>
       </p:sp>
-      <p:pic>
-        <p:nvPicPr>
-          <p:cNvPr id="12" name="Elemento grafico 11">
-            <a:extLst>
-              <a:ext uri="{FF2B5EF4-FFF2-40B4-BE49-F238E27FC236}">
-                <a16:creationId xmlns:a16="http://schemas.microsoft.com/office/drawing/2014/main" id="{5AC4679A-A0E3-46DD-80EF-A910ABDAB4D5}"/>
-              </a:ext>
-            </a:extLst>
-          </p:cNvPr>
-          <p:cNvPicPr>
-            <a:picLocks noChangeAspect="1"/>
-          </p:cNvPicPr>
-          <p:nvPr/>
-        </p:nvPicPr>
-        <p:blipFill rotWithShape="1">
-          <a:blip r:embed="rId3">
-            <a:extLst>
-              <a:ext uri="{28A0092B-C50C-407E-A947-70E740481C1C}">
-                <a14:useLocalDpi xmlns:a14="http://schemas.microsoft.com/office/drawing/2010/main" val="0"/>
-              </a:ext>
-              <a:ext uri="{96DAC541-7B7A-43D3-8B79-37D633B846F1}">
-                <asvg:svgBlip xmlns:asvg="http://schemas.microsoft.com/office/drawing/2016/SVG/main" r:embed="rId4"/>
-              </a:ext>
-            </a:extLst>
-          </a:blip>
-          <a:srcRect r="25431" b="22857"/>
-          <a:stretch/>
-        </p:blipFill>
-        <p:spPr>
-          <a:xfrm>
-            <a:off x="461067" y="987113"/>
-            <a:ext cx="7911145" cy="5816078"/>
-          </a:xfrm>
-          <a:prstGeom prst="rect">
-            <a:avLst/>
-          </a:prstGeom>
-        </p:spPr>
-      </p:pic>
       <p:sp>
         <p:nvSpPr>
           <p:cNvPr id="9" name="Triangolo isoscele 20">
@@ -17759,6 +17721,44 @@
           </a:p>
         </p:txBody>
       </p:sp>
+      <p:pic>
+        <p:nvPicPr>
+          <p:cNvPr id="5" name="Elemento grafico 4">
+            <a:extLst>
+              <a:ext uri="{FF2B5EF4-FFF2-40B4-BE49-F238E27FC236}">
+                <a16:creationId xmlns:a16="http://schemas.microsoft.com/office/drawing/2014/main" id="{11D21EC5-14CE-4211-B72D-424E1FDC9541}"/>
+              </a:ext>
+            </a:extLst>
+          </p:cNvPr>
+          <p:cNvPicPr>
+            <a:picLocks noChangeAspect="1"/>
+          </p:cNvPicPr>
+          <p:nvPr/>
+        </p:nvPicPr>
+        <p:blipFill rotWithShape="1">
+          <a:blip r:embed="rId3">
+            <a:extLst>
+              <a:ext uri="{28A0092B-C50C-407E-A947-70E740481C1C}">
+                <a14:useLocalDpi xmlns:a14="http://schemas.microsoft.com/office/drawing/2010/main" val="0"/>
+              </a:ext>
+              <a:ext uri="{96DAC541-7B7A-43D3-8B79-37D633B846F1}">
+                <asvg:svgBlip xmlns:asvg="http://schemas.microsoft.com/office/drawing/2016/SVG/main" r:embed="rId4"/>
+              </a:ext>
+            </a:extLst>
+          </a:blip>
+          <a:srcRect r="26157" b="23303"/>
+          <a:stretch/>
+        </p:blipFill>
+        <p:spPr>
+          <a:xfrm>
+            <a:off x="869722" y="961119"/>
+            <a:ext cx="7261096" cy="5795965"/>
+          </a:xfrm>
+          <a:prstGeom prst="rect">
+            <a:avLst/>
+          </a:prstGeom>
+        </p:spPr>
+      </p:pic>
     </p:spTree>
     <p:extLst>
       <p:ext uri="{BB962C8B-B14F-4D97-AF65-F5344CB8AC3E}">

--- a/Presentazioni/Presentazioni PB/Presentazione PB.pptx
+++ b/Presentazioni/Presentazioni PB/Presentazione PB.pptx
@@ -534,7 +534,6 @@
     </c:legend>
     <c:plotVisOnly val="1"/>
     <c:dispBlanksAs val="gap"/>
-    <c:showDLblsOverMax val="0"/>
     <c:extLst>
       <c:ext xmlns:c16r3="http://schemas.microsoft.com/office/drawing/2017/03/chart" uri="{56B9EC1D-385E-4148-901F-78D8002777C0}">
         <c16r3:dataDisplayOptions16>
@@ -542,6 +541,7 @@
         </c16r3:dataDisplayOptions16>
       </c:ext>
     </c:extLst>
+    <c:showDLblsOverMax val="0"/>
   </c:chart>
   <c:spPr>
     <a:noFill/>
@@ -1027,7 +1027,6 @@
     </c:legend>
     <c:plotVisOnly val="1"/>
     <c:dispBlanksAs val="gap"/>
-    <c:showDLblsOverMax val="0"/>
     <c:extLst>
       <c:ext xmlns:c16r3="http://schemas.microsoft.com/office/drawing/2017/03/chart" uri="{56B9EC1D-385E-4148-901F-78D8002777C0}">
         <c16r3:dataDisplayOptions16>
@@ -1035,6 +1034,7 @@
         </c16r3:dataDisplayOptions16>
       </c:ext>
     </c:extLst>
+    <c:showDLblsOverMax val="0"/>
   </c:chart>
   <c:spPr>
     <a:noFill/>
@@ -1607,7 +1607,6 @@
     </c:legend>
     <c:plotVisOnly val="1"/>
     <c:dispBlanksAs val="gap"/>
-    <c:showDLblsOverMax val="0"/>
     <c:extLst>
       <c:ext xmlns:c16r3="http://schemas.microsoft.com/office/drawing/2017/03/chart" uri="{56B9EC1D-385E-4148-901F-78D8002777C0}">
         <c16r3:dataDisplayOptions16>
@@ -1615,6 +1614,7 @@
         </c16r3:dataDisplayOptions16>
       </c:ext>
     </c:extLst>
+    <c:showDLblsOverMax val="0"/>
   </c:chart>
   <c:spPr>
     <a:solidFill>
@@ -2112,7 +2112,6 @@
     </c:legend>
     <c:plotVisOnly val="1"/>
     <c:dispBlanksAs val="gap"/>
-    <c:showDLblsOverMax val="0"/>
     <c:extLst>
       <c:ext xmlns:c16r3="http://schemas.microsoft.com/office/drawing/2017/03/chart" uri="{56B9EC1D-385E-4148-901F-78D8002777C0}">
         <c16r3:dataDisplayOptions16>
@@ -2120,6 +2119,7 @@
         </c16r3:dataDisplayOptions16>
       </c:ext>
     </c:extLst>
+    <c:showDLblsOverMax val="0"/>
   </c:chart>
   <c:spPr>
     <a:solidFill>
@@ -4374,7 +4374,7 @@
           <a:p>
             <a:fld id="{2DB0803B-BD1C-054E-8672-6BF489F426EF}" type="datetimeFigureOut">
               <a:rPr lang="it-IT" smtClean="0"/>
-              <a:t>08/04/2018</a:t>
+              <a:t>09/04/2018</a:t>
             </a:fld>
             <a:endParaRPr lang="it-IT"/>
           </a:p>
@@ -4872,7 +4872,7 @@
           <a:p>
             <a:fld id="{9ED00338-2898-4744-8D9D-6B7BA8F74234}" type="datetime1">
               <a:rPr lang="it-IT" smtClean="0"/>
-              <a:t>08/04/2018</a:t>
+              <a:t>09/04/2018</a:t>
             </a:fld>
             <a:endParaRPr lang="it-IT"/>
           </a:p>
@@ -5070,7 +5070,7 @@
           <a:p>
             <a:fld id="{8B7E456A-4F80-4185-828B-DF29EFC2526F}" type="datetime1">
               <a:rPr lang="it-IT" smtClean="0"/>
-              <a:t>08/04/2018</a:t>
+              <a:t>09/04/2018</a:t>
             </a:fld>
             <a:endParaRPr lang="it-IT"/>
           </a:p>
@@ -5278,7 +5278,7 @@
           <a:p>
             <a:fld id="{F2E83336-DAB6-490E-9162-9C568A77C974}" type="datetime1">
               <a:rPr lang="it-IT" smtClean="0"/>
-              <a:t>08/04/2018</a:t>
+              <a:t>09/04/2018</a:t>
             </a:fld>
             <a:endParaRPr lang="it-IT"/>
           </a:p>
@@ -5611,7 +5611,7 @@
           <a:p>
             <a:fld id="{CABF84E3-FB57-41B9-96CE-DDF0C9DCA04D}" type="datetime1">
               <a:rPr lang="it-IT" smtClean="0"/>
-              <a:t>08/04/2018</a:t>
+              <a:t>09/04/2018</a:t>
             </a:fld>
             <a:endParaRPr lang="it-IT"/>
           </a:p>
@@ -5886,7 +5886,7 @@
           <a:p>
             <a:fld id="{6408F17F-4898-4998-BB5C-6C732D6F090B}" type="datetime1">
               <a:rPr lang="it-IT" smtClean="0"/>
-              <a:t>08/04/2018</a:t>
+              <a:t>09/04/2018</a:t>
             </a:fld>
             <a:endParaRPr lang="it-IT"/>
           </a:p>
@@ -6151,7 +6151,7 @@
           <a:p>
             <a:fld id="{1944FA88-4D91-42A3-98D2-0F39AA14B7F6}" type="datetime1">
               <a:rPr lang="it-IT" smtClean="0"/>
-              <a:t>08/04/2018</a:t>
+              <a:t>09/04/2018</a:t>
             </a:fld>
             <a:endParaRPr lang="it-IT"/>
           </a:p>
@@ -6563,7 +6563,7 @@
           <a:p>
             <a:fld id="{C6860AB7-B0B2-4B37-855D-6B0DB4615D1B}" type="datetime1">
               <a:rPr lang="it-IT" smtClean="0"/>
-              <a:t>08/04/2018</a:t>
+              <a:t>09/04/2018</a:t>
             </a:fld>
             <a:endParaRPr lang="it-IT"/>
           </a:p>
@@ -6704,7 +6704,7 @@
           <a:p>
             <a:fld id="{5966C66E-E1AB-4E52-8110-985C53360CB7}" type="datetime1">
               <a:rPr lang="it-IT" smtClean="0"/>
-              <a:t>08/04/2018</a:t>
+              <a:t>09/04/2018</a:t>
             </a:fld>
             <a:endParaRPr lang="it-IT"/>
           </a:p>
@@ -6817,7 +6817,7 @@
           <a:p>
             <a:fld id="{4DEC7858-F57D-4DFB-9744-D403E321992A}" type="datetime1">
               <a:rPr lang="it-IT" smtClean="0"/>
-              <a:t>08/04/2018</a:t>
+              <a:t>09/04/2018</a:t>
             </a:fld>
             <a:endParaRPr lang="it-IT"/>
           </a:p>
@@ -7128,7 +7128,7 @@
           <a:p>
             <a:fld id="{7432D85D-815E-4032-8C9C-AA2FFAAFC015}" type="datetime1">
               <a:rPr lang="it-IT" smtClean="0"/>
-              <a:t>08/04/2018</a:t>
+              <a:t>09/04/2018</a:t>
             </a:fld>
             <a:endParaRPr lang="it-IT"/>
           </a:p>
@@ -7416,7 +7416,7 @@
           <a:p>
             <a:fld id="{81BFBE07-9897-4192-BD6D-E065595EB701}" type="datetime1">
               <a:rPr lang="it-IT" smtClean="0"/>
-              <a:t>08/04/2018</a:t>
+              <a:t>09/04/2018</a:t>
             </a:fld>
             <a:endParaRPr lang="it-IT"/>
           </a:p>
@@ -7657,7 +7657,7 @@
           <a:p>
             <a:fld id="{DAF894D9-0FC3-4849-96F2-0EC177E60D11}" type="datetime1">
               <a:rPr lang="it-IT" smtClean="0"/>
-              <a:t>08/04/2018</a:t>
+              <a:t>09/04/2018</a:t>
             </a:fld>
             <a:endParaRPr lang="it-IT"/>
           </a:p>
@@ -9258,7 +9258,23 @@
                   </a:outerShdw>
                 </a:effectLst>
               </a:rPr>
-              <a:t>Diagramma di sequenza / Stampa grafo</a:t>
+              <a:t>Diagramma di sequenza / </a:t>
+            </a:r>
+            <a:r>
+              <a:rPr lang="it-IT" sz="3200" b="1" i="1" dirty="0">
+                <a:ln w="0"/>
+                <a:solidFill>
+                  <a:schemeClr val="bg1"/>
+                </a:solidFill>
+                <a:effectLst>
+                  <a:outerShdw blurRad="38100" dist="19050" dir="2700000" algn="tl" rotWithShape="0">
+                    <a:schemeClr val="dk1">
+                      <a:alpha val="40000"/>
+                    </a:schemeClr>
+                  </a:outerShdw>
+                </a:effectLst>
+              </a:rPr>
+              <a:t>Stampa grafo</a:t>
             </a:r>
           </a:p>
         </p:txBody>
@@ -15292,44 +15308,6 @@
           </a:p>
         </p:txBody>
       </p:sp>
-      <p:pic>
-        <p:nvPicPr>
-          <p:cNvPr id="5" name="Elemento grafico 4">
-            <a:extLst>
-              <a:ext uri="{FF2B5EF4-FFF2-40B4-BE49-F238E27FC236}">
-                <a16:creationId xmlns:a16="http://schemas.microsoft.com/office/drawing/2014/main" id="{6D2DFEFF-176A-4CE0-8075-3A6B062BFB03}"/>
-              </a:ext>
-            </a:extLst>
-          </p:cNvPr>
-          <p:cNvPicPr>
-            <a:picLocks noChangeAspect="1"/>
-          </p:cNvPicPr>
-          <p:nvPr/>
-        </p:nvPicPr>
-        <p:blipFill rotWithShape="1">
-          <a:blip r:embed="rId3">
-            <a:extLst>
-              <a:ext uri="{28A0092B-C50C-407E-A947-70E740481C1C}">
-                <a14:useLocalDpi xmlns:a14="http://schemas.microsoft.com/office/drawing/2010/main" val="0"/>
-              </a:ext>
-              <a:ext uri="{96DAC541-7B7A-43D3-8B79-37D633B846F1}">
-                <asvg:svgBlip xmlns:asvg="http://schemas.microsoft.com/office/drawing/2016/SVG/main" r:embed="rId4"/>
-              </a:ext>
-            </a:extLst>
-          </a:blip>
-          <a:srcRect l="1772" t="1100" r="11800" b="42018"/>
-          <a:stretch/>
-        </p:blipFill>
-        <p:spPr>
-          <a:xfrm>
-            <a:off x="1703379" y="268290"/>
-            <a:ext cx="7364051" cy="6306232"/>
-          </a:xfrm>
-          <a:prstGeom prst="rect">
-            <a:avLst/>
-          </a:prstGeom>
-        </p:spPr>
-      </p:pic>
       <p:sp>
         <p:nvSpPr>
           <p:cNvPr id="8" name="Triangolo isoscele 20">
@@ -15530,6 +15508,44 @@
           </a:p>
         </p:txBody>
       </p:sp>
+      <p:pic>
+        <p:nvPicPr>
+          <p:cNvPr id="11" name="Elemento grafico 10">
+            <a:extLst>
+              <a:ext uri="{FF2B5EF4-FFF2-40B4-BE49-F238E27FC236}">
+                <a16:creationId xmlns:a16="http://schemas.microsoft.com/office/drawing/2014/main" id="{31222752-EC82-4EED-8214-A0D076C63C8A}"/>
+              </a:ext>
+            </a:extLst>
+          </p:cNvPr>
+          <p:cNvPicPr>
+            <a:picLocks noChangeAspect="1"/>
+          </p:cNvPicPr>
+          <p:nvPr/>
+        </p:nvPicPr>
+        <p:blipFill rotWithShape="1">
+          <a:blip r:embed="rId3">
+            <a:extLst>
+              <a:ext uri="{28A0092B-C50C-407E-A947-70E740481C1C}">
+                <a14:useLocalDpi xmlns:a14="http://schemas.microsoft.com/office/drawing/2010/main" val="0"/>
+              </a:ext>
+              <a:ext uri="{96DAC541-7B7A-43D3-8B79-37D633B846F1}">
+                <asvg:svgBlip xmlns:asvg="http://schemas.microsoft.com/office/drawing/2016/SVG/main" r:embed="rId4"/>
+              </a:ext>
+            </a:extLst>
+          </a:blip>
+          <a:srcRect t="975" r="11493" b="41572"/>
+          <a:stretch/>
+        </p:blipFill>
+        <p:spPr>
+          <a:xfrm>
+            <a:off x="1553616" y="274213"/>
+            <a:ext cx="7350223" cy="6208363"/>
+          </a:xfrm>
+          <a:prstGeom prst="rect">
+            <a:avLst/>
+          </a:prstGeom>
+        </p:spPr>
+      </p:pic>
     </p:spTree>
     <p:extLst>
       <p:ext uri="{BB962C8B-B14F-4D97-AF65-F5344CB8AC3E}">
@@ -15646,7 +15662,7 @@
                                       <p:cBhvr additive="base">
                                         <p:cTn id="10" dur="500"/>
                                         <p:tgtEl>
-                                          <p:spTgt spid="5"/>
+                                          <p:spTgt spid="11"/>
                                         </p:tgtEl>
                                         <p:attrNameLst>
                                           <p:attrName>ppt_x</p:attrName>
@@ -15669,7 +15685,7 @@
                                       <p:cBhvr additive="base">
                                         <p:cTn id="11" dur="500"/>
                                         <p:tgtEl>
-                                          <p:spTgt spid="5"/>
+                                          <p:spTgt spid="11"/>
                                         </p:tgtEl>
                                         <p:attrNameLst>
                                           <p:attrName>ppt_y</p:attrName>
@@ -15696,7 +15712,7 @@
                                           </p:stCondLst>
                                         </p:cTn>
                                         <p:tgtEl>
-                                          <p:spTgt spid="5"/>
+                                          <p:spTgt spid="11"/>
                                         </p:tgtEl>
                                         <p:attrNameLst>
                                           <p:attrName>style.visibility</p:attrName>
@@ -16303,44 +16319,6 @@
           </a:p>
         </p:txBody>
       </p:sp>
-      <p:pic>
-        <p:nvPicPr>
-          <p:cNvPr id="5" name="Elemento grafico 4">
-            <a:extLst>
-              <a:ext uri="{FF2B5EF4-FFF2-40B4-BE49-F238E27FC236}">
-                <a16:creationId xmlns:a16="http://schemas.microsoft.com/office/drawing/2014/main" id="{6DDE7F7C-28DC-46AC-93AF-085E350A8C3B}"/>
-              </a:ext>
-            </a:extLst>
-          </p:cNvPr>
-          <p:cNvPicPr>
-            <a:picLocks noChangeAspect="1"/>
-          </p:cNvPicPr>
-          <p:nvPr/>
-        </p:nvPicPr>
-        <p:blipFill rotWithShape="1">
-          <a:blip r:embed="rId5">
-            <a:extLst>
-              <a:ext uri="{28A0092B-C50C-407E-A947-70E740481C1C}">
-                <a14:useLocalDpi xmlns:a14="http://schemas.microsoft.com/office/drawing/2010/main" val="0"/>
-              </a:ext>
-              <a:ext uri="{96DAC541-7B7A-43D3-8B79-37D633B846F1}">
-                <asvg:svgBlip xmlns:asvg="http://schemas.microsoft.com/office/drawing/2016/SVG/main" r:embed="rId6"/>
-              </a:ext>
-            </a:extLst>
-          </a:blip>
-          <a:srcRect l="34959" t="34054" r="9446" b="598"/>
-          <a:stretch/>
-        </p:blipFill>
-        <p:spPr>
-          <a:xfrm>
-            <a:off x="1604369" y="304801"/>
-            <a:ext cx="7120181" cy="6431937"/>
-          </a:xfrm>
-          <a:prstGeom prst="rect">
-            <a:avLst/>
-          </a:prstGeom>
-        </p:spPr>
-      </p:pic>
       <p:sp>
         <p:nvSpPr>
           <p:cNvPr id="9" name="Triangolo isoscele 20">
@@ -16541,6 +16519,44 @@
           </a:p>
         </p:txBody>
       </p:sp>
+      <p:pic>
+        <p:nvPicPr>
+          <p:cNvPr id="7" name="Elemento grafico 6">
+            <a:extLst>
+              <a:ext uri="{FF2B5EF4-FFF2-40B4-BE49-F238E27FC236}">
+                <a16:creationId xmlns:a16="http://schemas.microsoft.com/office/drawing/2014/main" id="{48CAF4E8-011C-4B6B-8F28-BC35DF046E36}"/>
+              </a:ext>
+            </a:extLst>
+          </p:cNvPr>
+          <p:cNvPicPr>
+            <a:picLocks noChangeAspect="1"/>
+          </p:cNvPicPr>
+          <p:nvPr/>
+        </p:nvPicPr>
+        <p:blipFill rotWithShape="1">
+          <a:blip r:embed="rId5">
+            <a:extLst>
+              <a:ext uri="{28A0092B-C50C-407E-A947-70E740481C1C}">
+                <a14:useLocalDpi xmlns:a14="http://schemas.microsoft.com/office/drawing/2010/main" val="0"/>
+              </a:ext>
+              <a:ext uri="{96DAC541-7B7A-43D3-8B79-37D633B846F1}">
+                <asvg:svgBlip xmlns:asvg="http://schemas.microsoft.com/office/drawing/2016/SVG/main" r:embed="rId6"/>
+              </a:ext>
+            </a:extLst>
+          </a:blip>
+          <a:srcRect r="43169" b="34411"/>
+          <a:stretch/>
+        </p:blipFill>
+        <p:spPr>
+          <a:xfrm>
+            <a:off x="1605389" y="304801"/>
+            <a:ext cx="7052694" cy="6255390"/>
+          </a:xfrm>
+          <a:prstGeom prst="rect">
+            <a:avLst/>
+          </a:prstGeom>
+        </p:spPr>
+      </p:pic>
     </p:spTree>
     <p:extLst>
       <p:ext uri="{BB962C8B-B14F-4D97-AF65-F5344CB8AC3E}">
@@ -16657,7 +16673,7 @@
                                       <p:cBhvr additive="base">
                                         <p:cTn id="10" dur="500"/>
                                         <p:tgtEl>
-                                          <p:spTgt spid="5"/>
+                                          <p:spTgt spid="7"/>
                                         </p:tgtEl>
                                         <p:attrNameLst>
                                           <p:attrName>ppt_x</p:attrName>
@@ -16680,7 +16696,7 @@
                                       <p:cBhvr additive="base">
                                         <p:cTn id="11" dur="500"/>
                                         <p:tgtEl>
-                                          <p:spTgt spid="5"/>
+                                          <p:spTgt spid="7"/>
                                         </p:tgtEl>
                                         <p:attrNameLst>
                                           <p:attrName>ppt_y</p:attrName>
@@ -16707,7 +16723,7 @@
                                           </p:stCondLst>
                                         </p:cTn>
                                         <p:tgtEl>
-                                          <p:spTgt spid="5"/>
+                                          <p:spTgt spid="7"/>
                                         </p:tgtEl>
                                         <p:attrNameLst>
                                           <p:attrName>style.visibility</p:attrName>
@@ -17240,7 +17256,23 @@
                   </a:outerShdw>
                 </a:effectLst>
               </a:rPr>
-              <a:t>Diagramma di sequenza / Caricamento Voice</a:t>
+              <a:t>Diagramma di sequenza / </a:t>
+            </a:r>
+            <a:r>
+              <a:rPr lang="it-IT" sz="2800" b="1" i="1" dirty="0">
+                <a:ln w="0"/>
+                <a:solidFill>
+                  <a:schemeClr val="bg1"/>
+                </a:solidFill>
+                <a:effectLst>
+                  <a:outerShdw blurRad="38100" dist="19050" dir="2700000" algn="tl" rotWithShape="0">
+                    <a:schemeClr val="dk1">
+                      <a:alpha val="40000"/>
+                    </a:schemeClr>
+                  </a:outerShdw>
+                </a:effectLst>
+              </a:rPr>
+              <a:t>Caricamento Voice</a:t>
             </a:r>
           </a:p>
         </p:txBody>
@@ -17354,8 +17386,8 @@
         </p:nvSpPr>
         <p:spPr>
           <a:xfrm>
-            <a:off x="1018491" y="71864"/>
-            <a:ext cx="7073461" cy="755183"/>
+            <a:off x="2267415" y="64430"/>
+            <a:ext cx="4432271" cy="755183"/>
           </a:xfrm>
           <a:prstGeom prst="roundRect">
             <a:avLst/>
@@ -17401,7 +17433,7 @@
         </p:nvSpPr>
         <p:spPr>
           <a:xfrm>
-            <a:off x="2410756" y="54809"/>
+            <a:off x="2410756" y="25073"/>
             <a:ext cx="4288930" cy="1200329"/>
           </a:xfrm>
           <a:prstGeom prst="rect">
